--- a/Slides/developing-media-api-17Dec2013.pptx
+++ b/Slides/developing-media-api-17Dec2013.pptx
@@ -295,7 +295,7 @@
             <a:fld id="{DDC063FE-8627-9A42-970F-0BBEEB02B587}" type="datetimeFigureOut">
               <a:rPr lang="en-US" smtClean="0"/>
               <a:pPr/>
-              <a:t>1/17/14</a:t>
+              <a:t>1/20/14</a:t>
             </a:fld>
             <a:endParaRPr lang="en-US" dirty="0"/>
           </a:p>
@@ -464,7 +464,7 @@
     </p:spTree>
     <p:extLst>
       <p:ext uri="{BB962C8B-B14F-4D97-AF65-F5344CB8AC3E}">
-        <p14:creationId xmlns="" xmlns:a="http://schemas.openxmlformats.org/drawingml/2006/main" xmlns:r="http://schemas.openxmlformats.org/officeDocument/2006/relationships" xmlns:p="http://schemas.openxmlformats.org/presentationml/2006/main" xmlns:p14="http://schemas.microsoft.com/office/powerpoint/2010/main" xmlns:mv="urn:schemas-microsoft-com:mac:vml" xmlns:mc="http://schemas.openxmlformats.org/markup-compatibility/2006" val="4045051341"/>
+        <p14:creationId xmlns:mc="http://schemas.openxmlformats.org/markup-compatibility/2006" xmlns:mv="urn:schemas-microsoft-com:mac:vml" xmlns:p14="http://schemas.microsoft.com/office/powerpoint/2010/main" xmlns:p="http://schemas.openxmlformats.org/presentationml/2006/main" xmlns:r="http://schemas.openxmlformats.org/officeDocument/2006/relationships" xmlns:a="http://schemas.openxmlformats.org/drawingml/2006/main" xmlns="" val="4045051341"/>
       </p:ext>
     </p:extLst>
   </p:cSld>
@@ -639,7 +639,7 @@
     </p:spTree>
     <p:extLst>
       <p:ext uri="{BB962C8B-B14F-4D97-AF65-F5344CB8AC3E}">
-        <p14:creationId xmlns="" xmlns:a="http://schemas.openxmlformats.org/drawingml/2006/main" xmlns:r="http://schemas.openxmlformats.org/officeDocument/2006/relationships" xmlns:p="http://schemas.openxmlformats.org/presentationml/2006/main" xmlns:p14="http://schemas.microsoft.com/office/powerpoint/2010/main" xmlns:mv="urn:schemas-microsoft-com:mac:vml" xmlns:mc="http://schemas.openxmlformats.org/markup-compatibility/2006" val="3250658828"/>
+        <p14:creationId xmlns:mc="http://schemas.openxmlformats.org/markup-compatibility/2006" xmlns:mv="urn:schemas-microsoft-com:mac:vml" xmlns:p14="http://schemas.microsoft.com/office/powerpoint/2010/main" xmlns:p="http://schemas.openxmlformats.org/presentationml/2006/main" xmlns:r="http://schemas.openxmlformats.org/officeDocument/2006/relationships" xmlns:a="http://schemas.openxmlformats.org/drawingml/2006/main" xmlns="" val="3250658828"/>
       </p:ext>
     </p:extLst>
   </p:cSld>
@@ -724,7 +724,7 @@
     </p:spTree>
     <p:extLst>
       <p:ext uri="{BB962C8B-B14F-4D97-AF65-F5344CB8AC3E}">
-        <p14:creationId xmlns="" xmlns:a="http://schemas.openxmlformats.org/drawingml/2006/main" xmlns:r="http://schemas.openxmlformats.org/officeDocument/2006/relationships" xmlns:p="http://schemas.openxmlformats.org/presentationml/2006/main" xmlns:p14="http://schemas.microsoft.com/office/powerpoint/2010/main" xmlns:mv="urn:schemas-microsoft-com:mac:vml" xmlns:mc="http://schemas.openxmlformats.org/markup-compatibility/2006" val="3250658828"/>
+        <p14:creationId xmlns:mc="http://schemas.openxmlformats.org/markup-compatibility/2006" xmlns:mv="urn:schemas-microsoft-com:mac:vml" xmlns:p14="http://schemas.microsoft.com/office/powerpoint/2010/main" xmlns:p="http://schemas.openxmlformats.org/presentationml/2006/main" xmlns:r="http://schemas.openxmlformats.org/officeDocument/2006/relationships" xmlns:a="http://schemas.openxmlformats.org/drawingml/2006/main" xmlns="" val="3250658828"/>
       </p:ext>
     </p:extLst>
   </p:cSld>
@@ -809,7 +809,7 @@
     </p:spTree>
     <p:extLst>
       <p:ext uri="{BB962C8B-B14F-4D97-AF65-F5344CB8AC3E}">
-        <p14:creationId xmlns="" xmlns:a="http://schemas.openxmlformats.org/drawingml/2006/main" xmlns:r="http://schemas.openxmlformats.org/officeDocument/2006/relationships" xmlns:p="http://schemas.openxmlformats.org/presentationml/2006/main" xmlns:p14="http://schemas.microsoft.com/office/powerpoint/2010/main" xmlns:mv="urn:schemas-microsoft-com:mac:vml" xmlns:mc="http://schemas.openxmlformats.org/markup-compatibility/2006" val="963676054"/>
+        <p14:creationId xmlns:mc="http://schemas.openxmlformats.org/markup-compatibility/2006" xmlns:mv="urn:schemas-microsoft-com:mac:vml" xmlns:p14="http://schemas.microsoft.com/office/powerpoint/2010/main" xmlns:p="http://schemas.openxmlformats.org/presentationml/2006/main" xmlns:r="http://schemas.openxmlformats.org/officeDocument/2006/relationships" xmlns:a="http://schemas.openxmlformats.org/drawingml/2006/main" xmlns="" val="963676054"/>
       </p:ext>
     </p:extLst>
   </p:cSld>
@@ -894,7 +894,7 @@
     </p:spTree>
     <p:extLst>
       <p:ext uri="{BB962C8B-B14F-4D97-AF65-F5344CB8AC3E}">
-        <p14:creationId xmlns="" xmlns:a="http://schemas.openxmlformats.org/drawingml/2006/main" xmlns:r="http://schemas.openxmlformats.org/officeDocument/2006/relationships" xmlns:p="http://schemas.openxmlformats.org/presentationml/2006/main" xmlns:p14="http://schemas.microsoft.com/office/powerpoint/2010/main" xmlns:mv="urn:schemas-microsoft-com:mac:vml" xmlns:mc="http://schemas.openxmlformats.org/markup-compatibility/2006" val="963676054"/>
+        <p14:creationId xmlns:mc="http://schemas.openxmlformats.org/markup-compatibility/2006" xmlns:mv="urn:schemas-microsoft-com:mac:vml" xmlns:p14="http://schemas.microsoft.com/office/powerpoint/2010/main" xmlns:p="http://schemas.openxmlformats.org/presentationml/2006/main" xmlns:r="http://schemas.openxmlformats.org/officeDocument/2006/relationships" xmlns:a="http://schemas.openxmlformats.org/drawingml/2006/main" xmlns="" val="963676054"/>
       </p:ext>
     </p:extLst>
   </p:cSld>
@@ -979,7 +979,7 @@
     </p:spTree>
     <p:extLst>
       <p:ext uri="{BB962C8B-B14F-4D97-AF65-F5344CB8AC3E}">
-        <p14:creationId xmlns="" xmlns:a="http://schemas.openxmlformats.org/drawingml/2006/main" xmlns:r="http://schemas.openxmlformats.org/officeDocument/2006/relationships" xmlns:p="http://schemas.openxmlformats.org/presentationml/2006/main" xmlns:p14="http://schemas.microsoft.com/office/powerpoint/2010/main" xmlns:mv="urn:schemas-microsoft-com:mac:vml" xmlns:mc="http://schemas.openxmlformats.org/markup-compatibility/2006" val="963676054"/>
+        <p14:creationId xmlns:mc="http://schemas.openxmlformats.org/markup-compatibility/2006" xmlns:mv="urn:schemas-microsoft-com:mac:vml" xmlns:p14="http://schemas.microsoft.com/office/powerpoint/2010/main" xmlns:p="http://schemas.openxmlformats.org/presentationml/2006/main" xmlns:r="http://schemas.openxmlformats.org/officeDocument/2006/relationships" xmlns:a="http://schemas.openxmlformats.org/drawingml/2006/main" xmlns="" val="963676054"/>
       </p:ext>
     </p:extLst>
   </p:cSld>
@@ -1028,14 +1028,14 @@
           </a:ln>
           <a:extLst>
             <a:ext uri="{909E8E84-426E-40dd-AFC4-6F175D3DCCD1}">
-              <a14:hiddenFill xmlns="" xmlns:a="http://schemas.openxmlformats.org/drawingml/2006/main" xmlns:r="http://schemas.openxmlformats.org/officeDocument/2006/relationships" xmlns:p="http://schemas.openxmlformats.org/presentationml/2006/main" xmlns:a14="http://schemas.microsoft.com/office/drawing/2010/main" xmlns:mv="urn:schemas-microsoft-com:mac:vml" xmlns:mc="http://schemas.openxmlformats.org/markup-compatibility/2006">
+              <a14:hiddenFill xmlns:mc="http://schemas.openxmlformats.org/markup-compatibility/2006" xmlns:mv="urn:schemas-microsoft-com:mac:vml" xmlns:a14="http://schemas.microsoft.com/office/drawing/2010/main" xmlns:p="http://schemas.openxmlformats.org/presentationml/2006/main" xmlns:r="http://schemas.openxmlformats.org/officeDocument/2006/relationships" xmlns:a="http://schemas.openxmlformats.org/drawingml/2006/main" xmlns="">
                 <a:solidFill>
                   <a:srgbClr val="FFFFFF"/>
                 </a:solidFill>
               </a14:hiddenFill>
             </a:ext>
             <a:ext uri="{91240B29-F687-4f45-9708-019B960494DF}">
-              <a14:hiddenLine xmlns="" xmlns:a="http://schemas.openxmlformats.org/drawingml/2006/main" xmlns:r="http://schemas.openxmlformats.org/officeDocument/2006/relationships" xmlns:p="http://schemas.openxmlformats.org/presentationml/2006/main" xmlns:a14="http://schemas.microsoft.com/office/drawing/2010/main" xmlns:mv="urn:schemas-microsoft-com:mac:vml" xmlns:mc="http://schemas.openxmlformats.org/markup-compatibility/2006" w="9525">
+              <a14:hiddenLine xmlns:mc="http://schemas.openxmlformats.org/markup-compatibility/2006" xmlns:mv="urn:schemas-microsoft-com:mac:vml" xmlns:a14="http://schemas.microsoft.com/office/drawing/2010/main" xmlns:p="http://schemas.openxmlformats.org/presentationml/2006/main" xmlns:r="http://schemas.openxmlformats.org/officeDocument/2006/relationships" xmlns:a="http://schemas.openxmlformats.org/drawingml/2006/main" xmlns="" w="9525">
                 <a:solidFill>
                   <a:srgbClr val="000000"/>
                 </a:solidFill>
@@ -1189,14 +1189,14 @@
           </a:ln>
           <a:extLst>
             <a:ext uri="{909E8E84-426E-40dd-AFC4-6F175D3DCCD1}">
-              <a14:hiddenFill xmlns="" xmlns:a="http://schemas.openxmlformats.org/drawingml/2006/main" xmlns:r="http://schemas.openxmlformats.org/officeDocument/2006/relationships" xmlns:p="http://schemas.openxmlformats.org/presentationml/2006/main" xmlns:a14="http://schemas.microsoft.com/office/drawing/2010/main" xmlns:mv="urn:schemas-microsoft-com:mac:vml" xmlns:mc="http://schemas.openxmlformats.org/markup-compatibility/2006">
+              <a14:hiddenFill xmlns:mc="http://schemas.openxmlformats.org/markup-compatibility/2006" xmlns:mv="urn:schemas-microsoft-com:mac:vml" xmlns:a14="http://schemas.microsoft.com/office/drawing/2010/main" xmlns:p="http://schemas.openxmlformats.org/presentationml/2006/main" xmlns:r="http://schemas.openxmlformats.org/officeDocument/2006/relationships" xmlns:a="http://schemas.openxmlformats.org/drawingml/2006/main" xmlns="">
                 <a:solidFill>
                   <a:srgbClr val="FFFFFF"/>
                 </a:solidFill>
               </a14:hiddenFill>
             </a:ext>
             <a:ext uri="{FAA26D3D-D897-4be2-8F04-BA451C77F1D7}">
-              <ma14:placeholderFlag xmlns="" xmlns:a="http://schemas.openxmlformats.org/drawingml/2006/main" xmlns:r="http://schemas.openxmlformats.org/officeDocument/2006/relationships" xmlns:p="http://schemas.openxmlformats.org/presentationml/2006/main" xmlns:ma14="http://schemas.microsoft.com/office/mac/drawingml/2011/main" xmlns:mv="urn:schemas-microsoft-com:mac:vml" xmlns:mc="http://schemas.openxmlformats.org/markup-compatibility/2006" val="1"/>
+              <ma14:placeholderFlag xmlns:mc="http://schemas.openxmlformats.org/markup-compatibility/2006" xmlns:mv="urn:schemas-microsoft-com:mac:vml" xmlns:ma14="http://schemas.microsoft.com/office/mac/drawingml/2011/main" xmlns:p="http://schemas.openxmlformats.org/presentationml/2006/main" xmlns:r="http://schemas.openxmlformats.org/officeDocument/2006/relationships" xmlns:a="http://schemas.openxmlformats.org/drawingml/2006/main" xmlns="" val="1"/>
             </a:ext>
           </a:extLst>
         </p:spPr>
@@ -1215,14 +1215,14 @@
           <a:noFill/>
           <a:extLst>
             <a:ext uri="{909E8E84-426E-40dd-AFC4-6F175D3DCCD1}">
-              <a14:hiddenFill xmlns="" xmlns:a="http://schemas.openxmlformats.org/drawingml/2006/main" xmlns:r="http://schemas.openxmlformats.org/officeDocument/2006/relationships" xmlns:p="http://schemas.openxmlformats.org/presentationml/2006/main" xmlns:a14="http://schemas.microsoft.com/office/drawing/2010/main" xmlns:mv="urn:schemas-microsoft-com:mac:vml" xmlns:mc="http://schemas.openxmlformats.org/markup-compatibility/2006">
+              <a14:hiddenFill xmlns:mc="http://schemas.openxmlformats.org/markup-compatibility/2006" xmlns:mv="urn:schemas-microsoft-com:mac:vml" xmlns:a14="http://schemas.microsoft.com/office/drawing/2010/main" xmlns:p="http://schemas.openxmlformats.org/presentationml/2006/main" xmlns:r="http://schemas.openxmlformats.org/officeDocument/2006/relationships" xmlns:a="http://schemas.openxmlformats.org/drawingml/2006/main" xmlns="">
                 <a:solidFill>
                   <a:srgbClr val="FFFFFF"/>
                 </a:solidFill>
               </a14:hiddenFill>
             </a:ext>
             <a:ext uri="{91240B29-F687-4f45-9708-019B960494DF}">
-              <a14:hiddenLine xmlns="" xmlns:a="http://schemas.openxmlformats.org/drawingml/2006/main" xmlns:r="http://schemas.openxmlformats.org/officeDocument/2006/relationships" xmlns:p="http://schemas.openxmlformats.org/presentationml/2006/main" xmlns:a14="http://schemas.microsoft.com/office/drawing/2010/main" xmlns:mv="urn:schemas-microsoft-com:mac:vml" xmlns:mc="http://schemas.openxmlformats.org/markup-compatibility/2006" w="9525">
+              <a14:hiddenLine xmlns:mc="http://schemas.openxmlformats.org/markup-compatibility/2006" xmlns:mv="urn:schemas-microsoft-com:mac:vml" xmlns:a14="http://schemas.microsoft.com/office/drawing/2010/main" xmlns:p="http://schemas.openxmlformats.org/presentationml/2006/main" xmlns:r="http://schemas.openxmlformats.org/officeDocument/2006/relationships" xmlns:a="http://schemas.openxmlformats.org/drawingml/2006/main" xmlns="" w="9525">
                 <a:solidFill>
                   <a:srgbClr val="000000"/>
                 </a:solidFill>
@@ -1232,7 +1232,7 @@
               </a14:hiddenLine>
             </a:ext>
             <a:ext uri="{FAA26D3D-D897-4be2-8F04-BA451C77F1D7}">
-              <ma14:placeholderFlag xmlns="" xmlns:a="http://schemas.openxmlformats.org/drawingml/2006/main" xmlns:r="http://schemas.openxmlformats.org/officeDocument/2006/relationships" xmlns:p="http://schemas.openxmlformats.org/presentationml/2006/main" xmlns:ma14="http://schemas.microsoft.com/office/mac/drawingml/2011/main" xmlns:mv="urn:schemas-microsoft-com:mac:vml" xmlns:mc="http://schemas.openxmlformats.org/markup-compatibility/2006" val="1"/>
+              <ma14:placeholderFlag xmlns:mc="http://schemas.openxmlformats.org/markup-compatibility/2006" xmlns:mv="urn:schemas-microsoft-com:mac:vml" xmlns:ma14="http://schemas.microsoft.com/office/mac/drawingml/2011/main" xmlns:p="http://schemas.openxmlformats.org/presentationml/2006/main" xmlns:r="http://schemas.openxmlformats.org/officeDocument/2006/relationships" xmlns:a="http://schemas.openxmlformats.org/drawingml/2006/main" xmlns="" val="1"/>
             </a:ext>
           </a:extLst>
         </p:spPr>
@@ -1334,7 +1334,7 @@
     </p:spTree>
     <p:extLst>
       <p:ext uri="{BB962C8B-B14F-4D97-AF65-F5344CB8AC3E}">
-        <p14:creationId xmlns="" xmlns:a="http://schemas.openxmlformats.org/drawingml/2006/main" xmlns:r="http://schemas.openxmlformats.org/officeDocument/2006/relationships" xmlns:p="http://schemas.openxmlformats.org/presentationml/2006/main" xmlns:p14="http://schemas.microsoft.com/office/powerpoint/2010/main" xmlns:mv="urn:schemas-microsoft-com:mac:vml" xmlns:mc="http://schemas.openxmlformats.org/markup-compatibility/2006" val="963676054"/>
+        <p14:creationId xmlns:mc="http://schemas.openxmlformats.org/markup-compatibility/2006" xmlns:mv="urn:schemas-microsoft-com:mac:vml" xmlns:p14="http://schemas.microsoft.com/office/powerpoint/2010/main" xmlns:p="http://schemas.openxmlformats.org/presentationml/2006/main" xmlns:r="http://schemas.openxmlformats.org/officeDocument/2006/relationships" xmlns:a="http://schemas.openxmlformats.org/drawingml/2006/main" xmlns="" val="963676054"/>
       </p:ext>
     </p:extLst>
   </p:cSld>
@@ -1383,14 +1383,14 @@
           </a:ln>
           <a:extLst>
             <a:ext uri="{909E8E84-426E-40dd-AFC4-6F175D3DCCD1}">
-              <a14:hiddenFill xmlns="" xmlns:a="http://schemas.openxmlformats.org/drawingml/2006/main" xmlns:r="http://schemas.openxmlformats.org/officeDocument/2006/relationships" xmlns:p="http://schemas.openxmlformats.org/presentationml/2006/main" xmlns:a14="http://schemas.microsoft.com/office/drawing/2010/main" xmlns:mv="urn:schemas-microsoft-com:mac:vml" xmlns:mc="http://schemas.openxmlformats.org/markup-compatibility/2006">
+              <a14:hiddenFill xmlns:mc="http://schemas.openxmlformats.org/markup-compatibility/2006" xmlns:mv="urn:schemas-microsoft-com:mac:vml" xmlns:a14="http://schemas.microsoft.com/office/drawing/2010/main" xmlns:p="http://schemas.openxmlformats.org/presentationml/2006/main" xmlns:r="http://schemas.openxmlformats.org/officeDocument/2006/relationships" xmlns:a="http://schemas.openxmlformats.org/drawingml/2006/main" xmlns="">
                 <a:solidFill>
                   <a:srgbClr val="FFFFFF"/>
                 </a:solidFill>
               </a14:hiddenFill>
             </a:ext>
             <a:ext uri="{91240B29-F687-4f45-9708-019B960494DF}">
-              <a14:hiddenLine xmlns="" xmlns:a="http://schemas.openxmlformats.org/drawingml/2006/main" xmlns:r="http://schemas.openxmlformats.org/officeDocument/2006/relationships" xmlns:p="http://schemas.openxmlformats.org/presentationml/2006/main" xmlns:a14="http://schemas.microsoft.com/office/drawing/2010/main" xmlns:mv="urn:schemas-microsoft-com:mac:vml" xmlns:mc="http://schemas.openxmlformats.org/markup-compatibility/2006" w="9525">
+              <a14:hiddenLine xmlns:mc="http://schemas.openxmlformats.org/markup-compatibility/2006" xmlns:mv="urn:schemas-microsoft-com:mac:vml" xmlns:a14="http://schemas.microsoft.com/office/drawing/2010/main" xmlns:p="http://schemas.openxmlformats.org/presentationml/2006/main" xmlns:r="http://schemas.openxmlformats.org/officeDocument/2006/relationships" xmlns:a="http://schemas.openxmlformats.org/drawingml/2006/main" xmlns="" w="9525">
                 <a:solidFill>
                   <a:srgbClr val="000000"/>
                 </a:solidFill>
@@ -1544,14 +1544,14 @@
           </a:ln>
           <a:extLst>
             <a:ext uri="{909E8E84-426E-40dd-AFC4-6F175D3DCCD1}">
-              <a14:hiddenFill xmlns="" xmlns:a="http://schemas.openxmlformats.org/drawingml/2006/main" xmlns:r="http://schemas.openxmlformats.org/officeDocument/2006/relationships" xmlns:p="http://schemas.openxmlformats.org/presentationml/2006/main" xmlns:a14="http://schemas.microsoft.com/office/drawing/2010/main" xmlns:mv="urn:schemas-microsoft-com:mac:vml" xmlns:mc="http://schemas.openxmlformats.org/markup-compatibility/2006">
+              <a14:hiddenFill xmlns:mc="http://schemas.openxmlformats.org/markup-compatibility/2006" xmlns:mv="urn:schemas-microsoft-com:mac:vml" xmlns:a14="http://schemas.microsoft.com/office/drawing/2010/main" xmlns:p="http://schemas.openxmlformats.org/presentationml/2006/main" xmlns:r="http://schemas.openxmlformats.org/officeDocument/2006/relationships" xmlns:a="http://schemas.openxmlformats.org/drawingml/2006/main" xmlns="">
                 <a:solidFill>
                   <a:srgbClr val="FFFFFF"/>
                 </a:solidFill>
               </a14:hiddenFill>
             </a:ext>
             <a:ext uri="{FAA26D3D-D897-4be2-8F04-BA451C77F1D7}">
-              <ma14:placeholderFlag xmlns="" xmlns:a="http://schemas.openxmlformats.org/drawingml/2006/main" xmlns:r="http://schemas.openxmlformats.org/officeDocument/2006/relationships" xmlns:p="http://schemas.openxmlformats.org/presentationml/2006/main" xmlns:ma14="http://schemas.microsoft.com/office/mac/drawingml/2011/main" xmlns:mv="urn:schemas-microsoft-com:mac:vml" xmlns:mc="http://schemas.openxmlformats.org/markup-compatibility/2006" val="1"/>
+              <ma14:placeholderFlag xmlns:mc="http://schemas.openxmlformats.org/markup-compatibility/2006" xmlns:mv="urn:schemas-microsoft-com:mac:vml" xmlns:ma14="http://schemas.microsoft.com/office/mac/drawingml/2011/main" xmlns:p="http://schemas.openxmlformats.org/presentationml/2006/main" xmlns:r="http://schemas.openxmlformats.org/officeDocument/2006/relationships" xmlns:a="http://schemas.openxmlformats.org/drawingml/2006/main" xmlns="" val="1"/>
             </a:ext>
           </a:extLst>
         </p:spPr>
@@ -1570,14 +1570,14 @@
           <a:noFill/>
           <a:extLst>
             <a:ext uri="{909E8E84-426E-40dd-AFC4-6F175D3DCCD1}">
-              <a14:hiddenFill xmlns="" xmlns:a="http://schemas.openxmlformats.org/drawingml/2006/main" xmlns:r="http://schemas.openxmlformats.org/officeDocument/2006/relationships" xmlns:p="http://schemas.openxmlformats.org/presentationml/2006/main" xmlns:a14="http://schemas.microsoft.com/office/drawing/2010/main" xmlns:mv="urn:schemas-microsoft-com:mac:vml" xmlns:mc="http://schemas.openxmlformats.org/markup-compatibility/2006">
+              <a14:hiddenFill xmlns:mc="http://schemas.openxmlformats.org/markup-compatibility/2006" xmlns:mv="urn:schemas-microsoft-com:mac:vml" xmlns:a14="http://schemas.microsoft.com/office/drawing/2010/main" xmlns:p="http://schemas.openxmlformats.org/presentationml/2006/main" xmlns:r="http://schemas.openxmlformats.org/officeDocument/2006/relationships" xmlns:a="http://schemas.openxmlformats.org/drawingml/2006/main" xmlns="">
                 <a:solidFill>
                   <a:srgbClr val="FFFFFF"/>
                 </a:solidFill>
               </a14:hiddenFill>
             </a:ext>
             <a:ext uri="{91240B29-F687-4f45-9708-019B960494DF}">
-              <a14:hiddenLine xmlns="" xmlns:a="http://schemas.openxmlformats.org/drawingml/2006/main" xmlns:r="http://schemas.openxmlformats.org/officeDocument/2006/relationships" xmlns:p="http://schemas.openxmlformats.org/presentationml/2006/main" xmlns:a14="http://schemas.microsoft.com/office/drawing/2010/main" xmlns:mv="urn:schemas-microsoft-com:mac:vml" xmlns:mc="http://schemas.openxmlformats.org/markup-compatibility/2006" w="9525">
+              <a14:hiddenLine xmlns:mc="http://schemas.openxmlformats.org/markup-compatibility/2006" xmlns:mv="urn:schemas-microsoft-com:mac:vml" xmlns:a14="http://schemas.microsoft.com/office/drawing/2010/main" xmlns:p="http://schemas.openxmlformats.org/presentationml/2006/main" xmlns:r="http://schemas.openxmlformats.org/officeDocument/2006/relationships" xmlns:a="http://schemas.openxmlformats.org/drawingml/2006/main" xmlns="" w="9525">
                 <a:solidFill>
                   <a:srgbClr val="000000"/>
                 </a:solidFill>
@@ -1587,7 +1587,7 @@
               </a14:hiddenLine>
             </a:ext>
             <a:ext uri="{FAA26D3D-D897-4be2-8F04-BA451C77F1D7}">
-              <ma14:placeholderFlag xmlns="" xmlns:a="http://schemas.openxmlformats.org/drawingml/2006/main" xmlns:r="http://schemas.openxmlformats.org/officeDocument/2006/relationships" xmlns:p="http://schemas.openxmlformats.org/presentationml/2006/main" xmlns:ma14="http://schemas.microsoft.com/office/mac/drawingml/2011/main" xmlns:mv="urn:schemas-microsoft-com:mac:vml" xmlns:mc="http://schemas.openxmlformats.org/markup-compatibility/2006" val="1"/>
+              <ma14:placeholderFlag xmlns:mc="http://schemas.openxmlformats.org/markup-compatibility/2006" xmlns:mv="urn:schemas-microsoft-com:mac:vml" xmlns:ma14="http://schemas.microsoft.com/office/mac/drawingml/2011/main" xmlns:p="http://schemas.openxmlformats.org/presentationml/2006/main" xmlns:r="http://schemas.openxmlformats.org/officeDocument/2006/relationships" xmlns:a="http://schemas.openxmlformats.org/drawingml/2006/main" xmlns="" val="1"/>
             </a:ext>
           </a:extLst>
         </p:spPr>
@@ -1689,7 +1689,7 @@
     </p:spTree>
     <p:extLst>
       <p:ext uri="{BB962C8B-B14F-4D97-AF65-F5344CB8AC3E}">
-        <p14:creationId xmlns="" xmlns:a="http://schemas.openxmlformats.org/drawingml/2006/main" xmlns:r="http://schemas.openxmlformats.org/officeDocument/2006/relationships" xmlns:p="http://schemas.openxmlformats.org/presentationml/2006/main" xmlns:p14="http://schemas.microsoft.com/office/powerpoint/2010/main" xmlns:mv="urn:schemas-microsoft-com:mac:vml" xmlns:mc="http://schemas.openxmlformats.org/markup-compatibility/2006" val="3250658828"/>
+        <p14:creationId xmlns:mc="http://schemas.openxmlformats.org/markup-compatibility/2006" xmlns:mv="urn:schemas-microsoft-com:mac:vml" xmlns:p14="http://schemas.microsoft.com/office/powerpoint/2010/main" xmlns:p="http://schemas.openxmlformats.org/presentationml/2006/main" xmlns:r="http://schemas.openxmlformats.org/officeDocument/2006/relationships" xmlns:a="http://schemas.openxmlformats.org/drawingml/2006/main" xmlns="" val="3250658828"/>
       </p:ext>
     </p:extLst>
   </p:cSld>
@@ -1738,14 +1738,14 @@
           </a:ln>
           <a:extLst>
             <a:ext uri="{909E8E84-426E-40dd-AFC4-6F175D3DCCD1}">
-              <a14:hiddenFill xmlns="" xmlns:a="http://schemas.openxmlformats.org/drawingml/2006/main" xmlns:r="http://schemas.openxmlformats.org/officeDocument/2006/relationships" xmlns:p="http://schemas.openxmlformats.org/presentationml/2006/main" xmlns:a14="http://schemas.microsoft.com/office/drawing/2010/main" xmlns:mv="urn:schemas-microsoft-com:mac:vml" xmlns:mc="http://schemas.openxmlformats.org/markup-compatibility/2006">
+              <a14:hiddenFill xmlns:mc="http://schemas.openxmlformats.org/markup-compatibility/2006" xmlns:mv="urn:schemas-microsoft-com:mac:vml" xmlns:a14="http://schemas.microsoft.com/office/drawing/2010/main" xmlns:p="http://schemas.openxmlformats.org/presentationml/2006/main" xmlns:r="http://schemas.openxmlformats.org/officeDocument/2006/relationships" xmlns:a="http://schemas.openxmlformats.org/drawingml/2006/main" xmlns="">
                 <a:solidFill>
                   <a:srgbClr val="FFFFFF"/>
                 </a:solidFill>
               </a14:hiddenFill>
             </a:ext>
             <a:ext uri="{91240B29-F687-4f45-9708-019B960494DF}">
-              <a14:hiddenLine xmlns="" xmlns:a="http://schemas.openxmlformats.org/drawingml/2006/main" xmlns:r="http://schemas.openxmlformats.org/officeDocument/2006/relationships" xmlns:p="http://schemas.openxmlformats.org/presentationml/2006/main" xmlns:a14="http://schemas.microsoft.com/office/drawing/2010/main" xmlns:mv="urn:schemas-microsoft-com:mac:vml" xmlns:mc="http://schemas.openxmlformats.org/markup-compatibility/2006" w="9525">
+              <a14:hiddenLine xmlns:mc="http://schemas.openxmlformats.org/markup-compatibility/2006" xmlns:mv="urn:schemas-microsoft-com:mac:vml" xmlns:a14="http://schemas.microsoft.com/office/drawing/2010/main" xmlns:p="http://schemas.openxmlformats.org/presentationml/2006/main" xmlns:r="http://schemas.openxmlformats.org/officeDocument/2006/relationships" xmlns:a="http://schemas.openxmlformats.org/drawingml/2006/main" xmlns="" w="9525">
                 <a:solidFill>
                   <a:srgbClr val="000000"/>
                 </a:solidFill>
@@ -1899,14 +1899,14 @@
           </a:ln>
           <a:extLst>
             <a:ext uri="{909E8E84-426E-40dd-AFC4-6F175D3DCCD1}">
-              <a14:hiddenFill xmlns="" xmlns:a="http://schemas.openxmlformats.org/drawingml/2006/main" xmlns:r="http://schemas.openxmlformats.org/officeDocument/2006/relationships" xmlns:p="http://schemas.openxmlformats.org/presentationml/2006/main" xmlns:a14="http://schemas.microsoft.com/office/drawing/2010/main" xmlns:mv="urn:schemas-microsoft-com:mac:vml" xmlns:mc="http://schemas.openxmlformats.org/markup-compatibility/2006">
+              <a14:hiddenFill xmlns:mc="http://schemas.openxmlformats.org/markup-compatibility/2006" xmlns:mv="urn:schemas-microsoft-com:mac:vml" xmlns:a14="http://schemas.microsoft.com/office/drawing/2010/main" xmlns:p="http://schemas.openxmlformats.org/presentationml/2006/main" xmlns:r="http://schemas.openxmlformats.org/officeDocument/2006/relationships" xmlns:a="http://schemas.openxmlformats.org/drawingml/2006/main" xmlns="">
                 <a:solidFill>
                   <a:srgbClr val="FFFFFF"/>
                 </a:solidFill>
               </a14:hiddenFill>
             </a:ext>
             <a:ext uri="{FAA26D3D-D897-4be2-8F04-BA451C77F1D7}">
-              <ma14:placeholderFlag xmlns="" xmlns:a="http://schemas.openxmlformats.org/drawingml/2006/main" xmlns:r="http://schemas.openxmlformats.org/officeDocument/2006/relationships" xmlns:p="http://schemas.openxmlformats.org/presentationml/2006/main" xmlns:ma14="http://schemas.microsoft.com/office/mac/drawingml/2011/main" xmlns:mv="urn:schemas-microsoft-com:mac:vml" xmlns:mc="http://schemas.openxmlformats.org/markup-compatibility/2006" val="1"/>
+              <ma14:placeholderFlag xmlns:mc="http://schemas.openxmlformats.org/markup-compatibility/2006" xmlns:mv="urn:schemas-microsoft-com:mac:vml" xmlns:ma14="http://schemas.microsoft.com/office/mac/drawingml/2011/main" xmlns:p="http://schemas.openxmlformats.org/presentationml/2006/main" xmlns:r="http://schemas.openxmlformats.org/officeDocument/2006/relationships" xmlns:a="http://schemas.openxmlformats.org/drawingml/2006/main" xmlns="" val="1"/>
             </a:ext>
           </a:extLst>
         </p:spPr>
@@ -1925,14 +1925,14 @@
           <a:noFill/>
           <a:extLst>
             <a:ext uri="{909E8E84-426E-40dd-AFC4-6F175D3DCCD1}">
-              <a14:hiddenFill xmlns="" xmlns:a="http://schemas.openxmlformats.org/drawingml/2006/main" xmlns:r="http://schemas.openxmlformats.org/officeDocument/2006/relationships" xmlns:p="http://schemas.openxmlformats.org/presentationml/2006/main" xmlns:a14="http://schemas.microsoft.com/office/drawing/2010/main" xmlns:mv="urn:schemas-microsoft-com:mac:vml" xmlns:mc="http://schemas.openxmlformats.org/markup-compatibility/2006">
+              <a14:hiddenFill xmlns:mc="http://schemas.openxmlformats.org/markup-compatibility/2006" xmlns:mv="urn:schemas-microsoft-com:mac:vml" xmlns:a14="http://schemas.microsoft.com/office/drawing/2010/main" xmlns:p="http://schemas.openxmlformats.org/presentationml/2006/main" xmlns:r="http://schemas.openxmlformats.org/officeDocument/2006/relationships" xmlns:a="http://schemas.openxmlformats.org/drawingml/2006/main" xmlns="">
                 <a:solidFill>
                   <a:srgbClr val="FFFFFF"/>
                 </a:solidFill>
               </a14:hiddenFill>
             </a:ext>
             <a:ext uri="{91240B29-F687-4f45-9708-019B960494DF}">
-              <a14:hiddenLine xmlns="" xmlns:a="http://schemas.openxmlformats.org/drawingml/2006/main" xmlns:r="http://schemas.openxmlformats.org/officeDocument/2006/relationships" xmlns:p="http://schemas.openxmlformats.org/presentationml/2006/main" xmlns:a14="http://schemas.microsoft.com/office/drawing/2010/main" xmlns:mv="urn:schemas-microsoft-com:mac:vml" xmlns:mc="http://schemas.openxmlformats.org/markup-compatibility/2006" w="9525">
+              <a14:hiddenLine xmlns:mc="http://schemas.openxmlformats.org/markup-compatibility/2006" xmlns:mv="urn:schemas-microsoft-com:mac:vml" xmlns:a14="http://schemas.microsoft.com/office/drawing/2010/main" xmlns:p="http://schemas.openxmlformats.org/presentationml/2006/main" xmlns:r="http://schemas.openxmlformats.org/officeDocument/2006/relationships" xmlns:a="http://schemas.openxmlformats.org/drawingml/2006/main" xmlns="" w="9525">
                 <a:solidFill>
                   <a:srgbClr val="000000"/>
                 </a:solidFill>
@@ -1942,7 +1942,7 @@
               </a14:hiddenLine>
             </a:ext>
             <a:ext uri="{FAA26D3D-D897-4be2-8F04-BA451C77F1D7}">
-              <ma14:placeholderFlag xmlns="" xmlns:a="http://schemas.openxmlformats.org/drawingml/2006/main" xmlns:r="http://schemas.openxmlformats.org/officeDocument/2006/relationships" xmlns:p="http://schemas.openxmlformats.org/presentationml/2006/main" xmlns:ma14="http://schemas.microsoft.com/office/mac/drawingml/2011/main" xmlns:mv="urn:schemas-microsoft-com:mac:vml" xmlns:mc="http://schemas.openxmlformats.org/markup-compatibility/2006" val="1"/>
+              <ma14:placeholderFlag xmlns:mc="http://schemas.openxmlformats.org/markup-compatibility/2006" xmlns:mv="urn:schemas-microsoft-com:mac:vml" xmlns:ma14="http://schemas.microsoft.com/office/mac/drawingml/2011/main" xmlns:p="http://schemas.openxmlformats.org/presentationml/2006/main" xmlns:r="http://schemas.openxmlformats.org/officeDocument/2006/relationships" xmlns:a="http://schemas.openxmlformats.org/drawingml/2006/main" xmlns="" val="1"/>
             </a:ext>
           </a:extLst>
         </p:spPr>
@@ -2008,14 +2008,14 @@
           </a:ln>
           <a:extLst>
             <a:ext uri="{909E8E84-426E-40dd-AFC4-6F175D3DCCD1}">
-              <a14:hiddenFill xmlns="" xmlns:a="http://schemas.openxmlformats.org/drawingml/2006/main" xmlns:r="http://schemas.openxmlformats.org/officeDocument/2006/relationships" xmlns:p="http://schemas.openxmlformats.org/presentationml/2006/main" xmlns:a14="http://schemas.microsoft.com/office/drawing/2010/main" xmlns:mv="urn:schemas-microsoft-com:mac:vml" xmlns:mc="http://schemas.openxmlformats.org/markup-compatibility/2006">
+              <a14:hiddenFill xmlns:mc="http://schemas.openxmlformats.org/markup-compatibility/2006" xmlns:mv="urn:schemas-microsoft-com:mac:vml" xmlns:a14="http://schemas.microsoft.com/office/drawing/2010/main" xmlns:p="http://schemas.openxmlformats.org/presentationml/2006/main" xmlns:r="http://schemas.openxmlformats.org/officeDocument/2006/relationships" xmlns:a="http://schemas.openxmlformats.org/drawingml/2006/main" xmlns="">
                 <a:solidFill>
                   <a:srgbClr val="FFFFFF"/>
                 </a:solidFill>
               </a14:hiddenFill>
             </a:ext>
             <a:ext uri="{91240B29-F687-4f45-9708-019B960494DF}">
-              <a14:hiddenLine xmlns="" xmlns:a="http://schemas.openxmlformats.org/drawingml/2006/main" xmlns:r="http://schemas.openxmlformats.org/officeDocument/2006/relationships" xmlns:p="http://schemas.openxmlformats.org/presentationml/2006/main" xmlns:a14="http://schemas.microsoft.com/office/drawing/2010/main" xmlns:mv="urn:schemas-microsoft-com:mac:vml" xmlns:mc="http://schemas.openxmlformats.org/markup-compatibility/2006" w="9525">
+              <a14:hiddenLine xmlns:mc="http://schemas.openxmlformats.org/markup-compatibility/2006" xmlns:mv="urn:schemas-microsoft-com:mac:vml" xmlns:a14="http://schemas.microsoft.com/office/drawing/2010/main" xmlns:p="http://schemas.openxmlformats.org/presentationml/2006/main" xmlns:r="http://schemas.openxmlformats.org/officeDocument/2006/relationships" xmlns:a="http://schemas.openxmlformats.org/drawingml/2006/main" xmlns="" w="9525">
                 <a:solidFill>
                   <a:srgbClr val="000000"/>
                 </a:solidFill>
@@ -2169,14 +2169,14 @@
           </a:ln>
           <a:extLst>
             <a:ext uri="{909E8E84-426E-40dd-AFC4-6F175D3DCCD1}">
-              <a14:hiddenFill xmlns="" xmlns:a="http://schemas.openxmlformats.org/drawingml/2006/main" xmlns:r="http://schemas.openxmlformats.org/officeDocument/2006/relationships" xmlns:p="http://schemas.openxmlformats.org/presentationml/2006/main" xmlns:a14="http://schemas.microsoft.com/office/drawing/2010/main" xmlns:mv="urn:schemas-microsoft-com:mac:vml" xmlns:mc="http://schemas.openxmlformats.org/markup-compatibility/2006">
+              <a14:hiddenFill xmlns:mc="http://schemas.openxmlformats.org/markup-compatibility/2006" xmlns:mv="urn:schemas-microsoft-com:mac:vml" xmlns:a14="http://schemas.microsoft.com/office/drawing/2010/main" xmlns:p="http://schemas.openxmlformats.org/presentationml/2006/main" xmlns:r="http://schemas.openxmlformats.org/officeDocument/2006/relationships" xmlns:a="http://schemas.openxmlformats.org/drawingml/2006/main" xmlns="">
                 <a:solidFill>
                   <a:srgbClr val="FFFFFF"/>
                 </a:solidFill>
               </a14:hiddenFill>
             </a:ext>
             <a:ext uri="{FAA26D3D-D897-4be2-8F04-BA451C77F1D7}">
-              <ma14:placeholderFlag xmlns="" xmlns:a="http://schemas.openxmlformats.org/drawingml/2006/main" xmlns:r="http://schemas.openxmlformats.org/officeDocument/2006/relationships" xmlns:p="http://schemas.openxmlformats.org/presentationml/2006/main" xmlns:ma14="http://schemas.microsoft.com/office/mac/drawingml/2011/main" xmlns:mv="urn:schemas-microsoft-com:mac:vml" xmlns:mc="http://schemas.openxmlformats.org/markup-compatibility/2006" val="1"/>
+              <ma14:placeholderFlag xmlns:mc="http://schemas.openxmlformats.org/markup-compatibility/2006" xmlns:mv="urn:schemas-microsoft-com:mac:vml" xmlns:ma14="http://schemas.microsoft.com/office/mac/drawingml/2011/main" xmlns:p="http://schemas.openxmlformats.org/presentationml/2006/main" xmlns:r="http://schemas.openxmlformats.org/officeDocument/2006/relationships" xmlns:a="http://schemas.openxmlformats.org/drawingml/2006/main" xmlns="" val="1"/>
             </a:ext>
           </a:extLst>
         </p:spPr>
@@ -2195,14 +2195,14 @@
           <a:noFill/>
           <a:extLst>
             <a:ext uri="{909E8E84-426E-40dd-AFC4-6F175D3DCCD1}">
-              <a14:hiddenFill xmlns="" xmlns:a="http://schemas.openxmlformats.org/drawingml/2006/main" xmlns:r="http://schemas.openxmlformats.org/officeDocument/2006/relationships" xmlns:p="http://schemas.openxmlformats.org/presentationml/2006/main" xmlns:a14="http://schemas.microsoft.com/office/drawing/2010/main" xmlns:mv="urn:schemas-microsoft-com:mac:vml" xmlns:mc="http://schemas.openxmlformats.org/markup-compatibility/2006">
+              <a14:hiddenFill xmlns:mc="http://schemas.openxmlformats.org/markup-compatibility/2006" xmlns:mv="urn:schemas-microsoft-com:mac:vml" xmlns:a14="http://schemas.microsoft.com/office/drawing/2010/main" xmlns:p="http://schemas.openxmlformats.org/presentationml/2006/main" xmlns:r="http://schemas.openxmlformats.org/officeDocument/2006/relationships" xmlns:a="http://schemas.openxmlformats.org/drawingml/2006/main" xmlns="">
                 <a:solidFill>
                   <a:srgbClr val="FFFFFF"/>
                 </a:solidFill>
               </a14:hiddenFill>
             </a:ext>
             <a:ext uri="{91240B29-F687-4f45-9708-019B960494DF}">
-              <a14:hiddenLine xmlns="" xmlns:a="http://schemas.openxmlformats.org/drawingml/2006/main" xmlns:r="http://schemas.openxmlformats.org/officeDocument/2006/relationships" xmlns:p="http://schemas.openxmlformats.org/presentationml/2006/main" xmlns:a14="http://schemas.microsoft.com/office/drawing/2010/main" xmlns:mv="urn:schemas-microsoft-com:mac:vml" xmlns:mc="http://schemas.openxmlformats.org/markup-compatibility/2006" w="9525">
+              <a14:hiddenLine xmlns:mc="http://schemas.openxmlformats.org/markup-compatibility/2006" xmlns:mv="urn:schemas-microsoft-com:mac:vml" xmlns:a14="http://schemas.microsoft.com/office/drawing/2010/main" xmlns:p="http://schemas.openxmlformats.org/presentationml/2006/main" xmlns:r="http://schemas.openxmlformats.org/officeDocument/2006/relationships" xmlns:a="http://schemas.openxmlformats.org/drawingml/2006/main" xmlns="" w="9525">
                 <a:solidFill>
                   <a:srgbClr val="000000"/>
                 </a:solidFill>
@@ -2212,7 +2212,7 @@
               </a14:hiddenLine>
             </a:ext>
             <a:ext uri="{FAA26D3D-D897-4be2-8F04-BA451C77F1D7}">
-              <ma14:placeholderFlag xmlns="" xmlns:a="http://schemas.openxmlformats.org/drawingml/2006/main" xmlns:r="http://schemas.openxmlformats.org/officeDocument/2006/relationships" xmlns:p="http://schemas.openxmlformats.org/presentationml/2006/main" xmlns:ma14="http://schemas.microsoft.com/office/mac/drawingml/2011/main" xmlns:mv="urn:schemas-microsoft-com:mac:vml" xmlns:mc="http://schemas.openxmlformats.org/markup-compatibility/2006" val="1"/>
+              <ma14:placeholderFlag xmlns:mc="http://schemas.openxmlformats.org/markup-compatibility/2006" xmlns:mv="urn:schemas-microsoft-com:mac:vml" xmlns:ma14="http://schemas.microsoft.com/office/mac/drawingml/2011/main" xmlns:p="http://schemas.openxmlformats.org/presentationml/2006/main" xmlns:r="http://schemas.openxmlformats.org/officeDocument/2006/relationships" xmlns:a="http://schemas.openxmlformats.org/drawingml/2006/main" xmlns="" val="1"/>
             </a:ext>
           </a:extLst>
         </p:spPr>
@@ -2278,14 +2278,14 @@
           </a:ln>
           <a:extLst>
             <a:ext uri="{909E8E84-426E-40dd-AFC4-6F175D3DCCD1}">
-              <a14:hiddenFill xmlns="" xmlns:a="http://schemas.openxmlformats.org/drawingml/2006/main" xmlns:r="http://schemas.openxmlformats.org/officeDocument/2006/relationships" xmlns:p="http://schemas.openxmlformats.org/presentationml/2006/main" xmlns:a14="http://schemas.microsoft.com/office/drawing/2010/main" xmlns:mv="urn:schemas-microsoft-com:mac:vml" xmlns:mc="http://schemas.openxmlformats.org/markup-compatibility/2006">
+              <a14:hiddenFill xmlns:mc="http://schemas.openxmlformats.org/markup-compatibility/2006" xmlns:mv="urn:schemas-microsoft-com:mac:vml" xmlns:a14="http://schemas.microsoft.com/office/drawing/2010/main" xmlns:p="http://schemas.openxmlformats.org/presentationml/2006/main" xmlns:r="http://schemas.openxmlformats.org/officeDocument/2006/relationships" xmlns:a="http://schemas.openxmlformats.org/drawingml/2006/main" xmlns="">
                 <a:solidFill>
                   <a:srgbClr val="FFFFFF"/>
                 </a:solidFill>
               </a14:hiddenFill>
             </a:ext>
             <a:ext uri="{91240B29-F687-4f45-9708-019B960494DF}">
-              <a14:hiddenLine xmlns="" xmlns:a="http://schemas.openxmlformats.org/drawingml/2006/main" xmlns:r="http://schemas.openxmlformats.org/officeDocument/2006/relationships" xmlns:p="http://schemas.openxmlformats.org/presentationml/2006/main" xmlns:a14="http://schemas.microsoft.com/office/drawing/2010/main" xmlns:mv="urn:schemas-microsoft-com:mac:vml" xmlns:mc="http://schemas.openxmlformats.org/markup-compatibility/2006" w="9525">
+              <a14:hiddenLine xmlns:mc="http://schemas.openxmlformats.org/markup-compatibility/2006" xmlns:mv="urn:schemas-microsoft-com:mac:vml" xmlns:a14="http://schemas.microsoft.com/office/drawing/2010/main" xmlns:p="http://schemas.openxmlformats.org/presentationml/2006/main" xmlns:r="http://schemas.openxmlformats.org/officeDocument/2006/relationships" xmlns:a="http://schemas.openxmlformats.org/drawingml/2006/main" xmlns="" w="9525">
                 <a:solidFill>
                   <a:srgbClr val="000000"/>
                 </a:solidFill>
@@ -2439,14 +2439,14 @@
           </a:ln>
           <a:extLst>
             <a:ext uri="{909E8E84-426E-40dd-AFC4-6F175D3DCCD1}">
-              <a14:hiddenFill xmlns="" xmlns:a="http://schemas.openxmlformats.org/drawingml/2006/main" xmlns:r="http://schemas.openxmlformats.org/officeDocument/2006/relationships" xmlns:p="http://schemas.openxmlformats.org/presentationml/2006/main" xmlns:a14="http://schemas.microsoft.com/office/drawing/2010/main" xmlns:mv="urn:schemas-microsoft-com:mac:vml" xmlns:mc="http://schemas.openxmlformats.org/markup-compatibility/2006">
+              <a14:hiddenFill xmlns:mc="http://schemas.openxmlformats.org/markup-compatibility/2006" xmlns:mv="urn:schemas-microsoft-com:mac:vml" xmlns:a14="http://schemas.microsoft.com/office/drawing/2010/main" xmlns:p="http://schemas.openxmlformats.org/presentationml/2006/main" xmlns:r="http://schemas.openxmlformats.org/officeDocument/2006/relationships" xmlns:a="http://schemas.openxmlformats.org/drawingml/2006/main" xmlns="">
                 <a:solidFill>
                   <a:srgbClr val="FFFFFF"/>
                 </a:solidFill>
               </a14:hiddenFill>
             </a:ext>
             <a:ext uri="{FAA26D3D-D897-4be2-8F04-BA451C77F1D7}">
-              <ma14:placeholderFlag xmlns="" xmlns:a="http://schemas.openxmlformats.org/drawingml/2006/main" xmlns:r="http://schemas.openxmlformats.org/officeDocument/2006/relationships" xmlns:p="http://schemas.openxmlformats.org/presentationml/2006/main" xmlns:ma14="http://schemas.microsoft.com/office/mac/drawingml/2011/main" xmlns:mv="urn:schemas-microsoft-com:mac:vml" xmlns:mc="http://schemas.openxmlformats.org/markup-compatibility/2006" val="1"/>
+              <ma14:placeholderFlag xmlns:mc="http://schemas.openxmlformats.org/markup-compatibility/2006" xmlns:mv="urn:schemas-microsoft-com:mac:vml" xmlns:ma14="http://schemas.microsoft.com/office/mac/drawingml/2011/main" xmlns:p="http://schemas.openxmlformats.org/presentationml/2006/main" xmlns:r="http://schemas.openxmlformats.org/officeDocument/2006/relationships" xmlns:a="http://schemas.openxmlformats.org/drawingml/2006/main" xmlns="" val="1"/>
             </a:ext>
           </a:extLst>
         </p:spPr>
@@ -2465,14 +2465,14 @@
           <a:noFill/>
           <a:extLst>
             <a:ext uri="{909E8E84-426E-40dd-AFC4-6F175D3DCCD1}">
-              <a14:hiddenFill xmlns="" xmlns:a="http://schemas.openxmlformats.org/drawingml/2006/main" xmlns:r="http://schemas.openxmlformats.org/officeDocument/2006/relationships" xmlns:p="http://schemas.openxmlformats.org/presentationml/2006/main" xmlns:a14="http://schemas.microsoft.com/office/drawing/2010/main" xmlns:mv="urn:schemas-microsoft-com:mac:vml" xmlns:mc="http://schemas.openxmlformats.org/markup-compatibility/2006">
+              <a14:hiddenFill xmlns:mc="http://schemas.openxmlformats.org/markup-compatibility/2006" xmlns:mv="urn:schemas-microsoft-com:mac:vml" xmlns:a14="http://schemas.microsoft.com/office/drawing/2010/main" xmlns:p="http://schemas.openxmlformats.org/presentationml/2006/main" xmlns:r="http://schemas.openxmlformats.org/officeDocument/2006/relationships" xmlns:a="http://schemas.openxmlformats.org/drawingml/2006/main" xmlns="">
                 <a:solidFill>
                   <a:srgbClr val="FFFFFF"/>
                 </a:solidFill>
               </a14:hiddenFill>
             </a:ext>
             <a:ext uri="{91240B29-F687-4f45-9708-019B960494DF}">
-              <a14:hiddenLine xmlns="" xmlns:a="http://schemas.openxmlformats.org/drawingml/2006/main" xmlns:r="http://schemas.openxmlformats.org/officeDocument/2006/relationships" xmlns:p="http://schemas.openxmlformats.org/presentationml/2006/main" xmlns:a14="http://schemas.microsoft.com/office/drawing/2010/main" xmlns:mv="urn:schemas-microsoft-com:mac:vml" xmlns:mc="http://schemas.openxmlformats.org/markup-compatibility/2006" w="9525">
+              <a14:hiddenLine xmlns:mc="http://schemas.openxmlformats.org/markup-compatibility/2006" xmlns:mv="urn:schemas-microsoft-com:mac:vml" xmlns:a14="http://schemas.microsoft.com/office/drawing/2010/main" xmlns:p="http://schemas.openxmlformats.org/presentationml/2006/main" xmlns:r="http://schemas.openxmlformats.org/officeDocument/2006/relationships" xmlns:a="http://schemas.openxmlformats.org/drawingml/2006/main" xmlns="" w="9525">
                 <a:solidFill>
                   <a:srgbClr val="000000"/>
                 </a:solidFill>
@@ -2548,14 +2548,14 @@
           </a:ln>
           <a:extLst>
             <a:ext uri="{909E8E84-426E-40dd-AFC4-6F175D3DCCD1}">
-              <a14:hiddenFill xmlns="" xmlns:a="http://schemas.openxmlformats.org/drawingml/2006/main" xmlns:r="http://schemas.openxmlformats.org/officeDocument/2006/relationships" xmlns:p="http://schemas.openxmlformats.org/presentationml/2006/main" xmlns:a14="http://schemas.microsoft.com/office/drawing/2010/main" xmlns:mv="urn:schemas-microsoft-com:mac:vml" xmlns:mc="http://schemas.openxmlformats.org/markup-compatibility/2006">
+              <a14:hiddenFill xmlns:mc="http://schemas.openxmlformats.org/markup-compatibility/2006" xmlns:mv="urn:schemas-microsoft-com:mac:vml" xmlns:a14="http://schemas.microsoft.com/office/drawing/2010/main" xmlns:p="http://schemas.openxmlformats.org/presentationml/2006/main" xmlns:r="http://schemas.openxmlformats.org/officeDocument/2006/relationships" xmlns:a="http://schemas.openxmlformats.org/drawingml/2006/main" xmlns="">
                 <a:solidFill>
                   <a:srgbClr val="FFFFFF"/>
                 </a:solidFill>
               </a14:hiddenFill>
             </a:ext>
             <a:ext uri="{91240B29-F687-4f45-9708-019B960494DF}">
-              <a14:hiddenLine xmlns="" xmlns:a="http://schemas.openxmlformats.org/drawingml/2006/main" xmlns:r="http://schemas.openxmlformats.org/officeDocument/2006/relationships" xmlns:p="http://schemas.openxmlformats.org/presentationml/2006/main" xmlns:a14="http://schemas.microsoft.com/office/drawing/2010/main" xmlns:mv="urn:schemas-microsoft-com:mac:vml" xmlns:mc="http://schemas.openxmlformats.org/markup-compatibility/2006" w="9525">
+              <a14:hiddenLine xmlns:mc="http://schemas.openxmlformats.org/markup-compatibility/2006" xmlns:mv="urn:schemas-microsoft-com:mac:vml" xmlns:a14="http://schemas.microsoft.com/office/drawing/2010/main" xmlns:p="http://schemas.openxmlformats.org/presentationml/2006/main" xmlns:r="http://schemas.openxmlformats.org/officeDocument/2006/relationships" xmlns:a="http://schemas.openxmlformats.org/drawingml/2006/main" xmlns="" w="9525">
                 <a:solidFill>
                   <a:srgbClr val="000000"/>
                 </a:solidFill>
@@ -2709,14 +2709,14 @@
           </a:ln>
           <a:extLst>
             <a:ext uri="{909E8E84-426E-40dd-AFC4-6F175D3DCCD1}">
-              <a14:hiddenFill xmlns="" xmlns:a="http://schemas.openxmlformats.org/drawingml/2006/main" xmlns:r="http://schemas.openxmlformats.org/officeDocument/2006/relationships" xmlns:p="http://schemas.openxmlformats.org/presentationml/2006/main" xmlns:a14="http://schemas.microsoft.com/office/drawing/2010/main" xmlns:mv="urn:schemas-microsoft-com:mac:vml" xmlns:mc="http://schemas.openxmlformats.org/markup-compatibility/2006">
+              <a14:hiddenFill xmlns:mc="http://schemas.openxmlformats.org/markup-compatibility/2006" xmlns:mv="urn:schemas-microsoft-com:mac:vml" xmlns:a14="http://schemas.microsoft.com/office/drawing/2010/main" xmlns:p="http://schemas.openxmlformats.org/presentationml/2006/main" xmlns:r="http://schemas.openxmlformats.org/officeDocument/2006/relationships" xmlns:a="http://schemas.openxmlformats.org/drawingml/2006/main" xmlns="">
                 <a:solidFill>
                   <a:srgbClr val="FFFFFF"/>
                 </a:solidFill>
               </a14:hiddenFill>
             </a:ext>
             <a:ext uri="{FAA26D3D-D897-4be2-8F04-BA451C77F1D7}">
-              <ma14:placeholderFlag xmlns="" xmlns:a="http://schemas.openxmlformats.org/drawingml/2006/main" xmlns:r="http://schemas.openxmlformats.org/officeDocument/2006/relationships" xmlns:p="http://schemas.openxmlformats.org/presentationml/2006/main" xmlns:ma14="http://schemas.microsoft.com/office/mac/drawingml/2011/main" xmlns:mv="urn:schemas-microsoft-com:mac:vml" xmlns:mc="http://schemas.openxmlformats.org/markup-compatibility/2006" val="1"/>
+              <ma14:placeholderFlag xmlns:mc="http://schemas.openxmlformats.org/markup-compatibility/2006" xmlns:mv="urn:schemas-microsoft-com:mac:vml" xmlns:ma14="http://schemas.microsoft.com/office/mac/drawingml/2011/main" xmlns:p="http://schemas.openxmlformats.org/presentationml/2006/main" xmlns:r="http://schemas.openxmlformats.org/officeDocument/2006/relationships" xmlns:a="http://schemas.openxmlformats.org/drawingml/2006/main" xmlns="" val="1"/>
             </a:ext>
           </a:extLst>
         </p:spPr>
@@ -2735,14 +2735,14 @@
           <a:noFill/>
           <a:extLst>
             <a:ext uri="{909E8E84-426E-40dd-AFC4-6F175D3DCCD1}">
-              <a14:hiddenFill xmlns="" xmlns:a="http://schemas.openxmlformats.org/drawingml/2006/main" xmlns:r="http://schemas.openxmlformats.org/officeDocument/2006/relationships" xmlns:p="http://schemas.openxmlformats.org/presentationml/2006/main" xmlns:a14="http://schemas.microsoft.com/office/drawing/2010/main" xmlns:mv="urn:schemas-microsoft-com:mac:vml" xmlns:mc="http://schemas.openxmlformats.org/markup-compatibility/2006">
+              <a14:hiddenFill xmlns:mc="http://schemas.openxmlformats.org/markup-compatibility/2006" xmlns:mv="urn:schemas-microsoft-com:mac:vml" xmlns:a14="http://schemas.microsoft.com/office/drawing/2010/main" xmlns:p="http://schemas.openxmlformats.org/presentationml/2006/main" xmlns:r="http://schemas.openxmlformats.org/officeDocument/2006/relationships" xmlns:a="http://schemas.openxmlformats.org/drawingml/2006/main" xmlns="">
                 <a:solidFill>
                   <a:srgbClr val="FFFFFF"/>
                 </a:solidFill>
               </a14:hiddenFill>
             </a:ext>
             <a:ext uri="{91240B29-F687-4f45-9708-019B960494DF}">
-              <a14:hiddenLine xmlns="" xmlns:a="http://schemas.openxmlformats.org/drawingml/2006/main" xmlns:r="http://schemas.openxmlformats.org/officeDocument/2006/relationships" xmlns:p="http://schemas.openxmlformats.org/presentationml/2006/main" xmlns:a14="http://schemas.microsoft.com/office/drawing/2010/main" xmlns:mv="urn:schemas-microsoft-com:mac:vml" xmlns:mc="http://schemas.openxmlformats.org/markup-compatibility/2006" w="9525">
+              <a14:hiddenLine xmlns:mc="http://schemas.openxmlformats.org/markup-compatibility/2006" xmlns:mv="urn:schemas-microsoft-com:mac:vml" xmlns:a14="http://schemas.microsoft.com/office/drawing/2010/main" xmlns:p="http://schemas.openxmlformats.org/presentationml/2006/main" xmlns:r="http://schemas.openxmlformats.org/officeDocument/2006/relationships" xmlns:a="http://schemas.openxmlformats.org/drawingml/2006/main" xmlns="" w="9525">
                 <a:solidFill>
                   <a:srgbClr val="000000"/>
                 </a:solidFill>
@@ -2752,7 +2752,7 @@
               </a14:hiddenLine>
             </a:ext>
             <a:ext uri="{FAA26D3D-D897-4be2-8F04-BA451C77F1D7}">
-              <ma14:placeholderFlag xmlns="" xmlns:a="http://schemas.openxmlformats.org/drawingml/2006/main" xmlns:r="http://schemas.openxmlformats.org/officeDocument/2006/relationships" xmlns:p="http://schemas.openxmlformats.org/presentationml/2006/main" xmlns:ma14="http://schemas.microsoft.com/office/mac/drawingml/2011/main" xmlns:mv="urn:schemas-microsoft-com:mac:vml" xmlns:mc="http://schemas.openxmlformats.org/markup-compatibility/2006" val="1"/>
+              <ma14:placeholderFlag xmlns:mc="http://schemas.openxmlformats.org/markup-compatibility/2006" xmlns:mv="urn:schemas-microsoft-com:mac:vml" xmlns:ma14="http://schemas.microsoft.com/office/mac/drawingml/2011/main" xmlns:p="http://schemas.openxmlformats.org/presentationml/2006/main" xmlns:r="http://schemas.openxmlformats.org/officeDocument/2006/relationships" xmlns:a="http://schemas.openxmlformats.org/drawingml/2006/main" xmlns="" val="1"/>
             </a:ext>
           </a:extLst>
         </p:spPr>
@@ -2854,7 +2854,7 @@
     </p:spTree>
     <p:extLst>
       <p:ext uri="{BB962C8B-B14F-4D97-AF65-F5344CB8AC3E}">
-        <p14:creationId xmlns="" xmlns:a="http://schemas.openxmlformats.org/drawingml/2006/main" xmlns:r="http://schemas.openxmlformats.org/officeDocument/2006/relationships" xmlns:p="http://schemas.openxmlformats.org/presentationml/2006/main" xmlns:p14="http://schemas.microsoft.com/office/powerpoint/2010/main" xmlns:mv="urn:schemas-microsoft-com:mac:vml" xmlns:mc="http://schemas.openxmlformats.org/markup-compatibility/2006" val="3250658828"/>
+        <p14:creationId xmlns:mc="http://schemas.openxmlformats.org/markup-compatibility/2006" xmlns:mv="urn:schemas-microsoft-com:mac:vml" xmlns:p14="http://schemas.microsoft.com/office/powerpoint/2010/main" xmlns:p="http://schemas.openxmlformats.org/presentationml/2006/main" xmlns:r="http://schemas.openxmlformats.org/officeDocument/2006/relationships" xmlns:a="http://schemas.openxmlformats.org/drawingml/2006/main" xmlns="" val="3250658828"/>
       </p:ext>
     </p:extLst>
   </p:cSld>
@@ -2903,14 +2903,14 @@
           </a:ln>
           <a:extLst>
             <a:ext uri="{909E8E84-426E-40dd-AFC4-6F175D3DCCD1}">
-              <a14:hiddenFill xmlns="" xmlns:a="http://schemas.openxmlformats.org/drawingml/2006/main" xmlns:r="http://schemas.openxmlformats.org/officeDocument/2006/relationships" xmlns:p="http://schemas.openxmlformats.org/presentationml/2006/main" xmlns:a14="http://schemas.microsoft.com/office/drawing/2010/main" xmlns:mv="urn:schemas-microsoft-com:mac:vml" xmlns:mc="http://schemas.openxmlformats.org/markup-compatibility/2006">
+              <a14:hiddenFill xmlns:mc="http://schemas.openxmlformats.org/markup-compatibility/2006" xmlns:mv="urn:schemas-microsoft-com:mac:vml" xmlns:a14="http://schemas.microsoft.com/office/drawing/2010/main" xmlns:p="http://schemas.openxmlformats.org/presentationml/2006/main" xmlns:r="http://schemas.openxmlformats.org/officeDocument/2006/relationships" xmlns:a="http://schemas.openxmlformats.org/drawingml/2006/main" xmlns="">
                 <a:solidFill>
                   <a:srgbClr val="FFFFFF"/>
                 </a:solidFill>
               </a14:hiddenFill>
             </a:ext>
             <a:ext uri="{FAA26D3D-D897-4be2-8F04-BA451C77F1D7}">
-              <ma14:placeholderFlag xmlns="" xmlns:a="http://schemas.openxmlformats.org/drawingml/2006/main" xmlns:r="http://schemas.openxmlformats.org/officeDocument/2006/relationships" xmlns:p="http://schemas.openxmlformats.org/presentationml/2006/main" xmlns:ma14="http://schemas.microsoft.com/office/mac/drawingml/2011/main" xmlns:mv="urn:schemas-microsoft-com:mac:vml" xmlns:mc="http://schemas.openxmlformats.org/markup-compatibility/2006" val="1"/>
+              <ma14:placeholderFlag xmlns:mc="http://schemas.openxmlformats.org/markup-compatibility/2006" xmlns:mv="urn:schemas-microsoft-com:mac:vml" xmlns:ma14="http://schemas.microsoft.com/office/mac/drawingml/2011/main" xmlns:p="http://schemas.openxmlformats.org/presentationml/2006/main" xmlns:r="http://schemas.openxmlformats.org/officeDocument/2006/relationships" xmlns:a="http://schemas.openxmlformats.org/drawingml/2006/main" xmlns="" val="1"/>
             </a:ext>
           </a:extLst>
         </p:spPr>
@@ -2929,14 +2929,14 @@
           <a:noFill/>
           <a:extLst>
             <a:ext uri="{909E8E84-426E-40dd-AFC4-6F175D3DCCD1}">
-              <a14:hiddenFill xmlns="" xmlns:a="http://schemas.openxmlformats.org/drawingml/2006/main" xmlns:r="http://schemas.openxmlformats.org/officeDocument/2006/relationships" xmlns:p="http://schemas.openxmlformats.org/presentationml/2006/main" xmlns:a14="http://schemas.microsoft.com/office/drawing/2010/main" xmlns:mv="urn:schemas-microsoft-com:mac:vml" xmlns:mc="http://schemas.openxmlformats.org/markup-compatibility/2006">
+              <a14:hiddenFill xmlns:mc="http://schemas.openxmlformats.org/markup-compatibility/2006" xmlns:mv="urn:schemas-microsoft-com:mac:vml" xmlns:a14="http://schemas.microsoft.com/office/drawing/2010/main" xmlns:p="http://schemas.openxmlformats.org/presentationml/2006/main" xmlns:r="http://schemas.openxmlformats.org/officeDocument/2006/relationships" xmlns:a="http://schemas.openxmlformats.org/drawingml/2006/main" xmlns="">
                 <a:solidFill>
                   <a:srgbClr val="FFFFFF"/>
                 </a:solidFill>
               </a14:hiddenFill>
             </a:ext>
             <a:ext uri="{91240B29-F687-4f45-9708-019B960494DF}">
-              <a14:hiddenLine xmlns="" xmlns:a="http://schemas.openxmlformats.org/drawingml/2006/main" xmlns:r="http://schemas.openxmlformats.org/officeDocument/2006/relationships" xmlns:p="http://schemas.openxmlformats.org/presentationml/2006/main" xmlns:a14="http://schemas.microsoft.com/office/drawing/2010/main" xmlns:mv="urn:schemas-microsoft-com:mac:vml" xmlns:mc="http://schemas.openxmlformats.org/markup-compatibility/2006" w="9525">
+              <a14:hiddenLine xmlns:mc="http://schemas.openxmlformats.org/markup-compatibility/2006" xmlns:mv="urn:schemas-microsoft-com:mac:vml" xmlns:a14="http://schemas.microsoft.com/office/drawing/2010/main" xmlns:p="http://schemas.openxmlformats.org/presentationml/2006/main" xmlns:r="http://schemas.openxmlformats.org/officeDocument/2006/relationships" xmlns:a="http://schemas.openxmlformats.org/drawingml/2006/main" xmlns="" w="9525">
                 <a:solidFill>
                   <a:srgbClr val="000000"/>
                 </a:solidFill>
@@ -3108,7 +3108,7 @@
     </p:spTree>
     <p:extLst>
       <p:ext uri="{BB962C8B-B14F-4D97-AF65-F5344CB8AC3E}">
-        <p14:creationId xmlns="" xmlns:a="http://schemas.openxmlformats.org/drawingml/2006/main" xmlns:r="http://schemas.openxmlformats.org/officeDocument/2006/relationships" xmlns:p="http://schemas.openxmlformats.org/presentationml/2006/main" xmlns:p14="http://schemas.microsoft.com/office/powerpoint/2010/main" xmlns:mv="urn:schemas-microsoft-com:mac:vml" xmlns:mc="http://schemas.openxmlformats.org/markup-compatibility/2006" val="963676054"/>
+        <p14:creationId xmlns:mc="http://schemas.openxmlformats.org/markup-compatibility/2006" xmlns:mv="urn:schemas-microsoft-com:mac:vml" xmlns:p14="http://schemas.microsoft.com/office/powerpoint/2010/main" xmlns:p="http://schemas.openxmlformats.org/presentationml/2006/main" xmlns:r="http://schemas.openxmlformats.org/officeDocument/2006/relationships" xmlns:a="http://schemas.openxmlformats.org/drawingml/2006/main" xmlns="" val="963676054"/>
       </p:ext>
     </p:extLst>
   </p:cSld>
@@ -3157,14 +3157,14 @@
           </a:ln>
           <a:extLst>
             <a:ext uri="{909E8E84-426E-40dd-AFC4-6F175D3DCCD1}">
-              <a14:hiddenFill xmlns="" xmlns:a="http://schemas.openxmlformats.org/drawingml/2006/main" xmlns:r="http://schemas.openxmlformats.org/officeDocument/2006/relationships" xmlns:p="http://schemas.openxmlformats.org/presentationml/2006/main" xmlns:a14="http://schemas.microsoft.com/office/drawing/2010/main" xmlns:mv="urn:schemas-microsoft-com:mac:vml" xmlns:mc="http://schemas.openxmlformats.org/markup-compatibility/2006">
+              <a14:hiddenFill xmlns:mc="http://schemas.openxmlformats.org/markup-compatibility/2006" xmlns:mv="urn:schemas-microsoft-com:mac:vml" xmlns:a14="http://schemas.microsoft.com/office/drawing/2010/main" xmlns:p="http://schemas.openxmlformats.org/presentationml/2006/main" xmlns:r="http://schemas.openxmlformats.org/officeDocument/2006/relationships" xmlns:a="http://schemas.openxmlformats.org/drawingml/2006/main" xmlns="">
                 <a:solidFill>
                   <a:srgbClr val="FFFFFF"/>
                 </a:solidFill>
               </a14:hiddenFill>
             </a:ext>
             <a:ext uri="{FAA26D3D-D897-4be2-8F04-BA451C77F1D7}">
-              <ma14:placeholderFlag xmlns="" xmlns:a="http://schemas.openxmlformats.org/drawingml/2006/main" xmlns:r="http://schemas.openxmlformats.org/officeDocument/2006/relationships" xmlns:p="http://schemas.openxmlformats.org/presentationml/2006/main" xmlns:ma14="http://schemas.microsoft.com/office/mac/drawingml/2011/main" xmlns:mv="urn:schemas-microsoft-com:mac:vml" xmlns:mc="http://schemas.openxmlformats.org/markup-compatibility/2006" val="1"/>
+              <ma14:placeholderFlag xmlns:mc="http://schemas.openxmlformats.org/markup-compatibility/2006" xmlns:mv="urn:schemas-microsoft-com:mac:vml" xmlns:ma14="http://schemas.microsoft.com/office/mac/drawingml/2011/main" xmlns:p="http://schemas.openxmlformats.org/presentationml/2006/main" xmlns:r="http://schemas.openxmlformats.org/officeDocument/2006/relationships" xmlns:a="http://schemas.openxmlformats.org/drawingml/2006/main" xmlns="" val="1"/>
             </a:ext>
           </a:extLst>
         </p:spPr>
@@ -3183,14 +3183,14 @@
           <a:noFill/>
           <a:extLst>
             <a:ext uri="{909E8E84-426E-40dd-AFC4-6F175D3DCCD1}">
-              <a14:hiddenFill xmlns="" xmlns:a="http://schemas.openxmlformats.org/drawingml/2006/main" xmlns:r="http://schemas.openxmlformats.org/officeDocument/2006/relationships" xmlns:p="http://schemas.openxmlformats.org/presentationml/2006/main" xmlns:a14="http://schemas.microsoft.com/office/drawing/2010/main" xmlns:mv="urn:schemas-microsoft-com:mac:vml" xmlns:mc="http://schemas.openxmlformats.org/markup-compatibility/2006">
+              <a14:hiddenFill xmlns:mc="http://schemas.openxmlformats.org/markup-compatibility/2006" xmlns:mv="urn:schemas-microsoft-com:mac:vml" xmlns:a14="http://schemas.microsoft.com/office/drawing/2010/main" xmlns:p="http://schemas.openxmlformats.org/presentationml/2006/main" xmlns:r="http://schemas.openxmlformats.org/officeDocument/2006/relationships" xmlns:a="http://schemas.openxmlformats.org/drawingml/2006/main" xmlns="">
                 <a:solidFill>
                   <a:srgbClr val="FFFFFF"/>
                 </a:solidFill>
               </a14:hiddenFill>
             </a:ext>
             <a:ext uri="{91240B29-F687-4f45-9708-019B960494DF}">
-              <a14:hiddenLine xmlns="" xmlns:a="http://schemas.openxmlformats.org/drawingml/2006/main" xmlns:r="http://schemas.openxmlformats.org/officeDocument/2006/relationships" xmlns:p="http://schemas.openxmlformats.org/presentationml/2006/main" xmlns:a14="http://schemas.microsoft.com/office/drawing/2010/main" xmlns:mv="urn:schemas-microsoft-com:mac:vml" xmlns:mc="http://schemas.openxmlformats.org/markup-compatibility/2006" w="9525">
+              <a14:hiddenLine xmlns:mc="http://schemas.openxmlformats.org/markup-compatibility/2006" xmlns:mv="urn:schemas-microsoft-com:mac:vml" xmlns:a14="http://schemas.microsoft.com/office/drawing/2010/main" xmlns:p="http://schemas.openxmlformats.org/presentationml/2006/main" xmlns:r="http://schemas.openxmlformats.org/officeDocument/2006/relationships" xmlns:a="http://schemas.openxmlformats.org/drawingml/2006/main" xmlns="" w="9525">
                 <a:solidFill>
                   <a:srgbClr val="000000"/>
                 </a:solidFill>
@@ -3473,7 +3473,7 @@
     </p:spTree>
     <p:extLst>
       <p:ext uri="{BB962C8B-B14F-4D97-AF65-F5344CB8AC3E}">
-        <p14:creationId xmlns="" xmlns:a="http://schemas.openxmlformats.org/drawingml/2006/main" xmlns:r="http://schemas.openxmlformats.org/officeDocument/2006/relationships" xmlns:p="http://schemas.openxmlformats.org/presentationml/2006/main" xmlns:p14="http://schemas.microsoft.com/office/powerpoint/2010/main" xmlns:mv="urn:schemas-microsoft-com:mac:vml" xmlns:mc="http://schemas.openxmlformats.org/markup-compatibility/2006" val="3250658828"/>
+        <p14:creationId xmlns:mc="http://schemas.openxmlformats.org/markup-compatibility/2006" xmlns:mv="urn:schemas-microsoft-com:mac:vml" xmlns:p14="http://schemas.microsoft.com/office/powerpoint/2010/main" xmlns:p="http://schemas.openxmlformats.org/presentationml/2006/main" xmlns:r="http://schemas.openxmlformats.org/officeDocument/2006/relationships" xmlns:a="http://schemas.openxmlformats.org/drawingml/2006/main" xmlns="" val="3250658828"/>
       </p:ext>
     </p:extLst>
   </p:cSld>
@@ -3558,7 +3558,7 @@
     </p:spTree>
     <p:extLst>
       <p:ext uri="{BB962C8B-B14F-4D97-AF65-F5344CB8AC3E}">
-        <p14:creationId xmlns="" xmlns:a="http://schemas.openxmlformats.org/drawingml/2006/main" xmlns:r="http://schemas.openxmlformats.org/officeDocument/2006/relationships" xmlns:p="http://schemas.openxmlformats.org/presentationml/2006/main" xmlns:p14="http://schemas.microsoft.com/office/powerpoint/2010/main" xmlns:mv="urn:schemas-microsoft-com:mac:vml" xmlns:mc="http://schemas.openxmlformats.org/markup-compatibility/2006" val="963676054"/>
+        <p14:creationId xmlns:mc="http://schemas.openxmlformats.org/markup-compatibility/2006" xmlns:mv="urn:schemas-microsoft-com:mac:vml" xmlns:p14="http://schemas.microsoft.com/office/powerpoint/2010/main" xmlns:p="http://schemas.openxmlformats.org/presentationml/2006/main" xmlns:r="http://schemas.openxmlformats.org/officeDocument/2006/relationships" xmlns:a="http://schemas.openxmlformats.org/drawingml/2006/main" xmlns="" val="963676054"/>
       </p:ext>
     </p:extLst>
   </p:cSld>
@@ -3754,7 +3754,7 @@
     </p:spTree>
     <p:extLst>
       <p:ext uri="{BB962C8B-B14F-4D97-AF65-F5344CB8AC3E}">
-        <p14:creationId xmlns="" xmlns:a="http://schemas.openxmlformats.org/drawingml/2006/main" xmlns:r="http://schemas.openxmlformats.org/officeDocument/2006/relationships" xmlns:p="http://schemas.openxmlformats.org/presentationml/2006/main" xmlns:p14="http://schemas.microsoft.com/office/powerpoint/2010/main" xmlns:mv="urn:schemas-microsoft-com:mac:vml" xmlns:mc="http://schemas.openxmlformats.org/markup-compatibility/2006" val="3250658828"/>
+        <p14:creationId xmlns:mc="http://schemas.openxmlformats.org/markup-compatibility/2006" xmlns:mv="urn:schemas-microsoft-com:mac:vml" xmlns:p14="http://schemas.microsoft.com/office/powerpoint/2010/main" xmlns:p="http://schemas.openxmlformats.org/presentationml/2006/main" xmlns:r="http://schemas.openxmlformats.org/officeDocument/2006/relationships" xmlns:a="http://schemas.openxmlformats.org/drawingml/2006/main" xmlns="" val="3250658828"/>
       </p:ext>
     </p:extLst>
   </p:cSld>
@@ -3803,14 +3803,14 @@
           </a:ln>
           <a:extLst>
             <a:ext uri="{909E8E84-426E-40dd-AFC4-6F175D3DCCD1}">
-              <a14:hiddenFill xmlns="" xmlns:a="http://schemas.openxmlformats.org/drawingml/2006/main" xmlns:r="http://schemas.openxmlformats.org/officeDocument/2006/relationships" xmlns:p="http://schemas.openxmlformats.org/presentationml/2006/main" xmlns:a14="http://schemas.microsoft.com/office/drawing/2010/main" xmlns:mv="urn:schemas-microsoft-com:mac:vml" xmlns:mc="http://schemas.openxmlformats.org/markup-compatibility/2006">
+              <a14:hiddenFill xmlns:mc="http://schemas.openxmlformats.org/markup-compatibility/2006" xmlns:mv="urn:schemas-microsoft-com:mac:vml" xmlns:a14="http://schemas.microsoft.com/office/drawing/2010/main" xmlns:p="http://schemas.openxmlformats.org/presentationml/2006/main" xmlns:r="http://schemas.openxmlformats.org/officeDocument/2006/relationships" xmlns:a="http://schemas.openxmlformats.org/drawingml/2006/main" xmlns="">
                 <a:solidFill>
                   <a:srgbClr val="FFFFFF"/>
                 </a:solidFill>
               </a14:hiddenFill>
             </a:ext>
             <a:ext uri="{91240B29-F687-4f45-9708-019B960494DF}">
-              <a14:hiddenLine xmlns="" xmlns:a="http://schemas.openxmlformats.org/drawingml/2006/main" xmlns:r="http://schemas.openxmlformats.org/officeDocument/2006/relationships" xmlns:p="http://schemas.openxmlformats.org/presentationml/2006/main" xmlns:a14="http://schemas.microsoft.com/office/drawing/2010/main" xmlns:mv="urn:schemas-microsoft-com:mac:vml" xmlns:mc="http://schemas.openxmlformats.org/markup-compatibility/2006" w="9525">
+              <a14:hiddenLine xmlns:mc="http://schemas.openxmlformats.org/markup-compatibility/2006" xmlns:mv="urn:schemas-microsoft-com:mac:vml" xmlns:a14="http://schemas.microsoft.com/office/drawing/2010/main" xmlns:p="http://schemas.openxmlformats.org/presentationml/2006/main" xmlns:r="http://schemas.openxmlformats.org/officeDocument/2006/relationships" xmlns:a="http://schemas.openxmlformats.org/drawingml/2006/main" xmlns="" w="9525">
                 <a:solidFill>
                   <a:srgbClr val="000000"/>
                 </a:solidFill>
@@ -3964,14 +3964,14 @@
           </a:ln>
           <a:extLst>
             <a:ext uri="{909E8E84-426E-40dd-AFC4-6F175D3DCCD1}">
-              <a14:hiddenFill xmlns="" xmlns:a="http://schemas.openxmlformats.org/drawingml/2006/main" xmlns:r="http://schemas.openxmlformats.org/officeDocument/2006/relationships" xmlns:p="http://schemas.openxmlformats.org/presentationml/2006/main" xmlns:a14="http://schemas.microsoft.com/office/drawing/2010/main" xmlns:mv="urn:schemas-microsoft-com:mac:vml" xmlns:mc="http://schemas.openxmlformats.org/markup-compatibility/2006">
+              <a14:hiddenFill xmlns:mc="http://schemas.openxmlformats.org/markup-compatibility/2006" xmlns:mv="urn:schemas-microsoft-com:mac:vml" xmlns:a14="http://schemas.microsoft.com/office/drawing/2010/main" xmlns:p="http://schemas.openxmlformats.org/presentationml/2006/main" xmlns:r="http://schemas.openxmlformats.org/officeDocument/2006/relationships" xmlns:a="http://schemas.openxmlformats.org/drawingml/2006/main" xmlns="">
                 <a:solidFill>
                   <a:srgbClr val="FFFFFF"/>
                 </a:solidFill>
               </a14:hiddenFill>
             </a:ext>
             <a:ext uri="{FAA26D3D-D897-4be2-8F04-BA451C77F1D7}">
-              <ma14:placeholderFlag xmlns="" xmlns:a="http://schemas.openxmlformats.org/drawingml/2006/main" xmlns:r="http://schemas.openxmlformats.org/officeDocument/2006/relationships" xmlns:p="http://schemas.openxmlformats.org/presentationml/2006/main" xmlns:ma14="http://schemas.microsoft.com/office/mac/drawingml/2011/main" xmlns:mv="urn:schemas-microsoft-com:mac:vml" xmlns:mc="http://schemas.openxmlformats.org/markup-compatibility/2006" val="1"/>
+              <ma14:placeholderFlag xmlns:mc="http://schemas.openxmlformats.org/markup-compatibility/2006" xmlns:mv="urn:schemas-microsoft-com:mac:vml" xmlns:ma14="http://schemas.microsoft.com/office/mac/drawingml/2011/main" xmlns:p="http://schemas.openxmlformats.org/presentationml/2006/main" xmlns:r="http://schemas.openxmlformats.org/officeDocument/2006/relationships" xmlns:a="http://schemas.openxmlformats.org/drawingml/2006/main" xmlns="" val="1"/>
             </a:ext>
           </a:extLst>
         </p:spPr>
@@ -3990,14 +3990,14 @@
           <a:noFill/>
           <a:extLst>
             <a:ext uri="{909E8E84-426E-40dd-AFC4-6F175D3DCCD1}">
-              <a14:hiddenFill xmlns="" xmlns:a="http://schemas.openxmlformats.org/drawingml/2006/main" xmlns:r="http://schemas.openxmlformats.org/officeDocument/2006/relationships" xmlns:p="http://schemas.openxmlformats.org/presentationml/2006/main" xmlns:a14="http://schemas.microsoft.com/office/drawing/2010/main" xmlns:mv="urn:schemas-microsoft-com:mac:vml" xmlns:mc="http://schemas.openxmlformats.org/markup-compatibility/2006">
+              <a14:hiddenFill xmlns:mc="http://schemas.openxmlformats.org/markup-compatibility/2006" xmlns:mv="urn:schemas-microsoft-com:mac:vml" xmlns:a14="http://schemas.microsoft.com/office/drawing/2010/main" xmlns:p="http://schemas.openxmlformats.org/presentationml/2006/main" xmlns:r="http://schemas.openxmlformats.org/officeDocument/2006/relationships" xmlns:a="http://schemas.openxmlformats.org/drawingml/2006/main" xmlns="">
                 <a:solidFill>
                   <a:srgbClr val="FFFFFF"/>
                 </a:solidFill>
               </a14:hiddenFill>
             </a:ext>
             <a:ext uri="{91240B29-F687-4f45-9708-019B960494DF}">
-              <a14:hiddenLine xmlns="" xmlns:a="http://schemas.openxmlformats.org/drawingml/2006/main" xmlns:r="http://schemas.openxmlformats.org/officeDocument/2006/relationships" xmlns:p="http://schemas.openxmlformats.org/presentationml/2006/main" xmlns:a14="http://schemas.microsoft.com/office/drawing/2010/main" xmlns:mv="urn:schemas-microsoft-com:mac:vml" xmlns:mc="http://schemas.openxmlformats.org/markup-compatibility/2006" w="9525">
+              <a14:hiddenLine xmlns:mc="http://schemas.openxmlformats.org/markup-compatibility/2006" xmlns:mv="urn:schemas-microsoft-com:mac:vml" xmlns:a14="http://schemas.microsoft.com/office/drawing/2010/main" xmlns:p="http://schemas.openxmlformats.org/presentationml/2006/main" xmlns:r="http://schemas.openxmlformats.org/officeDocument/2006/relationships" xmlns:a="http://schemas.openxmlformats.org/drawingml/2006/main" xmlns="" w="9525">
                 <a:solidFill>
                   <a:srgbClr val="000000"/>
                 </a:solidFill>
@@ -4073,14 +4073,14 @@
           </a:ln>
           <a:extLst>
             <a:ext uri="{909E8E84-426E-40dd-AFC4-6F175D3DCCD1}">
-              <a14:hiddenFill xmlns="" xmlns:a="http://schemas.openxmlformats.org/drawingml/2006/main" xmlns:r="http://schemas.openxmlformats.org/officeDocument/2006/relationships" xmlns:p="http://schemas.openxmlformats.org/presentationml/2006/main" xmlns:a14="http://schemas.microsoft.com/office/drawing/2010/main" xmlns:mv="urn:schemas-microsoft-com:mac:vml" xmlns:mc="http://schemas.openxmlformats.org/markup-compatibility/2006">
+              <a14:hiddenFill xmlns:mc="http://schemas.openxmlformats.org/markup-compatibility/2006" xmlns:mv="urn:schemas-microsoft-com:mac:vml" xmlns:a14="http://schemas.microsoft.com/office/drawing/2010/main" xmlns:p="http://schemas.openxmlformats.org/presentationml/2006/main" xmlns:r="http://schemas.openxmlformats.org/officeDocument/2006/relationships" xmlns:a="http://schemas.openxmlformats.org/drawingml/2006/main" xmlns="">
                 <a:solidFill>
                   <a:srgbClr val="FFFFFF"/>
                 </a:solidFill>
               </a14:hiddenFill>
             </a:ext>
             <a:ext uri="{91240B29-F687-4f45-9708-019B960494DF}">
-              <a14:hiddenLine xmlns="" xmlns:a="http://schemas.openxmlformats.org/drawingml/2006/main" xmlns:r="http://schemas.openxmlformats.org/officeDocument/2006/relationships" xmlns:p="http://schemas.openxmlformats.org/presentationml/2006/main" xmlns:a14="http://schemas.microsoft.com/office/drawing/2010/main" xmlns:mv="urn:schemas-microsoft-com:mac:vml" xmlns:mc="http://schemas.openxmlformats.org/markup-compatibility/2006" w="9525">
+              <a14:hiddenLine xmlns:mc="http://schemas.openxmlformats.org/markup-compatibility/2006" xmlns:mv="urn:schemas-microsoft-com:mac:vml" xmlns:a14="http://schemas.microsoft.com/office/drawing/2010/main" xmlns:p="http://schemas.openxmlformats.org/presentationml/2006/main" xmlns:r="http://schemas.openxmlformats.org/officeDocument/2006/relationships" xmlns:a="http://schemas.openxmlformats.org/drawingml/2006/main" xmlns="" w="9525">
                 <a:solidFill>
                   <a:srgbClr val="000000"/>
                 </a:solidFill>
@@ -4234,14 +4234,14 @@
           </a:ln>
           <a:extLst>
             <a:ext uri="{909E8E84-426E-40dd-AFC4-6F175D3DCCD1}">
-              <a14:hiddenFill xmlns="" xmlns:a="http://schemas.openxmlformats.org/drawingml/2006/main" xmlns:r="http://schemas.openxmlformats.org/officeDocument/2006/relationships" xmlns:p="http://schemas.openxmlformats.org/presentationml/2006/main" xmlns:a14="http://schemas.microsoft.com/office/drawing/2010/main" xmlns:mv="urn:schemas-microsoft-com:mac:vml" xmlns:mc="http://schemas.openxmlformats.org/markup-compatibility/2006">
+              <a14:hiddenFill xmlns:mc="http://schemas.openxmlformats.org/markup-compatibility/2006" xmlns:mv="urn:schemas-microsoft-com:mac:vml" xmlns:a14="http://schemas.microsoft.com/office/drawing/2010/main" xmlns:p="http://schemas.openxmlformats.org/presentationml/2006/main" xmlns:r="http://schemas.openxmlformats.org/officeDocument/2006/relationships" xmlns:a="http://schemas.openxmlformats.org/drawingml/2006/main" xmlns="">
                 <a:solidFill>
                   <a:srgbClr val="FFFFFF"/>
                 </a:solidFill>
               </a14:hiddenFill>
             </a:ext>
             <a:ext uri="{FAA26D3D-D897-4be2-8F04-BA451C77F1D7}">
-              <ma14:placeholderFlag xmlns="" xmlns:a="http://schemas.openxmlformats.org/drawingml/2006/main" xmlns:r="http://schemas.openxmlformats.org/officeDocument/2006/relationships" xmlns:p="http://schemas.openxmlformats.org/presentationml/2006/main" xmlns:ma14="http://schemas.microsoft.com/office/mac/drawingml/2011/main" xmlns:mv="urn:schemas-microsoft-com:mac:vml" xmlns:mc="http://schemas.openxmlformats.org/markup-compatibility/2006" val="1"/>
+              <ma14:placeholderFlag xmlns:mc="http://schemas.openxmlformats.org/markup-compatibility/2006" xmlns:mv="urn:schemas-microsoft-com:mac:vml" xmlns:ma14="http://schemas.microsoft.com/office/mac/drawingml/2011/main" xmlns:p="http://schemas.openxmlformats.org/presentationml/2006/main" xmlns:r="http://schemas.openxmlformats.org/officeDocument/2006/relationships" xmlns:a="http://schemas.openxmlformats.org/drawingml/2006/main" xmlns="" val="1"/>
             </a:ext>
           </a:extLst>
         </p:spPr>
@@ -4260,14 +4260,14 @@
           <a:noFill/>
           <a:extLst>
             <a:ext uri="{909E8E84-426E-40dd-AFC4-6F175D3DCCD1}">
-              <a14:hiddenFill xmlns="" xmlns:a="http://schemas.openxmlformats.org/drawingml/2006/main" xmlns:r="http://schemas.openxmlformats.org/officeDocument/2006/relationships" xmlns:p="http://schemas.openxmlformats.org/presentationml/2006/main" xmlns:a14="http://schemas.microsoft.com/office/drawing/2010/main" xmlns:mv="urn:schemas-microsoft-com:mac:vml" xmlns:mc="http://schemas.openxmlformats.org/markup-compatibility/2006">
+              <a14:hiddenFill xmlns:mc="http://schemas.openxmlformats.org/markup-compatibility/2006" xmlns:mv="urn:schemas-microsoft-com:mac:vml" xmlns:a14="http://schemas.microsoft.com/office/drawing/2010/main" xmlns:p="http://schemas.openxmlformats.org/presentationml/2006/main" xmlns:r="http://schemas.openxmlformats.org/officeDocument/2006/relationships" xmlns:a="http://schemas.openxmlformats.org/drawingml/2006/main" xmlns="">
                 <a:solidFill>
                   <a:srgbClr val="FFFFFF"/>
                 </a:solidFill>
               </a14:hiddenFill>
             </a:ext>
             <a:ext uri="{91240B29-F687-4f45-9708-019B960494DF}">
-              <a14:hiddenLine xmlns="" xmlns:a="http://schemas.openxmlformats.org/drawingml/2006/main" xmlns:r="http://schemas.openxmlformats.org/officeDocument/2006/relationships" xmlns:p="http://schemas.openxmlformats.org/presentationml/2006/main" xmlns:a14="http://schemas.microsoft.com/office/drawing/2010/main" xmlns:mv="urn:schemas-microsoft-com:mac:vml" xmlns:mc="http://schemas.openxmlformats.org/markup-compatibility/2006" w="9525">
+              <a14:hiddenLine xmlns:mc="http://schemas.openxmlformats.org/markup-compatibility/2006" xmlns:mv="urn:schemas-microsoft-com:mac:vml" xmlns:a14="http://schemas.microsoft.com/office/drawing/2010/main" xmlns:p="http://schemas.openxmlformats.org/presentationml/2006/main" xmlns:r="http://schemas.openxmlformats.org/officeDocument/2006/relationships" xmlns:a="http://schemas.openxmlformats.org/drawingml/2006/main" xmlns="" w="9525">
                 <a:solidFill>
                   <a:srgbClr val="000000"/>
                 </a:solidFill>
@@ -4277,7 +4277,7 @@
               </a14:hiddenLine>
             </a:ext>
             <a:ext uri="{FAA26D3D-D897-4be2-8F04-BA451C77F1D7}">
-              <ma14:placeholderFlag xmlns="" xmlns:a="http://schemas.openxmlformats.org/drawingml/2006/main" xmlns:r="http://schemas.openxmlformats.org/officeDocument/2006/relationships" xmlns:p="http://schemas.openxmlformats.org/presentationml/2006/main" xmlns:ma14="http://schemas.microsoft.com/office/mac/drawingml/2011/main" xmlns:mv="urn:schemas-microsoft-com:mac:vml" xmlns:mc="http://schemas.openxmlformats.org/markup-compatibility/2006" val="1"/>
+              <ma14:placeholderFlag xmlns:mc="http://schemas.openxmlformats.org/markup-compatibility/2006" xmlns:mv="urn:schemas-microsoft-com:mac:vml" xmlns:ma14="http://schemas.microsoft.com/office/mac/drawingml/2011/main" xmlns:p="http://schemas.openxmlformats.org/presentationml/2006/main" xmlns:r="http://schemas.openxmlformats.org/officeDocument/2006/relationships" xmlns:a="http://schemas.openxmlformats.org/drawingml/2006/main" xmlns="" val="1"/>
             </a:ext>
           </a:extLst>
         </p:spPr>
@@ -4343,14 +4343,14 @@
           </a:ln>
           <a:extLst>
             <a:ext uri="{909E8E84-426E-40dd-AFC4-6F175D3DCCD1}">
-              <a14:hiddenFill xmlns="" xmlns:a="http://schemas.openxmlformats.org/drawingml/2006/main" xmlns:r="http://schemas.openxmlformats.org/officeDocument/2006/relationships" xmlns:p="http://schemas.openxmlformats.org/presentationml/2006/main" xmlns:a14="http://schemas.microsoft.com/office/drawing/2010/main" xmlns:mv="urn:schemas-microsoft-com:mac:vml" xmlns:mc="http://schemas.openxmlformats.org/markup-compatibility/2006">
+              <a14:hiddenFill xmlns:mc="http://schemas.openxmlformats.org/markup-compatibility/2006" xmlns:mv="urn:schemas-microsoft-com:mac:vml" xmlns:a14="http://schemas.microsoft.com/office/drawing/2010/main" xmlns:p="http://schemas.openxmlformats.org/presentationml/2006/main" xmlns:r="http://schemas.openxmlformats.org/officeDocument/2006/relationships" xmlns:a="http://schemas.openxmlformats.org/drawingml/2006/main" xmlns="">
                 <a:solidFill>
                   <a:srgbClr val="FFFFFF"/>
                 </a:solidFill>
               </a14:hiddenFill>
             </a:ext>
             <a:ext uri="{FAA26D3D-D897-4be2-8F04-BA451C77F1D7}">
-              <ma14:placeholderFlag xmlns="" xmlns:a="http://schemas.openxmlformats.org/drawingml/2006/main" xmlns:r="http://schemas.openxmlformats.org/officeDocument/2006/relationships" xmlns:p="http://schemas.openxmlformats.org/presentationml/2006/main" xmlns:ma14="http://schemas.microsoft.com/office/mac/drawingml/2011/main" xmlns:mv="urn:schemas-microsoft-com:mac:vml" xmlns:mc="http://schemas.openxmlformats.org/markup-compatibility/2006" val="1"/>
+              <ma14:placeholderFlag xmlns:mc="http://schemas.openxmlformats.org/markup-compatibility/2006" xmlns:mv="urn:schemas-microsoft-com:mac:vml" xmlns:ma14="http://schemas.microsoft.com/office/mac/drawingml/2011/main" xmlns:p="http://schemas.openxmlformats.org/presentationml/2006/main" xmlns:r="http://schemas.openxmlformats.org/officeDocument/2006/relationships" xmlns:a="http://schemas.openxmlformats.org/drawingml/2006/main" xmlns="" val="1"/>
             </a:ext>
           </a:extLst>
         </p:spPr>
@@ -4369,14 +4369,14 @@
           <a:noFill/>
           <a:extLst>
             <a:ext uri="{909E8E84-426E-40dd-AFC4-6F175D3DCCD1}">
-              <a14:hiddenFill xmlns="" xmlns:a="http://schemas.openxmlformats.org/drawingml/2006/main" xmlns:r="http://schemas.openxmlformats.org/officeDocument/2006/relationships" xmlns:p="http://schemas.openxmlformats.org/presentationml/2006/main" xmlns:a14="http://schemas.microsoft.com/office/drawing/2010/main" xmlns:mv="urn:schemas-microsoft-com:mac:vml" xmlns:mc="http://schemas.openxmlformats.org/markup-compatibility/2006">
+              <a14:hiddenFill xmlns:mc="http://schemas.openxmlformats.org/markup-compatibility/2006" xmlns:mv="urn:schemas-microsoft-com:mac:vml" xmlns:a14="http://schemas.microsoft.com/office/drawing/2010/main" xmlns:p="http://schemas.openxmlformats.org/presentationml/2006/main" xmlns:r="http://schemas.openxmlformats.org/officeDocument/2006/relationships" xmlns:a="http://schemas.openxmlformats.org/drawingml/2006/main" xmlns="">
                 <a:solidFill>
                   <a:srgbClr val="FFFFFF"/>
                 </a:solidFill>
               </a14:hiddenFill>
             </a:ext>
             <a:ext uri="{91240B29-F687-4f45-9708-019B960494DF}">
-              <a14:hiddenLine xmlns="" xmlns:a="http://schemas.openxmlformats.org/drawingml/2006/main" xmlns:r="http://schemas.openxmlformats.org/officeDocument/2006/relationships" xmlns:p="http://schemas.openxmlformats.org/presentationml/2006/main" xmlns:a14="http://schemas.microsoft.com/office/drawing/2010/main" xmlns:mv="urn:schemas-microsoft-com:mac:vml" xmlns:mc="http://schemas.openxmlformats.org/markup-compatibility/2006" w="9525">
+              <a14:hiddenLine xmlns:mc="http://schemas.openxmlformats.org/markup-compatibility/2006" xmlns:mv="urn:schemas-microsoft-com:mac:vml" xmlns:a14="http://schemas.microsoft.com/office/drawing/2010/main" xmlns:p="http://schemas.openxmlformats.org/presentationml/2006/main" xmlns:r="http://schemas.openxmlformats.org/officeDocument/2006/relationships" xmlns:a="http://schemas.openxmlformats.org/drawingml/2006/main" xmlns="" w="9525">
                 <a:solidFill>
                   <a:srgbClr val="000000"/>
                 </a:solidFill>
@@ -4386,7 +4386,7 @@
               </a14:hiddenLine>
             </a:ext>
             <a:ext uri="{FAA26D3D-D897-4be2-8F04-BA451C77F1D7}">
-              <ma14:placeholderFlag xmlns="" xmlns:a="http://schemas.openxmlformats.org/drawingml/2006/main" xmlns:r="http://schemas.openxmlformats.org/officeDocument/2006/relationships" xmlns:p="http://schemas.openxmlformats.org/presentationml/2006/main" xmlns:ma14="http://schemas.microsoft.com/office/mac/drawingml/2011/main" xmlns:mv="urn:schemas-microsoft-com:mac:vml" xmlns:mc="http://schemas.openxmlformats.org/markup-compatibility/2006" val="1"/>
+              <ma14:placeholderFlag xmlns:mc="http://schemas.openxmlformats.org/markup-compatibility/2006" xmlns:mv="urn:schemas-microsoft-com:mac:vml" xmlns:ma14="http://schemas.microsoft.com/office/mac/drawingml/2011/main" xmlns:p="http://schemas.openxmlformats.org/presentationml/2006/main" xmlns:r="http://schemas.openxmlformats.org/officeDocument/2006/relationships" xmlns:a="http://schemas.openxmlformats.org/drawingml/2006/main" xmlns="" val="1"/>
             </a:ext>
           </a:extLst>
         </p:spPr>
@@ -4598,7 +4598,7 @@
     </p:spTree>
     <p:extLst>
       <p:ext uri="{BB962C8B-B14F-4D97-AF65-F5344CB8AC3E}">
-        <p14:creationId xmlns="" xmlns:a="http://schemas.openxmlformats.org/drawingml/2006/main" xmlns:r="http://schemas.openxmlformats.org/officeDocument/2006/relationships" xmlns:p="http://schemas.openxmlformats.org/presentationml/2006/main" xmlns:p14="http://schemas.microsoft.com/office/powerpoint/2010/main" xmlns:mv="urn:schemas-microsoft-com:mac:vml" xmlns:mc="http://schemas.openxmlformats.org/markup-compatibility/2006" val="3250658828"/>
+        <p14:creationId xmlns:mc="http://schemas.openxmlformats.org/markup-compatibility/2006" xmlns:mv="urn:schemas-microsoft-com:mac:vml" xmlns:p14="http://schemas.microsoft.com/office/powerpoint/2010/main" xmlns:p="http://schemas.openxmlformats.org/presentationml/2006/main" xmlns:r="http://schemas.openxmlformats.org/officeDocument/2006/relationships" xmlns:a="http://schemas.openxmlformats.org/drawingml/2006/main" xmlns="" val="3250658828"/>
       </p:ext>
     </p:extLst>
   </p:cSld>
@@ -4647,14 +4647,14 @@
           </a:ln>
           <a:extLst>
             <a:ext uri="{909E8E84-426E-40dd-AFC4-6F175D3DCCD1}">
-              <a14:hiddenFill xmlns="" xmlns:a="http://schemas.openxmlformats.org/drawingml/2006/main" xmlns:r="http://schemas.openxmlformats.org/officeDocument/2006/relationships" xmlns:p="http://schemas.openxmlformats.org/presentationml/2006/main" xmlns:a14="http://schemas.microsoft.com/office/drawing/2010/main" xmlns:mv="urn:schemas-microsoft-com:mac:vml" xmlns:mc="http://schemas.openxmlformats.org/markup-compatibility/2006">
+              <a14:hiddenFill xmlns:mc="http://schemas.openxmlformats.org/markup-compatibility/2006" xmlns:mv="urn:schemas-microsoft-com:mac:vml" xmlns:a14="http://schemas.microsoft.com/office/drawing/2010/main" xmlns:p="http://schemas.openxmlformats.org/presentationml/2006/main" xmlns:r="http://schemas.openxmlformats.org/officeDocument/2006/relationships" xmlns:a="http://schemas.openxmlformats.org/drawingml/2006/main" xmlns="">
                 <a:solidFill>
                   <a:srgbClr val="FFFFFF"/>
                 </a:solidFill>
               </a14:hiddenFill>
             </a:ext>
             <a:ext uri="{FAA26D3D-D897-4be2-8F04-BA451C77F1D7}">
-              <ma14:placeholderFlag xmlns="" xmlns:a="http://schemas.openxmlformats.org/drawingml/2006/main" xmlns:r="http://schemas.openxmlformats.org/officeDocument/2006/relationships" xmlns:p="http://schemas.openxmlformats.org/presentationml/2006/main" xmlns:ma14="http://schemas.microsoft.com/office/mac/drawingml/2011/main" xmlns:mv="urn:schemas-microsoft-com:mac:vml" xmlns:mc="http://schemas.openxmlformats.org/markup-compatibility/2006" val="1"/>
+              <ma14:placeholderFlag xmlns:mc="http://schemas.openxmlformats.org/markup-compatibility/2006" xmlns:mv="urn:schemas-microsoft-com:mac:vml" xmlns:ma14="http://schemas.microsoft.com/office/mac/drawingml/2011/main" xmlns:p="http://schemas.openxmlformats.org/presentationml/2006/main" xmlns:r="http://schemas.openxmlformats.org/officeDocument/2006/relationships" xmlns:a="http://schemas.openxmlformats.org/drawingml/2006/main" xmlns="" val="1"/>
             </a:ext>
           </a:extLst>
         </p:spPr>
@@ -4673,14 +4673,14 @@
           <a:noFill/>
           <a:extLst>
             <a:ext uri="{909E8E84-426E-40dd-AFC4-6F175D3DCCD1}">
-              <a14:hiddenFill xmlns="" xmlns:a="http://schemas.openxmlformats.org/drawingml/2006/main" xmlns:r="http://schemas.openxmlformats.org/officeDocument/2006/relationships" xmlns:p="http://schemas.openxmlformats.org/presentationml/2006/main" xmlns:a14="http://schemas.microsoft.com/office/drawing/2010/main" xmlns:mv="urn:schemas-microsoft-com:mac:vml" xmlns:mc="http://schemas.openxmlformats.org/markup-compatibility/2006">
+              <a14:hiddenFill xmlns:mc="http://schemas.openxmlformats.org/markup-compatibility/2006" xmlns:mv="urn:schemas-microsoft-com:mac:vml" xmlns:a14="http://schemas.microsoft.com/office/drawing/2010/main" xmlns:p="http://schemas.openxmlformats.org/presentationml/2006/main" xmlns:r="http://schemas.openxmlformats.org/officeDocument/2006/relationships" xmlns:a="http://schemas.openxmlformats.org/drawingml/2006/main" xmlns="">
                 <a:solidFill>
                   <a:srgbClr val="FFFFFF"/>
                 </a:solidFill>
               </a14:hiddenFill>
             </a:ext>
             <a:ext uri="{91240B29-F687-4f45-9708-019B960494DF}">
-              <a14:hiddenLine xmlns="" xmlns:a="http://schemas.openxmlformats.org/drawingml/2006/main" xmlns:r="http://schemas.openxmlformats.org/officeDocument/2006/relationships" xmlns:p="http://schemas.openxmlformats.org/presentationml/2006/main" xmlns:a14="http://schemas.microsoft.com/office/drawing/2010/main" xmlns:mv="urn:schemas-microsoft-com:mac:vml" xmlns:mc="http://schemas.openxmlformats.org/markup-compatibility/2006" w="9525">
+              <a14:hiddenLine xmlns:mc="http://schemas.openxmlformats.org/markup-compatibility/2006" xmlns:mv="urn:schemas-microsoft-com:mac:vml" xmlns:a14="http://schemas.microsoft.com/office/drawing/2010/main" xmlns:p="http://schemas.openxmlformats.org/presentationml/2006/main" xmlns:r="http://schemas.openxmlformats.org/officeDocument/2006/relationships" xmlns:a="http://schemas.openxmlformats.org/drawingml/2006/main" xmlns="" w="9525">
                 <a:solidFill>
                   <a:srgbClr val="000000"/>
                 </a:solidFill>
@@ -4690,7 +4690,7 @@
               </a14:hiddenLine>
             </a:ext>
             <a:ext uri="{FAA26D3D-D897-4be2-8F04-BA451C77F1D7}">
-              <ma14:placeholderFlag xmlns="" xmlns:a="http://schemas.openxmlformats.org/drawingml/2006/main" xmlns:r="http://schemas.openxmlformats.org/officeDocument/2006/relationships" xmlns:p="http://schemas.openxmlformats.org/presentationml/2006/main" xmlns:ma14="http://schemas.microsoft.com/office/mac/drawingml/2011/main" xmlns:mv="urn:schemas-microsoft-com:mac:vml" xmlns:mc="http://schemas.openxmlformats.org/markup-compatibility/2006" val="1"/>
+              <ma14:placeholderFlag xmlns:mc="http://schemas.openxmlformats.org/markup-compatibility/2006" xmlns:mv="urn:schemas-microsoft-com:mac:vml" xmlns:ma14="http://schemas.microsoft.com/office/mac/drawingml/2011/main" xmlns:p="http://schemas.openxmlformats.org/presentationml/2006/main" xmlns:r="http://schemas.openxmlformats.org/officeDocument/2006/relationships" xmlns:a="http://schemas.openxmlformats.org/drawingml/2006/main" xmlns="" val="1"/>
             </a:ext>
           </a:extLst>
         </p:spPr>
@@ -4755,14 +4755,14 @@
           </a:ln>
           <a:extLst>
             <a:ext uri="{909E8E84-426E-40dd-AFC4-6F175D3DCCD1}">
-              <a14:hiddenFill xmlns="" xmlns:a="http://schemas.openxmlformats.org/drawingml/2006/main" xmlns:r="http://schemas.openxmlformats.org/officeDocument/2006/relationships" xmlns:p="http://schemas.openxmlformats.org/presentationml/2006/main" xmlns:a14="http://schemas.microsoft.com/office/drawing/2010/main" xmlns:mv="urn:schemas-microsoft-com:mac:vml" xmlns:mc="http://schemas.openxmlformats.org/markup-compatibility/2006">
+              <a14:hiddenFill xmlns:mc="http://schemas.openxmlformats.org/markup-compatibility/2006" xmlns:mv="urn:schemas-microsoft-com:mac:vml" xmlns:a14="http://schemas.microsoft.com/office/drawing/2010/main" xmlns:p="http://schemas.openxmlformats.org/presentationml/2006/main" xmlns:r="http://schemas.openxmlformats.org/officeDocument/2006/relationships" xmlns:a="http://schemas.openxmlformats.org/drawingml/2006/main" xmlns="">
                 <a:solidFill>
                   <a:srgbClr val="FFFFFF"/>
                 </a:solidFill>
               </a14:hiddenFill>
             </a:ext>
             <a:ext uri="{FAA26D3D-D897-4be2-8F04-BA451C77F1D7}">
-              <ma14:placeholderFlag xmlns="" xmlns:a="http://schemas.openxmlformats.org/drawingml/2006/main" xmlns:r="http://schemas.openxmlformats.org/officeDocument/2006/relationships" xmlns:p="http://schemas.openxmlformats.org/presentationml/2006/main" xmlns:ma14="http://schemas.microsoft.com/office/mac/drawingml/2011/main" xmlns:mv="urn:schemas-microsoft-com:mac:vml" xmlns:mc="http://schemas.openxmlformats.org/markup-compatibility/2006" val="1"/>
+              <ma14:placeholderFlag xmlns:mc="http://schemas.openxmlformats.org/markup-compatibility/2006" xmlns:mv="urn:schemas-microsoft-com:mac:vml" xmlns:ma14="http://schemas.microsoft.com/office/mac/drawingml/2011/main" xmlns:p="http://schemas.openxmlformats.org/presentationml/2006/main" xmlns:r="http://schemas.openxmlformats.org/officeDocument/2006/relationships" xmlns:a="http://schemas.openxmlformats.org/drawingml/2006/main" xmlns="" val="1"/>
             </a:ext>
           </a:extLst>
         </p:spPr>
@@ -4781,14 +4781,14 @@
           <a:noFill/>
           <a:extLst>
             <a:ext uri="{909E8E84-426E-40dd-AFC4-6F175D3DCCD1}">
-              <a14:hiddenFill xmlns="" xmlns:a="http://schemas.openxmlformats.org/drawingml/2006/main" xmlns:r="http://schemas.openxmlformats.org/officeDocument/2006/relationships" xmlns:p="http://schemas.openxmlformats.org/presentationml/2006/main" xmlns:a14="http://schemas.microsoft.com/office/drawing/2010/main" xmlns:mv="urn:schemas-microsoft-com:mac:vml" xmlns:mc="http://schemas.openxmlformats.org/markup-compatibility/2006">
+              <a14:hiddenFill xmlns:mc="http://schemas.openxmlformats.org/markup-compatibility/2006" xmlns:mv="urn:schemas-microsoft-com:mac:vml" xmlns:a14="http://schemas.microsoft.com/office/drawing/2010/main" xmlns:p="http://schemas.openxmlformats.org/presentationml/2006/main" xmlns:r="http://schemas.openxmlformats.org/officeDocument/2006/relationships" xmlns:a="http://schemas.openxmlformats.org/drawingml/2006/main" xmlns="">
                 <a:solidFill>
                   <a:srgbClr val="FFFFFF"/>
                 </a:solidFill>
               </a14:hiddenFill>
             </a:ext>
             <a:ext uri="{91240B29-F687-4f45-9708-019B960494DF}">
-              <a14:hiddenLine xmlns="" xmlns:a="http://schemas.openxmlformats.org/drawingml/2006/main" xmlns:r="http://schemas.openxmlformats.org/officeDocument/2006/relationships" xmlns:p="http://schemas.openxmlformats.org/presentationml/2006/main" xmlns:a14="http://schemas.microsoft.com/office/drawing/2010/main" xmlns:mv="urn:schemas-microsoft-com:mac:vml" xmlns:mc="http://schemas.openxmlformats.org/markup-compatibility/2006" w="9525">
+              <a14:hiddenLine xmlns:mc="http://schemas.openxmlformats.org/markup-compatibility/2006" xmlns:mv="urn:schemas-microsoft-com:mac:vml" xmlns:a14="http://schemas.microsoft.com/office/drawing/2010/main" xmlns:p="http://schemas.openxmlformats.org/presentationml/2006/main" xmlns:r="http://schemas.openxmlformats.org/officeDocument/2006/relationships" xmlns:a="http://schemas.openxmlformats.org/drawingml/2006/main" xmlns="" w="9525">
                 <a:solidFill>
                   <a:srgbClr val="000000"/>
                 </a:solidFill>
@@ -4798,7 +4798,7 @@
               </a14:hiddenLine>
             </a:ext>
             <a:ext uri="{FAA26D3D-D897-4be2-8F04-BA451C77F1D7}">
-              <ma14:placeholderFlag xmlns="" xmlns:a="http://schemas.openxmlformats.org/drawingml/2006/main" xmlns:r="http://schemas.openxmlformats.org/officeDocument/2006/relationships" xmlns:p="http://schemas.openxmlformats.org/presentationml/2006/main" xmlns:ma14="http://schemas.microsoft.com/office/mac/drawingml/2011/main" xmlns:mv="urn:schemas-microsoft-com:mac:vml" xmlns:mc="http://schemas.openxmlformats.org/markup-compatibility/2006" val="1"/>
+              <ma14:placeholderFlag xmlns:mc="http://schemas.openxmlformats.org/markup-compatibility/2006" xmlns:mv="urn:schemas-microsoft-com:mac:vml" xmlns:ma14="http://schemas.microsoft.com/office/mac/drawingml/2011/main" xmlns:p="http://schemas.openxmlformats.org/presentationml/2006/main" xmlns:r="http://schemas.openxmlformats.org/officeDocument/2006/relationships" xmlns:a="http://schemas.openxmlformats.org/drawingml/2006/main" xmlns="" val="1"/>
             </a:ext>
           </a:extLst>
         </p:spPr>
@@ -5010,7 +5010,7 @@
     </p:spTree>
     <p:extLst>
       <p:ext uri="{BB962C8B-B14F-4D97-AF65-F5344CB8AC3E}">
-        <p14:creationId xmlns="" xmlns:a="http://schemas.openxmlformats.org/drawingml/2006/main" xmlns:r="http://schemas.openxmlformats.org/officeDocument/2006/relationships" xmlns:p="http://schemas.openxmlformats.org/presentationml/2006/main" xmlns:p14="http://schemas.microsoft.com/office/powerpoint/2010/main" xmlns:mv="urn:schemas-microsoft-com:mac:vml" xmlns:mc="http://schemas.openxmlformats.org/markup-compatibility/2006" val="3250658828"/>
+        <p14:creationId xmlns:mc="http://schemas.openxmlformats.org/markup-compatibility/2006" xmlns:mv="urn:schemas-microsoft-com:mac:vml" xmlns:p14="http://schemas.microsoft.com/office/powerpoint/2010/main" xmlns:p="http://schemas.openxmlformats.org/presentationml/2006/main" xmlns:r="http://schemas.openxmlformats.org/officeDocument/2006/relationships" xmlns:a="http://schemas.openxmlformats.org/drawingml/2006/main" xmlns="" val="3250658828"/>
       </p:ext>
     </p:extLst>
   </p:cSld>
@@ -5059,14 +5059,14 @@
           </a:ln>
           <a:extLst>
             <a:ext uri="{909E8E84-426E-40dd-AFC4-6F175D3DCCD1}">
-              <a14:hiddenFill xmlns="" xmlns:a="http://schemas.openxmlformats.org/drawingml/2006/main" xmlns:r="http://schemas.openxmlformats.org/officeDocument/2006/relationships" xmlns:p="http://schemas.openxmlformats.org/presentationml/2006/main" xmlns:a14="http://schemas.microsoft.com/office/drawing/2010/main" xmlns:mv="urn:schemas-microsoft-com:mac:vml" xmlns:mc="http://schemas.openxmlformats.org/markup-compatibility/2006">
+              <a14:hiddenFill xmlns:mc="http://schemas.openxmlformats.org/markup-compatibility/2006" xmlns:mv="urn:schemas-microsoft-com:mac:vml" xmlns:a14="http://schemas.microsoft.com/office/drawing/2010/main" xmlns:p="http://schemas.openxmlformats.org/presentationml/2006/main" xmlns:r="http://schemas.openxmlformats.org/officeDocument/2006/relationships" xmlns:a="http://schemas.openxmlformats.org/drawingml/2006/main" xmlns="">
                 <a:solidFill>
                   <a:srgbClr val="FFFFFF"/>
                 </a:solidFill>
               </a14:hiddenFill>
             </a:ext>
             <a:ext uri="{FAA26D3D-D897-4be2-8F04-BA451C77F1D7}">
-              <ma14:placeholderFlag xmlns="" xmlns:a="http://schemas.openxmlformats.org/drawingml/2006/main" xmlns:r="http://schemas.openxmlformats.org/officeDocument/2006/relationships" xmlns:p="http://schemas.openxmlformats.org/presentationml/2006/main" xmlns:ma14="http://schemas.microsoft.com/office/mac/drawingml/2011/main" xmlns:mv="urn:schemas-microsoft-com:mac:vml" xmlns:mc="http://schemas.openxmlformats.org/markup-compatibility/2006" val="1"/>
+              <ma14:placeholderFlag xmlns:mc="http://schemas.openxmlformats.org/markup-compatibility/2006" xmlns:mv="urn:schemas-microsoft-com:mac:vml" xmlns:ma14="http://schemas.microsoft.com/office/mac/drawingml/2011/main" xmlns:p="http://schemas.openxmlformats.org/presentationml/2006/main" xmlns:r="http://schemas.openxmlformats.org/officeDocument/2006/relationships" xmlns:a="http://schemas.openxmlformats.org/drawingml/2006/main" xmlns="" val="1"/>
             </a:ext>
           </a:extLst>
         </p:spPr>
@@ -5085,14 +5085,14 @@
           <a:noFill/>
           <a:extLst>
             <a:ext uri="{909E8E84-426E-40dd-AFC4-6F175D3DCCD1}">
-              <a14:hiddenFill xmlns="" xmlns:a="http://schemas.openxmlformats.org/drawingml/2006/main" xmlns:r="http://schemas.openxmlformats.org/officeDocument/2006/relationships" xmlns:p="http://schemas.openxmlformats.org/presentationml/2006/main" xmlns:a14="http://schemas.microsoft.com/office/drawing/2010/main" xmlns:mv="urn:schemas-microsoft-com:mac:vml" xmlns:mc="http://schemas.openxmlformats.org/markup-compatibility/2006">
+              <a14:hiddenFill xmlns:mc="http://schemas.openxmlformats.org/markup-compatibility/2006" xmlns:mv="urn:schemas-microsoft-com:mac:vml" xmlns:a14="http://schemas.microsoft.com/office/drawing/2010/main" xmlns:p="http://schemas.openxmlformats.org/presentationml/2006/main" xmlns:r="http://schemas.openxmlformats.org/officeDocument/2006/relationships" xmlns:a="http://schemas.openxmlformats.org/drawingml/2006/main" xmlns="">
                 <a:solidFill>
                   <a:srgbClr val="FFFFFF"/>
                 </a:solidFill>
               </a14:hiddenFill>
             </a:ext>
             <a:ext uri="{91240B29-F687-4f45-9708-019B960494DF}">
-              <a14:hiddenLine xmlns="" xmlns:a="http://schemas.openxmlformats.org/drawingml/2006/main" xmlns:r="http://schemas.openxmlformats.org/officeDocument/2006/relationships" xmlns:p="http://schemas.openxmlformats.org/presentationml/2006/main" xmlns:a14="http://schemas.microsoft.com/office/drawing/2010/main" xmlns:mv="urn:schemas-microsoft-com:mac:vml" xmlns:mc="http://schemas.openxmlformats.org/markup-compatibility/2006" w="9525">
+              <a14:hiddenLine xmlns:mc="http://schemas.openxmlformats.org/markup-compatibility/2006" xmlns:mv="urn:schemas-microsoft-com:mac:vml" xmlns:a14="http://schemas.microsoft.com/office/drawing/2010/main" xmlns:p="http://schemas.openxmlformats.org/presentationml/2006/main" xmlns:r="http://schemas.openxmlformats.org/officeDocument/2006/relationships" xmlns:a="http://schemas.openxmlformats.org/drawingml/2006/main" xmlns="" w="9525">
                 <a:solidFill>
                   <a:srgbClr val="000000"/>
                 </a:solidFill>
@@ -5102,7 +5102,7 @@
               </a14:hiddenLine>
             </a:ext>
             <a:ext uri="{FAA26D3D-D897-4be2-8F04-BA451C77F1D7}">
-              <ma14:placeholderFlag xmlns="" xmlns:a="http://schemas.openxmlformats.org/drawingml/2006/main" xmlns:r="http://schemas.openxmlformats.org/officeDocument/2006/relationships" xmlns:p="http://schemas.openxmlformats.org/presentationml/2006/main" xmlns:ma14="http://schemas.microsoft.com/office/mac/drawingml/2011/main" xmlns:mv="urn:schemas-microsoft-com:mac:vml" xmlns:mc="http://schemas.openxmlformats.org/markup-compatibility/2006" val="1"/>
+              <ma14:placeholderFlag xmlns:mc="http://schemas.openxmlformats.org/markup-compatibility/2006" xmlns:mv="urn:schemas-microsoft-com:mac:vml" xmlns:ma14="http://schemas.microsoft.com/office/mac/drawingml/2011/main" xmlns:p="http://schemas.openxmlformats.org/presentationml/2006/main" xmlns:r="http://schemas.openxmlformats.org/officeDocument/2006/relationships" xmlns:a="http://schemas.openxmlformats.org/drawingml/2006/main" xmlns="" val="1"/>
             </a:ext>
           </a:extLst>
         </p:spPr>
@@ -5167,14 +5167,14 @@
           </a:ln>
           <a:extLst>
             <a:ext uri="{909E8E84-426E-40dd-AFC4-6F175D3DCCD1}">
-              <a14:hiddenFill xmlns="" xmlns:a="http://schemas.openxmlformats.org/drawingml/2006/main" xmlns:r="http://schemas.openxmlformats.org/officeDocument/2006/relationships" xmlns:p="http://schemas.openxmlformats.org/presentationml/2006/main" xmlns:a14="http://schemas.microsoft.com/office/drawing/2010/main" xmlns:mv="urn:schemas-microsoft-com:mac:vml" xmlns:mc="http://schemas.openxmlformats.org/markup-compatibility/2006">
+              <a14:hiddenFill xmlns:mc="http://schemas.openxmlformats.org/markup-compatibility/2006" xmlns:mv="urn:schemas-microsoft-com:mac:vml" xmlns:a14="http://schemas.microsoft.com/office/drawing/2010/main" xmlns:p="http://schemas.openxmlformats.org/presentationml/2006/main" xmlns:r="http://schemas.openxmlformats.org/officeDocument/2006/relationships" xmlns:a="http://schemas.openxmlformats.org/drawingml/2006/main" xmlns="">
                 <a:solidFill>
                   <a:srgbClr val="FFFFFF"/>
                 </a:solidFill>
               </a14:hiddenFill>
             </a:ext>
             <a:ext uri="{FAA26D3D-D897-4be2-8F04-BA451C77F1D7}">
-              <ma14:placeholderFlag xmlns="" xmlns:a="http://schemas.openxmlformats.org/drawingml/2006/main" xmlns:r="http://schemas.openxmlformats.org/officeDocument/2006/relationships" xmlns:p="http://schemas.openxmlformats.org/presentationml/2006/main" xmlns:ma14="http://schemas.microsoft.com/office/mac/drawingml/2011/main" xmlns:mv="urn:schemas-microsoft-com:mac:vml" xmlns:mc="http://schemas.openxmlformats.org/markup-compatibility/2006" val="1"/>
+              <ma14:placeholderFlag xmlns:mc="http://schemas.openxmlformats.org/markup-compatibility/2006" xmlns:mv="urn:schemas-microsoft-com:mac:vml" xmlns:ma14="http://schemas.microsoft.com/office/mac/drawingml/2011/main" xmlns:p="http://schemas.openxmlformats.org/presentationml/2006/main" xmlns:r="http://schemas.openxmlformats.org/officeDocument/2006/relationships" xmlns:a="http://schemas.openxmlformats.org/drawingml/2006/main" xmlns="" val="1"/>
             </a:ext>
           </a:extLst>
         </p:spPr>
@@ -5193,14 +5193,14 @@
           <a:noFill/>
           <a:extLst>
             <a:ext uri="{909E8E84-426E-40dd-AFC4-6F175D3DCCD1}">
-              <a14:hiddenFill xmlns="" xmlns:a="http://schemas.openxmlformats.org/drawingml/2006/main" xmlns:r="http://schemas.openxmlformats.org/officeDocument/2006/relationships" xmlns:p="http://schemas.openxmlformats.org/presentationml/2006/main" xmlns:a14="http://schemas.microsoft.com/office/drawing/2010/main" xmlns:mv="urn:schemas-microsoft-com:mac:vml" xmlns:mc="http://schemas.openxmlformats.org/markup-compatibility/2006">
+              <a14:hiddenFill xmlns:mc="http://schemas.openxmlformats.org/markup-compatibility/2006" xmlns:mv="urn:schemas-microsoft-com:mac:vml" xmlns:a14="http://schemas.microsoft.com/office/drawing/2010/main" xmlns:p="http://schemas.openxmlformats.org/presentationml/2006/main" xmlns:r="http://schemas.openxmlformats.org/officeDocument/2006/relationships" xmlns:a="http://schemas.openxmlformats.org/drawingml/2006/main" xmlns="">
                 <a:solidFill>
                   <a:srgbClr val="FFFFFF"/>
                 </a:solidFill>
               </a14:hiddenFill>
             </a:ext>
             <a:ext uri="{91240B29-F687-4f45-9708-019B960494DF}">
-              <a14:hiddenLine xmlns="" xmlns:a="http://schemas.openxmlformats.org/drawingml/2006/main" xmlns:r="http://schemas.openxmlformats.org/officeDocument/2006/relationships" xmlns:p="http://schemas.openxmlformats.org/presentationml/2006/main" xmlns:a14="http://schemas.microsoft.com/office/drawing/2010/main" xmlns:mv="urn:schemas-microsoft-com:mac:vml" xmlns:mc="http://schemas.openxmlformats.org/markup-compatibility/2006" w="9525">
+              <a14:hiddenLine xmlns:mc="http://schemas.openxmlformats.org/markup-compatibility/2006" xmlns:mv="urn:schemas-microsoft-com:mac:vml" xmlns:a14="http://schemas.microsoft.com/office/drawing/2010/main" xmlns:p="http://schemas.openxmlformats.org/presentationml/2006/main" xmlns:r="http://schemas.openxmlformats.org/officeDocument/2006/relationships" xmlns:a="http://schemas.openxmlformats.org/drawingml/2006/main" xmlns="" w="9525">
                 <a:solidFill>
                   <a:srgbClr val="000000"/>
                 </a:solidFill>
@@ -5210,7 +5210,7 @@
               </a14:hiddenLine>
             </a:ext>
             <a:ext uri="{FAA26D3D-D897-4be2-8F04-BA451C77F1D7}">
-              <ma14:placeholderFlag xmlns="" xmlns:a="http://schemas.openxmlformats.org/drawingml/2006/main" xmlns:r="http://schemas.openxmlformats.org/officeDocument/2006/relationships" xmlns:p="http://schemas.openxmlformats.org/presentationml/2006/main" xmlns:ma14="http://schemas.microsoft.com/office/mac/drawingml/2011/main" xmlns:mv="urn:schemas-microsoft-com:mac:vml" xmlns:mc="http://schemas.openxmlformats.org/markup-compatibility/2006" val="1"/>
+              <ma14:placeholderFlag xmlns:mc="http://schemas.openxmlformats.org/markup-compatibility/2006" xmlns:mv="urn:schemas-microsoft-com:mac:vml" xmlns:ma14="http://schemas.microsoft.com/office/mac/drawingml/2011/main" xmlns:p="http://schemas.openxmlformats.org/presentationml/2006/main" xmlns:r="http://schemas.openxmlformats.org/officeDocument/2006/relationships" xmlns:a="http://schemas.openxmlformats.org/drawingml/2006/main" xmlns="" val="1"/>
             </a:ext>
           </a:extLst>
         </p:spPr>
@@ -5275,14 +5275,14 @@
           </a:ln>
           <a:extLst>
             <a:ext uri="{909E8E84-426E-40dd-AFC4-6F175D3DCCD1}">
-              <a14:hiddenFill xmlns="" xmlns:a="http://schemas.openxmlformats.org/drawingml/2006/main" xmlns:r="http://schemas.openxmlformats.org/officeDocument/2006/relationships" xmlns:p="http://schemas.openxmlformats.org/presentationml/2006/main" xmlns:a14="http://schemas.microsoft.com/office/drawing/2010/main" xmlns:mv="urn:schemas-microsoft-com:mac:vml" xmlns:mc="http://schemas.openxmlformats.org/markup-compatibility/2006">
+              <a14:hiddenFill xmlns:mc="http://schemas.openxmlformats.org/markup-compatibility/2006" xmlns:mv="urn:schemas-microsoft-com:mac:vml" xmlns:a14="http://schemas.microsoft.com/office/drawing/2010/main" xmlns:p="http://schemas.openxmlformats.org/presentationml/2006/main" xmlns:r="http://schemas.openxmlformats.org/officeDocument/2006/relationships" xmlns:a="http://schemas.openxmlformats.org/drawingml/2006/main" xmlns="">
                 <a:solidFill>
                   <a:srgbClr val="FFFFFF"/>
                 </a:solidFill>
               </a14:hiddenFill>
             </a:ext>
             <a:ext uri="{91240B29-F687-4f45-9708-019B960494DF}">
-              <a14:hiddenLine xmlns="" xmlns:a="http://schemas.openxmlformats.org/drawingml/2006/main" xmlns:r="http://schemas.openxmlformats.org/officeDocument/2006/relationships" xmlns:p="http://schemas.openxmlformats.org/presentationml/2006/main" xmlns:a14="http://schemas.microsoft.com/office/drawing/2010/main" xmlns:mv="urn:schemas-microsoft-com:mac:vml" xmlns:mc="http://schemas.openxmlformats.org/markup-compatibility/2006" w="9525">
+              <a14:hiddenLine xmlns:mc="http://schemas.openxmlformats.org/markup-compatibility/2006" xmlns:mv="urn:schemas-microsoft-com:mac:vml" xmlns:a14="http://schemas.microsoft.com/office/drawing/2010/main" xmlns:p="http://schemas.openxmlformats.org/presentationml/2006/main" xmlns:r="http://schemas.openxmlformats.org/officeDocument/2006/relationships" xmlns:a="http://schemas.openxmlformats.org/drawingml/2006/main" xmlns="" w="9525">
                 <a:solidFill>
                   <a:srgbClr val="000000"/>
                 </a:solidFill>
@@ -5436,14 +5436,14 @@
           </a:ln>
           <a:extLst>
             <a:ext uri="{909E8E84-426E-40dd-AFC4-6F175D3DCCD1}">
-              <a14:hiddenFill xmlns="" xmlns:a="http://schemas.openxmlformats.org/drawingml/2006/main" xmlns:r="http://schemas.openxmlformats.org/officeDocument/2006/relationships" xmlns:p="http://schemas.openxmlformats.org/presentationml/2006/main" xmlns:a14="http://schemas.microsoft.com/office/drawing/2010/main" xmlns:mv="urn:schemas-microsoft-com:mac:vml" xmlns:mc="http://schemas.openxmlformats.org/markup-compatibility/2006">
+              <a14:hiddenFill xmlns:mc="http://schemas.openxmlformats.org/markup-compatibility/2006" xmlns:mv="urn:schemas-microsoft-com:mac:vml" xmlns:a14="http://schemas.microsoft.com/office/drawing/2010/main" xmlns:p="http://schemas.openxmlformats.org/presentationml/2006/main" xmlns:r="http://schemas.openxmlformats.org/officeDocument/2006/relationships" xmlns:a="http://schemas.openxmlformats.org/drawingml/2006/main" xmlns="">
                 <a:solidFill>
                   <a:srgbClr val="FFFFFF"/>
                 </a:solidFill>
               </a14:hiddenFill>
             </a:ext>
             <a:ext uri="{FAA26D3D-D897-4be2-8F04-BA451C77F1D7}">
-              <ma14:placeholderFlag xmlns="" xmlns:a="http://schemas.openxmlformats.org/drawingml/2006/main" xmlns:r="http://schemas.openxmlformats.org/officeDocument/2006/relationships" xmlns:p="http://schemas.openxmlformats.org/presentationml/2006/main" xmlns:ma14="http://schemas.microsoft.com/office/mac/drawingml/2011/main" xmlns:mv="urn:schemas-microsoft-com:mac:vml" xmlns:mc="http://schemas.openxmlformats.org/markup-compatibility/2006" val="1"/>
+              <ma14:placeholderFlag xmlns:mc="http://schemas.openxmlformats.org/markup-compatibility/2006" xmlns:mv="urn:schemas-microsoft-com:mac:vml" xmlns:ma14="http://schemas.microsoft.com/office/mac/drawingml/2011/main" xmlns:p="http://schemas.openxmlformats.org/presentationml/2006/main" xmlns:r="http://schemas.openxmlformats.org/officeDocument/2006/relationships" xmlns:a="http://schemas.openxmlformats.org/drawingml/2006/main" xmlns="" val="1"/>
             </a:ext>
           </a:extLst>
         </p:spPr>
@@ -5462,14 +5462,14 @@
           <a:noFill/>
           <a:extLst>
             <a:ext uri="{909E8E84-426E-40dd-AFC4-6F175D3DCCD1}">
-              <a14:hiddenFill xmlns="" xmlns:a="http://schemas.openxmlformats.org/drawingml/2006/main" xmlns:r="http://schemas.openxmlformats.org/officeDocument/2006/relationships" xmlns:p="http://schemas.openxmlformats.org/presentationml/2006/main" xmlns:a14="http://schemas.microsoft.com/office/drawing/2010/main" xmlns:mv="urn:schemas-microsoft-com:mac:vml" xmlns:mc="http://schemas.openxmlformats.org/markup-compatibility/2006">
+              <a14:hiddenFill xmlns:mc="http://schemas.openxmlformats.org/markup-compatibility/2006" xmlns:mv="urn:schemas-microsoft-com:mac:vml" xmlns:a14="http://schemas.microsoft.com/office/drawing/2010/main" xmlns:p="http://schemas.openxmlformats.org/presentationml/2006/main" xmlns:r="http://schemas.openxmlformats.org/officeDocument/2006/relationships" xmlns:a="http://schemas.openxmlformats.org/drawingml/2006/main" xmlns="">
                 <a:solidFill>
                   <a:srgbClr val="FFFFFF"/>
                 </a:solidFill>
               </a14:hiddenFill>
             </a:ext>
             <a:ext uri="{91240B29-F687-4f45-9708-019B960494DF}">
-              <a14:hiddenLine xmlns="" xmlns:a="http://schemas.openxmlformats.org/drawingml/2006/main" xmlns:r="http://schemas.openxmlformats.org/officeDocument/2006/relationships" xmlns:p="http://schemas.openxmlformats.org/presentationml/2006/main" xmlns:a14="http://schemas.microsoft.com/office/drawing/2010/main" xmlns:mv="urn:schemas-microsoft-com:mac:vml" xmlns:mc="http://schemas.openxmlformats.org/markup-compatibility/2006" w="9525">
+              <a14:hiddenLine xmlns:mc="http://schemas.openxmlformats.org/markup-compatibility/2006" xmlns:mv="urn:schemas-microsoft-com:mac:vml" xmlns:a14="http://schemas.microsoft.com/office/drawing/2010/main" xmlns:p="http://schemas.openxmlformats.org/presentationml/2006/main" xmlns:r="http://schemas.openxmlformats.org/officeDocument/2006/relationships" xmlns:a="http://schemas.openxmlformats.org/drawingml/2006/main" xmlns="" w="9525">
                 <a:solidFill>
                   <a:srgbClr val="000000"/>
                 </a:solidFill>
@@ -5545,14 +5545,14 @@
           </a:ln>
           <a:extLst>
             <a:ext uri="{909E8E84-426E-40dd-AFC4-6F175D3DCCD1}">
-              <a14:hiddenFill xmlns="" xmlns:a="http://schemas.openxmlformats.org/drawingml/2006/main" xmlns:r="http://schemas.openxmlformats.org/officeDocument/2006/relationships" xmlns:p="http://schemas.openxmlformats.org/presentationml/2006/main" xmlns:a14="http://schemas.microsoft.com/office/drawing/2010/main" xmlns:mv="urn:schemas-microsoft-com:mac:vml" xmlns:mc="http://schemas.openxmlformats.org/markup-compatibility/2006">
+              <a14:hiddenFill xmlns:mc="http://schemas.openxmlformats.org/markup-compatibility/2006" xmlns:mv="urn:schemas-microsoft-com:mac:vml" xmlns:a14="http://schemas.microsoft.com/office/drawing/2010/main" xmlns:p="http://schemas.openxmlformats.org/presentationml/2006/main" xmlns:r="http://schemas.openxmlformats.org/officeDocument/2006/relationships" xmlns:a="http://schemas.openxmlformats.org/drawingml/2006/main" xmlns="">
                 <a:solidFill>
                   <a:srgbClr val="FFFFFF"/>
                 </a:solidFill>
               </a14:hiddenFill>
             </a:ext>
             <a:ext uri="{FAA26D3D-D897-4be2-8F04-BA451C77F1D7}">
-              <ma14:placeholderFlag xmlns="" xmlns:a="http://schemas.openxmlformats.org/drawingml/2006/main" xmlns:r="http://schemas.openxmlformats.org/officeDocument/2006/relationships" xmlns:p="http://schemas.openxmlformats.org/presentationml/2006/main" xmlns:ma14="http://schemas.microsoft.com/office/mac/drawingml/2011/main" xmlns:mv="urn:schemas-microsoft-com:mac:vml" xmlns:mc="http://schemas.openxmlformats.org/markup-compatibility/2006" val="1"/>
+              <ma14:placeholderFlag xmlns:mc="http://schemas.openxmlformats.org/markup-compatibility/2006" xmlns:mv="urn:schemas-microsoft-com:mac:vml" xmlns:ma14="http://schemas.microsoft.com/office/mac/drawingml/2011/main" xmlns:p="http://schemas.openxmlformats.org/presentationml/2006/main" xmlns:r="http://schemas.openxmlformats.org/officeDocument/2006/relationships" xmlns:a="http://schemas.openxmlformats.org/drawingml/2006/main" xmlns="" val="1"/>
             </a:ext>
           </a:extLst>
         </p:spPr>
@@ -5571,14 +5571,14 @@
           <a:noFill/>
           <a:extLst>
             <a:ext uri="{909E8E84-426E-40dd-AFC4-6F175D3DCCD1}">
-              <a14:hiddenFill xmlns="" xmlns:a="http://schemas.openxmlformats.org/drawingml/2006/main" xmlns:r="http://schemas.openxmlformats.org/officeDocument/2006/relationships" xmlns:p="http://schemas.openxmlformats.org/presentationml/2006/main" xmlns:a14="http://schemas.microsoft.com/office/drawing/2010/main" xmlns:mv="urn:schemas-microsoft-com:mac:vml" xmlns:mc="http://schemas.openxmlformats.org/markup-compatibility/2006">
+              <a14:hiddenFill xmlns:mc="http://schemas.openxmlformats.org/markup-compatibility/2006" xmlns:mv="urn:schemas-microsoft-com:mac:vml" xmlns:a14="http://schemas.microsoft.com/office/drawing/2010/main" xmlns:p="http://schemas.openxmlformats.org/presentationml/2006/main" xmlns:r="http://schemas.openxmlformats.org/officeDocument/2006/relationships" xmlns:a="http://schemas.openxmlformats.org/drawingml/2006/main" xmlns="">
                 <a:solidFill>
                   <a:srgbClr val="FFFFFF"/>
                 </a:solidFill>
               </a14:hiddenFill>
             </a:ext>
             <a:ext uri="{91240B29-F687-4f45-9708-019B960494DF}">
-              <a14:hiddenLine xmlns="" xmlns:a="http://schemas.openxmlformats.org/drawingml/2006/main" xmlns:r="http://schemas.openxmlformats.org/officeDocument/2006/relationships" xmlns:p="http://schemas.openxmlformats.org/presentationml/2006/main" xmlns:a14="http://schemas.microsoft.com/office/drawing/2010/main" xmlns:mv="urn:schemas-microsoft-com:mac:vml" xmlns:mc="http://schemas.openxmlformats.org/markup-compatibility/2006" w="9525">
+              <a14:hiddenLine xmlns:mc="http://schemas.openxmlformats.org/markup-compatibility/2006" xmlns:mv="urn:schemas-microsoft-com:mac:vml" xmlns:a14="http://schemas.microsoft.com/office/drawing/2010/main" xmlns:p="http://schemas.openxmlformats.org/presentationml/2006/main" xmlns:r="http://schemas.openxmlformats.org/officeDocument/2006/relationships" xmlns:a="http://schemas.openxmlformats.org/drawingml/2006/main" xmlns="" w="9525">
                 <a:solidFill>
                   <a:srgbClr val="000000"/>
                 </a:solidFill>
@@ -5588,7 +5588,7 @@
               </a14:hiddenLine>
             </a:ext>
             <a:ext uri="{FAA26D3D-D897-4be2-8F04-BA451C77F1D7}">
-              <ma14:placeholderFlag xmlns="" xmlns:a="http://schemas.openxmlformats.org/drawingml/2006/main" xmlns:r="http://schemas.openxmlformats.org/officeDocument/2006/relationships" xmlns:p="http://schemas.openxmlformats.org/presentationml/2006/main" xmlns:ma14="http://schemas.microsoft.com/office/mac/drawingml/2011/main" xmlns:mv="urn:schemas-microsoft-com:mac:vml" xmlns:mc="http://schemas.openxmlformats.org/markup-compatibility/2006" val="1"/>
+              <ma14:placeholderFlag xmlns:mc="http://schemas.openxmlformats.org/markup-compatibility/2006" xmlns:mv="urn:schemas-microsoft-com:mac:vml" xmlns:ma14="http://schemas.microsoft.com/office/mac/drawingml/2011/main" xmlns:p="http://schemas.openxmlformats.org/presentationml/2006/main" xmlns:r="http://schemas.openxmlformats.org/officeDocument/2006/relationships" xmlns:a="http://schemas.openxmlformats.org/drawingml/2006/main" xmlns="" val="1"/>
             </a:ext>
           </a:extLst>
         </p:spPr>
@@ -5800,7 +5800,7 @@
     </p:spTree>
     <p:extLst>
       <p:ext uri="{BB962C8B-B14F-4D97-AF65-F5344CB8AC3E}">
-        <p14:creationId xmlns="" xmlns:a="http://schemas.openxmlformats.org/drawingml/2006/main" xmlns:r="http://schemas.openxmlformats.org/officeDocument/2006/relationships" xmlns:p="http://schemas.openxmlformats.org/presentationml/2006/main" xmlns:p14="http://schemas.microsoft.com/office/powerpoint/2010/main" xmlns:mv="urn:schemas-microsoft-com:mac:vml" xmlns:mc="http://schemas.openxmlformats.org/markup-compatibility/2006" val="3250658828"/>
+        <p14:creationId xmlns:mc="http://schemas.openxmlformats.org/markup-compatibility/2006" xmlns:mv="urn:schemas-microsoft-com:mac:vml" xmlns:p14="http://schemas.microsoft.com/office/powerpoint/2010/main" xmlns:p="http://schemas.openxmlformats.org/presentationml/2006/main" xmlns:r="http://schemas.openxmlformats.org/officeDocument/2006/relationships" xmlns:a="http://schemas.openxmlformats.org/drawingml/2006/main" xmlns="" val="3250658828"/>
       </p:ext>
     </p:extLst>
   </p:cSld>
@@ -5996,7 +5996,7 @@
     </p:spTree>
     <p:extLst>
       <p:ext uri="{BB962C8B-B14F-4D97-AF65-F5344CB8AC3E}">
-        <p14:creationId xmlns="" xmlns:a="http://schemas.openxmlformats.org/drawingml/2006/main" xmlns:r="http://schemas.openxmlformats.org/officeDocument/2006/relationships" xmlns:p="http://schemas.openxmlformats.org/presentationml/2006/main" xmlns:p14="http://schemas.microsoft.com/office/powerpoint/2010/main" xmlns:mv="urn:schemas-microsoft-com:mac:vml" xmlns:mc="http://schemas.openxmlformats.org/markup-compatibility/2006" val="3250658828"/>
+        <p14:creationId xmlns:mc="http://schemas.openxmlformats.org/markup-compatibility/2006" xmlns:mv="urn:schemas-microsoft-com:mac:vml" xmlns:p14="http://schemas.microsoft.com/office/powerpoint/2010/main" xmlns:p="http://schemas.openxmlformats.org/presentationml/2006/main" xmlns:r="http://schemas.openxmlformats.org/officeDocument/2006/relationships" xmlns:a="http://schemas.openxmlformats.org/drawingml/2006/main" xmlns="" val="3250658828"/>
       </p:ext>
     </p:extLst>
   </p:cSld>
@@ -6045,14 +6045,14 @@
           </a:ln>
           <a:extLst>
             <a:ext uri="{909E8E84-426E-40dd-AFC4-6F175D3DCCD1}">
-              <a14:hiddenFill xmlns="" xmlns:a="http://schemas.openxmlformats.org/drawingml/2006/main" xmlns:r="http://schemas.openxmlformats.org/officeDocument/2006/relationships" xmlns:p="http://schemas.openxmlformats.org/presentationml/2006/main" xmlns:a14="http://schemas.microsoft.com/office/drawing/2010/main" xmlns:mv="urn:schemas-microsoft-com:mac:vml" xmlns:mc="http://schemas.openxmlformats.org/markup-compatibility/2006">
+              <a14:hiddenFill xmlns:mc="http://schemas.openxmlformats.org/markup-compatibility/2006" xmlns:mv="urn:schemas-microsoft-com:mac:vml" xmlns:a14="http://schemas.microsoft.com/office/drawing/2010/main" xmlns:p="http://schemas.openxmlformats.org/presentationml/2006/main" xmlns:r="http://schemas.openxmlformats.org/officeDocument/2006/relationships" xmlns:a="http://schemas.openxmlformats.org/drawingml/2006/main" xmlns="">
                 <a:solidFill>
                   <a:srgbClr val="FFFFFF"/>
                 </a:solidFill>
               </a14:hiddenFill>
             </a:ext>
             <a:ext uri="{FAA26D3D-D897-4be2-8F04-BA451C77F1D7}">
-              <ma14:placeholderFlag xmlns="" xmlns:a="http://schemas.openxmlformats.org/drawingml/2006/main" xmlns:r="http://schemas.openxmlformats.org/officeDocument/2006/relationships" xmlns:p="http://schemas.openxmlformats.org/presentationml/2006/main" xmlns:ma14="http://schemas.microsoft.com/office/mac/drawingml/2011/main" xmlns:mv="urn:schemas-microsoft-com:mac:vml" xmlns:mc="http://schemas.openxmlformats.org/markup-compatibility/2006" val="1"/>
+              <ma14:placeholderFlag xmlns:mc="http://schemas.openxmlformats.org/markup-compatibility/2006" xmlns:mv="urn:schemas-microsoft-com:mac:vml" xmlns:ma14="http://schemas.microsoft.com/office/mac/drawingml/2011/main" xmlns:p="http://schemas.openxmlformats.org/presentationml/2006/main" xmlns:r="http://schemas.openxmlformats.org/officeDocument/2006/relationships" xmlns:a="http://schemas.openxmlformats.org/drawingml/2006/main" xmlns="" val="1"/>
             </a:ext>
           </a:extLst>
         </p:spPr>
@@ -6071,14 +6071,14 @@
           <a:noFill/>
           <a:extLst>
             <a:ext uri="{909E8E84-426E-40dd-AFC4-6F175D3DCCD1}">
-              <a14:hiddenFill xmlns="" xmlns:a="http://schemas.openxmlformats.org/drawingml/2006/main" xmlns:r="http://schemas.openxmlformats.org/officeDocument/2006/relationships" xmlns:p="http://schemas.openxmlformats.org/presentationml/2006/main" xmlns:a14="http://schemas.microsoft.com/office/drawing/2010/main" xmlns:mv="urn:schemas-microsoft-com:mac:vml" xmlns:mc="http://schemas.openxmlformats.org/markup-compatibility/2006">
+              <a14:hiddenFill xmlns:mc="http://schemas.openxmlformats.org/markup-compatibility/2006" xmlns:mv="urn:schemas-microsoft-com:mac:vml" xmlns:a14="http://schemas.microsoft.com/office/drawing/2010/main" xmlns:p="http://schemas.openxmlformats.org/presentationml/2006/main" xmlns:r="http://schemas.openxmlformats.org/officeDocument/2006/relationships" xmlns:a="http://schemas.openxmlformats.org/drawingml/2006/main" xmlns="">
                 <a:solidFill>
                   <a:srgbClr val="FFFFFF"/>
                 </a:solidFill>
               </a14:hiddenFill>
             </a:ext>
             <a:ext uri="{91240B29-F687-4f45-9708-019B960494DF}">
-              <a14:hiddenLine xmlns="" xmlns:a="http://schemas.openxmlformats.org/drawingml/2006/main" xmlns:r="http://schemas.openxmlformats.org/officeDocument/2006/relationships" xmlns:p="http://schemas.openxmlformats.org/presentationml/2006/main" xmlns:a14="http://schemas.microsoft.com/office/drawing/2010/main" xmlns:mv="urn:schemas-microsoft-com:mac:vml" xmlns:mc="http://schemas.openxmlformats.org/markup-compatibility/2006" w="9525">
+              <a14:hiddenLine xmlns:mc="http://schemas.openxmlformats.org/markup-compatibility/2006" xmlns:mv="urn:schemas-microsoft-com:mac:vml" xmlns:a14="http://schemas.microsoft.com/office/drawing/2010/main" xmlns:p="http://schemas.openxmlformats.org/presentationml/2006/main" xmlns:r="http://schemas.openxmlformats.org/officeDocument/2006/relationships" xmlns:a="http://schemas.openxmlformats.org/drawingml/2006/main" xmlns="" w="9525">
                 <a:solidFill>
                   <a:srgbClr val="000000"/>
                 </a:solidFill>
@@ -6088,7 +6088,7 @@
               </a14:hiddenLine>
             </a:ext>
             <a:ext uri="{FAA26D3D-D897-4be2-8F04-BA451C77F1D7}">
-              <ma14:placeholderFlag xmlns="" xmlns:a="http://schemas.openxmlformats.org/drawingml/2006/main" xmlns:r="http://schemas.openxmlformats.org/officeDocument/2006/relationships" xmlns:p="http://schemas.openxmlformats.org/presentationml/2006/main" xmlns:ma14="http://schemas.microsoft.com/office/mac/drawingml/2011/main" xmlns:mv="urn:schemas-microsoft-com:mac:vml" xmlns:mc="http://schemas.openxmlformats.org/markup-compatibility/2006" val="1"/>
+              <ma14:placeholderFlag xmlns:mc="http://schemas.openxmlformats.org/markup-compatibility/2006" xmlns:mv="urn:schemas-microsoft-com:mac:vml" xmlns:ma14="http://schemas.microsoft.com/office/mac/drawingml/2011/main" xmlns:p="http://schemas.openxmlformats.org/presentationml/2006/main" xmlns:r="http://schemas.openxmlformats.org/officeDocument/2006/relationships" xmlns:a="http://schemas.openxmlformats.org/drawingml/2006/main" xmlns="" val="1"/>
             </a:ext>
           </a:extLst>
         </p:spPr>
@@ -6153,14 +6153,14 @@
           </a:ln>
           <a:extLst>
             <a:ext uri="{909E8E84-426E-40dd-AFC4-6F175D3DCCD1}">
-              <a14:hiddenFill xmlns="" xmlns:a="http://schemas.openxmlformats.org/drawingml/2006/main" xmlns:r="http://schemas.openxmlformats.org/officeDocument/2006/relationships" xmlns:p="http://schemas.openxmlformats.org/presentationml/2006/main" xmlns:a14="http://schemas.microsoft.com/office/drawing/2010/main" xmlns:mv="urn:schemas-microsoft-com:mac:vml" xmlns:mc="http://schemas.openxmlformats.org/markup-compatibility/2006">
+              <a14:hiddenFill xmlns:mc="http://schemas.openxmlformats.org/markup-compatibility/2006" xmlns:mv="urn:schemas-microsoft-com:mac:vml" xmlns:a14="http://schemas.microsoft.com/office/drawing/2010/main" xmlns:p="http://schemas.openxmlformats.org/presentationml/2006/main" xmlns:r="http://schemas.openxmlformats.org/officeDocument/2006/relationships" xmlns:a="http://schemas.openxmlformats.org/drawingml/2006/main" xmlns="">
                 <a:solidFill>
                   <a:srgbClr val="FFFFFF"/>
                 </a:solidFill>
               </a14:hiddenFill>
             </a:ext>
             <a:ext uri="{FAA26D3D-D897-4be2-8F04-BA451C77F1D7}">
-              <ma14:placeholderFlag xmlns="" xmlns:a="http://schemas.openxmlformats.org/drawingml/2006/main" xmlns:r="http://schemas.openxmlformats.org/officeDocument/2006/relationships" xmlns:p="http://schemas.openxmlformats.org/presentationml/2006/main" xmlns:ma14="http://schemas.microsoft.com/office/mac/drawingml/2011/main" xmlns:mv="urn:schemas-microsoft-com:mac:vml" xmlns:mc="http://schemas.openxmlformats.org/markup-compatibility/2006" val="1"/>
+              <ma14:placeholderFlag xmlns:mc="http://schemas.openxmlformats.org/markup-compatibility/2006" xmlns:mv="urn:schemas-microsoft-com:mac:vml" xmlns:ma14="http://schemas.microsoft.com/office/mac/drawingml/2011/main" xmlns:p="http://schemas.openxmlformats.org/presentationml/2006/main" xmlns:r="http://schemas.openxmlformats.org/officeDocument/2006/relationships" xmlns:a="http://schemas.openxmlformats.org/drawingml/2006/main" xmlns="" val="1"/>
             </a:ext>
           </a:extLst>
         </p:spPr>
@@ -6179,14 +6179,14 @@
           <a:noFill/>
           <a:extLst>
             <a:ext uri="{909E8E84-426E-40dd-AFC4-6F175D3DCCD1}">
-              <a14:hiddenFill xmlns="" xmlns:a="http://schemas.openxmlformats.org/drawingml/2006/main" xmlns:r="http://schemas.openxmlformats.org/officeDocument/2006/relationships" xmlns:p="http://schemas.openxmlformats.org/presentationml/2006/main" xmlns:a14="http://schemas.microsoft.com/office/drawing/2010/main" xmlns:mv="urn:schemas-microsoft-com:mac:vml" xmlns:mc="http://schemas.openxmlformats.org/markup-compatibility/2006">
+              <a14:hiddenFill xmlns:mc="http://schemas.openxmlformats.org/markup-compatibility/2006" xmlns:mv="urn:schemas-microsoft-com:mac:vml" xmlns:a14="http://schemas.microsoft.com/office/drawing/2010/main" xmlns:p="http://schemas.openxmlformats.org/presentationml/2006/main" xmlns:r="http://schemas.openxmlformats.org/officeDocument/2006/relationships" xmlns:a="http://schemas.openxmlformats.org/drawingml/2006/main" xmlns="">
                 <a:solidFill>
                   <a:srgbClr val="FFFFFF"/>
                 </a:solidFill>
               </a14:hiddenFill>
             </a:ext>
             <a:ext uri="{91240B29-F687-4f45-9708-019B960494DF}">
-              <a14:hiddenLine xmlns="" xmlns:a="http://schemas.openxmlformats.org/drawingml/2006/main" xmlns:r="http://schemas.openxmlformats.org/officeDocument/2006/relationships" xmlns:p="http://schemas.openxmlformats.org/presentationml/2006/main" xmlns:a14="http://schemas.microsoft.com/office/drawing/2010/main" xmlns:mv="urn:schemas-microsoft-com:mac:vml" xmlns:mc="http://schemas.openxmlformats.org/markup-compatibility/2006" w="9525">
+              <a14:hiddenLine xmlns:mc="http://schemas.openxmlformats.org/markup-compatibility/2006" xmlns:mv="urn:schemas-microsoft-com:mac:vml" xmlns:a14="http://schemas.microsoft.com/office/drawing/2010/main" xmlns:p="http://schemas.openxmlformats.org/presentationml/2006/main" xmlns:r="http://schemas.openxmlformats.org/officeDocument/2006/relationships" xmlns:a="http://schemas.openxmlformats.org/drawingml/2006/main" xmlns="" w="9525">
                 <a:solidFill>
                   <a:srgbClr val="000000"/>
                 </a:solidFill>
@@ -6196,7 +6196,7 @@
               </a14:hiddenLine>
             </a:ext>
             <a:ext uri="{FAA26D3D-D897-4be2-8F04-BA451C77F1D7}">
-              <ma14:placeholderFlag xmlns="" xmlns:a="http://schemas.openxmlformats.org/drawingml/2006/main" xmlns:r="http://schemas.openxmlformats.org/officeDocument/2006/relationships" xmlns:p="http://schemas.openxmlformats.org/presentationml/2006/main" xmlns:ma14="http://schemas.microsoft.com/office/mac/drawingml/2011/main" xmlns:mv="urn:schemas-microsoft-com:mac:vml" xmlns:mc="http://schemas.openxmlformats.org/markup-compatibility/2006" val="1"/>
+              <ma14:placeholderFlag xmlns:mc="http://schemas.openxmlformats.org/markup-compatibility/2006" xmlns:mv="urn:schemas-microsoft-com:mac:vml" xmlns:ma14="http://schemas.microsoft.com/office/mac/drawingml/2011/main" xmlns:p="http://schemas.openxmlformats.org/presentationml/2006/main" xmlns:r="http://schemas.openxmlformats.org/officeDocument/2006/relationships" xmlns:a="http://schemas.openxmlformats.org/drawingml/2006/main" xmlns="" val="1"/>
             </a:ext>
           </a:extLst>
         </p:spPr>
@@ -6408,7 +6408,7 @@
     </p:spTree>
     <p:extLst>
       <p:ext uri="{BB962C8B-B14F-4D97-AF65-F5344CB8AC3E}">
-        <p14:creationId xmlns="" xmlns:a="http://schemas.openxmlformats.org/drawingml/2006/main" xmlns:r="http://schemas.openxmlformats.org/officeDocument/2006/relationships" xmlns:p="http://schemas.openxmlformats.org/presentationml/2006/main" xmlns:p14="http://schemas.microsoft.com/office/powerpoint/2010/main" xmlns:mv="urn:schemas-microsoft-com:mac:vml" xmlns:mc="http://schemas.openxmlformats.org/markup-compatibility/2006" val="3250658828"/>
+        <p14:creationId xmlns:mc="http://schemas.openxmlformats.org/markup-compatibility/2006" xmlns:mv="urn:schemas-microsoft-com:mac:vml" xmlns:p14="http://schemas.microsoft.com/office/powerpoint/2010/main" xmlns:p="http://schemas.openxmlformats.org/presentationml/2006/main" xmlns:r="http://schemas.openxmlformats.org/officeDocument/2006/relationships" xmlns:a="http://schemas.openxmlformats.org/drawingml/2006/main" xmlns="" val="3250658828"/>
       </p:ext>
     </p:extLst>
   </p:cSld>
@@ -6457,14 +6457,14 @@
           </a:ln>
           <a:extLst>
             <a:ext uri="{909E8E84-426E-40dd-AFC4-6F175D3DCCD1}">
-              <a14:hiddenFill xmlns="" xmlns:a="http://schemas.openxmlformats.org/drawingml/2006/main" xmlns:r="http://schemas.openxmlformats.org/officeDocument/2006/relationships" xmlns:p="http://schemas.openxmlformats.org/presentationml/2006/main" xmlns:a14="http://schemas.microsoft.com/office/drawing/2010/main" xmlns:mv="urn:schemas-microsoft-com:mac:vml" xmlns:mc="http://schemas.openxmlformats.org/markup-compatibility/2006">
+              <a14:hiddenFill xmlns:mc="http://schemas.openxmlformats.org/markup-compatibility/2006" xmlns:mv="urn:schemas-microsoft-com:mac:vml" xmlns:a14="http://schemas.microsoft.com/office/drawing/2010/main" xmlns:p="http://schemas.openxmlformats.org/presentationml/2006/main" xmlns:r="http://schemas.openxmlformats.org/officeDocument/2006/relationships" xmlns:a="http://schemas.openxmlformats.org/drawingml/2006/main" xmlns="">
                 <a:solidFill>
                   <a:srgbClr val="FFFFFF"/>
                 </a:solidFill>
               </a14:hiddenFill>
             </a:ext>
             <a:ext uri="{FAA26D3D-D897-4be2-8F04-BA451C77F1D7}">
-              <ma14:placeholderFlag xmlns="" xmlns:a="http://schemas.openxmlformats.org/drawingml/2006/main" xmlns:r="http://schemas.openxmlformats.org/officeDocument/2006/relationships" xmlns:p="http://schemas.openxmlformats.org/presentationml/2006/main" xmlns:ma14="http://schemas.microsoft.com/office/mac/drawingml/2011/main" xmlns:mv="urn:schemas-microsoft-com:mac:vml" xmlns:mc="http://schemas.openxmlformats.org/markup-compatibility/2006" val="1"/>
+              <ma14:placeholderFlag xmlns:mc="http://schemas.openxmlformats.org/markup-compatibility/2006" xmlns:mv="urn:schemas-microsoft-com:mac:vml" xmlns:ma14="http://schemas.microsoft.com/office/mac/drawingml/2011/main" xmlns:p="http://schemas.openxmlformats.org/presentationml/2006/main" xmlns:r="http://schemas.openxmlformats.org/officeDocument/2006/relationships" xmlns:a="http://schemas.openxmlformats.org/drawingml/2006/main" xmlns="" val="1"/>
             </a:ext>
           </a:extLst>
         </p:spPr>
@@ -6483,14 +6483,14 @@
           <a:noFill/>
           <a:extLst>
             <a:ext uri="{909E8E84-426E-40dd-AFC4-6F175D3DCCD1}">
-              <a14:hiddenFill xmlns="" xmlns:a="http://schemas.openxmlformats.org/drawingml/2006/main" xmlns:r="http://schemas.openxmlformats.org/officeDocument/2006/relationships" xmlns:p="http://schemas.openxmlformats.org/presentationml/2006/main" xmlns:a14="http://schemas.microsoft.com/office/drawing/2010/main" xmlns:mv="urn:schemas-microsoft-com:mac:vml" xmlns:mc="http://schemas.openxmlformats.org/markup-compatibility/2006">
+              <a14:hiddenFill xmlns:mc="http://schemas.openxmlformats.org/markup-compatibility/2006" xmlns:mv="urn:schemas-microsoft-com:mac:vml" xmlns:a14="http://schemas.microsoft.com/office/drawing/2010/main" xmlns:p="http://schemas.openxmlformats.org/presentationml/2006/main" xmlns:r="http://schemas.openxmlformats.org/officeDocument/2006/relationships" xmlns:a="http://schemas.openxmlformats.org/drawingml/2006/main" xmlns="">
                 <a:solidFill>
                   <a:srgbClr val="FFFFFF"/>
                 </a:solidFill>
               </a14:hiddenFill>
             </a:ext>
             <a:ext uri="{91240B29-F687-4f45-9708-019B960494DF}">
-              <a14:hiddenLine xmlns="" xmlns:a="http://schemas.openxmlformats.org/drawingml/2006/main" xmlns:r="http://schemas.openxmlformats.org/officeDocument/2006/relationships" xmlns:p="http://schemas.openxmlformats.org/presentationml/2006/main" xmlns:a14="http://schemas.microsoft.com/office/drawing/2010/main" xmlns:mv="urn:schemas-microsoft-com:mac:vml" xmlns:mc="http://schemas.openxmlformats.org/markup-compatibility/2006" w="9525">
+              <a14:hiddenLine xmlns:mc="http://schemas.openxmlformats.org/markup-compatibility/2006" xmlns:mv="urn:schemas-microsoft-com:mac:vml" xmlns:a14="http://schemas.microsoft.com/office/drawing/2010/main" xmlns:p="http://schemas.openxmlformats.org/presentationml/2006/main" xmlns:r="http://schemas.openxmlformats.org/officeDocument/2006/relationships" xmlns:a="http://schemas.openxmlformats.org/drawingml/2006/main" xmlns="" w="9525">
                 <a:solidFill>
                   <a:srgbClr val="000000"/>
                 </a:solidFill>
@@ -6500,7 +6500,7 @@
               </a14:hiddenLine>
             </a:ext>
             <a:ext uri="{FAA26D3D-D897-4be2-8F04-BA451C77F1D7}">
-              <ma14:placeholderFlag xmlns="" xmlns:a="http://schemas.openxmlformats.org/drawingml/2006/main" xmlns:r="http://schemas.openxmlformats.org/officeDocument/2006/relationships" xmlns:p="http://schemas.openxmlformats.org/presentationml/2006/main" xmlns:ma14="http://schemas.microsoft.com/office/mac/drawingml/2011/main" xmlns:mv="urn:schemas-microsoft-com:mac:vml" xmlns:mc="http://schemas.openxmlformats.org/markup-compatibility/2006" val="1"/>
+              <ma14:placeholderFlag xmlns:mc="http://schemas.openxmlformats.org/markup-compatibility/2006" xmlns:mv="urn:schemas-microsoft-com:mac:vml" xmlns:ma14="http://schemas.microsoft.com/office/mac/drawingml/2011/main" xmlns:p="http://schemas.openxmlformats.org/presentationml/2006/main" xmlns:r="http://schemas.openxmlformats.org/officeDocument/2006/relationships" xmlns:a="http://schemas.openxmlformats.org/drawingml/2006/main" xmlns="" val="1"/>
             </a:ext>
           </a:extLst>
         </p:spPr>
@@ -6565,14 +6565,14 @@
           </a:ln>
           <a:extLst>
             <a:ext uri="{909E8E84-426E-40dd-AFC4-6F175D3DCCD1}">
-              <a14:hiddenFill xmlns="" xmlns:a="http://schemas.openxmlformats.org/drawingml/2006/main" xmlns:r="http://schemas.openxmlformats.org/officeDocument/2006/relationships" xmlns:p="http://schemas.openxmlformats.org/presentationml/2006/main" xmlns:a14="http://schemas.microsoft.com/office/drawing/2010/main" xmlns:mv="urn:schemas-microsoft-com:mac:vml" xmlns:mc="http://schemas.openxmlformats.org/markup-compatibility/2006">
+              <a14:hiddenFill xmlns:mc="http://schemas.openxmlformats.org/markup-compatibility/2006" xmlns:mv="urn:schemas-microsoft-com:mac:vml" xmlns:a14="http://schemas.microsoft.com/office/drawing/2010/main" xmlns:p="http://schemas.openxmlformats.org/presentationml/2006/main" xmlns:r="http://schemas.openxmlformats.org/officeDocument/2006/relationships" xmlns:a="http://schemas.openxmlformats.org/drawingml/2006/main" xmlns="">
                 <a:solidFill>
                   <a:srgbClr val="FFFFFF"/>
                 </a:solidFill>
               </a14:hiddenFill>
             </a:ext>
             <a:ext uri="{91240B29-F687-4f45-9708-019B960494DF}">
-              <a14:hiddenLine xmlns="" xmlns:a="http://schemas.openxmlformats.org/drawingml/2006/main" xmlns:r="http://schemas.openxmlformats.org/officeDocument/2006/relationships" xmlns:p="http://schemas.openxmlformats.org/presentationml/2006/main" xmlns:a14="http://schemas.microsoft.com/office/drawing/2010/main" xmlns:mv="urn:schemas-microsoft-com:mac:vml" xmlns:mc="http://schemas.openxmlformats.org/markup-compatibility/2006" w="9525">
+              <a14:hiddenLine xmlns:mc="http://schemas.openxmlformats.org/markup-compatibility/2006" xmlns:mv="urn:schemas-microsoft-com:mac:vml" xmlns:a14="http://schemas.microsoft.com/office/drawing/2010/main" xmlns:p="http://schemas.openxmlformats.org/presentationml/2006/main" xmlns:r="http://schemas.openxmlformats.org/officeDocument/2006/relationships" xmlns:a="http://schemas.openxmlformats.org/drawingml/2006/main" xmlns="" w="9525">
                 <a:solidFill>
                   <a:srgbClr val="000000"/>
                 </a:solidFill>
@@ -6726,14 +6726,14 @@
           </a:ln>
           <a:extLst>
             <a:ext uri="{909E8E84-426E-40dd-AFC4-6F175D3DCCD1}">
-              <a14:hiddenFill xmlns="" xmlns:a="http://schemas.openxmlformats.org/drawingml/2006/main" xmlns:r="http://schemas.openxmlformats.org/officeDocument/2006/relationships" xmlns:p="http://schemas.openxmlformats.org/presentationml/2006/main" xmlns:a14="http://schemas.microsoft.com/office/drawing/2010/main" xmlns:mv="urn:schemas-microsoft-com:mac:vml" xmlns:mc="http://schemas.openxmlformats.org/markup-compatibility/2006">
+              <a14:hiddenFill xmlns:mc="http://schemas.openxmlformats.org/markup-compatibility/2006" xmlns:mv="urn:schemas-microsoft-com:mac:vml" xmlns:a14="http://schemas.microsoft.com/office/drawing/2010/main" xmlns:p="http://schemas.openxmlformats.org/presentationml/2006/main" xmlns:r="http://schemas.openxmlformats.org/officeDocument/2006/relationships" xmlns:a="http://schemas.openxmlformats.org/drawingml/2006/main" xmlns="">
                 <a:solidFill>
                   <a:srgbClr val="FFFFFF"/>
                 </a:solidFill>
               </a14:hiddenFill>
             </a:ext>
             <a:ext uri="{FAA26D3D-D897-4be2-8F04-BA451C77F1D7}">
-              <ma14:placeholderFlag xmlns="" xmlns:a="http://schemas.openxmlformats.org/drawingml/2006/main" xmlns:r="http://schemas.openxmlformats.org/officeDocument/2006/relationships" xmlns:p="http://schemas.openxmlformats.org/presentationml/2006/main" xmlns:ma14="http://schemas.microsoft.com/office/mac/drawingml/2011/main" xmlns:mv="urn:schemas-microsoft-com:mac:vml" xmlns:mc="http://schemas.openxmlformats.org/markup-compatibility/2006" val="1"/>
+              <ma14:placeholderFlag xmlns:mc="http://schemas.openxmlformats.org/markup-compatibility/2006" xmlns:mv="urn:schemas-microsoft-com:mac:vml" xmlns:ma14="http://schemas.microsoft.com/office/mac/drawingml/2011/main" xmlns:p="http://schemas.openxmlformats.org/presentationml/2006/main" xmlns:r="http://schemas.openxmlformats.org/officeDocument/2006/relationships" xmlns:a="http://schemas.openxmlformats.org/drawingml/2006/main" xmlns="" val="1"/>
             </a:ext>
           </a:extLst>
         </p:spPr>
@@ -6752,14 +6752,14 @@
           <a:noFill/>
           <a:extLst>
             <a:ext uri="{909E8E84-426E-40dd-AFC4-6F175D3DCCD1}">
-              <a14:hiddenFill xmlns="" xmlns:a="http://schemas.openxmlformats.org/drawingml/2006/main" xmlns:r="http://schemas.openxmlformats.org/officeDocument/2006/relationships" xmlns:p="http://schemas.openxmlformats.org/presentationml/2006/main" xmlns:a14="http://schemas.microsoft.com/office/drawing/2010/main" xmlns:mv="urn:schemas-microsoft-com:mac:vml" xmlns:mc="http://schemas.openxmlformats.org/markup-compatibility/2006">
+              <a14:hiddenFill xmlns:mc="http://schemas.openxmlformats.org/markup-compatibility/2006" xmlns:mv="urn:schemas-microsoft-com:mac:vml" xmlns:a14="http://schemas.microsoft.com/office/drawing/2010/main" xmlns:p="http://schemas.openxmlformats.org/presentationml/2006/main" xmlns:r="http://schemas.openxmlformats.org/officeDocument/2006/relationships" xmlns:a="http://schemas.openxmlformats.org/drawingml/2006/main" xmlns="">
                 <a:solidFill>
                   <a:srgbClr val="FFFFFF"/>
                 </a:solidFill>
               </a14:hiddenFill>
             </a:ext>
             <a:ext uri="{91240B29-F687-4f45-9708-019B960494DF}">
-              <a14:hiddenLine xmlns="" xmlns:a="http://schemas.openxmlformats.org/drawingml/2006/main" xmlns:r="http://schemas.openxmlformats.org/officeDocument/2006/relationships" xmlns:p="http://schemas.openxmlformats.org/presentationml/2006/main" xmlns:a14="http://schemas.microsoft.com/office/drawing/2010/main" xmlns:mv="urn:schemas-microsoft-com:mac:vml" xmlns:mc="http://schemas.openxmlformats.org/markup-compatibility/2006" w="9525">
+              <a14:hiddenLine xmlns:mc="http://schemas.openxmlformats.org/markup-compatibility/2006" xmlns:mv="urn:schemas-microsoft-com:mac:vml" xmlns:a14="http://schemas.microsoft.com/office/drawing/2010/main" xmlns:p="http://schemas.openxmlformats.org/presentationml/2006/main" xmlns:r="http://schemas.openxmlformats.org/officeDocument/2006/relationships" xmlns:a="http://schemas.openxmlformats.org/drawingml/2006/main" xmlns="" w="9525">
                 <a:solidFill>
                   <a:srgbClr val="000000"/>
                 </a:solidFill>
@@ -6982,7 +6982,7 @@
     </p:spTree>
     <p:extLst>
       <p:ext uri="{BB962C8B-B14F-4D97-AF65-F5344CB8AC3E}">
-        <p14:creationId xmlns="" xmlns:a="http://schemas.openxmlformats.org/drawingml/2006/main" xmlns:r="http://schemas.openxmlformats.org/officeDocument/2006/relationships" xmlns:p="http://schemas.openxmlformats.org/presentationml/2006/main" xmlns:p14="http://schemas.microsoft.com/office/powerpoint/2010/main" xmlns:mv="urn:schemas-microsoft-com:mac:vml" xmlns:mc="http://schemas.openxmlformats.org/markup-compatibility/2006" val="3250658828"/>
+        <p14:creationId xmlns:mc="http://schemas.openxmlformats.org/markup-compatibility/2006" xmlns:mv="urn:schemas-microsoft-com:mac:vml" xmlns:p14="http://schemas.microsoft.com/office/powerpoint/2010/main" xmlns:p="http://schemas.openxmlformats.org/presentationml/2006/main" xmlns:r="http://schemas.openxmlformats.org/officeDocument/2006/relationships" xmlns:a="http://schemas.openxmlformats.org/drawingml/2006/main" xmlns="" val="3250658828"/>
       </p:ext>
     </p:extLst>
   </p:cSld>
@@ -7031,14 +7031,14 @@
           </a:ln>
           <a:extLst>
             <a:ext uri="{909E8E84-426E-40dd-AFC4-6F175D3DCCD1}">
-              <a14:hiddenFill xmlns="" xmlns:a="http://schemas.openxmlformats.org/drawingml/2006/main" xmlns:r="http://schemas.openxmlformats.org/officeDocument/2006/relationships" xmlns:p="http://schemas.openxmlformats.org/presentationml/2006/main" xmlns:a14="http://schemas.microsoft.com/office/drawing/2010/main" xmlns:mv="urn:schemas-microsoft-com:mac:vml" xmlns:mc="http://schemas.openxmlformats.org/markup-compatibility/2006">
+              <a14:hiddenFill xmlns:mc="http://schemas.openxmlformats.org/markup-compatibility/2006" xmlns:mv="urn:schemas-microsoft-com:mac:vml" xmlns:a14="http://schemas.microsoft.com/office/drawing/2010/main" xmlns:p="http://schemas.openxmlformats.org/presentationml/2006/main" xmlns:r="http://schemas.openxmlformats.org/officeDocument/2006/relationships" xmlns:a="http://schemas.openxmlformats.org/drawingml/2006/main" xmlns="">
                 <a:solidFill>
                   <a:srgbClr val="FFFFFF"/>
                 </a:solidFill>
               </a14:hiddenFill>
             </a:ext>
             <a:ext uri="{91240B29-F687-4f45-9708-019B960494DF}">
-              <a14:hiddenLine xmlns="" xmlns:a="http://schemas.openxmlformats.org/drawingml/2006/main" xmlns:r="http://schemas.openxmlformats.org/officeDocument/2006/relationships" xmlns:p="http://schemas.openxmlformats.org/presentationml/2006/main" xmlns:a14="http://schemas.microsoft.com/office/drawing/2010/main" xmlns:mv="urn:schemas-microsoft-com:mac:vml" xmlns:mc="http://schemas.openxmlformats.org/markup-compatibility/2006" w="9525">
+              <a14:hiddenLine xmlns:mc="http://schemas.openxmlformats.org/markup-compatibility/2006" xmlns:mv="urn:schemas-microsoft-com:mac:vml" xmlns:a14="http://schemas.microsoft.com/office/drawing/2010/main" xmlns:p="http://schemas.openxmlformats.org/presentationml/2006/main" xmlns:r="http://schemas.openxmlformats.org/officeDocument/2006/relationships" xmlns:a="http://schemas.openxmlformats.org/drawingml/2006/main" xmlns="" w="9525">
                 <a:solidFill>
                   <a:srgbClr val="000000"/>
                 </a:solidFill>
@@ -7192,14 +7192,14 @@
           </a:ln>
           <a:extLst>
             <a:ext uri="{909E8E84-426E-40dd-AFC4-6F175D3DCCD1}">
-              <a14:hiddenFill xmlns="" xmlns:a="http://schemas.openxmlformats.org/drawingml/2006/main" xmlns:r="http://schemas.openxmlformats.org/officeDocument/2006/relationships" xmlns:p="http://schemas.openxmlformats.org/presentationml/2006/main" xmlns:a14="http://schemas.microsoft.com/office/drawing/2010/main" xmlns:mv="urn:schemas-microsoft-com:mac:vml" xmlns:mc="http://schemas.openxmlformats.org/markup-compatibility/2006">
+              <a14:hiddenFill xmlns:mc="http://schemas.openxmlformats.org/markup-compatibility/2006" xmlns:mv="urn:schemas-microsoft-com:mac:vml" xmlns:a14="http://schemas.microsoft.com/office/drawing/2010/main" xmlns:p="http://schemas.openxmlformats.org/presentationml/2006/main" xmlns:r="http://schemas.openxmlformats.org/officeDocument/2006/relationships" xmlns:a="http://schemas.openxmlformats.org/drawingml/2006/main" xmlns="">
                 <a:solidFill>
                   <a:srgbClr val="FFFFFF"/>
                 </a:solidFill>
               </a14:hiddenFill>
             </a:ext>
             <a:ext uri="{FAA26D3D-D897-4be2-8F04-BA451C77F1D7}">
-              <ma14:placeholderFlag xmlns="" xmlns:a="http://schemas.openxmlformats.org/drawingml/2006/main" xmlns:r="http://schemas.openxmlformats.org/officeDocument/2006/relationships" xmlns:p="http://schemas.openxmlformats.org/presentationml/2006/main" xmlns:ma14="http://schemas.microsoft.com/office/mac/drawingml/2011/main" xmlns:mv="urn:schemas-microsoft-com:mac:vml" xmlns:mc="http://schemas.openxmlformats.org/markup-compatibility/2006" val="1"/>
+              <ma14:placeholderFlag xmlns:mc="http://schemas.openxmlformats.org/markup-compatibility/2006" xmlns:mv="urn:schemas-microsoft-com:mac:vml" xmlns:ma14="http://schemas.microsoft.com/office/mac/drawingml/2011/main" xmlns:p="http://schemas.openxmlformats.org/presentationml/2006/main" xmlns:r="http://schemas.openxmlformats.org/officeDocument/2006/relationships" xmlns:a="http://schemas.openxmlformats.org/drawingml/2006/main" xmlns="" val="1"/>
             </a:ext>
           </a:extLst>
         </p:spPr>
@@ -7218,14 +7218,14 @@
           <a:noFill/>
           <a:extLst>
             <a:ext uri="{909E8E84-426E-40dd-AFC4-6F175D3DCCD1}">
-              <a14:hiddenFill xmlns="" xmlns:a="http://schemas.openxmlformats.org/drawingml/2006/main" xmlns:r="http://schemas.openxmlformats.org/officeDocument/2006/relationships" xmlns:p="http://schemas.openxmlformats.org/presentationml/2006/main" xmlns:a14="http://schemas.microsoft.com/office/drawing/2010/main" xmlns:mv="urn:schemas-microsoft-com:mac:vml" xmlns:mc="http://schemas.openxmlformats.org/markup-compatibility/2006">
+              <a14:hiddenFill xmlns:mc="http://schemas.openxmlformats.org/markup-compatibility/2006" xmlns:mv="urn:schemas-microsoft-com:mac:vml" xmlns:a14="http://schemas.microsoft.com/office/drawing/2010/main" xmlns:p="http://schemas.openxmlformats.org/presentationml/2006/main" xmlns:r="http://schemas.openxmlformats.org/officeDocument/2006/relationships" xmlns:a="http://schemas.openxmlformats.org/drawingml/2006/main" xmlns="">
                 <a:solidFill>
                   <a:srgbClr val="FFFFFF"/>
                 </a:solidFill>
               </a14:hiddenFill>
             </a:ext>
             <a:ext uri="{91240B29-F687-4f45-9708-019B960494DF}">
-              <a14:hiddenLine xmlns="" xmlns:a="http://schemas.openxmlformats.org/drawingml/2006/main" xmlns:r="http://schemas.openxmlformats.org/officeDocument/2006/relationships" xmlns:p="http://schemas.openxmlformats.org/presentationml/2006/main" xmlns:a14="http://schemas.microsoft.com/office/drawing/2010/main" xmlns:mv="urn:schemas-microsoft-com:mac:vml" xmlns:mc="http://schemas.openxmlformats.org/markup-compatibility/2006" w="9525">
+              <a14:hiddenLine xmlns:mc="http://schemas.openxmlformats.org/markup-compatibility/2006" xmlns:mv="urn:schemas-microsoft-com:mac:vml" xmlns:a14="http://schemas.microsoft.com/office/drawing/2010/main" xmlns:p="http://schemas.openxmlformats.org/presentationml/2006/main" xmlns:r="http://schemas.openxmlformats.org/officeDocument/2006/relationships" xmlns:a="http://schemas.openxmlformats.org/drawingml/2006/main" xmlns="" w="9525">
                 <a:solidFill>
                   <a:srgbClr val="000000"/>
                 </a:solidFill>
@@ -7235,7 +7235,7 @@
               </a14:hiddenLine>
             </a:ext>
             <a:ext uri="{FAA26D3D-D897-4be2-8F04-BA451C77F1D7}">
-              <ma14:placeholderFlag xmlns="" xmlns:a="http://schemas.openxmlformats.org/drawingml/2006/main" xmlns:r="http://schemas.openxmlformats.org/officeDocument/2006/relationships" xmlns:p="http://schemas.openxmlformats.org/presentationml/2006/main" xmlns:ma14="http://schemas.microsoft.com/office/mac/drawingml/2011/main" xmlns:mv="urn:schemas-microsoft-com:mac:vml" xmlns:mc="http://schemas.openxmlformats.org/markup-compatibility/2006" val="1"/>
+              <ma14:placeholderFlag xmlns:mc="http://schemas.openxmlformats.org/markup-compatibility/2006" xmlns:mv="urn:schemas-microsoft-com:mac:vml" xmlns:ma14="http://schemas.microsoft.com/office/mac/drawingml/2011/main" xmlns:p="http://schemas.openxmlformats.org/presentationml/2006/main" xmlns:r="http://schemas.openxmlformats.org/officeDocument/2006/relationships" xmlns:a="http://schemas.openxmlformats.org/drawingml/2006/main" xmlns="" val="1"/>
             </a:ext>
           </a:extLst>
         </p:spPr>
@@ -7301,14 +7301,14 @@
           </a:ln>
           <a:extLst>
             <a:ext uri="{909E8E84-426E-40dd-AFC4-6F175D3DCCD1}">
-              <a14:hiddenFill xmlns="" xmlns:a="http://schemas.openxmlformats.org/drawingml/2006/main" xmlns:r="http://schemas.openxmlformats.org/officeDocument/2006/relationships" xmlns:p="http://schemas.openxmlformats.org/presentationml/2006/main" xmlns:a14="http://schemas.microsoft.com/office/drawing/2010/main" xmlns:mv="urn:schemas-microsoft-com:mac:vml" xmlns:mc="http://schemas.openxmlformats.org/markup-compatibility/2006">
+              <a14:hiddenFill xmlns:mc="http://schemas.openxmlformats.org/markup-compatibility/2006" xmlns:mv="urn:schemas-microsoft-com:mac:vml" xmlns:a14="http://schemas.microsoft.com/office/drawing/2010/main" xmlns:p="http://schemas.openxmlformats.org/presentationml/2006/main" xmlns:r="http://schemas.openxmlformats.org/officeDocument/2006/relationships" xmlns:a="http://schemas.openxmlformats.org/drawingml/2006/main" xmlns="">
                 <a:solidFill>
                   <a:srgbClr val="FFFFFF"/>
                 </a:solidFill>
               </a14:hiddenFill>
             </a:ext>
             <a:ext uri="{91240B29-F687-4f45-9708-019B960494DF}">
-              <a14:hiddenLine xmlns="" xmlns:a="http://schemas.openxmlformats.org/drawingml/2006/main" xmlns:r="http://schemas.openxmlformats.org/officeDocument/2006/relationships" xmlns:p="http://schemas.openxmlformats.org/presentationml/2006/main" xmlns:a14="http://schemas.microsoft.com/office/drawing/2010/main" xmlns:mv="urn:schemas-microsoft-com:mac:vml" xmlns:mc="http://schemas.openxmlformats.org/markup-compatibility/2006" w="9525">
+              <a14:hiddenLine xmlns:mc="http://schemas.openxmlformats.org/markup-compatibility/2006" xmlns:mv="urn:schemas-microsoft-com:mac:vml" xmlns:a14="http://schemas.microsoft.com/office/drawing/2010/main" xmlns:p="http://schemas.openxmlformats.org/presentationml/2006/main" xmlns:r="http://schemas.openxmlformats.org/officeDocument/2006/relationships" xmlns:a="http://schemas.openxmlformats.org/drawingml/2006/main" xmlns="" w="9525">
                 <a:solidFill>
                   <a:srgbClr val="000000"/>
                 </a:solidFill>
@@ -7462,14 +7462,14 @@
           </a:ln>
           <a:extLst>
             <a:ext uri="{909E8E84-426E-40dd-AFC4-6F175D3DCCD1}">
-              <a14:hiddenFill xmlns="" xmlns:a="http://schemas.openxmlformats.org/drawingml/2006/main" xmlns:r="http://schemas.openxmlformats.org/officeDocument/2006/relationships" xmlns:p="http://schemas.openxmlformats.org/presentationml/2006/main" xmlns:a14="http://schemas.microsoft.com/office/drawing/2010/main" xmlns:mv="urn:schemas-microsoft-com:mac:vml" xmlns:mc="http://schemas.openxmlformats.org/markup-compatibility/2006">
+              <a14:hiddenFill xmlns:mc="http://schemas.openxmlformats.org/markup-compatibility/2006" xmlns:mv="urn:schemas-microsoft-com:mac:vml" xmlns:a14="http://schemas.microsoft.com/office/drawing/2010/main" xmlns:p="http://schemas.openxmlformats.org/presentationml/2006/main" xmlns:r="http://schemas.openxmlformats.org/officeDocument/2006/relationships" xmlns:a="http://schemas.openxmlformats.org/drawingml/2006/main" xmlns="">
                 <a:solidFill>
                   <a:srgbClr val="FFFFFF"/>
                 </a:solidFill>
               </a14:hiddenFill>
             </a:ext>
             <a:ext uri="{FAA26D3D-D897-4be2-8F04-BA451C77F1D7}">
-              <ma14:placeholderFlag xmlns="" xmlns:a="http://schemas.openxmlformats.org/drawingml/2006/main" xmlns:r="http://schemas.openxmlformats.org/officeDocument/2006/relationships" xmlns:p="http://schemas.openxmlformats.org/presentationml/2006/main" xmlns:ma14="http://schemas.microsoft.com/office/mac/drawingml/2011/main" xmlns:mv="urn:schemas-microsoft-com:mac:vml" xmlns:mc="http://schemas.openxmlformats.org/markup-compatibility/2006" val="1"/>
+              <ma14:placeholderFlag xmlns:mc="http://schemas.openxmlformats.org/markup-compatibility/2006" xmlns:mv="urn:schemas-microsoft-com:mac:vml" xmlns:ma14="http://schemas.microsoft.com/office/mac/drawingml/2011/main" xmlns:p="http://schemas.openxmlformats.org/presentationml/2006/main" xmlns:r="http://schemas.openxmlformats.org/officeDocument/2006/relationships" xmlns:a="http://schemas.openxmlformats.org/drawingml/2006/main" xmlns="" val="1"/>
             </a:ext>
           </a:extLst>
         </p:spPr>
@@ -7488,14 +7488,14 @@
           <a:noFill/>
           <a:extLst>
             <a:ext uri="{909E8E84-426E-40dd-AFC4-6F175D3DCCD1}">
-              <a14:hiddenFill xmlns="" xmlns:a="http://schemas.openxmlformats.org/drawingml/2006/main" xmlns:r="http://schemas.openxmlformats.org/officeDocument/2006/relationships" xmlns:p="http://schemas.openxmlformats.org/presentationml/2006/main" xmlns:a14="http://schemas.microsoft.com/office/drawing/2010/main" xmlns:mv="urn:schemas-microsoft-com:mac:vml" xmlns:mc="http://schemas.openxmlformats.org/markup-compatibility/2006">
+              <a14:hiddenFill xmlns:mc="http://schemas.openxmlformats.org/markup-compatibility/2006" xmlns:mv="urn:schemas-microsoft-com:mac:vml" xmlns:a14="http://schemas.microsoft.com/office/drawing/2010/main" xmlns:p="http://schemas.openxmlformats.org/presentationml/2006/main" xmlns:r="http://schemas.openxmlformats.org/officeDocument/2006/relationships" xmlns:a="http://schemas.openxmlformats.org/drawingml/2006/main" xmlns="">
                 <a:solidFill>
                   <a:srgbClr val="FFFFFF"/>
                 </a:solidFill>
               </a14:hiddenFill>
             </a:ext>
             <a:ext uri="{91240B29-F687-4f45-9708-019B960494DF}">
-              <a14:hiddenLine xmlns="" xmlns:a="http://schemas.openxmlformats.org/drawingml/2006/main" xmlns:r="http://schemas.openxmlformats.org/officeDocument/2006/relationships" xmlns:p="http://schemas.openxmlformats.org/presentationml/2006/main" xmlns:a14="http://schemas.microsoft.com/office/drawing/2010/main" xmlns:mv="urn:schemas-microsoft-com:mac:vml" xmlns:mc="http://schemas.openxmlformats.org/markup-compatibility/2006" w="9525">
+              <a14:hiddenLine xmlns:mc="http://schemas.openxmlformats.org/markup-compatibility/2006" xmlns:mv="urn:schemas-microsoft-com:mac:vml" xmlns:a14="http://schemas.microsoft.com/office/drawing/2010/main" xmlns:p="http://schemas.openxmlformats.org/presentationml/2006/main" xmlns:r="http://schemas.openxmlformats.org/officeDocument/2006/relationships" xmlns:a="http://schemas.openxmlformats.org/drawingml/2006/main" xmlns="" w="9525">
                 <a:solidFill>
                   <a:srgbClr val="000000"/>
                 </a:solidFill>
@@ -7505,7 +7505,7 @@
               </a14:hiddenLine>
             </a:ext>
             <a:ext uri="{FAA26D3D-D897-4be2-8F04-BA451C77F1D7}">
-              <ma14:placeholderFlag xmlns="" xmlns:a="http://schemas.openxmlformats.org/drawingml/2006/main" xmlns:r="http://schemas.openxmlformats.org/officeDocument/2006/relationships" xmlns:p="http://schemas.openxmlformats.org/presentationml/2006/main" xmlns:ma14="http://schemas.microsoft.com/office/mac/drawingml/2011/main" xmlns:mv="urn:schemas-microsoft-com:mac:vml" xmlns:mc="http://schemas.openxmlformats.org/markup-compatibility/2006" val="1"/>
+              <ma14:placeholderFlag xmlns:mc="http://schemas.openxmlformats.org/markup-compatibility/2006" xmlns:mv="urn:schemas-microsoft-com:mac:vml" xmlns:ma14="http://schemas.microsoft.com/office/mac/drawingml/2011/main" xmlns:p="http://schemas.openxmlformats.org/presentationml/2006/main" xmlns:r="http://schemas.openxmlformats.org/officeDocument/2006/relationships" xmlns:a="http://schemas.openxmlformats.org/drawingml/2006/main" xmlns="" val="1"/>
             </a:ext>
           </a:extLst>
         </p:spPr>
@@ -7571,14 +7571,14 @@
           </a:ln>
           <a:extLst>
             <a:ext uri="{909E8E84-426E-40dd-AFC4-6F175D3DCCD1}">
-              <a14:hiddenFill xmlns="" xmlns:a="http://schemas.openxmlformats.org/drawingml/2006/main" xmlns:r="http://schemas.openxmlformats.org/officeDocument/2006/relationships" xmlns:p="http://schemas.openxmlformats.org/presentationml/2006/main" xmlns:a14="http://schemas.microsoft.com/office/drawing/2010/main" xmlns:mv="urn:schemas-microsoft-com:mac:vml" xmlns:mc="http://schemas.openxmlformats.org/markup-compatibility/2006">
+              <a14:hiddenFill xmlns:mc="http://schemas.openxmlformats.org/markup-compatibility/2006" xmlns:mv="urn:schemas-microsoft-com:mac:vml" xmlns:a14="http://schemas.microsoft.com/office/drawing/2010/main" xmlns:p="http://schemas.openxmlformats.org/presentationml/2006/main" xmlns:r="http://schemas.openxmlformats.org/officeDocument/2006/relationships" xmlns:a="http://schemas.openxmlformats.org/drawingml/2006/main" xmlns="">
                 <a:solidFill>
                   <a:srgbClr val="FFFFFF"/>
                 </a:solidFill>
               </a14:hiddenFill>
             </a:ext>
             <a:ext uri="{91240B29-F687-4f45-9708-019B960494DF}">
-              <a14:hiddenLine xmlns="" xmlns:a="http://schemas.openxmlformats.org/drawingml/2006/main" xmlns:r="http://schemas.openxmlformats.org/officeDocument/2006/relationships" xmlns:p="http://schemas.openxmlformats.org/presentationml/2006/main" xmlns:a14="http://schemas.microsoft.com/office/drawing/2010/main" xmlns:mv="urn:schemas-microsoft-com:mac:vml" xmlns:mc="http://schemas.openxmlformats.org/markup-compatibility/2006" w="9525">
+              <a14:hiddenLine xmlns:mc="http://schemas.openxmlformats.org/markup-compatibility/2006" xmlns:mv="urn:schemas-microsoft-com:mac:vml" xmlns:a14="http://schemas.microsoft.com/office/drawing/2010/main" xmlns:p="http://schemas.openxmlformats.org/presentationml/2006/main" xmlns:r="http://schemas.openxmlformats.org/officeDocument/2006/relationships" xmlns:a="http://schemas.openxmlformats.org/drawingml/2006/main" xmlns="" w="9525">
                 <a:solidFill>
                   <a:srgbClr val="000000"/>
                 </a:solidFill>
@@ -7732,14 +7732,14 @@
           </a:ln>
           <a:extLst>
             <a:ext uri="{909E8E84-426E-40dd-AFC4-6F175D3DCCD1}">
-              <a14:hiddenFill xmlns="" xmlns:a="http://schemas.openxmlformats.org/drawingml/2006/main" xmlns:r="http://schemas.openxmlformats.org/officeDocument/2006/relationships" xmlns:p="http://schemas.openxmlformats.org/presentationml/2006/main" xmlns:a14="http://schemas.microsoft.com/office/drawing/2010/main" xmlns:mv="urn:schemas-microsoft-com:mac:vml" xmlns:mc="http://schemas.openxmlformats.org/markup-compatibility/2006">
+              <a14:hiddenFill xmlns:mc="http://schemas.openxmlformats.org/markup-compatibility/2006" xmlns:mv="urn:schemas-microsoft-com:mac:vml" xmlns:a14="http://schemas.microsoft.com/office/drawing/2010/main" xmlns:p="http://schemas.openxmlformats.org/presentationml/2006/main" xmlns:r="http://schemas.openxmlformats.org/officeDocument/2006/relationships" xmlns:a="http://schemas.openxmlformats.org/drawingml/2006/main" xmlns="">
                 <a:solidFill>
                   <a:srgbClr val="FFFFFF"/>
                 </a:solidFill>
               </a14:hiddenFill>
             </a:ext>
             <a:ext uri="{FAA26D3D-D897-4be2-8F04-BA451C77F1D7}">
-              <ma14:placeholderFlag xmlns="" xmlns:a="http://schemas.openxmlformats.org/drawingml/2006/main" xmlns:r="http://schemas.openxmlformats.org/officeDocument/2006/relationships" xmlns:p="http://schemas.openxmlformats.org/presentationml/2006/main" xmlns:ma14="http://schemas.microsoft.com/office/mac/drawingml/2011/main" xmlns:mv="urn:schemas-microsoft-com:mac:vml" xmlns:mc="http://schemas.openxmlformats.org/markup-compatibility/2006" val="1"/>
+              <ma14:placeholderFlag xmlns:mc="http://schemas.openxmlformats.org/markup-compatibility/2006" xmlns:mv="urn:schemas-microsoft-com:mac:vml" xmlns:ma14="http://schemas.microsoft.com/office/mac/drawingml/2011/main" xmlns:p="http://schemas.openxmlformats.org/presentationml/2006/main" xmlns:r="http://schemas.openxmlformats.org/officeDocument/2006/relationships" xmlns:a="http://schemas.openxmlformats.org/drawingml/2006/main" xmlns="" val="1"/>
             </a:ext>
           </a:extLst>
         </p:spPr>
@@ -7758,14 +7758,14 @@
           <a:noFill/>
           <a:extLst>
             <a:ext uri="{909E8E84-426E-40dd-AFC4-6F175D3DCCD1}">
-              <a14:hiddenFill xmlns="" xmlns:a="http://schemas.openxmlformats.org/drawingml/2006/main" xmlns:r="http://schemas.openxmlformats.org/officeDocument/2006/relationships" xmlns:p="http://schemas.openxmlformats.org/presentationml/2006/main" xmlns:a14="http://schemas.microsoft.com/office/drawing/2010/main" xmlns:mv="urn:schemas-microsoft-com:mac:vml" xmlns:mc="http://schemas.openxmlformats.org/markup-compatibility/2006">
+              <a14:hiddenFill xmlns:mc="http://schemas.openxmlformats.org/markup-compatibility/2006" xmlns:mv="urn:schemas-microsoft-com:mac:vml" xmlns:a14="http://schemas.microsoft.com/office/drawing/2010/main" xmlns:p="http://schemas.openxmlformats.org/presentationml/2006/main" xmlns:r="http://schemas.openxmlformats.org/officeDocument/2006/relationships" xmlns:a="http://schemas.openxmlformats.org/drawingml/2006/main" xmlns="">
                 <a:solidFill>
                   <a:srgbClr val="FFFFFF"/>
                 </a:solidFill>
               </a14:hiddenFill>
             </a:ext>
             <a:ext uri="{91240B29-F687-4f45-9708-019B960494DF}">
-              <a14:hiddenLine xmlns="" xmlns:a="http://schemas.openxmlformats.org/drawingml/2006/main" xmlns:r="http://schemas.openxmlformats.org/officeDocument/2006/relationships" xmlns:p="http://schemas.openxmlformats.org/presentationml/2006/main" xmlns:a14="http://schemas.microsoft.com/office/drawing/2010/main" xmlns:mv="urn:schemas-microsoft-com:mac:vml" xmlns:mc="http://schemas.openxmlformats.org/markup-compatibility/2006" w="9525">
+              <a14:hiddenLine xmlns:mc="http://schemas.openxmlformats.org/markup-compatibility/2006" xmlns:mv="urn:schemas-microsoft-com:mac:vml" xmlns:a14="http://schemas.microsoft.com/office/drawing/2010/main" xmlns:p="http://schemas.openxmlformats.org/presentationml/2006/main" xmlns:r="http://schemas.openxmlformats.org/officeDocument/2006/relationships" xmlns:a="http://schemas.openxmlformats.org/drawingml/2006/main" xmlns="" w="9525">
                 <a:solidFill>
                   <a:srgbClr val="000000"/>
                 </a:solidFill>
@@ -7775,7 +7775,7 @@
               </a14:hiddenLine>
             </a:ext>
             <a:ext uri="{FAA26D3D-D897-4be2-8F04-BA451C77F1D7}">
-              <ma14:placeholderFlag xmlns="" xmlns:a="http://schemas.openxmlformats.org/drawingml/2006/main" xmlns:r="http://schemas.openxmlformats.org/officeDocument/2006/relationships" xmlns:p="http://schemas.openxmlformats.org/presentationml/2006/main" xmlns:ma14="http://schemas.microsoft.com/office/mac/drawingml/2011/main" xmlns:mv="urn:schemas-microsoft-com:mac:vml" xmlns:mc="http://schemas.openxmlformats.org/markup-compatibility/2006" val="1"/>
+              <ma14:placeholderFlag xmlns:mc="http://schemas.openxmlformats.org/markup-compatibility/2006" xmlns:mv="urn:schemas-microsoft-com:mac:vml" xmlns:ma14="http://schemas.microsoft.com/office/mac/drawingml/2011/main" xmlns:p="http://schemas.openxmlformats.org/presentationml/2006/main" xmlns:r="http://schemas.openxmlformats.org/officeDocument/2006/relationships" xmlns:a="http://schemas.openxmlformats.org/drawingml/2006/main" xmlns="" val="1"/>
             </a:ext>
           </a:extLst>
         </p:spPr>
@@ -7877,7 +7877,7 @@
     </p:spTree>
     <p:extLst>
       <p:ext uri="{BB962C8B-B14F-4D97-AF65-F5344CB8AC3E}">
-        <p14:creationId xmlns="" xmlns:a="http://schemas.openxmlformats.org/drawingml/2006/main" xmlns:r="http://schemas.openxmlformats.org/officeDocument/2006/relationships" xmlns:p="http://schemas.openxmlformats.org/presentationml/2006/main" xmlns:p14="http://schemas.microsoft.com/office/powerpoint/2010/main" xmlns:mv="urn:schemas-microsoft-com:mac:vml" xmlns:mc="http://schemas.openxmlformats.org/markup-compatibility/2006" val="3250658828"/>
+        <p14:creationId xmlns:mc="http://schemas.openxmlformats.org/markup-compatibility/2006" xmlns:mv="urn:schemas-microsoft-com:mac:vml" xmlns:p14="http://schemas.microsoft.com/office/powerpoint/2010/main" xmlns:p="http://schemas.openxmlformats.org/presentationml/2006/main" xmlns:r="http://schemas.openxmlformats.org/officeDocument/2006/relationships" xmlns:a="http://schemas.openxmlformats.org/drawingml/2006/main" xmlns="" val="3250658828"/>
       </p:ext>
     </p:extLst>
   </p:cSld>
@@ -7926,14 +7926,14 @@
           </a:ln>
           <a:extLst>
             <a:ext uri="{909E8E84-426E-40dd-AFC4-6F175D3DCCD1}">
-              <a14:hiddenFill xmlns="" xmlns:a="http://schemas.openxmlformats.org/drawingml/2006/main" xmlns:r="http://schemas.openxmlformats.org/officeDocument/2006/relationships" xmlns:p="http://schemas.openxmlformats.org/presentationml/2006/main" xmlns:a14="http://schemas.microsoft.com/office/drawing/2010/main" xmlns:mv="urn:schemas-microsoft-com:mac:vml" xmlns:mc="http://schemas.openxmlformats.org/markup-compatibility/2006">
+              <a14:hiddenFill xmlns:mc="http://schemas.openxmlformats.org/markup-compatibility/2006" xmlns:mv="urn:schemas-microsoft-com:mac:vml" xmlns:a14="http://schemas.microsoft.com/office/drawing/2010/main" xmlns:p="http://schemas.openxmlformats.org/presentationml/2006/main" xmlns:r="http://schemas.openxmlformats.org/officeDocument/2006/relationships" xmlns:a="http://schemas.openxmlformats.org/drawingml/2006/main" xmlns="">
                 <a:solidFill>
                   <a:srgbClr val="FFFFFF"/>
                 </a:solidFill>
               </a14:hiddenFill>
             </a:ext>
             <a:ext uri="{FAA26D3D-D897-4be2-8F04-BA451C77F1D7}">
-              <ma14:placeholderFlag xmlns="" xmlns:a="http://schemas.openxmlformats.org/drawingml/2006/main" xmlns:r="http://schemas.openxmlformats.org/officeDocument/2006/relationships" xmlns:p="http://schemas.openxmlformats.org/presentationml/2006/main" xmlns:ma14="http://schemas.microsoft.com/office/mac/drawingml/2011/main" xmlns:mv="urn:schemas-microsoft-com:mac:vml" xmlns:mc="http://schemas.openxmlformats.org/markup-compatibility/2006" val="1"/>
+              <ma14:placeholderFlag xmlns:mc="http://schemas.openxmlformats.org/markup-compatibility/2006" xmlns:mv="urn:schemas-microsoft-com:mac:vml" xmlns:ma14="http://schemas.microsoft.com/office/mac/drawingml/2011/main" xmlns:p="http://schemas.openxmlformats.org/presentationml/2006/main" xmlns:r="http://schemas.openxmlformats.org/officeDocument/2006/relationships" xmlns:a="http://schemas.openxmlformats.org/drawingml/2006/main" xmlns="" val="1"/>
             </a:ext>
           </a:extLst>
         </p:spPr>
@@ -7952,14 +7952,14 @@
           <a:noFill/>
           <a:extLst>
             <a:ext uri="{909E8E84-426E-40dd-AFC4-6F175D3DCCD1}">
-              <a14:hiddenFill xmlns="" xmlns:a="http://schemas.openxmlformats.org/drawingml/2006/main" xmlns:r="http://schemas.openxmlformats.org/officeDocument/2006/relationships" xmlns:p="http://schemas.openxmlformats.org/presentationml/2006/main" xmlns:a14="http://schemas.microsoft.com/office/drawing/2010/main" xmlns:mv="urn:schemas-microsoft-com:mac:vml" xmlns:mc="http://schemas.openxmlformats.org/markup-compatibility/2006">
+              <a14:hiddenFill xmlns:mc="http://schemas.openxmlformats.org/markup-compatibility/2006" xmlns:mv="urn:schemas-microsoft-com:mac:vml" xmlns:a14="http://schemas.microsoft.com/office/drawing/2010/main" xmlns:p="http://schemas.openxmlformats.org/presentationml/2006/main" xmlns:r="http://schemas.openxmlformats.org/officeDocument/2006/relationships" xmlns:a="http://schemas.openxmlformats.org/drawingml/2006/main" xmlns="">
                 <a:solidFill>
                   <a:srgbClr val="FFFFFF"/>
                 </a:solidFill>
               </a14:hiddenFill>
             </a:ext>
             <a:ext uri="{91240B29-F687-4f45-9708-019B960494DF}">
-              <a14:hiddenLine xmlns="" xmlns:a="http://schemas.openxmlformats.org/drawingml/2006/main" xmlns:r="http://schemas.openxmlformats.org/officeDocument/2006/relationships" xmlns:p="http://schemas.openxmlformats.org/presentationml/2006/main" xmlns:a14="http://schemas.microsoft.com/office/drawing/2010/main" xmlns:mv="urn:schemas-microsoft-com:mac:vml" xmlns:mc="http://schemas.openxmlformats.org/markup-compatibility/2006" w="9525">
+              <a14:hiddenLine xmlns:mc="http://schemas.openxmlformats.org/markup-compatibility/2006" xmlns:mv="urn:schemas-microsoft-com:mac:vml" xmlns:a14="http://schemas.microsoft.com/office/drawing/2010/main" xmlns:p="http://schemas.openxmlformats.org/presentationml/2006/main" xmlns:r="http://schemas.openxmlformats.org/officeDocument/2006/relationships" xmlns:a="http://schemas.openxmlformats.org/drawingml/2006/main" xmlns="" w="9525">
                 <a:solidFill>
                   <a:srgbClr val="000000"/>
                 </a:solidFill>
@@ -7969,7 +7969,7 @@
               </a14:hiddenLine>
             </a:ext>
             <a:ext uri="{FAA26D3D-D897-4be2-8F04-BA451C77F1D7}">
-              <ma14:placeholderFlag xmlns="" xmlns:a="http://schemas.openxmlformats.org/drawingml/2006/main" xmlns:r="http://schemas.openxmlformats.org/officeDocument/2006/relationships" xmlns:p="http://schemas.openxmlformats.org/presentationml/2006/main" xmlns:ma14="http://schemas.microsoft.com/office/mac/drawingml/2011/main" xmlns:mv="urn:schemas-microsoft-com:mac:vml" xmlns:mc="http://schemas.openxmlformats.org/markup-compatibility/2006" val="1"/>
+              <ma14:placeholderFlag xmlns:mc="http://schemas.openxmlformats.org/markup-compatibility/2006" xmlns:mv="urn:schemas-microsoft-com:mac:vml" xmlns:ma14="http://schemas.microsoft.com/office/mac/drawingml/2011/main" xmlns:p="http://schemas.openxmlformats.org/presentationml/2006/main" xmlns:r="http://schemas.openxmlformats.org/officeDocument/2006/relationships" xmlns:a="http://schemas.openxmlformats.org/drawingml/2006/main" xmlns="" val="1"/>
             </a:ext>
           </a:extLst>
         </p:spPr>
@@ -8034,14 +8034,14 @@
           </a:ln>
           <a:extLst>
             <a:ext uri="{909E8E84-426E-40dd-AFC4-6F175D3DCCD1}">
-              <a14:hiddenFill xmlns="" xmlns:a="http://schemas.openxmlformats.org/drawingml/2006/main" xmlns:r="http://schemas.openxmlformats.org/officeDocument/2006/relationships" xmlns:p="http://schemas.openxmlformats.org/presentationml/2006/main" xmlns:a14="http://schemas.microsoft.com/office/drawing/2010/main" xmlns:mv="urn:schemas-microsoft-com:mac:vml" xmlns:mc="http://schemas.openxmlformats.org/markup-compatibility/2006">
+              <a14:hiddenFill xmlns:mc="http://schemas.openxmlformats.org/markup-compatibility/2006" xmlns:mv="urn:schemas-microsoft-com:mac:vml" xmlns:a14="http://schemas.microsoft.com/office/drawing/2010/main" xmlns:p="http://schemas.openxmlformats.org/presentationml/2006/main" xmlns:r="http://schemas.openxmlformats.org/officeDocument/2006/relationships" xmlns:a="http://schemas.openxmlformats.org/drawingml/2006/main" xmlns="">
                 <a:solidFill>
                   <a:srgbClr val="FFFFFF"/>
                 </a:solidFill>
               </a14:hiddenFill>
             </a:ext>
             <a:ext uri="{FAA26D3D-D897-4be2-8F04-BA451C77F1D7}">
-              <ma14:placeholderFlag xmlns="" xmlns:a="http://schemas.openxmlformats.org/drawingml/2006/main" xmlns:r="http://schemas.openxmlformats.org/officeDocument/2006/relationships" xmlns:p="http://schemas.openxmlformats.org/presentationml/2006/main" xmlns:ma14="http://schemas.microsoft.com/office/mac/drawingml/2011/main" xmlns:mv="urn:schemas-microsoft-com:mac:vml" xmlns:mc="http://schemas.openxmlformats.org/markup-compatibility/2006" val="1"/>
+              <ma14:placeholderFlag xmlns:mc="http://schemas.openxmlformats.org/markup-compatibility/2006" xmlns:mv="urn:schemas-microsoft-com:mac:vml" xmlns:ma14="http://schemas.microsoft.com/office/mac/drawingml/2011/main" xmlns:p="http://schemas.openxmlformats.org/presentationml/2006/main" xmlns:r="http://schemas.openxmlformats.org/officeDocument/2006/relationships" xmlns:a="http://schemas.openxmlformats.org/drawingml/2006/main" xmlns="" val="1"/>
             </a:ext>
           </a:extLst>
         </p:spPr>
@@ -8060,14 +8060,14 @@
           <a:noFill/>
           <a:extLst>
             <a:ext uri="{909E8E84-426E-40dd-AFC4-6F175D3DCCD1}">
-              <a14:hiddenFill xmlns="" xmlns:a="http://schemas.openxmlformats.org/drawingml/2006/main" xmlns:r="http://schemas.openxmlformats.org/officeDocument/2006/relationships" xmlns:p="http://schemas.openxmlformats.org/presentationml/2006/main" xmlns:a14="http://schemas.microsoft.com/office/drawing/2010/main" xmlns:mv="urn:schemas-microsoft-com:mac:vml" xmlns:mc="http://schemas.openxmlformats.org/markup-compatibility/2006">
+              <a14:hiddenFill xmlns:mc="http://schemas.openxmlformats.org/markup-compatibility/2006" xmlns:mv="urn:schemas-microsoft-com:mac:vml" xmlns:a14="http://schemas.microsoft.com/office/drawing/2010/main" xmlns:p="http://schemas.openxmlformats.org/presentationml/2006/main" xmlns:r="http://schemas.openxmlformats.org/officeDocument/2006/relationships" xmlns:a="http://schemas.openxmlformats.org/drawingml/2006/main" xmlns="">
                 <a:solidFill>
                   <a:srgbClr val="FFFFFF"/>
                 </a:solidFill>
               </a14:hiddenFill>
             </a:ext>
             <a:ext uri="{91240B29-F687-4f45-9708-019B960494DF}">
-              <a14:hiddenLine xmlns="" xmlns:a="http://schemas.openxmlformats.org/drawingml/2006/main" xmlns:r="http://schemas.openxmlformats.org/officeDocument/2006/relationships" xmlns:p="http://schemas.openxmlformats.org/presentationml/2006/main" xmlns:a14="http://schemas.microsoft.com/office/drawing/2010/main" xmlns:mv="urn:schemas-microsoft-com:mac:vml" xmlns:mc="http://schemas.openxmlformats.org/markup-compatibility/2006" w="9525">
+              <a14:hiddenLine xmlns:mc="http://schemas.openxmlformats.org/markup-compatibility/2006" xmlns:mv="urn:schemas-microsoft-com:mac:vml" xmlns:a14="http://schemas.microsoft.com/office/drawing/2010/main" xmlns:p="http://schemas.openxmlformats.org/presentationml/2006/main" xmlns:r="http://schemas.openxmlformats.org/officeDocument/2006/relationships" xmlns:a="http://schemas.openxmlformats.org/drawingml/2006/main" xmlns="" w="9525">
                 <a:solidFill>
                   <a:srgbClr val="000000"/>
                 </a:solidFill>
@@ -8077,7 +8077,7 @@
               </a14:hiddenLine>
             </a:ext>
             <a:ext uri="{FAA26D3D-D897-4be2-8F04-BA451C77F1D7}">
-              <ma14:placeholderFlag xmlns="" xmlns:a="http://schemas.openxmlformats.org/drawingml/2006/main" xmlns:r="http://schemas.openxmlformats.org/officeDocument/2006/relationships" xmlns:p="http://schemas.openxmlformats.org/presentationml/2006/main" xmlns:ma14="http://schemas.microsoft.com/office/mac/drawingml/2011/main" xmlns:mv="urn:schemas-microsoft-com:mac:vml" xmlns:mc="http://schemas.openxmlformats.org/markup-compatibility/2006" val="1"/>
+              <ma14:placeholderFlag xmlns:mc="http://schemas.openxmlformats.org/markup-compatibility/2006" xmlns:mv="urn:schemas-microsoft-com:mac:vml" xmlns:ma14="http://schemas.microsoft.com/office/mac/drawingml/2011/main" xmlns:p="http://schemas.openxmlformats.org/presentationml/2006/main" xmlns:r="http://schemas.openxmlformats.org/officeDocument/2006/relationships" xmlns:a="http://schemas.openxmlformats.org/drawingml/2006/main" xmlns="" val="1"/>
             </a:ext>
           </a:extLst>
         </p:spPr>
@@ -8142,14 +8142,14 @@
           </a:ln>
           <a:extLst>
             <a:ext uri="{909E8E84-426E-40dd-AFC4-6F175D3DCCD1}">
-              <a14:hiddenFill xmlns="" xmlns:a="http://schemas.openxmlformats.org/drawingml/2006/main" xmlns:r="http://schemas.openxmlformats.org/officeDocument/2006/relationships" xmlns:p="http://schemas.openxmlformats.org/presentationml/2006/main" xmlns:a14="http://schemas.microsoft.com/office/drawing/2010/main" xmlns:mv="urn:schemas-microsoft-com:mac:vml" xmlns:mc="http://schemas.openxmlformats.org/markup-compatibility/2006">
+              <a14:hiddenFill xmlns:mc="http://schemas.openxmlformats.org/markup-compatibility/2006" xmlns:mv="urn:schemas-microsoft-com:mac:vml" xmlns:a14="http://schemas.microsoft.com/office/drawing/2010/main" xmlns:p="http://schemas.openxmlformats.org/presentationml/2006/main" xmlns:r="http://schemas.openxmlformats.org/officeDocument/2006/relationships" xmlns:a="http://schemas.openxmlformats.org/drawingml/2006/main" xmlns="">
                 <a:solidFill>
                   <a:srgbClr val="FFFFFF"/>
                 </a:solidFill>
               </a14:hiddenFill>
             </a:ext>
             <a:ext uri="{FAA26D3D-D897-4be2-8F04-BA451C77F1D7}">
-              <ma14:placeholderFlag xmlns="" xmlns:a="http://schemas.openxmlformats.org/drawingml/2006/main" xmlns:r="http://schemas.openxmlformats.org/officeDocument/2006/relationships" xmlns:p="http://schemas.openxmlformats.org/presentationml/2006/main" xmlns:ma14="http://schemas.microsoft.com/office/mac/drawingml/2011/main" xmlns:mv="urn:schemas-microsoft-com:mac:vml" xmlns:mc="http://schemas.openxmlformats.org/markup-compatibility/2006" val="1"/>
+              <ma14:placeholderFlag xmlns:mc="http://schemas.openxmlformats.org/markup-compatibility/2006" xmlns:mv="urn:schemas-microsoft-com:mac:vml" xmlns:ma14="http://schemas.microsoft.com/office/mac/drawingml/2011/main" xmlns:p="http://schemas.openxmlformats.org/presentationml/2006/main" xmlns:r="http://schemas.openxmlformats.org/officeDocument/2006/relationships" xmlns:a="http://schemas.openxmlformats.org/drawingml/2006/main" xmlns="" val="1"/>
             </a:ext>
           </a:extLst>
         </p:spPr>
@@ -8168,14 +8168,14 @@
           <a:noFill/>
           <a:extLst>
             <a:ext uri="{909E8E84-426E-40dd-AFC4-6F175D3DCCD1}">
-              <a14:hiddenFill xmlns="" xmlns:a="http://schemas.openxmlformats.org/drawingml/2006/main" xmlns:r="http://schemas.openxmlformats.org/officeDocument/2006/relationships" xmlns:p="http://schemas.openxmlformats.org/presentationml/2006/main" xmlns:a14="http://schemas.microsoft.com/office/drawing/2010/main" xmlns:mv="urn:schemas-microsoft-com:mac:vml" xmlns:mc="http://schemas.openxmlformats.org/markup-compatibility/2006">
+              <a14:hiddenFill xmlns:mc="http://schemas.openxmlformats.org/markup-compatibility/2006" xmlns:mv="urn:schemas-microsoft-com:mac:vml" xmlns:a14="http://schemas.microsoft.com/office/drawing/2010/main" xmlns:p="http://schemas.openxmlformats.org/presentationml/2006/main" xmlns:r="http://schemas.openxmlformats.org/officeDocument/2006/relationships" xmlns:a="http://schemas.openxmlformats.org/drawingml/2006/main" xmlns="">
                 <a:solidFill>
                   <a:srgbClr val="FFFFFF"/>
                 </a:solidFill>
               </a14:hiddenFill>
             </a:ext>
             <a:ext uri="{91240B29-F687-4f45-9708-019B960494DF}">
-              <a14:hiddenLine xmlns="" xmlns:a="http://schemas.openxmlformats.org/drawingml/2006/main" xmlns:r="http://schemas.openxmlformats.org/officeDocument/2006/relationships" xmlns:p="http://schemas.openxmlformats.org/presentationml/2006/main" xmlns:a14="http://schemas.microsoft.com/office/drawing/2010/main" xmlns:mv="urn:schemas-microsoft-com:mac:vml" xmlns:mc="http://schemas.openxmlformats.org/markup-compatibility/2006" w="9525">
+              <a14:hiddenLine xmlns:mc="http://schemas.openxmlformats.org/markup-compatibility/2006" xmlns:mv="urn:schemas-microsoft-com:mac:vml" xmlns:a14="http://schemas.microsoft.com/office/drawing/2010/main" xmlns:p="http://schemas.openxmlformats.org/presentationml/2006/main" xmlns:r="http://schemas.openxmlformats.org/officeDocument/2006/relationships" xmlns:a="http://schemas.openxmlformats.org/drawingml/2006/main" xmlns="" w="9525">
                 <a:solidFill>
                   <a:srgbClr val="000000"/>
                 </a:solidFill>
@@ -8185,7 +8185,7 @@
               </a14:hiddenLine>
             </a:ext>
             <a:ext uri="{FAA26D3D-D897-4be2-8F04-BA451C77F1D7}">
-              <ma14:placeholderFlag xmlns="" xmlns:a="http://schemas.openxmlformats.org/drawingml/2006/main" xmlns:r="http://schemas.openxmlformats.org/officeDocument/2006/relationships" xmlns:p="http://schemas.openxmlformats.org/presentationml/2006/main" xmlns:ma14="http://schemas.microsoft.com/office/mac/drawingml/2011/main" xmlns:mv="urn:schemas-microsoft-com:mac:vml" xmlns:mc="http://schemas.openxmlformats.org/markup-compatibility/2006" val="1"/>
+              <ma14:placeholderFlag xmlns:mc="http://schemas.openxmlformats.org/markup-compatibility/2006" xmlns:mv="urn:schemas-microsoft-com:mac:vml" xmlns:ma14="http://schemas.microsoft.com/office/mac/drawingml/2011/main" xmlns:p="http://schemas.openxmlformats.org/presentationml/2006/main" xmlns:r="http://schemas.openxmlformats.org/officeDocument/2006/relationships" xmlns:a="http://schemas.openxmlformats.org/drawingml/2006/main" xmlns="" val="1"/>
             </a:ext>
           </a:extLst>
         </p:spPr>
@@ -8250,14 +8250,14 @@
           </a:ln>
           <a:extLst>
             <a:ext uri="{909E8E84-426E-40dd-AFC4-6F175D3DCCD1}">
-              <a14:hiddenFill xmlns="" xmlns:a="http://schemas.openxmlformats.org/drawingml/2006/main" xmlns:r="http://schemas.openxmlformats.org/officeDocument/2006/relationships" xmlns:p="http://schemas.openxmlformats.org/presentationml/2006/main" xmlns:a14="http://schemas.microsoft.com/office/drawing/2010/main" xmlns:mv="urn:schemas-microsoft-com:mac:vml" xmlns:mc="http://schemas.openxmlformats.org/markup-compatibility/2006">
+              <a14:hiddenFill xmlns:mc="http://schemas.openxmlformats.org/markup-compatibility/2006" xmlns:mv="urn:schemas-microsoft-com:mac:vml" xmlns:a14="http://schemas.microsoft.com/office/drawing/2010/main" xmlns:p="http://schemas.openxmlformats.org/presentationml/2006/main" xmlns:r="http://schemas.openxmlformats.org/officeDocument/2006/relationships" xmlns:a="http://schemas.openxmlformats.org/drawingml/2006/main" xmlns="">
                 <a:solidFill>
                   <a:srgbClr val="FFFFFF"/>
                 </a:solidFill>
               </a14:hiddenFill>
             </a:ext>
             <a:ext uri="{FAA26D3D-D897-4be2-8F04-BA451C77F1D7}">
-              <ma14:placeholderFlag xmlns="" xmlns:a="http://schemas.openxmlformats.org/drawingml/2006/main" xmlns:r="http://schemas.openxmlformats.org/officeDocument/2006/relationships" xmlns:p="http://schemas.openxmlformats.org/presentationml/2006/main" xmlns:ma14="http://schemas.microsoft.com/office/mac/drawingml/2011/main" xmlns:mv="urn:schemas-microsoft-com:mac:vml" xmlns:mc="http://schemas.openxmlformats.org/markup-compatibility/2006" val="1"/>
+              <ma14:placeholderFlag xmlns:mc="http://schemas.openxmlformats.org/markup-compatibility/2006" xmlns:mv="urn:schemas-microsoft-com:mac:vml" xmlns:ma14="http://schemas.microsoft.com/office/mac/drawingml/2011/main" xmlns:p="http://schemas.openxmlformats.org/presentationml/2006/main" xmlns:r="http://schemas.openxmlformats.org/officeDocument/2006/relationships" xmlns:a="http://schemas.openxmlformats.org/drawingml/2006/main" xmlns="" val="1"/>
             </a:ext>
           </a:extLst>
         </p:spPr>
@@ -8276,14 +8276,14 @@
           <a:noFill/>
           <a:extLst>
             <a:ext uri="{909E8E84-426E-40dd-AFC4-6F175D3DCCD1}">
-              <a14:hiddenFill xmlns="" xmlns:a="http://schemas.openxmlformats.org/drawingml/2006/main" xmlns:r="http://schemas.openxmlformats.org/officeDocument/2006/relationships" xmlns:p="http://schemas.openxmlformats.org/presentationml/2006/main" xmlns:a14="http://schemas.microsoft.com/office/drawing/2010/main" xmlns:mv="urn:schemas-microsoft-com:mac:vml" xmlns:mc="http://schemas.openxmlformats.org/markup-compatibility/2006">
+              <a14:hiddenFill xmlns:mc="http://schemas.openxmlformats.org/markup-compatibility/2006" xmlns:mv="urn:schemas-microsoft-com:mac:vml" xmlns:a14="http://schemas.microsoft.com/office/drawing/2010/main" xmlns:p="http://schemas.openxmlformats.org/presentationml/2006/main" xmlns:r="http://schemas.openxmlformats.org/officeDocument/2006/relationships" xmlns:a="http://schemas.openxmlformats.org/drawingml/2006/main" xmlns="">
                 <a:solidFill>
                   <a:srgbClr val="FFFFFF"/>
                 </a:solidFill>
               </a14:hiddenFill>
             </a:ext>
             <a:ext uri="{91240B29-F687-4f45-9708-019B960494DF}">
-              <a14:hiddenLine xmlns="" xmlns:a="http://schemas.openxmlformats.org/drawingml/2006/main" xmlns:r="http://schemas.openxmlformats.org/officeDocument/2006/relationships" xmlns:p="http://schemas.openxmlformats.org/presentationml/2006/main" xmlns:a14="http://schemas.microsoft.com/office/drawing/2010/main" xmlns:mv="urn:schemas-microsoft-com:mac:vml" xmlns:mc="http://schemas.openxmlformats.org/markup-compatibility/2006" w="9525">
+              <a14:hiddenLine xmlns:mc="http://schemas.openxmlformats.org/markup-compatibility/2006" xmlns:mv="urn:schemas-microsoft-com:mac:vml" xmlns:a14="http://schemas.microsoft.com/office/drawing/2010/main" xmlns:p="http://schemas.openxmlformats.org/presentationml/2006/main" xmlns:r="http://schemas.openxmlformats.org/officeDocument/2006/relationships" xmlns:a="http://schemas.openxmlformats.org/drawingml/2006/main" xmlns="" w="9525">
                 <a:solidFill>
                   <a:srgbClr val="000000"/>
                 </a:solidFill>
@@ -8293,7 +8293,7 @@
               </a14:hiddenLine>
             </a:ext>
             <a:ext uri="{FAA26D3D-D897-4be2-8F04-BA451C77F1D7}">
-              <ma14:placeholderFlag xmlns="" xmlns:a="http://schemas.openxmlformats.org/drawingml/2006/main" xmlns:r="http://schemas.openxmlformats.org/officeDocument/2006/relationships" xmlns:p="http://schemas.openxmlformats.org/presentationml/2006/main" xmlns:ma14="http://schemas.microsoft.com/office/mac/drawingml/2011/main" xmlns:mv="urn:schemas-microsoft-com:mac:vml" xmlns:mc="http://schemas.openxmlformats.org/markup-compatibility/2006" val="1"/>
+              <ma14:placeholderFlag xmlns:mc="http://schemas.openxmlformats.org/markup-compatibility/2006" xmlns:mv="urn:schemas-microsoft-com:mac:vml" xmlns:ma14="http://schemas.microsoft.com/office/mac/drawingml/2011/main" xmlns:p="http://schemas.openxmlformats.org/presentationml/2006/main" xmlns:r="http://schemas.openxmlformats.org/officeDocument/2006/relationships" xmlns:a="http://schemas.openxmlformats.org/drawingml/2006/main" xmlns="" val="1"/>
             </a:ext>
           </a:extLst>
         </p:spPr>
@@ -8394,7 +8394,7 @@
     </p:spTree>
     <p:extLst>
       <p:ext uri="{BB962C8B-B14F-4D97-AF65-F5344CB8AC3E}">
-        <p14:creationId xmlns="" xmlns:a="http://schemas.openxmlformats.org/drawingml/2006/main" xmlns:r="http://schemas.openxmlformats.org/officeDocument/2006/relationships" xmlns:p="http://schemas.openxmlformats.org/presentationml/2006/main" xmlns:p14="http://schemas.microsoft.com/office/powerpoint/2010/main" xmlns:mv="urn:schemas-microsoft-com:mac:vml" xmlns:mc="http://schemas.openxmlformats.org/markup-compatibility/2006" val="963676054"/>
+        <p14:creationId xmlns:mc="http://schemas.openxmlformats.org/markup-compatibility/2006" xmlns:mv="urn:schemas-microsoft-com:mac:vml" xmlns:p14="http://schemas.microsoft.com/office/powerpoint/2010/main" xmlns:p="http://schemas.openxmlformats.org/presentationml/2006/main" xmlns:r="http://schemas.openxmlformats.org/officeDocument/2006/relationships" xmlns:a="http://schemas.openxmlformats.org/drawingml/2006/main" xmlns="" val="963676054"/>
       </p:ext>
     </p:extLst>
   </p:cSld>
@@ -8443,14 +8443,14 @@
           </a:ln>
           <a:extLst>
             <a:ext uri="{909E8E84-426E-40dd-AFC4-6F175D3DCCD1}">
-              <a14:hiddenFill xmlns="" xmlns:a="http://schemas.openxmlformats.org/drawingml/2006/main" xmlns:r="http://schemas.openxmlformats.org/officeDocument/2006/relationships" xmlns:p="http://schemas.openxmlformats.org/presentationml/2006/main" xmlns:a14="http://schemas.microsoft.com/office/drawing/2010/main" xmlns:mv="urn:schemas-microsoft-com:mac:vml" xmlns:mc="http://schemas.openxmlformats.org/markup-compatibility/2006">
+              <a14:hiddenFill xmlns:mc="http://schemas.openxmlformats.org/markup-compatibility/2006" xmlns:mv="urn:schemas-microsoft-com:mac:vml" xmlns:a14="http://schemas.microsoft.com/office/drawing/2010/main" xmlns:p="http://schemas.openxmlformats.org/presentationml/2006/main" xmlns:r="http://schemas.openxmlformats.org/officeDocument/2006/relationships" xmlns:a="http://schemas.openxmlformats.org/drawingml/2006/main" xmlns="">
                 <a:solidFill>
                   <a:srgbClr val="FFFFFF"/>
                 </a:solidFill>
               </a14:hiddenFill>
             </a:ext>
             <a:ext uri="{FAA26D3D-D897-4be2-8F04-BA451C77F1D7}">
-              <ma14:placeholderFlag xmlns="" xmlns:a="http://schemas.openxmlformats.org/drawingml/2006/main" xmlns:r="http://schemas.openxmlformats.org/officeDocument/2006/relationships" xmlns:p="http://schemas.openxmlformats.org/presentationml/2006/main" xmlns:ma14="http://schemas.microsoft.com/office/mac/drawingml/2011/main" xmlns:mv="urn:schemas-microsoft-com:mac:vml" xmlns:mc="http://schemas.openxmlformats.org/markup-compatibility/2006" val="1"/>
+              <ma14:placeholderFlag xmlns:mc="http://schemas.openxmlformats.org/markup-compatibility/2006" xmlns:mv="urn:schemas-microsoft-com:mac:vml" xmlns:ma14="http://schemas.microsoft.com/office/mac/drawingml/2011/main" xmlns:p="http://schemas.openxmlformats.org/presentationml/2006/main" xmlns:r="http://schemas.openxmlformats.org/officeDocument/2006/relationships" xmlns:a="http://schemas.openxmlformats.org/drawingml/2006/main" xmlns="" val="1"/>
             </a:ext>
           </a:extLst>
         </p:spPr>
@@ -8469,14 +8469,14 @@
           <a:noFill/>
           <a:extLst>
             <a:ext uri="{909E8E84-426E-40dd-AFC4-6F175D3DCCD1}">
-              <a14:hiddenFill xmlns="" xmlns:a="http://schemas.openxmlformats.org/drawingml/2006/main" xmlns:r="http://schemas.openxmlformats.org/officeDocument/2006/relationships" xmlns:p="http://schemas.openxmlformats.org/presentationml/2006/main" xmlns:a14="http://schemas.microsoft.com/office/drawing/2010/main" xmlns:mv="urn:schemas-microsoft-com:mac:vml" xmlns:mc="http://schemas.openxmlformats.org/markup-compatibility/2006">
+              <a14:hiddenFill xmlns:mc="http://schemas.openxmlformats.org/markup-compatibility/2006" xmlns:mv="urn:schemas-microsoft-com:mac:vml" xmlns:a14="http://schemas.microsoft.com/office/drawing/2010/main" xmlns:p="http://schemas.openxmlformats.org/presentationml/2006/main" xmlns:r="http://schemas.openxmlformats.org/officeDocument/2006/relationships" xmlns:a="http://schemas.openxmlformats.org/drawingml/2006/main" xmlns="">
                 <a:solidFill>
                   <a:srgbClr val="FFFFFF"/>
                 </a:solidFill>
               </a14:hiddenFill>
             </a:ext>
             <a:ext uri="{91240B29-F687-4f45-9708-019B960494DF}">
-              <a14:hiddenLine xmlns="" xmlns:a="http://schemas.openxmlformats.org/drawingml/2006/main" xmlns:r="http://schemas.openxmlformats.org/officeDocument/2006/relationships" xmlns:p="http://schemas.openxmlformats.org/presentationml/2006/main" xmlns:a14="http://schemas.microsoft.com/office/drawing/2010/main" xmlns:mv="urn:schemas-microsoft-com:mac:vml" xmlns:mc="http://schemas.openxmlformats.org/markup-compatibility/2006" w="9525">
+              <a14:hiddenLine xmlns:mc="http://schemas.openxmlformats.org/markup-compatibility/2006" xmlns:mv="urn:schemas-microsoft-com:mac:vml" xmlns:a14="http://schemas.microsoft.com/office/drawing/2010/main" xmlns:p="http://schemas.openxmlformats.org/presentationml/2006/main" xmlns:r="http://schemas.openxmlformats.org/officeDocument/2006/relationships" xmlns:a="http://schemas.openxmlformats.org/drawingml/2006/main" xmlns="" w="9525">
                 <a:solidFill>
                   <a:srgbClr val="000000"/>
                 </a:solidFill>
@@ -8486,7 +8486,7 @@
               </a14:hiddenLine>
             </a:ext>
             <a:ext uri="{FAA26D3D-D897-4be2-8F04-BA451C77F1D7}">
-              <ma14:placeholderFlag xmlns="" xmlns:a="http://schemas.openxmlformats.org/drawingml/2006/main" xmlns:r="http://schemas.openxmlformats.org/officeDocument/2006/relationships" xmlns:p="http://schemas.openxmlformats.org/presentationml/2006/main" xmlns:ma14="http://schemas.microsoft.com/office/mac/drawingml/2011/main" xmlns:mv="urn:schemas-microsoft-com:mac:vml" xmlns:mc="http://schemas.openxmlformats.org/markup-compatibility/2006" val="1"/>
+              <ma14:placeholderFlag xmlns:mc="http://schemas.openxmlformats.org/markup-compatibility/2006" xmlns:mv="urn:schemas-microsoft-com:mac:vml" xmlns:ma14="http://schemas.microsoft.com/office/mac/drawingml/2011/main" xmlns:p="http://schemas.openxmlformats.org/presentationml/2006/main" xmlns:r="http://schemas.openxmlformats.org/officeDocument/2006/relationships" xmlns:a="http://schemas.openxmlformats.org/drawingml/2006/main" xmlns="" val="1"/>
             </a:ext>
           </a:extLst>
         </p:spPr>
@@ -8698,7 +8698,7 @@
     </p:spTree>
     <p:extLst>
       <p:ext uri="{BB962C8B-B14F-4D97-AF65-F5344CB8AC3E}">
-        <p14:creationId xmlns="" xmlns:a="http://schemas.openxmlformats.org/drawingml/2006/main" xmlns:r="http://schemas.openxmlformats.org/officeDocument/2006/relationships" xmlns:p="http://schemas.openxmlformats.org/presentationml/2006/main" xmlns:p14="http://schemas.microsoft.com/office/powerpoint/2010/main" xmlns:mv="urn:schemas-microsoft-com:mac:vml" xmlns:mc="http://schemas.openxmlformats.org/markup-compatibility/2006" val="3250658828"/>
+        <p14:creationId xmlns:mc="http://schemas.openxmlformats.org/markup-compatibility/2006" xmlns:mv="urn:schemas-microsoft-com:mac:vml" xmlns:p14="http://schemas.microsoft.com/office/powerpoint/2010/main" xmlns:p="http://schemas.openxmlformats.org/presentationml/2006/main" xmlns:r="http://schemas.openxmlformats.org/officeDocument/2006/relationships" xmlns:a="http://schemas.openxmlformats.org/drawingml/2006/main" xmlns="" val="3250658828"/>
       </p:ext>
     </p:extLst>
   </p:cSld>
@@ -8783,7 +8783,7 @@
     </p:spTree>
     <p:extLst>
       <p:ext uri="{BB962C8B-B14F-4D97-AF65-F5344CB8AC3E}">
-        <p14:creationId xmlns="" xmlns:a="http://schemas.openxmlformats.org/drawingml/2006/main" xmlns:r="http://schemas.openxmlformats.org/officeDocument/2006/relationships" xmlns:p="http://schemas.openxmlformats.org/presentationml/2006/main" xmlns:p14="http://schemas.microsoft.com/office/powerpoint/2010/main" xmlns:mv="urn:schemas-microsoft-com:mac:vml" xmlns:mc="http://schemas.openxmlformats.org/markup-compatibility/2006" val="963676054"/>
+        <p14:creationId xmlns:mc="http://schemas.openxmlformats.org/markup-compatibility/2006" xmlns:mv="urn:schemas-microsoft-com:mac:vml" xmlns:p14="http://schemas.microsoft.com/office/powerpoint/2010/main" xmlns:p="http://schemas.openxmlformats.org/presentationml/2006/main" xmlns:r="http://schemas.openxmlformats.org/officeDocument/2006/relationships" xmlns:a="http://schemas.openxmlformats.org/drawingml/2006/main" xmlns="" val="963676054"/>
       </p:ext>
     </p:extLst>
   </p:cSld>
@@ -8979,7 +8979,7 @@
     </p:spTree>
     <p:extLst>
       <p:ext uri="{BB962C8B-B14F-4D97-AF65-F5344CB8AC3E}">
-        <p14:creationId xmlns="" xmlns:a="http://schemas.openxmlformats.org/drawingml/2006/main" xmlns:r="http://schemas.openxmlformats.org/officeDocument/2006/relationships" xmlns:p="http://schemas.openxmlformats.org/presentationml/2006/main" xmlns:p14="http://schemas.microsoft.com/office/powerpoint/2010/main" xmlns:mv="urn:schemas-microsoft-com:mac:vml" xmlns:mc="http://schemas.openxmlformats.org/markup-compatibility/2006" val="1443086944"/>
+        <p14:creationId xmlns:mc="http://schemas.openxmlformats.org/markup-compatibility/2006" xmlns:mv="urn:schemas-microsoft-com:mac:vml" xmlns:p14="http://schemas.microsoft.com/office/powerpoint/2010/main" xmlns:p="http://schemas.openxmlformats.org/presentationml/2006/main" xmlns:r="http://schemas.openxmlformats.org/officeDocument/2006/relationships" xmlns:a="http://schemas.openxmlformats.org/drawingml/2006/main" xmlns="" val="1443086944"/>
       </p:ext>
     </p:extLst>
   </p:cSld>
@@ -9064,7 +9064,7 @@
     </p:spTree>
     <p:extLst>
       <p:ext uri="{BB962C8B-B14F-4D97-AF65-F5344CB8AC3E}">
-        <p14:creationId xmlns="" xmlns:a="http://schemas.openxmlformats.org/drawingml/2006/main" xmlns:r="http://schemas.openxmlformats.org/officeDocument/2006/relationships" xmlns:p="http://schemas.openxmlformats.org/presentationml/2006/main" xmlns:p14="http://schemas.microsoft.com/office/powerpoint/2010/main" xmlns:mv="urn:schemas-microsoft-com:mac:vml" xmlns:mc="http://schemas.openxmlformats.org/markup-compatibility/2006" val="3250658828"/>
+        <p14:creationId xmlns:mc="http://schemas.openxmlformats.org/markup-compatibility/2006" xmlns:mv="urn:schemas-microsoft-com:mac:vml" xmlns:p14="http://schemas.microsoft.com/office/powerpoint/2010/main" xmlns:p="http://schemas.openxmlformats.org/presentationml/2006/main" xmlns:r="http://schemas.openxmlformats.org/officeDocument/2006/relationships" xmlns:a="http://schemas.openxmlformats.org/drawingml/2006/main" xmlns="" val="3250658828"/>
       </p:ext>
     </p:extLst>
   </p:cSld>
@@ -9149,7 +9149,7 @@
     </p:spTree>
     <p:extLst>
       <p:ext uri="{BB962C8B-B14F-4D97-AF65-F5344CB8AC3E}">
-        <p14:creationId xmlns="" xmlns:a="http://schemas.openxmlformats.org/drawingml/2006/main" xmlns:r="http://schemas.openxmlformats.org/officeDocument/2006/relationships" xmlns:p="http://schemas.openxmlformats.org/presentationml/2006/main" xmlns:p14="http://schemas.microsoft.com/office/powerpoint/2010/main" xmlns:mv="urn:schemas-microsoft-com:mac:vml" xmlns:mc="http://schemas.openxmlformats.org/markup-compatibility/2006" val="963676054"/>
+        <p14:creationId xmlns:mc="http://schemas.openxmlformats.org/markup-compatibility/2006" xmlns:mv="urn:schemas-microsoft-com:mac:vml" xmlns:p14="http://schemas.microsoft.com/office/powerpoint/2010/main" xmlns:p="http://schemas.openxmlformats.org/presentationml/2006/main" xmlns:r="http://schemas.openxmlformats.org/officeDocument/2006/relationships" xmlns:a="http://schemas.openxmlformats.org/drawingml/2006/main" xmlns="" val="963676054"/>
       </p:ext>
     </p:extLst>
   </p:cSld>
@@ -9234,7 +9234,7 @@
     </p:spTree>
     <p:extLst>
       <p:ext uri="{BB962C8B-B14F-4D97-AF65-F5344CB8AC3E}">
-        <p14:creationId xmlns="" xmlns:a="http://schemas.openxmlformats.org/drawingml/2006/main" xmlns:r="http://schemas.openxmlformats.org/officeDocument/2006/relationships" xmlns:p="http://schemas.openxmlformats.org/presentationml/2006/main" xmlns:p14="http://schemas.microsoft.com/office/powerpoint/2010/main" xmlns:mv="urn:schemas-microsoft-com:mac:vml" xmlns:mc="http://schemas.openxmlformats.org/markup-compatibility/2006" val="963676054"/>
+        <p14:creationId xmlns:mc="http://schemas.openxmlformats.org/markup-compatibility/2006" xmlns:mv="urn:schemas-microsoft-com:mac:vml" xmlns:p14="http://schemas.microsoft.com/office/powerpoint/2010/main" xmlns:p="http://schemas.openxmlformats.org/presentationml/2006/main" xmlns:r="http://schemas.openxmlformats.org/officeDocument/2006/relationships" xmlns:a="http://schemas.openxmlformats.org/drawingml/2006/main" xmlns="" val="963676054"/>
       </p:ext>
     </p:extLst>
   </p:cSld>
@@ -13694,7 +13694,7 @@
     </p:spTree>
     <p:extLst>
       <p:ext uri="{BB962C8B-B14F-4D97-AF65-F5344CB8AC3E}">
-        <p14:creationId xmlns="" xmlns:a="http://schemas.openxmlformats.org/drawingml/2006/main" xmlns:r="http://schemas.openxmlformats.org/officeDocument/2006/relationships" xmlns:p="http://schemas.openxmlformats.org/presentationml/2006/main" xmlns:p14="http://schemas.microsoft.com/office/powerpoint/2010/main" xmlns:mv="urn:schemas-microsoft-com:mac:vml" xmlns:mc="http://schemas.openxmlformats.org/markup-compatibility/2006" val="1280264889"/>
+        <p14:creationId xmlns:mc="http://schemas.openxmlformats.org/markup-compatibility/2006" xmlns:mv="urn:schemas-microsoft-com:mac:vml" xmlns:p14="http://schemas.microsoft.com/office/powerpoint/2010/main" xmlns:p="http://schemas.openxmlformats.org/presentationml/2006/main" xmlns:r="http://schemas.openxmlformats.org/officeDocument/2006/relationships" xmlns:a="http://schemas.openxmlformats.org/drawingml/2006/main" xmlns="" val="1280264889"/>
       </p:ext>
     </p:extLst>
   </p:cSld>
@@ -13847,14 +13847,14 @@
           </a:ln>
           <a:extLst>
             <a:ext uri="{909E8E84-426E-40dd-AFC4-6F175D3DCCD1}">
-              <a14:hiddenFill xmlns="" xmlns:a="http://schemas.openxmlformats.org/drawingml/2006/main" xmlns:r="http://schemas.openxmlformats.org/officeDocument/2006/relationships" xmlns:p="http://schemas.openxmlformats.org/presentationml/2006/main" xmlns:a14="http://schemas.microsoft.com/office/drawing/2010/main" xmlns:mv="urn:schemas-microsoft-com:mac:vml" xmlns:mc="http://schemas.openxmlformats.org/markup-compatibility/2006">
+              <a14:hiddenFill xmlns:mc="http://schemas.openxmlformats.org/markup-compatibility/2006" xmlns:mv="urn:schemas-microsoft-com:mac:vml" xmlns:a14="http://schemas.microsoft.com/office/drawing/2010/main" xmlns:p="http://schemas.openxmlformats.org/presentationml/2006/main" xmlns:r="http://schemas.openxmlformats.org/officeDocument/2006/relationships" xmlns:a="http://schemas.openxmlformats.org/drawingml/2006/main" xmlns="">
                 <a:solidFill>
                   <a:srgbClr val="FFFFFF"/>
                 </a:solidFill>
               </a14:hiddenFill>
             </a:ext>
             <a:ext uri="{91240B29-F687-4f45-9708-019B960494DF}">
-              <a14:hiddenLine xmlns="" xmlns:a="http://schemas.openxmlformats.org/drawingml/2006/main" xmlns:r="http://schemas.openxmlformats.org/officeDocument/2006/relationships" xmlns:p="http://schemas.openxmlformats.org/presentationml/2006/main" xmlns:a14="http://schemas.microsoft.com/office/drawing/2010/main" xmlns:mv="urn:schemas-microsoft-com:mac:vml" xmlns:mc="http://schemas.openxmlformats.org/markup-compatibility/2006" w="9525">
+              <a14:hiddenLine xmlns:mc="http://schemas.openxmlformats.org/markup-compatibility/2006" xmlns:mv="urn:schemas-microsoft-com:mac:vml" xmlns:a14="http://schemas.microsoft.com/office/drawing/2010/main" xmlns:p="http://schemas.openxmlformats.org/presentationml/2006/main" xmlns:r="http://schemas.openxmlformats.org/officeDocument/2006/relationships" xmlns:a="http://schemas.openxmlformats.org/drawingml/2006/main" xmlns="" w="9525">
                 <a:solidFill>
                   <a:srgbClr val="000000"/>
                 </a:solidFill>
@@ -13996,7 +13996,7 @@
     </p:spTree>
     <p:extLst>
       <p:ext uri="{BB962C8B-B14F-4D97-AF65-F5344CB8AC3E}">
-        <p14:creationId xmlns="" xmlns:a="http://schemas.openxmlformats.org/drawingml/2006/main" xmlns:r="http://schemas.openxmlformats.org/officeDocument/2006/relationships" xmlns:p="http://schemas.openxmlformats.org/presentationml/2006/main" xmlns:p14="http://schemas.microsoft.com/office/powerpoint/2010/main" xmlns:mv="urn:schemas-microsoft-com:mac:vml" xmlns:mc="http://schemas.openxmlformats.org/markup-compatibility/2006" val="544640343"/>
+        <p14:creationId xmlns:mc="http://schemas.openxmlformats.org/markup-compatibility/2006" xmlns:mv="urn:schemas-microsoft-com:mac:vml" xmlns:p14="http://schemas.microsoft.com/office/powerpoint/2010/main" xmlns:p="http://schemas.openxmlformats.org/presentationml/2006/main" xmlns:r="http://schemas.openxmlformats.org/officeDocument/2006/relationships" xmlns:a="http://schemas.openxmlformats.org/drawingml/2006/main" xmlns="" val="544640343"/>
       </p:ext>
     </p:extLst>
   </p:cSld>
@@ -14094,7 +14094,7 @@
     </p:spTree>
     <p:extLst>
       <p:ext uri="{BB962C8B-B14F-4D97-AF65-F5344CB8AC3E}">
-        <p14:creationId xmlns="" xmlns:a="http://schemas.openxmlformats.org/drawingml/2006/main" xmlns:r="http://schemas.openxmlformats.org/officeDocument/2006/relationships" xmlns:p="http://schemas.openxmlformats.org/presentationml/2006/main" xmlns:p14="http://schemas.microsoft.com/office/powerpoint/2010/main" xmlns:mv="urn:schemas-microsoft-com:mac:vml" xmlns:mc="http://schemas.openxmlformats.org/markup-compatibility/2006" val="1259026477"/>
+        <p14:creationId xmlns:mc="http://schemas.openxmlformats.org/markup-compatibility/2006" xmlns:mv="urn:schemas-microsoft-com:mac:vml" xmlns:p14="http://schemas.microsoft.com/office/powerpoint/2010/main" xmlns:p="http://schemas.openxmlformats.org/presentationml/2006/main" xmlns:r="http://schemas.openxmlformats.org/officeDocument/2006/relationships" xmlns:a="http://schemas.openxmlformats.org/drawingml/2006/main" xmlns="" val="1259026477"/>
       </p:ext>
     </p:extLst>
   </p:cSld>
@@ -14325,7 +14325,7 @@
     </p:spTree>
     <p:extLst>
       <p:ext uri="{BB962C8B-B14F-4D97-AF65-F5344CB8AC3E}">
-        <p14:creationId xmlns="" xmlns:a="http://schemas.openxmlformats.org/drawingml/2006/main" xmlns:r="http://schemas.openxmlformats.org/officeDocument/2006/relationships" xmlns:p="http://schemas.openxmlformats.org/presentationml/2006/main" xmlns:p14="http://schemas.microsoft.com/office/powerpoint/2010/main" xmlns:mv="urn:schemas-microsoft-com:mac:vml" xmlns:mc="http://schemas.openxmlformats.org/markup-compatibility/2006" val="1512235387"/>
+        <p14:creationId xmlns:mc="http://schemas.openxmlformats.org/markup-compatibility/2006" xmlns:mv="urn:schemas-microsoft-com:mac:vml" xmlns:p14="http://schemas.microsoft.com/office/powerpoint/2010/main" xmlns:p="http://schemas.openxmlformats.org/presentationml/2006/main" xmlns:r="http://schemas.openxmlformats.org/officeDocument/2006/relationships" xmlns:a="http://schemas.openxmlformats.org/drawingml/2006/main" xmlns="" val="1512235387"/>
       </p:ext>
     </p:extLst>
   </p:cSld>
@@ -14503,7 +14503,7 @@
     </p:spTree>
     <p:extLst>
       <p:ext uri="{BB962C8B-B14F-4D97-AF65-F5344CB8AC3E}">
-        <p14:creationId xmlns="" xmlns:a="http://schemas.openxmlformats.org/drawingml/2006/main" xmlns:r="http://schemas.openxmlformats.org/officeDocument/2006/relationships" xmlns:p="http://schemas.openxmlformats.org/presentationml/2006/main" xmlns:p14="http://schemas.microsoft.com/office/powerpoint/2010/main" xmlns:mv="urn:schemas-microsoft-com:mac:vml" xmlns:mc="http://schemas.openxmlformats.org/markup-compatibility/2006" val="1267890456"/>
+        <p14:creationId xmlns:mc="http://schemas.openxmlformats.org/markup-compatibility/2006" xmlns:mv="urn:schemas-microsoft-com:mac:vml" xmlns:p14="http://schemas.microsoft.com/office/powerpoint/2010/main" xmlns:p="http://schemas.openxmlformats.org/presentationml/2006/main" xmlns:r="http://schemas.openxmlformats.org/officeDocument/2006/relationships" xmlns:a="http://schemas.openxmlformats.org/drawingml/2006/main" xmlns="" val="1267890456"/>
       </p:ext>
     </p:extLst>
   </p:cSld>
@@ -14653,7 +14653,7 @@
           <a:blip r:embed="rId3">
             <a:extLst>
               <a:ext uri="{28A0092B-C50C-407E-A947-70E740481C1C}">
-                <a14:useLocalDpi xmlns="" xmlns:a="http://schemas.openxmlformats.org/drawingml/2006/main" xmlns:r="http://schemas.openxmlformats.org/officeDocument/2006/relationships" xmlns:p="http://schemas.openxmlformats.org/presentationml/2006/main" xmlns:a14="http://schemas.microsoft.com/office/drawing/2010/main" xmlns:mv="urn:schemas-microsoft-com:mac:vml" xmlns:mc="http://schemas.openxmlformats.org/markup-compatibility/2006" val="0"/>
+                <a14:useLocalDpi xmlns:mc="http://schemas.openxmlformats.org/markup-compatibility/2006" xmlns:mv="urn:schemas-microsoft-com:mac:vml" xmlns:a14="http://schemas.microsoft.com/office/drawing/2010/main" xmlns:p="http://schemas.openxmlformats.org/presentationml/2006/main" xmlns:r="http://schemas.openxmlformats.org/officeDocument/2006/relationships" xmlns:a="http://schemas.openxmlformats.org/drawingml/2006/main" xmlns="" val="0"/>
               </a:ext>
             </a:extLst>
           </a:blip>
@@ -14674,7 +14674,7 @@
     </p:spTree>
     <p:extLst>
       <p:ext uri="{BB962C8B-B14F-4D97-AF65-F5344CB8AC3E}">
-        <p14:creationId xmlns="" xmlns:a="http://schemas.openxmlformats.org/drawingml/2006/main" xmlns:r="http://schemas.openxmlformats.org/officeDocument/2006/relationships" xmlns:p="http://schemas.openxmlformats.org/presentationml/2006/main" xmlns:p14="http://schemas.microsoft.com/office/powerpoint/2010/main" xmlns:mv="urn:schemas-microsoft-com:mac:vml" xmlns:mc="http://schemas.openxmlformats.org/markup-compatibility/2006" val="2480649215"/>
+        <p14:creationId xmlns:mc="http://schemas.openxmlformats.org/markup-compatibility/2006" xmlns:mv="urn:schemas-microsoft-com:mac:vml" xmlns:p14="http://schemas.microsoft.com/office/powerpoint/2010/main" xmlns:p="http://schemas.openxmlformats.org/presentationml/2006/main" xmlns:r="http://schemas.openxmlformats.org/officeDocument/2006/relationships" xmlns:a="http://schemas.openxmlformats.org/drawingml/2006/main" xmlns="" val="2480649215"/>
       </p:ext>
     </p:extLst>
   </p:cSld>
@@ -14772,7 +14772,7 @@
     </p:spTree>
     <p:extLst>
       <p:ext uri="{BB962C8B-B14F-4D97-AF65-F5344CB8AC3E}">
-        <p14:creationId xmlns="" xmlns:a="http://schemas.openxmlformats.org/drawingml/2006/main" xmlns:r="http://schemas.openxmlformats.org/officeDocument/2006/relationships" xmlns:p="http://schemas.openxmlformats.org/presentationml/2006/main" xmlns:p14="http://schemas.microsoft.com/office/powerpoint/2010/main" xmlns:mv="urn:schemas-microsoft-com:mac:vml" xmlns:mc="http://schemas.openxmlformats.org/markup-compatibility/2006" val="116788606"/>
+        <p14:creationId xmlns:mc="http://schemas.openxmlformats.org/markup-compatibility/2006" xmlns:mv="urn:schemas-microsoft-com:mac:vml" xmlns:p14="http://schemas.microsoft.com/office/powerpoint/2010/main" xmlns:p="http://schemas.openxmlformats.org/presentationml/2006/main" xmlns:r="http://schemas.openxmlformats.org/officeDocument/2006/relationships" xmlns:a="http://schemas.openxmlformats.org/drawingml/2006/main" xmlns="" val="116788606"/>
       </p:ext>
     </p:extLst>
   </p:cSld>
@@ -14957,14 +14957,14 @@
           </a:ln>
           <a:extLst>
             <a:ext uri="{909E8E84-426E-40dd-AFC4-6F175D3DCCD1}">
-              <a14:hiddenFill xmlns="" xmlns:a="http://schemas.openxmlformats.org/drawingml/2006/main" xmlns:r="http://schemas.openxmlformats.org/officeDocument/2006/relationships" xmlns:p="http://schemas.openxmlformats.org/presentationml/2006/main" xmlns:a14="http://schemas.microsoft.com/office/drawing/2010/main" xmlns:mv="urn:schemas-microsoft-com:mac:vml" xmlns:mc="http://schemas.openxmlformats.org/markup-compatibility/2006">
+              <a14:hiddenFill xmlns:mc="http://schemas.openxmlformats.org/markup-compatibility/2006" xmlns:mv="urn:schemas-microsoft-com:mac:vml" xmlns:a14="http://schemas.microsoft.com/office/drawing/2010/main" xmlns:p="http://schemas.openxmlformats.org/presentationml/2006/main" xmlns:r="http://schemas.openxmlformats.org/officeDocument/2006/relationships" xmlns:a="http://schemas.openxmlformats.org/drawingml/2006/main" xmlns="">
                 <a:solidFill>
                   <a:srgbClr val="FFFFFF"/>
                 </a:solidFill>
               </a14:hiddenFill>
             </a:ext>
             <a:ext uri="{91240B29-F687-4f45-9708-019B960494DF}">
-              <a14:hiddenLine xmlns="" xmlns:a="http://schemas.openxmlformats.org/drawingml/2006/main" xmlns:r="http://schemas.openxmlformats.org/officeDocument/2006/relationships" xmlns:p="http://schemas.openxmlformats.org/presentationml/2006/main" xmlns:a14="http://schemas.microsoft.com/office/drawing/2010/main" xmlns:mv="urn:schemas-microsoft-com:mac:vml" xmlns:mc="http://schemas.openxmlformats.org/markup-compatibility/2006" w="9525">
+              <a14:hiddenLine xmlns:mc="http://schemas.openxmlformats.org/markup-compatibility/2006" xmlns:mv="urn:schemas-microsoft-com:mac:vml" xmlns:a14="http://schemas.microsoft.com/office/drawing/2010/main" xmlns:p="http://schemas.openxmlformats.org/presentationml/2006/main" xmlns:r="http://schemas.openxmlformats.org/officeDocument/2006/relationships" xmlns:a="http://schemas.openxmlformats.org/drawingml/2006/main" xmlns="" w="9525">
                 <a:solidFill>
                   <a:srgbClr val="000000"/>
                 </a:solidFill>
@@ -15106,7 +15106,7 @@
     </p:spTree>
     <p:extLst>
       <p:ext uri="{BB962C8B-B14F-4D97-AF65-F5344CB8AC3E}">
-        <p14:creationId xmlns="" xmlns:a="http://schemas.openxmlformats.org/drawingml/2006/main" xmlns:r="http://schemas.openxmlformats.org/officeDocument/2006/relationships" xmlns:p="http://schemas.openxmlformats.org/presentationml/2006/main" xmlns:p14="http://schemas.microsoft.com/office/powerpoint/2010/main" xmlns:mv="urn:schemas-microsoft-com:mac:vml" xmlns:mc="http://schemas.openxmlformats.org/markup-compatibility/2006" val="2057563845"/>
+        <p14:creationId xmlns:mc="http://schemas.openxmlformats.org/markup-compatibility/2006" xmlns:mv="urn:schemas-microsoft-com:mac:vml" xmlns:p14="http://schemas.microsoft.com/office/powerpoint/2010/main" xmlns:p="http://schemas.openxmlformats.org/presentationml/2006/main" xmlns:r="http://schemas.openxmlformats.org/officeDocument/2006/relationships" xmlns:a="http://schemas.openxmlformats.org/drawingml/2006/main" xmlns="" val="2057563845"/>
       </p:ext>
     </p:extLst>
   </p:cSld>
@@ -15250,14 +15250,14 @@
           </a:ln>
           <a:extLst>
             <a:ext uri="{909E8E84-426E-40dd-AFC4-6F175D3DCCD1}">
-              <a14:hiddenFill xmlns="" xmlns:a="http://schemas.openxmlformats.org/drawingml/2006/main" xmlns:r="http://schemas.openxmlformats.org/officeDocument/2006/relationships" xmlns:p="http://schemas.openxmlformats.org/presentationml/2006/main" xmlns:a14="http://schemas.microsoft.com/office/drawing/2010/main" xmlns:mv="urn:schemas-microsoft-com:mac:vml" xmlns:mc="http://schemas.openxmlformats.org/markup-compatibility/2006">
+              <a14:hiddenFill xmlns:mc="http://schemas.openxmlformats.org/markup-compatibility/2006" xmlns:mv="urn:schemas-microsoft-com:mac:vml" xmlns:a14="http://schemas.microsoft.com/office/drawing/2010/main" xmlns:p="http://schemas.openxmlformats.org/presentationml/2006/main" xmlns:r="http://schemas.openxmlformats.org/officeDocument/2006/relationships" xmlns:a="http://schemas.openxmlformats.org/drawingml/2006/main" xmlns="">
                 <a:solidFill>
                   <a:srgbClr val="FFFFFF"/>
                 </a:solidFill>
               </a14:hiddenFill>
             </a:ext>
             <a:ext uri="{91240B29-F687-4f45-9708-019B960494DF}">
-              <a14:hiddenLine xmlns="" xmlns:a="http://schemas.openxmlformats.org/drawingml/2006/main" xmlns:r="http://schemas.openxmlformats.org/officeDocument/2006/relationships" xmlns:p="http://schemas.openxmlformats.org/presentationml/2006/main" xmlns:a14="http://schemas.microsoft.com/office/drawing/2010/main" xmlns:mv="urn:schemas-microsoft-com:mac:vml" xmlns:mc="http://schemas.openxmlformats.org/markup-compatibility/2006" w="9525">
+              <a14:hiddenLine xmlns:mc="http://schemas.openxmlformats.org/markup-compatibility/2006" xmlns:mv="urn:schemas-microsoft-com:mac:vml" xmlns:a14="http://schemas.microsoft.com/office/drawing/2010/main" xmlns:p="http://schemas.openxmlformats.org/presentationml/2006/main" xmlns:r="http://schemas.openxmlformats.org/officeDocument/2006/relationships" xmlns:a="http://schemas.openxmlformats.org/drawingml/2006/main" xmlns="" w="9525">
                 <a:solidFill>
                   <a:srgbClr val="000000"/>
                 </a:solidFill>
@@ -15399,7 +15399,7 @@
     </p:spTree>
     <p:extLst>
       <p:ext uri="{BB962C8B-B14F-4D97-AF65-F5344CB8AC3E}">
-        <p14:creationId xmlns="" xmlns:a="http://schemas.openxmlformats.org/drawingml/2006/main" xmlns:r="http://schemas.openxmlformats.org/officeDocument/2006/relationships" xmlns:p="http://schemas.openxmlformats.org/presentationml/2006/main" xmlns:p14="http://schemas.microsoft.com/office/powerpoint/2010/main" xmlns:mv="urn:schemas-microsoft-com:mac:vml" xmlns:mc="http://schemas.openxmlformats.org/markup-compatibility/2006" val="263471095"/>
+        <p14:creationId xmlns:mc="http://schemas.openxmlformats.org/markup-compatibility/2006" xmlns:mv="urn:schemas-microsoft-com:mac:vml" xmlns:p14="http://schemas.microsoft.com/office/powerpoint/2010/main" xmlns:p="http://schemas.openxmlformats.org/presentationml/2006/main" xmlns:r="http://schemas.openxmlformats.org/officeDocument/2006/relationships" xmlns:a="http://schemas.openxmlformats.org/drawingml/2006/main" xmlns="" val="263471095"/>
       </p:ext>
     </p:extLst>
   </p:cSld>
@@ -15523,14 +15523,14 @@
           </a:ln>
           <a:extLst>
             <a:ext uri="{909E8E84-426E-40dd-AFC4-6F175D3DCCD1}">
-              <a14:hiddenFill xmlns="" xmlns:a="http://schemas.openxmlformats.org/drawingml/2006/main" xmlns:r="http://schemas.openxmlformats.org/officeDocument/2006/relationships" xmlns:p="http://schemas.openxmlformats.org/presentationml/2006/main" xmlns:a14="http://schemas.microsoft.com/office/drawing/2010/main" xmlns:mv="urn:schemas-microsoft-com:mac:vml" xmlns:mc="http://schemas.openxmlformats.org/markup-compatibility/2006">
+              <a14:hiddenFill xmlns:mc="http://schemas.openxmlformats.org/markup-compatibility/2006" xmlns:mv="urn:schemas-microsoft-com:mac:vml" xmlns:a14="http://schemas.microsoft.com/office/drawing/2010/main" xmlns:p="http://schemas.openxmlformats.org/presentationml/2006/main" xmlns:r="http://schemas.openxmlformats.org/officeDocument/2006/relationships" xmlns:a="http://schemas.openxmlformats.org/drawingml/2006/main" xmlns="">
                 <a:solidFill>
                   <a:srgbClr val="FFFFFF"/>
                 </a:solidFill>
               </a14:hiddenFill>
             </a:ext>
             <a:ext uri="{91240B29-F687-4f45-9708-019B960494DF}">
-              <a14:hiddenLine xmlns="" xmlns:a="http://schemas.openxmlformats.org/drawingml/2006/main" xmlns:r="http://schemas.openxmlformats.org/officeDocument/2006/relationships" xmlns:p="http://schemas.openxmlformats.org/presentationml/2006/main" xmlns:a14="http://schemas.microsoft.com/office/drawing/2010/main" xmlns:mv="urn:schemas-microsoft-com:mac:vml" xmlns:mc="http://schemas.openxmlformats.org/markup-compatibility/2006" w="9525">
+              <a14:hiddenLine xmlns:mc="http://schemas.openxmlformats.org/markup-compatibility/2006" xmlns:mv="urn:schemas-microsoft-com:mac:vml" xmlns:a14="http://schemas.microsoft.com/office/drawing/2010/main" xmlns:p="http://schemas.openxmlformats.org/presentationml/2006/main" xmlns:r="http://schemas.openxmlformats.org/officeDocument/2006/relationships" xmlns:a="http://schemas.openxmlformats.org/drawingml/2006/main" xmlns="" w="9525">
                 <a:solidFill>
                   <a:srgbClr val="000000"/>
                 </a:solidFill>
@@ -15672,7 +15672,7 @@
     </p:spTree>
     <p:extLst>
       <p:ext uri="{BB962C8B-B14F-4D97-AF65-F5344CB8AC3E}">
-        <p14:creationId xmlns="" xmlns:a="http://schemas.openxmlformats.org/drawingml/2006/main" xmlns:r="http://schemas.openxmlformats.org/officeDocument/2006/relationships" xmlns:p="http://schemas.openxmlformats.org/presentationml/2006/main" xmlns:p14="http://schemas.microsoft.com/office/powerpoint/2010/main" xmlns:mv="urn:schemas-microsoft-com:mac:vml" xmlns:mc="http://schemas.openxmlformats.org/markup-compatibility/2006" val="2026408088"/>
+        <p14:creationId xmlns:mc="http://schemas.openxmlformats.org/markup-compatibility/2006" xmlns:mv="urn:schemas-microsoft-com:mac:vml" xmlns:p14="http://schemas.microsoft.com/office/powerpoint/2010/main" xmlns:p="http://schemas.openxmlformats.org/presentationml/2006/main" xmlns:r="http://schemas.openxmlformats.org/officeDocument/2006/relationships" xmlns:a="http://schemas.openxmlformats.org/drawingml/2006/main" xmlns="" val="2026408088"/>
       </p:ext>
     </p:extLst>
   </p:cSld>
@@ -15728,14 +15728,14 @@
           </a:ln>
           <a:extLst>
             <a:ext uri="{909E8E84-426E-40dd-AFC4-6F175D3DCCD1}">
-              <a14:hiddenFill xmlns="" xmlns:a="http://schemas.openxmlformats.org/drawingml/2006/main" xmlns:r="http://schemas.openxmlformats.org/officeDocument/2006/relationships" xmlns:p="http://schemas.openxmlformats.org/presentationml/2006/main" xmlns:a14="http://schemas.microsoft.com/office/drawing/2010/main" xmlns:mv="urn:schemas-microsoft-com:mac:vml" xmlns:mc="http://schemas.openxmlformats.org/markup-compatibility/2006">
+              <a14:hiddenFill xmlns:mc="http://schemas.openxmlformats.org/markup-compatibility/2006" xmlns:mv="urn:schemas-microsoft-com:mac:vml" xmlns:a14="http://schemas.microsoft.com/office/drawing/2010/main" xmlns:p="http://schemas.openxmlformats.org/presentationml/2006/main" xmlns:r="http://schemas.openxmlformats.org/officeDocument/2006/relationships" xmlns:a="http://schemas.openxmlformats.org/drawingml/2006/main" xmlns="">
                 <a:solidFill>
                   <a:srgbClr val="FFFFFF"/>
                 </a:solidFill>
               </a14:hiddenFill>
             </a:ext>
             <a:ext uri="{91240B29-F687-4f45-9708-019B960494DF}">
-              <a14:hiddenLine xmlns="" xmlns:a="http://schemas.openxmlformats.org/drawingml/2006/main" xmlns:r="http://schemas.openxmlformats.org/officeDocument/2006/relationships" xmlns:p="http://schemas.openxmlformats.org/presentationml/2006/main" xmlns:a14="http://schemas.microsoft.com/office/drawing/2010/main" xmlns:mv="urn:schemas-microsoft-com:mac:vml" xmlns:mc="http://schemas.openxmlformats.org/markup-compatibility/2006" w="9525">
+              <a14:hiddenLine xmlns:mc="http://schemas.openxmlformats.org/markup-compatibility/2006" xmlns:mv="urn:schemas-microsoft-com:mac:vml" xmlns:a14="http://schemas.microsoft.com/office/drawing/2010/main" xmlns:p="http://schemas.openxmlformats.org/presentationml/2006/main" xmlns:r="http://schemas.openxmlformats.org/officeDocument/2006/relationships" xmlns:a="http://schemas.openxmlformats.org/drawingml/2006/main" xmlns="" w="9525">
                 <a:solidFill>
                   <a:srgbClr val="000000"/>
                 </a:solidFill>
@@ -16452,14 +16452,14 @@
           </a:ln>
           <a:extLst>
             <a:ext uri="{909E8E84-426E-40dd-AFC4-6F175D3DCCD1}">
-              <a14:hiddenFill xmlns="" xmlns:a="http://schemas.openxmlformats.org/drawingml/2006/main" xmlns:r="http://schemas.openxmlformats.org/officeDocument/2006/relationships" xmlns:p="http://schemas.openxmlformats.org/presentationml/2006/main" xmlns:a14="http://schemas.microsoft.com/office/drawing/2010/main" xmlns:mv="urn:schemas-microsoft-com:mac:vml" xmlns:mc="http://schemas.openxmlformats.org/markup-compatibility/2006">
+              <a14:hiddenFill xmlns:mc="http://schemas.openxmlformats.org/markup-compatibility/2006" xmlns:mv="urn:schemas-microsoft-com:mac:vml" xmlns:a14="http://schemas.microsoft.com/office/drawing/2010/main" xmlns:p="http://schemas.openxmlformats.org/presentationml/2006/main" xmlns:r="http://schemas.openxmlformats.org/officeDocument/2006/relationships" xmlns:a="http://schemas.openxmlformats.org/drawingml/2006/main" xmlns="">
                 <a:solidFill>
                   <a:srgbClr val="FFFFFF"/>
                 </a:solidFill>
               </a14:hiddenFill>
             </a:ext>
             <a:ext uri="{91240B29-F687-4f45-9708-019B960494DF}">
-              <a14:hiddenLine xmlns="" xmlns:a="http://schemas.openxmlformats.org/drawingml/2006/main" xmlns:r="http://schemas.openxmlformats.org/officeDocument/2006/relationships" xmlns:p="http://schemas.openxmlformats.org/presentationml/2006/main" xmlns:a14="http://schemas.microsoft.com/office/drawing/2010/main" xmlns:mv="urn:schemas-microsoft-com:mac:vml" xmlns:mc="http://schemas.openxmlformats.org/markup-compatibility/2006" w="9525">
+              <a14:hiddenLine xmlns:mc="http://schemas.openxmlformats.org/markup-compatibility/2006" xmlns:mv="urn:schemas-microsoft-com:mac:vml" xmlns:a14="http://schemas.microsoft.com/office/drawing/2010/main" xmlns:p="http://schemas.openxmlformats.org/presentationml/2006/main" xmlns:r="http://schemas.openxmlformats.org/officeDocument/2006/relationships" xmlns:a="http://schemas.openxmlformats.org/drawingml/2006/main" xmlns="" w="9525">
                 <a:solidFill>
                   <a:srgbClr val="000000"/>
                 </a:solidFill>
@@ -16494,7 +16494,7 @@
     </p:spTree>
     <p:extLst>
       <p:ext uri="{BB962C8B-B14F-4D97-AF65-F5344CB8AC3E}">
-        <p14:creationId xmlns="" xmlns:a="http://schemas.openxmlformats.org/drawingml/2006/main" xmlns:r="http://schemas.openxmlformats.org/officeDocument/2006/relationships" xmlns:p="http://schemas.openxmlformats.org/presentationml/2006/main" xmlns:p14="http://schemas.microsoft.com/office/powerpoint/2010/main" xmlns:mv="urn:schemas-microsoft-com:mac:vml" xmlns:mc="http://schemas.openxmlformats.org/markup-compatibility/2006" val="3617493603"/>
+        <p14:creationId xmlns:mc="http://schemas.openxmlformats.org/markup-compatibility/2006" xmlns:mv="urn:schemas-microsoft-com:mac:vml" xmlns:p14="http://schemas.microsoft.com/office/powerpoint/2010/main" xmlns:p="http://schemas.openxmlformats.org/presentationml/2006/main" xmlns:r="http://schemas.openxmlformats.org/officeDocument/2006/relationships" xmlns:a="http://schemas.openxmlformats.org/drawingml/2006/main" xmlns="" val="3617493603"/>
       </p:ext>
     </p:extLst>
   </p:cSld>
@@ -16707,14 +16707,7 @@
                 <a:latin typeface="Arial" charset="0"/>
                 <a:ea typeface="ＭＳ Ｐゴシック" charset="0"/>
               </a:rPr>
-              <a:t>Using Write </a:t>
-            </a:r>
-            <a:r>
-              <a:rPr lang="en-US" sz="3000" dirty="0" smtClean="0">
-                <a:latin typeface="Arial" charset="0"/>
-                <a:ea typeface="ＭＳ Ｐゴシック" charset="0"/>
-              </a:rPr>
-              <a:t>Methods</a:t>
+              <a:t>Using Write Methods</a:t>
             </a:r>
           </a:p>
           <a:p>
@@ -16754,14 +16747,14 @@
           </a:ln>
           <a:extLst>
             <a:ext uri="{909E8E84-426E-40dd-AFC4-6F175D3DCCD1}">
-              <a14:hiddenFill xmlns="" xmlns:a="http://schemas.openxmlformats.org/drawingml/2006/main" xmlns:r="http://schemas.openxmlformats.org/officeDocument/2006/relationships" xmlns:p="http://schemas.openxmlformats.org/presentationml/2006/main" xmlns:a14="http://schemas.microsoft.com/office/drawing/2010/main" xmlns:mv="urn:schemas-microsoft-com:mac:vml" xmlns:mc="http://schemas.openxmlformats.org/markup-compatibility/2006">
+              <a14:hiddenFill xmlns:mc="http://schemas.openxmlformats.org/markup-compatibility/2006" xmlns:mv="urn:schemas-microsoft-com:mac:vml" xmlns:a14="http://schemas.microsoft.com/office/drawing/2010/main" xmlns:p="http://schemas.openxmlformats.org/presentationml/2006/main" xmlns:r="http://schemas.openxmlformats.org/officeDocument/2006/relationships" xmlns:a="http://schemas.openxmlformats.org/drawingml/2006/main" xmlns="">
                 <a:solidFill>
                   <a:srgbClr val="FFFFFF"/>
                 </a:solidFill>
               </a14:hiddenFill>
             </a:ext>
             <a:ext uri="{91240B29-F687-4f45-9708-019B960494DF}">
-              <a14:hiddenLine xmlns="" xmlns:a="http://schemas.openxmlformats.org/drawingml/2006/main" xmlns:r="http://schemas.openxmlformats.org/officeDocument/2006/relationships" xmlns:p="http://schemas.openxmlformats.org/presentationml/2006/main" xmlns:a14="http://schemas.microsoft.com/office/drawing/2010/main" xmlns:mv="urn:schemas-microsoft-com:mac:vml" xmlns:mc="http://schemas.openxmlformats.org/markup-compatibility/2006" w="9525">
+              <a14:hiddenLine xmlns:mc="http://schemas.openxmlformats.org/markup-compatibility/2006" xmlns:mv="urn:schemas-microsoft-com:mac:vml" xmlns:a14="http://schemas.microsoft.com/office/drawing/2010/main" xmlns:p="http://schemas.openxmlformats.org/presentationml/2006/main" xmlns:r="http://schemas.openxmlformats.org/officeDocument/2006/relationships" xmlns:a="http://schemas.openxmlformats.org/drawingml/2006/main" xmlns="" w="9525">
                 <a:solidFill>
                   <a:srgbClr val="000000"/>
                 </a:solidFill>
@@ -16903,7 +16896,7 @@
     </p:spTree>
     <p:extLst>
       <p:ext uri="{BB962C8B-B14F-4D97-AF65-F5344CB8AC3E}">
-        <p14:creationId xmlns="" xmlns:a="http://schemas.openxmlformats.org/drawingml/2006/main" xmlns:r="http://schemas.openxmlformats.org/officeDocument/2006/relationships" xmlns:p="http://schemas.openxmlformats.org/presentationml/2006/main" xmlns:p14="http://schemas.microsoft.com/office/powerpoint/2010/main" xmlns:mv="urn:schemas-microsoft-com:mac:vml" xmlns:mc="http://schemas.openxmlformats.org/markup-compatibility/2006" val="4226722249"/>
+        <p14:creationId xmlns:mc="http://schemas.openxmlformats.org/markup-compatibility/2006" xmlns:mv="urn:schemas-microsoft-com:mac:vml" xmlns:p14="http://schemas.microsoft.com/office/powerpoint/2010/main" xmlns:p="http://schemas.openxmlformats.org/presentationml/2006/main" xmlns:r="http://schemas.openxmlformats.org/officeDocument/2006/relationships" xmlns:a="http://schemas.openxmlformats.org/drawingml/2006/main" xmlns="" val="4226722249"/>
       </p:ext>
     </p:extLst>
   </p:cSld>
@@ -17204,14 +17197,14 @@
           </a:ln>
           <a:extLst>
             <a:ext uri="{909E8E84-426E-40dd-AFC4-6F175D3DCCD1}">
-              <a14:hiddenFill xmlns="" xmlns:a="http://schemas.openxmlformats.org/drawingml/2006/main" xmlns:r="http://schemas.openxmlformats.org/officeDocument/2006/relationships" xmlns:p="http://schemas.openxmlformats.org/presentationml/2006/main" xmlns:a14="http://schemas.microsoft.com/office/drawing/2010/main" xmlns:mv="urn:schemas-microsoft-com:mac:vml" xmlns:mc="http://schemas.openxmlformats.org/markup-compatibility/2006">
+              <a14:hiddenFill xmlns:mc="http://schemas.openxmlformats.org/markup-compatibility/2006" xmlns:mv="urn:schemas-microsoft-com:mac:vml" xmlns:a14="http://schemas.microsoft.com/office/drawing/2010/main" xmlns:p="http://schemas.openxmlformats.org/presentationml/2006/main" xmlns:r="http://schemas.openxmlformats.org/officeDocument/2006/relationships" xmlns:a="http://schemas.openxmlformats.org/drawingml/2006/main" xmlns="">
                 <a:solidFill>
                   <a:srgbClr val="FFFFFF"/>
                 </a:solidFill>
               </a14:hiddenFill>
             </a:ext>
             <a:ext uri="{91240B29-F687-4f45-9708-019B960494DF}">
-              <a14:hiddenLine xmlns="" xmlns:a="http://schemas.openxmlformats.org/drawingml/2006/main" xmlns:r="http://schemas.openxmlformats.org/officeDocument/2006/relationships" xmlns:p="http://schemas.openxmlformats.org/presentationml/2006/main" xmlns:a14="http://schemas.microsoft.com/office/drawing/2010/main" xmlns:mv="urn:schemas-microsoft-com:mac:vml" xmlns:mc="http://schemas.openxmlformats.org/markup-compatibility/2006" w="9525">
+              <a14:hiddenLine xmlns:mc="http://schemas.openxmlformats.org/markup-compatibility/2006" xmlns:mv="urn:schemas-microsoft-com:mac:vml" xmlns:a14="http://schemas.microsoft.com/office/drawing/2010/main" xmlns:p="http://schemas.openxmlformats.org/presentationml/2006/main" xmlns:r="http://schemas.openxmlformats.org/officeDocument/2006/relationships" xmlns:a="http://schemas.openxmlformats.org/drawingml/2006/main" xmlns="" w="9525">
                 <a:solidFill>
                   <a:srgbClr val="000000"/>
                 </a:solidFill>
@@ -17353,7 +17346,7 @@
     </p:spTree>
     <p:extLst>
       <p:ext uri="{BB962C8B-B14F-4D97-AF65-F5344CB8AC3E}">
-        <p14:creationId xmlns="" xmlns:a="http://schemas.openxmlformats.org/drawingml/2006/main" xmlns:r="http://schemas.openxmlformats.org/officeDocument/2006/relationships" xmlns:p="http://schemas.openxmlformats.org/presentationml/2006/main" xmlns:p14="http://schemas.microsoft.com/office/powerpoint/2010/main" xmlns:mv="urn:schemas-microsoft-com:mac:vml" xmlns:mc="http://schemas.openxmlformats.org/markup-compatibility/2006" val="3857422404"/>
+        <p14:creationId xmlns:mc="http://schemas.openxmlformats.org/markup-compatibility/2006" xmlns:mv="urn:schemas-microsoft-com:mac:vml" xmlns:p14="http://schemas.microsoft.com/office/powerpoint/2010/main" xmlns:p="http://schemas.openxmlformats.org/presentationml/2006/main" xmlns:r="http://schemas.openxmlformats.org/officeDocument/2006/relationships" xmlns:a="http://schemas.openxmlformats.org/drawingml/2006/main" xmlns="" val="3857422404"/>
       </p:ext>
     </p:extLst>
   </p:cSld>
@@ -17409,14 +17402,14 @@
           </a:ln>
           <a:extLst>
             <a:ext uri="{909E8E84-426E-40dd-AFC4-6F175D3DCCD1}">
-              <a14:hiddenFill xmlns="" xmlns:a="http://schemas.openxmlformats.org/drawingml/2006/main" xmlns:r="http://schemas.openxmlformats.org/officeDocument/2006/relationships" xmlns:p="http://schemas.openxmlformats.org/presentationml/2006/main" xmlns:a14="http://schemas.microsoft.com/office/drawing/2010/main" xmlns:mv="urn:schemas-microsoft-com:mac:vml" xmlns:mc="http://schemas.openxmlformats.org/markup-compatibility/2006">
+              <a14:hiddenFill xmlns:mc="http://schemas.openxmlformats.org/markup-compatibility/2006" xmlns:mv="urn:schemas-microsoft-com:mac:vml" xmlns:a14="http://schemas.microsoft.com/office/drawing/2010/main" xmlns:p="http://schemas.openxmlformats.org/presentationml/2006/main" xmlns:r="http://schemas.openxmlformats.org/officeDocument/2006/relationships" xmlns:a="http://schemas.openxmlformats.org/drawingml/2006/main" xmlns="">
                 <a:solidFill>
                   <a:srgbClr val="FFFFFF"/>
                 </a:solidFill>
               </a14:hiddenFill>
             </a:ext>
             <a:ext uri="{91240B29-F687-4f45-9708-019B960494DF}">
-              <a14:hiddenLine xmlns="" xmlns:a="http://schemas.openxmlformats.org/drawingml/2006/main" xmlns:r="http://schemas.openxmlformats.org/officeDocument/2006/relationships" xmlns:p="http://schemas.openxmlformats.org/presentationml/2006/main" xmlns:a14="http://schemas.microsoft.com/office/drawing/2010/main" xmlns:mv="urn:schemas-microsoft-com:mac:vml" xmlns:mc="http://schemas.openxmlformats.org/markup-compatibility/2006" w="9525">
+              <a14:hiddenLine xmlns:mc="http://schemas.openxmlformats.org/markup-compatibility/2006" xmlns:mv="urn:schemas-microsoft-com:mac:vml" xmlns:a14="http://schemas.microsoft.com/office/drawing/2010/main" xmlns:p="http://schemas.openxmlformats.org/presentationml/2006/main" xmlns:r="http://schemas.openxmlformats.org/officeDocument/2006/relationships" xmlns:a="http://schemas.openxmlformats.org/drawingml/2006/main" xmlns="" w="9525">
                 <a:solidFill>
                   <a:srgbClr val="000000"/>
                 </a:solidFill>
@@ -17944,7 +17937,7 @@
     </p:spTree>
     <p:extLst>
       <p:ext uri="{BB962C8B-B14F-4D97-AF65-F5344CB8AC3E}">
-        <p14:creationId xmlns="" xmlns:a="http://schemas.openxmlformats.org/drawingml/2006/main" xmlns:r="http://schemas.openxmlformats.org/officeDocument/2006/relationships" xmlns:p="http://schemas.openxmlformats.org/presentationml/2006/main" xmlns:p14="http://schemas.microsoft.com/office/powerpoint/2010/main" xmlns:mv="urn:schemas-microsoft-com:mac:vml" xmlns:mc="http://schemas.openxmlformats.org/markup-compatibility/2006" val="1862476630"/>
+        <p14:creationId xmlns:mc="http://schemas.openxmlformats.org/markup-compatibility/2006" xmlns:mv="urn:schemas-microsoft-com:mac:vml" xmlns:p14="http://schemas.microsoft.com/office/powerpoint/2010/main" xmlns:p="http://schemas.openxmlformats.org/presentationml/2006/main" xmlns:r="http://schemas.openxmlformats.org/officeDocument/2006/relationships" xmlns:a="http://schemas.openxmlformats.org/drawingml/2006/main" xmlns="" val="1862476630"/>
       </p:ext>
     </p:extLst>
   </p:cSld>
@@ -18045,7 +18038,7 @@
     </p:spTree>
     <p:extLst>
       <p:ext uri="{BB962C8B-B14F-4D97-AF65-F5344CB8AC3E}">
-        <p14:creationId xmlns="" xmlns:a="http://schemas.openxmlformats.org/drawingml/2006/main" xmlns:r="http://schemas.openxmlformats.org/officeDocument/2006/relationships" xmlns:p="http://schemas.openxmlformats.org/presentationml/2006/main" xmlns:p14="http://schemas.microsoft.com/office/powerpoint/2010/main" xmlns:mv="urn:schemas-microsoft-com:mac:vml" xmlns:mc="http://schemas.openxmlformats.org/markup-compatibility/2006" val="1615273206"/>
+        <p14:creationId xmlns:mc="http://schemas.openxmlformats.org/markup-compatibility/2006" xmlns:mv="urn:schemas-microsoft-com:mac:vml" xmlns:p14="http://schemas.microsoft.com/office/powerpoint/2010/main" xmlns:p="http://schemas.openxmlformats.org/presentationml/2006/main" xmlns:r="http://schemas.openxmlformats.org/officeDocument/2006/relationships" xmlns:a="http://schemas.openxmlformats.org/drawingml/2006/main" xmlns="" val="1615273206"/>
       </p:ext>
     </p:extLst>
   </p:cSld>
@@ -18104,14 +18097,14 @@
           </a:ln>
           <a:extLst>
             <a:ext uri="{909E8E84-426E-40dd-AFC4-6F175D3DCCD1}">
-              <a14:hiddenFill xmlns="" xmlns:a="http://schemas.openxmlformats.org/drawingml/2006/main" xmlns:r="http://schemas.openxmlformats.org/officeDocument/2006/relationships" xmlns:p="http://schemas.openxmlformats.org/presentationml/2006/main" xmlns:a14="http://schemas.microsoft.com/office/drawing/2010/main" xmlns:mv="urn:schemas-microsoft-com:mac:vml" xmlns:mc="http://schemas.openxmlformats.org/markup-compatibility/2006">
+              <a14:hiddenFill xmlns:mc="http://schemas.openxmlformats.org/markup-compatibility/2006" xmlns:mv="urn:schemas-microsoft-com:mac:vml" xmlns:a14="http://schemas.microsoft.com/office/drawing/2010/main" xmlns:p="http://schemas.openxmlformats.org/presentationml/2006/main" xmlns:r="http://schemas.openxmlformats.org/officeDocument/2006/relationships" xmlns:a="http://schemas.openxmlformats.org/drawingml/2006/main" xmlns="">
                 <a:solidFill>
                   <a:srgbClr val="FFFFFF"/>
                 </a:solidFill>
               </a14:hiddenFill>
             </a:ext>
             <a:ext uri="{91240B29-F687-4f45-9708-019B960494DF}">
-              <a14:hiddenLine xmlns="" xmlns:a="http://schemas.openxmlformats.org/drawingml/2006/main" xmlns:r="http://schemas.openxmlformats.org/officeDocument/2006/relationships" xmlns:p="http://schemas.openxmlformats.org/presentationml/2006/main" xmlns:a14="http://schemas.microsoft.com/office/drawing/2010/main" xmlns:mv="urn:schemas-microsoft-com:mac:vml" xmlns:mc="http://schemas.openxmlformats.org/markup-compatibility/2006" w="9525">
+              <a14:hiddenLine xmlns:mc="http://schemas.openxmlformats.org/markup-compatibility/2006" xmlns:mv="urn:schemas-microsoft-com:mac:vml" xmlns:a14="http://schemas.microsoft.com/office/drawing/2010/main" xmlns:p="http://schemas.openxmlformats.org/presentationml/2006/main" xmlns:r="http://schemas.openxmlformats.org/officeDocument/2006/relationships" xmlns:a="http://schemas.openxmlformats.org/drawingml/2006/main" xmlns="" w="9525">
                 <a:solidFill>
                   <a:srgbClr val="000000"/>
                 </a:solidFill>
@@ -18385,7 +18378,7 @@
     </p:spTree>
     <p:extLst>
       <p:ext uri="{BB962C8B-B14F-4D97-AF65-F5344CB8AC3E}">
-        <p14:creationId xmlns="" xmlns:a="http://schemas.openxmlformats.org/drawingml/2006/main" xmlns:r="http://schemas.openxmlformats.org/officeDocument/2006/relationships" xmlns:p="http://schemas.openxmlformats.org/presentationml/2006/main" xmlns:p14="http://schemas.microsoft.com/office/powerpoint/2010/main" xmlns:mv="urn:schemas-microsoft-com:mac:vml" xmlns:mc="http://schemas.openxmlformats.org/markup-compatibility/2006" val="1823286591"/>
+        <p14:creationId xmlns:mc="http://schemas.openxmlformats.org/markup-compatibility/2006" xmlns:mv="urn:schemas-microsoft-com:mac:vml" xmlns:p14="http://schemas.microsoft.com/office/powerpoint/2010/main" xmlns:p="http://schemas.openxmlformats.org/presentationml/2006/main" xmlns:r="http://schemas.openxmlformats.org/officeDocument/2006/relationships" xmlns:a="http://schemas.openxmlformats.org/drawingml/2006/main" xmlns="" val="1823286591"/>
       </p:ext>
     </p:extLst>
   </p:cSld>
@@ -18787,14 +18780,14 @@
           </a:ln>
           <a:extLst>
             <a:ext uri="{909E8E84-426E-40dd-AFC4-6F175D3DCCD1}">
-              <a14:hiddenFill xmlns="" xmlns:a="http://schemas.openxmlformats.org/drawingml/2006/main" xmlns:r="http://schemas.openxmlformats.org/officeDocument/2006/relationships" xmlns:p="http://schemas.openxmlformats.org/presentationml/2006/main" xmlns:a14="http://schemas.microsoft.com/office/drawing/2010/main" xmlns:mv="urn:schemas-microsoft-com:mac:vml" xmlns:mc="http://schemas.openxmlformats.org/markup-compatibility/2006">
+              <a14:hiddenFill xmlns:mc="http://schemas.openxmlformats.org/markup-compatibility/2006" xmlns:mv="urn:schemas-microsoft-com:mac:vml" xmlns:a14="http://schemas.microsoft.com/office/drawing/2010/main" xmlns:p="http://schemas.openxmlformats.org/presentationml/2006/main" xmlns:r="http://schemas.openxmlformats.org/officeDocument/2006/relationships" xmlns:a="http://schemas.openxmlformats.org/drawingml/2006/main" xmlns="">
                 <a:solidFill>
                   <a:srgbClr val="FFFFFF"/>
                 </a:solidFill>
               </a14:hiddenFill>
             </a:ext>
             <a:ext uri="{91240B29-F687-4f45-9708-019B960494DF}">
-              <a14:hiddenLine xmlns="" xmlns:a="http://schemas.openxmlformats.org/drawingml/2006/main" xmlns:r="http://schemas.openxmlformats.org/officeDocument/2006/relationships" xmlns:p="http://schemas.openxmlformats.org/presentationml/2006/main" xmlns:a14="http://schemas.microsoft.com/office/drawing/2010/main" xmlns:mv="urn:schemas-microsoft-com:mac:vml" xmlns:mc="http://schemas.openxmlformats.org/markup-compatibility/2006" w="9525">
+              <a14:hiddenLine xmlns:mc="http://schemas.openxmlformats.org/markup-compatibility/2006" xmlns:mv="urn:schemas-microsoft-com:mac:vml" xmlns:a14="http://schemas.microsoft.com/office/drawing/2010/main" xmlns:p="http://schemas.openxmlformats.org/presentationml/2006/main" xmlns:r="http://schemas.openxmlformats.org/officeDocument/2006/relationships" xmlns:a="http://schemas.openxmlformats.org/drawingml/2006/main" xmlns="" w="9525">
                 <a:solidFill>
                   <a:srgbClr val="000000"/>
                 </a:solidFill>
@@ -19264,7 +19257,7 @@
     </p:spTree>
     <p:extLst>
       <p:ext uri="{BB962C8B-B14F-4D97-AF65-F5344CB8AC3E}">
-        <p14:creationId xmlns="" xmlns:a="http://schemas.openxmlformats.org/drawingml/2006/main" xmlns:r="http://schemas.openxmlformats.org/officeDocument/2006/relationships" xmlns:p="http://schemas.openxmlformats.org/presentationml/2006/main" xmlns:p14="http://schemas.microsoft.com/office/powerpoint/2010/main" xmlns:mv="urn:schemas-microsoft-com:mac:vml" xmlns:mc="http://schemas.openxmlformats.org/markup-compatibility/2006" val="2687101393"/>
+        <p14:creationId xmlns:mc="http://schemas.openxmlformats.org/markup-compatibility/2006" xmlns:mv="urn:schemas-microsoft-com:mac:vml" xmlns:p14="http://schemas.microsoft.com/office/powerpoint/2010/main" xmlns:p="http://schemas.openxmlformats.org/presentationml/2006/main" xmlns:r="http://schemas.openxmlformats.org/officeDocument/2006/relationships" xmlns:a="http://schemas.openxmlformats.org/drawingml/2006/main" xmlns="" val="2687101393"/>
       </p:ext>
     </p:extLst>
   </p:cSld>
@@ -19323,14 +19316,14 @@
           </a:ln>
           <a:extLst>
             <a:ext uri="{909E8E84-426E-40dd-AFC4-6F175D3DCCD1}">
-              <a14:hiddenFill xmlns="" xmlns:a="http://schemas.openxmlformats.org/drawingml/2006/main" xmlns:r="http://schemas.openxmlformats.org/officeDocument/2006/relationships" xmlns:p="http://schemas.openxmlformats.org/presentationml/2006/main" xmlns:a14="http://schemas.microsoft.com/office/drawing/2010/main" xmlns:mv="urn:schemas-microsoft-com:mac:vml" xmlns:mc="http://schemas.openxmlformats.org/markup-compatibility/2006">
+              <a14:hiddenFill xmlns:mc="http://schemas.openxmlformats.org/markup-compatibility/2006" xmlns:mv="urn:schemas-microsoft-com:mac:vml" xmlns:a14="http://schemas.microsoft.com/office/drawing/2010/main" xmlns:p="http://schemas.openxmlformats.org/presentationml/2006/main" xmlns:r="http://schemas.openxmlformats.org/officeDocument/2006/relationships" xmlns:a="http://schemas.openxmlformats.org/drawingml/2006/main" xmlns="">
                 <a:solidFill>
                   <a:srgbClr val="FFFFFF"/>
                 </a:solidFill>
               </a14:hiddenFill>
             </a:ext>
             <a:ext uri="{91240B29-F687-4f45-9708-019B960494DF}">
-              <a14:hiddenLine xmlns="" xmlns:a="http://schemas.openxmlformats.org/drawingml/2006/main" xmlns:r="http://schemas.openxmlformats.org/officeDocument/2006/relationships" xmlns:p="http://schemas.openxmlformats.org/presentationml/2006/main" xmlns:a14="http://schemas.microsoft.com/office/drawing/2010/main" xmlns:mv="urn:schemas-microsoft-com:mac:vml" xmlns:mc="http://schemas.openxmlformats.org/markup-compatibility/2006" w="9525">
+              <a14:hiddenLine xmlns:mc="http://schemas.openxmlformats.org/markup-compatibility/2006" xmlns:mv="urn:schemas-microsoft-com:mac:vml" xmlns:a14="http://schemas.microsoft.com/office/drawing/2010/main" xmlns:p="http://schemas.openxmlformats.org/presentationml/2006/main" xmlns:r="http://schemas.openxmlformats.org/officeDocument/2006/relationships" xmlns:a="http://schemas.openxmlformats.org/drawingml/2006/main" xmlns="" w="9525">
                 <a:solidFill>
                   <a:srgbClr val="000000"/>
                 </a:solidFill>
@@ -19775,7 +19768,7 @@
     </p:spTree>
     <p:extLst>
       <p:ext uri="{BB962C8B-B14F-4D97-AF65-F5344CB8AC3E}">
-        <p14:creationId xmlns="" xmlns:a="http://schemas.openxmlformats.org/drawingml/2006/main" xmlns:r="http://schemas.openxmlformats.org/officeDocument/2006/relationships" xmlns:p="http://schemas.openxmlformats.org/presentationml/2006/main" xmlns:p14="http://schemas.microsoft.com/office/powerpoint/2010/main" xmlns:mv="urn:schemas-microsoft-com:mac:vml" xmlns:mc="http://schemas.openxmlformats.org/markup-compatibility/2006" val="3785333707"/>
+        <p14:creationId xmlns:mc="http://schemas.openxmlformats.org/markup-compatibility/2006" xmlns:mv="urn:schemas-microsoft-com:mac:vml" xmlns:p14="http://schemas.microsoft.com/office/powerpoint/2010/main" xmlns:p="http://schemas.openxmlformats.org/presentationml/2006/main" xmlns:r="http://schemas.openxmlformats.org/officeDocument/2006/relationships" xmlns:a="http://schemas.openxmlformats.org/drawingml/2006/main" xmlns="" val="3785333707"/>
       </p:ext>
     </p:extLst>
   </p:cSld>
@@ -20015,14 +20008,14 @@
           <a:noFill/>
           <a:extLst>
             <a:ext uri="{909E8E84-426E-40dd-AFC4-6F175D3DCCD1}">
-              <a14:hiddenFill xmlns="" xmlns:a="http://schemas.openxmlformats.org/drawingml/2006/main" xmlns:r="http://schemas.openxmlformats.org/officeDocument/2006/relationships" xmlns:p="http://schemas.openxmlformats.org/presentationml/2006/main" xmlns:a14="http://schemas.microsoft.com/office/drawing/2010/main" xmlns:mv="urn:schemas-microsoft-com:mac:vml" xmlns:mc="http://schemas.openxmlformats.org/markup-compatibility/2006">
+              <a14:hiddenFill xmlns:mc="http://schemas.openxmlformats.org/markup-compatibility/2006" xmlns:mv="urn:schemas-microsoft-com:mac:vml" xmlns:a14="http://schemas.microsoft.com/office/drawing/2010/main" xmlns:p="http://schemas.openxmlformats.org/presentationml/2006/main" xmlns:r="http://schemas.openxmlformats.org/officeDocument/2006/relationships" xmlns:a="http://schemas.openxmlformats.org/drawingml/2006/main" xmlns="">
                 <a:solidFill>
                   <a:srgbClr val="FFFFFF"/>
                 </a:solidFill>
               </a14:hiddenFill>
             </a:ext>
             <a:ext uri="{91240B29-F687-4f45-9708-019B960494DF}">
-              <a14:hiddenLine xmlns="" xmlns:a="http://schemas.openxmlformats.org/drawingml/2006/main" xmlns:r="http://schemas.openxmlformats.org/officeDocument/2006/relationships" xmlns:p="http://schemas.openxmlformats.org/presentationml/2006/main" xmlns:a14="http://schemas.microsoft.com/office/drawing/2010/main" xmlns:mv="urn:schemas-microsoft-com:mac:vml" xmlns:mc="http://schemas.openxmlformats.org/markup-compatibility/2006" w="9525">
+              <a14:hiddenLine xmlns:mc="http://schemas.openxmlformats.org/markup-compatibility/2006" xmlns:mv="urn:schemas-microsoft-com:mac:vml" xmlns:a14="http://schemas.microsoft.com/office/drawing/2010/main" xmlns:p="http://schemas.openxmlformats.org/presentationml/2006/main" xmlns:r="http://schemas.openxmlformats.org/officeDocument/2006/relationships" xmlns:a="http://schemas.openxmlformats.org/drawingml/2006/main" xmlns="" w="9525">
                 <a:solidFill>
                   <a:srgbClr val="000000"/>
                 </a:solidFill>
@@ -20165,7 +20158,7 @@
     </p:spTree>
     <p:extLst>
       <p:ext uri="{BB962C8B-B14F-4D97-AF65-F5344CB8AC3E}">
-        <p14:creationId xmlns="" xmlns:a="http://schemas.openxmlformats.org/drawingml/2006/main" xmlns:r="http://schemas.openxmlformats.org/officeDocument/2006/relationships" xmlns:p="http://schemas.openxmlformats.org/presentationml/2006/main" xmlns:p14="http://schemas.microsoft.com/office/powerpoint/2010/main" xmlns:mv="urn:schemas-microsoft-com:mac:vml" xmlns:mc="http://schemas.openxmlformats.org/markup-compatibility/2006" val="1469489830"/>
+        <p14:creationId xmlns:mc="http://schemas.openxmlformats.org/markup-compatibility/2006" xmlns:mv="urn:schemas-microsoft-com:mac:vml" xmlns:p14="http://schemas.microsoft.com/office/powerpoint/2010/main" xmlns:p="http://schemas.openxmlformats.org/presentationml/2006/main" xmlns:r="http://schemas.openxmlformats.org/officeDocument/2006/relationships" xmlns:a="http://schemas.openxmlformats.org/drawingml/2006/main" xmlns="" val="1469489830"/>
       </p:ext>
     </p:extLst>
   </p:cSld>
@@ -20263,7 +20256,7 @@
     </p:spTree>
     <p:extLst>
       <p:ext uri="{BB962C8B-B14F-4D97-AF65-F5344CB8AC3E}">
-        <p14:creationId xmlns="" xmlns:a="http://schemas.openxmlformats.org/drawingml/2006/main" xmlns:r="http://schemas.openxmlformats.org/officeDocument/2006/relationships" xmlns:p="http://schemas.openxmlformats.org/presentationml/2006/main" xmlns:p14="http://schemas.microsoft.com/office/powerpoint/2010/main" xmlns:mv="urn:schemas-microsoft-com:mac:vml" xmlns:mc="http://schemas.openxmlformats.org/markup-compatibility/2006" val="428970243"/>
+        <p14:creationId xmlns:mc="http://schemas.openxmlformats.org/markup-compatibility/2006" xmlns:mv="urn:schemas-microsoft-com:mac:vml" xmlns:p14="http://schemas.microsoft.com/office/powerpoint/2010/main" xmlns:p="http://schemas.openxmlformats.org/presentationml/2006/main" xmlns:r="http://schemas.openxmlformats.org/officeDocument/2006/relationships" xmlns:a="http://schemas.openxmlformats.org/drawingml/2006/main" xmlns="" val="428970243"/>
       </p:ext>
     </p:extLst>
   </p:cSld>
@@ -20590,14 +20583,7 @@
                 <a:latin typeface="Arial" charset="0"/>
                 <a:ea typeface="ＭＳ Ｐゴシック" charset="0"/>
               </a:rPr>
-              <a:t> </a:t>
-            </a:r>
-            <a:r>
-              <a:rPr lang="en-US" sz="3000" dirty="0" smtClean="0">
-                <a:latin typeface="Arial" charset="0"/>
-                <a:ea typeface="ＭＳ Ｐゴシック" charset="0"/>
-              </a:rPr>
-              <a:t>The </a:t>
+              <a:t> The </a:t>
             </a:r>
             <a:r>
               <a:rPr lang="en-US" sz="3000" dirty="0" smtClean="0">
@@ -20808,7 +20794,7 @@
     </p:spTree>
     <p:extLst>
       <p:ext uri="{BB962C8B-B14F-4D97-AF65-F5344CB8AC3E}">
-        <p14:creationId xmlns="" xmlns:a="http://schemas.openxmlformats.org/drawingml/2006/main" xmlns:r="http://schemas.openxmlformats.org/officeDocument/2006/relationships" xmlns:p="http://schemas.openxmlformats.org/presentationml/2006/main" xmlns:p14="http://schemas.microsoft.com/office/powerpoint/2010/main" xmlns:mv="urn:schemas-microsoft-com:mac:vml" xmlns:mc="http://schemas.openxmlformats.org/markup-compatibility/2006" val="964505165"/>
+        <p14:creationId xmlns:mc="http://schemas.openxmlformats.org/markup-compatibility/2006" xmlns:mv="urn:schemas-microsoft-com:mac:vml" xmlns:p14="http://schemas.microsoft.com/office/powerpoint/2010/main" xmlns:p="http://schemas.openxmlformats.org/presentationml/2006/main" xmlns:r="http://schemas.openxmlformats.org/officeDocument/2006/relationships" xmlns:a="http://schemas.openxmlformats.org/drawingml/2006/main" xmlns="" val="964505165"/>
       </p:ext>
     </p:extLst>
   </p:cSld>
@@ -20902,14 +20888,7 @@
                 <a:latin typeface="Arial" pitchFamily="-105" charset="0"/>
                 <a:ea typeface="ＭＳ Ｐゴシック" pitchFamily="-105" charset="-128"/>
               </a:rPr>
-              <a:t> </a:t>
-            </a:r>
-            <a:r>
-              <a:rPr lang="en-US" sz="3200" dirty="0" smtClean="0">
-                <a:latin typeface="Arial" pitchFamily="-105" charset="0"/>
-                <a:ea typeface="ＭＳ Ｐゴシック" pitchFamily="-105" charset="-128"/>
-              </a:rPr>
-              <a:t>value is a user-defined function that will be called when the Media API responds to your request</a:t>
+              <a:t> value is a user-defined function that will be called when the Media API responds to your request</a:t>
             </a:r>
           </a:p>
           <a:p>
@@ -20954,14 +20933,7 @@
                 <a:latin typeface="Arial" charset="0"/>
                 <a:ea typeface="ＭＳ Ｐゴシック" charset="0"/>
               </a:rPr>
-              <a:t> </a:t>
-            </a:r>
-            <a:r>
-              <a:rPr lang="en-US" sz="3200" dirty="0" smtClean="0">
-                <a:latin typeface="Arial" charset="0"/>
-                <a:ea typeface="ＭＳ Ｐゴシック" charset="0"/>
-              </a:rPr>
-              <a:t> </a:t>
+              <a:t>  </a:t>
             </a:r>
             <a:r>
               <a:rPr lang="en-US" sz="3200" dirty="0" smtClean="0">
@@ -20969,15 +20941,7 @@
                 <a:ea typeface="ＭＳ Ｐゴシック" charset="0"/>
                 <a:cs typeface="Source Code Pro"/>
               </a:rPr>
-              <a:t>&amp;</a:t>
-            </a:r>
-            <a:r>
-              <a:rPr lang="en-US" sz="3200" dirty="0" smtClean="0">
-                <a:latin typeface="Source Code Pro"/>
-                <a:ea typeface="ＭＳ Ｐゴシック" charset="0"/>
-                <a:cs typeface="Source Code Pro"/>
-              </a:rPr>
-              <a:t>callback=</a:t>
+              <a:t>&amp;callback=</a:t>
             </a:r>
             <a:r>
               <a:rPr lang="en-US" sz="3200" dirty="0" err="1" smtClean="0">
@@ -21149,7 +21113,7 @@
     </p:spTree>
     <p:extLst>
       <p:ext uri="{BB962C8B-B14F-4D97-AF65-F5344CB8AC3E}">
-        <p14:creationId xmlns="" xmlns:a="http://schemas.openxmlformats.org/drawingml/2006/main" xmlns:r="http://schemas.openxmlformats.org/officeDocument/2006/relationships" xmlns:p="http://schemas.openxmlformats.org/presentationml/2006/main" xmlns:p14="http://schemas.microsoft.com/office/powerpoint/2010/main" xmlns:mv="urn:schemas-microsoft-com:mac:vml" xmlns:mc="http://schemas.openxmlformats.org/markup-compatibility/2006" val="230950290"/>
+        <p14:creationId xmlns:mc="http://schemas.openxmlformats.org/markup-compatibility/2006" xmlns:mv="urn:schemas-microsoft-com:mac:vml" xmlns:p14="http://schemas.microsoft.com/office/powerpoint/2010/main" xmlns:p="http://schemas.openxmlformats.org/presentationml/2006/main" xmlns:r="http://schemas.openxmlformats.org/officeDocument/2006/relationships" xmlns:a="http://schemas.openxmlformats.org/drawingml/2006/main" xmlns="" val="230950290"/>
       </p:ext>
     </p:extLst>
   </p:cSld>
@@ -21247,7 +21211,7 @@
     </p:spTree>
     <p:extLst>
       <p:ext uri="{BB962C8B-B14F-4D97-AF65-F5344CB8AC3E}">
-        <p14:creationId xmlns="" xmlns:a="http://schemas.openxmlformats.org/drawingml/2006/main" xmlns:r="http://schemas.openxmlformats.org/officeDocument/2006/relationships" xmlns:p="http://schemas.openxmlformats.org/presentationml/2006/main" xmlns:p14="http://schemas.microsoft.com/office/powerpoint/2010/main" xmlns:mv="urn:schemas-microsoft-com:mac:vml" xmlns:mc="http://schemas.openxmlformats.org/markup-compatibility/2006" val="2352184382"/>
+        <p14:creationId xmlns:mc="http://schemas.openxmlformats.org/markup-compatibility/2006" xmlns:mv="urn:schemas-microsoft-com:mac:vml" xmlns:p14="http://schemas.microsoft.com/office/powerpoint/2010/main" xmlns:p="http://schemas.openxmlformats.org/presentationml/2006/main" xmlns:r="http://schemas.openxmlformats.org/officeDocument/2006/relationships" xmlns:a="http://schemas.openxmlformats.org/drawingml/2006/main" xmlns="" val="2352184382"/>
       </p:ext>
     </p:extLst>
   </p:cSld>
@@ -21309,14 +21273,7 @@
                 <a:latin typeface="Arial" charset="0"/>
                 <a:ea typeface="ＭＳ Ｐゴシック" charset="0"/>
               </a:rPr>
-              <a:t>Making the</a:t>
-            </a:r>
-            <a:r>
-              <a:rPr lang="en-US" dirty="0" smtClean="0">
-                <a:latin typeface="Arial" charset="0"/>
-                <a:ea typeface="ＭＳ Ｐゴシック" charset="0"/>
-              </a:rPr>
-              <a:t> API read Request</a:t>
+              <a:t>Making the API read Request</a:t>
             </a:r>
             <a:endParaRPr lang="en-US" dirty="0">
               <a:latin typeface="Arial" charset="0"/>
@@ -21367,10 +21324,6 @@
               </a:rPr>
               <a:t>tag</a:t>
             </a:r>
-            <a:endParaRPr lang="en-US" sz="3200" dirty="0" smtClean="0">
-              <a:latin typeface="Arial" charset="0"/>
-              <a:ea typeface="ＭＳ Ｐゴシック" charset="0"/>
-            </a:endParaRPr>
           </a:p>
           <a:p>
             <a:pPr lvl="1"/>
@@ -21417,14 +21370,7 @@
                 <a:latin typeface="Arial" charset="0"/>
                 <a:ea typeface="ＭＳ Ｐゴシック" charset="0"/>
               </a:rPr>
-              <a:t>The external script is fetched</a:t>
-            </a:r>
-            <a:r>
-              <a:rPr lang="en-US" sz="3000" dirty="0" smtClean="0">
-                <a:latin typeface="Arial" charset="0"/>
-                <a:ea typeface="ＭＳ Ｐゴシック" charset="0"/>
-              </a:rPr>
-              <a:t> and executed</a:t>
+              <a:t>The external script is fetched and executed</a:t>
             </a:r>
           </a:p>
           <a:p>
@@ -21479,23 +21425,7 @@
                 <a:ea typeface="ＭＳ Ｐゴシック" charset="0"/>
                 <a:cs typeface="Source Code Pro"/>
               </a:rPr>
-              <a:t>Example</a:t>
-            </a:r>
-            <a:r>
-              <a:rPr lang="en-US" sz="3000" dirty="0" smtClean="0">
-                <a:latin typeface="Source Code Pro"/>
-                <a:ea typeface="ＭＳ Ｐゴシック" charset="0"/>
-                <a:cs typeface="Source Code Pro"/>
-              </a:rPr>
-              <a:t>:</a:t>
-            </a:r>
-            <a:r>
-              <a:rPr lang="en-US" sz="3000" dirty="0" smtClean="0">
-                <a:latin typeface="Source Code Pro"/>
-                <a:ea typeface="ＭＳ Ｐゴシック" charset="0"/>
-                <a:cs typeface="Source Code Pro"/>
-              </a:rPr>
-              <a:t> </a:t>
+              <a:t>Example: </a:t>
             </a:r>
           </a:p>
           <a:p>
@@ -21597,11 +21527,6 @@
               </a:rPr>
               <a:t>=5&amp;token=WDGO_XdKqXVJRVGtrNuGLxCYDNoR-SvA5yUqX2eE6KjgefOxRzQilw.."&gt;</a:t>
             </a:r>
-            <a:endParaRPr lang="en-US" sz="3000" dirty="0" smtClean="0">
-              <a:latin typeface="Source Code Pro"/>
-              <a:ea typeface="ＭＳ Ｐゴシック" charset="0"/>
-              <a:cs typeface="Source Code Pro"/>
-            </a:endParaRPr>
           </a:p>
           <a:p>
             <a:pPr>
@@ -21613,15 +21538,7 @@
                 <a:ea typeface="ＭＳ Ｐゴシック" charset="0"/>
                 <a:cs typeface="Source Code Pro"/>
               </a:rPr>
-              <a:t>  &lt;</a:t>
-            </a:r>
-            <a:r>
-              <a:rPr lang="en-US" sz="3000" dirty="0" smtClean="0">
-                <a:latin typeface="Source Code Pro"/>
-                <a:ea typeface="ＭＳ Ｐゴシック" charset="0"/>
-                <a:cs typeface="Source Code Pro"/>
-              </a:rPr>
-              <a:t>/script&gt;</a:t>
+              <a:t>  &lt;/script&gt;</a:t>
             </a:r>
             <a:endParaRPr lang="en-US" sz="3000" dirty="0">
               <a:latin typeface="Source Code Pro"/>
@@ -21687,7 +21604,7 @@
     </p:spTree>
     <p:extLst>
       <p:ext uri="{BB962C8B-B14F-4D97-AF65-F5344CB8AC3E}">
-        <p14:creationId xmlns="" xmlns:a="http://schemas.openxmlformats.org/drawingml/2006/main" xmlns:r="http://schemas.openxmlformats.org/officeDocument/2006/relationships" xmlns:p="http://schemas.openxmlformats.org/presentationml/2006/main" xmlns:p14="http://schemas.microsoft.com/office/powerpoint/2010/main" xmlns:mv="urn:schemas-microsoft-com:mac:vml" xmlns:mc="http://schemas.openxmlformats.org/markup-compatibility/2006" val="964505165"/>
+        <p14:creationId xmlns:mc="http://schemas.openxmlformats.org/markup-compatibility/2006" xmlns:mv="urn:schemas-microsoft-com:mac:vml" xmlns:p14="http://schemas.microsoft.com/office/powerpoint/2010/main" xmlns:p="http://schemas.openxmlformats.org/presentationml/2006/main" xmlns:r="http://schemas.openxmlformats.org/officeDocument/2006/relationships" xmlns:a="http://schemas.openxmlformats.org/drawingml/2006/main" xmlns="" val="964505165"/>
       </p:ext>
     </p:extLst>
   </p:cSld>
@@ -21799,7 +21716,7 @@
     </p:spTree>
     <p:extLst>
       <p:ext uri="{BB962C8B-B14F-4D97-AF65-F5344CB8AC3E}">
-        <p14:creationId xmlns="" xmlns:a="http://schemas.openxmlformats.org/drawingml/2006/main" xmlns:r="http://schemas.openxmlformats.org/officeDocument/2006/relationships" xmlns:p="http://schemas.openxmlformats.org/presentationml/2006/main" xmlns:p14="http://schemas.microsoft.com/office/powerpoint/2010/main" xmlns:mv="urn:schemas-microsoft-com:mac:vml" xmlns:mc="http://schemas.openxmlformats.org/markup-compatibility/2006" val="3823753125"/>
+        <p14:creationId xmlns:mc="http://schemas.openxmlformats.org/markup-compatibility/2006" xmlns:mv="urn:schemas-microsoft-com:mac:vml" xmlns:p14="http://schemas.microsoft.com/office/powerpoint/2010/main" xmlns:p="http://schemas.openxmlformats.org/presentationml/2006/main" xmlns:r="http://schemas.openxmlformats.org/officeDocument/2006/relationships" xmlns:a="http://schemas.openxmlformats.org/drawingml/2006/main" xmlns="" val="3823753125"/>
       </p:ext>
     </p:extLst>
   </p:cSld>
@@ -21898,7 +21815,7 @@
     </p:spTree>
     <p:extLst>
       <p:ext uri="{BB962C8B-B14F-4D97-AF65-F5344CB8AC3E}">
-        <p14:creationId xmlns="" xmlns:a="http://schemas.openxmlformats.org/drawingml/2006/main" xmlns:r="http://schemas.openxmlformats.org/officeDocument/2006/relationships" xmlns:p="http://schemas.openxmlformats.org/presentationml/2006/main" xmlns:p14="http://schemas.microsoft.com/office/powerpoint/2010/main" xmlns:mv="urn:schemas-microsoft-com:mac:vml" xmlns:mc="http://schemas.openxmlformats.org/markup-compatibility/2006" val="1330711243"/>
+        <p14:creationId xmlns:mc="http://schemas.openxmlformats.org/markup-compatibility/2006" xmlns:mv="urn:schemas-microsoft-com:mac:vml" xmlns:p14="http://schemas.microsoft.com/office/powerpoint/2010/main" xmlns:p="http://schemas.openxmlformats.org/presentationml/2006/main" xmlns:r="http://schemas.openxmlformats.org/officeDocument/2006/relationships" xmlns:a="http://schemas.openxmlformats.org/drawingml/2006/main" xmlns="" val="1330711243"/>
       </p:ext>
     </p:extLst>
   </p:cSld>
@@ -22018,14 +21935,7 @@
                 <a:latin typeface="Arial" pitchFamily="-105" charset="0"/>
                 <a:ea typeface="ＭＳ Ｐゴシック" pitchFamily="-105" charset="-128"/>
               </a:rPr>
-              <a:t>Simplifies your coding and saves typos/</a:t>
-            </a:r>
-            <a:r>
-              <a:rPr lang="en-US" sz="3200" dirty="0" smtClean="0">
-                <a:latin typeface="Arial" pitchFamily="-105" charset="0"/>
-                <a:ea typeface="ＭＳ Ｐゴシック" pitchFamily="-105" charset="-128"/>
-              </a:rPr>
-              <a:t>errors</a:t>
+              <a:t>Simplifies your coding and saves typos/errors</a:t>
             </a:r>
           </a:p>
           <a:p>
@@ -22051,10 +21961,6 @@
               </a:rPr>
               <a:t> object is defined in the wrapper, and then you reference values in this function</a:t>
             </a:r>
-            <a:endParaRPr lang="en-US" sz="3200" dirty="0" smtClean="0">
-              <a:latin typeface="Arial" pitchFamily="-105" charset="0"/>
-              <a:ea typeface="ＭＳ Ｐゴシック" pitchFamily="-105" charset="-128"/>
-            </a:endParaRPr>
           </a:p>
           <a:p>
             <a:r>
@@ -22132,11 +22038,6 @@
               </a:rPr>
               <a:t>"&gt;&lt;/script&gt;</a:t>
             </a:r>
-            <a:endParaRPr lang="en-US" sz="3200" dirty="0" smtClean="0">
-              <a:latin typeface="Source Code Pro"/>
-              <a:ea typeface="ＭＳ Ｐゴシック" pitchFamily="-105" charset="-128"/>
-              <a:cs typeface="Source Code Pro"/>
-            </a:endParaRPr>
           </a:p>
           <a:p>
             <a:pPr>
@@ -22186,7 +22087,7 @@
     </p:spTree>
     <p:extLst>
       <p:ext uri="{BB962C8B-B14F-4D97-AF65-F5344CB8AC3E}">
-        <p14:creationId xmlns="" xmlns:a="http://schemas.openxmlformats.org/drawingml/2006/main" xmlns:r="http://schemas.openxmlformats.org/officeDocument/2006/relationships" xmlns:p="http://schemas.openxmlformats.org/presentationml/2006/main" xmlns:p14="http://schemas.microsoft.com/office/powerpoint/2010/main" xmlns:mv="urn:schemas-microsoft-com:mac:vml" xmlns:mc="http://schemas.openxmlformats.org/markup-compatibility/2006" val="230950290"/>
+        <p14:creationId xmlns:mc="http://schemas.openxmlformats.org/markup-compatibility/2006" xmlns:mv="urn:schemas-microsoft-com:mac:vml" xmlns:p14="http://schemas.microsoft.com/office/powerpoint/2010/main" xmlns:p="http://schemas.openxmlformats.org/presentationml/2006/main" xmlns:r="http://schemas.openxmlformats.org/officeDocument/2006/relationships" xmlns:a="http://schemas.openxmlformats.org/drawingml/2006/main" xmlns="" val="230950290"/>
       </p:ext>
     </p:extLst>
   </p:cSld>
@@ -22385,14 +22286,7 @@
                 <a:latin typeface="Source Code Pro"/>
                 <a:cs typeface="Source Code Pro"/>
               </a:rPr>
-              <a:t> </a:t>
-            </a:r>
-            <a:r>
-              <a:rPr lang="en-US" sz="3200" dirty="0" smtClean="0">
-                <a:latin typeface="Source Code Pro"/>
-                <a:cs typeface="Source Code Pro"/>
-              </a:rPr>
-              <a:t>=</a:t>
+              <a:t> =</a:t>
             </a:r>
             <a:br>
               <a:rPr lang="en-US" sz="3200" dirty="0" smtClean="0">
@@ -22449,14 +22343,7 @@
                 <a:latin typeface="Source Code Pro"/>
                 <a:cs typeface="Source Code Pro"/>
               </a:rPr>
-              <a:t> </a:t>
-            </a:r>
-            <a:r>
-              <a:rPr lang="en-US" sz="3200" dirty="0" smtClean="0">
-                <a:latin typeface="Source Code Pro"/>
-                <a:cs typeface="Source Code Pro"/>
-              </a:rPr>
-              <a:t>=</a:t>
+              <a:t> =</a:t>
             </a:r>
             <a:br>
               <a:rPr lang="en-US" sz="3200" dirty="0" smtClean="0">
@@ -22535,7 +22422,7 @@
     </p:spTree>
     <p:extLst>
       <p:ext uri="{BB962C8B-B14F-4D97-AF65-F5344CB8AC3E}">
-        <p14:creationId xmlns="" xmlns:a="http://schemas.openxmlformats.org/drawingml/2006/main" xmlns:r="http://schemas.openxmlformats.org/officeDocument/2006/relationships" xmlns:p="http://schemas.openxmlformats.org/presentationml/2006/main" xmlns:p14="http://schemas.microsoft.com/office/powerpoint/2010/main" xmlns:mv="urn:schemas-microsoft-com:mac:vml" xmlns:mc="http://schemas.openxmlformats.org/markup-compatibility/2006" val="1646369423"/>
+        <p14:creationId xmlns:mc="http://schemas.openxmlformats.org/markup-compatibility/2006" xmlns:mv="urn:schemas-microsoft-com:mac:vml" xmlns:p14="http://schemas.microsoft.com/office/powerpoint/2010/main" xmlns:p="http://schemas.openxmlformats.org/presentationml/2006/main" xmlns:r="http://schemas.openxmlformats.org/officeDocument/2006/relationships" xmlns:a="http://schemas.openxmlformats.org/drawingml/2006/main" xmlns="" val="1646369423"/>
       </p:ext>
     </p:extLst>
   </p:cSld>
@@ -22647,7 +22534,7 @@
     </p:spTree>
     <p:extLst>
       <p:ext uri="{BB962C8B-B14F-4D97-AF65-F5344CB8AC3E}">
-        <p14:creationId xmlns="" xmlns:a="http://schemas.openxmlformats.org/drawingml/2006/main" xmlns:r="http://schemas.openxmlformats.org/officeDocument/2006/relationships" xmlns:p="http://schemas.openxmlformats.org/presentationml/2006/main" xmlns:p14="http://schemas.microsoft.com/office/powerpoint/2010/main" xmlns:mv="urn:schemas-microsoft-com:mac:vml" xmlns:mc="http://schemas.openxmlformats.org/markup-compatibility/2006" val="3623765192"/>
+        <p14:creationId xmlns:mc="http://schemas.openxmlformats.org/markup-compatibility/2006" xmlns:mv="urn:schemas-microsoft-com:mac:vml" xmlns:p14="http://schemas.microsoft.com/office/powerpoint/2010/main" xmlns:p="http://schemas.openxmlformats.org/presentationml/2006/main" xmlns:r="http://schemas.openxmlformats.org/officeDocument/2006/relationships" xmlns:a="http://schemas.openxmlformats.org/drawingml/2006/main" xmlns="" val="3623765192"/>
       </p:ext>
     </p:extLst>
   </p:cSld>
@@ -22746,7 +22633,7 @@
     </p:spTree>
     <p:extLst>
       <p:ext uri="{BB962C8B-B14F-4D97-AF65-F5344CB8AC3E}">
-        <p14:creationId xmlns="" xmlns:a="http://schemas.openxmlformats.org/drawingml/2006/main" xmlns:r="http://schemas.openxmlformats.org/officeDocument/2006/relationships" xmlns:p="http://schemas.openxmlformats.org/presentationml/2006/main" xmlns:p14="http://schemas.microsoft.com/office/powerpoint/2010/main" xmlns:mv="urn:schemas-microsoft-com:mac:vml" xmlns:mc="http://schemas.openxmlformats.org/markup-compatibility/2006" val="3749840555"/>
+        <p14:creationId xmlns:mc="http://schemas.openxmlformats.org/markup-compatibility/2006" xmlns:mv="urn:schemas-microsoft-com:mac:vml" xmlns:p14="http://schemas.microsoft.com/office/powerpoint/2010/main" xmlns:p="http://schemas.openxmlformats.org/presentationml/2006/main" xmlns:r="http://schemas.openxmlformats.org/officeDocument/2006/relationships" xmlns:a="http://schemas.openxmlformats.org/drawingml/2006/main" xmlns="" val="3749840555"/>
       </p:ext>
     </p:extLst>
   </p:cSld>
@@ -22805,14 +22692,14 @@
           </a:ln>
           <a:extLst>
             <a:ext uri="{909E8E84-426E-40dd-AFC4-6F175D3DCCD1}">
-              <a14:hiddenFill xmlns="" xmlns:a="http://schemas.openxmlformats.org/drawingml/2006/main" xmlns:r="http://schemas.openxmlformats.org/officeDocument/2006/relationships" xmlns:p="http://schemas.openxmlformats.org/presentationml/2006/main" xmlns:a14="http://schemas.microsoft.com/office/drawing/2010/main" xmlns:mv="urn:schemas-microsoft-com:mac:vml" xmlns:mc="http://schemas.openxmlformats.org/markup-compatibility/2006">
+              <a14:hiddenFill xmlns:mc="http://schemas.openxmlformats.org/markup-compatibility/2006" xmlns:mv="urn:schemas-microsoft-com:mac:vml" xmlns:a14="http://schemas.microsoft.com/office/drawing/2010/main" xmlns:p="http://schemas.openxmlformats.org/presentationml/2006/main" xmlns:r="http://schemas.openxmlformats.org/officeDocument/2006/relationships" xmlns:a="http://schemas.openxmlformats.org/drawingml/2006/main" xmlns="">
                 <a:solidFill>
                   <a:srgbClr val="FFFFFF"/>
                 </a:solidFill>
               </a14:hiddenFill>
             </a:ext>
             <a:ext uri="{91240B29-F687-4f45-9708-019B960494DF}">
-              <a14:hiddenLine xmlns="" xmlns:a="http://schemas.openxmlformats.org/drawingml/2006/main" xmlns:r="http://schemas.openxmlformats.org/officeDocument/2006/relationships" xmlns:p="http://schemas.openxmlformats.org/presentationml/2006/main" xmlns:a14="http://schemas.microsoft.com/office/drawing/2010/main" xmlns:mv="urn:schemas-microsoft-com:mac:vml" xmlns:mc="http://schemas.openxmlformats.org/markup-compatibility/2006" w="9525">
+              <a14:hiddenLine xmlns:mc="http://schemas.openxmlformats.org/markup-compatibility/2006" xmlns:mv="urn:schemas-microsoft-com:mac:vml" xmlns:a14="http://schemas.microsoft.com/office/drawing/2010/main" xmlns:p="http://schemas.openxmlformats.org/presentationml/2006/main" xmlns:r="http://schemas.openxmlformats.org/officeDocument/2006/relationships" xmlns:a="http://schemas.openxmlformats.org/drawingml/2006/main" xmlns="" w="9525">
                 <a:solidFill>
                   <a:srgbClr val="000000"/>
                 </a:solidFill>
@@ -23127,7 +23014,7 @@
     </p:spTree>
     <p:extLst>
       <p:ext uri="{BB962C8B-B14F-4D97-AF65-F5344CB8AC3E}">
-        <p14:creationId xmlns="" xmlns:a="http://schemas.openxmlformats.org/drawingml/2006/main" xmlns:r="http://schemas.openxmlformats.org/officeDocument/2006/relationships" xmlns:p="http://schemas.openxmlformats.org/presentationml/2006/main" xmlns:p14="http://schemas.microsoft.com/office/powerpoint/2010/main" xmlns:mv="urn:schemas-microsoft-com:mac:vml" xmlns:mc="http://schemas.openxmlformats.org/markup-compatibility/2006" val="3364162847"/>
+        <p14:creationId xmlns:mc="http://schemas.openxmlformats.org/markup-compatibility/2006" xmlns:mv="urn:schemas-microsoft-com:mac:vml" xmlns:p14="http://schemas.microsoft.com/office/powerpoint/2010/main" xmlns:p="http://schemas.openxmlformats.org/presentationml/2006/main" xmlns:r="http://schemas.openxmlformats.org/officeDocument/2006/relationships" xmlns:a="http://schemas.openxmlformats.org/drawingml/2006/main" xmlns="" val="3364162847"/>
       </p:ext>
     </p:extLst>
   </p:cSld>
@@ -23370,14 +23257,14 @@
           </a:ln>
           <a:extLst>
             <a:ext uri="{909E8E84-426E-40dd-AFC4-6F175D3DCCD1}">
-              <a14:hiddenFill xmlns="" xmlns:a="http://schemas.openxmlformats.org/drawingml/2006/main" xmlns:r="http://schemas.openxmlformats.org/officeDocument/2006/relationships" xmlns:p="http://schemas.openxmlformats.org/presentationml/2006/main" xmlns:a14="http://schemas.microsoft.com/office/drawing/2010/main" xmlns:mv="urn:schemas-microsoft-com:mac:vml" xmlns:mc="http://schemas.openxmlformats.org/markup-compatibility/2006">
+              <a14:hiddenFill xmlns:mc="http://schemas.openxmlformats.org/markup-compatibility/2006" xmlns:mv="urn:schemas-microsoft-com:mac:vml" xmlns:a14="http://schemas.microsoft.com/office/drawing/2010/main" xmlns:p="http://schemas.openxmlformats.org/presentationml/2006/main" xmlns:r="http://schemas.openxmlformats.org/officeDocument/2006/relationships" xmlns:a="http://schemas.openxmlformats.org/drawingml/2006/main" xmlns="">
                 <a:solidFill>
                   <a:srgbClr val="FFFFFF"/>
                 </a:solidFill>
               </a14:hiddenFill>
             </a:ext>
             <a:ext uri="{91240B29-F687-4f45-9708-019B960494DF}">
-              <a14:hiddenLine xmlns="" xmlns:a="http://schemas.openxmlformats.org/drawingml/2006/main" xmlns:r="http://schemas.openxmlformats.org/officeDocument/2006/relationships" xmlns:p="http://schemas.openxmlformats.org/presentationml/2006/main" xmlns:a14="http://schemas.microsoft.com/office/drawing/2010/main" xmlns:mv="urn:schemas-microsoft-com:mac:vml" xmlns:mc="http://schemas.openxmlformats.org/markup-compatibility/2006" w="9525">
+              <a14:hiddenLine xmlns:mc="http://schemas.openxmlformats.org/markup-compatibility/2006" xmlns:mv="urn:schemas-microsoft-com:mac:vml" xmlns:a14="http://schemas.microsoft.com/office/drawing/2010/main" xmlns:p="http://schemas.openxmlformats.org/presentationml/2006/main" xmlns:r="http://schemas.openxmlformats.org/officeDocument/2006/relationships" xmlns:a="http://schemas.openxmlformats.org/drawingml/2006/main" xmlns="" w="9525">
                 <a:solidFill>
                   <a:srgbClr val="000000"/>
                 </a:solidFill>
@@ -23519,7 +23406,7 @@
     </p:spTree>
     <p:extLst>
       <p:ext uri="{BB962C8B-B14F-4D97-AF65-F5344CB8AC3E}">
-        <p14:creationId xmlns="" xmlns:a="http://schemas.openxmlformats.org/drawingml/2006/main" xmlns:r="http://schemas.openxmlformats.org/officeDocument/2006/relationships" xmlns:p="http://schemas.openxmlformats.org/presentationml/2006/main" xmlns:p14="http://schemas.microsoft.com/office/powerpoint/2010/main" xmlns:mv="urn:schemas-microsoft-com:mac:vml" xmlns:mc="http://schemas.openxmlformats.org/markup-compatibility/2006" val="4088442505"/>
+        <p14:creationId xmlns:mc="http://schemas.openxmlformats.org/markup-compatibility/2006" xmlns:mv="urn:schemas-microsoft-com:mac:vml" xmlns:p14="http://schemas.microsoft.com/office/powerpoint/2010/main" xmlns:p="http://schemas.openxmlformats.org/presentationml/2006/main" xmlns:r="http://schemas.openxmlformats.org/officeDocument/2006/relationships" xmlns:a="http://schemas.openxmlformats.org/drawingml/2006/main" xmlns="" val="4088442505"/>
       </p:ext>
     </p:extLst>
   </p:cSld>
@@ -23631,7 +23518,7 @@
     </p:spTree>
     <p:extLst>
       <p:ext uri="{BB962C8B-B14F-4D97-AF65-F5344CB8AC3E}">
-        <p14:creationId xmlns="" xmlns:a="http://schemas.openxmlformats.org/drawingml/2006/main" xmlns:r="http://schemas.openxmlformats.org/officeDocument/2006/relationships" xmlns:p="http://schemas.openxmlformats.org/presentationml/2006/main" xmlns:p14="http://schemas.microsoft.com/office/powerpoint/2010/main" xmlns:mv="urn:schemas-microsoft-com:mac:vml" xmlns:mc="http://schemas.openxmlformats.org/markup-compatibility/2006" val="2293979386"/>
+        <p14:creationId xmlns:mc="http://schemas.openxmlformats.org/markup-compatibility/2006" xmlns:mv="urn:schemas-microsoft-com:mac:vml" xmlns:p14="http://schemas.microsoft.com/office/powerpoint/2010/main" xmlns:p="http://schemas.openxmlformats.org/presentationml/2006/main" xmlns:r="http://schemas.openxmlformats.org/officeDocument/2006/relationships" xmlns:a="http://schemas.openxmlformats.org/drawingml/2006/main" xmlns="" val="2293979386"/>
       </p:ext>
     </p:extLst>
   </p:cSld>
@@ -23688,14 +23575,14 @@
           </a:ln>
           <a:extLst>
             <a:ext uri="{909E8E84-426E-40dd-AFC4-6F175D3DCCD1}">
-              <a14:hiddenFill xmlns="" xmlns:a="http://schemas.openxmlformats.org/drawingml/2006/main" xmlns:r="http://schemas.openxmlformats.org/officeDocument/2006/relationships" xmlns:p="http://schemas.openxmlformats.org/presentationml/2006/main" xmlns:a14="http://schemas.microsoft.com/office/drawing/2010/main" xmlns:mv="urn:schemas-microsoft-com:mac:vml" xmlns:mc="http://schemas.openxmlformats.org/markup-compatibility/2006">
+              <a14:hiddenFill xmlns:mc="http://schemas.openxmlformats.org/markup-compatibility/2006" xmlns:mv="urn:schemas-microsoft-com:mac:vml" xmlns:a14="http://schemas.microsoft.com/office/drawing/2010/main" xmlns:p="http://schemas.openxmlformats.org/presentationml/2006/main" xmlns:r="http://schemas.openxmlformats.org/officeDocument/2006/relationships" xmlns:a="http://schemas.openxmlformats.org/drawingml/2006/main" xmlns="">
                 <a:solidFill>
                   <a:srgbClr val="FFFFFF"/>
                 </a:solidFill>
               </a14:hiddenFill>
             </a:ext>
             <a:ext uri="{91240B29-F687-4f45-9708-019B960494DF}">
-              <a14:hiddenLine xmlns="" xmlns:a="http://schemas.openxmlformats.org/drawingml/2006/main" xmlns:r="http://schemas.openxmlformats.org/officeDocument/2006/relationships" xmlns:p="http://schemas.openxmlformats.org/presentationml/2006/main" xmlns:a14="http://schemas.microsoft.com/office/drawing/2010/main" xmlns:mv="urn:schemas-microsoft-com:mac:vml" xmlns:mc="http://schemas.openxmlformats.org/markup-compatibility/2006" w="9525">
+              <a14:hiddenLine xmlns:mc="http://schemas.openxmlformats.org/markup-compatibility/2006" xmlns:mv="urn:schemas-microsoft-com:mac:vml" xmlns:a14="http://schemas.microsoft.com/office/drawing/2010/main" xmlns:p="http://schemas.openxmlformats.org/presentationml/2006/main" xmlns:r="http://schemas.openxmlformats.org/officeDocument/2006/relationships" xmlns:a="http://schemas.openxmlformats.org/drawingml/2006/main" xmlns="" w="9525">
                 <a:solidFill>
                   <a:srgbClr val="000000"/>
                 </a:solidFill>
@@ -24008,7 +23895,7 @@
     </p:spTree>
     <p:extLst>
       <p:ext uri="{BB962C8B-B14F-4D97-AF65-F5344CB8AC3E}">
-        <p14:creationId xmlns="" xmlns:a="http://schemas.openxmlformats.org/drawingml/2006/main" xmlns:r="http://schemas.openxmlformats.org/officeDocument/2006/relationships" xmlns:p="http://schemas.openxmlformats.org/presentationml/2006/main" xmlns:p14="http://schemas.microsoft.com/office/powerpoint/2010/main" xmlns:mv="urn:schemas-microsoft-com:mac:vml" xmlns:mc="http://schemas.openxmlformats.org/markup-compatibility/2006" val="1087471781"/>
+        <p14:creationId xmlns:mc="http://schemas.openxmlformats.org/markup-compatibility/2006" xmlns:mv="urn:schemas-microsoft-com:mac:vml" xmlns:p14="http://schemas.microsoft.com/office/powerpoint/2010/main" xmlns:p="http://schemas.openxmlformats.org/presentationml/2006/main" xmlns:r="http://schemas.openxmlformats.org/officeDocument/2006/relationships" xmlns:a="http://schemas.openxmlformats.org/drawingml/2006/main" xmlns="" val="1087471781"/>
       </p:ext>
     </p:extLst>
   </p:cSld>
@@ -24109,7 +23996,7 @@
     </p:spTree>
     <p:extLst>
       <p:ext uri="{BB962C8B-B14F-4D97-AF65-F5344CB8AC3E}">
-        <p14:creationId xmlns="" xmlns:a="http://schemas.openxmlformats.org/drawingml/2006/main" xmlns:r="http://schemas.openxmlformats.org/officeDocument/2006/relationships" xmlns:p="http://schemas.openxmlformats.org/presentationml/2006/main" xmlns:p14="http://schemas.microsoft.com/office/powerpoint/2010/main" xmlns:mv="urn:schemas-microsoft-com:mac:vml" xmlns:mc="http://schemas.openxmlformats.org/markup-compatibility/2006" val="2937540429"/>
+        <p14:creationId xmlns:mc="http://schemas.openxmlformats.org/markup-compatibility/2006" xmlns:mv="urn:schemas-microsoft-com:mac:vml" xmlns:p14="http://schemas.microsoft.com/office/powerpoint/2010/main" xmlns:p="http://schemas.openxmlformats.org/presentationml/2006/main" xmlns:r="http://schemas.openxmlformats.org/officeDocument/2006/relationships" xmlns:a="http://schemas.openxmlformats.org/drawingml/2006/main" xmlns="" val="2937540429"/>
       </p:ext>
     </p:extLst>
   </p:cSld>
@@ -24319,7 +24206,7 @@
     </p:spTree>
     <p:extLst>
       <p:ext uri="{BB962C8B-B14F-4D97-AF65-F5344CB8AC3E}">
-        <p14:creationId xmlns="" xmlns:a="http://schemas.openxmlformats.org/drawingml/2006/main" xmlns:r="http://schemas.openxmlformats.org/officeDocument/2006/relationships" xmlns:p="http://schemas.openxmlformats.org/presentationml/2006/main" xmlns:p14="http://schemas.microsoft.com/office/powerpoint/2010/main" xmlns:mv="urn:schemas-microsoft-com:mac:vml" xmlns:mc="http://schemas.openxmlformats.org/markup-compatibility/2006" val="506313059"/>
+        <p14:creationId xmlns:mc="http://schemas.openxmlformats.org/markup-compatibility/2006" xmlns:mv="urn:schemas-microsoft-com:mac:vml" xmlns:p14="http://schemas.microsoft.com/office/powerpoint/2010/main" xmlns:p="http://schemas.openxmlformats.org/presentationml/2006/main" xmlns:r="http://schemas.openxmlformats.org/officeDocument/2006/relationships" xmlns:a="http://schemas.openxmlformats.org/drawingml/2006/main" xmlns="" val="506313059"/>
       </p:ext>
     </p:extLst>
   </p:cSld>
@@ -24426,67 +24313,95 @@
               </a:rPr>
               <a:t>the JSON object</a:t>
             </a:r>
+            <a:endParaRPr lang="en-US" sz="3000" dirty="0" smtClean="0">
+              <a:latin typeface="Arial" charset="0"/>
+              <a:ea typeface="ＭＳ Ｐゴシック" charset="0"/>
+            </a:endParaRPr>
           </a:p>
           <a:p>
             <a:pPr lvl="1"/>
             <a:r>
-              <a:rPr lang="ja-JP" altLang="en-US" sz="3000" dirty="0">
-                <a:latin typeface="Arial" charset="0"/>
-                <a:ea typeface="ＭＳ Ｐゴシック" charset="0"/>
-              </a:rPr>
-              <a:t>“</a:t>
-            </a:r>
-            <a:r>
               <a:rPr lang="en-US" altLang="ja-JP" sz="3000" dirty="0">
-                <a:latin typeface="Arial" charset="0"/>
-                <a:ea typeface="ＭＳ Ｐゴシック" charset="0"/>
+                <a:latin typeface="Source Code Pro"/>
+                <a:ea typeface="ＭＳ Ｐゴシック" charset="0"/>
+                <a:cs typeface="Source Code Pro"/>
+              </a:rPr>
+              <a:t>"</a:t>
+            </a:r>
+            <a:r>
+              <a:rPr lang="en-US" altLang="ja-JP" sz="3000" dirty="0" smtClean="0">
+                <a:latin typeface="Source Code Pro"/>
+                <a:ea typeface="ＭＳ Ｐゴシック" charset="0"/>
+                <a:cs typeface="Source Code Pro"/>
               </a:rPr>
               <a:t>error</a:t>
             </a:r>
             <a:r>
-              <a:rPr lang="ja-JP" altLang="en-US" sz="3000" dirty="0">
-                <a:latin typeface="Arial" charset="0"/>
-                <a:ea typeface="ＭＳ Ｐゴシック" charset="0"/>
-              </a:rPr>
-              <a:t>”</a:t>
-            </a:r>
-            <a:r>
               <a:rPr lang="en-US" altLang="ja-JP" sz="3000" dirty="0">
-                <a:latin typeface="Arial" charset="0"/>
-                <a:ea typeface="ＭＳ Ｐゴシック" charset="0"/>
-              </a:rPr>
-              <a:t>: a human-readable error name or message</a:t>
-            </a:r>
+                <a:latin typeface="Source Code Pro"/>
+                <a:ea typeface="ＭＳ Ｐゴシック" charset="0"/>
+                <a:cs typeface="Source Code Pro"/>
+              </a:rPr>
+              <a:t>"</a:t>
+            </a:r>
+            <a:r>
+              <a:rPr lang="en-US" altLang="ja-JP" sz="3000" dirty="0" smtClean="0">
+                <a:latin typeface="Arial" charset="0"/>
+                <a:ea typeface="ＭＳ Ｐゴシック" charset="0"/>
+              </a:rPr>
+              <a:t>: </a:t>
+            </a:r>
+            <a:r>
+              <a:rPr lang="en-US" altLang="ja-JP" sz="3000" dirty="0">
+                <a:latin typeface="Arial" charset="0"/>
+                <a:ea typeface="ＭＳ Ｐゴシック" charset="0"/>
+              </a:rPr>
+              <a:t>a human-readable error name or message</a:t>
+            </a:r>
+            <a:endParaRPr lang="en-US" altLang="ja-JP" sz="3000" dirty="0" smtClean="0">
+              <a:latin typeface="Arial" charset="0"/>
+              <a:ea typeface="ＭＳ Ｐゴシック" charset="0"/>
+            </a:endParaRPr>
           </a:p>
           <a:p>
             <a:pPr lvl="1"/>
             <a:r>
-              <a:rPr lang="ja-JP" altLang="en-US" sz="3000" dirty="0">
-                <a:latin typeface="Arial" charset="0"/>
-                <a:ea typeface="ＭＳ Ｐゴシック" charset="0"/>
-              </a:rPr>
-              <a:t>“</a:t>
-            </a:r>
-            <a:r>
               <a:rPr lang="en-US" altLang="ja-JP" sz="3000" dirty="0">
-                <a:latin typeface="Arial" charset="0"/>
-                <a:ea typeface="ＭＳ Ｐゴシック" charset="0"/>
+                <a:latin typeface="Source Code Pro"/>
+                <a:ea typeface="ＭＳ Ｐゴシック" charset="0"/>
+                <a:cs typeface="Source Code Pro"/>
+              </a:rPr>
+              <a:t>"</a:t>
+            </a:r>
+            <a:r>
+              <a:rPr lang="en-US" altLang="ja-JP" sz="3000" dirty="0" smtClean="0">
+                <a:latin typeface="Source Code Pro"/>
+                <a:ea typeface="ＭＳ Ｐゴシック" charset="0"/>
+                <a:cs typeface="Source Code Pro"/>
               </a:rPr>
               <a:t>code</a:t>
             </a:r>
             <a:r>
-              <a:rPr lang="ja-JP" altLang="en-US" sz="3000" dirty="0">
-                <a:latin typeface="Arial" charset="0"/>
-                <a:ea typeface="ＭＳ Ｐゴシック" charset="0"/>
-              </a:rPr>
-              <a:t>”</a:t>
-            </a:r>
-            <a:r>
               <a:rPr lang="en-US" altLang="ja-JP" sz="3000" dirty="0">
-                <a:latin typeface="Arial" charset="0"/>
-                <a:ea typeface="ＭＳ Ｐゴシック" charset="0"/>
-              </a:rPr>
-              <a:t>: a numeric error code</a:t>
+                <a:latin typeface="Source Code Pro"/>
+                <a:ea typeface="ＭＳ Ｐゴシック" charset="0"/>
+                <a:cs typeface="Source Code Pro"/>
+              </a:rPr>
+              <a:t>"</a:t>
+            </a:r>
+            <a:r>
+              <a:rPr lang="en-US" altLang="ja-JP" sz="3000" dirty="0" smtClean="0">
+                <a:latin typeface="Arial" charset="0"/>
+                <a:ea typeface="ＭＳ Ｐゴシック" charset="0"/>
+              </a:rPr>
+              <a:t>: </a:t>
+            </a:r>
+            <a:r>
+              <a:rPr lang="en-US" altLang="ja-JP" sz="3000" dirty="0">
+                <a:latin typeface="Arial" charset="0"/>
+                <a:ea typeface="ＭＳ Ｐゴシック" charset="0"/>
+              </a:rPr>
+              <a:t>a numeric error code</a:t>
             </a:r>
           </a:p>
           <a:p>
@@ -24637,7 +24552,7 @@
     </p:spTree>
     <p:extLst>
       <p:ext uri="{BB962C8B-B14F-4D97-AF65-F5344CB8AC3E}">
-        <p14:creationId xmlns="" xmlns:a="http://schemas.openxmlformats.org/drawingml/2006/main" xmlns:r="http://schemas.openxmlformats.org/officeDocument/2006/relationships" xmlns:p="http://schemas.openxmlformats.org/presentationml/2006/main" xmlns:p14="http://schemas.microsoft.com/office/powerpoint/2010/main" xmlns:mv="urn:schemas-microsoft-com:mac:vml" xmlns:mc="http://schemas.openxmlformats.org/markup-compatibility/2006" val="2877626720"/>
+        <p14:creationId xmlns:mc="http://schemas.openxmlformats.org/markup-compatibility/2006" xmlns:mv="urn:schemas-microsoft-com:mac:vml" xmlns:p14="http://schemas.microsoft.com/office/powerpoint/2010/main" xmlns:p="http://schemas.openxmlformats.org/presentationml/2006/main" xmlns:r="http://schemas.openxmlformats.org/officeDocument/2006/relationships" xmlns:a="http://schemas.openxmlformats.org/drawingml/2006/main" xmlns="" val="2877626720"/>
       </p:ext>
     </p:extLst>
   </p:cSld>
@@ -24749,7 +24664,7 @@
     </p:spTree>
     <p:extLst>
       <p:ext uri="{BB962C8B-B14F-4D97-AF65-F5344CB8AC3E}">
-        <p14:creationId xmlns="" xmlns:a="http://schemas.openxmlformats.org/drawingml/2006/main" xmlns:r="http://schemas.openxmlformats.org/officeDocument/2006/relationships" xmlns:p="http://schemas.openxmlformats.org/presentationml/2006/main" xmlns:p14="http://schemas.microsoft.com/office/powerpoint/2010/main" xmlns:mv="urn:schemas-microsoft-com:mac:vml" xmlns:mc="http://schemas.openxmlformats.org/markup-compatibility/2006" val="1177759058"/>
+        <p14:creationId xmlns:mc="http://schemas.openxmlformats.org/markup-compatibility/2006" xmlns:mv="urn:schemas-microsoft-com:mac:vml" xmlns:p14="http://schemas.microsoft.com/office/powerpoint/2010/main" xmlns:p="http://schemas.openxmlformats.org/presentationml/2006/main" xmlns:r="http://schemas.openxmlformats.org/officeDocument/2006/relationships" xmlns:a="http://schemas.openxmlformats.org/drawingml/2006/main" xmlns="" val="1177759058"/>
       </p:ext>
     </p:extLst>
   </p:cSld>
@@ -24848,7 +24763,7 @@
     </p:spTree>
     <p:extLst>
       <p:ext uri="{BB962C8B-B14F-4D97-AF65-F5344CB8AC3E}">
-        <p14:creationId xmlns="" xmlns:a="http://schemas.openxmlformats.org/drawingml/2006/main" xmlns:r="http://schemas.openxmlformats.org/officeDocument/2006/relationships" xmlns:p="http://schemas.openxmlformats.org/presentationml/2006/main" xmlns:p14="http://schemas.microsoft.com/office/powerpoint/2010/main" xmlns:mv="urn:schemas-microsoft-com:mac:vml" xmlns:mc="http://schemas.openxmlformats.org/markup-compatibility/2006" val="2593889264"/>
+        <p14:creationId xmlns:mc="http://schemas.openxmlformats.org/markup-compatibility/2006" xmlns:mv="urn:schemas-microsoft-com:mac:vml" xmlns:p14="http://schemas.microsoft.com/office/powerpoint/2010/main" xmlns:p="http://schemas.openxmlformats.org/presentationml/2006/main" xmlns:r="http://schemas.openxmlformats.org/officeDocument/2006/relationships" xmlns:a="http://schemas.openxmlformats.org/drawingml/2006/main" xmlns="" val="2593889264"/>
       </p:ext>
     </p:extLst>
   </p:cSld>
@@ -25178,7 +25093,7 @@
     </p:spTree>
     <p:extLst>
       <p:ext uri="{BB962C8B-B14F-4D97-AF65-F5344CB8AC3E}">
-        <p14:creationId xmlns="" xmlns:a="http://schemas.openxmlformats.org/drawingml/2006/main" xmlns:r="http://schemas.openxmlformats.org/officeDocument/2006/relationships" xmlns:p="http://schemas.openxmlformats.org/presentationml/2006/main" xmlns:p14="http://schemas.microsoft.com/office/powerpoint/2010/main" xmlns:mv="urn:schemas-microsoft-com:mac:vml" xmlns:mc="http://schemas.openxmlformats.org/markup-compatibility/2006" val="1547261103"/>
+        <p14:creationId xmlns:mc="http://schemas.openxmlformats.org/markup-compatibility/2006" xmlns:mv="urn:schemas-microsoft-com:mac:vml" xmlns:p14="http://schemas.microsoft.com/office/powerpoint/2010/main" xmlns:p="http://schemas.openxmlformats.org/presentationml/2006/main" xmlns:r="http://schemas.openxmlformats.org/officeDocument/2006/relationships" xmlns:a="http://schemas.openxmlformats.org/drawingml/2006/main" xmlns="" val="1547261103"/>
       </p:ext>
     </p:extLst>
   </p:cSld>
@@ -25278,14 +25193,7 @@
                 <a:latin typeface="Arial" charset="0"/>
                 <a:ea typeface="ＭＳ Ｐゴシック" charset="0"/>
               </a:rPr>
-              <a:t>Limit response size by using the</a:t>
-            </a:r>
-            <a:r>
-              <a:rPr lang="en-US" sz="3000" dirty="0" smtClean="0">
-                <a:latin typeface="Arial" charset="0"/>
-                <a:ea typeface="ＭＳ Ｐゴシック" charset="0"/>
-              </a:rPr>
-              <a:t> </a:t>
+              <a:t>Limit response size by using the </a:t>
             </a:r>
             <a:r>
               <a:rPr lang="en-US" sz="3000" dirty="0" smtClean="0">
@@ -25332,10 +25240,6 @@
               </a:rPr>
               <a:t>parameters</a:t>
             </a:r>
-            <a:endParaRPr lang="en-US" sz="3000" dirty="0" smtClean="0">
-              <a:latin typeface="Arial" charset="0"/>
-              <a:ea typeface="ＭＳ Ｐゴシック" charset="0"/>
-            </a:endParaRPr>
           </a:p>
           <a:p>
             <a:pPr lvl="1"/>
@@ -25352,42 +25256,21 @@
                 <a:latin typeface="Arial" charset="0"/>
                 <a:ea typeface="ＭＳ Ｐゴシック" charset="0"/>
               </a:rPr>
-              <a:t>–</a:t>
+              <a:t>– all </a:t>
+            </a:r>
+            <a:r>
+              <a:rPr lang="en-US" sz="3000" dirty="0" err="1" smtClean="0">
+                <a:latin typeface="Arial" charset="0"/>
+                <a:ea typeface="ＭＳ Ｐゴシック" charset="0"/>
+              </a:rPr>
+              <a:t>field:value</a:t>
             </a:r>
             <a:r>
               <a:rPr lang="en-US" sz="3000" dirty="0" smtClean="0">
                 <a:latin typeface="Arial" charset="0"/>
                 <a:ea typeface="ＭＳ Ｐゴシック" charset="0"/>
               </a:rPr>
-              <a:t> all </a:t>
-            </a:r>
-            <a:r>
-              <a:rPr lang="en-US" sz="3000" dirty="0" err="1" smtClean="0">
-                <a:latin typeface="Arial" charset="0"/>
-                <a:ea typeface="ＭＳ Ｐゴシック" charset="0"/>
-              </a:rPr>
-              <a:t>field:value</a:t>
-            </a:r>
-            <a:r>
-              <a:rPr lang="en-US" sz="3000" dirty="0" smtClean="0">
-                <a:latin typeface="Arial" charset="0"/>
-                <a:ea typeface="ＭＳ Ｐゴシック" charset="0"/>
-              </a:rPr>
-              <a:t> </a:t>
-            </a:r>
-            <a:r>
-              <a:rPr lang="en-US" sz="3000" dirty="0" smtClean="0">
-                <a:latin typeface="Arial" charset="0"/>
-                <a:ea typeface="ＭＳ Ｐゴシック" charset="0"/>
-              </a:rPr>
-              <a:t>pairs that MUST be </a:t>
-            </a:r>
-            <a:r>
-              <a:rPr lang="en-US" sz="3000" dirty="0" smtClean="0">
-                <a:latin typeface="Arial" charset="0"/>
-                <a:ea typeface="ＭＳ Ｐゴシック" charset="0"/>
-              </a:rPr>
-              <a:t>present – logical AND</a:t>
+              <a:t> pairs that MUST be present – logical AND</a:t>
             </a:r>
           </a:p>
           <a:p>
@@ -25419,14 +25302,7 @@
                 <a:latin typeface="Arial" charset="0"/>
                 <a:ea typeface="ＭＳ Ｐゴシック" charset="0"/>
               </a:rPr>
-              <a:t> pair MUST be </a:t>
-            </a:r>
-            <a:r>
-              <a:rPr lang="en-US" sz="3000" dirty="0" smtClean="0">
-                <a:latin typeface="Arial" charset="0"/>
-                <a:ea typeface="ＭＳ Ｐゴシック" charset="0"/>
-              </a:rPr>
-              <a:t>present – logical OR</a:t>
+              <a:t> pair MUST be present – logical OR</a:t>
             </a:r>
           </a:p>
           <a:p>
@@ -25444,42 +25320,21 @@
                 <a:latin typeface="Arial" charset="0"/>
                 <a:ea typeface="ＭＳ Ｐゴシック" charset="0"/>
               </a:rPr>
-              <a:t>–</a:t>
+              <a:t>– </a:t>
+            </a:r>
+            <a:r>
+              <a:rPr lang="en-US" sz="3000" dirty="0" err="1" smtClean="0">
+                <a:latin typeface="Arial" charset="0"/>
+                <a:ea typeface="ＭＳ Ｐゴシック" charset="0"/>
+              </a:rPr>
+              <a:t>field:value</a:t>
             </a:r>
             <a:r>
               <a:rPr lang="en-US" sz="3000" dirty="0" smtClean="0">
                 <a:latin typeface="Arial" charset="0"/>
                 <a:ea typeface="ＭＳ Ｐゴシック" charset="0"/>
               </a:rPr>
-              <a:t> </a:t>
-            </a:r>
-            <a:r>
-              <a:rPr lang="en-US" sz="3000" dirty="0" err="1" smtClean="0">
-                <a:latin typeface="Arial" charset="0"/>
-                <a:ea typeface="ＭＳ Ｐゴシック" charset="0"/>
-              </a:rPr>
-              <a:t>field:value</a:t>
-            </a:r>
-            <a:r>
-              <a:rPr lang="en-US" sz="3000" dirty="0" smtClean="0">
-                <a:latin typeface="Arial" charset="0"/>
-                <a:ea typeface="ＭＳ Ｐゴシック" charset="0"/>
-              </a:rPr>
-              <a:t> </a:t>
-            </a:r>
-            <a:r>
-              <a:rPr lang="en-US" sz="3000" dirty="0" smtClean="0">
-                <a:latin typeface="Arial" charset="0"/>
-                <a:ea typeface="ＭＳ Ｐゴシック" charset="0"/>
-              </a:rPr>
-              <a:t>pairs that must NOT be </a:t>
-            </a:r>
-            <a:r>
-              <a:rPr lang="en-US" sz="3000" dirty="0" smtClean="0">
-                <a:latin typeface="Arial" charset="0"/>
-                <a:ea typeface="ＭＳ Ｐゴシック" charset="0"/>
-              </a:rPr>
-              <a:t>present – logical AND</a:t>
+              <a:t> pairs that must NOT be present – logical AND</a:t>
             </a:r>
           </a:p>
           <a:p>
@@ -25709,7 +25564,7 @@
     </p:spTree>
     <p:extLst>
       <p:ext uri="{BB962C8B-B14F-4D97-AF65-F5344CB8AC3E}">
-        <p14:creationId xmlns="" xmlns:a="http://schemas.openxmlformats.org/drawingml/2006/main" xmlns:r="http://schemas.openxmlformats.org/officeDocument/2006/relationships" xmlns:p="http://schemas.openxmlformats.org/presentationml/2006/main" xmlns:p14="http://schemas.microsoft.com/office/powerpoint/2010/main" xmlns:mv="urn:schemas-microsoft-com:mac:vml" xmlns:mc="http://schemas.openxmlformats.org/markup-compatibility/2006" val="1843576761"/>
+        <p14:creationId xmlns:mc="http://schemas.openxmlformats.org/markup-compatibility/2006" xmlns:mv="urn:schemas-microsoft-com:mac:vml" xmlns:p14="http://schemas.microsoft.com/office/powerpoint/2010/main" xmlns:p="http://schemas.openxmlformats.org/presentationml/2006/main" xmlns:r="http://schemas.openxmlformats.org/officeDocument/2006/relationships" xmlns:a="http://schemas.openxmlformats.org/drawingml/2006/main" xmlns="" val="1843576761"/>
       </p:ext>
     </p:extLst>
   </p:cSld>
@@ -25775,14 +25630,7 @@
                 <a:latin typeface="Arial" charset="0"/>
                 <a:ea typeface="ＭＳ Ｐゴシック" charset="0"/>
               </a:rPr>
-              <a:t>Size by search </a:t>
-            </a:r>
-            <a:r>
-              <a:rPr lang="en-US" dirty="0" smtClean="0">
-                <a:latin typeface="Arial" charset="0"/>
-                <a:ea typeface="ＭＳ Ｐゴシック" charset="0"/>
-              </a:rPr>
-              <a:t>criteria (cont)</a:t>
+              <a:t>Size by search criteria (cont)</a:t>
             </a:r>
             <a:endParaRPr lang="en-US" dirty="0">
               <a:latin typeface="Arial" charset="0"/>
@@ -25816,14 +25664,23 @@
                 <a:latin typeface="Arial" charset="0"/>
                 <a:ea typeface="ＭＳ Ｐゴシック" charset="0"/>
               </a:rPr>
-              <a:t>Limit response size by using the "all</a:t>
+              <a:t>Limit response size by using the "all", "any" or "none" </a:t>
             </a:r>
             <a:r>
               <a:rPr lang="en-US" sz="3000" dirty="0" smtClean="0">
                 <a:latin typeface="Arial" charset="0"/>
                 <a:ea typeface="ＭＳ Ｐゴシック" charset="0"/>
               </a:rPr>
-              <a:t>", "any" or "none" parameters</a:t>
+              <a:t>parameters</a:t>
+            </a:r>
+          </a:p>
+          <a:p>
+            <a:r>
+              <a:rPr lang="en-US" sz="3000" dirty="0" smtClean="0">
+                <a:latin typeface="Arial" charset="0"/>
+                <a:ea typeface="ＭＳ Ｐゴシック" charset="0"/>
+              </a:rPr>
+              <a:t>An input array is translated by BCMAPI as separate parameter pairs</a:t>
             </a:r>
           </a:p>
           <a:p>
@@ -25856,7 +25713,7 @@
                 <a:ea typeface="ＭＳ Ｐゴシック" charset="0"/>
                 <a:cs typeface="Source Code Pro"/>
               </a:rPr>
-              <a:t>all</a:t>
+              <a:t>&amp;all</a:t>
             </a:r>
             <a:r>
               <a:rPr lang="en-US" sz="3000" dirty="0" smtClean="0">
@@ -25936,7 +25793,15 @@
                 <a:ea typeface="ＭＳ Ｐゴシック" charset="0"/>
                 <a:cs typeface="Source Code Pro"/>
               </a:rPr>
-              <a:t>	any=</a:t>
+              <a:t>	&amp;any</a:t>
+            </a:r>
+            <a:r>
+              <a:rPr lang="en-US" sz="3000" dirty="0" smtClean="0">
+                <a:latin typeface="Source Code Pro"/>
+                <a:ea typeface="ＭＳ Ｐゴシック" charset="0"/>
+                <a:cs typeface="Source Code Pro"/>
+              </a:rPr>
+              <a:t>=</a:t>
             </a:r>
             <a:r>
               <a:rPr lang="en-US" sz="3000" dirty="0" err="1" smtClean="0">
@@ -25976,21 +25841,7 @@
                 <a:latin typeface="Arial" charset="0"/>
                 <a:ea typeface="ＭＳ Ｐゴシック" charset="0"/>
               </a:rPr>
-              <a:t>(returns videos that have</a:t>
-            </a:r>
-            <a:r>
-              <a:rPr lang="en-US" sz="3000" dirty="0" smtClean="0">
-                <a:latin typeface="Arial" charset="0"/>
-                <a:ea typeface="ＭＳ Ｐゴシック" charset="0"/>
-              </a:rPr>
-              <a:t> either </a:t>
-            </a:r>
-            <a:r>
-              <a:rPr lang="en-US" sz="3000" dirty="0" smtClean="0">
-                <a:latin typeface="Arial" charset="0"/>
-                <a:ea typeface="ＭＳ Ｐゴシック" charset="0"/>
-              </a:rPr>
-              <a:t>a tag value of sea and a value of fish) </a:t>
+              <a:t>(returns videos that have either a tag value of sea and a value of fish) </a:t>
             </a:r>
             <a:endParaRPr lang="en-US" sz="3000" dirty="0" smtClean="0">
               <a:latin typeface="Source Code Pro"/>
@@ -26026,7 +25877,15 @@
                 <a:ea typeface="ＭＳ Ｐゴシック" charset="0"/>
                 <a:cs typeface="Source Code Pro"/>
               </a:rPr>
-              <a:t>	none=</a:t>
+              <a:t>	&amp;none</a:t>
+            </a:r>
+            <a:r>
+              <a:rPr lang="en-US" sz="3000" dirty="0" smtClean="0">
+                <a:latin typeface="Source Code Pro"/>
+                <a:ea typeface="ＭＳ Ｐゴシック" charset="0"/>
+                <a:cs typeface="Source Code Pro"/>
+              </a:rPr>
+              <a:t>=</a:t>
             </a:r>
             <a:r>
               <a:rPr lang="en-US" sz="3000" dirty="0" err="1" smtClean="0">
@@ -26058,63 +25917,33 @@
                 <a:latin typeface="Arial" charset="0"/>
                 <a:ea typeface="ＭＳ Ｐゴシック" charset="0"/>
               </a:rPr>
-              <a:t>	(</a:t>
-            </a:r>
-            <a:r>
-              <a:rPr lang="en-US" sz="3000" dirty="0" smtClean="0">
-                <a:latin typeface="Arial" charset="0"/>
-                <a:ea typeface="ＭＳ Ｐゴシック" charset="0"/>
-              </a:rPr>
-              <a:t>returns videos that have</a:t>
-            </a:r>
-            <a:r>
-              <a:rPr lang="en-US" sz="3000" dirty="0" smtClean="0">
-                <a:latin typeface="Arial" charset="0"/>
-                <a:ea typeface="ＭＳ Ｐゴシック" charset="0"/>
-              </a:rPr>
-              <a:t> neither </a:t>
-            </a:r>
-            <a:r>
-              <a:rPr lang="en-US" sz="3000" dirty="0" smtClean="0">
-                <a:latin typeface="Arial" charset="0"/>
-                <a:ea typeface="ＭＳ Ｐゴシック" charset="0"/>
-              </a:rPr>
-              <a:t>a tag value of sea</a:t>
-            </a:r>
-            <a:r>
-              <a:rPr lang="en-US" sz="3000" dirty="0" smtClean="0">
-                <a:latin typeface="Arial" charset="0"/>
-                <a:ea typeface="ＭＳ Ｐゴシック" charset="0"/>
-              </a:rPr>
-              <a:t> nor </a:t>
-            </a:r>
-            <a:r>
-              <a:rPr lang="en-US" sz="3000" dirty="0" smtClean="0">
-                <a:latin typeface="Arial" charset="0"/>
-                <a:ea typeface="ＭＳ Ｐゴシック" charset="0"/>
-              </a:rPr>
-              <a:t>a value of fish) </a:t>
-            </a:r>
-            <a:r>
-              <a:rPr lang="en-US" sz="3000" dirty="0" smtClean="0">
-                <a:latin typeface="Source Code Pro"/>
-                <a:ea typeface="ＭＳ Ｐゴシック" charset="0"/>
-                <a:cs typeface="Source Code Pro"/>
+              <a:t>	(returns videos that have neither a tag value of sea nor a value of fish</a:t>
+            </a:r>
+            <a:r>
+              <a:rPr lang="en-US" sz="3000" smtClean="0">
+                <a:latin typeface="Arial" charset="0"/>
+                <a:ea typeface="ＭＳ Ｐゴシック" charset="0"/>
+              </a:rPr>
+              <a:t>)</a:t>
+            </a:r>
+            <a:r>
+              <a:rPr lang="en-US" sz="3000" smtClean="0">
+                <a:latin typeface="Arial" charset="0"/>
+                <a:ea typeface="ＭＳ Ｐゴシック" charset="0"/>
               </a:rPr>
               <a:t> </a:t>
             </a:r>
-          </a:p>
-          <a:p>
-            <a:pPr>
-              <a:buNone/>
-            </a:pPr>
-            <a:r>
-              <a:rPr lang="en-US" sz="3000" dirty="0" smtClean="0">
-                <a:latin typeface="Arial" charset="0"/>
-                <a:ea typeface="ＭＳ Ｐゴシック" charset="0"/>
-              </a:rPr>
-              <a:t>	</a:t>
-            </a:r>
+            <a:r>
+              <a:rPr lang="en-US" sz="3000" smtClean="0">
+                <a:latin typeface="Arial" charset="0"/>
+                <a:ea typeface="ＭＳ Ｐゴシック" charset="0"/>
+              </a:rPr>
+              <a:t> </a:t>
+            </a:r>
+            <a:endParaRPr lang="en-US" sz="3000" dirty="0" smtClean="0">
+              <a:latin typeface="Arial" charset="0"/>
+              <a:ea typeface="ＭＳ Ｐゴシック" charset="0"/>
+            </a:endParaRPr>
           </a:p>
         </p:txBody>
       </p:sp>
@@ -26174,7 +26003,7 @@
     </p:spTree>
     <p:extLst>
       <p:ext uri="{BB962C8B-B14F-4D97-AF65-F5344CB8AC3E}">
-        <p14:creationId xmlns="" xmlns:a="http://schemas.openxmlformats.org/drawingml/2006/main" xmlns:r="http://schemas.openxmlformats.org/officeDocument/2006/relationships" xmlns:p="http://schemas.openxmlformats.org/presentationml/2006/main" xmlns:p14="http://schemas.microsoft.com/office/powerpoint/2010/main" xmlns:mv="urn:schemas-microsoft-com:mac:vml" xmlns:mc="http://schemas.openxmlformats.org/markup-compatibility/2006" val="1843576761"/>
+        <p14:creationId xmlns:mc="http://schemas.openxmlformats.org/markup-compatibility/2006" xmlns:mv="urn:schemas-microsoft-com:mac:vml" xmlns:p14="http://schemas.microsoft.com/office/powerpoint/2010/main" xmlns:p="http://schemas.openxmlformats.org/presentationml/2006/main" xmlns:r="http://schemas.openxmlformats.org/officeDocument/2006/relationships" xmlns:a="http://schemas.openxmlformats.org/drawingml/2006/main" xmlns="" val="1843576761"/>
       </p:ext>
     </p:extLst>
   </p:cSld>
@@ -26286,7 +26115,7 @@
     </p:spTree>
     <p:extLst>
       <p:ext uri="{BB962C8B-B14F-4D97-AF65-F5344CB8AC3E}">
-        <p14:creationId xmlns="" xmlns:a="http://schemas.openxmlformats.org/drawingml/2006/main" xmlns:r="http://schemas.openxmlformats.org/officeDocument/2006/relationships" xmlns:p="http://schemas.openxmlformats.org/presentationml/2006/main" xmlns:p14="http://schemas.microsoft.com/office/powerpoint/2010/main" xmlns:mv="urn:schemas-microsoft-com:mac:vml" xmlns:mc="http://schemas.openxmlformats.org/markup-compatibility/2006" val="2397167332"/>
+        <p14:creationId xmlns:mc="http://schemas.openxmlformats.org/markup-compatibility/2006" xmlns:mv="urn:schemas-microsoft-com:mac:vml" xmlns:p14="http://schemas.microsoft.com/office/powerpoint/2010/main" xmlns:p="http://schemas.openxmlformats.org/presentationml/2006/main" xmlns:r="http://schemas.openxmlformats.org/officeDocument/2006/relationships" xmlns:a="http://schemas.openxmlformats.org/drawingml/2006/main" xmlns="" val="2397167332"/>
       </p:ext>
     </p:extLst>
   </p:cSld>
@@ -26385,7 +26214,7 @@
     </p:spTree>
     <p:extLst>
       <p:ext uri="{BB962C8B-B14F-4D97-AF65-F5344CB8AC3E}">
-        <p14:creationId xmlns="" xmlns:a="http://schemas.openxmlformats.org/drawingml/2006/main" xmlns:r="http://schemas.openxmlformats.org/officeDocument/2006/relationships" xmlns:p="http://schemas.openxmlformats.org/presentationml/2006/main" xmlns:p14="http://schemas.microsoft.com/office/powerpoint/2010/main" xmlns:mv="urn:schemas-microsoft-com:mac:vml" xmlns:mc="http://schemas.openxmlformats.org/markup-compatibility/2006" val="285519549"/>
+        <p14:creationId xmlns:mc="http://schemas.openxmlformats.org/markup-compatibility/2006" xmlns:mv="urn:schemas-microsoft-com:mac:vml" xmlns:p14="http://schemas.microsoft.com/office/powerpoint/2010/main" xmlns:p="http://schemas.openxmlformats.org/presentationml/2006/main" xmlns:r="http://schemas.openxmlformats.org/officeDocument/2006/relationships" xmlns:a="http://schemas.openxmlformats.org/drawingml/2006/main" xmlns="" val="285519549"/>
       </p:ext>
     </p:extLst>
   </p:cSld>
@@ -26444,14 +26273,14 @@
           </a:ln>
           <a:extLst>
             <a:ext uri="{909E8E84-426E-40dd-AFC4-6F175D3DCCD1}">
-              <a14:hiddenFill xmlns="" xmlns:a="http://schemas.openxmlformats.org/drawingml/2006/main" xmlns:r="http://schemas.openxmlformats.org/officeDocument/2006/relationships" xmlns:p="http://schemas.openxmlformats.org/presentationml/2006/main" xmlns:a14="http://schemas.microsoft.com/office/drawing/2010/main" xmlns:mv="urn:schemas-microsoft-com:mac:vml" xmlns:mc="http://schemas.openxmlformats.org/markup-compatibility/2006">
+              <a14:hiddenFill xmlns:mc="http://schemas.openxmlformats.org/markup-compatibility/2006" xmlns:mv="urn:schemas-microsoft-com:mac:vml" xmlns:a14="http://schemas.microsoft.com/office/drawing/2010/main" xmlns:p="http://schemas.openxmlformats.org/presentationml/2006/main" xmlns:r="http://schemas.openxmlformats.org/officeDocument/2006/relationships" xmlns:a="http://schemas.openxmlformats.org/drawingml/2006/main" xmlns="">
                 <a:solidFill>
                   <a:srgbClr val="FFFFFF"/>
                 </a:solidFill>
               </a14:hiddenFill>
             </a:ext>
             <a:ext uri="{91240B29-F687-4f45-9708-019B960494DF}">
-              <a14:hiddenLine xmlns="" xmlns:a="http://schemas.openxmlformats.org/drawingml/2006/main" xmlns:r="http://schemas.openxmlformats.org/officeDocument/2006/relationships" xmlns:p="http://schemas.openxmlformats.org/presentationml/2006/main" xmlns:a14="http://schemas.microsoft.com/office/drawing/2010/main" xmlns:mv="urn:schemas-microsoft-com:mac:vml" xmlns:mc="http://schemas.openxmlformats.org/markup-compatibility/2006" w="9525">
+              <a14:hiddenLine xmlns:mc="http://schemas.openxmlformats.org/markup-compatibility/2006" xmlns:mv="urn:schemas-microsoft-com:mac:vml" xmlns:a14="http://schemas.microsoft.com/office/drawing/2010/main" xmlns:p="http://schemas.openxmlformats.org/presentationml/2006/main" xmlns:r="http://schemas.openxmlformats.org/officeDocument/2006/relationships" xmlns:a="http://schemas.openxmlformats.org/drawingml/2006/main" xmlns="" w="9525">
                 <a:solidFill>
                   <a:srgbClr val="000000"/>
                 </a:solidFill>
@@ -26766,18 +26595,7 @@
                 <a:ea typeface="ＭＳ Ｐゴシック" charset="0"/>
                 <a:cs typeface="ＭＳ Ｐゴシック" charset="0"/>
               </a:rPr>
-              <a:t>A cousin of SOAP = technology that powers</a:t>
-            </a:r>
-            <a:r>
-              <a:rPr lang="en-US" sz="2800" dirty="0" smtClean="0">
-                <a:solidFill>
-                  <a:schemeClr val="tx1"/>
-                </a:solidFill>
-                <a:latin typeface="Arial" charset="0"/>
-                <a:ea typeface="ＭＳ Ｐゴシック" charset="0"/>
-                <a:cs typeface="ＭＳ Ｐゴシック" charset="0"/>
-              </a:rPr>
-              <a:t> </a:t>
+              <a:t>A cousin of SOAP = technology that powers </a:t>
             </a:r>
             <a:r>
               <a:rPr lang="en-US" altLang="ja-JP" sz="2800" dirty="0" smtClean="0">
@@ -26903,7 +26721,7 @@
     </p:spTree>
     <p:extLst>
       <p:ext uri="{BB962C8B-B14F-4D97-AF65-F5344CB8AC3E}">
-        <p14:creationId xmlns="" xmlns:a="http://schemas.openxmlformats.org/drawingml/2006/main" xmlns:r="http://schemas.openxmlformats.org/officeDocument/2006/relationships" xmlns:p="http://schemas.openxmlformats.org/presentationml/2006/main" xmlns:p14="http://schemas.microsoft.com/office/powerpoint/2010/main" xmlns:mv="urn:schemas-microsoft-com:mac:vml" xmlns:mc="http://schemas.openxmlformats.org/markup-compatibility/2006" val="1087471781"/>
+        <p14:creationId xmlns:mc="http://schemas.openxmlformats.org/markup-compatibility/2006" xmlns:mv="urn:schemas-microsoft-com:mac:vml" xmlns:p14="http://schemas.microsoft.com/office/powerpoint/2010/main" xmlns:p="http://schemas.openxmlformats.org/presentationml/2006/main" xmlns:r="http://schemas.openxmlformats.org/officeDocument/2006/relationships" xmlns:a="http://schemas.openxmlformats.org/drawingml/2006/main" xmlns="" val="1087471781"/>
       </p:ext>
     </p:extLst>
   </p:cSld>
@@ -27150,7 +26968,7 @@
     </p:spTree>
     <p:extLst>
       <p:ext uri="{BB962C8B-B14F-4D97-AF65-F5344CB8AC3E}">
-        <p14:creationId xmlns="" xmlns:a="http://schemas.openxmlformats.org/drawingml/2006/main" xmlns:r="http://schemas.openxmlformats.org/officeDocument/2006/relationships" xmlns:p="http://schemas.openxmlformats.org/presentationml/2006/main" xmlns:p14="http://schemas.microsoft.com/office/powerpoint/2010/main" xmlns:mv="urn:schemas-microsoft-com:mac:vml" xmlns:mc="http://schemas.openxmlformats.org/markup-compatibility/2006" val="81900310"/>
+        <p14:creationId xmlns:mc="http://schemas.openxmlformats.org/markup-compatibility/2006" xmlns:mv="urn:schemas-microsoft-com:mac:vml" xmlns:p14="http://schemas.microsoft.com/office/powerpoint/2010/main" xmlns:p="http://schemas.openxmlformats.org/presentationml/2006/main" xmlns:r="http://schemas.openxmlformats.org/officeDocument/2006/relationships" xmlns:a="http://schemas.openxmlformats.org/drawingml/2006/main" xmlns="" val="81900310"/>
       </p:ext>
     </p:extLst>
   </p:cSld>
@@ -27267,7 +27085,7 @@
     </p:spTree>
     <p:extLst>
       <p:ext uri="{BB962C8B-B14F-4D97-AF65-F5344CB8AC3E}">
-        <p14:creationId xmlns="" xmlns:a="http://schemas.openxmlformats.org/drawingml/2006/main" xmlns:r="http://schemas.openxmlformats.org/officeDocument/2006/relationships" xmlns:p="http://schemas.openxmlformats.org/presentationml/2006/main" xmlns:p14="http://schemas.microsoft.com/office/powerpoint/2010/main" xmlns:mv="urn:schemas-microsoft-com:mac:vml" xmlns:mc="http://schemas.openxmlformats.org/markup-compatibility/2006" val="1611895689"/>
+        <p14:creationId xmlns:mc="http://schemas.openxmlformats.org/markup-compatibility/2006" xmlns:mv="urn:schemas-microsoft-com:mac:vml" xmlns:p14="http://schemas.microsoft.com/office/powerpoint/2010/main" xmlns:p="http://schemas.openxmlformats.org/presentationml/2006/main" xmlns:r="http://schemas.openxmlformats.org/officeDocument/2006/relationships" xmlns:a="http://schemas.openxmlformats.org/drawingml/2006/main" xmlns="" val="1611895689"/>
       </p:ext>
     </p:extLst>
   </p:cSld>
@@ -27366,7 +27184,7 @@
     </p:spTree>
     <p:extLst>
       <p:ext uri="{BB962C8B-B14F-4D97-AF65-F5344CB8AC3E}">
-        <p14:creationId xmlns="" xmlns:a="http://schemas.openxmlformats.org/drawingml/2006/main" xmlns:r="http://schemas.openxmlformats.org/officeDocument/2006/relationships" xmlns:p="http://schemas.openxmlformats.org/presentationml/2006/main" xmlns:p14="http://schemas.microsoft.com/office/powerpoint/2010/main" xmlns:mv="urn:schemas-microsoft-com:mac:vml" xmlns:mc="http://schemas.openxmlformats.org/markup-compatibility/2006" val="3643213900"/>
+        <p14:creationId xmlns:mc="http://schemas.openxmlformats.org/markup-compatibility/2006" xmlns:mv="urn:schemas-microsoft-com:mac:vml" xmlns:p14="http://schemas.microsoft.com/office/powerpoint/2010/main" xmlns:p="http://schemas.openxmlformats.org/presentationml/2006/main" xmlns:r="http://schemas.openxmlformats.org/officeDocument/2006/relationships" xmlns:a="http://schemas.openxmlformats.org/drawingml/2006/main" xmlns="" val="3643213900"/>
       </p:ext>
     </p:extLst>
   </p:cSld>
@@ -27729,7 +27547,7 @@
     </p:spTree>
     <p:extLst>
       <p:ext uri="{BB962C8B-B14F-4D97-AF65-F5344CB8AC3E}">
-        <p14:creationId xmlns="" xmlns:a="http://schemas.openxmlformats.org/drawingml/2006/main" xmlns:r="http://schemas.openxmlformats.org/officeDocument/2006/relationships" xmlns:p="http://schemas.openxmlformats.org/presentationml/2006/main" xmlns:p14="http://schemas.microsoft.com/office/powerpoint/2010/main" xmlns:mv="urn:schemas-microsoft-com:mac:vml" xmlns:mc="http://schemas.openxmlformats.org/markup-compatibility/2006" val="926280299"/>
+        <p14:creationId xmlns:mc="http://schemas.openxmlformats.org/markup-compatibility/2006" xmlns:mv="urn:schemas-microsoft-com:mac:vml" xmlns:p14="http://schemas.microsoft.com/office/powerpoint/2010/main" xmlns:p="http://schemas.openxmlformats.org/presentationml/2006/main" xmlns:r="http://schemas.openxmlformats.org/officeDocument/2006/relationships" xmlns:a="http://schemas.openxmlformats.org/drawingml/2006/main" xmlns="" val="926280299"/>
       </p:ext>
     </p:extLst>
   </p:cSld>
@@ -27865,10 +27683,6 @@
               </a:rPr>
               <a:t>Playlist data can not be sorted on the server</a:t>
             </a:r>
-            <a:endParaRPr lang="en-US" sz="3200" dirty="0" smtClean="0">
-              <a:latin typeface="Arial" charset="0"/>
-              <a:ea typeface="ＭＳ Ｐゴシック" charset="0"/>
-            </a:endParaRPr>
           </a:p>
           <a:p>
             <a:pPr lvl="1">
@@ -27881,14 +27695,7 @@
                 <a:latin typeface="Arial" charset="0"/>
                 <a:ea typeface="ＭＳ Ｐゴシック" charset="0"/>
               </a:rPr>
-              <a:t>Can create primary </a:t>
-            </a:r>
-            <a:r>
-              <a:rPr lang="en-US" sz="3200" dirty="0" smtClean="0">
-                <a:latin typeface="Arial" charset="0"/>
-                <a:ea typeface="ＭＳ Ｐゴシック" charset="0"/>
-              </a:rPr>
-              <a:t>and secondary sort fields</a:t>
+              <a:t>Can create primary and secondary sort fields</a:t>
             </a:r>
           </a:p>
           <a:p>
@@ -28008,7 +27815,7 @@
     </p:spTree>
     <p:extLst>
       <p:ext uri="{BB962C8B-B14F-4D97-AF65-F5344CB8AC3E}">
-        <p14:creationId xmlns="" xmlns:a="http://schemas.openxmlformats.org/drawingml/2006/main" xmlns:r="http://schemas.openxmlformats.org/officeDocument/2006/relationships" xmlns:p="http://schemas.openxmlformats.org/presentationml/2006/main" xmlns:p14="http://schemas.microsoft.com/office/powerpoint/2010/main" xmlns:mv="urn:schemas-microsoft-com:mac:vml" xmlns:mc="http://schemas.openxmlformats.org/markup-compatibility/2006" val="3732849505"/>
+        <p14:creationId xmlns:mc="http://schemas.openxmlformats.org/markup-compatibility/2006" xmlns:mv="urn:schemas-microsoft-com:mac:vml" xmlns:p14="http://schemas.microsoft.com/office/powerpoint/2010/main" xmlns:p="http://schemas.openxmlformats.org/presentationml/2006/main" xmlns:r="http://schemas.openxmlformats.org/officeDocument/2006/relationships" xmlns:a="http://schemas.openxmlformats.org/drawingml/2006/main" xmlns="" val="3732849505"/>
       </p:ext>
     </p:extLst>
   </p:cSld>
@@ -28120,7 +27927,7 @@
     </p:spTree>
     <p:extLst>
       <p:ext uri="{BB962C8B-B14F-4D97-AF65-F5344CB8AC3E}">
-        <p14:creationId xmlns="" xmlns:a="http://schemas.openxmlformats.org/drawingml/2006/main" xmlns:r="http://schemas.openxmlformats.org/officeDocument/2006/relationships" xmlns:p="http://schemas.openxmlformats.org/presentationml/2006/main" xmlns:p14="http://schemas.microsoft.com/office/powerpoint/2010/main" xmlns:mv="urn:schemas-microsoft-com:mac:vml" xmlns:mc="http://schemas.openxmlformats.org/markup-compatibility/2006" val="848173977"/>
+        <p14:creationId xmlns:mc="http://schemas.openxmlformats.org/markup-compatibility/2006" xmlns:mv="urn:schemas-microsoft-com:mac:vml" xmlns:p14="http://schemas.microsoft.com/office/powerpoint/2010/main" xmlns:p="http://schemas.openxmlformats.org/presentationml/2006/main" xmlns:r="http://schemas.openxmlformats.org/officeDocument/2006/relationships" xmlns:a="http://schemas.openxmlformats.org/drawingml/2006/main" xmlns="" val="848173977"/>
       </p:ext>
     </p:extLst>
   </p:cSld>
@@ -28219,7 +28026,7 @@
     </p:spTree>
     <p:extLst>
       <p:ext uri="{BB962C8B-B14F-4D97-AF65-F5344CB8AC3E}">
-        <p14:creationId xmlns="" xmlns:a="http://schemas.openxmlformats.org/drawingml/2006/main" xmlns:r="http://schemas.openxmlformats.org/officeDocument/2006/relationships" xmlns:p="http://schemas.openxmlformats.org/presentationml/2006/main" xmlns:p14="http://schemas.microsoft.com/office/powerpoint/2010/main" xmlns:mv="urn:schemas-microsoft-com:mac:vml" xmlns:mc="http://schemas.openxmlformats.org/markup-compatibility/2006" val="1387629694"/>
+        <p14:creationId xmlns:mc="http://schemas.openxmlformats.org/markup-compatibility/2006" xmlns:mv="urn:schemas-microsoft-com:mac:vml" xmlns:p14="http://schemas.microsoft.com/office/powerpoint/2010/main" xmlns:p="http://schemas.openxmlformats.org/presentationml/2006/main" xmlns:r="http://schemas.openxmlformats.org/officeDocument/2006/relationships" xmlns:a="http://schemas.openxmlformats.org/drawingml/2006/main" xmlns="" val="1387629694"/>
       </p:ext>
     </p:extLst>
   </p:cSld>
@@ -28569,7 +28376,7 @@
     </p:spTree>
     <p:extLst>
       <p:ext uri="{BB962C8B-B14F-4D97-AF65-F5344CB8AC3E}">
-        <p14:creationId xmlns="" xmlns:a="http://schemas.openxmlformats.org/drawingml/2006/main" xmlns:r="http://schemas.openxmlformats.org/officeDocument/2006/relationships" xmlns:p="http://schemas.openxmlformats.org/presentationml/2006/main" xmlns:p14="http://schemas.microsoft.com/office/powerpoint/2010/main" xmlns:mv="urn:schemas-microsoft-com:mac:vml" xmlns:mc="http://schemas.openxmlformats.org/markup-compatibility/2006" val="457078067"/>
+        <p14:creationId xmlns:mc="http://schemas.openxmlformats.org/markup-compatibility/2006" xmlns:mv="urn:schemas-microsoft-com:mac:vml" xmlns:p14="http://schemas.microsoft.com/office/powerpoint/2010/main" xmlns:p="http://schemas.openxmlformats.org/presentationml/2006/main" xmlns:r="http://schemas.openxmlformats.org/officeDocument/2006/relationships" xmlns:a="http://schemas.openxmlformats.org/drawingml/2006/main" xmlns="" val="457078067"/>
       </p:ext>
     </p:extLst>
   </p:cSld>
@@ -28681,7 +28488,7 @@
     </p:spTree>
     <p:extLst>
       <p:ext uri="{BB962C8B-B14F-4D97-AF65-F5344CB8AC3E}">
-        <p14:creationId xmlns="" xmlns:a="http://schemas.openxmlformats.org/drawingml/2006/main" xmlns:r="http://schemas.openxmlformats.org/officeDocument/2006/relationships" xmlns:p="http://schemas.openxmlformats.org/presentationml/2006/main" xmlns:p14="http://schemas.microsoft.com/office/powerpoint/2010/main" xmlns:mv="urn:schemas-microsoft-com:mac:vml" xmlns:mc="http://schemas.openxmlformats.org/markup-compatibility/2006" val="1643335170"/>
+        <p14:creationId xmlns:mc="http://schemas.openxmlformats.org/markup-compatibility/2006" xmlns:mv="urn:schemas-microsoft-com:mac:vml" xmlns:p14="http://schemas.microsoft.com/office/powerpoint/2010/main" xmlns:p="http://schemas.openxmlformats.org/presentationml/2006/main" xmlns:r="http://schemas.openxmlformats.org/officeDocument/2006/relationships" xmlns:a="http://schemas.openxmlformats.org/drawingml/2006/main" xmlns="" val="1643335170"/>
       </p:ext>
     </p:extLst>
   </p:cSld>
@@ -28783,7 +28590,7 @@
     </p:spTree>
     <p:extLst>
       <p:ext uri="{BB962C8B-B14F-4D97-AF65-F5344CB8AC3E}">
-        <p14:creationId xmlns="" xmlns:a="http://schemas.openxmlformats.org/drawingml/2006/main" xmlns:r="http://schemas.openxmlformats.org/officeDocument/2006/relationships" xmlns:p="http://schemas.openxmlformats.org/presentationml/2006/main" xmlns:p14="http://schemas.microsoft.com/office/powerpoint/2010/main" xmlns:mv="urn:schemas-microsoft-com:mac:vml" xmlns:mc="http://schemas.openxmlformats.org/markup-compatibility/2006" val="3571553270"/>
+        <p14:creationId xmlns:mc="http://schemas.openxmlformats.org/markup-compatibility/2006" xmlns:mv="urn:schemas-microsoft-com:mac:vml" xmlns:p14="http://schemas.microsoft.com/office/powerpoint/2010/main" xmlns:p="http://schemas.openxmlformats.org/presentationml/2006/main" xmlns:r="http://schemas.openxmlformats.org/officeDocument/2006/relationships" xmlns:a="http://schemas.openxmlformats.org/drawingml/2006/main" xmlns="" val="3571553270"/>
       </p:ext>
     </p:extLst>
   </p:cSld>
@@ -28842,14 +28649,14 @@
           </a:ln>
           <a:extLst>
             <a:ext uri="{909E8E84-426E-40dd-AFC4-6F175D3DCCD1}">
-              <a14:hiddenFill xmlns="" xmlns:a="http://schemas.openxmlformats.org/drawingml/2006/main" xmlns:r="http://schemas.openxmlformats.org/officeDocument/2006/relationships" xmlns:p="http://schemas.openxmlformats.org/presentationml/2006/main" xmlns:a14="http://schemas.microsoft.com/office/drawing/2010/main" xmlns:mv="urn:schemas-microsoft-com:mac:vml" xmlns:mc="http://schemas.openxmlformats.org/markup-compatibility/2006">
+              <a14:hiddenFill xmlns:mc="http://schemas.openxmlformats.org/markup-compatibility/2006" xmlns:mv="urn:schemas-microsoft-com:mac:vml" xmlns:a14="http://schemas.microsoft.com/office/drawing/2010/main" xmlns:p="http://schemas.openxmlformats.org/presentationml/2006/main" xmlns:r="http://schemas.openxmlformats.org/officeDocument/2006/relationships" xmlns:a="http://schemas.openxmlformats.org/drawingml/2006/main" xmlns="">
                 <a:solidFill>
                   <a:srgbClr val="FFFFFF"/>
                 </a:solidFill>
               </a14:hiddenFill>
             </a:ext>
             <a:ext uri="{91240B29-F687-4f45-9708-019B960494DF}">
-              <a14:hiddenLine xmlns="" xmlns:a="http://schemas.openxmlformats.org/drawingml/2006/main" xmlns:r="http://schemas.openxmlformats.org/officeDocument/2006/relationships" xmlns:p="http://schemas.openxmlformats.org/presentationml/2006/main" xmlns:a14="http://schemas.microsoft.com/office/drawing/2010/main" xmlns:mv="urn:schemas-microsoft-com:mac:vml" xmlns:mc="http://schemas.openxmlformats.org/markup-compatibility/2006" w="9525">
+              <a14:hiddenLine xmlns:mc="http://schemas.openxmlformats.org/markup-compatibility/2006" xmlns:mv="urn:schemas-microsoft-com:mac:vml" xmlns:a14="http://schemas.microsoft.com/office/drawing/2010/main" xmlns:p="http://schemas.openxmlformats.org/presentationml/2006/main" xmlns:r="http://schemas.openxmlformats.org/officeDocument/2006/relationships" xmlns:a="http://schemas.openxmlformats.org/drawingml/2006/main" xmlns="" w="9525">
                 <a:solidFill>
                   <a:srgbClr val="000000"/>
                 </a:solidFill>
@@ -29179,7 +28986,7 @@
     </p:spTree>
     <p:extLst>
       <p:ext uri="{BB962C8B-B14F-4D97-AF65-F5344CB8AC3E}">
-        <p14:creationId xmlns="" xmlns:a="http://schemas.openxmlformats.org/drawingml/2006/main" xmlns:r="http://schemas.openxmlformats.org/officeDocument/2006/relationships" xmlns:p="http://schemas.openxmlformats.org/presentationml/2006/main" xmlns:p14="http://schemas.microsoft.com/office/powerpoint/2010/main" xmlns:mv="urn:schemas-microsoft-com:mac:vml" xmlns:mc="http://schemas.openxmlformats.org/markup-compatibility/2006" val="764835421"/>
+        <p14:creationId xmlns:mc="http://schemas.openxmlformats.org/markup-compatibility/2006" xmlns:mv="urn:schemas-microsoft-com:mac:vml" xmlns:p14="http://schemas.microsoft.com/office/powerpoint/2010/main" xmlns:p="http://schemas.openxmlformats.org/presentationml/2006/main" xmlns:r="http://schemas.openxmlformats.org/officeDocument/2006/relationships" xmlns:a="http://schemas.openxmlformats.org/drawingml/2006/main" xmlns="" val="764835421"/>
       </p:ext>
     </p:extLst>
   </p:cSld>
@@ -29238,14 +29045,14 @@
           </a:ln>
           <a:extLst>
             <a:ext uri="{909E8E84-426E-40dd-AFC4-6F175D3DCCD1}">
-              <a14:hiddenFill xmlns="" xmlns:a="http://schemas.openxmlformats.org/drawingml/2006/main" xmlns:r="http://schemas.openxmlformats.org/officeDocument/2006/relationships" xmlns:p="http://schemas.openxmlformats.org/presentationml/2006/main" xmlns:a14="http://schemas.microsoft.com/office/drawing/2010/main" xmlns:mv="urn:schemas-microsoft-com:mac:vml" xmlns:mc="http://schemas.openxmlformats.org/markup-compatibility/2006">
+              <a14:hiddenFill xmlns:mc="http://schemas.openxmlformats.org/markup-compatibility/2006" xmlns:mv="urn:schemas-microsoft-com:mac:vml" xmlns:a14="http://schemas.microsoft.com/office/drawing/2010/main" xmlns:p="http://schemas.openxmlformats.org/presentationml/2006/main" xmlns:r="http://schemas.openxmlformats.org/officeDocument/2006/relationships" xmlns:a="http://schemas.openxmlformats.org/drawingml/2006/main" xmlns="">
                 <a:solidFill>
                   <a:srgbClr val="FFFFFF"/>
                 </a:solidFill>
               </a14:hiddenFill>
             </a:ext>
             <a:ext uri="{91240B29-F687-4f45-9708-019B960494DF}">
-              <a14:hiddenLine xmlns="" xmlns:a="http://schemas.openxmlformats.org/drawingml/2006/main" xmlns:r="http://schemas.openxmlformats.org/officeDocument/2006/relationships" xmlns:p="http://schemas.openxmlformats.org/presentationml/2006/main" xmlns:a14="http://schemas.microsoft.com/office/drawing/2010/main" xmlns:mv="urn:schemas-microsoft-com:mac:vml" xmlns:mc="http://schemas.openxmlformats.org/markup-compatibility/2006" w="9525">
+              <a14:hiddenLine xmlns:mc="http://schemas.openxmlformats.org/markup-compatibility/2006" xmlns:mv="urn:schemas-microsoft-com:mac:vml" xmlns:a14="http://schemas.microsoft.com/office/drawing/2010/main" xmlns:p="http://schemas.openxmlformats.org/presentationml/2006/main" xmlns:r="http://schemas.openxmlformats.org/officeDocument/2006/relationships" xmlns:a="http://schemas.openxmlformats.org/drawingml/2006/main" xmlns="" w="9525">
                 <a:solidFill>
                   <a:srgbClr val="000000"/>
                 </a:solidFill>
@@ -29635,7 +29442,7 @@
     </p:spTree>
     <p:extLst>
       <p:ext uri="{BB962C8B-B14F-4D97-AF65-F5344CB8AC3E}">
-        <p14:creationId xmlns="" xmlns:a="http://schemas.openxmlformats.org/drawingml/2006/main" xmlns:r="http://schemas.openxmlformats.org/officeDocument/2006/relationships" xmlns:p="http://schemas.openxmlformats.org/presentationml/2006/main" xmlns:p14="http://schemas.microsoft.com/office/powerpoint/2010/main" xmlns:mv="urn:schemas-microsoft-com:mac:vml" xmlns:mc="http://schemas.openxmlformats.org/markup-compatibility/2006" val="4226440390"/>
+        <p14:creationId xmlns:mc="http://schemas.openxmlformats.org/markup-compatibility/2006" xmlns:mv="urn:schemas-microsoft-com:mac:vml" xmlns:p14="http://schemas.microsoft.com/office/powerpoint/2010/main" xmlns:p="http://schemas.openxmlformats.org/presentationml/2006/main" xmlns:r="http://schemas.openxmlformats.org/officeDocument/2006/relationships" xmlns:a="http://schemas.openxmlformats.org/drawingml/2006/main" xmlns="" val="4226440390"/>
       </p:ext>
     </p:extLst>
   </p:cSld>
@@ -30050,14 +29857,14 @@
           </a:ln>
           <a:extLst>
             <a:ext uri="{909E8E84-426E-40dd-AFC4-6F175D3DCCD1}">
-              <a14:hiddenFill xmlns="" xmlns:a="http://schemas.openxmlformats.org/drawingml/2006/main" xmlns:r="http://schemas.openxmlformats.org/officeDocument/2006/relationships" xmlns:p="http://schemas.openxmlformats.org/presentationml/2006/main" xmlns:a14="http://schemas.microsoft.com/office/drawing/2010/main" xmlns:mv="urn:schemas-microsoft-com:mac:vml" xmlns:mc="http://schemas.openxmlformats.org/markup-compatibility/2006">
+              <a14:hiddenFill xmlns:mc="http://schemas.openxmlformats.org/markup-compatibility/2006" xmlns:mv="urn:schemas-microsoft-com:mac:vml" xmlns:a14="http://schemas.microsoft.com/office/drawing/2010/main" xmlns:p="http://schemas.openxmlformats.org/presentationml/2006/main" xmlns:r="http://schemas.openxmlformats.org/officeDocument/2006/relationships" xmlns:a="http://schemas.openxmlformats.org/drawingml/2006/main" xmlns="">
                 <a:solidFill>
                   <a:srgbClr val="FFFFFF"/>
                 </a:solidFill>
               </a14:hiddenFill>
             </a:ext>
             <a:ext uri="{91240B29-F687-4f45-9708-019B960494DF}">
-              <a14:hiddenLine xmlns="" xmlns:a="http://schemas.openxmlformats.org/drawingml/2006/main" xmlns:r="http://schemas.openxmlformats.org/officeDocument/2006/relationships" xmlns:p="http://schemas.openxmlformats.org/presentationml/2006/main" xmlns:a14="http://schemas.microsoft.com/office/drawing/2010/main" xmlns:mv="urn:schemas-microsoft-com:mac:vml" xmlns:mc="http://schemas.openxmlformats.org/markup-compatibility/2006" w="9525">
+              <a14:hiddenLine xmlns:mc="http://schemas.openxmlformats.org/markup-compatibility/2006" xmlns:mv="urn:schemas-microsoft-com:mac:vml" xmlns:a14="http://schemas.microsoft.com/office/drawing/2010/main" xmlns:p="http://schemas.openxmlformats.org/presentationml/2006/main" xmlns:r="http://schemas.openxmlformats.org/officeDocument/2006/relationships" xmlns:a="http://schemas.openxmlformats.org/drawingml/2006/main" xmlns="" w="9525">
                 <a:solidFill>
                   <a:srgbClr val="000000"/>
                 </a:solidFill>
@@ -30500,7 +30307,7 @@
     </p:spTree>
     <p:extLst>
       <p:ext uri="{BB962C8B-B14F-4D97-AF65-F5344CB8AC3E}">
-        <p14:creationId xmlns="" xmlns:a="http://schemas.openxmlformats.org/drawingml/2006/main" xmlns:r="http://schemas.openxmlformats.org/officeDocument/2006/relationships" xmlns:p="http://schemas.openxmlformats.org/presentationml/2006/main" xmlns:p14="http://schemas.microsoft.com/office/powerpoint/2010/main" xmlns:mv="urn:schemas-microsoft-com:mac:vml" xmlns:mc="http://schemas.openxmlformats.org/markup-compatibility/2006" val="3760139558"/>
+        <p14:creationId xmlns:mc="http://schemas.openxmlformats.org/markup-compatibility/2006" xmlns:mv="urn:schemas-microsoft-com:mac:vml" xmlns:p14="http://schemas.microsoft.com/office/powerpoint/2010/main" xmlns:p="http://schemas.openxmlformats.org/presentationml/2006/main" xmlns:r="http://schemas.openxmlformats.org/officeDocument/2006/relationships" xmlns:a="http://schemas.openxmlformats.org/drawingml/2006/main" xmlns="" val="3760139558"/>
       </p:ext>
     </p:extLst>
   </p:cSld>
@@ -30559,14 +30366,14 @@
           </a:ln>
           <a:extLst>
             <a:ext uri="{909E8E84-426E-40dd-AFC4-6F175D3DCCD1}">
-              <a14:hiddenFill xmlns="" xmlns:a="http://schemas.openxmlformats.org/drawingml/2006/main" xmlns:r="http://schemas.openxmlformats.org/officeDocument/2006/relationships" xmlns:p="http://schemas.openxmlformats.org/presentationml/2006/main" xmlns:a14="http://schemas.microsoft.com/office/drawing/2010/main" xmlns:mv="urn:schemas-microsoft-com:mac:vml" xmlns:mc="http://schemas.openxmlformats.org/markup-compatibility/2006">
+              <a14:hiddenFill xmlns:mc="http://schemas.openxmlformats.org/markup-compatibility/2006" xmlns:mv="urn:schemas-microsoft-com:mac:vml" xmlns:a14="http://schemas.microsoft.com/office/drawing/2010/main" xmlns:p="http://schemas.openxmlformats.org/presentationml/2006/main" xmlns:r="http://schemas.openxmlformats.org/officeDocument/2006/relationships" xmlns:a="http://schemas.openxmlformats.org/drawingml/2006/main" xmlns="">
                 <a:solidFill>
                   <a:srgbClr val="FFFFFF"/>
                 </a:solidFill>
               </a14:hiddenFill>
             </a:ext>
             <a:ext uri="{91240B29-F687-4f45-9708-019B960494DF}">
-              <a14:hiddenLine xmlns="" xmlns:a="http://schemas.openxmlformats.org/drawingml/2006/main" xmlns:r="http://schemas.openxmlformats.org/officeDocument/2006/relationships" xmlns:p="http://schemas.openxmlformats.org/presentationml/2006/main" xmlns:a14="http://schemas.microsoft.com/office/drawing/2010/main" xmlns:mv="urn:schemas-microsoft-com:mac:vml" xmlns:mc="http://schemas.openxmlformats.org/markup-compatibility/2006" w="9525">
+              <a14:hiddenLine xmlns:mc="http://schemas.openxmlformats.org/markup-compatibility/2006" xmlns:mv="urn:schemas-microsoft-com:mac:vml" xmlns:a14="http://schemas.microsoft.com/office/drawing/2010/main" xmlns:p="http://schemas.openxmlformats.org/presentationml/2006/main" xmlns:r="http://schemas.openxmlformats.org/officeDocument/2006/relationships" xmlns:a="http://schemas.openxmlformats.org/drawingml/2006/main" xmlns="" w="9525">
                 <a:solidFill>
                   <a:srgbClr val="000000"/>
                 </a:solidFill>
@@ -30992,7 +30799,7 @@
     </p:spTree>
     <p:extLst>
       <p:ext uri="{BB962C8B-B14F-4D97-AF65-F5344CB8AC3E}">
-        <p14:creationId xmlns="" xmlns:a="http://schemas.openxmlformats.org/drawingml/2006/main" xmlns:r="http://schemas.openxmlformats.org/officeDocument/2006/relationships" xmlns:p="http://schemas.openxmlformats.org/presentationml/2006/main" xmlns:p14="http://schemas.microsoft.com/office/powerpoint/2010/main" xmlns:mv="urn:schemas-microsoft-com:mac:vml" xmlns:mc="http://schemas.openxmlformats.org/markup-compatibility/2006" val="2186535681"/>
+        <p14:creationId xmlns:mc="http://schemas.openxmlformats.org/markup-compatibility/2006" xmlns:mv="urn:schemas-microsoft-com:mac:vml" xmlns:p14="http://schemas.microsoft.com/office/powerpoint/2010/main" xmlns:p="http://schemas.openxmlformats.org/presentationml/2006/main" xmlns:r="http://schemas.openxmlformats.org/officeDocument/2006/relationships" xmlns:a="http://schemas.openxmlformats.org/drawingml/2006/main" xmlns="" val="2186535681"/>
       </p:ext>
     </p:extLst>
   </p:cSld>
@@ -31093,7 +30900,7 @@
     </p:spTree>
     <p:extLst>
       <p:ext uri="{BB962C8B-B14F-4D97-AF65-F5344CB8AC3E}">
-        <p14:creationId xmlns="" xmlns:a="http://schemas.openxmlformats.org/drawingml/2006/main" xmlns:r="http://schemas.openxmlformats.org/officeDocument/2006/relationships" xmlns:p="http://schemas.openxmlformats.org/presentationml/2006/main" xmlns:p14="http://schemas.microsoft.com/office/powerpoint/2010/main" xmlns:mv="urn:schemas-microsoft-com:mac:vml" xmlns:mc="http://schemas.openxmlformats.org/markup-compatibility/2006" val="3465603763"/>
+        <p14:creationId xmlns:mc="http://schemas.openxmlformats.org/markup-compatibility/2006" xmlns:mv="urn:schemas-microsoft-com:mac:vml" xmlns:p14="http://schemas.microsoft.com/office/powerpoint/2010/main" xmlns:p="http://schemas.openxmlformats.org/presentationml/2006/main" xmlns:r="http://schemas.openxmlformats.org/officeDocument/2006/relationships" xmlns:a="http://schemas.openxmlformats.org/drawingml/2006/main" xmlns="" val="3465603763"/>
       </p:ext>
     </p:extLst>
   </p:cSld>
@@ -31368,7 +31175,7 @@
     </p:spTree>
     <p:extLst>
       <p:ext uri="{BB962C8B-B14F-4D97-AF65-F5344CB8AC3E}">
-        <p14:creationId xmlns="" xmlns:a="http://schemas.openxmlformats.org/drawingml/2006/main" xmlns:r="http://schemas.openxmlformats.org/officeDocument/2006/relationships" xmlns:p="http://schemas.openxmlformats.org/presentationml/2006/main" xmlns:p14="http://schemas.microsoft.com/office/powerpoint/2010/main" xmlns:mv="urn:schemas-microsoft-com:mac:vml" xmlns:mc="http://schemas.openxmlformats.org/markup-compatibility/2006" val="2763357479"/>
+        <p14:creationId xmlns:mc="http://schemas.openxmlformats.org/markup-compatibility/2006" xmlns:mv="urn:schemas-microsoft-com:mac:vml" xmlns:p14="http://schemas.microsoft.com/office/powerpoint/2010/main" xmlns:p="http://schemas.openxmlformats.org/presentationml/2006/main" xmlns:r="http://schemas.openxmlformats.org/officeDocument/2006/relationships" xmlns:a="http://schemas.openxmlformats.org/drawingml/2006/main" xmlns="" val="2763357479"/>
       </p:ext>
     </p:extLst>
   </p:cSld>
@@ -31718,7 +31525,7 @@
     </p:spTree>
     <p:extLst>
       <p:ext uri="{BB962C8B-B14F-4D97-AF65-F5344CB8AC3E}">
-        <p14:creationId xmlns="" xmlns:a="http://schemas.openxmlformats.org/drawingml/2006/main" xmlns:r="http://schemas.openxmlformats.org/officeDocument/2006/relationships" xmlns:p="http://schemas.openxmlformats.org/presentationml/2006/main" xmlns:p14="http://schemas.microsoft.com/office/powerpoint/2010/main" xmlns:mv="urn:schemas-microsoft-com:mac:vml" xmlns:mc="http://schemas.openxmlformats.org/markup-compatibility/2006" val="3051877068"/>
+        <p14:creationId xmlns:mc="http://schemas.openxmlformats.org/markup-compatibility/2006" xmlns:mv="urn:schemas-microsoft-com:mac:vml" xmlns:p14="http://schemas.microsoft.com/office/powerpoint/2010/main" xmlns:p="http://schemas.openxmlformats.org/presentationml/2006/main" xmlns:r="http://schemas.openxmlformats.org/officeDocument/2006/relationships" xmlns:a="http://schemas.openxmlformats.org/drawingml/2006/main" xmlns="" val="3051877068"/>
       </p:ext>
     </p:extLst>
   </p:cSld>
@@ -31978,63 +31785,105 @@
                 <a:latin typeface="Arial" charset="0"/>
                 <a:ea typeface="ＭＳ Ｐゴシック" charset="0"/>
               </a:rPr>
-              <a:t>Either </a:t>
-            </a:r>
-            <a:r>
-              <a:rPr lang="ja-JP" altLang="en-US" sz="3700" dirty="0">
-                <a:latin typeface="Arial" charset="0"/>
-                <a:ea typeface="ＭＳ Ｐゴシック" charset="0"/>
-              </a:rPr>
-              <a:t>“</a:t>
+              <a:t>Either</a:t>
+            </a:r>
+            <a:r>
+              <a:rPr lang="en-US" sz="3700" dirty="0" smtClean="0">
+                <a:latin typeface="Arial" charset="0"/>
+                <a:ea typeface="ＭＳ Ｐゴシック" charset="0"/>
+              </a:rPr>
+              <a:t> </a:t>
+            </a:r>
+            <a:r>
+              <a:rPr lang="en-US" sz="3700" dirty="0">
+                <a:latin typeface="Source Code Pro"/>
+                <a:ea typeface="ＭＳ Ｐゴシック" charset="0"/>
+                <a:cs typeface="Source Code Pro"/>
+              </a:rPr>
+              <a:t>"</a:t>
+            </a:r>
+            <a:r>
+              <a:rPr lang="en-US" altLang="ja-JP" sz="3700" dirty="0" smtClean="0">
+                <a:latin typeface="Source Code Pro"/>
+                <a:ea typeface="ＭＳ Ｐゴシック" charset="0"/>
+                <a:cs typeface="Source Code Pro"/>
+              </a:rPr>
+              <a:t>result</a:t>
             </a:r>
             <a:r>
               <a:rPr lang="en-US" altLang="ja-JP" sz="3700" dirty="0">
-                <a:latin typeface="Arial" charset="0"/>
-                <a:ea typeface="ＭＳ Ｐゴシック" charset="0"/>
-              </a:rPr>
-              <a:t>result</a:t>
-            </a:r>
-            <a:r>
-              <a:rPr lang="ja-JP" altLang="en-US" sz="3700" dirty="0">
-                <a:latin typeface="Arial" charset="0"/>
-                <a:ea typeface="ＭＳ Ｐゴシック" charset="0"/>
-              </a:rPr>
-              <a:t>”</a:t>
+                <a:latin typeface="Source Code Pro"/>
+                <a:ea typeface="ＭＳ Ｐゴシック" charset="0"/>
+                <a:cs typeface="Source Code Pro"/>
+              </a:rPr>
+              <a:t>"</a:t>
+            </a:r>
+            <a:r>
+              <a:rPr lang="en-US" altLang="ja-JP" sz="3700" dirty="0" smtClean="0">
+                <a:latin typeface="Arial" charset="0"/>
+                <a:ea typeface="ＭＳ Ｐゴシック" charset="0"/>
+              </a:rPr>
+              <a:t> </a:t>
             </a:r>
             <a:r>
               <a:rPr lang="en-US" altLang="ja-JP" sz="3700" dirty="0">
                 <a:latin typeface="Arial" charset="0"/>
                 <a:ea typeface="ＭＳ Ｐゴシック" charset="0"/>
               </a:rPr>
-              <a:t> or </a:t>
-            </a:r>
-            <a:r>
-              <a:rPr lang="ja-JP" altLang="en-US" sz="3700" dirty="0">
-                <a:latin typeface="Arial" charset="0"/>
-                <a:ea typeface="ＭＳ Ｐゴシック" charset="0"/>
-              </a:rPr>
-              <a:t>“</a:t>
+              <a:t>or</a:t>
+            </a:r>
+            <a:r>
+              <a:rPr lang="en-US" altLang="ja-JP" sz="3700" dirty="0" smtClean="0">
+                <a:latin typeface="Arial" charset="0"/>
+                <a:ea typeface="ＭＳ Ｐゴシック" charset="0"/>
+              </a:rPr>
+              <a:t> </a:t>
             </a:r>
             <a:r>
               <a:rPr lang="en-US" altLang="ja-JP" sz="3700" dirty="0">
-                <a:latin typeface="Arial" charset="0"/>
-                <a:ea typeface="ＭＳ Ｐゴシック" charset="0"/>
+                <a:latin typeface="Source Code Pro"/>
+                <a:ea typeface="ＭＳ Ｐゴシック" charset="0"/>
+                <a:cs typeface="Source Code Pro"/>
+              </a:rPr>
+              <a:t>"</a:t>
+            </a:r>
+            <a:r>
+              <a:rPr lang="en-US" altLang="ja-JP" sz="3700" dirty="0" smtClean="0">
+                <a:latin typeface="Source Code Pro"/>
+                <a:ea typeface="ＭＳ Ｐゴシック" charset="0"/>
+                <a:cs typeface="Source Code Pro"/>
               </a:rPr>
               <a:t>error</a:t>
             </a:r>
             <a:r>
-              <a:rPr lang="ja-JP" altLang="en-US" sz="3700" dirty="0">
-                <a:latin typeface="Arial" charset="0"/>
-                <a:ea typeface="ＭＳ Ｐゴシック" charset="0"/>
-              </a:rPr>
-              <a:t>”</a:t>
+              <a:rPr lang="en-US" altLang="ja-JP" sz="3700" dirty="0" smtClean="0">
+                <a:latin typeface="Source Code Pro"/>
+                <a:ea typeface="ＭＳ Ｐゴシック" charset="0"/>
+                <a:cs typeface="Source Code Pro"/>
+              </a:rPr>
+              <a:t>"</a:t>
+            </a:r>
+            <a:r>
+              <a:rPr lang="en-US" altLang="ja-JP" sz="3700" dirty="0" smtClean="0">
+                <a:latin typeface="Arial (Body)"/>
+                <a:ea typeface="ＭＳ Ｐゴシック" charset="0"/>
+                <a:cs typeface="Arial (Body)"/>
+              </a:rPr>
+              <a:t> </a:t>
+            </a:r>
+            <a:r>
+              <a:rPr lang="en-US" altLang="ja-JP" sz="3700" dirty="0" smtClean="0">
+                <a:latin typeface="Arial" charset="0"/>
+                <a:ea typeface="ＭＳ Ｐゴシック" charset="0"/>
+              </a:rPr>
+              <a:t>will </a:t>
             </a:r>
             <a:r>
               <a:rPr lang="en-US" altLang="ja-JP" sz="3700" dirty="0">
                 <a:latin typeface="Arial" charset="0"/>
                 <a:ea typeface="ＭＳ Ｐゴシック" charset="0"/>
               </a:rPr>
-              <a:t> will be null</a:t>
+              <a:t>be null</a:t>
             </a:r>
             <a:endParaRPr lang="en-US" sz="3700" dirty="0">
               <a:latin typeface="Arial" charset="0"/>
@@ -32099,7 +31948,7 @@
     </p:spTree>
     <p:extLst>
       <p:ext uri="{BB962C8B-B14F-4D97-AF65-F5344CB8AC3E}">
-        <p14:creationId xmlns="" xmlns:a="http://schemas.openxmlformats.org/drawingml/2006/main" xmlns:r="http://schemas.openxmlformats.org/officeDocument/2006/relationships" xmlns:p="http://schemas.openxmlformats.org/presentationml/2006/main" xmlns:p14="http://schemas.microsoft.com/office/powerpoint/2010/main" xmlns:mv="urn:schemas-microsoft-com:mac:vml" xmlns:mc="http://schemas.openxmlformats.org/markup-compatibility/2006" val="1078055458"/>
+        <p14:creationId xmlns:mc="http://schemas.openxmlformats.org/markup-compatibility/2006" xmlns:mv="urn:schemas-microsoft-com:mac:vml" xmlns:p14="http://schemas.microsoft.com/office/powerpoint/2010/main" xmlns:p="http://schemas.openxmlformats.org/presentationml/2006/main" xmlns:r="http://schemas.openxmlformats.org/officeDocument/2006/relationships" xmlns:a="http://schemas.openxmlformats.org/drawingml/2006/main" xmlns="" val="1078055458"/>
       </p:ext>
     </p:extLst>
   </p:cSld>
@@ -32224,15 +32073,31 @@
                 <a:ea typeface="ＭＳ Ｐゴシック" charset="0"/>
                 <a:cs typeface="Source Code Pro"/>
               </a:rPr>
-              <a:t>: {</a:t>
-            </a:r>
-            <a:r>
-              <a:rPr lang="ja-JP" altLang="en-US" sz="3200" dirty="0">
+              <a:t>: </a:t>
+            </a:r>
+            <a:r>
+              <a:rPr lang="en-US" sz="3200" dirty="0" smtClean="0">
                 <a:latin typeface="Source Code Pro"/>
                 <a:ea typeface="ＭＳ Ｐゴシック" charset="0"/>
                 <a:cs typeface="Source Code Pro"/>
               </a:rPr>
-              <a:t>“</a:t>
+              <a:t>{</a:t>
+            </a:r>
+            <a:r>
+              <a:rPr lang="en-US" sz="3200" dirty="0">
+                <a:latin typeface="Source Code Pro"/>
+                <a:ea typeface="ＭＳ Ｐゴシック" charset="0"/>
+                <a:cs typeface="Source Code Pro"/>
+              </a:rPr>
+              <a:t>"</a:t>
+            </a:r>
+            <a:r>
+              <a:rPr lang="en-US" altLang="ja-JP" sz="3200" dirty="0" smtClean="0">
+                <a:latin typeface="Source Code Pro"/>
+                <a:ea typeface="ＭＳ Ｐゴシック" charset="0"/>
+                <a:cs typeface="Source Code Pro"/>
+              </a:rPr>
+              <a:t>method</a:t>
             </a:r>
             <a:r>
               <a:rPr lang="en-US" altLang="ja-JP" sz="3200" dirty="0">
@@ -32240,15 +32105,15 @@
                 <a:ea typeface="ＭＳ Ｐゴシック" charset="0"/>
                 <a:cs typeface="Source Code Pro"/>
               </a:rPr>
-              <a:t>method</a:t>
-            </a:r>
-            <a:r>
-              <a:rPr lang="ja-JP" altLang="en-US" sz="3200" dirty="0">
+              <a:t>"</a:t>
+            </a:r>
+            <a:r>
+              <a:rPr lang="en-US" altLang="ja-JP" sz="3200" dirty="0" smtClean="0">
                 <a:latin typeface="Source Code Pro"/>
                 <a:ea typeface="ＭＳ Ｐゴシック" charset="0"/>
                 <a:cs typeface="Source Code Pro"/>
               </a:rPr>
-              <a:t>”</a:t>
+              <a:t> </a:t>
             </a:r>
             <a:r>
               <a:rPr lang="en-US" altLang="ja-JP" sz="3200" dirty="0">
@@ -32256,34 +32121,42 @@
                 <a:ea typeface="ＭＳ Ｐゴシック" charset="0"/>
                 <a:cs typeface="Source Code Pro"/>
               </a:rPr>
-              <a:t> : </a:t>
-            </a:r>
-            <a:r>
-              <a:rPr lang="ja-JP" altLang="en-US" sz="3200" dirty="0">
+              <a:t>:</a:t>
+            </a:r>
+            <a:r>
+              <a:rPr lang="en-US" altLang="ja-JP" sz="3200" dirty="0" smtClean="0">
                 <a:latin typeface="Source Code Pro"/>
                 <a:ea typeface="ＭＳ Ｐゴシック" charset="0"/>
                 <a:cs typeface="Source Code Pro"/>
               </a:rPr>
-              <a:t>“</a:t>
-            </a:r>
-            <a:r>
-              <a:rPr lang="en-US" altLang="ja-JP" sz="3200" dirty="0" err="1">
+              <a:t> </a:t>
+            </a:r>
+            <a:r>
+              <a:rPr lang="en-US" altLang="ja-JP" sz="3200" dirty="0">
                 <a:latin typeface="Source Code Pro"/>
                 <a:ea typeface="ＭＳ Ｐゴシック" charset="0"/>
                 <a:cs typeface="Source Code Pro"/>
               </a:rPr>
+              <a:t>"</a:t>
+            </a:r>
+            <a:r>
+              <a:rPr lang="en-US" altLang="ja-JP" sz="3200" dirty="0" err="1" smtClean="0">
+                <a:latin typeface="Source Code Pro"/>
+                <a:ea typeface="ＭＳ Ｐゴシック" charset="0"/>
+                <a:cs typeface="Source Code Pro"/>
+              </a:rPr>
               <a:t>update_video</a:t>
             </a:r>
             <a:r>
-              <a:rPr lang="ja-JP" altLang="en-US" sz="3200" dirty="0">
+              <a:rPr lang="en-US" altLang="ja-JP" sz="3200" dirty="0">
                 <a:latin typeface="Source Code Pro"/>
                 <a:ea typeface="ＭＳ Ｐゴシック" charset="0"/>
                 <a:cs typeface="Source Code Pro"/>
               </a:rPr>
-              <a:t>”</a:t>
-            </a:r>
-            <a:r>
-              <a:rPr lang="en-US" altLang="ja-JP" sz="3200" dirty="0">
+              <a:t>"</a:t>
+            </a:r>
+            <a:r>
+              <a:rPr lang="en-US" altLang="ja-JP" sz="3200" dirty="0" smtClean="0">
                 <a:latin typeface="Source Code Pro"/>
                 <a:ea typeface="ＭＳ Ｐゴシック" charset="0"/>
                 <a:cs typeface="Source Code Pro"/>
@@ -32303,31 +32176,30 @@
                 <a:latin typeface="Arial" charset="0"/>
                 <a:ea typeface="ＭＳ Ｐゴシック" charset="0"/>
               </a:rPr>
-              <a:t>Parameters including WRITE token: </a:t>
-            </a:r>
-            <a:r>
-              <a:rPr lang="ja-JP" altLang="en-US" sz="3200" dirty="0" smtClean="0">
+              <a:t>Parameters including WRITE token:</a:t>
+            </a:r>
+            <a:r>
+              <a:rPr lang="en-US" altLang="ja-JP" sz="3200" dirty="0" smtClean="0">
+                <a:latin typeface="Arial" charset="0"/>
+                <a:ea typeface="ＭＳ Ｐゴシック" charset="0"/>
+              </a:rPr>
+              <a:t> </a:t>
+            </a:r>
+            <a:r>
+              <a:rPr lang="en-US" altLang="ja-JP" sz="3200" dirty="0" smtClean="0">
                 <a:latin typeface="Source Code Pro"/>
                 <a:ea typeface="ＭＳ Ｐゴシック" charset="0"/>
                 <a:cs typeface="Source Code Pro"/>
               </a:rPr>
-              <a:t>“</a:t>
-            </a:r>
-            <a:r>
-              <a:rPr lang="en-US" altLang="ja-JP" sz="3200" dirty="0" err="1">
+              <a:t>"</a:t>
+            </a:r>
+            <a:r>
+              <a:rPr lang="en-US" altLang="ja-JP" sz="3200" dirty="0" err="1" smtClean="0">
                 <a:latin typeface="Source Code Pro"/>
                 <a:ea typeface="ＭＳ Ｐゴシック" charset="0"/>
                 <a:cs typeface="Source Code Pro"/>
               </a:rPr>
               <a:t>params</a:t>
-            </a:r>
-            <a:r>
-              <a:rPr lang="ja-JP" altLang="en-US" sz="3200" dirty="0">
-                <a:latin typeface="Source Code Pro"/>
-                <a:ea typeface="ＭＳ Ｐゴシック" charset="0"/>
-                <a:cs typeface="Source Code Pro"/>
-              </a:rPr>
-              <a:t>”</a:t>
             </a:r>
             <a:r>
               <a:rPr lang="en-US" altLang="ja-JP" sz="3200" dirty="0">
@@ -32335,15 +32207,15 @@
                 <a:ea typeface="ＭＳ Ｐゴシック" charset="0"/>
                 <a:cs typeface="Source Code Pro"/>
               </a:rPr>
-              <a:t> : {</a:t>
-            </a:r>
-            <a:r>
-              <a:rPr lang="ja-JP" altLang="en-US" sz="3200" dirty="0">
+              <a:t>"</a:t>
+            </a:r>
+            <a:r>
+              <a:rPr lang="en-US" altLang="ja-JP" sz="3200" dirty="0" smtClean="0">
                 <a:latin typeface="Source Code Pro"/>
                 <a:ea typeface="ＭＳ Ｐゴシック" charset="0"/>
                 <a:cs typeface="Source Code Pro"/>
               </a:rPr>
-              <a:t>“</a:t>
+              <a:t> </a:t>
             </a:r>
             <a:r>
               <a:rPr lang="en-US" altLang="ja-JP" sz="3200" dirty="0">
@@ -32351,15 +32223,15 @@
                 <a:ea typeface="ＭＳ Ｐゴシック" charset="0"/>
                 <a:cs typeface="Source Code Pro"/>
               </a:rPr>
-              <a:t>token</a:t>
-            </a:r>
-            <a:r>
-              <a:rPr lang="ja-JP" altLang="en-US" sz="3200" dirty="0">
+              <a:t>: </a:t>
+            </a:r>
+            <a:r>
+              <a:rPr lang="en-US" altLang="ja-JP" sz="3200" dirty="0" smtClean="0">
                 <a:latin typeface="Source Code Pro"/>
                 <a:ea typeface="ＭＳ Ｐゴシック" charset="0"/>
                 <a:cs typeface="Source Code Pro"/>
               </a:rPr>
-              <a:t>”</a:t>
+              <a:t>{</a:t>
             </a:r>
             <a:r>
               <a:rPr lang="en-US" altLang="ja-JP" sz="3200" dirty="0">
@@ -32367,15 +32239,15 @@
                 <a:ea typeface="ＭＳ Ｐゴシック" charset="0"/>
                 <a:cs typeface="Source Code Pro"/>
               </a:rPr>
-              <a:t> : </a:t>
-            </a:r>
-            <a:r>
-              <a:rPr lang="ja-JP" altLang="en-US" sz="3200" dirty="0">
+              <a:t>"</a:t>
+            </a:r>
+            <a:r>
+              <a:rPr lang="en-US" altLang="ja-JP" sz="3200" dirty="0" smtClean="0">
                 <a:latin typeface="Source Code Pro"/>
                 <a:ea typeface="ＭＳ Ｐゴシック" charset="0"/>
                 <a:cs typeface="Source Code Pro"/>
               </a:rPr>
-              <a:t>“</a:t>
+              <a:t>token</a:t>
             </a:r>
             <a:r>
               <a:rPr lang="en-US" altLang="ja-JP" sz="3200" dirty="0">
@@ -32383,15 +32255,15 @@
                 <a:ea typeface="ＭＳ Ｐゴシック" charset="0"/>
                 <a:cs typeface="Source Code Pro"/>
               </a:rPr>
-              <a:t>…</a:t>
-            </a:r>
-            <a:r>
-              <a:rPr lang="ja-JP" altLang="en-US" sz="3200" dirty="0">
+              <a:t>"</a:t>
+            </a:r>
+            <a:r>
+              <a:rPr lang="en-US" altLang="ja-JP" sz="3200" dirty="0" smtClean="0">
                 <a:latin typeface="Source Code Pro"/>
                 <a:ea typeface="ＭＳ Ｐゴシック" charset="0"/>
                 <a:cs typeface="Source Code Pro"/>
               </a:rPr>
-              <a:t>”</a:t>
+              <a:t> </a:t>
             </a:r>
             <a:r>
               <a:rPr lang="en-US" altLang="ja-JP" sz="3200" dirty="0">
@@ -32399,7 +32271,55 @@
                 <a:ea typeface="ＭＳ Ｐゴシック" charset="0"/>
                 <a:cs typeface="Source Code Pro"/>
               </a:rPr>
-              <a:t>, …}}</a:t>
+              <a:t>:</a:t>
+            </a:r>
+            <a:r>
+              <a:rPr lang="en-US" altLang="ja-JP" sz="3200" dirty="0" smtClean="0">
+                <a:latin typeface="Source Code Pro"/>
+                <a:ea typeface="ＭＳ Ｐゴシック" charset="0"/>
+                <a:cs typeface="Source Code Pro"/>
+              </a:rPr>
+              <a:t> </a:t>
+            </a:r>
+            <a:r>
+              <a:rPr lang="en-US" altLang="ja-JP" sz="3200" dirty="0">
+                <a:latin typeface="Source Code Pro"/>
+                <a:ea typeface="ＭＳ Ｐゴシック" charset="0"/>
+                <a:cs typeface="Source Code Pro"/>
+              </a:rPr>
+              <a:t>"</a:t>
+            </a:r>
+            <a:r>
+              <a:rPr lang="en-US" altLang="ja-JP" sz="3200" dirty="0" smtClean="0">
+                <a:latin typeface="Source Code Pro"/>
+                <a:ea typeface="ＭＳ Ｐゴシック" charset="0"/>
+                <a:cs typeface="Source Code Pro"/>
+              </a:rPr>
+              <a:t>…</a:t>
+            </a:r>
+            <a:r>
+              <a:rPr lang="en-US" altLang="ja-JP" sz="3200" dirty="0">
+                <a:latin typeface="Source Code Pro"/>
+                <a:ea typeface="ＭＳ Ｐゴシック" charset="0"/>
+                <a:cs typeface="Source Code Pro"/>
+              </a:rPr>
+              <a:t>"</a:t>
+            </a:r>
+            <a:r>
+              <a:rPr lang="en-US" altLang="ja-JP" sz="3200" dirty="0" smtClean="0">
+                <a:latin typeface="Source Code Pro"/>
+                <a:ea typeface="ＭＳ Ｐゴシック" charset="0"/>
+                <a:cs typeface="Source Code Pro"/>
+              </a:rPr>
+              <a:t>, </a:t>
+            </a:r>
+            <a:r>
+              <a:rPr lang="en-US" altLang="ja-JP" sz="3200" dirty="0">
+                <a:latin typeface="Source Code Pro"/>
+                <a:ea typeface="ＭＳ Ｐゴシック" charset="0"/>
+                <a:cs typeface="Source Code Pro"/>
+              </a:rPr>
+              <a:t>…}}</a:t>
             </a:r>
           </a:p>
           <a:p>
@@ -32431,49 +32351,63 @@
                 <a:latin typeface="Arial" charset="0"/>
                 <a:ea typeface="ＭＳ Ｐゴシック" charset="0"/>
               </a:rPr>
-              <a:t>methods use application/x-www-form-</a:t>
+              <a:t>methods use </a:t>
             </a:r>
             <a:r>
               <a:rPr lang="en-US" sz="3200" dirty="0" err="1">
                 <a:latin typeface="Arial" charset="0"/>
                 <a:ea typeface="ＭＳ Ｐゴシック" charset="0"/>
               </a:rPr>
-              <a:t>urlencoded</a:t>
+              <a:t>application/x-www-form-urlencoded</a:t>
             </a:r>
             <a:r>
               <a:rPr lang="en-US" sz="3200" dirty="0">
                 <a:latin typeface="Arial" charset="0"/>
                 <a:ea typeface="ＭＳ Ｐゴシック" charset="0"/>
               </a:rPr>
-              <a:t>, with </a:t>
-            </a:r>
-            <a:r>
-              <a:rPr lang="ja-JP" altLang="en-US" sz="3200" dirty="0">
-                <a:latin typeface="Arial" charset="0"/>
-                <a:ea typeface="ＭＳ Ｐゴシック" charset="0"/>
-              </a:rPr>
-              <a:t>“</a:t>
-            </a:r>
-            <a:r>
-              <a:rPr lang="en-US" altLang="ja-JP" sz="3200" dirty="0" err="1">
+              <a:t>, with</a:t>
+            </a:r>
+            <a:r>
+              <a:rPr lang="en-US" sz="3200" dirty="0" smtClean="0">
+                <a:latin typeface="Arial" charset="0"/>
+                <a:ea typeface="ＭＳ Ｐゴシック" charset="0"/>
+              </a:rPr>
+              <a:t> </a:t>
+            </a:r>
+            <a:r>
+              <a:rPr lang="en-US" sz="3200" dirty="0">
+                <a:latin typeface="Arial" charset="0"/>
+                <a:ea typeface="ＭＳ Ｐゴシック" charset="0"/>
+              </a:rPr>
+              <a:t>"</a:t>
+            </a:r>
+            <a:r>
+              <a:rPr lang="en-US" altLang="ja-JP" sz="3200" dirty="0" err="1" smtClean="0">
                 <a:latin typeface="Arial" charset="0"/>
                 <a:ea typeface="ＭＳ Ｐゴシック" charset="0"/>
               </a:rPr>
               <a:t>json</a:t>
             </a:r>
             <a:r>
-              <a:rPr lang="ja-JP" altLang="en-US" sz="3200" dirty="0">
-                <a:latin typeface="Arial" charset="0"/>
-                <a:ea typeface="ＭＳ Ｐゴシック" charset="0"/>
-              </a:rPr>
-              <a:t>”</a:t>
-            </a:r>
-            <a:r>
               <a:rPr lang="en-US" altLang="ja-JP" sz="3200" dirty="0">
                 <a:latin typeface="Arial" charset="0"/>
                 <a:ea typeface="ＭＳ Ｐゴシック" charset="0"/>
               </a:rPr>
-              <a:t> as the name of the JSON-RPC data</a:t>
+              <a:t>"</a:t>
+            </a:r>
+            <a:r>
+              <a:rPr lang="en-US" altLang="ja-JP" sz="3200" dirty="0" smtClean="0">
+                <a:latin typeface="Arial" charset="0"/>
+                <a:ea typeface="ＭＳ Ｐゴシック" charset="0"/>
+              </a:rPr>
+              <a:t> </a:t>
+            </a:r>
+            <a:r>
+              <a:rPr lang="en-US" altLang="ja-JP" sz="3200" dirty="0">
+                <a:latin typeface="Arial" charset="0"/>
+                <a:ea typeface="ＭＳ Ｐゴシック" charset="0"/>
+              </a:rPr>
+              <a:t>as the name of the JSON-RPC data</a:t>
             </a:r>
             <a:endParaRPr lang="en-US" sz="3200" dirty="0">
               <a:latin typeface="Arial" charset="0"/>
@@ -32538,7 +32472,7 @@
     </p:spTree>
     <p:extLst>
       <p:ext uri="{BB962C8B-B14F-4D97-AF65-F5344CB8AC3E}">
-        <p14:creationId xmlns="" xmlns:a="http://schemas.openxmlformats.org/drawingml/2006/main" xmlns:r="http://schemas.openxmlformats.org/officeDocument/2006/relationships" xmlns:p="http://schemas.openxmlformats.org/presentationml/2006/main" xmlns:p14="http://schemas.microsoft.com/office/powerpoint/2010/main" xmlns:mv="urn:schemas-microsoft-com:mac:vml" xmlns:mc="http://schemas.openxmlformats.org/markup-compatibility/2006" val="2756965024"/>
+        <p14:creationId xmlns:mc="http://schemas.openxmlformats.org/markup-compatibility/2006" xmlns:mv="urn:schemas-microsoft-com:mac:vml" xmlns:p14="http://schemas.microsoft.com/office/powerpoint/2010/main" xmlns:p="http://schemas.openxmlformats.org/presentationml/2006/main" xmlns:r="http://schemas.openxmlformats.org/officeDocument/2006/relationships" xmlns:a="http://schemas.openxmlformats.org/drawingml/2006/main" xmlns="" val="2756965024"/>
       </p:ext>
     </p:extLst>
   </p:cSld>
@@ -32762,7 +32696,7 @@
     </p:spTree>
     <p:extLst>
       <p:ext uri="{BB962C8B-B14F-4D97-AF65-F5344CB8AC3E}">
-        <p14:creationId xmlns="" xmlns:a="http://schemas.openxmlformats.org/drawingml/2006/main" xmlns:r="http://schemas.openxmlformats.org/officeDocument/2006/relationships" xmlns:p="http://schemas.openxmlformats.org/presentationml/2006/main" xmlns:p14="http://schemas.microsoft.com/office/powerpoint/2010/main" xmlns:mv="urn:schemas-microsoft-com:mac:vml" xmlns:mc="http://schemas.openxmlformats.org/markup-compatibility/2006" val="2372069100"/>
+        <p14:creationId xmlns:mc="http://schemas.openxmlformats.org/markup-compatibility/2006" xmlns:mv="urn:schemas-microsoft-com:mac:vml" xmlns:p14="http://schemas.microsoft.com/office/powerpoint/2010/main" xmlns:p="http://schemas.openxmlformats.org/presentationml/2006/main" xmlns:r="http://schemas.openxmlformats.org/officeDocument/2006/relationships" xmlns:a="http://schemas.openxmlformats.org/drawingml/2006/main" xmlns="" val="2372069100"/>
       </p:ext>
     </p:extLst>
   </p:cSld>
@@ -32874,7 +32808,7 @@
     </p:spTree>
     <p:extLst>
       <p:ext uri="{BB962C8B-B14F-4D97-AF65-F5344CB8AC3E}">
-        <p14:creationId xmlns="" xmlns:a="http://schemas.openxmlformats.org/drawingml/2006/main" xmlns:r="http://schemas.openxmlformats.org/officeDocument/2006/relationships" xmlns:p="http://schemas.openxmlformats.org/presentationml/2006/main" xmlns:p14="http://schemas.microsoft.com/office/powerpoint/2010/main" xmlns:mv="urn:schemas-microsoft-com:mac:vml" xmlns:mc="http://schemas.openxmlformats.org/markup-compatibility/2006" val="2841730938"/>
+        <p14:creationId xmlns:mc="http://schemas.openxmlformats.org/markup-compatibility/2006" xmlns:mv="urn:schemas-microsoft-com:mac:vml" xmlns:p14="http://schemas.microsoft.com/office/powerpoint/2010/main" xmlns:p="http://schemas.openxmlformats.org/presentationml/2006/main" xmlns:r="http://schemas.openxmlformats.org/officeDocument/2006/relationships" xmlns:a="http://schemas.openxmlformats.org/drawingml/2006/main" xmlns="" val="2841730938"/>
       </p:ext>
     </p:extLst>
   </p:cSld>
@@ -32931,14 +32865,14 @@
           </a:ln>
           <a:extLst>
             <a:ext uri="{909E8E84-426E-40dd-AFC4-6F175D3DCCD1}">
-              <a14:hiddenFill xmlns="" xmlns:a="http://schemas.openxmlformats.org/drawingml/2006/main" xmlns:r="http://schemas.openxmlformats.org/officeDocument/2006/relationships" xmlns:p="http://schemas.openxmlformats.org/presentationml/2006/main" xmlns:a14="http://schemas.microsoft.com/office/drawing/2010/main" xmlns:mv="urn:schemas-microsoft-com:mac:vml" xmlns:mc="http://schemas.openxmlformats.org/markup-compatibility/2006">
+              <a14:hiddenFill xmlns:mc="http://schemas.openxmlformats.org/markup-compatibility/2006" xmlns:mv="urn:schemas-microsoft-com:mac:vml" xmlns:a14="http://schemas.microsoft.com/office/drawing/2010/main" xmlns:p="http://schemas.openxmlformats.org/presentationml/2006/main" xmlns:r="http://schemas.openxmlformats.org/officeDocument/2006/relationships" xmlns:a="http://schemas.openxmlformats.org/drawingml/2006/main" xmlns="">
                 <a:solidFill>
                   <a:srgbClr val="FFFFFF"/>
                 </a:solidFill>
               </a14:hiddenFill>
             </a:ext>
             <a:ext uri="{91240B29-F687-4f45-9708-019B960494DF}">
-              <a14:hiddenLine xmlns="" xmlns:a="http://schemas.openxmlformats.org/drawingml/2006/main" xmlns:r="http://schemas.openxmlformats.org/officeDocument/2006/relationships" xmlns:p="http://schemas.openxmlformats.org/presentationml/2006/main" xmlns:a14="http://schemas.microsoft.com/office/drawing/2010/main" xmlns:mv="urn:schemas-microsoft-com:mac:vml" xmlns:mc="http://schemas.openxmlformats.org/markup-compatibility/2006" w="9525">
+              <a14:hiddenLine xmlns:mc="http://schemas.openxmlformats.org/markup-compatibility/2006" xmlns:mv="urn:schemas-microsoft-com:mac:vml" xmlns:a14="http://schemas.microsoft.com/office/drawing/2010/main" xmlns:p="http://schemas.openxmlformats.org/presentationml/2006/main" xmlns:r="http://schemas.openxmlformats.org/officeDocument/2006/relationships" xmlns:a="http://schemas.openxmlformats.org/drawingml/2006/main" xmlns="" w="9525">
                 <a:solidFill>
                   <a:srgbClr val="000000"/>
                 </a:solidFill>
@@ -33367,7 +33301,7 @@
     </p:spTree>
     <p:extLst>
       <p:ext uri="{BB962C8B-B14F-4D97-AF65-F5344CB8AC3E}">
-        <p14:creationId xmlns="" xmlns:a="http://schemas.openxmlformats.org/drawingml/2006/main" xmlns:r="http://schemas.openxmlformats.org/officeDocument/2006/relationships" xmlns:p="http://schemas.openxmlformats.org/presentationml/2006/main" xmlns:p14="http://schemas.microsoft.com/office/powerpoint/2010/main" xmlns:mv="urn:schemas-microsoft-com:mac:vml" xmlns:mc="http://schemas.openxmlformats.org/markup-compatibility/2006" val="764835421"/>
+        <p14:creationId xmlns:mc="http://schemas.openxmlformats.org/markup-compatibility/2006" xmlns:mv="urn:schemas-microsoft-com:mac:vml" xmlns:p14="http://schemas.microsoft.com/office/powerpoint/2010/main" xmlns:p="http://schemas.openxmlformats.org/presentationml/2006/main" xmlns:r="http://schemas.openxmlformats.org/officeDocument/2006/relationships" xmlns:a="http://schemas.openxmlformats.org/drawingml/2006/main" xmlns="" val="764835421"/>
       </p:ext>
     </p:extLst>
   </p:cSld>
@@ -33468,7 +33402,7 @@
     </p:spTree>
     <p:extLst>
       <p:ext uri="{BB962C8B-B14F-4D97-AF65-F5344CB8AC3E}">
-        <p14:creationId xmlns="" xmlns:a="http://schemas.openxmlformats.org/drawingml/2006/main" xmlns:r="http://schemas.openxmlformats.org/officeDocument/2006/relationships" xmlns:p="http://schemas.openxmlformats.org/presentationml/2006/main" xmlns:p14="http://schemas.microsoft.com/office/powerpoint/2010/main" xmlns:mv="urn:schemas-microsoft-com:mac:vml" xmlns:mc="http://schemas.openxmlformats.org/markup-compatibility/2006" val="1163467958"/>
+        <p14:creationId xmlns:mc="http://schemas.openxmlformats.org/markup-compatibility/2006" xmlns:mv="urn:schemas-microsoft-com:mac:vml" xmlns:p14="http://schemas.microsoft.com/office/powerpoint/2010/main" xmlns:p="http://schemas.openxmlformats.org/presentationml/2006/main" xmlns:r="http://schemas.openxmlformats.org/officeDocument/2006/relationships" xmlns:a="http://schemas.openxmlformats.org/drawingml/2006/main" xmlns="" val="1163467958"/>
       </p:ext>
     </p:extLst>
   </p:cSld>
@@ -33652,7 +33586,7 @@
     </p:spTree>
     <p:extLst>
       <p:ext uri="{BB962C8B-B14F-4D97-AF65-F5344CB8AC3E}">
-        <p14:creationId xmlns="" xmlns:a="http://schemas.openxmlformats.org/drawingml/2006/main" xmlns:r="http://schemas.openxmlformats.org/officeDocument/2006/relationships" xmlns:p="http://schemas.openxmlformats.org/presentationml/2006/main" xmlns:p14="http://schemas.microsoft.com/office/powerpoint/2010/main" xmlns:mv="urn:schemas-microsoft-com:mac:vml" xmlns:mc="http://schemas.openxmlformats.org/markup-compatibility/2006" val="124400554"/>
+        <p14:creationId xmlns:mc="http://schemas.openxmlformats.org/markup-compatibility/2006" xmlns:mv="urn:schemas-microsoft-com:mac:vml" xmlns:p14="http://schemas.microsoft.com/office/powerpoint/2010/main" xmlns:p="http://schemas.openxmlformats.org/presentationml/2006/main" xmlns:r="http://schemas.openxmlformats.org/officeDocument/2006/relationships" xmlns:a="http://schemas.openxmlformats.org/drawingml/2006/main" xmlns="" val="124400554"/>
       </p:ext>
     </p:extLst>
   </p:cSld>
@@ -33769,7 +33703,7 @@
     </p:spTree>
     <p:extLst>
       <p:ext uri="{BB962C8B-B14F-4D97-AF65-F5344CB8AC3E}">
-        <p14:creationId xmlns="" xmlns:a="http://schemas.openxmlformats.org/drawingml/2006/main" xmlns:r="http://schemas.openxmlformats.org/officeDocument/2006/relationships" xmlns:p="http://schemas.openxmlformats.org/presentationml/2006/main" xmlns:p14="http://schemas.microsoft.com/office/powerpoint/2010/main" xmlns:mv="urn:schemas-microsoft-com:mac:vml" xmlns:mc="http://schemas.openxmlformats.org/markup-compatibility/2006" val="1487571275"/>
+        <p14:creationId xmlns:mc="http://schemas.openxmlformats.org/markup-compatibility/2006" xmlns:mv="urn:schemas-microsoft-com:mac:vml" xmlns:p14="http://schemas.microsoft.com/office/powerpoint/2010/main" xmlns:p="http://schemas.openxmlformats.org/presentationml/2006/main" xmlns:r="http://schemas.openxmlformats.org/officeDocument/2006/relationships" xmlns:a="http://schemas.openxmlformats.org/drawingml/2006/main" xmlns="" val="1487571275"/>
       </p:ext>
     </p:extLst>
   </p:cSld>
@@ -33908,14 +33842,14 @@
           </a:ln>
           <a:extLst>
             <a:ext uri="{909E8E84-426E-40dd-AFC4-6F175D3DCCD1}">
-              <a14:hiddenFill xmlns="" xmlns:a="http://schemas.openxmlformats.org/drawingml/2006/main" xmlns:r="http://schemas.openxmlformats.org/officeDocument/2006/relationships" xmlns:p="http://schemas.openxmlformats.org/presentationml/2006/main" xmlns:a14="http://schemas.microsoft.com/office/drawing/2010/main" xmlns:mv="urn:schemas-microsoft-com:mac:vml" xmlns:mc="http://schemas.openxmlformats.org/markup-compatibility/2006">
+              <a14:hiddenFill xmlns:mc="http://schemas.openxmlformats.org/markup-compatibility/2006" xmlns:mv="urn:schemas-microsoft-com:mac:vml" xmlns:a14="http://schemas.microsoft.com/office/drawing/2010/main" xmlns:p="http://schemas.openxmlformats.org/presentationml/2006/main" xmlns:r="http://schemas.openxmlformats.org/officeDocument/2006/relationships" xmlns:a="http://schemas.openxmlformats.org/drawingml/2006/main" xmlns="">
                 <a:solidFill>
                   <a:srgbClr val="FFFFFF"/>
                 </a:solidFill>
               </a14:hiddenFill>
             </a:ext>
             <a:ext uri="{91240B29-F687-4f45-9708-019B960494DF}">
-              <a14:hiddenLine xmlns="" xmlns:a="http://schemas.openxmlformats.org/drawingml/2006/main" xmlns:r="http://schemas.openxmlformats.org/officeDocument/2006/relationships" xmlns:p="http://schemas.openxmlformats.org/presentationml/2006/main" xmlns:a14="http://schemas.microsoft.com/office/drawing/2010/main" xmlns:mv="urn:schemas-microsoft-com:mac:vml" xmlns:mc="http://schemas.openxmlformats.org/markup-compatibility/2006" w="9525">
+              <a14:hiddenLine xmlns:mc="http://schemas.openxmlformats.org/markup-compatibility/2006" xmlns:mv="urn:schemas-microsoft-com:mac:vml" xmlns:a14="http://schemas.microsoft.com/office/drawing/2010/main" xmlns:p="http://schemas.openxmlformats.org/presentationml/2006/main" xmlns:r="http://schemas.openxmlformats.org/officeDocument/2006/relationships" xmlns:a="http://schemas.openxmlformats.org/drawingml/2006/main" xmlns="" w="9525">
                 <a:solidFill>
                   <a:srgbClr val="000000"/>
                 </a:solidFill>
@@ -34057,7 +33991,7 @@
     </p:spTree>
     <p:extLst>
       <p:ext uri="{BB962C8B-B14F-4D97-AF65-F5344CB8AC3E}">
-        <p14:creationId xmlns="" xmlns:a="http://schemas.openxmlformats.org/drawingml/2006/main" xmlns:r="http://schemas.openxmlformats.org/officeDocument/2006/relationships" xmlns:p="http://schemas.openxmlformats.org/presentationml/2006/main" xmlns:p14="http://schemas.microsoft.com/office/powerpoint/2010/main" xmlns:mv="urn:schemas-microsoft-com:mac:vml" xmlns:mc="http://schemas.openxmlformats.org/markup-compatibility/2006" val="3700295984"/>
+        <p14:creationId xmlns:mc="http://schemas.openxmlformats.org/markup-compatibility/2006" xmlns:mv="urn:schemas-microsoft-com:mac:vml" xmlns:p14="http://schemas.microsoft.com/office/powerpoint/2010/main" xmlns:p="http://schemas.openxmlformats.org/presentationml/2006/main" xmlns:r="http://schemas.openxmlformats.org/officeDocument/2006/relationships" xmlns:a="http://schemas.openxmlformats.org/drawingml/2006/main" xmlns="" val="3700295984"/>
       </p:ext>
     </p:extLst>
   </p:cSld>
@@ -34189,14 +34123,14 @@
           </a:ln>
           <a:extLst>
             <a:ext uri="{909E8E84-426E-40dd-AFC4-6F175D3DCCD1}">
-              <a14:hiddenFill xmlns="" xmlns:a="http://schemas.openxmlformats.org/drawingml/2006/main" xmlns:r="http://schemas.openxmlformats.org/officeDocument/2006/relationships" xmlns:p="http://schemas.openxmlformats.org/presentationml/2006/main" xmlns:a14="http://schemas.microsoft.com/office/drawing/2010/main" xmlns:mv="urn:schemas-microsoft-com:mac:vml" xmlns:mc="http://schemas.openxmlformats.org/markup-compatibility/2006">
+              <a14:hiddenFill xmlns:mc="http://schemas.openxmlformats.org/markup-compatibility/2006" xmlns:mv="urn:schemas-microsoft-com:mac:vml" xmlns:a14="http://schemas.microsoft.com/office/drawing/2010/main" xmlns:p="http://schemas.openxmlformats.org/presentationml/2006/main" xmlns:r="http://schemas.openxmlformats.org/officeDocument/2006/relationships" xmlns:a="http://schemas.openxmlformats.org/drawingml/2006/main" xmlns="">
                 <a:solidFill>
                   <a:srgbClr val="FFFFFF"/>
                 </a:solidFill>
               </a14:hiddenFill>
             </a:ext>
             <a:ext uri="{91240B29-F687-4f45-9708-019B960494DF}">
-              <a14:hiddenLine xmlns="" xmlns:a="http://schemas.openxmlformats.org/drawingml/2006/main" xmlns:r="http://schemas.openxmlformats.org/officeDocument/2006/relationships" xmlns:p="http://schemas.openxmlformats.org/presentationml/2006/main" xmlns:a14="http://schemas.microsoft.com/office/drawing/2010/main" xmlns:mv="urn:schemas-microsoft-com:mac:vml" xmlns:mc="http://schemas.openxmlformats.org/markup-compatibility/2006" w="9525">
+              <a14:hiddenLine xmlns:mc="http://schemas.openxmlformats.org/markup-compatibility/2006" xmlns:mv="urn:schemas-microsoft-com:mac:vml" xmlns:a14="http://schemas.microsoft.com/office/drawing/2010/main" xmlns:p="http://schemas.openxmlformats.org/presentationml/2006/main" xmlns:r="http://schemas.openxmlformats.org/officeDocument/2006/relationships" xmlns:a="http://schemas.openxmlformats.org/drawingml/2006/main" xmlns="" w="9525">
                 <a:solidFill>
                   <a:srgbClr val="000000"/>
                 </a:solidFill>
@@ -34338,7 +34272,7 @@
     </p:spTree>
     <p:extLst>
       <p:ext uri="{BB962C8B-B14F-4D97-AF65-F5344CB8AC3E}">
-        <p14:creationId xmlns="" xmlns:a="http://schemas.openxmlformats.org/drawingml/2006/main" xmlns:r="http://schemas.openxmlformats.org/officeDocument/2006/relationships" xmlns:p="http://schemas.openxmlformats.org/presentationml/2006/main" xmlns:p14="http://schemas.microsoft.com/office/powerpoint/2010/main" xmlns:mv="urn:schemas-microsoft-com:mac:vml" xmlns:mc="http://schemas.openxmlformats.org/markup-compatibility/2006" val="2108713422"/>
+        <p14:creationId xmlns:mc="http://schemas.openxmlformats.org/markup-compatibility/2006" xmlns:mv="urn:schemas-microsoft-com:mac:vml" xmlns:p14="http://schemas.microsoft.com/office/powerpoint/2010/main" xmlns:p="http://schemas.openxmlformats.org/presentationml/2006/main" xmlns:r="http://schemas.openxmlformats.org/officeDocument/2006/relationships" xmlns:a="http://schemas.openxmlformats.org/drawingml/2006/main" xmlns="" val="2108713422"/>
       </p:ext>
     </p:extLst>
   </p:cSld>
@@ -34567,14 +34501,14 @@
           </a:ln>
           <a:extLst>
             <a:ext uri="{909E8E84-426E-40dd-AFC4-6F175D3DCCD1}">
-              <a14:hiddenFill xmlns="" xmlns:a="http://schemas.openxmlformats.org/drawingml/2006/main" xmlns:r="http://schemas.openxmlformats.org/officeDocument/2006/relationships" xmlns:p="http://schemas.openxmlformats.org/presentationml/2006/main" xmlns:a14="http://schemas.microsoft.com/office/drawing/2010/main" xmlns:mv="urn:schemas-microsoft-com:mac:vml" xmlns:mc="http://schemas.openxmlformats.org/markup-compatibility/2006">
+              <a14:hiddenFill xmlns:mc="http://schemas.openxmlformats.org/markup-compatibility/2006" xmlns:mv="urn:schemas-microsoft-com:mac:vml" xmlns:a14="http://schemas.microsoft.com/office/drawing/2010/main" xmlns:p="http://schemas.openxmlformats.org/presentationml/2006/main" xmlns:r="http://schemas.openxmlformats.org/officeDocument/2006/relationships" xmlns:a="http://schemas.openxmlformats.org/drawingml/2006/main" xmlns="">
                 <a:solidFill>
                   <a:srgbClr val="FFFFFF"/>
                 </a:solidFill>
               </a14:hiddenFill>
             </a:ext>
             <a:ext uri="{91240B29-F687-4f45-9708-019B960494DF}">
-              <a14:hiddenLine xmlns="" xmlns:a="http://schemas.openxmlformats.org/drawingml/2006/main" xmlns:r="http://schemas.openxmlformats.org/officeDocument/2006/relationships" xmlns:p="http://schemas.openxmlformats.org/presentationml/2006/main" xmlns:a14="http://schemas.microsoft.com/office/drawing/2010/main" xmlns:mv="urn:schemas-microsoft-com:mac:vml" xmlns:mc="http://schemas.openxmlformats.org/markup-compatibility/2006" w="9525">
+              <a14:hiddenLine xmlns:mc="http://schemas.openxmlformats.org/markup-compatibility/2006" xmlns:mv="urn:schemas-microsoft-com:mac:vml" xmlns:a14="http://schemas.microsoft.com/office/drawing/2010/main" xmlns:p="http://schemas.openxmlformats.org/presentationml/2006/main" xmlns:r="http://schemas.openxmlformats.org/officeDocument/2006/relationships" xmlns:a="http://schemas.openxmlformats.org/drawingml/2006/main" xmlns="" w="9525">
                 <a:solidFill>
                   <a:srgbClr val="000000"/>
                 </a:solidFill>
@@ -34716,7 +34650,7 @@
     </p:spTree>
     <p:extLst>
       <p:ext uri="{BB962C8B-B14F-4D97-AF65-F5344CB8AC3E}">
-        <p14:creationId xmlns="" xmlns:a="http://schemas.openxmlformats.org/drawingml/2006/main" xmlns:r="http://schemas.openxmlformats.org/officeDocument/2006/relationships" xmlns:p="http://schemas.openxmlformats.org/presentationml/2006/main" xmlns:p14="http://schemas.microsoft.com/office/powerpoint/2010/main" xmlns:mv="urn:schemas-microsoft-com:mac:vml" xmlns:mc="http://schemas.openxmlformats.org/markup-compatibility/2006" val="4257424235"/>
+        <p14:creationId xmlns:mc="http://schemas.openxmlformats.org/markup-compatibility/2006" xmlns:mv="urn:schemas-microsoft-com:mac:vml" xmlns:p14="http://schemas.microsoft.com/office/powerpoint/2010/main" xmlns:p="http://schemas.openxmlformats.org/presentationml/2006/main" xmlns:r="http://schemas.openxmlformats.org/officeDocument/2006/relationships" xmlns:a="http://schemas.openxmlformats.org/drawingml/2006/main" xmlns="" val="4257424235"/>
       </p:ext>
     </p:extLst>
   </p:cSld>

--- a/Slides/developing-media-api-17Dec2013.pptx
+++ b/Slides/developing-media-api-17Dec2013.pptx
@@ -1,6 +1,6 @@
 
 <file path=ppt/presentation.xml><?xml version="1.0" encoding="utf-8"?>
-<p:presentation xmlns:a="http://schemas.openxmlformats.org/drawingml/2006/main" xmlns:r="http://schemas.openxmlformats.org/officeDocument/2006/relationships" xmlns:mc="http://schemas.openxmlformats.org/markup-compatibility/2006" xmlns:mv="urn:schemas-microsoft-com:mac:vml" xmlns:p="http://schemas.openxmlformats.org/presentationml/2006/main" mc:Ignorable="mv" mc:PreserveAttributes="mv:*" showSpecialPlsOnTitleSld="0" saveSubsetFonts="1" autoCompressPictures="0">
+<p:presentation xmlns:a="http://schemas.openxmlformats.org/drawingml/2006/main" xmlns:r="http://schemas.openxmlformats.org/officeDocument/2006/relationships" xmlns:p="http://schemas.openxmlformats.org/presentationml/2006/main" showSpecialPlsOnTitleSld="0" saveSubsetFonts="1" autoCompressPictures="0">
   <p:sldMasterIdLst>
     <p:sldMasterId id="2147483648" r:id="rId1"/>
   </p:sldMasterIdLst>
@@ -213,7 +213,7 @@
 </file>
 
 <file path=ppt/notesMasters/notesMaster1.xml><?xml version="1.0" encoding="utf-8"?>
-<p:notesMaster xmlns:a="http://schemas.openxmlformats.org/drawingml/2006/main" xmlns:r="http://schemas.openxmlformats.org/officeDocument/2006/relationships" xmlns:mc="http://schemas.openxmlformats.org/markup-compatibility/2006" xmlns:mv="urn:schemas-microsoft-com:mac:vml" xmlns:p="http://schemas.openxmlformats.org/presentationml/2006/main" mc:Ignorable="mv" mc:PreserveAttributes="mv:*">
+<p:notesMaster xmlns:a="http://schemas.openxmlformats.org/drawingml/2006/main" xmlns:r="http://schemas.openxmlformats.org/officeDocument/2006/relationships" xmlns:p="http://schemas.openxmlformats.org/presentationml/2006/main">
   <p:cSld>
     <p:bg>
       <p:bgRef idx="1001">
@@ -295,7 +295,7 @@
             <a:fld id="{DDC063FE-8627-9A42-970F-0BBEEB02B587}" type="datetimeFigureOut">
               <a:rPr lang="en-US" smtClean="0"/>
               <a:pPr/>
-              <a:t>1/20/14</a:t>
+              <a:t>1/21/14</a:t>
             </a:fld>
             <a:endParaRPr lang="en-US" dirty="0"/>
           </a:p>
@@ -464,7 +464,7 @@
     </p:spTree>
     <p:extLst>
       <p:ext uri="{BB962C8B-B14F-4D97-AF65-F5344CB8AC3E}">
-        <p14:creationId xmlns:mc="http://schemas.openxmlformats.org/markup-compatibility/2006" xmlns:mv="urn:schemas-microsoft-com:mac:vml" xmlns:p14="http://schemas.microsoft.com/office/powerpoint/2010/main" xmlns:p="http://schemas.openxmlformats.org/presentationml/2006/main" xmlns:r="http://schemas.openxmlformats.org/officeDocument/2006/relationships" xmlns:a="http://schemas.openxmlformats.org/drawingml/2006/main" xmlns="" val="4045051341"/>
+        <p14:creationId xmlns:p14="http://schemas.microsoft.com/office/powerpoint/2010/main" val="4045051341"/>
       </p:ext>
     </p:extLst>
   </p:cSld>
@@ -565,7 +565,7 @@
 </file>
 
 <file path=ppt/notesSlides/notesSlide1.xml><?xml version="1.0" encoding="utf-8"?>
-<p:notes xmlns:a="http://schemas.openxmlformats.org/drawingml/2006/main" xmlns:r="http://schemas.openxmlformats.org/officeDocument/2006/relationships" xmlns:mc="http://schemas.openxmlformats.org/markup-compatibility/2006" xmlns:mv="urn:schemas-microsoft-com:mac:vml" xmlns:p="http://schemas.openxmlformats.org/presentationml/2006/main" mc:Ignorable="mv" mc:PreserveAttributes="mv:*">
+<p:notes xmlns:a="http://schemas.openxmlformats.org/drawingml/2006/main" xmlns:r="http://schemas.openxmlformats.org/officeDocument/2006/relationships" xmlns:p="http://schemas.openxmlformats.org/presentationml/2006/main">
   <p:cSld>
     <p:spTree>
       <p:nvGrpSpPr>
@@ -639,7 +639,7 @@
     </p:spTree>
     <p:extLst>
       <p:ext uri="{BB962C8B-B14F-4D97-AF65-F5344CB8AC3E}">
-        <p14:creationId xmlns:mc="http://schemas.openxmlformats.org/markup-compatibility/2006" xmlns:mv="urn:schemas-microsoft-com:mac:vml" xmlns:p14="http://schemas.microsoft.com/office/powerpoint/2010/main" xmlns:p="http://schemas.openxmlformats.org/presentationml/2006/main" xmlns:r="http://schemas.openxmlformats.org/officeDocument/2006/relationships" xmlns:a="http://schemas.openxmlformats.org/drawingml/2006/main" xmlns="" val="3250658828"/>
+        <p14:creationId xmlns:p14="http://schemas.microsoft.com/office/powerpoint/2010/main" val="3250658828"/>
       </p:ext>
     </p:extLst>
   </p:cSld>
@@ -650,7 +650,7 @@
 </file>
 
 <file path=ppt/notesSlides/notesSlide10.xml><?xml version="1.0" encoding="utf-8"?>
-<p:notes xmlns:a="http://schemas.openxmlformats.org/drawingml/2006/main" xmlns:r="http://schemas.openxmlformats.org/officeDocument/2006/relationships" xmlns:mc="http://schemas.openxmlformats.org/markup-compatibility/2006" xmlns:mv="urn:schemas-microsoft-com:mac:vml" xmlns:p="http://schemas.openxmlformats.org/presentationml/2006/main" mc:Ignorable="mv" mc:PreserveAttributes="mv:*">
+<p:notes xmlns:a="http://schemas.openxmlformats.org/drawingml/2006/main" xmlns:r="http://schemas.openxmlformats.org/officeDocument/2006/relationships" xmlns:p="http://schemas.openxmlformats.org/presentationml/2006/main">
   <p:cSld>
     <p:spTree>
       <p:nvGrpSpPr>
@@ -724,7 +724,7 @@
     </p:spTree>
     <p:extLst>
       <p:ext uri="{BB962C8B-B14F-4D97-AF65-F5344CB8AC3E}">
-        <p14:creationId xmlns:mc="http://schemas.openxmlformats.org/markup-compatibility/2006" xmlns:mv="urn:schemas-microsoft-com:mac:vml" xmlns:p14="http://schemas.microsoft.com/office/powerpoint/2010/main" xmlns:p="http://schemas.openxmlformats.org/presentationml/2006/main" xmlns:r="http://schemas.openxmlformats.org/officeDocument/2006/relationships" xmlns:a="http://schemas.openxmlformats.org/drawingml/2006/main" xmlns="" val="3250658828"/>
+        <p14:creationId xmlns:p14="http://schemas.microsoft.com/office/powerpoint/2010/main" val="3250658828"/>
       </p:ext>
     </p:extLst>
   </p:cSld>
@@ -735,7 +735,7 @@
 </file>
 
 <file path=ppt/notesSlides/notesSlide11.xml><?xml version="1.0" encoding="utf-8"?>
-<p:notes xmlns:a="http://schemas.openxmlformats.org/drawingml/2006/main" xmlns:r="http://schemas.openxmlformats.org/officeDocument/2006/relationships" xmlns:mc="http://schemas.openxmlformats.org/markup-compatibility/2006" xmlns:mv="urn:schemas-microsoft-com:mac:vml" xmlns:p="http://schemas.openxmlformats.org/presentationml/2006/main" mc:Ignorable="mv" mc:PreserveAttributes="mv:*">
+<p:notes xmlns:a="http://schemas.openxmlformats.org/drawingml/2006/main" xmlns:r="http://schemas.openxmlformats.org/officeDocument/2006/relationships" xmlns:p="http://schemas.openxmlformats.org/presentationml/2006/main">
   <p:cSld>
     <p:spTree>
       <p:nvGrpSpPr>
@@ -809,7 +809,7 @@
     </p:spTree>
     <p:extLst>
       <p:ext uri="{BB962C8B-B14F-4D97-AF65-F5344CB8AC3E}">
-        <p14:creationId xmlns:mc="http://schemas.openxmlformats.org/markup-compatibility/2006" xmlns:mv="urn:schemas-microsoft-com:mac:vml" xmlns:p14="http://schemas.microsoft.com/office/powerpoint/2010/main" xmlns:p="http://schemas.openxmlformats.org/presentationml/2006/main" xmlns:r="http://schemas.openxmlformats.org/officeDocument/2006/relationships" xmlns:a="http://schemas.openxmlformats.org/drawingml/2006/main" xmlns="" val="963676054"/>
+        <p14:creationId xmlns:p14="http://schemas.microsoft.com/office/powerpoint/2010/main" val="963676054"/>
       </p:ext>
     </p:extLst>
   </p:cSld>
@@ -820,7 +820,7 @@
 </file>
 
 <file path=ppt/notesSlides/notesSlide12.xml><?xml version="1.0" encoding="utf-8"?>
-<p:notes xmlns:a="http://schemas.openxmlformats.org/drawingml/2006/main" xmlns:r="http://schemas.openxmlformats.org/officeDocument/2006/relationships" xmlns:mc="http://schemas.openxmlformats.org/markup-compatibility/2006" xmlns:mv="urn:schemas-microsoft-com:mac:vml" xmlns:p="http://schemas.openxmlformats.org/presentationml/2006/main" mc:Ignorable="mv" mc:PreserveAttributes="mv:*">
+<p:notes xmlns:a="http://schemas.openxmlformats.org/drawingml/2006/main" xmlns:r="http://schemas.openxmlformats.org/officeDocument/2006/relationships" xmlns:p="http://schemas.openxmlformats.org/presentationml/2006/main">
   <p:cSld>
     <p:spTree>
       <p:nvGrpSpPr>
@@ -894,7 +894,7 @@
     </p:spTree>
     <p:extLst>
       <p:ext uri="{BB962C8B-B14F-4D97-AF65-F5344CB8AC3E}">
-        <p14:creationId xmlns:mc="http://schemas.openxmlformats.org/markup-compatibility/2006" xmlns:mv="urn:schemas-microsoft-com:mac:vml" xmlns:p14="http://schemas.microsoft.com/office/powerpoint/2010/main" xmlns:p="http://schemas.openxmlformats.org/presentationml/2006/main" xmlns:r="http://schemas.openxmlformats.org/officeDocument/2006/relationships" xmlns:a="http://schemas.openxmlformats.org/drawingml/2006/main" xmlns="" val="963676054"/>
+        <p14:creationId xmlns:p14="http://schemas.microsoft.com/office/powerpoint/2010/main" val="963676054"/>
       </p:ext>
     </p:extLst>
   </p:cSld>
@@ -905,7 +905,7 @@
 </file>
 
 <file path=ppt/notesSlides/notesSlide13.xml><?xml version="1.0" encoding="utf-8"?>
-<p:notes xmlns:a="http://schemas.openxmlformats.org/drawingml/2006/main" xmlns:r="http://schemas.openxmlformats.org/officeDocument/2006/relationships" xmlns:mc="http://schemas.openxmlformats.org/markup-compatibility/2006" xmlns:mv="urn:schemas-microsoft-com:mac:vml" xmlns:p="http://schemas.openxmlformats.org/presentationml/2006/main" mc:Ignorable="mv" mc:PreserveAttributes="mv:*">
+<p:notes xmlns:a="http://schemas.openxmlformats.org/drawingml/2006/main" xmlns:r="http://schemas.openxmlformats.org/officeDocument/2006/relationships" xmlns:p="http://schemas.openxmlformats.org/presentationml/2006/main">
   <p:cSld>
     <p:spTree>
       <p:nvGrpSpPr>
@@ -979,7 +979,7 @@
     </p:spTree>
     <p:extLst>
       <p:ext uri="{BB962C8B-B14F-4D97-AF65-F5344CB8AC3E}">
-        <p14:creationId xmlns:mc="http://schemas.openxmlformats.org/markup-compatibility/2006" xmlns:mv="urn:schemas-microsoft-com:mac:vml" xmlns:p14="http://schemas.microsoft.com/office/powerpoint/2010/main" xmlns:p="http://schemas.openxmlformats.org/presentationml/2006/main" xmlns:r="http://schemas.openxmlformats.org/officeDocument/2006/relationships" xmlns:a="http://schemas.openxmlformats.org/drawingml/2006/main" xmlns="" val="963676054"/>
+        <p14:creationId xmlns:p14="http://schemas.microsoft.com/office/powerpoint/2010/main" val="963676054"/>
       </p:ext>
     </p:extLst>
   </p:cSld>
@@ -990,7 +990,7 @@
 </file>
 
 <file path=ppt/notesSlides/notesSlide14.xml><?xml version="1.0" encoding="utf-8"?>
-<p:notes xmlns:a="http://schemas.openxmlformats.org/drawingml/2006/main" xmlns:r="http://schemas.openxmlformats.org/officeDocument/2006/relationships" xmlns:mc="http://schemas.openxmlformats.org/markup-compatibility/2006" xmlns:mv="urn:schemas-microsoft-com:mac:vml" xmlns:p="http://schemas.openxmlformats.org/presentationml/2006/main" mc:Ignorable="mv" mc:PreserveAttributes="mv:*">
+<p:notes xmlns:a="http://schemas.openxmlformats.org/drawingml/2006/main" xmlns:r="http://schemas.openxmlformats.org/officeDocument/2006/relationships" xmlns:p="http://schemas.openxmlformats.org/presentationml/2006/main">
   <p:cSld>
     <p:spTree>
       <p:nvGrpSpPr>
@@ -1028,14 +1028,14 @@
           </a:ln>
           <a:extLst>
             <a:ext uri="{909E8E84-426E-40dd-AFC4-6F175D3DCCD1}">
-              <a14:hiddenFill xmlns:mc="http://schemas.openxmlformats.org/markup-compatibility/2006" xmlns:mv="urn:schemas-microsoft-com:mac:vml" xmlns:a14="http://schemas.microsoft.com/office/drawing/2010/main" xmlns:p="http://schemas.openxmlformats.org/presentationml/2006/main" xmlns:r="http://schemas.openxmlformats.org/officeDocument/2006/relationships" xmlns:a="http://schemas.openxmlformats.org/drawingml/2006/main" xmlns="">
+              <a14:hiddenFill xmlns:a14="http://schemas.microsoft.com/office/drawing/2010/main">
                 <a:solidFill>
                   <a:srgbClr val="FFFFFF"/>
                 </a:solidFill>
               </a14:hiddenFill>
             </a:ext>
             <a:ext uri="{91240B29-F687-4f45-9708-019B960494DF}">
-              <a14:hiddenLine xmlns:mc="http://schemas.openxmlformats.org/markup-compatibility/2006" xmlns:mv="urn:schemas-microsoft-com:mac:vml" xmlns:a14="http://schemas.microsoft.com/office/drawing/2010/main" xmlns:p="http://schemas.openxmlformats.org/presentationml/2006/main" xmlns:r="http://schemas.openxmlformats.org/officeDocument/2006/relationships" xmlns:a="http://schemas.openxmlformats.org/drawingml/2006/main" xmlns="" w="9525">
+              <a14:hiddenLine xmlns:a14="http://schemas.microsoft.com/office/drawing/2010/main" w="9525">
                 <a:solidFill>
                   <a:srgbClr val="000000"/>
                 </a:solidFill>
@@ -1189,14 +1189,14 @@
           </a:ln>
           <a:extLst>
             <a:ext uri="{909E8E84-426E-40dd-AFC4-6F175D3DCCD1}">
-              <a14:hiddenFill xmlns:mc="http://schemas.openxmlformats.org/markup-compatibility/2006" xmlns:mv="urn:schemas-microsoft-com:mac:vml" xmlns:a14="http://schemas.microsoft.com/office/drawing/2010/main" xmlns:p="http://schemas.openxmlformats.org/presentationml/2006/main" xmlns:r="http://schemas.openxmlformats.org/officeDocument/2006/relationships" xmlns:a="http://schemas.openxmlformats.org/drawingml/2006/main" xmlns="">
+              <a14:hiddenFill xmlns:a14="http://schemas.microsoft.com/office/drawing/2010/main">
                 <a:solidFill>
                   <a:srgbClr val="FFFFFF"/>
                 </a:solidFill>
               </a14:hiddenFill>
             </a:ext>
             <a:ext uri="{FAA26D3D-D897-4be2-8F04-BA451C77F1D7}">
-              <ma14:placeholderFlag xmlns:mc="http://schemas.openxmlformats.org/markup-compatibility/2006" xmlns:mv="urn:schemas-microsoft-com:mac:vml" xmlns:ma14="http://schemas.microsoft.com/office/mac/drawingml/2011/main" xmlns:p="http://schemas.openxmlformats.org/presentationml/2006/main" xmlns:r="http://schemas.openxmlformats.org/officeDocument/2006/relationships" xmlns:a="http://schemas.openxmlformats.org/drawingml/2006/main" xmlns="" val="1"/>
+              <ma14:placeholderFlag xmlns:ma14="http://schemas.microsoft.com/office/mac/drawingml/2011/main" val="1"/>
             </a:ext>
           </a:extLst>
         </p:spPr>
@@ -1215,14 +1215,14 @@
           <a:noFill/>
           <a:extLst>
             <a:ext uri="{909E8E84-426E-40dd-AFC4-6F175D3DCCD1}">
-              <a14:hiddenFill xmlns:mc="http://schemas.openxmlformats.org/markup-compatibility/2006" xmlns:mv="urn:schemas-microsoft-com:mac:vml" xmlns:a14="http://schemas.microsoft.com/office/drawing/2010/main" xmlns:p="http://schemas.openxmlformats.org/presentationml/2006/main" xmlns:r="http://schemas.openxmlformats.org/officeDocument/2006/relationships" xmlns:a="http://schemas.openxmlformats.org/drawingml/2006/main" xmlns="">
+              <a14:hiddenFill xmlns:a14="http://schemas.microsoft.com/office/drawing/2010/main">
                 <a:solidFill>
                   <a:srgbClr val="FFFFFF"/>
                 </a:solidFill>
               </a14:hiddenFill>
             </a:ext>
             <a:ext uri="{91240B29-F687-4f45-9708-019B960494DF}">
-              <a14:hiddenLine xmlns:mc="http://schemas.openxmlformats.org/markup-compatibility/2006" xmlns:mv="urn:schemas-microsoft-com:mac:vml" xmlns:a14="http://schemas.microsoft.com/office/drawing/2010/main" xmlns:p="http://schemas.openxmlformats.org/presentationml/2006/main" xmlns:r="http://schemas.openxmlformats.org/officeDocument/2006/relationships" xmlns:a="http://schemas.openxmlformats.org/drawingml/2006/main" xmlns="" w="9525">
+              <a14:hiddenLine xmlns:a14="http://schemas.microsoft.com/office/drawing/2010/main" w="9525">
                 <a:solidFill>
                   <a:srgbClr val="000000"/>
                 </a:solidFill>
@@ -1232,7 +1232,7 @@
               </a14:hiddenLine>
             </a:ext>
             <a:ext uri="{FAA26D3D-D897-4be2-8F04-BA451C77F1D7}">
-              <ma14:placeholderFlag xmlns:mc="http://schemas.openxmlformats.org/markup-compatibility/2006" xmlns:mv="urn:schemas-microsoft-com:mac:vml" xmlns:ma14="http://schemas.microsoft.com/office/mac/drawingml/2011/main" xmlns:p="http://schemas.openxmlformats.org/presentationml/2006/main" xmlns:r="http://schemas.openxmlformats.org/officeDocument/2006/relationships" xmlns:a="http://schemas.openxmlformats.org/drawingml/2006/main" xmlns="" val="1"/>
+              <ma14:placeholderFlag xmlns:ma14="http://schemas.microsoft.com/office/mac/drawingml/2011/main" val="1"/>
             </a:ext>
           </a:extLst>
         </p:spPr>
@@ -1260,7 +1260,7 @@
 </file>
 
 <file path=ppt/notesSlides/notesSlide15.xml><?xml version="1.0" encoding="utf-8"?>
-<p:notes xmlns:a="http://schemas.openxmlformats.org/drawingml/2006/main" xmlns:r="http://schemas.openxmlformats.org/officeDocument/2006/relationships" xmlns:mc="http://schemas.openxmlformats.org/markup-compatibility/2006" xmlns:mv="urn:schemas-microsoft-com:mac:vml" xmlns:p="http://schemas.openxmlformats.org/presentationml/2006/main" mc:Ignorable="mv" mc:PreserveAttributes="mv:*">
+<p:notes xmlns:a="http://schemas.openxmlformats.org/drawingml/2006/main" xmlns:r="http://schemas.openxmlformats.org/officeDocument/2006/relationships" xmlns:p="http://schemas.openxmlformats.org/presentationml/2006/main">
   <p:cSld>
     <p:spTree>
       <p:nvGrpSpPr>
@@ -1334,7 +1334,7 @@
     </p:spTree>
     <p:extLst>
       <p:ext uri="{BB962C8B-B14F-4D97-AF65-F5344CB8AC3E}">
-        <p14:creationId xmlns:mc="http://schemas.openxmlformats.org/markup-compatibility/2006" xmlns:mv="urn:schemas-microsoft-com:mac:vml" xmlns:p14="http://schemas.microsoft.com/office/powerpoint/2010/main" xmlns:p="http://schemas.openxmlformats.org/presentationml/2006/main" xmlns:r="http://schemas.openxmlformats.org/officeDocument/2006/relationships" xmlns:a="http://schemas.openxmlformats.org/drawingml/2006/main" xmlns="" val="963676054"/>
+        <p14:creationId xmlns:p14="http://schemas.microsoft.com/office/powerpoint/2010/main" val="963676054"/>
       </p:ext>
     </p:extLst>
   </p:cSld>
@@ -1345,7 +1345,7 @@
 </file>
 
 <file path=ppt/notesSlides/notesSlide16.xml><?xml version="1.0" encoding="utf-8"?>
-<p:notes xmlns:a="http://schemas.openxmlformats.org/drawingml/2006/main" xmlns:r="http://schemas.openxmlformats.org/officeDocument/2006/relationships" xmlns:mc="http://schemas.openxmlformats.org/markup-compatibility/2006" xmlns:mv="urn:schemas-microsoft-com:mac:vml" xmlns:p="http://schemas.openxmlformats.org/presentationml/2006/main" mc:Ignorable="mv" mc:PreserveAttributes="mv:*">
+<p:notes xmlns:a="http://schemas.openxmlformats.org/drawingml/2006/main" xmlns:r="http://schemas.openxmlformats.org/officeDocument/2006/relationships" xmlns:p="http://schemas.openxmlformats.org/presentationml/2006/main">
   <p:cSld>
     <p:spTree>
       <p:nvGrpSpPr>
@@ -1383,14 +1383,14 @@
           </a:ln>
           <a:extLst>
             <a:ext uri="{909E8E84-426E-40dd-AFC4-6F175D3DCCD1}">
-              <a14:hiddenFill xmlns:mc="http://schemas.openxmlformats.org/markup-compatibility/2006" xmlns:mv="urn:schemas-microsoft-com:mac:vml" xmlns:a14="http://schemas.microsoft.com/office/drawing/2010/main" xmlns:p="http://schemas.openxmlformats.org/presentationml/2006/main" xmlns:r="http://schemas.openxmlformats.org/officeDocument/2006/relationships" xmlns:a="http://schemas.openxmlformats.org/drawingml/2006/main" xmlns="">
+              <a14:hiddenFill xmlns:a14="http://schemas.microsoft.com/office/drawing/2010/main">
                 <a:solidFill>
                   <a:srgbClr val="FFFFFF"/>
                 </a:solidFill>
               </a14:hiddenFill>
             </a:ext>
             <a:ext uri="{91240B29-F687-4f45-9708-019B960494DF}">
-              <a14:hiddenLine xmlns:mc="http://schemas.openxmlformats.org/markup-compatibility/2006" xmlns:mv="urn:schemas-microsoft-com:mac:vml" xmlns:a14="http://schemas.microsoft.com/office/drawing/2010/main" xmlns:p="http://schemas.openxmlformats.org/presentationml/2006/main" xmlns:r="http://schemas.openxmlformats.org/officeDocument/2006/relationships" xmlns:a="http://schemas.openxmlformats.org/drawingml/2006/main" xmlns="" w="9525">
+              <a14:hiddenLine xmlns:a14="http://schemas.microsoft.com/office/drawing/2010/main" w="9525">
                 <a:solidFill>
                   <a:srgbClr val="000000"/>
                 </a:solidFill>
@@ -1544,14 +1544,14 @@
           </a:ln>
           <a:extLst>
             <a:ext uri="{909E8E84-426E-40dd-AFC4-6F175D3DCCD1}">
-              <a14:hiddenFill xmlns:mc="http://schemas.openxmlformats.org/markup-compatibility/2006" xmlns:mv="urn:schemas-microsoft-com:mac:vml" xmlns:a14="http://schemas.microsoft.com/office/drawing/2010/main" xmlns:p="http://schemas.openxmlformats.org/presentationml/2006/main" xmlns:r="http://schemas.openxmlformats.org/officeDocument/2006/relationships" xmlns:a="http://schemas.openxmlformats.org/drawingml/2006/main" xmlns="">
+              <a14:hiddenFill xmlns:a14="http://schemas.microsoft.com/office/drawing/2010/main">
                 <a:solidFill>
                   <a:srgbClr val="FFFFFF"/>
                 </a:solidFill>
               </a14:hiddenFill>
             </a:ext>
             <a:ext uri="{FAA26D3D-D897-4be2-8F04-BA451C77F1D7}">
-              <ma14:placeholderFlag xmlns:mc="http://schemas.openxmlformats.org/markup-compatibility/2006" xmlns:mv="urn:schemas-microsoft-com:mac:vml" xmlns:ma14="http://schemas.microsoft.com/office/mac/drawingml/2011/main" xmlns:p="http://schemas.openxmlformats.org/presentationml/2006/main" xmlns:r="http://schemas.openxmlformats.org/officeDocument/2006/relationships" xmlns:a="http://schemas.openxmlformats.org/drawingml/2006/main" xmlns="" val="1"/>
+              <ma14:placeholderFlag xmlns:ma14="http://schemas.microsoft.com/office/mac/drawingml/2011/main" val="1"/>
             </a:ext>
           </a:extLst>
         </p:spPr>
@@ -1570,14 +1570,14 @@
           <a:noFill/>
           <a:extLst>
             <a:ext uri="{909E8E84-426E-40dd-AFC4-6F175D3DCCD1}">
-              <a14:hiddenFill xmlns:mc="http://schemas.openxmlformats.org/markup-compatibility/2006" xmlns:mv="urn:schemas-microsoft-com:mac:vml" xmlns:a14="http://schemas.microsoft.com/office/drawing/2010/main" xmlns:p="http://schemas.openxmlformats.org/presentationml/2006/main" xmlns:r="http://schemas.openxmlformats.org/officeDocument/2006/relationships" xmlns:a="http://schemas.openxmlformats.org/drawingml/2006/main" xmlns="">
+              <a14:hiddenFill xmlns:a14="http://schemas.microsoft.com/office/drawing/2010/main">
                 <a:solidFill>
                   <a:srgbClr val="FFFFFF"/>
                 </a:solidFill>
               </a14:hiddenFill>
             </a:ext>
             <a:ext uri="{91240B29-F687-4f45-9708-019B960494DF}">
-              <a14:hiddenLine xmlns:mc="http://schemas.openxmlformats.org/markup-compatibility/2006" xmlns:mv="urn:schemas-microsoft-com:mac:vml" xmlns:a14="http://schemas.microsoft.com/office/drawing/2010/main" xmlns:p="http://schemas.openxmlformats.org/presentationml/2006/main" xmlns:r="http://schemas.openxmlformats.org/officeDocument/2006/relationships" xmlns:a="http://schemas.openxmlformats.org/drawingml/2006/main" xmlns="" w="9525">
+              <a14:hiddenLine xmlns:a14="http://schemas.microsoft.com/office/drawing/2010/main" w="9525">
                 <a:solidFill>
                   <a:srgbClr val="000000"/>
                 </a:solidFill>
@@ -1587,7 +1587,7 @@
               </a14:hiddenLine>
             </a:ext>
             <a:ext uri="{FAA26D3D-D897-4be2-8F04-BA451C77F1D7}">
-              <ma14:placeholderFlag xmlns:mc="http://schemas.openxmlformats.org/markup-compatibility/2006" xmlns:mv="urn:schemas-microsoft-com:mac:vml" xmlns:ma14="http://schemas.microsoft.com/office/mac/drawingml/2011/main" xmlns:p="http://schemas.openxmlformats.org/presentationml/2006/main" xmlns:r="http://schemas.openxmlformats.org/officeDocument/2006/relationships" xmlns:a="http://schemas.openxmlformats.org/drawingml/2006/main" xmlns="" val="1"/>
+              <ma14:placeholderFlag xmlns:ma14="http://schemas.microsoft.com/office/mac/drawingml/2011/main" val="1"/>
             </a:ext>
           </a:extLst>
         </p:spPr>
@@ -1615,7 +1615,7 @@
 </file>
 
 <file path=ppt/notesSlides/notesSlide17.xml><?xml version="1.0" encoding="utf-8"?>
-<p:notes xmlns:a="http://schemas.openxmlformats.org/drawingml/2006/main" xmlns:r="http://schemas.openxmlformats.org/officeDocument/2006/relationships" xmlns:mc="http://schemas.openxmlformats.org/markup-compatibility/2006" xmlns:mv="urn:schemas-microsoft-com:mac:vml" xmlns:p="http://schemas.openxmlformats.org/presentationml/2006/main" mc:Ignorable="mv" mc:PreserveAttributes="mv:*">
+<p:notes xmlns:a="http://schemas.openxmlformats.org/drawingml/2006/main" xmlns:r="http://schemas.openxmlformats.org/officeDocument/2006/relationships" xmlns:p="http://schemas.openxmlformats.org/presentationml/2006/main">
   <p:cSld>
     <p:spTree>
       <p:nvGrpSpPr>
@@ -1689,7 +1689,7 @@
     </p:spTree>
     <p:extLst>
       <p:ext uri="{BB962C8B-B14F-4D97-AF65-F5344CB8AC3E}">
-        <p14:creationId xmlns:mc="http://schemas.openxmlformats.org/markup-compatibility/2006" xmlns:mv="urn:schemas-microsoft-com:mac:vml" xmlns:p14="http://schemas.microsoft.com/office/powerpoint/2010/main" xmlns:p="http://schemas.openxmlformats.org/presentationml/2006/main" xmlns:r="http://schemas.openxmlformats.org/officeDocument/2006/relationships" xmlns:a="http://schemas.openxmlformats.org/drawingml/2006/main" xmlns="" val="3250658828"/>
+        <p14:creationId xmlns:p14="http://schemas.microsoft.com/office/powerpoint/2010/main" val="3250658828"/>
       </p:ext>
     </p:extLst>
   </p:cSld>
@@ -1700,7 +1700,7 @@
 </file>
 
 <file path=ppt/notesSlides/notesSlide18.xml><?xml version="1.0" encoding="utf-8"?>
-<p:notes xmlns:a="http://schemas.openxmlformats.org/drawingml/2006/main" xmlns:r="http://schemas.openxmlformats.org/officeDocument/2006/relationships" xmlns:mc="http://schemas.openxmlformats.org/markup-compatibility/2006" xmlns:mv="urn:schemas-microsoft-com:mac:vml" xmlns:p="http://schemas.openxmlformats.org/presentationml/2006/main" mc:Ignorable="mv" mc:PreserveAttributes="mv:*">
+<p:notes xmlns:a="http://schemas.openxmlformats.org/drawingml/2006/main" xmlns:r="http://schemas.openxmlformats.org/officeDocument/2006/relationships" xmlns:p="http://schemas.openxmlformats.org/presentationml/2006/main">
   <p:cSld>
     <p:spTree>
       <p:nvGrpSpPr>
@@ -1738,14 +1738,14 @@
           </a:ln>
           <a:extLst>
             <a:ext uri="{909E8E84-426E-40dd-AFC4-6F175D3DCCD1}">
-              <a14:hiddenFill xmlns:mc="http://schemas.openxmlformats.org/markup-compatibility/2006" xmlns:mv="urn:schemas-microsoft-com:mac:vml" xmlns:a14="http://schemas.microsoft.com/office/drawing/2010/main" xmlns:p="http://schemas.openxmlformats.org/presentationml/2006/main" xmlns:r="http://schemas.openxmlformats.org/officeDocument/2006/relationships" xmlns:a="http://schemas.openxmlformats.org/drawingml/2006/main" xmlns="">
+              <a14:hiddenFill xmlns:a14="http://schemas.microsoft.com/office/drawing/2010/main">
                 <a:solidFill>
                   <a:srgbClr val="FFFFFF"/>
                 </a:solidFill>
               </a14:hiddenFill>
             </a:ext>
             <a:ext uri="{91240B29-F687-4f45-9708-019B960494DF}">
-              <a14:hiddenLine xmlns:mc="http://schemas.openxmlformats.org/markup-compatibility/2006" xmlns:mv="urn:schemas-microsoft-com:mac:vml" xmlns:a14="http://schemas.microsoft.com/office/drawing/2010/main" xmlns:p="http://schemas.openxmlformats.org/presentationml/2006/main" xmlns:r="http://schemas.openxmlformats.org/officeDocument/2006/relationships" xmlns:a="http://schemas.openxmlformats.org/drawingml/2006/main" xmlns="" w="9525">
+              <a14:hiddenLine xmlns:a14="http://schemas.microsoft.com/office/drawing/2010/main" w="9525">
                 <a:solidFill>
                   <a:srgbClr val="000000"/>
                 </a:solidFill>
@@ -1899,14 +1899,14 @@
           </a:ln>
           <a:extLst>
             <a:ext uri="{909E8E84-426E-40dd-AFC4-6F175D3DCCD1}">
-              <a14:hiddenFill xmlns:mc="http://schemas.openxmlformats.org/markup-compatibility/2006" xmlns:mv="urn:schemas-microsoft-com:mac:vml" xmlns:a14="http://schemas.microsoft.com/office/drawing/2010/main" xmlns:p="http://schemas.openxmlformats.org/presentationml/2006/main" xmlns:r="http://schemas.openxmlformats.org/officeDocument/2006/relationships" xmlns:a="http://schemas.openxmlformats.org/drawingml/2006/main" xmlns="">
+              <a14:hiddenFill xmlns:a14="http://schemas.microsoft.com/office/drawing/2010/main">
                 <a:solidFill>
                   <a:srgbClr val="FFFFFF"/>
                 </a:solidFill>
               </a14:hiddenFill>
             </a:ext>
             <a:ext uri="{FAA26D3D-D897-4be2-8F04-BA451C77F1D7}">
-              <ma14:placeholderFlag xmlns:mc="http://schemas.openxmlformats.org/markup-compatibility/2006" xmlns:mv="urn:schemas-microsoft-com:mac:vml" xmlns:ma14="http://schemas.microsoft.com/office/mac/drawingml/2011/main" xmlns:p="http://schemas.openxmlformats.org/presentationml/2006/main" xmlns:r="http://schemas.openxmlformats.org/officeDocument/2006/relationships" xmlns:a="http://schemas.openxmlformats.org/drawingml/2006/main" xmlns="" val="1"/>
+              <ma14:placeholderFlag xmlns:ma14="http://schemas.microsoft.com/office/mac/drawingml/2011/main" val="1"/>
             </a:ext>
           </a:extLst>
         </p:spPr>
@@ -1925,14 +1925,14 @@
           <a:noFill/>
           <a:extLst>
             <a:ext uri="{909E8E84-426E-40dd-AFC4-6F175D3DCCD1}">
-              <a14:hiddenFill xmlns:mc="http://schemas.openxmlformats.org/markup-compatibility/2006" xmlns:mv="urn:schemas-microsoft-com:mac:vml" xmlns:a14="http://schemas.microsoft.com/office/drawing/2010/main" xmlns:p="http://schemas.openxmlformats.org/presentationml/2006/main" xmlns:r="http://schemas.openxmlformats.org/officeDocument/2006/relationships" xmlns:a="http://schemas.openxmlformats.org/drawingml/2006/main" xmlns="">
+              <a14:hiddenFill xmlns:a14="http://schemas.microsoft.com/office/drawing/2010/main">
                 <a:solidFill>
                   <a:srgbClr val="FFFFFF"/>
                 </a:solidFill>
               </a14:hiddenFill>
             </a:ext>
             <a:ext uri="{91240B29-F687-4f45-9708-019B960494DF}">
-              <a14:hiddenLine xmlns:mc="http://schemas.openxmlformats.org/markup-compatibility/2006" xmlns:mv="urn:schemas-microsoft-com:mac:vml" xmlns:a14="http://schemas.microsoft.com/office/drawing/2010/main" xmlns:p="http://schemas.openxmlformats.org/presentationml/2006/main" xmlns:r="http://schemas.openxmlformats.org/officeDocument/2006/relationships" xmlns:a="http://schemas.openxmlformats.org/drawingml/2006/main" xmlns="" w="9525">
+              <a14:hiddenLine xmlns:a14="http://schemas.microsoft.com/office/drawing/2010/main" w="9525">
                 <a:solidFill>
                   <a:srgbClr val="000000"/>
                 </a:solidFill>
@@ -1942,7 +1942,7 @@
               </a14:hiddenLine>
             </a:ext>
             <a:ext uri="{FAA26D3D-D897-4be2-8F04-BA451C77F1D7}">
-              <ma14:placeholderFlag xmlns:mc="http://schemas.openxmlformats.org/markup-compatibility/2006" xmlns:mv="urn:schemas-microsoft-com:mac:vml" xmlns:ma14="http://schemas.microsoft.com/office/mac/drawingml/2011/main" xmlns:p="http://schemas.openxmlformats.org/presentationml/2006/main" xmlns:r="http://schemas.openxmlformats.org/officeDocument/2006/relationships" xmlns:a="http://schemas.openxmlformats.org/drawingml/2006/main" xmlns="" val="1"/>
+              <ma14:placeholderFlag xmlns:ma14="http://schemas.microsoft.com/office/mac/drawingml/2011/main" val="1"/>
             </a:ext>
           </a:extLst>
         </p:spPr>
@@ -1970,7 +1970,7 @@
 </file>
 
 <file path=ppt/notesSlides/notesSlide19.xml><?xml version="1.0" encoding="utf-8"?>
-<p:notes xmlns:a="http://schemas.openxmlformats.org/drawingml/2006/main" xmlns:r="http://schemas.openxmlformats.org/officeDocument/2006/relationships" xmlns:mc="http://schemas.openxmlformats.org/markup-compatibility/2006" xmlns:mv="urn:schemas-microsoft-com:mac:vml" xmlns:p="http://schemas.openxmlformats.org/presentationml/2006/main" mc:Ignorable="mv" mc:PreserveAttributes="mv:*">
+<p:notes xmlns:a="http://schemas.openxmlformats.org/drawingml/2006/main" xmlns:r="http://schemas.openxmlformats.org/officeDocument/2006/relationships" xmlns:p="http://schemas.openxmlformats.org/presentationml/2006/main">
   <p:cSld>
     <p:spTree>
       <p:nvGrpSpPr>
@@ -2008,14 +2008,14 @@
           </a:ln>
           <a:extLst>
             <a:ext uri="{909E8E84-426E-40dd-AFC4-6F175D3DCCD1}">
-              <a14:hiddenFill xmlns:mc="http://schemas.openxmlformats.org/markup-compatibility/2006" xmlns:mv="urn:schemas-microsoft-com:mac:vml" xmlns:a14="http://schemas.microsoft.com/office/drawing/2010/main" xmlns:p="http://schemas.openxmlformats.org/presentationml/2006/main" xmlns:r="http://schemas.openxmlformats.org/officeDocument/2006/relationships" xmlns:a="http://schemas.openxmlformats.org/drawingml/2006/main" xmlns="">
+              <a14:hiddenFill xmlns:a14="http://schemas.microsoft.com/office/drawing/2010/main">
                 <a:solidFill>
                   <a:srgbClr val="FFFFFF"/>
                 </a:solidFill>
               </a14:hiddenFill>
             </a:ext>
             <a:ext uri="{91240B29-F687-4f45-9708-019B960494DF}">
-              <a14:hiddenLine xmlns:mc="http://schemas.openxmlformats.org/markup-compatibility/2006" xmlns:mv="urn:schemas-microsoft-com:mac:vml" xmlns:a14="http://schemas.microsoft.com/office/drawing/2010/main" xmlns:p="http://schemas.openxmlformats.org/presentationml/2006/main" xmlns:r="http://schemas.openxmlformats.org/officeDocument/2006/relationships" xmlns:a="http://schemas.openxmlformats.org/drawingml/2006/main" xmlns="" w="9525">
+              <a14:hiddenLine xmlns:a14="http://schemas.microsoft.com/office/drawing/2010/main" w="9525">
                 <a:solidFill>
                   <a:srgbClr val="000000"/>
                 </a:solidFill>
@@ -2169,14 +2169,14 @@
           </a:ln>
           <a:extLst>
             <a:ext uri="{909E8E84-426E-40dd-AFC4-6F175D3DCCD1}">
-              <a14:hiddenFill xmlns:mc="http://schemas.openxmlformats.org/markup-compatibility/2006" xmlns:mv="urn:schemas-microsoft-com:mac:vml" xmlns:a14="http://schemas.microsoft.com/office/drawing/2010/main" xmlns:p="http://schemas.openxmlformats.org/presentationml/2006/main" xmlns:r="http://schemas.openxmlformats.org/officeDocument/2006/relationships" xmlns:a="http://schemas.openxmlformats.org/drawingml/2006/main" xmlns="">
+              <a14:hiddenFill xmlns:a14="http://schemas.microsoft.com/office/drawing/2010/main">
                 <a:solidFill>
                   <a:srgbClr val="FFFFFF"/>
                 </a:solidFill>
               </a14:hiddenFill>
             </a:ext>
             <a:ext uri="{FAA26D3D-D897-4be2-8F04-BA451C77F1D7}">
-              <ma14:placeholderFlag xmlns:mc="http://schemas.openxmlformats.org/markup-compatibility/2006" xmlns:mv="urn:schemas-microsoft-com:mac:vml" xmlns:ma14="http://schemas.microsoft.com/office/mac/drawingml/2011/main" xmlns:p="http://schemas.openxmlformats.org/presentationml/2006/main" xmlns:r="http://schemas.openxmlformats.org/officeDocument/2006/relationships" xmlns:a="http://schemas.openxmlformats.org/drawingml/2006/main" xmlns="" val="1"/>
+              <ma14:placeholderFlag xmlns:ma14="http://schemas.microsoft.com/office/mac/drawingml/2011/main" val="1"/>
             </a:ext>
           </a:extLst>
         </p:spPr>
@@ -2195,14 +2195,14 @@
           <a:noFill/>
           <a:extLst>
             <a:ext uri="{909E8E84-426E-40dd-AFC4-6F175D3DCCD1}">
-              <a14:hiddenFill xmlns:mc="http://schemas.openxmlformats.org/markup-compatibility/2006" xmlns:mv="urn:schemas-microsoft-com:mac:vml" xmlns:a14="http://schemas.microsoft.com/office/drawing/2010/main" xmlns:p="http://schemas.openxmlformats.org/presentationml/2006/main" xmlns:r="http://schemas.openxmlformats.org/officeDocument/2006/relationships" xmlns:a="http://schemas.openxmlformats.org/drawingml/2006/main" xmlns="">
+              <a14:hiddenFill xmlns:a14="http://schemas.microsoft.com/office/drawing/2010/main">
                 <a:solidFill>
                   <a:srgbClr val="FFFFFF"/>
                 </a:solidFill>
               </a14:hiddenFill>
             </a:ext>
             <a:ext uri="{91240B29-F687-4f45-9708-019B960494DF}">
-              <a14:hiddenLine xmlns:mc="http://schemas.openxmlformats.org/markup-compatibility/2006" xmlns:mv="urn:schemas-microsoft-com:mac:vml" xmlns:a14="http://schemas.microsoft.com/office/drawing/2010/main" xmlns:p="http://schemas.openxmlformats.org/presentationml/2006/main" xmlns:r="http://schemas.openxmlformats.org/officeDocument/2006/relationships" xmlns:a="http://schemas.openxmlformats.org/drawingml/2006/main" xmlns="" w="9525">
+              <a14:hiddenLine xmlns:a14="http://schemas.microsoft.com/office/drawing/2010/main" w="9525">
                 <a:solidFill>
                   <a:srgbClr val="000000"/>
                 </a:solidFill>
@@ -2212,7 +2212,7 @@
               </a14:hiddenLine>
             </a:ext>
             <a:ext uri="{FAA26D3D-D897-4be2-8F04-BA451C77F1D7}">
-              <ma14:placeholderFlag xmlns:mc="http://schemas.openxmlformats.org/markup-compatibility/2006" xmlns:mv="urn:schemas-microsoft-com:mac:vml" xmlns:ma14="http://schemas.microsoft.com/office/mac/drawingml/2011/main" xmlns:p="http://schemas.openxmlformats.org/presentationml/2006/main" xmlns:r="http://schemas.openxmlformats.org/officeDocument/2006/relationships" xmlns:a="http://schemas.openxmlformats.org/drawingml/2006/main" xmlns="" val="1"/>
+              <ma14:placeholderFlag xmlns:ma14="http://schemas.microsoft.com/office/mac/drawingml/2011/main" val="1"/>
             </a:ext>
           </a:extLst>
         </p:spPr>
@@ -2240,7 +2240,7 @@
 </file>
 
 <file path=ppt/notesSlides/notesSlide2.xml><?xml version="1.0" encoding="utf-8"?>
-<p:notes xmlns:a="http://schemas.openxmlformats.org/drawingml/2006/main" xmlns:r="http://schemas.openxmlformats.org/officeDocument/2006/relationships" xmlns:mc="http://schemas.openxmlformats.org/markup-compatibility/2006" xmlns:mv="urn:schemas-microsoft-com:mac:vml" xmlns:p="http://schemas.openxmlformats.org/presentationml/2006/main" mc:Ignorable="mv" mc:PreserveAttributes="mv:*">
+<p:notes xmlns:a="http://schemas.openxmlformats.org/drawingml/2006/main" xmlns:r="http://schemas.openxmlformats.org/officeDocument/2006/relationships" xmlns:p="http://schemas.openxmlformats.org/presentationml/2006/main">
   <p:cSld>
     <p:spTree>
       <p:nvGrpSpPr>
@@ -2278,14 +2278,14 @@
           </a:ln>
           <a:extLst>
             <a:ext uri="{909E8E84-426E-40dd-AFC4-6F175D3DCCD1}">
-              <a14:hiddenFill xmlns:mc="http://schemas.openxmlformats.org/markup-compatibility/2006" xmlns:mv="urn:schemas-microsoft-com:mac:vml" xmlns:a14="http://schemas.microsoft.com/office/drawing/2010/main" xmlns:p="http://schemas.openxmlformats.org/presentationml/2006/main" xmlns:r="http://schemas.openxmlformats.org/officeDocument/2006/relationships" xmlns:a="http://schemas.openxmlformats.org/drawingml/2006/main" xmlns="">
+              <a14:hiddenFill xmlns:a14="http://schemas.microsoft.com/office/drawing/2010/main">
                 <a:solidFill>
                   <a:srgbClr val="FFFFFF"/>
                 </a:solidFill>
               </a14:hiddenFill>
             </a:ext>
             <a:ext uri="{91240B29-F687-4f45-9708-019B960494DF}">
-              <a14:hiddenLine xmlns:mc="http://schemas.openxmlformats.org/markup-compatibility/2006" xmlns:mv="urn:schemas-microsoft-com:mac:vml" xmlns:a14="http://schemas.microsoft.com/office/drawing/2010/main" xmlns:p="http://schemas.openxmlformats.org/presentationml/2006/main" xmlns:r="http://schemas.openxmlformats.org/officeDocument/2006/relationships" xmlns:a="http://schemas.openxmlformats.org/drawingml/2006/main" xmlns="" w="9525">
+              <a14:hiddenLine xmlns:a14="http://schemas.microsoft.com/office/drawing/2010/main" w="9525">
                 <a:solidFill>
                   <a:srgbClr val="000000"/>
                 </a:solidFill>
@@ -2439,14 +2439,14 @@
           </a:ln>
           <a:extLst>
             <a:ext uri="{909E8E84-426E-40dd-AFC4-6F175D3DCCD1}">
-              <a14:hiddenFill xmlns:mc="http://schemas.openxmlformats.org/markup-compatibility/2006" xmlns:mv="urn:schemas-microsoft-com:mac:vml" xmlns:a14="http://schemas.microsoft.com/office/drawing/2010/main" xmlns:p="http://schemas.openxmlformats.org/presentationml/2006/main" xmlns:r="http://schemas.openxmlformats.org/officeDocument/2006/relationships" xmlns:a="http://schemas.openxmlformats.org/drawingml/2006/main" xmlns="">
+              <a14:hiddenFill xmlns:a14="http://schemas.microsoft.com/office/drawing/2010/main">
                 <a:solidFill>
                   <a:srgbClr val="FFFFFF"/>
                 </a:solidFill>
               </a14:hiddenFill>
             </a:ext>
             <a:ext uri="{FAA26D3D-D897-4be2-8F04-BA451C77F1D7}">
-              <ma14:placeholderFlag xmlns:mc="http://schemas.openxmlformats.org/markup-compatibility/2006" xmlns:mv="urn:schemas-microsoft-com:mac:vml" xmlns:ma14="http://schemas.microsoft.com/office/mac/drawingml/2011/main" xmlns:p="http://schemas.openxmlformats.org/presentationml/2006/main" xmlns:r="http://schemas.openxmlformats.org/officeDocument/2006/relationships" xmlns:a="http://schemas.openxmlformats.org/drawingml/2006/main" xmlns="" val="1"/>
+              <ma14:placeholderFlag xmlns:ma14="http://schemas.microsoft.com/office/mac/drawingml/2011/main" val="1"/>
             </a:ext>
           </a:extLst>
         </p:spPr>
@@ -2465,14 +2465,14 @@
           <a:noFill/>
           <a:extLst>
             <a:ext uri="{909E8E84-426E-40dd-AFC4-6F175D3DCCD1}">
-              <a14:hiddenFill xmlns:mc="http://schemas.openxmlformats.org/markup-compatibility/2006" xmlns:mv="urn:schemas-microsoft-com:mac:vml" xmlns:a14="http://schemas.microsoft.com/office/drawing/2010/main" xmlns:p="http://schemas.openxmlformats.org/presentationml/2006/main" xmlns:r="http://schemas.openxmlformats.org/officeDocument/2006/relationships" xmlns:a="http://schemas.openxmlformats.org/drawingml/2006/main" xmlns="">
+              <a14:hiddenFill xmlns:a14="http://schemas.microsoft.com/office/drawing/2010/main">
                 <a:solidFill>
                   <a:srgbClr val="FFFFFF"/>
                 </a:solidFill>
               </a14:hiddenFill>
             </a:ext>
             <a:ext uri="{91240B29-F687-4f45-9708-019B960494DF}">
-              <a14:hiddenLine xmlns:mc="http://schemas.openxmlformats.org/markup-compatibility/2006" xmlns:mv="urn:schemas-microsoft-com:mac:vml" xmlns:a14="http://schemas.microsoft.com/office/drawing/2010/main" xmlns:p="http://schemas.openxmlformats.org/presentationml/2006/main" xmlns:r="http://schemas.openxmlformats.org/officeDocument/2006/relationships" xmlns:a="http://schemas.openxmlformats.org/drawingml/2006/main" xmlns="" w="9525">
+              <a14:hiddenLine xmlns:a14="http://schemas.microsoft.com/office/drawing/2010/main" w="9525">
                 <a:solidFill>
                   <a:srgbClr val="000000"/>
                 </a:solidFill>
@@ -2510,7 +2510,7 @@
 </file>
 
 <file path=ppt/notesSlides/notesSlide20.xml><?xml version="1.0" encoding="utf-8"?>
-<p:notes xmlns:a="http://schemas.openxmlformats.org/drawingml/2006/main" xmlns:r="http://schemas.openxmlformats.org/officeDocument/2006/relationships" xmlns:mc="http://schemas.openxmlformats.org/markup-compatibility/2006" xmlns:mv="urn:schemas-microsoft-com:mac:vml" xmlns:p="http://schemas.openxmlformats.org/presentationml/2006/main" mc:Ignorable="mv" mc:PreserveAttributes="mv:*">
+<p:notes xmlns:a="http://schemas.openxmlformats.org/drawingml/2006/main" xmlns:r="http://schemas.openxmlformats.org/officeDocument/2006/relationships" xmlns:p="http://schemas.openxmlformats.org/presentationml/2006/main">
   <p:cSld>
     <p:spTree>
       <p:nvGrpSpPr>
@@ -2548,14 +2548,14 @@
           </a:ln>
           <a:extLst>
             <a:ext uri="{909E8E84-426E-40dd-AFC4-6F175D3DCCD1}">
-              <a14:hiddenFill xmlns:mc="http://schemas.openxmlformats.org/markup-compatibility/2006" xmlns:mv="urn:schemas-microsoft-com:mac:vml" xmlns:a14="http://schemas.microsoft.com/office/drawing/2010/main" xmlns:p="http://schemas.openxmlformats.org/presentationml/2006/main" xmlns:r="http://schemas.openxmlformats.org/officeDocument/2006/relationships" xmlns:a="http://schemas.openxmlformats.org/drawingml/2006/main" xmlns="">
+              <a14:hiddenFill xmlns:a14="http://schemas.microsoft.com/office/drawing/2010/main">
                 <a:solidFill>
                   <a:srgbClr val="FFFFFF"/>
                 </a:solidFill>
               </a14:hiddenFill>
             </a:ext>
             <a:ext uri="{91240B29-F687-4f45-9708-019B960494DF}">
-              <a14:hiddenLine xmlns:mc="http://schemas.openxmlformats.org/markup-compatibility/2006" xmlns:mv="urn:schemas-microsoft-com:mac:vml" xmlns:a14="http://schemas.microsoft.com/office/drawing/2010/main" xmlns:p="http://schemas.openxmlformats.org/presentationml/2006/main" xmlns:r="http://schemas.openxmlformats.org/officeDocument/2006/relationships" xmlns:a="http://schemas.openxmlformats.org/drawingml/2006/main" xmlns="" w="9525">
+              <a14:hiddenLine xmlns:a14="http://schemas.microsoft.com/office/drawing/2010/main" w="9525">
                 <a:solidFill>
                   <a:srgbClr val="000000"/>
                 </a:solidFill>
@@ -2709,14 +2709,14 @@
           </a:ln>
           <a:extLst>
             <a:ext uri="{909E8E84-426E-40dd-AFC4-6F175D3DCCD1}">
-              <a14:hiddenFill xmlns:mc="http://schemas.openxmlformats.org/markup-compatibility/2006" xmlns:mv="urn:schemas-microsoft-com:mac:vml" xmlns:a14="http://schemas.microsoft.com/office/drawing/2010/main" xmlns:p="http://schemas.openxmlformats.org/presentationml/2006/main" xmlns:r="http://schemas.openxmlformats.org/officeDocument/2006/relationships" xmlns:a="http://schemas.openxmlformats.org/drawingml/2006/main" xmlns="">
+              <a14:hiddenFill xmlns:a14="http://schemas.microsoft.com/office/drawing/2010/main">
                 <a:solidFill>
                   <a:srgbClr val="FFFFFF"/>
                 </a:solidFill>
               </a14:hiddenFill>
             </a:ext>
             <a:ext uri="{FAA26D3D-D897-4be2-8F04-BA451C77F1D7}">
-              <ma14:placeholderFlag xmlns:mc="http://schemas.openxmlformats.org/markup-compatibility/2006" xmlns:mv="urn:schemas-microsoft-com:mac:vml" xmlns:ma14="http://schemas.microsoft.com/office/mac/drawingml/2011/main" xmlns:p="http://schemas.openxmlformats.org/presentationml/2006/main" xmlns:r="http://schemas.openxmlformats.org/officeDocument/2006/relationships" xmlns:a="http://schemas.openxmlformats.org/drawingml/2006/main" xmlns="" val="1"/>
+              <ma14:placeholderFlag xmlns:ma14="http://schemas.microsoft.com/office/mac/drawingml/2011/main" val="1"/>
             </a:ext>
           </a:extLst>
         </p:spPr>
@@ -2735,14 +2735,14 @@
           <a:noFill/>
           <a:extLst>
             <a:ext uri="{909E8E84-426E-40dd-AFC4-6F175D3DCCD1}">
-              <a14:hiddenFill xmlns:mc="http://schemas.openxmlformats.org/markup-compatibility/2006" xmlns:mv="urn:schemas-microsoft-com:mac:vml" xmlns:a14="http://schemas.microsoft.com/office/drawing/2010/main" xmlns:p="http://schemas.openxmlformats.org/presentationml/2006/main" xmlns:r="http://schemas.openxmlformats.org/officeDocument/2006/relationships" xmlns:a="http://schemas.openxmlformats.org/drawingml/2006/main" xmlns="">
+              <a14:hiddenFill xmlns:a14="http://schemas.microsoft.com/office/drawing/2010/main">
                 <a:solidFill>
                   <a:srgbClr val="FFFFFF"/>
                 </a:solidFill>
               </a14:hiddenFill>
             </a:ext>
             <a:ext uri="{91240B29-F687-4f45-9708-019B960494DF}">
-              <a14:hiddenLine xmlns:mc="http://schemas.openxmlformats.org/markup-compatibility/2006" xmlns:mv="urn:schemas-microsoft-com:mac:vml" xmlns:a14="http://schemas.microsoft.com/office/drawing/2010/main" xmlns:p="http://schemas.openxmlformats.org/presentationml/2006/main" xmlns:r="http://schemas.openxmlformats.org/officeDocument/2006/relationships" xmlns:a="http://schemas.openxmlformats.org/drawingml/2006/main" xmlns="" w="9525">
+              <a14:hiddenLine xmlns:a14="http://schemas.microsoft.com/office/drawing/2010/main" w="9525">
                 <a:solidFill>
                   <a:srgbClr val="000000"/>
                 </a:solidFill>
@@ -2752,7 +2752,7 @@
               </a14:hiddenLine>
             </a:ext>
             <a:ext uri="{FAA26D3D-D897-4be2-8F04-BA451C77F1D7}">
-              <ma14:placeholderFlag xmlns:mc="http://schemas.openxmlformats.org/markup-compatibility/2006" xmlns:mv="urn:schemas-microsoft-com:mac:vml" xmlns:ma14="http://schemas.microsoft.com/office/mac/drawingml/2011/main" xmlns:p="http://schemas.openxmlformats.org/presentationml/2006/main" xmlns:r="http://schemas.openxmlformats.org/officeDocument/2006/relationships" xmlns:a="http://schemas.openxmlformats.org/drawingml/2006/main" xmlns="" val="1"/>
+              <ma14:placeholderFlag xmlns:ma14="http://schemas.microsoft.com/office/mac/drawingml/2011/main" val="1"/>
             </a:ext>
           </a:extLst>
         </p:spPr>
@@ -2780,7 +2780,7 @@
 </file>
 
 <file path=ppt/notesSlides/notesSlide21.xml><?xml version="1.0" encoding="utf-8"?>
-<p:notes xmlns:a="http://schemas.openxmlformats.org/drawingml/2006/main" xmlns:r="http://schemas.openxmlformats.org/officeDocument/2006/relationships" xmlns:mc="http://schemas.openxmlformats.org/markup-compatibility/2006" xmlns:mv="urn:schemas-microsoft-com:mac:vml" xmlns:p="http://schemas.openxmlformats.org/presentationml/2006/main" mc:Ignorable="mv" mc:PreserveAttributes="mv:*">
+<p:notes xmlns:a="http://schemas.openxmlformats.org/drawingml/2006/main" xmlns:r="http://schemas.openxmlformats.org/officeDocument/2006/relationships" xmlns:p="http://schemas.openxmlformats.org/presentationml/2006/main">
   <p:cSld>
     <p:spTree>
       <p:nvGrpSpPr>
@@ -2854,7 +2854,7 @@
     </p:spTree>
     <p:extLst>
       <p:ext uri="{BB962C8B-B14F-4D97-AF65-F5344CB8AC3E}">
-        <p14:creationId xmlns:mc="http://schemas.openxmlformats.org/markup-compatibility/2006" xmlns:mv="urn:schemas-microsoft-com:mac:vml" xmlns:p14="http://schemas.microsoft.com/office/powerpoint/2010/main" xmlns:p="http://schemas.openxmlformats.org/presentationml/2006/main" xmlns:r="http://schemas.openxmlformats.org/officeDocument/2006/relationships" xmlns:a="http://schemas.openxmlformats.org/drawingml/2006/main" xmlns="" val="3250658828"/>
+        <p14:creationId xmlns:p14="http://schemas.microsoft.com/office/powerpoint/2010/main" val="3250658828"/>
       </p:ext>
     </p:extLst>
   </p:cSld>
@@ -2865,7 +2865,7 @@
 </file>
 
 <file path=ppt/notesSlides/notesSlide22.xml><?xml version="1.0" encoding="utf-8"?>
-<p:notes xmlns:a="http://schemas.openxmlformats.org/drawingml/2006/main" xmlns:r="http://schemas.openxmlformats.org/officeDocument/2006/relationships" xmlns:mc="http://schemas.openxmlformats.org/markup-compatibility/2006" xmlns:mv="urn:schemas-microsoft-com:mac:vml" xmlns:p="http://schemas.openxmlformats.org/presentationml/2006/main" mc:Ignorable="mv" mc:PreserveAttributes="mv:*">
+<p:notes xmlns:a="http://schemas.openxmlformats.org/drawingml/2006/main" xmlns:r="http://schemas.openxmlformats.org/officeDocument/2006/relationships" xmlns:p="http://schemas.openxmlformats.org/presentationml/2006/main">
   <p:cSld>
     <p:spTree>
       <p:nvGrpSpPr>
@@ -2903,14 +2903,14 @@
           </a:ln>
           <a:extLst>
             <a:ext uri="{909E8E84-426E-40dd-AFC4-6F175D3DCCD1}">
-              <a14:hiddenFill xmlns:mc="http://schemas.openxmlformats.org/markup-compatibility/2006" xmlns:mv="urn:schemas-microsoft-com:mac:vml" xmlns:a14="http://schemas.microsoft.com/office/drawing/2010/main" xmlns:p="http://schemas.openxmlformats.org/presentationml/2006/main" xmlns:r="http://schemas.openxmlformats.org/officeDocument/2006/relationships" xmlns:a="http://schemas.openxmlformats.org/drawingml/2006/main" xmlns="">
+              <a14:hiddenFill xmlns:a14="http://schemas.microsoft.com/office/drawing/2010/main">
                 <a:solidFill>
                   <a:srgbClr val="FFFFFF"/>
                 </a:solidFill>
               </a14:hiddenFill>
             </a:ext>
             <a:ext uri="{FAA26D3D-D897-4be2-8F04-BA451C77F1D7}">
-              <ma14:placeholderFlag xmlns:mc="http://schemas.openxmlformats.org/markup-compatibility/2006" xmlns:mv="urn:schemas-microsoft-com:mac:vml" xmlns:ma14="http://schemas.microsoft.com/office/mac/drawingml/2011/main" xmlns:p="http://schemas.openxmlformats.org/presentationml/2006/main" xmlns:r="http://schemas.openxmlformats.org/officeDocument/2006/relationships" xmlns:a="http://schemas.openxmlformats.org/drawingml/2006/main" xmlns="" val="1"/>
+              <ma14:placeholderFlag xmlns:ma14="http://schemas.microsoft.com/office/mac/drawingml/2011/main" val="1"/>
             </a:ext>
           </a:extLst>
         </p:spPr>
@@ -2929,14 +2929,14 @@
           <a:noFill/>
           <a:extLst>
             <a:ext uri="{909E8E84-426E-40dd-AFC4-6F175D3DCCD1}">
-              <a14:hiddenFill xmlns:mc="http://schemas.openxmlformats.org/markup-compatibility/2006" xmlns:mv="urn:schemas-microsoft-com:mac:vml" xmlns:a14="http://schemas.microsoft.com/office/drawing/2010/main" xmlns:p="http://schemas.openxmlformats.org/presentationml/2006/main" xmlns:r="http://schemas.openxmlformats.org/officeDocument/2006/relationships" xmlns:a="http://schemas.openxmlformats.org/drawingml/2006/main" xmlns="">
+              <a14:hiddenFill xmlns:a14="http://schemas.microsoft.com/office/drawing/2010/main">
                 <a:solidFill>
                   <a:srgbClr val="FFFFFF"/>
                 </a:solidFill>
               </a14:hiddenFill>
             </a:ext>
             <a:ext uri="{91240B29-F687-4f45-9708-019B960494DF}">
-              <a14:hiddenLine xmlns:mc="http://schemas.openxmlformats.org/markup-compatibility/2006" xmlns:mv="urn:schemas-microsoft-com:mac:vml" xmlns:a14="http://schemas.microsoft.com/office/drawing/2010/main" xmlns:p="http://schemas.openxmlformats.org/presentationml/2006/main" xmlns:r="http://schemas.openxmlformats.org/officeDocument/2006/relationships" xmlns:a="http://schemas.openxmlformats.org/drawingml/2006/main" xmlns="" w="9525">
+              <a14:hiddenLine xmlns:a14="http://schemas.microsoft.com/office/drawing/2010/main" w="9525">
                 <a:solidFill>
                   <a:srgbClr val="000000"/>
                 </a:solidFill>
@@ -3034,7 +3034,7 @@
 </file>
 
 <file path=ppt/notesSlides/notesSlide23.xml><?xml version="1.0" encoding="utf-8"?>
-<p:notes xmlns:a="http://schemas.openxmlformats.org/drawingml/2006/main" xmlns:r="http://schemas.openxmlformats.org/officeDocument/2006/relationships" xmlns:mc="http://schemas.openxmlformats.org/markup-compatibility/2006" xmlns:mv="urn:schemas-microsoft-com:mac:vml" xmlns:p="http://schemas.openxmlformats.org/presentationml/2006/main" mc:Ignorable="mv" mc:PreserveAttributes="mv:*">
+<p:notes xmlns:a="http://schemas.openxmlformats.org/drawingml/2006/main" xmlns:r="http://schemas.openxmlformats.org/officeDocument/2006/relationships" xmlns:p="http://schemas.openxmlformats.org/presentationml/2006/main">
   <p:cSld>
     <p:spTree>
       <p:nvGrpSpPr>
@@ -3108,7 +3108,7 @@
     </p:spTree>
     <p:extLst>
       <p:ext uri="{BB962C8B-B14F-4D97-AF65-F5344CB8AC3E}">
-        <p14:creationId xmlns:mc="http://schemas.openxmlformats.org/markup-compatibility/2006" xmlns:mv="urn:schemas-microsoft-com:mac:vml" xmlns:p14="http://schemas.microsoft.com/office/powerpoint/2010/main" xmlns:p="http://schemas.openxmlformats.org/presentationml/2006/main" xmlns:r="http://schemas.openxmlformats.org/officeDocument/2006/relationships" xmlns:a="http://schemas.openxmlformats.org/drawingml/2006/main" xmlns="" val="963676054"/>
+        <p14:creationId xmlns:p14="http://schemas.microsoft.com/office/powerpoint/2010/main" val="963676054"/>
       </p:ext>
     </p:extLst>
   </p:cSld>
@@ -3119,7 +3119,7 @@
 </file>
 
 <file path=ppt/notesSlides/notesSlide24.xml><?xml version="1.0" encoding="utf-8"?>
-<p:notes xmlns:a="http://schemas.openxmlformats.org/drawingml/2006/main" xmlns:r="http://schemas.openxmlformats.org/officeDocument/2006/relationships" xmlns:mc="http://schemas.openxmlformats.org/markup-compatibility/2006" xmlns:mv="urn:schemas-microsoft-com:mac:vml" xmlns:p="http://schemas.openxmlformats.org/presentationml/2006/main" mc:Ignorable="mv" mc:PreserveAttributes="mv:*">
+<p:notes xmlns:a="http://schemas.openxmlformats.org/drawingml/2006/main" xmlns:r="http://schemas.openxmlformats.org/officeDocument/2006/relationships" xmlns:p="http://schemas.openxmlformats.org/presentationml/2006/main">
   <p:cSld>
     <p:spTree>
       <p:nvGrpSpPr>
@@ -3157,14 +3157,14 @@
           </a:ln>
           <a:extLst>
             <a:ext uri="{909E8E84-426E-40dd-AFC4-6F175D3DCCD1}">
-              <a14:hiddenFill xmlns:mc="http://schemas.openxmlformats.org/markup-compatibility/2006" xmlns:mv="urn:schemas-microsoft-com:mac:vml" xmlns:a14="http://schemas.microsoft.com/office/drawing/2010/main" xmlns:p="http://schemas.openxmlformats.org/presentationml/2006/main" xmlns:r="http://schemas.openxmlformats.org/officeDocument/2006/relationships" xmlns:a="http://schemas.openxmlformats.org/drawingml/2006/main" xmlns="">
+              <a14:hiddenFill xmlns:a14="http://schemas.microsoft.com/office/drawing/2010/main">
                 <a:solidFill>
                   <a:srgbClr val="FFFFFF"/>
                 </a:solidFill>
               </a14:hiddenFill>
             </a:ext>
             <a:ext uri="{FAA26D3D-D897-4be2-8F04-BA451C77F1D7}">
-              <ma14:placeholderFlag xmlns:mc="http://schemas.openxmlformats.org/markup-compatibility/2006" xmlns:mv="urn:schemas-microsoft-com:mac:vml" xmlns:ma14="http://schemas.microsoft.com/office/mac/drawingml/2011/main" xmlns:p="http://schemas.openxmlformats.org/presentationml/2006/main" xmlns:r="http://schemas.openxmlformats.org/officeDocument/2006/relationships" xmlns:a="http://schemas.openxmlformats.org/drawingml/2006/main" xmlns="" val="1"/>
+              <ma14:placeholderFlag xmlns:ma14="http://schemas.microsoft.com/office/mac/drawingml/2011/main" val="1"/>
             </a:ext>
           </a:extLst>
         </p:spPr>
@@ -3183,14 +3183,14 @@
           <a:noFill/>
           <a:extLst>
             <a:ext uri="{909E8E84-426E-40dd-AFC4-6F175D3DCCD1}">
-              <a14:hiddenFill xmlns:mc="http://schemas.openxmlformats.org/markup-compatibility/2006" xmlns:mv="urn:schemas-microsoft-com:mac:vml" xmlns:a14="http://schemas.microsoft.com/office/drawing/2010/main" xmlns:p="http://schemas.openxmlformats.org/presentationml/2006/main" xmlns:r="http://schemas.openxmlformats.org/officeDocument/2006/relationships" xmlns:a="http://schemas.openxmlformats.org/drawingml/2006/main" xmlns="">
+              <a14:hiddenFill xmlns:a14="http://schemas.microsoft.com/office/drawing/2010/main">
                 <a:solidFill>
                   <a:srgbClr val="FFFFFF"/>
                 </a:solidFill>
               </a14:hiddenFill>
             </a:ext>
             <a:ext uri="{91240B29-F687-4f45-9708-019B960494DF}">
-              <a14:hiddenLine xmlns:mc="http://schemas.openxmlformats.org/markup-compatibility/2006" xmlns:mv="urn:schemas-microsoft-com:mac:vml" xmlns:a14="http://schemas.microsoft.com/office/drawing/2010/main" xmlns:p="http://schemas.openxmlformats.org/presentationml/2006/main" xmlns:r="http://schemas.openxmlformats.org/officeDocument/2006/relationships" xmlns:a="http://schemas.openxmlformats.org/drawingml/2006/main" xmlns="" w="9525">
+              <a14:hiddenLine xmlns:a14="http://schemas.microsoft.com/office/drawing/2010/main" w="9525">
                 <a:solidFill>
                   <a:srgbClr val="000000"/>
                 </a:solidFill>
@@ -3288,7 +3288,7 @@
 </file>
 
 <file path=ppt/notesSlides/notesSlide25.xml><?xml version="1.0" encoding="utf-8"?>
-<p:notes xmlns:a="http://schemas.openxmlformats.org/drawingml/2006/main" xmlns:r="http://schemas.openxmlformats.org/officeDocument/2006/relationships" xmlns:mc="http://schemas.openxmlformats.org/markup-compatibility/2006" xmlns:mv="urn:schemas-microsoft-com:mac:vml" xmlns:p="http://schemas.openxmlformats.org/presentationml/2006/main" mc:Ignorable="mv" mc:PreserveAttributes="mv:*">
+<p:notes xmlns:a="http://schemas.openxmlformats.org/drawingml/2006/main" xmlns:r="http://schemas.openxmlformats.org/officeDocument/2006/relationships" xmlns:p="http://schemas.openxmlformats.org/presentationml/2006/main">
   <p:cSld>
     <p:spTree>
       <p:nvGrpSpPr>
@@ -3399,7 +3399,7 @@
 </file>
 
 <file path=ppt/notesSlides/notesSlide26.xml><?xml version="1.0" encoding="utf-8"?>
-<p:notes xmlns:a="http://schemas.openxmlformats.org/drawingml/2006/main" xmlns:r="http://schemas.openxmlformats.org/officeDocument/2006/relationships" xmlns:mc="http://schemas.openxmlformats.org/markup-compatibility/2006" xmlns:mv="urn:schemas-microsoft-com:mac:vml" xmlns:p="http://schemas.openxmlformats.org/presentationml/2006/main" mc:Ignorable="mv" mc:PreserveAttributes="mv:*">
+<p:notes xmlns:a="http://schemas.openxmlformats.org/drawingml/2006/main" xmlns:r="http://schemas.openxmlformats.org/officeDocument/2006/relationships" xmlns:p="http://schemas.openxmlformats.org/presentationml/2006/main">
   <p:cSld>
     <p:spTree>
       <p:nvGrpSpPr>
@@ -3473,7 +3473,7 @@
     </p:spTree>
     <p:extLst>
       <p:ext uri="{BB962C8B-B14F-4D97-AF65-F5344CB8AC3E}">
-        <p14:creationId xmlns:mc="http://schemas.openxmlformats.org/markup-compatibility/2006" xmlns:mv="urn:schemas-microsoft-com:mac:vml" xmlns:p14="http://schemas.microsoft.com/office/powerpoint/2010/main" xmlns:p="http://schemas.openxmlformats.org/presentationml/2006/main" xmlns:r="http://schemas.openxmlformats.org/officeDocument/2006/relationships" xmlns:a="http://schemas.openxmlformats.org/drawingml/2006/main" xmlns="" val="3250658828"/>
+        <p14:creationId xmlns:p14="http://schemas.microsoft.com/office/powerpoint/2010/main" val="3250658828"/>
       </p:ext>
     </p:extLst>
   </p:cSld>
@@ -3484,7 +3484,7 @@
 </file>
 
 <file path=ppt/notesSlides/notesSlide27.xml><?xml version="1.0" encoding="utf-8"?>
-<p:notes xmlns:a="http://schemas.openxmlformats.org/drawingml/2006/main" xmlns:r="http://schemas.openxmlformats.org/officeDocument/2006/relationships" xmlns:mc="http://schemas.openxmlformats.org/markup-compatibility/2006" xmlns:mv="urn:schemas-microsoft-com:mac:vml" xmlns:p="http://schemas.openxmlformats.org/presentationml/2006/main" mc:Ignorable="mv" mc:PreserveAttributes="mv:*">
+<p:notes xmlns:a="http://schemas.openxmlformats.org/drawingml/2006/main" xmlns:r="http://schemas.openxmlformats.org/officeDocument/2006/relationships" xmlns:p="http://schemas.openxmlformats.org/presentationml/2006/main">
   <p:cSld>
     <p:spTree>
       <p:nvGrpSpPr>
@@ -3558,7 +3558,7 @@
     </p:spTree>
     <p:extLst>
       <p:ext uri="{BB962C8B-B14F-4D97-AF65-F5344CB8AC3E}">
-        <p14:creationId xmlns:mc="http://schemas.openxmlformats.org/markup-compatibility/2006" xmlns:mv="urn:schemas-microsoft-com:mac:vml" xmlns:p14="http://schemas.microsoft.com/office/powerpoint/2010/main" xmlns:p="http://schemas.openxmlformats.org/presentationml/2006/main" xmlns:r="http://schemas.openxmlformats.org/officeDocument/2006/relationships" xmlns:a="http://schemas.openxmlformats.org/drawingml/2006/main" xmlns="" val="963676054"/>
+        <p14:creationId xmlns:p14="http://schemas.microsoft.com/office/powerpoint/2010/main" val="963676054"/>
       </p:ext>
     </p:extLst>
   </p:cSld>
@@ -3569,7 +3569,7 @@
 </file>
 
 <file path=ppt/notesSlides/notesSlide28.xml><?xml version="1.0" encoding="utf-8"?>
-<p:notes xmlns:a="http://schemas.openxmlformats.org/drawingml/2006/main" xmlns:r="http://schemas.openxmlformats.org/officeDocument/2006/relationships" xmlns:mc="http://schemas.openxmlformats.org/markup-compatibility/2006" xmlns:mv="urn:schemas-microsoft-com:mac:vml" xmlns:p="http://schemas.openxmlformats.org/presentationml/2006/main" mc:Ignorable="mv" mc:PreserveAttributes="mv:*">
+<p:notes xmlns:a="http://schemas.openxmlformats.org/drawingml/2006/main" xmlns:r="http://schemas.openxmlformats.org/officeDocument/2006/relationships" xmlns:p="http://schemas.openxmlformats.org/presentationml/2006/main">
   <p:cSld>
     <p:spTree>
       <p:nvGrpSpPr>
@@ -3680,7 +3680,7 @@
 </file>
 
 <file path=ppt/notesSlides/notesSlide29.xml><?xml version="1.0" encoding="utf-8"?>
-<p:notes xmlns:a="http://schemas.openxmlformats.org/drawingml/2006/main" xmlns:r="http://schemas.openxmlformats.org/officeDocument/2006/relationships" xmlns:mc="http://schemas.openxmlformats.org/markup-compatibility/2006" xmlns:mv="urn:schemas-microsoft-com:mac:vml" xmlns:p="http://schemas.openxmlformats.org/presentationml/2006/main" mc:Ignorable="mv" mc:PreserveAttributes="mv:*">
+<p:notes xmlns:a="http://schemas.openxmlformats.org/drawingml/2006/main" xmlns:r="http://schemas.openxmlformats.org/officeDocument/2006/relationships" xmlns:p="http://schemas.openxmlformats.org/presentationml/2006/main">
   <p:cSld>
     <p:spTree>
       <p:nvGrpSpPr>
@@ -3754,7 +3754,7 @@
     </p:spTree>
     <p:extLst>
       <p:ext uri="{BB962C8B-B14F-4D97-AF65-F5344CB8AC3E}">
-        <p14:creationId xmlns:mc="http://schemas.openxmlformats.org/markup-compatibility/2006" xmlns:mv="urn:schemas-microsoft-com:mac:vml" xmlns:p14="http://schemas.microsoft.com/office/powerpoint/2010/main" xmlns:p="http://schemas.openxmlformats.org/presentationml/2006/main" xmlns:r="http://schemas.openxmlformats.org/officeDocument/2006/relationships" xmlns:a="http://schemas.openxmlformats.org/drawingml/2006/main" xmlns="" val="3250658828"/>
+        <p14:creationId xmlns:p14="http://schemas.microsoft.com/office/powerpoint/2010/main" val="3250658828"/>
       </p:ext>
     </p:extLst>
   </p:cSld>
@@ -3765,7 +3765,7 @@
 </file>
 
 <file path=ppt/notesSlides/notesSlide3.xml><?xml version="1.0" encoding="utf-8"?>
-<p:notes xmlns:a="http://schemas.openxmlformats.org/drawingml/2006/main" xmlns:r="http://schemas.openxmlformats.org/officeDocument/2006/relationships" xmlns:mc="http://schemas.openxmlformats.org/markup-compatibility/2006" xmlns:mv="urn:schemas-microsoft-com:mac:vml" xmlns:p="http://schemas.openxmlformats.org/presentationml/2006/main" mc:Ignorable="mv" mc:PreserveAttributes="mv:*">
+<p:notes xmlns:a="http://schemas.openxmlformats.org/drawingml/2006/main" xmlns:r="http://schemas.openxmlformats.org/officeDocument/2006/relationships" xmlns:p="http://schemas.openxmlformats.org/presentationml/2006/main">
   <p:cSld>
     <p:spTree>
       <p:nvGrpSpPr>
@@ -3803,14 +3803,14 @@
           </a:ln>
           <a:extLst>
             <a:ext uri="{909E8E84-426E-40dd-AFC4-6F175D3DCCD1}">
-              <a14:hiddenFill xmlns:mc="http://schemas.openxmlformats.org/markup-compatibility/2006" xmlns:mv="urn:schemas-microsoft-com:mac:vml" xmlns:a14="http://schemas.microsoft.com/office/drawing/2010/main" xmlns:p="http://schemas.openxmlformats.org/presentationml/2006/main" xmlns:r="http://schemas.openxmlformats.org/officeDocument/2006/relationships" xmlns:a="http://schemas.openxmlformats.org/drawingml/2006/main" xmlns="">
+              <a14:hiddenFill xmlns:a14="http://schemas.microsoft.com/office/drawing/2010/main">
                 <a:solidFill>
                   <a:srgbClr val="FFFFFF"/>
                 </a:solidFill>
               </a14:hiddenFill>
             </a:ext>
             <a:ext uri="{91240B29-F687-4f45-9708-019B960494DF}">
-              <a14:hiddenLine xmlns:mc="http://schemas.openxmlformats.org/markup-compatibility/2006" xmlns:mv="urn:schemas-microsoft-com:mac:vml" xmlns:a14="http://schemas.microsoft.com/office/drawing/2010/main" xmlns:p="http://schemas.openxmlformats.org/presentationml/2006/main" xmlns:r="http://schemas.openxmlformats.org/officeDocument/2006/relationships" xmlns:a="http://schemas.openxmlformats.org/drawingml/2006/main" xmlns="" w="9525">
+              <a14:hiddenLine xmlns:a14="http://schemas.microsoft.com/office/drawing/2010/main" w="9525">
                 <a:solidFill>
                   <a:srgbClr val="000000"/>
                 </a:solidFill>
@@ -3964,14 +3964,14 @@
           </a:ln>
           <a:extLst>
             <a:ext uri="{909E8E84-426E-40dd-AFC4-6F175D3DCCD1}">
-              <a14:hiddenFill xmlns:mc="http://schemas.openxmlformats.org/markup-compatibility/2006" xmlns:mv="urn:schemas-microsoft-com:mac:vml" xmlns:a14="http://schemas.microsoft.com/office/drawing/2010/main" xmlns:p="http://schemas.openxmlformats.org/presentationml/2006/main" xmlns:r="http://schemas.openxmlformats.org/officeDocument/2006/relationships" xmlns:a="http://schemas.openxmlformats.org/drawingml/2006/main" xmlns="">
+              <a14:hiddenFill xmlns:a14="http://schemas.microsoft.com/office/drawing/2010/main">
                 <a:solidFill>
                   <a:srgbClr val="FFFFFF"/>
                 </a:solidFill>
               </a14:hiddenFill>
             </a:ext>
             <a:ext uri="{FAA26D3D-D897-4be2-8F04-BA451C77F1D7}">
-              <ma14:placeholderFlag xmlns:mc="http://schemas.openxmlformats.org/markup-compatibility/2006" xmlns:mv="urn:schemas-microsoft-com:mac:vml" xmlns:ma14="http://schemas.microsoft.com/office/mac/drawingml/2011/main" xmlns:p="http://schemas.openxmlformats.org/presentationml/2006/main" xmlns:r="http://schemas.openxmlformats.org/officeDocument/2006/relationships" xmlns:a="http://schemas.openxmlformats.org/drawingml/2006/main" xmlns="" val="1"/>
+              <ma14:placeholderFlag xmlns:ma14="http://schemas.microsoft.com/office/mac/drawingml/2011/main" val="1"/>
             </a:ext>
           </a:extLst>
         </p:spPr>
@@ -3990,14 +3990,14 @@
           <a:noFill/>
           <a:extLst>
             <a:ext uri="{909E8E84-426E-40dd-AFC4-6F175D3DCCD1}">
-              <a14:hiddenFill xmlns:mc="http://schemas.openxmlformats.org/markup-compatibility/2006" xmlns:mv="urn:schemas-microsoft-com:mac:vml" xmlns:a14="http://schemas.microsoft.com/office/drawing/2010/main" xmlns:p="http://schemas.openxmlformats.org/presentationml/2006/main" xmlns:r="http://schemas.openxmlformats.org/officeDocument/2006/relationships" xmlns:a="http://schemas.openxmlformats.org/drawingml/2006/main" xmlns="">
+              <a14:hiddenFill xmlns:a14="http://schemas.microsoft.com/office/drawing/2010/main">
                 <a:solidFill>
                   <a:srgbClr val="FFFFFF"/>
                 </a:solidFill>
               </a14:hiddenFill>
             </a:ext>
             <a:ext uri="{91240B29-F687-4f45-9708-019B960494DF}">
-              <a14:hiddenLine xmlns:mc="http://schemas.openxmlformats.org/markup-compatibility/2006" xmlns:mv="urn:schemas-microsoft-com:mac:vml" xmlns:a14="http://schemas.microsoft.com/office/drawing/2010/main" xmlns:p="http://schemas.openxmlformats.org/presentationml/2006/main" xmlns:r="http://schemas.openxmlformats.org/officeDocument/2006/relationships" xmlns:a="http://schemas.openxmlformats.org/drawingml/2006/main" xmlns="" w="9525">
+              <a14:hiddenLine xmlns:a14="http://schemas.microsoft.com/office/drawing/2010/main" w="9525">
                 <a:solidFill>
                   <a:srgbClr val="000000"/>
                 </a:solidFill>
@@ -4035,7 +4035,7 @@
 </file>
 
 <file path=ppt/notesSlides/notesSlide30.xml><?xml version="1.0" encoding="utf-8"?>
-<p:notes xmlns:a="http://schemas.openxmlformats.org/drawingml/2006/main" xmlns:r="http://schemas.openxmlformats.org/officeDocument/2006/relationships" xmlns:mc="http://schemas.openxmlformats.org/markup-compatibility/2006" xmlns:mv="urn:schemas-microsoft-com:mac:vml" xmlns:p="http://schemas.openxmlformats.org/presentationml/2006/main" mc:Ignorable="mv" mc:PreserveAttributes="mv:*">
+<p:notes xmlns:a="http://schemas.openxmlformats.org/drawingml/2006/main" xmlns:r="http://schemas.openxmlformats.org/officeDocument/2006/relationships" xmlns:p="http://schemas.openxmlformats.org/presentationml/2006/main">
   <p:cSld>
     <p:spTree>
       <p:nvGrpSpPr>
@@ -4073,14 +4073,14 @@
           </a:ln>
           <a:extLst>
             <a:ext uri="{909E8E84-426E-40dd-AFC4-6F175D3DCCD1}">
-              <a14:hiddenFill xmlns:mc="http://schemas.openxmlformats.org/markup-compatibility/2006" xmlns:mv="urn:schemas-microsoft-com:mac:vml" xmlns:a14="http://schemas.microsoft.com/office/drawing/2010/main" xmlns:p="http://schemas.openxmlformats.org/presentationml/2006/main" xmlns:r="http://schemas.openxmlformats.org/officeDocument/2006/relationships" xmlns:a="http://schemas.openxmlformats.org/drawingml/2006/main" xmlns="">
+              <a14:hiddenFill xmlns:a14="http://schemas.microsoft.com/office/drawing/2010/main">
                 <a:solidFill>
                   <a:srgbClr val="FFFFFF"/>
                 </a:solidFill>
               </a14:hiddenFill>
             </a:ext>
             <a:ext uri="{91240B29-F687-4f45-9708-019B960494DF}">
-              <a14:hiddenLine xmlns:mc="http://schemas.openxmlformats.org/markup-compatibility/2006" xmlns:mv="urn:schemas-microsoft-com:mac:vml" xmlns:a14="http://schemas.microsoft.com/office/drawing/2010/main" xmlns:p="http://schemas.openxmlformats.org/presentationml/2006/main" xmlns:r="http://schemas.openxmlformats.org/officeDocument/2006/relationships" xmlns:a="http://schemas.openxmlformats.org/drawingml/2006/main" xmlns="" w="9525">
+              <a14:hiddenLine xmlns:a14="http://schemas.microsoft.com/office/drawing/2010/main" w="9525">
                 <a:solidFill>
                   <a:srgbClr val="000000"/>
                 </a:solidFill>
@@ -4234,14 +4234,14 @@
           </a:ln>
           <a:extLst>
             <a:ext uri="{909E8E84-426E-40dd-AFC4-6F175D3DCCD1}">
-              <a14:hiddenFill xmlns:mc="http://schemas.openxmlformats.org/markup-compatibility/2006" xmlns:mv="urn:schemas-microsoft-com:mac:vml" xmlns:a14="http://schemas.microsoft.com/office/drawing/2010/main" xmlns:p="http://schemas.openxmlformats.org/presentationml/2006/main" xmlns:r="http://schemas.openxmlformats.org/officeDocument/2006/relationships" xmlns:a="http://schemas.openxmlformats.org/drawingml/2006/main" xmlns="">
+              <a14:hiddenFill xmlns:a14="http://schemas.microsoft.com/office/drawing/2010/main">
                 <a:solidFill>
                   <a:srgbClr val="FFFFFF"/>
                 </a:solidFill>
               </a14:hiddenFill>
             </a:ext>
             <a:ext uri="{FAA26D3D-D897-4be2-8F04-BA451C77F1D7}">
-              <ma14:placeholderFlag xmlns:mc="http://schemas.openxmlformats.org/markup-compatibility/2006" xmlns:mv="urn:schemas-microsoft-com:mac:vml" xmlns:ma14="http://schemas.microsoft.com/office/mac/drawingml/2011/main" xmlns:p="http://schemas.openxmlformats.org/presentationml/2006/main" xmlns:r="http://schemas.openxmlformats.org/officeDocument/2006/relationships" xmlns:a="http://schemas.openxmlformats.org/drawingml/2006/main" xmlns="" val="1"/>
+              <ma14:placeholderFlag xmlns:ma14="http://schemas.microsoft.com/office/mac/drawingml/2011/main" val="1"/>
             </a:ext>
           </a:extLst>
         </p:spPr>
@@ -4260,14 +4260,14 @@
           <a:noFill/>
           <a:extLst>
             <a:ext uri="{909E8E84-426E-40dd-AFC4-6F175D3DCCD1}">
-              <a14:hiddenFill xmlns:mc="http://schemas.openxmlformats.org/markup-compatibility/2006" xmlns:mv="urn:schemas-microsoft-com:mac:vml" xmlns:a14="http://schemas.microsoft.com/office/drawing/2010/main" xmlns:p="http://schemas.openxmlformats.org/presentationml/2006/main" xmlns:r="http://schemas.openxmlformats.org/officeDocument/2006/relationships" xmlns:a="http://schemas.openxmlformats.org/drawingml/2006/main" xmlns="">
+              <a14:hiddenFill xmlns:a14="http://schemas.microsoft.com/office/drawing/2010/main">
                 <a:solidFill>
                   <a:srgbClr val="FFFFFF"/>
                 </a:solidFill>
               </a14:hiddenFill>
             </a:ext>
             <a:ext uri="{91240B29-F687-4f45-9708-019B960494DF}">
-              <a14:hiddenLine xmlns:mc="http://schemas.openxmlformats.org/markup-compatibility/2006" xmlns:mv="urn:schemas-microsoft-com:mac:vml" xmlns:a14="http://schemas.microsoft.com/office/drawing/2010/main" xmlns:p="http://schemas.openxmlformats.org/presentationml/2006/main" xmlns:r="http://schemas.openxmlformats.org/officeDocument/2006/relationships" xmlns:a="http://schemas.openxmlformats.org/drawingml/2006/main" xmlns="" w="9525">
+              <a14:hiddenLine xmlns:a14="http://schemas.microsoft.com/office/drawing/2010/main" w="9525">
                 <a:solidFill>
                   <a:srgbClr val="000000"/>
                 </a:solidFill>
@@ -4277,7 +4277,7 @@
               </a14:hiddenLine>
             </a:ext>
             <a:ext uri="{FAA26D3D-D897-4be2-8F04-BA451C77F1D7}">
-              <ma14:placeholderFlag xmlns:mc="http://schemas.openxmlformats.org/markup-compatibility/2006" xmlns:mv="urn:schemas-microsoft-com:mac:vml" xmlns:ma14="http://schemas.microsoft.com/office/mac/drawingml/2011/main" xmlns:p="http://schemas.openxmlformats.org/presentationml/2006/main" xmlns:r="http://schemas.openxmlformats.org/officeDocument/2006/relationships" xmlns:a="http://schemas.openxmlformats.org/drawingml/2006/main" xmlns="" val="1"/>
+              <ma14:placeholderFlag xmlns:ma14="http://schemas.microsoft.com/office/mac/drawingml/2011/main" val="1"/>
             </a:ext>
           </a:extLst>
         </p:spPr>
@@ -4305,7 +4305,7 @@
 </file>
 
 <file path=ppt/notesSlides/notesSlide31.xml><?xml version="1.0" encoding="utf-8"?>
-<p:notes xmlns:a="http://schemas.openxmlformats.org/drawingml/2006/main" xmlns:r="http://schemas.openxmlformats.org/officeDocument/2006/relationships" xmlns:mc="http://schemas.openxmlformats.org/markup-compatibility/2006" xmlns:mv="urn:schemas-microsoft-com:mac:vml" xmlns:p="http://schemas.openxmlformats.org/presentationml/2006/main" mc:Ignorable="mv" mc:PreserveAttributes="mv:*">
+<p:notes xmlns:a="http://schemas.openxmlformats.org/drawingml/2006/main" xmlns:r="http://schemas.openxmlformats.org/officeDocument/2006/relationships" xmlns:p="http://schemas.openxmlformats.org/presentationml/2006/main">
   <p:cSld>
     <p:spTree>
       <p:nvGrpSpPr>
@@ -4343,14 +4343,14 @@
           </a:ln>
           <a:extLst>
             <a:ext uri="{909E8E84-426E-40dd-AFC4-6F175D3DCCD1}">
-              <a14:hiddenFill xmlns:mc="http://schemas.openxmlformats.org/markup-compatibility/2006" xmlns:mv="urn:schemas-microsoft-com:mac:vml" xmlns:a14="http://schemas.microsoft.com/office/drawing/2010/main" xmlns:p="http://schemas.openxmlformats.org/presentationml/2006/main" xmlns:r="http://schemas.openxmlformats.org/officeDocument/2006/relationships" xmlns:a="http://schemas.openxmlformats.org/drawingml/2006/main" xmlns="">
+              <a14:hiddenFill xmlns:a14="http://schemas.microsoft.com/office/drawing/2010/main">
                 <a:solidFill>
                   <a:srgbClr val="FFFFFF"/>
                 </a:solidFill>
               </a14:hiddenFill>
             </a:ext>
             <a:ext uri="{FAA26D3D-D897-4be2-8F04-BA451C77F1D7}">
-              <ma14:placeholderFlag xmlns:mc="http://schemas.openxmlformats.org/markup-compatibility/2006" xmlns:mv="urn:schemas-microsoft-com:mac:vml" xmlns:ma14="http://schemas.microsoft.com/office/mac/drawingml/2011/main" xmlns:p="http://schemas.openxmlformats.org/presentationml/2006/main" xmlns:r="http://schemas.openxmlformats.org/officeDocument/2006/relationships" xmlns:a="http://schemas.openxmlformats.org/drawingml/2006/main" xmlns="" val="1"/>
+              <ma14:placeholderFlag xmlns:ma14="http://schemas.microsoft.com/office/mac/drawingml/2011/main" val="1"/>
             </a:ext>
           </a:extLst>
         </p:spPr>
@@ -4369,14 +4369,14 @@
           <a:noFill/>
           <a:extLst>
             <a:ext uri="{909E8E84-426E-40dd-AFC4-6F175D3DCCD1}">
-              <a14:hiddenFill xmlns:mc="http://schemas.openxmlformats.org/markup-compatibility/2006" xmlns:mv="urn:schemas-microsoft-com:mac:vml" xmlns:a14="http://schemas.microsoft.com/office/drawing/2010/main" xmlns:p="http://schemas.openxmlformats.org/presentationml/2006/main" xmlns:r="http://schemas.openxmlformats.org/officeDocument/2006/relationships" xmlns:a="http://schemas.openxmlformats.org/drawingml/2006/main" xmlns="">
+              <a14:hiddenFill xmlns:a14="http://schemas.microsoft.com/office/drawing/2010/main">
                 <a:solidFill>
                   <a:srgbClr val="FFFFFF"/>
                 </a:solidFill>
               </a14:hiddenFill>
             </a:ext>
             <a:ext uri="{91240B29-F687-4f45-9708-019B960494DF}">
-              <a14:hiddenLine xmlns:mc="http://schemas.openxmlformats.org/markup-compatibility/2006" xmlns:mv="urn:schemas-microsoft-com:mac:vml" xmlns:a14="http://schemas.microsoft.com/office/drawing/2010/main" xmlns:p="http://schemas.openxmlformats.org/presentationml/2006/main" xmlns:r="http://schemas.openxmlformats.org/officeDocument/2006/relationships" xmlns:a="http://schemas.openxmlformats.org/drawingml/2006/main" xmlns="" w="9525">
+              <a14:hiddenLine xmlns:a14="http://schemas.microsoft.com/office/drawing/2010/main" w="9525">
                 <a:solidFill>
                   <a:srgbClr val="000000"/>
                 </a:solidFill>
@@ -4386,7 +4386,7 @@
               </a14:hiddenLine>
             </a:ext>
             <a:ext uri="{FAA26D3D-D897-4be2-8F04-BA451C77F1D7}">
-              <ma14:placeholderFlag xmlns:mc="http://schemas.openxmlformats.org/markup-compatibility/2006" xmlns:mv="urn:schemas-microsoft-com:mac:vml" xmlns:ma14="http://schemas.microsoft.com/office/mac/drawingml/2011/main" xmlns:p="http://schemas.openxmlformats.org/presentationml/2006/main" xmlns:r="http://schemas.openxmlformats.org/officeDocument/2006/relationships" xmlns:a="http://schemas.openxmlformats.org/drawingml/2006/main" xmlns="" val="1"/>
+              <ma14:placeholderFlag xmlns:ma14="http://schemas.microsoft.com/office/mac/drawingml/2011/main" val="1"/>
             </a:ext>
           </a:extLst>
         </p:spPr>
@@ -4413,7 +4413,7 @@
 </file>
 
 <file path=ppt/notesSlides/notesSlide32.xml><?xml version="1.0" encoding="utf-8"?>
-<p:notes xmlns:a="http://schemas.openxmlformats.org/drawingml/2006/main" xmlns:r="http://schemas.openxmlformats.org/officeDocument/2006/relationships" xmlns:mc="http://schemas.openxmlformats.org/markup-compatibility/2006" xmlns:mv="urn:schemas-microsoft-com:mac:vml" xmlns:p="http://schemas.openxmlformats.org/presentationml/2006/main" mc:Ignorable="mv" mc:PreserveAttributes="mv:*">
+<p:notes xmlns:a="http://schemas.openxmlformats.org/drawingml/2006/main" xmlns:r="http://schemas.openxmlformats.org/officeDocument/2006/relationships" xmlns:p="http://schemas.openxmlformats.org/presentationml/2006/main">
   <p:cSld>
     <p:spTree>
       <p:nvGrpSpPr>
@@ -4524,7 +4524,7 @@
 </file>
 
 <file path=ppt/notesSlides/notesSlide33.xml><?xml version="1.0" encoding="utf-8"?>
-<p:notes xmlns:a="http://schemas.openxmlformats.org/drawingml/2006/main" xmlns:r="http://schemas.openxmlformats.org/officeDocument/2006/relationships" xmlns:mc="http://schemas.openxmlformats.org/markup-compatibility/2006" xmlns:mv="urn:schemas-microsoft-com:mac:vml" xmlns:p="http://schemas.openxmlformats.org/presentationml/2006/main" mc:Ignorable="mv" mc:PreserveAttributes="mv:*">
+<p:notes xmlns:a="http://schemas.openxmlformats.org/drawingml/2006/main" xmlns:r="http://schemas.openxmlformats.org/officeDocument/2006/relationships" xmlns:p="http://schemas.openxmlformats.org/presentationml/2006/main">
   <p:cSld>
     <p:spTree>
       <p:nvGrpSpPr>
@@ -4598,7 +4598,7 @@
     </p:spTree>
     <p:extLst>
       <p:ext uri="{BB962C8B-B14F-4D97-AF65-F5344CB8AC3E}">
-        <p14:creationId xmlns:mc="http://schemas.openxmlformats.org/markup-compatibility/2006" xmlns:mv="urn:schemas-microsoft-com:mac:vml" xmlns:p14="http://schemas.microsoft.com/office/powerpoint/2010/main" xmlns:p="http://schemas.openxmlformats.org/presentationml/2006/main" xmlns:r="http://schemas.openxmlformats.org/officeDocument/2006/relationships" xmlns:a="http://schemas.openxmlformats.org/drawingml/2006/main" xmlns="" val="3250658828"/>
+        <p14:creationId xmlns:p14="http://schemas.microsoft.com/office/powerpoint/2010/main" val="3250658828"/>
       </p:ext>
     </p:extLst>
   </p:cSld>
@@ -4609,7 +4609,7 @@
 </file>
 
 <file path=ppt/notesSlides/notesSlide34.xml><?xml version="1.0" encoding="utf-8"?>
-<p:notes xmlns:a="http://schemas.openxmlformats.org/drawingml/2006/main" xmlns:r="http://schemas.openxmlformats.org/officeDocument/2006/relationships" xmlns:mc="http://schemas.openxmlformats.org/markup-compatibility/2006" xmlns:mv="urn:schemas-microsoft-com:mac:vml" xmlns:p="http://schemas.openxmlformats.org/presentationml/2006/main" mc:Ignorable="mv" mc:PreserveAttributes="mv:*">
+<p:notes xmlns:a="http://schemas.openxmlformats.org/drawingml/2006/main" xmlns:r="http://schemas.openxmlformats.org/officeDocument/2006/relationships" xmlns:p="http://schemas.openxmlformats.org/presentationml/2006/main">
   <p:cSld>
     <p:spTree>
       <p:nvGrpSpPr>
@@ -4647,14 +4647,14 @@
           </a:ln>
           <a:extLst>
             <a:ext uri="{909E8E84-426E-40dd-AFC4-6F175D3DCCD1}">
-              <a14:hiddenFill xmlns:mc="http://schemas.openxmlformats.org/markup-compatibility/2006" xmlns:mv="urn:schemas-microsoft-com:mac:vml" xmlns:a14="http://schemas.microsoft.com/office/drawing/2010/main" xmlns:p="http://schemas.openxmlformats.org/presentationml/2006/main" xmlns:r="http://schemas.openxmlformats.org/officeDocument/2006/relationships" xmlns:a="http://schemas.openxmlformats.org/drawingml/2006/main" xmlns="">
+              <a14:hiddenFill xmlns:a14="http://schemas.microsoft.com/office/drawing/2010/main">
                 <a:solidFill>
                   <a:srgbClr val="FFFFFF"/>
                 </a:solidFill>
               </a14:hiddenFill>
             </a:ext>
             <a:ext uri="{FAA26D3D-D897-4be2-8F04-BA451C77F1D7}">
-              <ma14:placeholderFlag xmlns:mc="http://schemas.openxmlformats.org/markup-compatibility/2006" xmlns:mv="urn:schemas-microsoft-com:mac:vml" xmlns:ma14="http://schemas.microsoft.com/office/mac/drawingml/2011/main" xmlns:p="http://schemas.openxmlformats.org/presentationml/2006/main" xmlns:r="http://schemas.openxmlformats.org/officeDocument/2006/relationships" xmlns:a="http://schemas.openxmlformats.org/drawingml/2006/main" xmlns="" val="1"/>
+              <ma14:placeholderFlag xmlns:ma14="http://schemas.microsoft.com/office/mac/drawingml/2011/main" val="1"/>
             </a:ext>
           </a:extLst>
         </p:spPr>
@@ -4673,14 +4673,14 @@
           <a:noFill/>
           <a:extLst>
             <a:ext uri="{909E8E84-426E-40dd-AFC4-6F175D3DCCD1}">
-              <a14:hiddenFill xmlns:mc="http://schemas.openxmlformats.org/markup-compatibility/2006" xmlns:mv="urn:schemas-microsoft-com:mac:vml" xmlns:a14="http://schemas.microsoft.com/office/drawing/2010/main" xmlns:p="http://schemas.openxmlformats.org/presentationml/2006/main" xmlns:r="http://schemas.openxmlformats.org/officeDocument/2006/relationships" xmlns:a="http://schemas.openxmlformats.org/drawingml/2006/main" xmlns="">
+              <a14:hiddenFill xmlns:a14="http://schemas.microsoft.com/office/drawing/2010/main">
                 <a:solidFill>
                   <a:srgbClr val="FFFFFF"/>
                 </a:solidFill>
               </a14:hiddenFill>
             </a:ext>
             <a:ext uri="{91240B29-F687-4f45-9708-019B960494DF}">
-              <a14:hiddenLine xmlns:mc="http://schemas.openxmlformats.org/markup-compatibility/2006" xmlns:mv="urn:schemas-microsoft-com:mac:vml" xmlns:a14="http://schemas.microsoft.com/office/drawing/2010/main" xmlns:p="http://schemas.openxmlformats.org/presentationml/2006/main" xmlns:r="http://schemas.openxmlformats.org/officeDocument/2006/relationships" xmlns:a="http://schemas.openxmlformats.org/drawingml/2006/main" xmlns="" w="9525">
+              <a14:hiddenLine xmlns:a14="http://schemas.microsoft.com/office/drawing/2010/main" w="9525">
                 <a:solidFill>
                   <a:srgbClr val="000000"/>
                 </a:solidFill>
@@ -4690,7 +4690,7 @@
               </a14:hiddenLine>
             </a:ext>
             <a:ext uri="{FAA26D3D-D897-4be2-8F04-BA451C77F1D7}">
-              <ma14:placeholderFlag xmlns:mc="http://schemas.openxmlformats.org/markup-compatibility/2006" xmlns:mv="urn:schemas-microsoft-com:mac:vml" xmlns:ma14="http://schemas.microsoft.com/office/mac/drawingml/2011/main" xmlns:p="http://schemas.openxmlformats.org/presentationml/2006/main" xmlns:r="http://schemas.openxmlformats.org/officeDocument/2006/relationships" xmlns:a="http://schemas.openxmlformats.org/drawingml/2006/main" xmlns="" val="1"/>
+              <ma14:placeholderFlag xmlns:ma14="http://schemas.microsoft.com/office/mac/drawingml/2011/main" val="1"/>
             </a:ext>
           </a:extLst>
         </p:spPr>
@@ -4717,7 +4717,7 @@
 </file>
 
 <file path=ppt/notesSlides/notesSlide35.xml><?xml version="1.0" encoding="utf-8"?>
-<p:notes xmlns:a="http://schemas.openxmlformats.org/drawingml/2006/main" xmlns:r="http://schemas.openxmlformats.org/officeDocument/2006/relationships" xmlns:mc="http://schemas.openxmlformats.org/markup-compatibility/2006" xmlns:mv="urn:schemas-microsoft-com:mac:vml" xmlns:p="http://schemas.openxmlformats.org/presentationml/2006/main" mc:Ignorable="mv" mc:PreserveAttributes="mv:*">
+<p:notes xmlns:a="http://schemas.openxmlformats.org/drawingml/2006/main" xmlns:r="http://schemas.openxmlformats.org/officeDocument/2006/relationships" xmlns:p="http://schemas.openxmlformats.org/presentationml/2006/main">
   <p:cSld>
     <p:spTree>
       <p:nvGrpSpPr>
@@ -4755,14 +4755,14 @@
           </a:ln>
           <a:extLst>
             <a:ext uri="{909E8E84-426E-40dd-AFC4-6F175D3DCCD1}">
-              <a14:hiddenFill xmlns:mc="http://schemas.openxmlformats.org/markup-compatibility/2006" xmlns:mv="urn:schemas-microsoft-com:mac:vml" xmlns:a14="http://schemas.microsoft.com/office/drawing/2010/main" xmlns:p="http://schemas.openxmlformats.org/presentationml/2006/main" xmlns:r="http://schemas.openxmlformats.org/officeDocument/2006/relationships" xmlns:a="http://schemas.openxmlformats.org/drawingml/2006/main" xmlns="">
+              <a14:hiddenFill xmlns:a14="http://schemas.microsoft.com/office/drawing/2010/main">
                 <a:solidFill>
                   <a:srgbClr val="FFFFFF"/>
                 </a:solidFill>
               </a14:hiddenFill>
             </a:ext>
             <a:ext uri="{FAA26D3D-D897-4be2-8F04-BA451C77F1D7}">
-              <ma14:placeholderFlag xmlns:mc="http://schemas.openxmlformats.org/markup-compatibility/2006" xmlns:mv="urn:schemas-microsoft-com:mac:vml" xmlns:ma14="http://schemas.microsoft.com/office/mac/drawingml/2011/main" xmlns:p="http://schemas.openxmlformats.org/presentationml/2006/main" xmlns:r="http://schemas.openxmlformats.org/officeDocument/2006/relationships" xmlns:a="http://schemas.openxmlformats.org/drawingml/2006/main" xmlns="" val="1"/>
+              <ma14:placeholderFlag xmlns:ma14="http://schemas.microsoft.com/office/mac/drawingml/2011/main" val="1"/>
             </a:ext>
           </a:extLst>
         </p:spPr>
@@ -4781,14 +4781,14 @@
           <a:noFill/>
           <a:extLst>
             <a:ext uri="{909E8E84-426E-40dd-AFC4-6F175D3DCCD1}">
-              <a14:hiddenFill xmlns:mc="http://schemas.openxmlformats.org/markup-compatibility/2006" xmlns:mv="urn:schemas-microsoft-com:mac:vml" xmlns:a14="http://schemas.microsoft.com/office/drawing/2010/main" xmlns:p="http://schemas.openxmlformats.org/presentationml/2006/main" xmlns:r="http://schemas.openxmlformats.org/officeDocument/2006/relationships" xmlns:a="http://schemas.openxmlformats.org/drawingml/2006/main" xmlns="">
+              <a14:hiddenFill xmlns:a14="http://schemas.microsoft.com/office/drawing/2010/main">
                 <a:solidFill>
                   <a:srgbClr val="FFFFFF"/>
                 </a:solidFill>
               </a14:hiddenFill>
             </a:ext>
             <a:ext uri="{91240B29-F687-4f45-9708-019B960494DF}">
-              <a14:hiddenLine xmlns:mc="http://schemas.openxmlformats.org/markup-compatibility/2006" xmlns:mv="urn:schemas-microsoft-com:mac:vml" xmlns:a14="http://schemas.microsoft.com/office/drawing/2010/main" xmlns:p="http://schemas.openxmlformats.org/presentationml/2006/main" xmlns:r="http://schemas.openxmlformats.org/officeDocument/2006/relationships" xmlns:a="http://schemas.openxmlformats.org/drawingml/2006/main" xmlns="" w="9525">
+              <a14:hiddenLine xmlns:a14="http://schemas.microsoft.com/office/drawing/2010/main" w="9525">
                 <a:solidFill>
                   <a:srgbClr val="000000"/>
                 </a:solidFill>
@@ -4798,7 +4798,7 @@
               </a14:hiddenLine>
             </a:ext>
             <a:ext uri="{FAA26D3D-D897-4be2-8F04-BA451C77F1D7}">
-              <ma14:placeholderFlag xmlns:mc="http://schemas.openxmlformats.org/markup-compatibility/2006" xmlns:mv="urn:schemas-microsoft-com:mac:vml" xmlns:ma14="http://schemas.microsoft.com/office/mac/drawingml/2011/main" xmlns:p="http://schemas.openxmlformats.org/presentationml/2006/main" xmlns:r="http://schemas.openxmlformats.org/officeDocument/2006/relationships" xmlns:a="http://schemas.openxmlformats.org/drawingml/2006/main" xmlns="" val="1"/>
+              <ma14:placeholderFlag xmlns:ma14="http://schemas.microsoft.com/office/mac/drawingml/2011/main" val="1"/>
             </a:ext>
           </a:extLst>
         </p:spPr>
@@ -4825,7 +4825,7 @@
 </file>
 
 <file path=ppt/notesSlides/notesSlide36.xml><?xml version="1.0" encoding="utf-8"?>
-<p:notes xmlns:a="http://schemas.openxmlformats.org/drawingml/2006/main" xmlns:r="http://schemas.openxmlformats.org/officeDocument/2006/relationships" xmlns:mc="http://schemas.openxmlformats.org/markup-compatibility/2006" xmlns:mv="urn:schemas-microsoft-com:mac:vml" xmlns:p="http://schemas.openxmlformats.org/presentationml/2006/main" mc:Ignorable="mv" mc:PreserveAttributes="mv:*">
+<p:notes xmlns:a="http://schemas.openxmlformats.org/drawingml/2006/main" xmlns:r="http://schemas.openxmlformats.org/officeDocument/2006/relationships" xmlns:p="http://schemas.openxmlformats.org/presentationml/2006/main">
   <p:cSld>
     <p:spTree>
       <p:nvGrpSpPr>
@@ -4936,7 +4936,7 @@
 </file>
 
 <file path=ppt/notesSlides/notesSlide37.xml><?xml version="1.0" encoding="utf-8"?>
-<p:notes xmlns:a="http://schemas.openxmlformats.org/drawingml/2006/main" xmlns:r="http://schemas.openxmlformats.org/officeDocument/2006/relationships" xmlns:mc="http://schemas.openxmlformats.org/markup-compatibility/2006" xmlns:mv="urn:schemas-microsoft-com:mac:vml" xmlns:p="http://schemas.openxmlformats.org/presentationml/2006/main" mc:Ignorable="mv" mc:PreserveAttributes="mv:*">
+<p:notes xmlns:a="http://schemas.openxmlformats.org/drawingml/2006/main" xmlns:r="http://schemas.openxmlformats.org/officeDocument/2006/relationships" xmlns:p="http://schemas.openxmlformats.org/presentationml/2006/main">
   <p:cSld>
     <p:spTree>
       <p:nvGrpSpPr>
@@ -5010,7 +5010,7 @@
     </p:spTree>
     <p:extLst>
       <p:ext uri="{BB962C8B-B14F-4D97-AF65-F5344CB8AC3E}">
-        <p14:creationId xmlns:mc="http://schemas.openxmlformats.org/markup-compatibility/2006" xmlns:mv="urn:schemas-microsoft-com:mac:vml" xmlns:p14="http://schemas.microsoft.com/office/powerpoint/2010/main" xmlns:p="http://schemas.openxmlformats.org/presentationml/2006/main" xmlns:r="http://schemas.openxmlformats.org/officeDocument/2006/relationships" xmlns:a="http://schemas.openxmlformats.org/drawingml/2006/main" xmlns="" val="3250658828"/>
+        <p14:creationId xmlns:p14="http://schemas.microsoft.com/office/powerpoint/2010/main" val="3250658828"/>
       </p:ext>
     </p:extLst>
   </p:cSld>
@@ -5021,7 +5021,7 @@
 </file>
 
 <file path=ppt/notesSlides/notesSlide38.xml><?xml version="1.0" encoding="utf-8"?>
-<p:notes xmlns:a="http://schemas.openxmlformats.org/drawingml/2006/main" xmlns:r="http://schemas.openxmlformats.org/officeDocument/2006/relationships" xmlns:mc="http://schemas.openxmlformats.org/markup-compatibility/2006" xmlns:mv="urn:schemas-microsoft-com:mac:vml" xmlns:p="http://schemas.openxmlformats.org/presentationml/2006/main" mc:Ignorable="mv" mc:PreserveAttributes="mv:*">
+<p:notes xmlns:a="http://schemas.openxmlformats.org/drawingml/2006/main" xmlns:r="http://schemas.openxmlformats.org/officeDocument/2006/relationships" xmlns:p="http://schemas.openxmlformats.org/presentationml/2006/main">
   <p:cSld>
     <p:spTree>
       <p:nvGrpSpPr>
@@ -5059,14 +5059,14 @@
           </a:ln>
           <a:extLst>
             <a:ext uri="{909E8E84-426E-40dd-AFC4-6F175D3DCCD1}">
-              <a14:hiddenFill xmlns:mc="http://schemas.openxmlformats.org/markup-compatibility/2006" xmlns:mv="urn:schemas-microsoft-com:mac:vml" xmlns:a14="http://schemas.microsoft.com/office/drawing/2010/main" xmlns:p="http://schemas.openxmlformats.org/presentationml/2006/main" xmlns:r="http://schemas.openxmlformats.org/officeDocument/2006/relationships" xmlns:a="http://schemas.openxmlformats.org/drawingml/2006/main" xmlns="">
+              <a14:hiddenFill xmlns:a14="http://schemas.microsoft.com/office/drawing/2010/main">
                 <a:solidFill>
                   <a:srgbClr val="FFFFFF"/>
                 </a:solidFill>
               </a14:hiddenFill>
             </a:ext>
             <a:ext uri="{FAA26D3D-D897-4be2-8F04-BA451C77F1D7}">
-              <ma14:placeholderFlag xmlns:mc="http://schemas.openxmlformats.org/markup-compatibility/2006" xmlns:mv="urn:schemas-microsoft-com:mac:vml" xmlns:ma14="http://schemas.microsoft.com/office/mac/drawingml/2011/main" xmlns:p="http://schemas.openxmlformats.org/presentationml/2006/main" xmlns:r="http://schemas.openxmlformats.org/officeDocument/2006/relationships" xmlns:a="http://schemas.openxmlformats.org/drawingml/2006/main" xmlns="" val="1"/>
+              <ma14:placeholderFlag xmlns:ma14="http://schemas.microsoft.com/office/mac/drawingml/2011/main" val="1"/>
             </a:ext>
           </a:extLst>
         </p:spPr>
@@ -5085,14 +5085,14 @@
           <a:noFill/>
           <a:extLst>
             <a:ext uri="{909E8E84-426E-40dd-AFC4-6F175D3DCCD1}">
-              <a14:hiddenFill xmlns:mc="http://schemas.openxmlformats.org/markup-compatibility/2006" xmlns:mv="urn:schemas-microsoft-com:mac:vml" xmlns:a14="http://schemas.microsoft.com/office/drawing/2010/main" xmlns:p="http://schemas.openxmlformats.org/presentationml/2006/main" xmlns:r="http://schemas.openxmlformats.org/officeDocument/2006/relationships" xmlns:a="http://schemas.openxmlformats.org/drawingml/2006/main" xmlns="">
+              <a14:hiddenFill xmlns:a14="http://schemas.microsoft.com/office/drawing/2010/main">
                 <a:solidFill>
                   <a:srgbClr val="FFFFFF"/>
                 </a:solidFill>
               </a14:hiddenFill>
             </a:ext>
             <a:ext uri="{91240B29-F687-4f45-9708-019B960494DF}">
-              <a14:hiddenLine xmlns:mc="http://schemas.openxmlformats.org/markup-compatibility/2006" xmlns:mv="urn:schemas-microsoft-com:mac:vml" xmlns:a14="http://schemas.microsoft.com/office/drawing/2010/main" xmlns:p="http://schemas.openxmlformats.org/presentationml/2006/main" xmlns:r="http://schemas.openxmlformats.org/officeDocument/2006/relationships" xmlns:a="http://schemas.openxmlformats.org/drawingml/2006/main" xmlns="" w="9525">
+              <a14:hiddenLine xmlns:a14="http://schemas.microsoft.com/office/drawing/2010/main" w="9525">
                 <a:solidFill>
                   <a:srgbClr val="000000"/>
                 </a:solidFill>
@@ -5102,7 +5102,7 @@
               </a14:hiddenLine>
             </a:ext>
             <a:ext uri="{FAA26D3D-D897-4be2-8F04-BA451C77F1D7}">
-              <ma14:placeholderFlag xmlns:mc="http://schemas.openxmlformats.org/markup-compatibility/2006" xmlns:mv="urn:schemas-microsoft-com:mac:vml" xmlns:ma14="http://schemas.microsoft.com/office/mac/drawingml/2011/main" xmlns:p="http://schemas.openxmlformats.org/presentationml/2006/main" xmlns:r="http://schemas.openxmlformats.org/officeDocument/2006/relationships" xmlns:a="http://schemas.openxmlformats.org/drawingml/2006/main" xmlns="" val="1"/>
+              <ma14:placeholderFlag xmlns:ma14="http://schemas.microsoft.com/office/mac/drawingml/2011/main" val="1"/>
             </a:ext>
           </a:extLst>
         </p:spPr>
@@ -5129,7 +5129,7 @@
 </file>
 
 <file path=ppt/notesSlides/notesSlide39.xml><?xml version="1.0" encoding="utf-8"?>
-<p:notes xmlns:a="http://schemas.openxmlformats.org/drawingml/2006/main" xmlns:r="http://schemas.openxmlformats.org/officeDocument/2006/relationships" xmlns:mc="http://schemas.openxmlformats.org/markup-compatibility/2006" xmlns:mv="urn:schemas-microsoft-com:mac:vml" xmlns:p="http://schemas.openxmlformats.org/presentationml/2006/main" mc:Ignorable="mv" mc:PreserveAttributes="mv:*">
+<p:notes xmlns:a="http://schemas.openxmlformats.org/drawingml/2006/main" xmlns:r="http://schemas.openxmlformats.org/officeDocument/2006/relationships" xmlns:p="http://schemas.openxmlformats.org/presentationml/2006/main">
   <p:cSld>
     <p:spTree>
       <p:nvGrpSpPr>
@@ -5167,14 +5167,14 @@
           </a:ln>
           <a:extLst>
             <a:ext uri="{909E8E84-426E-40dd-AFC4-6F175D3DCCD1}">
-              <a14:hiddenFill xmlns:mc="http://schemas.openxmlformats.org/markup-compatibility/2006" xmlns:mv="urn:schemas-microsoft-com:mac:vml" xmlns:a14="http://schemas.microsoft.com/office/drawing/2010/main" xmlns:p="http://schemas.openxmlformats.org/presentationml/2006/main" xmlns:r="http://schemas.openxmlformats.org/officeDocument/2006/relationships" xmlns:a="http://schemas.openxmlformats.org/drawingml/2006/main" xmlns="">
+              <a14:hiddenFill xmlns:a14="http://schemas.microsoft.com/office/drawing/2010/main">
                 <a:solidFill>
                   <a:srgbClr val="FFFFFF"/>
                 </a:solidFill>
               </a14:hiddenFill>
             </a:ext>
             <a:ext uri="{FAA26D3D-D897-4be2-8F04-BA451C77F1D7}">
-              <ma14:placeholderFlag xmlns:mc="http://schemas.openxmlformats.org/markup-compatibility/2006" xmlns:mv="urn:schemas-microsoft-com:mac:vml" xmlns:ma14="http://schemas.microsoft.com/office/mac/drawingml/2011/main" xmlns:p="http://schemas.openxmlformats.org/presentationml/2006/main" xmlns:r="http://schemas.openxmlformats.org/officeDocument/2006/relationships" xmlns:a="http://schemas.openxmlformats.org/drawingml/2006/main" xmlns="" val="1"/>
+              <ma14:placeholderFlag xmlns:ma14="http://schemas.microsoft.com/office/mac/drawingml/2011/main" val="1"/>
             </a:ext>
           </a:extLst>
         </p:spPr>
@@ -5193,14 +5193,14 @@
           <a:noFill/>
           <a:extLst>
             <a:ext uri="{909E8E84-426E-40dd-AFC4-6F175D3DCCD1}">
-              <a14:hiddenFill xmlns:mc="http://schemas.openxmlformats.org/markup-compatibility/2006" xmlns:mv="urn:schemas-microsoft-com:mac:vml" xmlns:a14="http://schemas.microsoft.com/office/drawing/2010/main" xmlns:p="http://schemas.openxmlformats.org/presentationml/2006/main" xmlns:r="http://schemas.openxmlformats.org/officeDocument/2006/relationships" xmlns:a="http://schemas.openxmlformats.org/drawingml/2006/main" xmlns="">
+              <a14:hiddenFill xmlns:a14="http://schemas.microsoft.com/office/drawing/2010/main">
                 <a:solidFill>
                   <a:srgbClr val="FFFFFF"/>
                 </a:solidFill>
               </a14:hiddenFill>
             </a:ext>
             <a:ext uri="{91240B29-F687-4f45-9708-019B960494DF}">
-              <a14:hiddenLine xmlns:mc="http://schemas.openxmlformats.org/markup-compatibility/2006" xmlns:mv="urn:schemas-microsoft-com:mac:vml" xmlns:a14="http://schemas.microsoft.com/office/drawing/2010/main" xmlns:p="http://schemas.openxmlformats.org/presentationml/2006/main" xmlns:r="http://schemas.openxmlformats.org/officeDocument/2006/relationships" xmlns:a="http://schemas.openxmlformats.org/drawingml/2006/main" xmlns="" w="9525">
+              <a14:hiddenLine xmlns:a14="http://schemas.microsoft.com/office/drawing/2010/main" w="9525">
                 <a:solidFill>
                   <a:srgbClr val="000000"/>
                 </a:solidFill>
@@ -5210,7 +5210,7 @@
               </a14:hiddenLine>
             </a:ext>
             <a:ext uri="{FAA26D3D-D897-4be2-8F04-BA451C77F1D7}">
-              <ma14:placeholderFlag xmlns:mc="http://schemas.openxmlformats.org/markup-compatibility/2006" xmlns:mv="urn:schemas-microsoft-com:mac:vml" xmlns:ma14="http://schemas.microsoft.com/office/mac/drawingml/2011/main" xmlns:p="http://schemas.openxmlformats.org/presentationml/2006/main" xmlns:r="http://schemas.openxmlformats.org/officeDocument/2006/relationships" xmlns:a="http://schemas.openxmlformats.org/drawingml/2006/main" xmlns="" val="1"/>
+              <ma14:placeholderFlag xmlns:ma14="http://schemas.microsoft.com/office/mac/drawingml/2011/main" val="1"/>
             </a:ext>
           </a:extLst>
         </p:spPr>
@@ -5237,7 +5237,7 @@
 </file>
 
 <file path=ppt/notesSlides/notesSlide4.xml><?xml version="1.0" encoding="utf-8"?>
-<p:notes xmlns:a="http://schemas.openxmlformats.org/drawingml/2006/main" xmlns:r="http://schemas.openxmlformats.org/officeDocument/2006/relationships" xmlns:mc="http://schemas.openxmlformats.org/markup-compatibility/2006" xmlns:mv="urn:schemas-microsoft-com:mac:vml" xmlns:p="http://schemas.openxmlformats.org/presentationml/2006/main" mc:Ignorable="mv" mc:PreserveAttributes="mv:*">
+<p:notes xmlns:a="http://schemas.openxmlformats.org/drawingml/2006/main" xmlns:r="http://schemas.openxmlformats.org/officeDocument/2006/relationships" xmlns:p="http://schemas.openxmlformats.org/presentationml/2006/main">
   <p:cSld>
     <p:spTree>
       <p:nvGrpSpPr>
@@ -5275,14 +5275,14 @@
           </a:ln>
           <a:extLst>
             <a:ext uri="{909E8E84-426E-40dd-AFC4-6F175D3DCCD1}">
-              <a14:hiddenFill xmlns:mc="http://schemas.openxmlformats.org/markup-compatibility/2006" xmlns:mv="urn:schemas-microsoft-com:mac:vml" xmlns:a14="http://schemas.microsoft.com/office/drawing/2010/main" xmlns:p="http://schemas.openxmlformats.org/presentationml/2006/main" xmlns:r="http://schemas.openxmlformats.org/officeDocument/2006/relationships" xmlns:a="http://schemas.openxmlformats.org/drawingml/2006/main" xmlns="">
+              <a14:hiddenFill xmlns:a14="http://schemas.microsoft.com/office/drawing/2010/main">
                 <a:solidFill>
                   <a:srgbClr val="FFFFFF"/>
                 </a:solidFill>
               </a14:hiddenFill>
             </a:ext>
             <a:ext uri="{91240B29-F687-4f45-9708-019B960494DF}">
-              <a14:hiddenLine xmlns:mc="http://schemas.openxmlformats.org/markup-compatibility/2006" xmlns:mv="urn:schemas-microsoft-com:mac:vml" xmlns:a14="http://schemas.microsoft.com/office/drawing/2010/main" xmlns:p="http://schemas.openxmlformats.org/presentationml/2006/main" xmlns:r="http://schemas.openxmlformats.org/officeDocument/2006/relationships" xmlns:a="http://schemas.openxmlformats.org/drawingml/2006/main" xmlns="" w="9525">
+              <a14:hiddenLine xmlns:a14="http://schemas.microsoft.com/office/drawing/2010/main" w="9525">
                 <a:solidFill>
                   <a:srgbClr val="000000"/>
                 </a:solidFill>
@@ -5436,14 +5436,14 @@
           </a:ln>
           <a:extLst>
             <a:ext uri="{909E8E84-426E-40dd-AFC4-6F175D3DCCD1}">
-              <a14:hiddenFill xmlns:mc="http://schemas.openxmlformats.org/markup-compatibility/2006" xmlns:mv="urn:schemas-microsoft-com:mac:vml" xmlns:a14="http://schemas.microsoft.com/office/drawing/2010/main" xmlns:p="http://schemas.openxmlformats.org/presentationml/2006/main" xmlns:r="http://schemas.openxmlformats.org/officeDocument/2006/relationships" xmlns:a="http://schemas.openxmlformats.org/drawingml/2006/main" xmlns="">
+              <a14:hiddenFill xmlns:a14="http://schemas.microsoft.com/office/drawing/2010/main">
                 <a:solidFill>
                   <a:srgbClr val="FFFFFF"/>
                 </a:solidFill>
               </a14:hiddenFill>
             </a:ext>
             <a:ext uri="{FAA26D3D-D897-4be2-8F04-BA451C77F1D7}">
-              <ma14:placeholderFlag xmlns:mc="http://schemas.openxmlformats.org/markup-compatibility/2006" xmlns:mv="urn:schemas-microsoft-com:mac:vml" xmlns:ma14="http://schemas.microsoft.com/office/mac/drawingml/2011/main" xmlns:p="http://schemas.openxmlformats.org/presentationml/2006/main" xmlns:r="http://schemas.openxmlformats.org/officeDocument/2006/relationships" xmlns:a="http://schemas.openxmlformats.org/drawingml/2006/main" xmlns="" val="1"/>
+              <ma14:placeholderFlag xmlns:ma14="http://schemas.microsoft.com/office/mac/drawingml/2011/main" val="1"/>
             </a:ext>
           </a:extLst>
         </p:spPr>
@@ -5462,14 +5462,14 @@
           <a:noFill/>
           <a:extLst>
             <a:ext uri="{909E8E84-426E-40dd-AFC4-6F175D3DCCD1}">
-              <a14:hiddenFill xmlns:mc="http://schemas.openxmlformats.org/markup-compatibility/2006" xmlns:mv="urn:schemas-microsoft-com:mac:vml" xmlns:a14="http://schemas.microsoft.com/office/drawing/2010/main" xmlns:p="http://schemas.openxmlformats.org/presentationml/2006/main" xmlns:r="http://schemas.openxmlformats.org/officeDocument/2006/relationships" xmlns:a="http://schemas.openxmlformats.org/drawingml/2006/main" xmlns="">
+              <a14:hiddenFill xmlns:a14="http://schemas.microsoft.com/office/drawing/2010/main">
                 <a:solidFill>
                   <a:srgbClr val="FFFFFF"/>
                 </a:solidFill>
               </a14:hiddenFill>
             </a:ext>
             <a:ext uri="{91240B29-F687-4f45-9708-019B960494DF}">
-              <a14:hiddenLine xmlns:mc="http://schemas.openxmlformats.org/markup-compatibility/2006" xmlns:mv="urn:schemas-microsoft-com:mac:vml" xmlns:a14="http://schemas.microsoft.com/office/drawing/2010/main" xmlns:p="http://schemas.openxmlformats.org/presentationml/2006/main" xmlns:r="http://schemas.openxmlformats.org/officeDocument/2006/relationships" xmlns:a="http://schemas.openxmlformats.org/drawingml/2006/main" xmlns="" w="9525">
+              <a14:hiddenLine xmlns:a14="http://schemas.microsoft.com/office/drawing/2010/main" w="9525">
                 <a:solidFill>
                   <a:srgbClr val="000000"/>
                 </a:solidFill>
@@ -5507,7 +5507,7 @@
 </file>
 
 <file path=ppt/notesSlides/notesSlide40.xml><?xml version="1.0" encoding="utf-8"?>
-<p:notes xmlns:a="http://schemas.openxmlformats.org/drawingml/2006/main" xmlns:r="http://schemas.openxmlformats.org/officeDocument/2006/relationships" xmlns:mc="http://schemas.openxmlformats.org/markup-compatibility/2006" xmlns:mv="urn:schemas-microsoft-com:mac:vml" xmlns:p="http://schemas.openxmlformats.org/presentationml/2006/main" mc:Ignorable="mv" mc:PreserveAttributes="mv:*">
+<p:notes xmlns:a="http://schemas.openxmlformats.org/drawingml/2006/main" xmlns:r="http://schemas.openxmlformats.org/officeDocument/2006/relationships" xmlns:p="http://schemas.openxmlformats.org/presentationml/2006/main">
   <p:cSld>
     <p:spTree>
       <p:nvGrpSpPr>
@@ -5545,14 +5545,14 @@
           </a:ln>
           <a:extLst>
             <a:ext uri="{909E8E84-426E-40dd-AFC4-6F175D3DCCD1}">
-              <a14:hiddenFill xmlns:mc="http://schemas.openxmlformats.org/markup-compatibility/2006" xmlns:mv="urn:schemas-microsoft-com:mac:vml" xmlns:a14="http://schemas.microsoft.com/office/drawing/2010/main" xmlns:p="http://schemas.openxmlformats.org/presentationml/2006/main" xmlns:r="http://schemas.openxmlformats.org/officeDocument/2006/relationships" xmlns:a="http://schemas.openxmlformats.org/drawingml/2006/main" xmlns="">
+              <a14:hiddenFill xmlns:a14="http://schemas.microsoft.com/office/drawing/2010/main">
                 <a:solidFill>
                   <a:srgbClr val="FFFFFF"/>
                 </a:solidFill>
               </a14:hiddenFill>
             </a:ext>
             <a:ext uri="{FAA26D3D-D897-4be2-8F04-BA451C77F1D7}">
-              <ma14:placeholderFlag xmlns:mc="http://schemas.openxmlformats.org/markup-compatibility/2006" xmlns:mv="urn:schemas-microsoft-com:mac:vml" xmlns:ma14="http://schemas.microsoft.com/office/mac/drawingml/2011/main" xmlns:p="http://schemas.openxmlformats.org/presentationml/2006/main" xmlns:r="http://schemas.openxmlformats.org/officeDocument/2006/relationships" xmlns:a="http://schemas.openxmlformats.org/drawingml/2006/main" xmlns="" val="1"/>
+              <ma14:placeholderFlag xmlns:ma14="http://schemas.microsoft.com/office/mac/drawingml/2011/main" val="1"/>
             </a:ext>
           </a:extLst>
         </p:spPr>
@@ -5571,14 +5571,14 @@
           <a:noFill/>
           <a:extLst>
             <a:ext uri="{909E8E84-426E-40dd-AFC4-6F175D3DCCD1}">
-              <a14:hiddenFill xmlns:mc="http://schemas.openxmlformats.org/markup-compatibility/2006" xmlns:mv="urn:schemas-microsoft-com:mac:vml" xmlns:a14="http://schemas.microsoft.com/office/drawing/2010/main" xmlns:p="http://schemas.openxmlformats.org/presentationml/2006/main" xmlns:r="http://schemas.openxmlformats.org/officeDocument/2006/relationships" xmlns:a="http://schemas.openxmlformats.org/drawingml/2006/main" xmlns="">
+              <a14:hiddenFill xmlns:a14="http://schemas.microsoft.com/office/drawing/2010/main">
                 <a:solidFill>
                   <a:srgbClr val="FFFFFF"/>
                 </a:solidFill>
               </a14:hiddenFill>
             </a:ext>
             <a:ext uri="{91240B29-F687-4f45-9708-019B960494DF}">
-              <a14:hiddenLine xmlns:mc="http://schemas.openxmlformats.org/markup-compatibility/2006" xmlns:mv="urn:schemas-microsoft-com:mac:vml" xmlns:a14="http://schemas.microsoft.com/office/drawing/2010/main" xmlns:p="http://schemas.openxmlformats.org/presentationml/2006/main" xmlns:r="http://schemas.openxmlformats.org/officeDocument/2006/relationships" xmlns:a="http://schemas.openxmlformats.org/drawingml/2006/main" xmlns="" w="9525">
+              <a14:hiddenLine xmlns:a14="http://schemas.microsoft.com/office/drawing/2010/main" w="9525">
                 <a:solidFill>
                   <a:srgbClr val="000000"/>
                 </a:solidFill>
@@ -5588,7 +5588,7 @@
               </a14:hiddenLine>
             </a:ext>
             <a:ext uri="{FAA26D3D-D897-4be2-8F04-BA451C77F1D7}">
-              <ma14:placeholderFlag xmlns:mc="http://schemas.openxmlformats.org/markup-compatibility/2006" xmlns:mv="urn:schemas-microsoft-com:mac:vml" xmlns:ma14="http://schemas.microsoft.com/office/mac/drawingml/2011/main" xmlns:p="http://schemas.openxmlformats.org/presentationml/2006/main" xmlns:r="http://schemas.openxmlformats.org/officeDocument/2006/relationships" xmlns:a="http://schemas.openxmlformats.org/drawingml/2006/main" xmlns="" val="1"/>
+              <ma14:placeholderFlag xmlns:ma14="http://schemas.microsoft.com/office/mac/drawingml/2011/main" val="1"/>
             </a:ext>
           </a:extLst>
         </p:spPr>
@@ -5615,7 +5615,7 @@
 </file>
 
 <file path=ppt/notesSlides/notesSlide41.xml><?xml version="1.0" encoding="utf-8"?>
-<p:notes xmlns:a="http://schemas.openxmlformats.org/drawingml/2006/main" xmlns:r="http://schemas.openxmlformats.org/officeDocument/2006/relationships" xmlns:mc="http://schemas.openxmlformats.org/markup-compatibility/2006" xmlns:mv="urn:schemas-microsoft-com:mac:vml" xmlns:p="http://schemas.openxmlformats.org/presentationml/2006/main" mc:Ignorable="mv" mc:PreserveAttributes="mv:*">
+<p:notes xmlns:a="http://schemas.openxmlformats.org/drawingml/2006/main" xmlns:r="http://schemas.openxmlformats.org/officeDocument/2006/relationships" xmlns:p="http://schemas.openxmlformats.org/presentationml/2006/main">
   <p:cSld>
     <p:spTree>
       <p:nvGrpSpPr>
@@ -5726,7 +5726,7 @@
 </file>
 
 <file path=ppt/notesSlides/notesSlide42.xml><?xml version="1.0" encoding="utf-8"?>
-<p:notes xmlns:a="http://schemas.openxmlformats.org/drawingml/2006/main" xmlns:r="http://schemas.openxmlformats.org/officeDocument/2006/relationships" xmlns:mc="http://schemas.openxmlformats.org/markup-compatibility/2006" xmlns:mv="urn:schemas-microsoft-com:mac:vml" xmlns:p="http://schemas.openxmlformats.org/presentationml/2006/main" mc:Ignorable="mv" mc:PreserveAttributes="mv:*">
+<p:notes xmlns:a="http://schemas.openxmlformats.org/drawingml/2006/main" xmlns:r="http://schemas.openxmlformats.org/officeDocument/2006/relationships" xmlns:p="http://schemas.openxmlformats.org/presentationml/2006/main">
   <p:cSld>
     <p:spTree>
       <p:nvGrpSpPr>
@@ -5800,7 +5800,7 @@
     </p:spTree>
     <p:extLst>
       <p:ext uri="{BB962C8B-B14F-4D97-AF65-F5344CB8AC3E}">
-        <p14:creationId xmlns:mc="http://schemas.openxmlformats.org/markup-compatibility/2006" xmlns:mv="urn:schemas-microsoft-com:mac:vml" xmlns:p14="http://schemas.microsoft.com/office/powerpoint/2010/main" xmlns:p="http://schemas.openxmlformats.org/presentationml/2006/main" xmlns:r="http://schemas.openxmlformats.org/officeDocument/2006/relationships" xmlns:a="http://schemas.openxmlformats.org/drawingml/2006/main" xmlns="" val="3250658828"/>
+        <p14:creationId xmlns:p14="http://schemas.microsoft.com/office/powerpoint/2010/main" val="3250658828"/>
       </p:ext>
     </p:extLst>
   </p:cSld>
@@ -5811,7 +5811,7 @@
 </file>
 
 <file path=ppt/notesSlides/notesSlide43.xml><?xml version="1.0" encoding="utf-8"?>
-<p:notes xmlns:a="http://schemas.openxmlformats.org/drawingml/2006/main" xmlns:r="http://schemas.openxmlformats.org/officeDocument/2006/relationships" xmlns:mc="http://schemas.openxmlformats.org/markup-compatibility/2006" xmlns:mv="urn:schemas-microsoft-com:mac:vml" xmlns:p="http://schemas.openxmlformats.org/presentationml/2006/main" mc:Ignorable="mv" mc:PreserveAttributes="mv:*">
+<p:notes xmlns:a="http://schemas.openxmlformats.org/drawingml/2006/main" xmlns:r="http://schemas.openxmlformats.org/officeDocument/2006/relationships" xmlns:p="http://schemas.openxmlformats.org/presentationml/2006/main">
   <p:cSld>
     <p:spTree>
       <p:nvGrpSpPr>
@@ -5922,7 +5922,7 @@
 </file>
 
 <file path=ppt/notesSlides/notesSlide44.xml><?xml version="1.0" encoding="utf-8"?>
-<p:notes xmlns:a="http://schemas.openxmlformats.org/drawingml/2006/main" xmlns:r="http://schemas.openxmlformats.org/officeDocument/2006/relationships" xmlns:mc="http://schemas.openxmlformats.org/markup-compatibility/2006" xmlns:mv="urn:schemas-microsoft-com:mac:vml" xmlns:p="http://schemas.openxmlformats.org/presentationml/2006/main" mc:Ignorable="mv" mc:PreserveAttributes="mv:*">
+<p:notes xmlns:a="http://schemas.openxmlformats.org/drawingml/2006/main" xmlns:r="http://schemas.openxmlformats.org/officeDocument/2006/relationships" xmlns:p="http://schemas.openxmlformats.org/presentationml/2006/main">
   <p:cSld>
     <p:spTree>
       <p:nvGrpSpPr>
@@ -5996,7 +5996,7 @@
     </p:spTree>
     <p:extLst>
       <p:ext uri="{BB962C8B-B14F-4D97-AF65-F5344CB8AC3E}">
-        <p14:creationId xmlns:mc="http://schemas.openxmlformats.org/markup-compatibility/2006" xmlns:mv="urn:schemas-microsoft-com:mac:vml" xmlns:p14="http://schemas.microsoft.com/office/powerpoint/2010/main" xmlns:p="http://schemas.openxmlformats.org/presentationml/2006/main" xmlns:r="http://schemas.openxmlformats.org/officeDocument/2006/relationships" xmlns:a="http://schemas.openxmlformats.org/drawingml/2006/main" xmlns="" val="3250658828"/>
+        <p14:creationId xmlns:p14="http://schemas.microsoft.com/office/powerpoint/2010/main" val="3250658828"/>
       </p:ext>
     </p:extLst>
   </p:cSld>
@@ -6007,7 +6007,7 @@
 </file>
 
 <file path=ppt/notesSlides/notesSlide45.xml><?xml version="1.0" encoding="utf-8"?>
-<p:notes xmlns:a="http://schemas.openxmlformats.org/drawingml/2006/main" xmlns:r="http://schemas.openxmlformats.org/officeDocument/2006/relationships" xmlns:mc="http://schemas.openxmlformats.org/markup-compatibility/2006" xmlns:mv="urn:schemas-microsoft-com:mac:vml" xmlns:p="http://schemas.openxmlformats.org/presentationml/2006/main" mc:Ignorable="mv" mc:PreserveAttributes="mv:*">
+<p:notes xmlns:a="http://schemas.openxmlformats.org/drawingml/2006/main" xmlns:r="http://schemas.openxmlformats.org/officeDocument/2006/relationships" xmlns:p="http://schemas.openxmlformats.org/presentationml/2006/main">
   <p:cSld>
     <p:spTree>
       <p:nvGrpSpPr>
@@ -6045,14 +6045,14 @@
           </a:ln>
           <a:extLst>
             <a:ext uri="{909E8E84-426E-40dd-AFC4-6F175D3DCCD1}">
-              <a14:hiddenFill xmlns:mc="http://schemas.openxmlformats.org/markup-compatibility/2006" xmlns:mv="urn:schemas-microsoft-com:mac:vml" xmlns:a14="http://schemas.microsoft.com/office/drawing/2010/main" xmlns:p="http://schemas.openxmlformats.org/presentationml/2006/main" xmlns:r="http://schemas.openxmlformats.org/officeDocument/2006/relationships" xmlns:a="http://schemas.openxmlformats.org/drawingml/2006/main" xmlns="">
+              <a14:hiddenFill xmlns:a14="http://schemas.microsoft.com/office/drawing/2010/main">
                 <a:solidFill>
                   <a:srgbClr val="FFFFFF"/>
                 </a:solidFill>
               </a14:hiddenFill>
             </a:ext>
             <a:ext uri="{FAA26D3D-D897-4be2-8F04-BA451C77F1D7}">
-              <ma14:placeholderFlag xmlns:mc="http://schemas.openxmlformats.org/markup-compatibility/2006" xmlns:mv="urn:schemas-microsoft-com:mac:vml" xmlns:ma14="http://schemas.microsoft.com/office/mac/drawingml/2011/main" xmlns:p="http://schemas.openxmlformats.org/presentationml/2006/main" xmlns:r="http://schemas.openxmlformats.org/officeDocument/2006/relationships" xmlns:a="http://schemas.openxmlformats.org/drawingml/2006/main" xmlns="" val="1"/>
+              <ma14:placeholderFlag xmlns:ma14="http://schemas.microsoft.com/office/mac/drawingml/2011/main" val="1"/>
             </a:ext>
           </a:extLst>
         </p:spPr>
@@ -6071,14 +6071,14 @@
           <a:noFill/>
           <a:extLst>
             <a:ext uri="{909E8E84-426E-40dd-AFC4-6F175D3DCCD1}">
-              <a14:hiddenFill xmlns:mc="http://schemas.openxmlformats.org/markup-compatibility/2006" xmlns:mv="urn:schemas-microsoft-com:mac:vml" xmlns:a14="http://schemas.microsoft.com/office/drawing/2010/main" xmlns:p="http://schemas.openxmlformats.org/presentationml/2006/main" xmlns:r="http://schemas.openxmlformats.org/officeDocument/2006/relationships" xmlns:a="http://schemas.openxmlformats.org/drawingml/2006/main" xmlns="">
+              <a14:hiddenFill xmlns:a14="http://schemas.microsoft.com/office/drawing/2010/main">
                 <a:solidFill>
                   <a:srgbClr val="FFFFFF"/>
                 </a:solidFill>
               </a14:hiddenFill>
             </a:ext>
             <a:ext uri="{91240B29-F687-4f45-9708-019B960494DF}">
-              <a14:hiddenLine xmlns:mc="http://schemas.openxmlformats.org/markup-compatibility/2006" xmlns:mv="urn:schemas-microsoft-com:mac:vml" xmlns:a14="http://schemas.microsoft.com/office/drawing/2010/main" xmlns:p="http://schemas.openxmlformats.org/presentationml/2006/main" xmlns:r="http://schemas.openxmlformats.org/officeDocument/2006/relationships" xmlns:a="http://schemas.openxmlformats.org/drawingml/2006/main" xmlns="" w="9525">
+              <a14:hiddenLine xmlns:a14="http://schemas.microsoft.com/office/drawing/2010/main" w="9525">
                 <a:solidFill>
                   <a:srgbClr val="000000"/>
                 </a:solidFill>
@@ -6088,7 +6088,7 @@
               </a14:hiddenLine>
             </a:ext>
             <a:ext uri="{FAA26D3D-D897-4be2-8F04-BA451C77F1D7}">
-              <ma14:placeholderFlag xmlns:mc="http://schemas.openxmlformats.org/markup-compatibility/2006" xmlns:mv="urn:schemas-microsoft-com:mac:vml" xmlns:ma14="http://schemas.microsoft.com/office/mac/drawingml/2011/main" xmlns:p="http://schemas.openxmlformats.org/presentationml/2006/main" xmlns:r="http://schemas.openxmlformats.org/officeDocument/2006/relationships" xmlns:a="http://schemas.openxmlformats.org/drawingml/2006/main" xmlns="" val="1"/>
+              <ma14:placeholderFlag xmlns:ma14="http://schemas.microsoft.com/office/mac/drawingml/2011/main" val="1"/>
             </a:ext>
           </a:extLst>
         </p:spPr>
@@ -6115,7 +6115,7 @@
 </file>
 
 <file path=ppt/notesSlides/notesSlide46.xml><?xml version="1.0" encoding="utf-8"?>
-<p:notes xmlns:a="http://schemas.openxmlformats.org/drawingml/2006/main" xmlns:r="http://schemas.openxmlformats.org/officeDocument/2006/relationships" xmlns:mc="http://schemas.openxmlformats.org/markup-compatibility/2006" xmlns:mv="urn:schemas-microsoft-com:mac:vml" xmlns:p="http://schemas.openxmlformats.org/presentationml/2006/main" mc:Ignorable="mv" mc:PreserveAttributes="mv:*">
+<p:notes xmlns:a="http://schemas.openxmlformats.org/drawingml/2006/main" xmlns:r="http://schemas.openxmlformats.org/officeDocument/2006/relationships" xmlns:p="http://schemas.openxmlformats.org/presentationml/2006/main">
   <p:cSld>
     <p:spTree>
       <p:nvGrpSpPr>
@@ -6153,14 +6153,14 @@
           </a:ln>
           <a:extLst>
             <a:ext uri="{909E8E84-426E-40dd-AFC4-6F175D3DCCD1}">
-              <a14:hiddenFill xmlns:mc="http://schemas.openxmlformats.org/markup-compatibility/2006" xmlns:mv="urn:schemas-microsoft-com:mac:vml" xmlns:a14="http://schemas.microsoft.com/office/drawing/2010/main" xmlns:p="http://schemas.openxmlformats.org/presentationml/2006/main" xmlns:r="http://schemas.openxmlformats.org/officeDocument/2006/relationships" xmlns:a="http://schemas.openxmlformats.org/drawingml/2006/main" xmlns="">
+              <a14:hiddenFill xmlns:a14="http://schemas.microsoft.com/office/drawing/2010/main">
                 <a:solidFill>
                   <a:srgbClr val="FFFFFF"/>
                 </a:solidFill>
               </a14:hiddenFill>
             </a:ext>
             <a:ext uri="{FAA26D3D-D897-4be2-8F04-BA451C77F1D7}">
-              <ma14:placeholderFlag xmlns:mc="http://schemas.openxmlformats.org/markup-compatibility/2006" xmlns:mv="urn:schemas-microsoft-com:mac:vml" xmlns:ma14="http://schemas.microsoft.com/office/mac/drawingml/2011/main" xmlns:p="http://schemas.openxmlformats.org/presentationml/2006/main" xmlns:r="http://schemas.openxmlformats.org/officeDocument/2006/relationships" xmlns:a="http://schemas.openxmlformats.org/drawingml/2006/main" xmlns="" val="1"/>
+              <ma14:placeholderFlag xmlns:ma14="http://schemas.microsoft.com/office/mac/drawingml/2011/main" val="1"/>
             </a:ext>
           </a:extLst>
         </p:spPr>
@@ -6179,14 +6179,14 @@
           <a:noFill/>
           <a:extLst>
             <a:ext uri="{909E8E84-426E-40dd-AFC4-6F175D3DCCD1}">
-              <a14:hiddenFill xmlns:mc="http://schemas.openxmlformats.org/markup-compatibility/2006" xmlns:mv="urn:schemas-microsoft-com:mac:vml" xmlns:a14="http://schemas.microsoft.com/office/drawing/2010/main" xmlns:p="http://schemas.openxmlformats.org/presentationml/2006/main" xmlns:r="http://schemas.openxmlformats.org/officeDocument/2006/relationships" xmlns:a="http://schemas.openxmlformats.org/drawingml/2006/main" xmlns="">
+              <a14:hiddenFill xmlns:a14="http://schemas.microsoft.com/office/drawing/2010/main">
                 <a:solidFill>
                   <a:srgbClr val="FFFFFF"/>
                 </a:solidFill>
               </a14:hiddenFill>
             </a:ext>
             <a:ext uri="{91240B29-F687-4f45-9708-019B960494DF}">
-              <a14:hiddenLine xmlns:mc="http://schemas.openxmlformats.org/markup-compatibility/2006" xmlns:mv="urn:schemas-microsoft-com:mac:vml" xmlns:a14="http://schemas.microsoft.com/office/drawing/2010/main" xmlns:p="http://schemas.openxmlformats.org/presentationml/2006/main" xmlns:r="http://schemas.openxmlformats.org/officeDocument/2006/relationships" xmlns:a="http://schemas.openxmlformats.org/drawingml/2006/main" xmlns="" w="9525">
+              <a14:hiddenLine xmlns:a14="http://schemas.microsoft.com/office/drawing/2010/main" w="9525">
                 <a:solidFill>
                   <a:srgbClr val="000000"/>
                 </a:solidFill>
@@ -6196,7 +6196,7 @@
               </a14:hiddenLine>
             </a:ext>
             <a:ext uri="{FAA26D3D-D897-4be2-8F04-BA451C77F1D7}">
-              <ma14:placeholderFlag xmlns:mc="http://schemas.openxmlformats.org/markup-compatibility/2006" xmlns:mv="urn:schemas-microsoft-com:mac:vml" xmlns:ma14="http://schemas.microsoft.com/office/mac/drawingml/2011/main" xmlns:p="http://schemas.openxmlformats.org/presentationml/2006/main" xmlns:r="http://schemas.openxmlformats.org/officeDocument/2006/relationships" xmlns:a="http://schemas.openxmlformats.org/drawingml/2006/main" xmlns="" val="1"/>
+              <ma14:placeholderFlag xmlns:ma14="http://schemas.microsoft.com/office/mac/drawingml/2011/main" val="1"/>
             </a:ext>
           </a:extLst>
         </p:spPr>
@@ -6223,7 +6223,7 @@
 </file>
 
 <file path=ppt/notesSlides/notesSlide47.xml><?xml version="1.0" encoding="utf-8"?>
-<p:notes xmlns:a="http://schemas.openxmlformats.org/drawingml/2006/main" xmlns:r="http://schemas.openxmlformats.org/officeDocument/2006/relationships" xmlns:mc="http://schemas.openxmlformats.org/markup-compatibility/2006" xmlns:mv="urn:schemas-microsoft-com:mac:vml" xmlns:p="http://schemas.openxmlformats.org/presentationml/2006/main" mc:Ignorable="mv" mc:PreserveAttributes="mv:*">
+<p:notes xmlns:a="http://schemas.openxmlformats.org/drawingml/2006/main" xmlns:r="http://schemas.openxmlformats.org/officeDocument/2006/relationships" xmlns:p="http://schemas.openxmlformats.org/presentationml/2006/main">
   <p:cSld>
     <p:spTree>
       <p:nvGrpSpPr>
@@ -6334,7 +6334,7 @@
 </file>
 
 <file path=ppt/notesSlides/notesSlide48.xml><?xml version="1.0" encoding="utf-8"?>
-<p:notes xmlns:a="http://schemas.openxmlformats.org/drawingml/2006/main" xmlns:r="http://schemas.openxmlformats.org/officeDocument/2006/relationships" xmlns:mc="http://schemas.openxmlformats.org/markup-compatibility/2006" xmlns:mv="urn:schemas-microsoft-com:mac:vml" xmlns:p="http://schemas.openxmlformats.org/presentationml/2006/main" mc:Ignorable="mv" mc:PreserveAttributes="mv:*">
+<p:notes xmlns:a="http://schemas.openxmlformats.org/drawingml/2006/main" xmlns:r="http://schemas.openxmlformats.org/officeDocument/2006/relationships" xmlns:p="http://schemas.openxmlformats.org/presentationml/2006/main">
   <p:cSld>
     <p:spTree>
       <p:nvGrpSpPr>
@@ -6408,7 +6408,7 @@
     </p:spTree>
     <p:extLst>
       <p:ext uri="{BB962C8B-B14F-4D97-AF65-F5344CB8AC3E}">
-        <p14:creationId xmlns:mc="http://schemas.openxmlformats.org/markup-compatibility/2006" xmlns:mv="urn:schemas-microsoft-com:mac:vml" xmlns:p14="http://schemas.microsoft.com/office/powerpoint/2010/main" xmlns:p="http://schemas.openxmlformats.org/presentationml/2006/main" xmlns:r="http://schemas.openxmlformats.org/officeDocument/2006/relationships" xmlns:a="http://schemas.openxmlformats.org/drawingml/2006/main" xmlns="" val="3250658828"/>
+        <p14:creationId xmlns:p14="http://schemas.microsoft.com/office/powerpoint/2010/main" val="3250658828"/>
       </p:ext>
     </p:extLst>
   </p:cSld>
@@ -6419,7 +6419,7 @@
 </file>
 
 <file path=ppt/notesSlides/notesSlide49.xml><?xml version="1.0" encoding="utf-8"?>
-<p:notes xmlns:a="http://schemas.openxmlformats.org/drawingml/2006/main" xmlns:r="http://schemas.openxmlformats.org/officeDocument/2006/relationships" xmlns:mc="http://schemas.openxmlformats.org/markup-compatibility/2006" xmlns:mv="urn:schemas-microsoft-com:mac:vml" xmlns:p="http://schemas.openxmlformats.org/presentationml/2006/main" mc:Ignorable="mv" mc:PreserveAttributes="mv:*">
+<p:notes xmlns:a="http://schemas.openxmlformats.org/drawingml/2006/main" xmlns:r="http://schemas.openxmlformats.org/officeDocument/2006/relationships" xmlns:p="http://schemas.openxmlformats.org/presentationml/2006/main">
   <p:cSld>
     <p:spTree>
       <p:nvGrpSpPr>
@@ -6457,14 +6457,14 @@
           </a:ln>
           <a:extLst>
             <a:ext uri="{909E8E84-426E-40dd-AFC4-6F175D3DCCD1}">
-              <a14:hiddenFill xmlns:mc="http://schemas.openxmlformats.org/markup-compatibility/2006" xmlns:mv="urn:schemas-microsoft-com:mac:vml" xmlns:a14="http://schemas.microsoft.com/office/drawing/2010/main" xmlns:p="http://schemas.openxmlformats.org/presentationml/2006/main" xmlns:r="http://schemas.openxmlformats.org/officeDocument/2006/relationships" xmlns:a="http://schemas.openxmlformats.org/drawingml/2006/main" xmlns="">
+              <a14:hiddenFill xmlns:a14="http://schemas.microsoft.com/office/drawing/2010/main">
                 <a:solidFill>
                   <a:srgbClr val="FFFFFF"/>
                 </a:solidFill>
               </a14:hiddenFill>
             </a:ext>
             <a:ext uri="{FAA26D3D-D897-4be2-8F04-BA451C77F1D7}">
-              <ma14:placeholderFlag xmlns:mc="http://schemas.openxmlformats.org/markup-compatibility/2006" xmlns:mv="urn:schemas-microsoft-com:mac:vml" xmlns:ma14="http://schemas.microsoft.com/office/mac/drawingml/2011/main" xmlns:p="http://schemas.openxmlformats.org/presentationml/2006/main" xmlns:r="http://schemas.openxmlformats.org/officeDocument/2006/relationships" xmlns:a="http://schemas.openxmlformats.org/drawingml/2006/main" xmlns="" val="1"/>
+              <ma14:placeholderFlag xmlns:ma14="http://schemas.microsoft.com/office/mac/drawingml/2011/main" val="1"/>
             </a:ext>
           </a:extLst>
         </p:spPr>
@@ -6483,14 +6483,14 @@
           <a:noFill/>
           <a:extLst>
             <a:ext uri="{909E8E84-426E-40dd-AFC4-6F175D3DCCD1}">
-              <a14:hiddenFill xmlns:mc="http://schemas.openxmlformats.org/markup-compatibility/2006" xmlns:mv="urn:schemas-microsoft-com:mac:vml" xmlns:a14="http://schemas.microsoft.com/office/drawing/2010/main" xmlns:p="http://schemas.openxmlformats.org/presentationml/2006/main" xmlns:r="http://schemas.openxmlformats.org/officeDocument/2006/relationships" xmlns:a="http://schemas.openxmlformats.org/drawingml/2006/main" xmlns="">
+              <a14:hiddenFill xmlns:a14="http://schemas.microsoft.com/office/drawing/2010/main">
                 <a:solidFill>
                   <a:srgbClr val="FFFFFF"/>
                 </a:solidFill>
               </a14:hiddenFill>
             </a:ext>
             <a:ext uri="{91240B29-F687-4f45-9708-019B960494DF}">
-              <a14:hiddenLine xmlns:mc="http://schemas.openxmlformats.org/markup-compatibility/2006" xmlns:mv="urn:schemas-microsoft-com:mac:vml" xmlns:a14="http://schemas.microsoft.com/office/drawing/2010/main" xmlns:p="http://schemas.openxmlformats.org/presentationml/2006/main" xmlns:r="http://schemas.openxmlformats.org/officeDocument/2006/relationships" xmlns:a="http://schemas.openxmlformats.org/drawingml/2006/main" xmlns="" w="9525">
+              <a14:hiddenLine xmlns:a14="http://schemas.microsoft.com/office/drawing/2010/main" w="9525">
                 <a:solidFill>
                   <a:srgbClr val="000000"/>
                 </a:solidFill>
@@ -6500,7 +6500,7 @@
               </a14:hiddenLine>
             </a:ext>
             <a:ext uri="{FAA26D3D-D897-4be2-8F04-BA451C77F1D7}">
-              <ma14:placeholderFlag xmlns:mc="http://schemas.openxmlformats.org/markup-compatibility/2006" xmlns:mv="urn:schemas-microsoft-com:mac:vml" xmlns:ma14="http://schemas.microsoft.com/office/mac/drawingml/2011/main" xmlns:p="http://schemas.openxmlformats.org/presentationml/2006/main" xmlns:r="http://schemas.openxmlformats.org/officeDocument/2006/relationships" xmlns:a="http://schemas.openxmlformats.org/drawingml/2006/main" xmlns="" val="1"/>
+              <ma14:placeholderFlag xmlns:ma14="http://schemas.microsoft.com/office/mac/drawingml/2011/main" val="1"/>
             </a:ext>
           </a:extLst>
         </p:spPr>
@@ -6527,7 +6527,7 @@
 </file>
 
 <file path=ppt/notesSlides/notesSlide5.xml><?xml version="1.0" encoding="utf-8"?>
-<p:notes xmlns:a="http://schemas.openxmlformats.org/drawingml/2006/main" xmlns:r="http://schemas.openxmlformats.org/officeDocument/2006/relationships" xmlns:mc="http://schemas.openxmlformats.org/markup-compatibility/2006" xmlns:mv="urn:schemas-microsoft-com:mac:vml" xmlns:p="http://schemas.openxmlformats.org/presentationml/2006/main" mc:Ignorable="mv" mc:PreserveAttributes="mv:*">
+<p:notes xmlns:a="http://schemas.openxmlformats.org/drawingml/2006/main" xmlns:r="http://schemas.openxmlformats.org/officeDocument/2006/relationships" xmlns:p="http://schemas.openxmlformats.org/presentationml/2006/main">
   <p:cSld>
     <p:spTree>
       <p:nvGrpSpPr>
@@ -6565,14 +6565,14 @@
           </a:ln>
           <a:extLst>
             <a:ext uri="{909E8E84-426E-40dd-AFC4-6F175D3DCCD1}">
-              <a14:hiddenFill xmlns:mc="http://schemas.openxmlformats.org/markup-compatibility/2006" xmlns:mv="urn:schemas-microsoft-com:mac:vml" xmlns:a14="http://schemas.microsoft.com/office/drawing/2010/main" xmlns:p="http://schemas.openxmlformats.org/presentationml/2006/main" xmlns:r="http://schemas.openxmlformats.org/officeDocument/2006/relationships" xmlns:a="http://schemas.openxmlformats.org/drawingml/2006/main" xmlns="">
+              <a14:hiddenFill xmlns:a14="http://schemas.microsoft.com/office/drawing/2010/main">
                 <a:solidFill>
                   <a:srgbClr val="FFFFFF"/>
                 </a:solidFill>
               </a14:hiddenFill>
             </a:ext>
             <a:ext uri="{91240B29-F687-4f45-9708-019B960494DF}">
-              <a14:hiddenLine xmlns:mc="http://schemas.openxmlformats.org/markup-compatibility/2006" xmlns:mv="urn:schemas-microsoft-com:mac:vml" xmlns:a14="http://schemas.microsoft.com/office/drawing/2010/main" xmlns:p="http://schemas.openxmlformats.org/presentationml/2006/main" xmlns:r="http://schemas.openxmlformats.org/officeDocument/2006/relationships" xmlns:a="http://schemas.openxmlformats.org/drawingml/2006/main" xmlns="" w="9525">
+              <a14:hiddenLine xmlns:a14="http://schemas.microsoft.com/office/drawing/2010/main" w="9525">
                 <a:solidFill>
                   <a:srgbClr val="000000"/>
                 </a:solidFill>
@@ -6726,14 +6726,14 @@
           </a:ln>
           <a:extLst>
             <a:ext uri="{909E8E84-426E-40dd-AFC4-6F175D3DCCD1}">
-              <a14:hiddenFill xmlns:mc="http://schemas.openxmlformats.org/markup-compatibility/2006" xmlns:mv="urn:schemas-microsoft-com:mac:vml" xmlns:a14="http://schemas.microsoft.com/office/drawing/2010/main" xmlns:p="http://schemas.openxmlformats.org/presentationml/2006/main" xmlns:r="http://schemas.openxmlformats.org/officeDocument/2006/relationships" xmlns:a="http://schemas.openxmlformats.org/drawingml/2006/main" xmlns="">
+              <a14:hiddenFill xmlns:a14="http://schemas.microsoft.com/office/drawing/2010/main">
                 <a:solidFill>
                   <a:srgbClr val="FFFFFF"/>
                 </a:solidFill>
               </a14:hiddenFill>
             </a:ext>
             <a:ext uri="{FAA26D3D-D897-4be2-8F04-BA451C77F1D7}">
-              <ma14:placeholderFlag xmlns:mc="http://schemas.openxmlformats.org/markup-compatibility/2006" xmlns:mv="urn:schemas-microsoft-com:mac:vml" xmlns:ma14="http://schemas.microsoft.com/office/mac/drawingml/2011/main" xmlns:p="http://schemas.openxmlformats.org/presentationml/2006/main" xmlns:r="http://schemas.openxmlformats.org/officeDocument/2006/relationships" xmlns:a="http://schemas.openxmlformats.org/drawingml/2006/main" xmlns="" val="1"/>
+              <ma14:placeholderFlag xmlns:ma14="http://schemas.microsoft.com/office/mac/drawingml/2011/main" val="1"/>
             </a:ext>
           </a:extLst>
         </p:spPr>
@@ -6752,14 +6752,14 @@
           <a:noFill/>
           <a:extLst>
             <a:ext uri="{909E8E84-426E-40dd-AFC4-6F175D3DCCD1}">
-              <a14:hiddenFill xmlns:mc="http://schemas.openxmlformats.org/markup-compatibility/2006" xmlns:mv="urn:schemas-microsoft-com:mac:vml" xmlns:a14="http://schemas.microsoft.com/office/drawing/2010/main" xmlns:p="http://schemas.openxmlformats.org/presentationml/2006/main" xmlns:r="http://schemas.openxmlformats.org/officeDocument/2006/relationships" xmlns:a="http://schemas.openxmlformats.org/drawingml/2006/main" xmlns="">
+              <a14:hiddenFill xmlns:a14="http://schemas.microsoft.com/office/drawing/2010/main">
                 <a:solidFill>
                   <a:srgbClr val="FFFFFF"/>
                 </a:solidFill>
               </a14:hiddenFill>
             </a:ext>
             <a:ext uri="{91240B29-F687-4f45-9708-019B960494DF}">
-              <a14:hiddenLine xmlns:mc="http://schemas.openxmlformats.org/markup-compatibility/2006" xmlns:mv="urn:schemas-microsoft-com:mac:vml" xmlns:a14="http://schemas.microsoft.com/office/drawing/2010/main" xmlns:p="http://schemas.openxmlformats.org/presentationml/2006/main" xmlns:r="http://schemas.openxmlformats.org/officeDocument/2006/relationships" xmlns:a="http://schemas.openxmlformats.org/drawingml/2006/main" xmlns="" w="9525">
+              <a14:hiddenLine xmlns:a14="http://schemas.microsoft.com/office/drawing/2010/main" w="9525">
                 <a:solidFill>
                   <a:srgbClr val="000000"/>
                 </a:solidFill>
@@ -6797,7 +6797,7 @@
 </file>
 
 <file path=ppt/notesSlides/notesSlide50.xml><?xml version="1.0" encoding="utf-8"?>
-<p:notes xmlns:a="http://schemas.openxmlformats.org/drawingml/2006/main" xmlns:r="http://schemas.openxmlformats.org/officeDocument/2006/relationships" xmlns:mc="http://schemas.openxmlformats.org/markup-compatibility/2006" xmlns:mv="urn:schemas-microsoft-com:mac:vml" xmlns:p="http://schemas.openxmlformats.org/presentationml/2006/main" mc:Ignorable="mv" mc:PreserveAttributes="mv:*">
+<p:notes xmlns:a="http://schemas.openxmlformats.org/drawingml/2006/main" xmlns:r="http://schemas.openxmlformats.org/officeDocument/2006/relationships" xmlns:p="http://schemas.openxmlformats.org/presentationml/2006/main">
   <p:cSld>
     <p:spTree>
       <p:nvGrpSpPr>
@@ -6908,7 +6908,7 @@
 </file>
 
 <file path=ppt/notesSlides/notesSlide51.xml><?xml version="1.0" encoding="utf-8"?>
-<p:notes xmlns:a="http://schemas.openxmlformats.org/drawingml/2006/main" xmlns:r="http://schemas.openxmlformats.org/officeDocument/2006/relationships" xmlns:mc="http://schemas.openxmlformats.org/markup-compatibility/2006" xmlns:mv="urn:schemas-microsoft-com:mac:vml" xmlns:p="http://schemas.openxmlformats.org/presentationml/2006/main" mc:Ignorable="mv" mc:PreserveAttributes="mv:*">
+<p:notes xmlns:a="http://schemas.openxmlformats.org/drawingml/2006/main" xmlns:r="http://schemas.openxmlformats.org/officeDocument/2006/relationships" xmlns:p="http://schemas.openxmlformats.org/presentationml/2006/main">
   <p:cSld>
     <p:spTree>
       <p:nvGrpSpPr>
@@ -6982,7 +6982,7 @@
     </p:spTree>
     <p:extLst>
       <p:ext uri="{BB962C8B-B14F-4D97-AF65-F5344CB8AC3E}">
-        <p14:creationId xmlns:mc="http://schemas.openxmlformats.org/markup-compatibility/2006" xmlns:mv="urn:schemas-microsoft-com:mac:vml" xmlns:p14="http://schemas.microsoft.com/office/powerpoint/2010/main" xmlns:p="http://schemas.openxmlformats.org/presentationml/2006/main" xmlns:r="http://schemas.openxmlformats.org/officeDocument/2006/relationships" xmlns:a="http://schemas.openxmlformats.org/drawingml/2006/main" xmlns="" val="3250658828"/>
+        <p14:creationId xmlns:p14="http://schemas.microsoft.com/office/powerpoint/2010/main" val="3250658828"/>
       </p:ext>
     </p:extLst>
   </p:cSld>
@@ -6993,7 +6993,7 @@
 </file>
 
 <file path=ppt/notesSlides/notesSlide52.xml><?xml version="1.0" encoding="utf-8"?>
-<p:notes xmlns:a="http://schemas.openxmlformats.org/drawingml/2006/main" xmlns:r="http://schemas.openxmlformats.org/officeDocument/2006/relationships" xmlns:mc="http://schemas.openxmlformats.org/markup-compatibility/2006" xmlns:mv="urn:schemas-microsoft-com:mac:vml" xmlns:p="http://schemas.openxmlformats.org/presentationml/2006/main" mc:Ignorable="mv" mc:PreserveAttributes="mv:*">
+<p:notes xmlns:a="http://schemas.openxmlformats.org/drawingml/2006/main" xmlns:r="http://schemas.openxmlformats.org/officeDocument/2006/relationships" xmlns:p="http://schemas.openxmlformats.org/presentationml/2006/main">
   <p:cSld>
     <p:spTree>
       <p:nvGrpSpPr>
@@ -7031,14 +7031,14 @@
           </a:ln>
           <a:extLst>
             <a:ext uri="{909E8E84-426E-40dd-AFC4-6F175D3DCCD1}">
-              <a14:hiddenFill xmlns:mc="http://schemas.openxmlformats.org/markup-compatibility/2006" xmlns:mv="urn:schemas-microsoft-com:mac:vml" xmlns:a14="http://schemas.microsoft.com/office/drawing/2010/main" xmlns:p="http://schemas.openxmlformats.org/presentationml/2006/main" xmlns:r="http://schemas.openxmlformats.org/officeDocument/2006/relationships" xmlns:a="http://schemas.openxmlformats.org/drawingml/2006/main" xmlns="">
+              <a14:hiddenFill xmlns:a14="http://schemas.microsoft.com/office/drawing/2010/main">
                 <a:solidFill>
                   <a:srgbClr val="FFFFFF"/>
                 </a:solidFill>
               </a14:hiddenFill>
             </a:ext>
             <a:ext uri="{91240B29-F687-4f45-9708-019B960494DF}">
-              <a14:hiddenLine xmlns:mc="http://schemas.openxmlformats.org/markup-compatibility/2006" xmlns:mv="urn:schemas-microsoft-com:mac:vml" xmlns:a14="http://schemas.microsoft.com/office/drawing/2010/main" xmlns:p="http://schemas.openxmlformats.org/presentationml/2006/main" xmlns:r="http://schemas.openxmlformats.org/officeDocument/2006/relationships" xmlns:a="http://schemas.openxmlformats.org/drawingml/2006/main" xmlns="" w="9525">
+              <a14:hiddenLine xmlns:a14="http://schemas.microsoft.com/office/drawing/2010/main" w="9525">
                 <a:solidFill>
                   <a:srgbClr val="000000"/>
                 </a:solidFill>
@@ -7192,14 +7192,14 @@
           </a:ln>
           <a:extLst>
             <a:ext uri="{909E8E84-426E-40dd-AFC4-6F175D3DCCD1}">
-              <a14:hiddenFill xmlns:mc="http://schemas.openxmlformats.org/markup-compatibility/2006" xmlns:mv="urn:schemas-microsoft-com:mac:vml" xmlns:a14="http://schemas.microsoft.com/office/drawing/2010/main" xmlns:p="http://schemas.openxmlformats.org/presentationml/2006/main" xmlns:r="http://schemas.openxmlformats.org/officeDocument/2006/relationships" xmlns:a="http://schemas.openxmlformats.org/drawingml/2006/main" xmlns="">
+              <a14:hiddenFill xmlns:a14="http://schemas.microsoft.com/office/drawing/2010/main">
                 <a:solidFill>
                   <a:srgbClr val="FFFFFF"/>
                 </a:solidFill>
               </a14:hiddenFill>
             </a:ext>
             <a:ext uri="{FAA26D3D-D897-4be2-8F04-BA451C77F1D7}">
-              <ma14:placeholderFlag xmlns:mc="http://schemas.openxmlformats.org/markup-compatibility/2006" xmlns:mv="urn:schemas-microsoft-com:mac:vml" xmlns:ma14="http://schemas.microsoft.com/office/mac/drawingml/2011/main" xmlns:p="http://schemas.openxmlformats.org/presentationml/2006/main" xmlns:r="http://schemas.openxmlformats.org/officeDocument/2006/relationships" xmlns:a="http://schemas.openxmlformats.org/drawingml/2006/main" xmlns="" val="1"/>
+              <ma14:placeholderFlag xmlns:ma14="http://schemas.microsoft.com/office/mac/drawingml/2011/main" val="1"/>
             </a:ext>
           </a:extLst>
         </p:spPr>
@@ -7218,14 +7218,14 @@
           <a:noFill/>
           <a:extLst>
             <a:ext uri="{909E8E84-426E-40dd-AFC4-6F175D3DCCD1}">
-              <a14:hiddenFill xmlns:mc="http://schemas.openxmlformats.org/markup-compatibility/2006" xmlns:mv="urn:schemas-microsoft-com:mac:vml" xmlns:a14="http://schemas.microsoft.com/office/drawing/2010/main" xmlns:p="http://schemas.openxmlformats.org/presentationml/2006/main" xmlns:r="http://schemas.openxmlformats.org/officeDocument/2006/relationships" xmlns:a="http://schemas.openxmlformats.org/drawingml/2006/main" xmlns="">
+              <a14:hiddenFill xmlns:a14="http://schemas.microsoft.com/office/drawing/2010/main">
                 <a:solidFill>
                   <a:srgbClr val="FFFFFF"/>
                 </a:solidFill>
               </a14:hiddenFill>
             </a:ext>
             <a:ext uri="{91240B29-F687-4f45-9708-019B960494DF}">
-              <a14:hiddenLine xmlns:mc="http://schemas.openxmlformats.org/markup-compatibility/2006" xmlns:mv="urn:schemas-microsoft-com:mac:vml" xmlns:a14="http://schemas.microsoft.com/office/drawing/2010/main" xmlns:p="http://schemas.openxmlformats.org/presentationml/2006/main" xmlns:r="http://schemas.openxmlformats.org/officeDocument/2006/relationships" xmlns:a="http://schemas.openxmlformats.org/drawingml/2006/main" xmlns="" w="9525">
+              <a14:hiddenLine xmlns:a14="http://schemas.microsoft.com/office/drawing/2010/main" w="9525">
                 <a:solidFill>
                   <a:srgbClr val="000000"/>
                 </a:solidFill>
@@ -7235,7 +7235,7 @@
               </a14:hiddenLine>
             </a:ext>
             <a:ext uri="{FAA26D3D-D897-4be2-8F04-BA451C77F1D7}">
-              <ma14:placeholderFlag xmlns:mc="http://schemas.openxmlformats.org/markup-compatibility/2006" xmlns:mv="urn:schemas-microsoft-com:mac:vml" xmlns:ma14="http://schemas.microsoft.com/office/mac/drawingml/2011/main" xmlns:p="http://schemas.openxmlformats.org/presentationml/2006/main" xmlns:r="http://schemas.openxmlformats.org/officeDocument/2006/relationships" xmlns:a="http://schemas.openxmlformats.org/drawingml/2006/main" xmlns="" val="1"/>
+              <ma14:placeholderFlag xmlns:ma14="http://schemas.microsoft.com/office/mac/drawingml/2011/main" val="1"/>
             </a:ext>
           </a:extLst>
         </p:spPr>
@@ -7263,7 +7263,7 @@
 </file>
 
 <file path=ppt/notesSlides/notesSlide53.xml><?xml version="1.0" encoding="utf-8"?>
-<p:notes xmlns:a="http://schemas.openxmlformats.org/drawingml/2006/main" xmlns:r="http://schemas.openxmlformats.org/officeDocument/2006/relationships" xmlns:mc="http://schemas.openxmlformats.org/markup-compatibility/2006" xmlns:mv="urn:schemas-microsoft-com:mac:vml" xmlns:p="http://schemas.openxmlformats.org/presentationml/2006/main" mc:Ignorable="mv" mc:PreserveAttributes="mv:*">
+<p:notes xmlns:a="http://schemas.openxmlformats.org/drawingml/2006/main" xmlns:r="http://schemas.openxmlformats.org/officeDocument/2006/relationships" xmlns:p="http://schemas.openxmlformats.org/presentationml/2006/main">
   <p:cSld>
     <p:spTree>
       <p:nvGrpSpPr>
@@ -7301,14 +7301,14 @@
           </a:ln>
           <a:extLst>
             <a:ext uri="{909E8E84-426E-40dd-AFC4-6F175D3DCCD1}">
-              <a14:hiddenFill xmlns:mc="http://schemas.openxmlformats.org/markup-compatibility/2006" xmlns:mv="urn:schemas-microsoft-com:mac:vml" xmlns:a14="http://schemas.microsoft.com/office/drawing/2010/main" xmlns:p="http://schemas.openxmlformats.org/presentationml/2006/main" xmlns:r="http://schemas.openxmlformats.org/officeDocument/2006/relationships" xmlns:a="http://schemas.openxmlformats.org/drawingml/2006/main" xmlns="">
+              <a14:hiddenFill xmlns:a14="http://schemas.microsoft.com/office/drawing/2010/main">
                 <a:solidFill>
                   <a:srgbClr val="FFFFFF"/>
                 </a:solidFill>
               </a14:hiddenFill>
             </a:ext>
             <a:ext uri="{91240B29-F687-4f45-9708-019B960494DF}">
-              <a14:hiddenLine xmlns:mc="http://schemas.openxmlformats.org/markup-compatibility/2006" xmlns:mv="urn:schemas-microsoft-com:mac:vml" xmlns:a14="http://schemas.microsoft.com/office/drawing/2010/main" xmlns:p="http://schemas.openxmlformats.org/presentationml/2006/main" xmlns:r="http://schemas.openxmlformats.org/officeDocument/2006/relationships" xmlns:a="http://schemas.openxmlformats.org/drawingml/2006/main" xmlns="" w="9525">
+              <a14:hiddenLine xmlns:a14="http://schemas.microsoft.com/office/drawing/2010/main" w="9525">
                 <a:solidFill>
                   <a:srgbClr val="000000"/>
                 </a:solidFill>
@@ -7462,14 +7462,14 @@
           </a:ln>
           <a:extLst>
             <a:ext uri="{909E8E84-426E-40dd-AFC4-6F175D3DCCD1}">
-              <a14:hiddenFill xmlns:mc="http://schemas.openxmlformats.org/markup-compatibility/2006" xmlns:mv="urn:schemas-microsoft-com:mac:vml" xmlns:a14="http://schemas.microsoft.com/office/drawing/2010/main" xmlns:p="http://schemas.openxmlformats.org/presentationml/2006/main" xmlns:r="http://schemas.openxmlformats.org/officeDocument/2006/relationships" xmlns:a="http://schemas.openxmlformats.org/drawingml/2006/main" xmlns="">
+              <a14:hiddenFill xmlns:a14="http://schemas.microsoft.com/office/drawing/2010/main">
                 <a:solidFill>
                   <a:srgbClr val="FFFFFF"/>
                 </a:solidFill>
               </a14:hiddenFill>
             </a:ext>
             <a:ext uri="{FAA26D3D-D897-4be2-8F04-BA451C77F1D7}">
-              <ma14:placeholderFlag xmlns:mc="http://schemas.openxmlformats.org/markup-compatibility/2006" xmlns:mv="urn:schemas-microsoft-com:mac:vml" xmlns:ma14="http://schemas.microsoft.com/office/mac/drawingml/2011/main" xmlns:p="http://schemas.openxmlformats.org/presentationml/2006/main" xmlns:r="http://schemas.openxmlformats.org/officeDocument/2006/relationships" xmlns:a="http://schemas.openxmlformats.org/drawingml/2006/main" xmlns="" val="1"/>
+              <ma14:placeholderFlag xmlns:ma14="http://schemas.microsoft.com/office/mac/drawingml/2011/main" val="1"/>
             </a:ext>
           </a:extLst>
         </p:spPr>
@@ -7488,14 +7488,14 @@
           <a:noFill/>
           <a:extLst>
             <a:ext uri="{909E8E84-426E-40dd-AFC4-6F175D3DCCD1}">
-              <a14:hiddenFill xmlns:mc="http://schemas.openxmlformats.org/markup-compatibility/2006" xmlns:mv="urn:schemas-microsoft-com:mac:vml" xmlns:a14="http://schemas.microsoft.com/office/drawing/2010/main" xmlns:p="http://schemas.openxmlformats.org/presentationml/2006/main" xmlns:r="http://schemas.openxmlformats.org/officeDocument/2006/relationships" xmlns:a="http://schemas.openxmlformats.org/drawingml/2006/main" xmlns="">
+              <a14:hiddenFill xmlns:a14="http://schemas.microsoft.com/office/drawing/2010/main">
                 <a:solidFill>
                   <a:srgbClr val="FFFFFF"/>
                 </a:solidFill>
               </a14:hiddenFill>
             </a:ext>
             <a:ext uri="{91240B29-F687-4f45-9708-019B960494DF}">
-              <a14:hiddenLine xmlns:mc="http://schemas.openxmlformats.org/markup-compatibility/2006" xmlns:mv="urn:schemas-microsoft-com:mac:vml" xmlns:a14="http://schemas.microsoft.com/office/drawing/2010/main" xmlns:p="http://schemas.openxmlformats.org/presentationml/2006/main" xmlns:r="http://schemas.openxmlformats.org/officeDocument/2006/relationships" xmlns:a="http://schemas.openxmlformats.org/drawingml/2006/main" xmlns="" w="9525">
+              <a14:hiddenLine xmlns:a14="http://schemas.microsoft.com/office/drawing/2010/main" w="9525">
                 <a:solidFill>
                   <a:srgbClr val="000000"/>
                 </a:solidFill>
@@ -7505,7 +7505,7 @@
               </a14:hiddenLine>
             </a:ext>
             <a:ext uri="{FAA26D3D-D897-4be2-8F04-BA451C77F1D7}">
-              <ma14:placeholderFlag xmlns:mc="http://schemas.openxmlformats.org/markup-compatibility/2006" xmlns:mv="urn:schemas-microsoft-com:mac:vml" xmlns:ma14="http://schemas.microsoft.com/office/mac/drawingml/2011/main" xmlns:p="http://schemas.openxmlformats.org/presentationml/2006/main" xmlns:r="http://schemas.openxmlformats.org/officeDocument/2006/relationships" xmlns:a="http://schemas.openxmlformats.org/drawingml/2006/main" xmlns="" val="1"/>
+              <ma14:placeholderFlag xmlns:ma14="http://schemas.microsoft.com/office/mac/drawingml/2011/main" val="1"/>
             </a:ext>
           </a:extLst>
         </p:spPr>
@@ -7533,7 +7533,7 @@
 </file>
 
 <file path=ppt/notesSlides/notesSlide54.xml><?xml version="1.0" encoding="utf-8"?>
-<p:notes xmlns:a="http://schemas.openxmlformats.org/drawingml/2006/main" xmlns:r="http://schemas.openxmlformats.org/officeDocument/2006/relationships" xmlns:mc="http://schemas.openxmlformats.org/markup-compatibility/2006" xmlns:mv="urn:schemas-microsoft-com:mac:vml" xmlns:p="http://schemas.openxmlformats.org/presentationml/2006/main" mc:Ignorable="mv" mc:PreserveAttributes="mv:*">
+<p:notes xmlns:a="http://schemas.openxmlformats.org/drawingml/2006/main" xmlns:r="http://schemas.openxmlformats.org/officeDocument/2006/relationships" xmlns:p="http://schemas.openxmlformats.org/presentationml/2006/main">
   <p:cSld>
     <p:spTree>
       <p:nvGrpSpPr>
@@ -7571,14 +7571,14 @@
           </a:ln>
           <a:extLst>
             <a:ext uri="{909E8E84-426E-40dd-AFC4-6F175D3DCCD1}">
-              <a14:hiddenFill xmlns:mc="http://schemas.openxmlformats.org/markup-compatibility/2006" xmlns:mv="urn:schemas-microsoft-com:mac:vml" xmlns:a14="http://schemas.microsoft.com/office/drawing/2010/main" xmlns:p="http://schemas.openxmlformats.org/presentationml/2006/main" xmlns:r="http://schemas.openxmlformats.org/officeDocument/2006/relationships" xmlns:a="http://schemas.openxmlformats.org/drawingml/2006/main" xmlns="">
+              <a14:hiddenFill xmlns:a14="http://schemas.microsoft.com/office/drawing/2010/main">
                 <a:solidFill>
                   <a:srgbClr val="FFFFFF"/>
                 </a:solidFill>
               </a14:hiddenFill>
             </a:ext>
             <a:ext uri="{91240B29-F687-4f45-9708-019B960494DF}">
-              <a14:hiddenLine xmlns:mc="http://schemas.openxmlformats.org/markup-compatibility/2006" xmlns:mv="urn:schemas-microsoft-com:mac:vml" xmlns:a14="http://schemas.microsoft.com/office/drawing/2010/main" xmlns:p="http://schemas.openxmlformats.org/presentationml/2006/main" xmlns:r="http://schemas.openxmlformats.org/officeDocument/2006/relationships" xmlns:a="http://schemas.openxmlformats.org/drawingml/2006/main" xmlns="" w="9525">
+              <a14:hiddenLine xmlns:a14="http://schemas.microsoft.com/office/drawing/2010/main" w="9525">
                 <a:solidFill>
                   <a:srgbClr val="000000"/>
                 </a:solidFill>
@@ -7732,14 +7732,14 @@
           </a:ln>
           <a:extLst>
             <a:ext uri="{909E8E84-426E-40dd-AFC4-6F175D3DCCD1}">
-              <a14:hiddenFill xmlns:mc="http://schemas.openxmlformats.org/markup-compatibility/2006" xmlns:mv="urn:schemas-microsoft-com:mac:vml" xmlns:a14="http://schemas.microsoft.com/office/drawing/2010/main" xmlns:p="http://schemas.openxmlformats.org/presentationml/2006/main" xmlns:r="http://schemas.openxmlformats.org/officeDocument/2006/relationships" xmlns:a="http://schemas.openxmlformats.org/drawingml/2006/main" xmlns="">
+              <a14:hiddenFill xmlns:a14="http://schemas.microsoft.com/office/drawing/2010/main">
                 <a:solidFill>
                   <a:srgbClr val="FFFFFF"/>
                 </a:solidFill>
               </a14:hiddenFill>
             </a:ext>
             <a:ext uri="{FAA26D3D-D897-4be2-8F04-BA451C77F1D7}">
-              <ma14:placeholderFlag xmlns:mc="http://schemas.openxmlformats.org/markup-compatibility/2006" xmlns:mv="urn:schemas-microsoft-com:mac:vml" xmlns:ma14="http://schemas.microsoft.com/office/mac/drawingml/2011/main" xmlns:p="http://schemas.openxmlformats.org/presentationml/2006/main" xmlns:r="http://schemas.openxmlformats.org/officeDocument/2006/relationships" xmlns:a="http://schemas.openxmlformats.org/drawingml/2006/main" xmlns="" val="1"/>
+              <ma14:placeholderFlag xmlns:ma14="http://schemas.microsoft.com/office/mac/drawingml/2011/main" val="1"/>
             </a:ext>
           </a:extLst>
         </p:spPr>
@@ -7758,14 +7758,14 @@
           <a:noFill/>
           <a:extLst>
             <a:ext uri="{909E8E84-426E-40dd-AFC4-6F175D3DCCD1}">
-              <a14:hiddenFill xmlns:mc="http://schemas.openxmlformats.org/markup-compatibility/2006" xmlns:mv="urn:schemas-microsoft-com:mac:vml" xmlns:a14="http://schemas.microsoft.com/office/drawing/2010/main" xmlns:p="http://schemas.openxmlformats.org/presentationml/2006/main" xmlns:r="http://schemas.openxmlformats.org/officeDocument/2006/relationships" xmlns:a="http://schemas.openxmlformats.org/drawingml/2006/main" xmlns="">
+              <a14:hiddenFill xmlns:a14="http://schemas.microsoft.com/office/drawing/2010/main">
                 <a:solidFill>
                   <a:srgbClr val="FFFFFF"/>
                 </a:solidFill>
               </a14:hiddenFill>
             </a:ext>
             <a:ext uri="{91240B29-F687-4f45-9708-019B960494DF}">
-              <a14:hiddenLine xmlns:mc="http://schemas.openxmlformats.org/markup-compatibility/2006" xmlns:mv="urn:schemas-microsoft-com:mac:vml" xmlns:a14="http://schemas.microsoft.com/office/drawing/2010/main" xmlns:p="http://schemas.openxmlformats.org/presentationml/2006/main" xmlns:r="http://schemas.openxmlformats.org/officeDocument/2006/relationships" xmlns:a="http://schemas.openxmlformats.org/drawingml/2006/main" xmlns="" w="9525">
+              <a14:hiddenLine xmlns:a14="http://schemas.microsoft.com/office/drawing/2010/main" w="9525">
                 <a:solidFill>
                   <a:srgbClr val="000000"/>
                 </a:solidFill>
@@ -7775,7 +7775,7 @@
               </a14:hiddenLine>
             </a:ext>
             <a:ext uri="{FAA26D3D-D897-4be2-8F04-BA451C77F1D7}">
-              <ma14:placeholderFlag xmlns:mc="http://schemas.openxmlformats.org/markup-compatibility/2006" xmlns:mv="urn:schemas-microsoft-com:mac:vml" xmlns:ma14="http://schemas.microsoft.com/office/mac/drawingml/2011/main" xmlns:p="http://schemas.openxmlformats.org/presentationml/2006/main" xmlns:r="http://schemas.openxmlformats.org/officeDocument/2006/relationships" xmlns:a="http://schemas.openxmlformats.org/drawingml/2006/main" xmlns="" val="1"/>
+              <ma14:placeholderFlag xmlns:ma14="http://schemas.microsoft.com/office/mac/drawingml/2011/main" val="1"/>
             </a:ext>
           </a:extLst>
         </p:spPr>
@@ -7803,7 +7803,7 @@
 </file>
 
 <file path=ppt/notesSlides/notesSlide55.xml><?xml version="1.0" encoding="utf-8"?>
-<p:notes xmlns:a="http://schemas.openxmlformats.org/drawingml/2006/main" xmlns:r="http://schemas.openxmlformats.org/officeDocument/2006/relationships" xmlns:mc="http://schemas.openxmlformats.org/markup-compatibility/2006" xmlns:mv="urn:schemas-microsoft-com:mac:vml" xmlns:p="http://schemas.openxmlformats.org/presentationml/2006/main" mc:Ignorable="mv" mc:PreserveAttributes="mv:*">
+<p:notes xmlns:a="http://schemas.openxmlformats.org/drawingml/2006/main" xmlns:r="http://schemas.openxmlformats.org/officeDocument/2006/relationships" xmlns:p="http://schemas.openxmlformats.org/presentationml/2006/main">
   <p:cSld>
     <p:spTree>
       <p:nvGrpSpPr>
@@ -7877,7 +7877,7 @@
     </p:spTree>
     <p:extLst>
       <p:ext uri="{BB962C8B-B14F-4D97-AF65-F5344CB8AC3E}">
-        <p14:creationId xmlns:mc="http://schemas.openxmlformats.org/markup-compatibility/2006" xmlns:mv="urn:schemas-microsoft-com:mac:vml" xmlns:p14="http://schemas.microsoft.com/office/powerpoint/2010/main" xmlns:p="http://schemas.openxmlformats.org/presentationml/2006/main" xmlns:r="http://schemas.openxmlformats.org/officeDocument/2006/relationships" xmlns:a="http://schemas.openxmlformats.org/drawingml/2006/main" xmlns="" val="3250658828"/>
+        <p14:creationId xmlns:p14="http://schemas.microsoft.com/office/powerpoint/2010/main" val="3250658828"/>
       </p:ext>
     </p:extLst>
   </p:cSld>
@@ -7888,7 +7888,7 @@
 </file>
 
 <file path=ppt/notesSlides/notesSlide56.xml><?xml version="1.0" encoding="utf-8"?>
-<p:notes xmlns:a="http://schemas.openxmlformats.org/drawingml/2006/main" xmlns:r="http://schemas.openxmlformats.org/officeDocument/2006/relationships" xmlns:mc="http://schemas.openxmlformats.org/markup-compatibility/2006" xmlns:mv="urn:schemas-microsoft-com:mac:vml" xmlns:p="http://schemas.openxmlformats.org/presentationml/2006/main" mc:Ignorable="mv" mc:PreserveAttributes="mv:*">
+<p:notes xmlns:a="http://schemas.openxmlformats.org/drawingml/2006/main" xmlns:r="http://schemas.openxmlformats.org/officeDocument/2006/relationships" xmlns:p="http://schemas.openxmlformats.org/presentationml/2006/main">
   <p:cSld>
     <p:spTree>
       <p:nvGrpSpPr>
@@ -7926,14 +7926,14 @@
           </a:ln>
           <a:extLst>
             <a:ext uri="{909E8E84-426E-40dd-AFC4-6F175D3DCCD1}">
-              <a14:hiddenFill xmlns:mc="http://schemas.openxmlformats.org/markup-compatibility/2006" xmlns:mv="urn:schemas-microsoft-com:mac:vml" xmlns:a14="http://schemas.microsoft.com/office/drawing/2010/main" xmlns:p="http://schemas.openxmlformats.org/presentationml/2006/main" xmlns:r="http://schemas.openxmlformats.org/officeDocument/2006/relationships" xmlns:a="http://schemas.openxmlformats.org/drawingml/2006/main" xmlns="">
+              <a14:hiddenFill xmlns:a14="http://schemas.microsoft.com/office/drawing/2010/main">
                 <a:solidFill>
                   <a:srgbClr val="FFFFFF"/>
                 </a:solidFill>
               </a14:hiddenFill>
             </a:ext>
             <a:ext uri="{FAA26D3D-D897-4be2-8F04-BA451C77F1D7}">
-              <ma14:placeholderFlag xmlns:mc="http://schemas.openxmlformats.org/markup-compatibility/2006" xmlns:mv="urn:schemas-microsoft-com:mac:vml" xmlns:ma14="http://schemas.microsoft.com/office/mac/drawingml/2011/main" xmlns:p="http://schemas.openxmlformats.org/presentationml/2006/main" xmlns:r="http://schemas.openxmlformats.org/officeDocument/2006/relationships" xmlns:a="http://schemas.openxmlformats.org/drawingml/2006/main" xmlns="" val="1"/>
+              <ma14:placeholderFlag xmlns:ma14="http://schemas.microsoft.com/office/mac/drawingml/2011/main" val="1"/>
             </a:ext>
           </a:extLst>
         </p:spPr>
@@ -7952,14 +7952,14 @@
           <a:noFill/>
           <a:extLst>
             <a:ext uri="{909E8E84-426E-40dd-AFC4-6F175D3DCCD1}">
-              <a14:hiddenFill xmlns:mc="http://schemas.openxmlformats.org/markup-compatibility/2006" xmlns:mv="urn:schemas-microsoft-com:mac:vml" xmlns:a14="http://schemas.microsoft.com/office/drawing/2010/main" xmlns:p="http://schemas.openxmlformats.org/presentationml/2006/main" xmlns:r="http://schemas.openxmlformats.org/officeDocument/2006/relationships" xmlns:a="http://schemas.openxmlformats.org/drawingml/2006/main" xmlns="">
+              <a14:hiddenFill xmlns:a14="http://schemas.microsoft.com/office/drawing/2010/main">
                 <a:solidFill>
                   <a:srgbClr val="FFFFFF"/>
                 </a:solidFill>
               </a14:hiddenFill>
             </a:ext>
             <a:ext uri="{91240B29-F687-4f45-9708-019B960494DF}">
-              <a14:hiddenLine xmlns:mc="http://schemas.openxmlformats.org/markup-compatibility/2006" xmlns:mv="urn:schemas-microsoft-com:mac:vml" xmlns:a14="http://schemas.microsoft.com/office/drawing/2010/main" xmlns:p="http://schemas.openxmlformats.org/presentationml/2006/main" xmlns:r="http://schemas.openxmlformats.org/officeDocument/2006/relationships" xmlns:a="http://schemas.openxmlformats.org/drawingml/2006/main" xmlns="" w="9525">
+              <a14:hiddenLine xmlns:a14="http://schemas.microsoft.com/office/drawing/2010/main" w="9525">
                 <a:solidFill>
                   <a:srgbClr val="000000"/>
                 </a:solidFill>
@@ -7969,7 +7969,7 @@
               </a14:hiddenLine>
             </a:ext>
             <a:ext uri="{FAA26D3D-D897-4be2-8F04-BA451C77F1D7}">
-              <ma14:placeholderFlag xmlns:mc="http://schemas.openxmlformats.org/markup-compatibility/2006" xmlns:mv="urn:schemas-microsoft-com:mac:vml" xmlns:ma14="http://schemas.microsoft.com/office/mac/drawingml/2011/main" xmlns:p="http://schemas.openxmlformats.org/presentationml/2006/main" xmlns:r="http://schemas.openxmlformats.org/officeDocument/2006/relationships" xmlns:a="http://schemas.openxmlformats.org/drawingml/2006/main" xmlns="" val="1"/>
+              <ma14:placeholderFlag xmlns:ma14="http://schemas.microsoft.com/office/mac/drawingml/2011/main" val="1"/>
             </a:ext>
           </a:extLst>
         </p:spPr>
@@ -7996,7 +7996,7 @@
 </file>
 
 <file path=ppt/notesSlides/notesSlide57.xml><?xml version="1.0" encoding="utf-8"?>
-<p:notes xmlns:a="http://schemas.openxmlformats.org/drawingml/2006/main" xmlns:r="http://schemas.openxmlformats.org/officeDocument/2006/relationships" xmlns:mc="http://schemas.openxmlformats.org/markup-compatibility/2006" xmlns:mv="urn:schemas-microsoft-com:mac:vml" xmlns:p="http://schemas.openxmlformats.org/presentationml/2006/main" mc:Ignorable="mv" mc:PreserveAttributes="mv:*">
+<p:notes xmlns:a="http://schemas.openxmlformats.org/drawingml/2006/main" xmlns:r="http://schemas.openxmlformats.org/officeDocument/2006/relationships" xmlns:p="http://schemas.openxmlformats.org/presentationml/2006/main">
   <p:cSld>
     <p:spTree>
       <p:nvGrpSpPr>
@@ -8034,14 +8034,14 @@
           </a:ln>
           <a:extLst>
             <a:ext uri="{909E8E84-426E-40dd-AFC4-6F175D3DCCD1}">
-              <a14:hiddenFill xmlns:mc="http://schemas.openxmlformats.org/markup-compatibility/2006" xmlns:mv="urn:schemas-microsoft-com:mac:vml" xmlns:a14="http://schemas.microsoft.com/office/drawing/2010/main" xmlns:p="http://schemas.openxmlformats.org/presentationml/2006/main" xmlns:r="http://schemas.openxmlformats.org/officeDocument/2006/relationships" xmlns:a="http://schemas.openxmlformats.org/drawingml/2006/main" xmlns="">
+              <a14:hiddenFill xmlns:a14="http://schemas.microsoft.com/office/drawing/2010/main">
                 <a:solidFill>
                   <a:srgbClr val="FFFFFF"/>
                 </a:solidFill>
               </a14:hiddenFill>
             </a:ext>
             <a:ext uri="{FAA26D3D-D897-4be2-8F04-BA451C77F1D7}">
-              <ma14:placeholderFlag xmlns:mc="http://schemas.openxmlformats.org/markup-compatibility/2006" xmlns:mv="urn:schemas-microsoft-com:mac:vml" xmlns:ma14="http://schemas.microsoft.com/office/mac/drawingml/2011/main" xmlns:p="http://schemas.openxmlformats.org/presentationml/2006/main" xmlns:r="http://schemas.openxmlformats.org/officeDocument/2006/relationships" xmlns:a="http://schemas.openxmlformats.org/drawingml/2006/main" xmlns="" val="1"/>
+              <ma14:placeholderFlag xmlns:ma14="http://schemas.microsoft.com/office/mac/drawingml/2011/main" val="1"/>
             </a:ext>
           </a:extLst>
         </p:spPr>
@@ -8060,14 +8060,14 @@
           <a:noFill/>
           <a:extLst>
             <a:ext uri="{909E8E84-426E-40dd-AFC4-6F175D3DCCD1}">
-              <a14:hiddenFill xmlns:mc="http://schemas.openxmlformats.org/markup-compatibility/2006" xmlns:mv="urn:schemas-microsoft-com:mac:vml" xmlns:a14="http://schemas.microsoft.com/office/drawing/2010/main" xmlns:p="http://schemas.openxmlformats.org/presentationml/2006/main" xmlns:r="http://schemas.openxmlformats.org/officeDocument/2006/relationships" xmlns:a="http://schemas.openxmlformats.org/drawingml/2006/main" xmlns="">
+              <a14:hiddenFill xmlns:a14="http://schemas.microsoft.com/office/drawing/2010/main">
                 <a:solidFill>
                   <a:srgbClr val="FFFFFF"/>
                 </a:solidFill>
               </a14:hiddenFill>
             </a:ext>
             <a:ext uri="{91240B29-F687-4f45-9708-019B960494DF}">
-              <a14:hiddenLine xmlns:mc="http://schemas.openxmlformats.org/markup-compatibility/2006" xmlns:mv="urn:schemas-microsoft-com:mac:vml" xmlns:a14="http://schemas.microsoft.com/office/drawing/2010/main" xmlns:p="http://schemas.openxmlformats.org/presentationml/2006/main" xmlns:r="http://schemas.openxmlformats.org/officeDocument/2006/relationships" xmlns:a="http://schemas.openxmlformats.org/drawingml/2006/main" xmlns="" w="9525">
+              <a14:hiddenLine xmlns:a14="http://schemas.microsoft.com/office/drawing/2010/main" w="9525">
                 <a:solidFill>
                   <a:srgbClr val="000000"/>
                 </a:solidFill>
@@ -8077,7 +8077,7 @@
               </a14:hiddenLine>
             </a:ext>
             <a:ext uri="{FAA26D3D-D897-4be2-8F04-BA451C77F1D7}">
-              <ma14:placeholderFlag xmlns:mc="http://schemas.openxmlformats.org/markup-compatibility/2006" xmlns:mv="urn:schemas-microsoft-com:mac:vml" xmlns:ma14="http://schemas.microsoft.com/office/mac/drawingml/2011/main" xmlns:p="http://schemas.openxmlformats.org/presentationml/2006/main" xmlns:r="http://schemas.openxmlformats.org/officeDocument/2006/relationships" xmlns:a="http://schemas.openxmlformats.org/drawingml/2006/main" xmlns="" val="1"/>
+              <ma14:placeholderFlag xmlns:ma14="http://schemas.microsoft.com/office/mac/drawingml/2011/main" val="1"/>
             </a:ext>
           </a:extLst>
         </p:spPr>
@@ -8104,7 +8104,7 @@
 </file>
 
 <file path=ppt/notesSlides/notesSlide58.xml><?xml version="1.0" encoding="utf-8"?>
-<p:notes xmlns:a="http://schemas.openxmlformats.org/drawingml/2006/main" xmlns:r="http://schemas.openxmlformats.org/officeDocument/2006/relationships" xmlns:mc="http://schemas.openxmlformats.org/markup-compatibility/2006" xmlns:mv="urn:schemas-microsoft-com:mac:vml" xmlns:p="http://schemas.openxmlformats.org/presentationml/2006/main" mc:Ignorable="mv" mc:PreserveAttributes="mv:*">
+<p:notes xmlns:a="http://schemas.openxmlformats.org/drawingml/2006/main" xmlns:r="http://schemas.openxmlformats.org/officeDocument/2006/relationships" xmlns:p="http://schemas.openxmlformats.org/presentationml/2006/main">
   <p:cSld>
     <p:spTree>
       <p:nvGrpSpPr>
@@ -8142,14 +8142,14 @@
           </a:ln>
           <a:extLst>
             <a:ext uri="{909E8E84-426E-40dd-AFC4-6F175D3DCCD1}">
-              <a14:hiddenFill xmlns:mc="http://schemas.openxmlformats.org/markup-compatibility/2006" xmlns:mv="urn:schemas-microsoft-com:mac:vml" xmlns:a14="http://schemas.microsoft.com/office/drawing/2010/main" xmlns:p="http://schemas.openxmlformats.org/presentationml/2006/main" xmlns:r="http://schemas.openxmlformats.org/officeDocument/2006/relationships" xmlns:a="http://schemas.openxmlformats.org/drawingml/2006/main" xmlns="">
+              <a14:hiddenFill xmlns:a14="http://schemas.microsoft.com/office/drawing/2010/main">
                 <a:solidFill>
                   <a:srgbClr val="FFFFFF"/>
                 </a:solidFill>
               </a14:hiddenFill>
             </a:ext>
             <a:ext uri="{FAA26D3D-D897-4be2-8F04-BA451C77F1D7}">
-              <ma14:placeholderFlag xmlns:mc="http://schemas.openxmlformats.org/markup-compatibility/2006" xmlns:mv="urn:schemas-microsoft-com:mac:vml" xmlns:ma14="http://schemas.microsoft.com/office/mac/drawingml/2011/main" xmlns:p="http://schemas.openxmlformats.org/presentationml/2006/main" xmlns:r="http://schemas.openxmlformats.org/officeDocument/2006/relationships" xmlns:a="http://schemas.openxmlformats.org/drawingml/2006/main" xmlns="" val="1"/>
+              <ma14:placeholderFlag xmlns:ma14="http://schemas.microsoft.com/office/mac/drawingml/2011/main" val="1"/>
             </a:ext>
           </a:extLst>
         </p:spPr>
@@ -8168,14 +8168,14 @@
           <a:noFill/>
           <a:extLst>
             <a:ext uri="{909E8E84-426E-40dd-AFC4-6F175D3DCCD1}">
-              <a14:hiddenFill xmlns:mc="http://schemas.openxmlformats.org/markup-compatibility/2006" xmlns:mv="urn:schemas-microsoft-com:mac:vml" xmlns:a14="http://schemas.microsoft.com/office/drawing/2010/main" xmlns:p="http://schemas.openxmlformats.org/presentationml/2006/main" xmlns:r="http://schemas.openxmlformats.org/officeDocument/2006/relationships" xmlns:a="http://schemas.openxmlformats.org/drawingml/2006/main" xmlns="">
+              <a14:hiddenFill xmlns:a14="http://schemas.microsoft.com/office/drawing/2010/main">
                 <a:solidFill>
                   <a:srgbClr val="FFFFFF"/>
                 </a:solidFill>
               </a14:hiddenFill>
             </a:ext>
             <a:ext uri="{91240B29-F687-4f45-9708-019B960494DF}">
-              <a14:hiddenLine xmlns:mc="http://schemas.openxmlformats.org/markup-compatibility/2006" xmlns:mv="urn:schemas-microsoft-com:mac:vml" xmlns:a14="http://schemas.microsoft.com/office/drawing/2010/main" xmlns:p="http://schemas.openxmlformats.org/presentationml/2006/main" xmlns:r="http://schemas.openxmlformats.org/officeDocument/2006/relationships" xmlns:a="http://schemas.openxmlformats.org/drawingml/2006/main" xmlns="" w="9525">
+              <a14:hiddenLine xmlns:a14="http://schemas.microsoft.com/office/drawing/2010/main" w="9525">
                 <a:solidFill>
                   <a:srgbClr val="000000"/>
                 </a:solidFill>
@@ -8185,7 +8185,7 @@
               </a14:hiddenLine>
             </a:ext>
             <a:ext uri="{FAA26D3D-D897-4be2-8F04-BA451C77F1D7}">
-              <ma14:placeholderFlag xmlns:mc="http://schemas.openxmlformats.org/markup-compatibility/2006" xmlns:mv="urn:schemas-microsoft-com:mac:vml" xmlns:ma14="http://schemas.microsoft.com/office/mac/drawingml/2011/main" xmlns:p="http://schemas.openxmlformats.org/presentationml/2006/main" xmlns:r="http://schemas.openxmlformats.org/officeDocument/2006/relationships" xmlns:a="http://schemas.openxmlformats.org/drawingml/2006/main" xmlns="" val="1"/>
+              <ma14:placeholderFlag xmlns:ma14="http://schemas.microsoft.com/office/mac/drawingml/2011/main" val="1"/>
             </a:ext>
           </a:extLst>
         </p:spPr>
@@ -8212,7 +8212,7 @@
 </file>
 
 <file path=ppt/notesSlides/notesSlide59.xml><?xml version="1.0" encoding="utf-8"?>
-<p:notes xmlns:a="http://schemas.openxmlformats.org/drawingml/2006/main" xmlns:r="http://schemas.openxmlformats.org/officeDocument/2006/relationships" xmlns:mc="http://schemas.openxmlformats.org/markup-compatibility/2006" xmlns:mv="urn:schemas-microsoft-com:mac:vml" xmlns:p="http://schemas.openxmlformats.org/presentationml/2006/main" mc:Ignorable="mv" mc:PreserveAttributes="mv:*">
+<p:notes xmlns:a="http://schemas.openxmlformats.org/drawingml/2006/main" xmlns:r="http://schemas.openxmlformats.org/officeDocument/2006/relationships" xmlns:p="http://schemas.openxmlformats.org/presentationml/2006/main">
   <p:cSld>
     <p:spTree>
       <p:nvGrpSpPr>
@@ -8250,14 +8250,14 @@
           </a:ln>
           <a:extLst>
             <a:ext uri="{909E8E84-426E-40dd-AFC4-6F175D3DCCD1}">
-              <a14:hiddenFill xmlns:mc="http://schemas.openxmlformats.org/markup-compatibility/2006" xmlns:mv="urn:schemas-microsoft-com:mac:vml" xmlns:a14="http://schemas.microsoft.com/office/drawing/2010/main" xmlns:p="http://schemas.openxmlformats.org/presentationml/2006/main" xmlns:r="http://schemas.openxmlformats.org/officeDocument/2006/relationships" xmlns:a="http://schemas.openxmlformats.org/drawingml/2006/main" xmlns="">
+              <a14:hiddenFill xmlns:a14="http://schemas.microsoft.com/office/drawing/2010/main">
                 <a:solidFill>
                   <a:srgbClr val="FFFFFF"/>
                 </a:solidFill>
               </a14:hiddenFill>
             </a:ext>
             <a:ext uri="{FAA26D3D-D897-4be2-8F04-BA451C77F1D7}">
-              <ma14:placeholderFlag xmlns:mc="http://schemas.openxmlformats.org/markup-compatibility/2006" xmlns:mv="urn:schemas-microsoft-com:mac:vml" xmlns:ma14="http://schemas.microsoft.com/office/mac/drawingml/2011/main" xmlns:p="http://schemas.openxmlformats.org/presentationml/2006/main" xmlns:r="http://schemas.openxmlformats.org/officeDocument/2006/relationships" xmlns:a="http://schemas.openxmlformats.org/drawingml/2006/main" xmlns="" val="1"/>
+              <ma14:placeholderFlag xmlns:ma14="http://schemas.microsoft.com/office/mac/drawingml/2011/main" val="1"/>
             </a:ext>
           </a:extLst>
         </p:spPr>
@@ -8276,14 +8276,14 @@
           <a:noFill/>
           <a:extLst>
             <a:ext uri="{909E8E84-426E-40dd-AFC4-6F175D3DCCD1}">
-              <a14:hiddenFill xmlns:mc="http://schemas.openxmlformats.org/markup-compatibility/2006" xmlns:mv="urn:schemas-microsoft-com:mac:vml" xmlns:a14="http://schemas.microsoft.com/office/drawing/2010/main" xmlns:p="http://schemas.openxmlformats.org/presentationml/2006/main" xmlns:r="http://schemas.openxmlformats.org/officeDocument/2006/relationships" xmlns:a="http://schemas.openxmlformats.org/drawingml/2006/main" xmlns="">
+              <a14:hiddenFill xmlns:a14="http://schemas.microsoft.com/office/drawing/2010/main">
                 <a:solidFill>
                   <a:srgbClr val="FFFFFF"/>
                 </a:solidFill>
               </a14:hiddenFill>
             </a:ext>
             <a:ext uri="{91240B29-F687-4f45-9708-019B960494DF}">
-              <a14:hiddenLine xmlns:mc="http://schemas.openxmlformats.org/markup-compatibility/2006" xmlns:mv="urn:schemas-microsoft-com:mac:vml" xmlns:a14="http://schemas.microsoft.com/office/drawing/2010/main" xmlns:p="http://schemas.openxmlformats.org/presentationml/2006/main" xmlns:r="http://schemas.openxmlformats.org/officeDocument/2006/relationships" xmlns:a="http://schemas.openxmlformats.org/drawingml/2006/main" xmlns="" w="9525">
+              <a14:hiddenLine xmlns:a14="http://schemas.microsoft.com/office/drawing/2010/main" w="9525">
                 <a:solidFill>
                   <a:srgbClr val="000000"/>
                 </a:solidFill>
@@ -8293,7 +8293,7 @@
               </a14:hiddenLine>
             </a:ext>
             <a:ext uri="{FAA26D3D-D897-4be2-8F04-BA451C77F1D7}">
-              <ma14:placeholderFlag xmlns:mc="http://schemas.openxmlformats.org/markup-compatibility/2006" xmlns:mv="urn:schemas-microsoft-com:mac:vml" xmlns:ma14="http://schemas.microsoft.com/office/mac/drawingml/2011/main" xmlns:p="http://schemas.openxmlformats.org/presentationml/2006/main" xmlns:r="http://schemas.openxmlformats.org/officeDocument/2006/relationships" xmlns:a="http://schemas.openxmlformats.org/drawingml/2006/main" xmlns="" val="1"/>
+              <ma14:placeholderFlag xmlns:ma14="http://schemas.microsoft.com/office/mac/drawingml/2011/main" val="1"/>
             </a:ext>
           </a:extLst>
         </p:spPr>
@@ -8320,7 +8320,7 @@
 </file>
 
 <file path=ppt/notesSlides/notesSlide6.xml><?xml version="1.0" encoding="utf-8"?>
-<p:notes xmlns:a="http://schemas.openxmlformats.org/drawingml/2006/main" xmlns:r="http://schemas.openxmlformats.org/officeDocument/2006/relationships" xmlns:mc="http://schemas.openxmlformats.org/markup-compatibility/2006" xmlns:mv="urn:schemas-microsoft-com:mac:vml" xmlns:p="http://schemas.openxmlformats.org/presentationml/2006/main" mc:Ignorable="mv" mc:PreserveAttributes="mv:*">
+<p:notes xmlns:a="http://schemas.openxmlformats.org/drawingml/2006/main" xmlns:r="http://schemas.openxmlformats.org/officeDocument/2006/relationships" xmlns:p="http://schemas.openxmlformats.org/presentationml/2006/main">
   <p:cSld>
     <p:spTree>
       <p:nvGrpSpPr>
@@ -8394,7 +8394,7 @@
     </p:spTree>
     <p:extLst>
       <p:ext uri="{BB962C8B-B14F-4D97-AF65-F5344CB8AC3E}">
-        <p14:creationId xmlns:mc="http://schemas.openxmlformats.org/markup-compatibility/2006" xmlns:mv="urn:schemas-microsoft-com:mac:vml" xmlns:p14="http://schemas.microsoft.com/office/powerpoint/2010/main" xmlns:p="http://schemas.openxmlformats.org/presentationml/2006/main" xmlns:r="http://schemas.openxmlformats.org/officeDocument/2006/relationships" xmlns:a="http://schemas.openxmlformats.org/drawingml/2006/main" xmlns="" val="963676054"/>
+        <p14:creationId xmlns:p14="http://schemas.microsoft.com/office/powerpoint/2010/main" val="963676054"/>
       </p:ext>
     </p:extLst>
   </p:cSld>
@@ -8405,7 +8405,7 @@
 </file>
 
 <file path=ppt/notesSlides/notesSlide60.xml><?xml version="1.0" encoding="utf-8"?>
-<p:notes xmlns:a="http://schemas.openxmlformats.org/drawingml/2006/main" xmlns:r="http://schemas.openxmlformats.org/officeDocument/2006/relationships" xmlns:mc="http://schemas.openxmlformats.org/markup-compatibility/2006" xmlns:mv="urn:schemas-microsoft-com:mac:vml" xmlns:p="http://schemas.openxmlformats.org/presentationml/2006/main" mc:Ignorable="mv" mc:PreserveAttributes="mv:*">
+<p:notes xmlns:a="http://schemas.openxmlformats.org/drawingml/2006/main" xmlns:r="http://schemas.openxmlformats.org/officeDocument/2006/relationships" xmlns:p="http://schemas.openxmlformats.org/presentationml/2006/main">
   <p:cSld>
     <p:spTree>
       <p:nvGrpSpPr>
@@ -8443,14 +8443,14 @@
           </a:ln>
           <a:extLst>
             <a:ext uri="{909E8E84-426E-40dd-AFC4-6F175D3DCCD1}">
-              <a14:hiddenFill xmlns:mc="http://schemas.openxmlformats.org/markup-compatibility/2006" xmlns:mv="urn:schemas-microsoft-com:mac:vml" xmlns:a14="http://schemas.microsoft.com/office/drawing/2010/main" xmlns:p="http://schemas.openxmlformats.org/presentationml/2006/main" xmlns:r="http://schemas.openxmlformats.org/officeDocument/2006/relationships" xmlns:a="http://schemas.openxmlformats.org/drawingml/2006/main" xmlns="">
+              <a14:hiddenFill xmlns:a14="http://schemas.microsoft.com/office/drawing/2010/main">
                 <a:solidFill>
                   <a:srgbClr val="FFFFFF"/>
                 </a:solidFill>
               </a14:hiddenFill>
             </a:ext>
             <a:ext uri="{FAA26D3D-D897-4be2-8F04-BA451C77F1D7}">
-              <ma14:placeholderFlag xmlns:mc="http://schemas.openxmlformats.org/markup-compatibility/2006" xmlns:mv="urn:schemas-microsoft-com:mac:vml" xmlns:ma14="http://schemas.microsoft.com/office/mac/drawingml/2011/main" xmlns:p="http://schemas.openxmlformats.org/presentationml/2006/main" xmlns:r="http://schemas.openxmlformats.org/officeDocument/2006/relationships" xmlns:a="http://schemas.openxmlformats.org/drawingml/2006/main" xmlns="" val="1"/>
+              <ma14:placeholderFlag xmlns:ma14="http://schemas.microsoft.com/office/mac/drawingml/2011/main" val="1"/>
             </a:ext>
           </a:extLst>
         </p:spPr>
@@ -8469,14 +8469,14 @@
           <a:noFill/>
           <a:extLst>
             <a:ext uri="{909E8E84-426E-40dd-AFC4-6F175D3DCCD1}">
-              <a14:hiddenFill xmlns:mc="http://schemas.openxmlformats.org/markup-compatibility/2006" xmlns:mv="urn:schemas-microsoft-com:mac:vml" xmlns:a14="http://schemas.microsoft.com/office/drawing/2010/main" xmlns:p="http://schemas.openxmlformats.org/presentationml/2006/main" xmlns:r="http://schemas.openxmlformats.org/officeDocument/2006/relationships" xmlns:a="http://schemas.openxmlformats.org/drawingml/2006/main" xmlns="">
+              <a14:hiddenFill xmlns:a14="http://schemas.microsoft.com/office/drawing/2010/main">
                 <a:solidFill>
                   <a:srgbClr val="FFFFFF"/>
                 </a:solidFill>
               </a14:hiddenFill>
             </a:ext>
             <a:ext uri="{91240B29-F687-4f45-9708-019B960494DF}">
-              <a14:hiddenLine xmlns:mc="http://schemas.openxmlformats.org/markup-compatibility/2006" xmlns:mv="urn:schemas-microsoft-com:mac:vml" xmlns:a14="http://schemas.microsoft.com/office/drawing/2010/main" xmlns:p="http://schemas.openxmlformats.org/presentationml/2006/main" xmlns:r="http://schemas.openxmlformats.org/officeDocument/2006/relationships" xmlns:a="http://schemas.openxmlformats.org/drawingml/2006/main" xmlns="" w="9525">
+              <a14:hiddenLine xmlns:a14="http://schemas.microsoft.com/office/drawing/2010/main" w="9525">
                 <a:solidFill>
                   <a:srgbClr val="000000"/>
                 </a:solidFill>
@@ -8486,7 +8486,7 @@
               </a14:hiddenLine>
             </a:ext>
             <a:ext uri="{FAA26D3D-D897-4be2-8F04-BA451C77F1D7}">
-              <ma14:placeholderFlag xmlns:mc="http://schemas.openxmlformats.org/markup-compatibility/2006" xmlns:mv="urn:schemas-microsoft-com:mac:vml" xmlns:ma14="http://schemas.microsoft.com/office/mac/drawingml/2011/main" xmlns:p="http://schemas.openxmlformats.org/presentationml/2006/main" xmlns:r="http://schemas.openxmlformats.org/officeDocument/2006/relationships" xmlns:a="http://schemas.openxmlformats.org/drawingml/2006/main" xmlns="" val="1"/>
+              <ma14:placeholderFlag xmlns:ma14="http://schemas.microsoft.com/office/mac/drawingml/2011/main" val="1"/>
             </a:ext>
           </a:extLst>
         </p:spPr>
@@ -8513,7 +8513,7 @@
 </file>
 
 <file path=ppt/notesSlides/notesSlide61.xml><?xml version="1.0" encoding="utf-8"?>
-<p:notes xmlns:a="http://schemas.openxmlformats.org/drawingml/2006/main" xmlns:r="http://schemas.openxmlformats.org/officeDocument/2006/relationships" xmlns:mc="http://schemas.openxmlformats.org/markup-compatibility/2006" xmlns:mv="urn:schemas-microsoft-com:mac:vml" xmlns:p="http://schemas.openxmlformats.org/presentationml/2006/main" mc:Ignorable="mv" mc:PreserveAttributes="mv:*">
+<p:notes xmlns:a="http://schemas.openxmlformats.org/drawingml/2006/main" xmlns:r="http://schemas.openxmlformats.org/officeDocument/2006/relationships" xmlns:p="http://schemas.openxmlformats.org/presentationml/2006/main">
   <p:cSld>
     <p:spTree>
       <p:nvGrpSpPr>
@@ -8624,7 +8624,7 @@
 </file>
 
 <file path=ppt/notesSlides/notesSlide62.xml><?xml version="1.0" encoding="utf-8"?>
-<p:notes xmlns:a="http://schemas.openxmlformats.org/drawingml/2006/main" xmlns:r="http://schemas.openxmlformats.org/officeDocument/2006/relationships" xmlns:mc="http://schemas.openxmlformats.org/markup-compatibility/2006" xmlns:mv="urn:schemas-microsoft-com:mac:vml" xmlns:p="http://schemas.openxmlformats.org/presentationml/2006/main" mc:Ignorable="mv" mc:PreserveAttributes="mv:*">
+<p:notes xmlns:a="http://schemas.openxmlformats.org/drawingml/2006/main" xmlns:r="http://schemas.openxmlformats.org/officeDocument/2006/relationships" xmlns:p="http://schemas.openxmlformats.org/presentationml/2006/main">
   <p:cSld>
     <p:spTree>
       <p:nvGrpSpPr>
@@ -8698,7 +8698,7 @@
     </p:spTree>
     <p:extLst>
       <p:ext uri="{BB962C8B-B14F-4D97-AF65-F5344CB8AC3E}">
-        <p14:creationId xmlns:mc="http://schemas.openxmlformats.org/markup-compatibility/2006" xmlns:mv="urn:schemas-microsoft-com:mac:vml" xmlns:p14="http://schemas.microsoft.com/office/powerpoint/2010/main" xmlns:p="http://schemas.openxmlformats.org/presentationml/2006/main" xmlns:r="http://schemas.openxmlformats.org/officeDocument/2006/relationships" xmlns:a="http://schemas.openxmlformats.org/drawingml/2006/main" xmlns="" val="3250658828"/>
+        <p14:creationId xmlns:p14="http://schemas.microsoft.com/office/powerpoint/2010/main" val="3250658828"/>
       </p:ext>
     </p:extLst>
   </p:cSld>
@@ -8709,7 +8709,7 @@
 </file>
 
 <file path=ppt/notesSlides/notesSlide63.xml><?xml version="1.0" encoding="utf-8"?>
-<p:notes xmlns:a="http://schemas.openxmlformats.org/drawingml/2006/main" xmlns:r="http://schemas.openxmlformats.org/officeDocument/2006/relationships" xmlns:mc="http://schemas.openxmlformats.org/markup-compatibility/2006" xmlns:mv="urn:schemas-microsoft-com:mac:vml" xmlns:p="http://schemas.openxmlformats.org/presentationml/2006/main" mc:Ignorable="mv" mc:PreserveAttributes="mv:*">
+<p:notes xmlns:a="http://schemas.openxmlformats.org/drawingml/2006/main" xmlns:r="http://schemas.openxmlformats.org/officeDocument/2006/relationships" xmlns:p="http://schemas.openxmlformats.org/presentationml/2006/main">
   <p:cSld>
     <p:spTree>
       <p:nvGrpSpPr>
@@ -8783,7 +8783,7 @@
     </p:spTree>
     <p:extLst>
       <p:ext uri="{BB962C8B-B14F-4D97-AF65-F5344CB8AC3E}">
-        <p14:creationId xmlns:mc="http://schemas.openxmlformats.org/markup-compatibility/2006" xmlns:mv="urn:schemas-microsoft-com:mac:vml" xmlns:p14="http://schemas.microsoft.com/office/powerpoint/2010/main" xmlns:p="http://schemas.openxmlformats.org/presentationml/2006/main" xmlns:r="http://schemas.openxmlformats.org/officeDocument/2006/relationships" xmlns:a="http://schemas.openxmlformats.org/drawingml/2006/main" xmlns="" val="963676054"/>
+        <p14:creationId xmlns:p14="http://schemas.microsoft.com/office/powerpoint/2010/main" val="963676054"/>
       </p:ext>
     </p:extLst>
   </p:cSld>
@@ -8794,7 +8794,7 @@
 </file>
 
 <file path=ppt/notesSlides/notesSlide64.xml><?xml version="1.0" encoding="utf-8"?>
-<p:notes xmlns:a="http://schemas.openxmlformats.org/drawingml/2006/main" xmlns:r="http://schemas.openxmlformats.org/officeDocument/2006/relationships" xmlns:mc="http://schemas.openxmlformats.org/markup-compatibility/2006" xmlns:mv="urn:schemas-microsoft-com:mac:vml" xmlns:p="http://schemas.openxmlformats.org/presentationml/2006/main" mc:Ignorable="mv" mc:PreserveAttributes="mv:*">
+<p:notes xmlns:a="http://schemas.openxmlformats.org/drawingml/2006/main" xmlns:r="http://schemas.openxmlformats.org/officeDocument/2006/relationships" xmlns:p="http://schemas.openxmlformats.org/presentationml/2006/main">
   <p:cSld>
     <p:spTree>
       <p:nvGrpSpPr>
@@ -8905,7 +8905,7 @@
 </file>
 
 <file path=ppt/notesSlides/notesSlide65.xml><?xml version="1.0" encoding="utf-8"?>
-<p:notes xmlns:a="http://schemas.openxmlformats.org/drawingml/2006/main" xmlns:r="http://schemas.openxmlformats.org/officeDocument/2006/relationships" xmlns:mc="http://schemas.openxmlformats.org/markup-compatibility/2006" xmlns:mv="urn:schemas-microsoft-com:mac:vml" xmlns:p="http://schemas.openxmlformats.org/presentationml/2006/main" mc:Ignorable="mv" mc:PreserveAttributes="mv:*">
+<p:notes xmlns:a="http://schemas.openxmlformats.org/drawingml/2006/main" xmlns:r="http://schemas.openxmlformats.org/officeDocument/2006/relationships" xmlns:p="http://schemas.openxmlformats.org/presentationml/2006/main">
   <p:cSld>
     <p:spTree>
       <p:nvGrpSpPr>
@@ -8979,7 +8979,7 @@
     </p:spTree>
     <p:extLst>
       <p:ext uri="{BB962C8B-B14F-4D97-AF65-F5344CB8AC3E}">
-        <p14:creationId xmlns:mc="http://schemas.openxmlformats.org/markup-compatibility/2006" xmlns:mv="urn:schemas-microsoft-com:mac:vml" xmlns:p14="http://schemas.microsoft.com/office/powerpoint/2010/main" xmlns:p="http://schemas.openxmlformats.org/presentationml/2006/main" xmlns:r="http://schemas.openxmlformats.org/officeDocument/2006/relationships" xmlns:a="http://schemas.openxmlformats.org/drawingml/2006/main" xmlns="" val="1443086944"/>
+        <p14:creationId xmlns:p14="http://schemas.microsoft.com/office/powerpoint/2010/main" val="1443086944"/>
       </p:ext>
     </p:extLst>
   </p:cSld>
@@ -8990,7 +8990,7 @@
 </file>
 
 <file path=ppt/notesSlides/notesSlide7.xml><?xml version="1.0" encoding="utf-8"?>
-<p:notes xmlns:a="http://schemas.openxmlformats.org/drawingml/2006/main" xmlns:r="http://schemas.openxmlformats.org/officeDocument/2006/relationships" xmlns:mc="http://schemas.openxmlformats.org/markup-compatibility/2006" xmlns:mv="urn:schemas-microsoft-com:mac:vml" xmlns:p="http://schemas.openxmlformats.org/presentationml/2006/main" mc:Ignorable="mv" mc:PreserveAttributes="mv:*">
+<p:notes xmlns:a="http://schemas.openxmlformats.org/drawingml/2006/main" xmlns:r="http://schemas.openxmlformats.org/officeDocument/2006/relationships" xmlns:p="http://schemas.openxmlformats.org/presentationml/2006/main">
   <p:cSld>
     <p:spTree>
       <p:nvGrpSpPr>
@@ -9064,7 +9064,7 @@
     </p:spTree>
     <p:extLst>
       <p:ext uri="{BB962C8B-B14F-4D97-AF65-F5344CB8AC3E}">
-        <p14:creationId xmlns:mc="http://schemas.openxmlformats.org/markup-compatibility/2006" xmlns:mv="urn:schemas-microsoft-com:mac:vml" xmlns:p14="http://schemas.microsoft.com/office/powerpoint/2010/main" xmlns:p="http://schemas.openxmlformats.org/presentationml/2006/main" xmlns:r="http://schemas.openxmlformats.org/officeDocument/2006/relationships" xmlns:a="http://schemas.openxmlformats.org/drawingml/2006/main" xmlns="" val="3250658828"/>
+        <p14:creationId xmlns:p14="http://schemas.microsoft.com/office/powerpoint/2010/main" val="3250658828"/>
       </p:ext>
     </p:extLst>
   </p:cSld>
@@ -9075,7 +9075,7 @@
 </file>
 
 <file path=ppt/notesSlides/notesSlide8.xml><?xml version="1.0" encoding="utf-8"?>
-<p:notes xmlns:a="http://schemas.openxmlformats.org/drawingml/2006/main" xmlns:r="http://schemas.openxmlformats.org/officeDocument/2006/relationships" xmlns:mc="http://schemas.openxmlformats.org/markup-compatibility/2006" xmlns:mv="urn:schemas-microsoft-com:mac:vml" xmlns:p="http://schemas.openxmlformats.org/presentationml/2006/main" mc:Ignorable="mv" mc:PreserveAttributes="mv:*">
+<p:notes xmlns:a="http://schemas.openxmlformats.org/drawingml/2006/main" xmlns:r="http://schemas.openxmlformats.org/officeDocument/2006/relationships" xmlns:p="http://schemas.openxmlformats.org/presentationml/2006/main">
   <p:cSld>
     <p:spTree>
       <p:nvGrpSpPr>
@@ -9149,7 +9149,7 @@
     </p:spTree>
     <p:extLst>
       <p:ext uri="{BB962C8B-B14F-4D97-AF65-F5344CB8AC3E}">
-        <p14:creationId xmlns:mc="http://schemas.openxmlformats.org/markup-compatibility/2006" xmlns:mv="urn:schemas-microsoft-com:mac:vml" xmlns:p14="http://schemas.microsoft.com/office/powerpoint/2010/main" xmlns:p="http://schemas.openxmlformats.org/presentationml/2006/main" xmlns:r="http://schemas.openxmlformats.org/officeDocument/2006/relationships" xmlns:a="http://schemas.openxmlformats.org/drawingml/2006/main" xmlns="" val="963676054"/>
+        <p14:creationId xmlns:p14="http://schemas.microsoft.com/office/powerpoint/2010/main" val="963676054"/>
       </p:ext>
     </p:extLst>
   </p:cSld>
@@ -9160,7 +9160,7 @@
 </file>
 
 <file path=ppt/notesSlides/notesSlide9.xml><?xml version="1.0" encoding="utf-8"?>
-<p:notes xmlns:a="http://schemas.openxmlformats.org/drawingml/2006/main" xmlns:r="http://schemas.openxmlformats.org/officeDocument/2006/relationships" xmlns:mc="http://schemas.openxmlformats.org/markup-compatibility/2006" xmlns:mv="urn:schemas-microsoft-com:mac:vml" xmlns:p="http://schemas.openxmlformats.org/presentationml/2006/main" mc:Ignorable="mv" mc:PreserveAttributes="mv:*">
+<p:notes xmlns:a="http://schemas.openxmlformats.org/drawingml/2006/main" xmlns:r="http://schemas.openxmlformats.org/officeDocument/2006/relationships" xmlns:p="http://schemas.openxmlformats.org/presentationml/2006/main">
   <p:cSld>
     <p:spTree>
       <p:nvGrpSpPr>
@@ -9234,7 +9234,7 @@
     </p:spTree>
     <p:extLst>
       <p:ext uri="{BB962C8B-B14F-4D97-AF65-F5344CB8AC3E}">
-        <p14:creationId xmlns:mc="http://schemas.openxmlformats.org/markup-compatibility/2006" xmlns:mv="urn:schemas-microsoft-com:mac:vml" xmlns:p14="http://schemas.microsoft.com/office/powerpoint/2010/main" xmlns:p="http://schemas.openxmlformats.org/presentationml/2006/main" xmlns:r="http://schemas.openxmlformats.org/officeDocument/2006/relationships" xmlns:a="http://schemas.openxmlformats.org/drawingml/2006/main" xmlns="" val="963676054"/>
+        <p14:creationId xmlns:p14="http://schemas.microsoft.com/office/powerpoint/2010/main" val="963676054"/>
       </p:ext>
     </p:extLst>
   </p:cSld>
@@ -9245,7 +9245,7 @@
 </file>
 
 <file path=ppt/slideLayouts/slideLayout1.xml><?xml version="1.0" encoding="utf-8"?>
-<p:sldLayout xmlns:a="http://schemas.openxmlformats.org/drawingml/2006/main" xmlns:r="http://schemas.openxmlformats.org/officeDocument/2006/relationships" xmlns:mc="http://schemas.openxmlformats.org/markup-compatibility/2006" xmlns:mv="urn:schemas-microsoft-com:mac:vml" xmlns:p="http://schemas.openxmlformats.org/presentationml/2006/main" mc:Ignorable="mv" mc:PreserveAttributes="mv:*" type="title" preserve="1">
+<p:sldLayout xmlns:a="http://schemas.openxmlformats.org/drawingml/2006/main" xmlns:r="http://schemas.openxmlformats.org/officeDocument/2006/relationships" xmlns:p="http://schemas.openxmlformats.org/presentationml/2006/main" type="title" preserve="1">
   <p:cSld name="Title Slide">
     <p:bg>
       <p:bgPr>
@@ -9469,7 +9469,7 @@
 </file>
 
 <file path=ppt/slideLayouts/slideLayout10.xml><?xml version="1.0" encoding="utf-8"?>
-<p:sldLayout xmlns:a="http://schemas.openxmlformats.org/drawingml/2006/main" xmlns:r="http://schemas.openxmlformats.org/officeDocument/2006/relationships" xmlns:mc="http://schemas.openxmlformats.org/markup-compatibility/2006" xmlns:mv="urn:schemas-microsoft-com:mac:vml" xmlns:p="http://schemas.openxmlformats.org/presentationml/2006/main" mc:Ignorable="mv" mc:PreserveAttributes="mv:*" preserve="1" userDrawn="1">
+<p:sldLayout xmlns:a="http://schemas.openxmlformats.org/drawingml/2006/main" xmlns:r="http://schemas.openxmlformats.org/officeDocument/2006/relationships" xmlns:p="http://schemas.openxmlformats.org/presentationml/2006/main" preserve="1" userDrawn="1">
   <p:cSld name="Impact Slide - Pink">
     <p:bg>
       <p:bgPr>
@@ -9542,7 +9542,7 @@
 </file>
 
 <file path=ppt/slideLayouts/slideLayout11.xml><?xml version="1.0" encoding="utf-8"?>
-<p:sldLayout xmlns:a="http://schemas.openxmlformats.org/drawingml/2006/main" xmlns:r="http://schemas.openxmlformats.org/officeDocument/2006/relationships" xmlns:mc="http://schemas.openxmlformats.org/markup-compatibility/2006" xmlns:mv="urn:schemas-microsoft-com:mac:vml" xmlns:p="http://schemas.openxmlformats.org/presentationml/2006/main" mc:Ignorable="mv" mc:PreserveAttributes="mv:*" preserve="1" userDrawn="1">
+<p:sldLayout xmlns:a="http://schemas.openxmlformats.org/drawingml/2006/main" xmlns:r="http://schemas.openxmlformats.org/officeDocument/2006/relationships" xmlns:p="http://schemas.openxmlformats.org/presentationml/2006/main" preserve="1" userDrawn="1">
   <p:cSld name="Quote Slide - Neutral">
     <p:bg>
       <p:bgPr>
@@ -9701,7 +9701,7 @@
 </file>
 
 <file path=ppt/slideLayouts/slideLayout12.xml><?xml version="1.0" encoding="utf-8"?>
-<p:sldLayout xmlns:a="http://schemas.openxmlformats.org/drawingml/2006/main" xmlns:r="http://schemas.openxmlformats.org/officeDocument/2006/relationships" xmlns:mc="http://schemas.openxmlformats.org/markup-compatibility/2006" xmlns:mv="urn:schemas-microsoft-com:mac:vml" xmlns:p="http://schemas.openxmlformats.org/presentationml/2006/main" mc:Ignorable="mv" mc:PreserveAttributes="mv:*" preserve="1" userDrawn="1">
+<p:sldLayout xmlns:a="http://schemas.openxmlformats.org/drawingml/2006/main" xmlns:r="http://schemas.openxmlformats.org/officeDocument/2006/relationships" xmlns:p="http://schemas.openxmlformats.org/presentationml/2006/main" preserve="1" userDrawn="1">
   <p:cSld name="Quote Slide - Teal">
     <p:bg>
       <p:bgPr>
@@ -9854,7 +9854,7 @@
 </file>
 
 <file path=ppt/slideLayouts/slideLayout13.xml><?xml version="1.0" encoding="utf-8"?>
-<p:sldLayout xmlns:a="http://schemas.openxmlformats.org/drawingml/2006/main" xmlns:r="http://schemas.openxmlformats.org/officeDocument/2006/relationships" xmlns:mc="http://schemas.openxmlformats.org/markup-compatibility/2006" xmlns:mv="urn:schemas-microsoft-com:mac:vml" xmlns:p="http://schemas.openxmlformats.org/presentationml/2006/main" mc:Ignorable="mv" mc:PreserveAttributes="mv:*" preserve="1" userDrawn="1">
+<p:sldLayout xmlns:a="http://schemas.openxmlformats.org/drawingml/2006/main" xmlns:r="http://schemas.openxmlformats.org/officeDocument/2006/relationships" xmlns:p="http://schemas.openxmlformats.org/presentationml/2006/main" preserve="1" userDrawn="1">
   <p:cSld name="Quote Slide - Green">
     <p:bg>
       <p:bgPr>
@@ -10007,7 +10007,7 @@
 </file>
 
 <file path=ppt/slideLayouts/slideLayout14.xml><?xml version="1.0" encoding="utf-8"?>
-<p:sldLayout xmlns:a="http://schemas.openxmlformats.org/drawingml/2006/main" xmlns:r="http://schemas.openxmlformats.org/officeDocument/2006/relationships" xmlns:mc="http://schemas.openxmlformats.org/markup-compatibility/2006" xmlns:mv="urn:schemas-microsoft-com:mac:vml" xmlns:p="http://schemas.openxmlformats.org/presentationml/2006/main" mc:Ignorable="mv" mc:PreserveAttributes="mv:*" preserve="1" userDrawn="1">
+<p:sldLayout xmlns:a="http://schemas.openxmlformats.org/drawingml/2006/main" xmlns:r="http://schemas.openxmlformats.org/officeDocument/2006/relationships" xmlns:p="http://schemas.openxmlformats.org/presentationml/2006/main" preserve="1" userDrawn="1">
   <p:cSld name="Orange Quote Slide">
     <p:bg>
       <p:bgPr>
@@ -10160,7 +10160,7 @@
 </file>
 
 <file path=ppt/slideLayouts/slideLayout15.xml><?xml version="1.0" encoding="utf-8"?>
-<p:sldLayout xmlns:a="http://schemas.openxmlformats.org/drawingml/2006/main" xmlns:r="http://schemas.openxmlformats.org/officeDocument/2006/relationships" xmlns:mc="http://schemas.openxmlformats.org/markup-compatibility/2006" xmlns:mv="urn:schemas-microsoft-com:mac:vml" xmlns:p="http://schemas.openxmlformats.org/presentationml/2006/main" mc:Ignorable="mv" mc:PreserveAttributes="mv:*" preserve="1" userDrawn="1">
+<p:sldLayout xmlns:a="http://schemas.openxmlformats.org/drawingml/2006/main" xmlns:r="http://schemas.openxmlformats.org/officeDocument/2006/relationships" xmlns:p="http://schemas.openxmlformats.org/presentationml/2006/main" preserve="1" userDrawn="1">
   <p:cSld name="Quote Slide - Pink">
     <p:bg>
       <p:bgPr>
@@ -10313,7 +10313,7 @@
 </file>
 
 <file path=ppt/slideLayouts/slideLayout16.xml><?xml version="1.0" encoding="utf-8"?>
-<p:sldLayout xmlns:a="http://schemas.openxmlformats.org/drawingml/2006/main" xmlns:r="http://schemas.openxmlformats.org/officeDocument/2006/relationships" xmlns:mc="http://schemas.openxmlformats.org/markup-compatibility/2006" xmlns:mv="urn:schemas-microsoft-com:mac:vml" xmlns:p="http://schemas.openxmlformats.org/presentationml/2006/main" mc:Ignorable="mv" mc:PreserveAttributes="mv:*" preserve="1" userDrawn="1">
+<p:sldLayout xmlns:a="http://schemas.openxmlformats.org/drawingml/2006/main" xmlns:r="http://schemas.openxmlformats.org/officeDocument/2006/relationships" xmlns:p="http://schemas.openxmlformats.org/presentationml/2006/main" preserve="1" userDrawn="1">
   <p:cSld name="Thank You - Teal">
     <p:bg>
       <p:bgPr>
@@ -10444,7 +10444,7 @@
 </file>
 
 <file path=ppt/slideLayouts/slideLayout17.xml><?xml version="1.0" encoding="utf-8"?>
-<p:sldLayout xmlns:a="http://schemas.openxmlformats.org/drawingml/2006/main" xmlns:r="http://schemas.openxmlformats.org/officeDocument/2006/relationships" xmlns:mc="http://schemas.openxmlformats.org/markup-compatibility/2006" xmlns:mv="urn:schemas-microsoft-com:mac:vml" xmlns:p="http://schemas.openxmlformats.org/presentationml/2006/main" mc:Ignorable="mv" mc:PreserveAttributes="mv:*" preserve="1" userDrawn="1">
+<p:sldLayout xmlns:a="http://schemas.openxmlformats.org/drawingml/2006/main" xmlns:r="http://schemas.openxmlformats.org/officeDocument/2006/relationships" xmlns:p="http://schemas.openxmlformats.org/presentationml/2006/main" preserve="1" userDrawn="1">
   <p:cSld name="Thank You - Green">
     <p:bg>
       <p:bgPr>
@@ -10575,7 +10575,7 @@
 </file>
 
 <file path=ppt/slideLayouts/slideLayout18.xml><?xml version="1.0" encoding="utf-8"?>
-<p:sldLayout xmlns:a="http://schemas.openxmlformats.org/drawingml/2006/main" xmlns:r="http://schemas.openxmlformats.org/officeDocument/2006/relationships" xmlns:mc="http://schemas.openxmlformats.org/markup-compatibility/2006" xmlns:mv="urn:schemas-microsoft-com:mac:vml" xmlns:p="http://schemas.openxmlformats.org/presentationml/2006/main" mc:Ignorable="mv" mc:PreserveAttributes="mv:*" userDrawn="1">
+<p:sldLayout xmlns:a="http://schemas.openxmlformats.org/drawingml/2006/main" xmlns:r="http://schemas.openxmlformats.org/officeDocument/2006/relationships" xmlns:p="http://schemas.openxmlformats.org/presentationml/2006/main" userDrawn="1">
   <p:cSld name="Thank You - Orange">
     <p:bg>
       <p:bgPr>
@@ -10706,7 +10706,7 @@
 </file>
 
 <file path=ppt/slideLayouts/slideLayout19.xml><?xml version="1.0" encoding="utf-8"?>
-<p:sldLayout xmlns:a="http://schemas.openxmlformats.org/drawingml/2006/main" xmlns:r="http://schemas.openxmlformats.org/officeDocument/2006/relationships" xmlns:mc="http://schemas.openxmlformats.org/markup-compatibility/2006" xmlns:mv="urn:schemas-microsoft-com:mac:vml" xmlns:p="http://schemas.openxmlformats.org/presentationml/2006/main" mc:Ignorable="mv" mc:PreserveAttributes="mv:*" userDrawn="1">
+<p:sldLayout xmlns:a="http://schemas.openxmlformats.org/drawingml/2006/main" xmlns:r="http://schemas.openxmlformats.org/officeDocument/2006/relationships" xmlns:p="http://schemas.openxmlformats.org/presentationml/2006/main" userDrawn="1">
   <p:cSld name="Thank You - Pink">
     <p:bg>
       <p:bgPr>
@@ -10837,7 +10837,7 @@
 </file>
 
 <file path=ppt/slideLayouts/slideLayout2.xml><?xml version="1.0" encoding="utf-8"?>
-<p:sldLayout xmlns:a="http://schemas.openxmlformats.org/drawingml/2006/main" xmlns:r="http://schemas.openxmlformats.org/officeDocument/2006/relationships" xmlns:mc="http://schemas.openxmlformats.org/markup-compatibility/2006" xmlns:mv="urn:schemas-microsoft-com:mac:vml" xmlns:p="http://schemas.openxmlformats.org/presentationml/2006/main" mc:Ignorable="mv" mc:PreserveAttributes="mv:*" preserve="1" userDrawn="1">
+<p:sldLayout xmlns:a="http://schemas.openxmlformats.org/drawingml/2006/main" xmlns:r="http://schemas.openxmlformats.org/officeDocument/2006/relationships" xmlns:p="http://schemas.openxmlformats.org/presentationml/2006/main" preserve="1" userDrawn="1">
   <p:cSld name="Title and Single Element">
     <p:spTree>
       <p:nvGrpSpPr>
@@ -11168,7 +11168,7 @@
 </file>
 
 <file path=ppt/slideLayouts/slideLayout3.xml><?xml version="1.0" encoding="utf-8"?>
-<p:sldLayout xmlns:a="http://schemas.openxmlformats.org/drawingml/2006/main" xmlns:r="http://schemas.openxmlformats.org/officeDocument/2006/relationships" xmlns:mc="http://schemas.openxmlformats.org/markup-compatibility/2006" xmlns:mv="urn:schemas-microsoft-com:mac:vml" xmlns:p="http://schemas.openxmlformats.org/presentationml/2006/main" mc:Ignorable="mv" mc:PreserveAttributes="mv:*" preserve="1" userDrawn="1">
+<p:sldLayout xmlns:a="http://schemas.openxmlformats.org/drawingml/2006/main" xmlns:r="http://schemas.openxmlformats.org/officeDocument/2006/relationships" xmlns:p="http://schemas.openxmlformats.org/presentationml/2006/main" preserve="1" userDrawn="1">
   <p:cSld name="Title and Two Element">
     <p:spTree>
       <p:nvGrpSpPr>
@@ -11560,7 +11560,7 @@
 </file>
 
 <file path=ppt/slideLayouts/slideLayout4.xml><?xml version="1.0" encoding="utf-8"?>
-<p:sldLayout xmlns:a="http://schemas.openxmlformats.org/drawingml/2006/main" xmlns:r="http://schemas.openxmlformats.org/officeDocument/2006/relationships" xmlns:mc="http://schemas.openxmlformats.org/markup-compatibility/2006" xmlns:mv="urn:schemas-microsoft-com:mac:vml" xmlns:p="http://schemas.openxmlformats.org/presentationml/2006/main" mc:Ignorable="mv" mc:PreserveAttributes="mv:*" preserve="1" userDrawn="1">
+<p:sldLayout xmlns:a="http://schemas.openxmlformats.org/drawingml/2006/main" xmlns:r="http://schemas.openxmlformats.org/officeDocument/2006/relationships" xmlns:p="http://schemas.openxmlformats.org/presentationml/2006/main" preserve="1" userDrawn="1">
   <p:cSld name="Title Only and Blank">
     <p:spTree>
       <p:nvGrpSpPr>
@@ -11834,7 +11834,7 @@
 </file>
 
 <file path=ppt/slideLayouts/slideLayout5.xml><?xml version="1.0" encoding="utf-8"?>
-<p:sldLayout xmlns:a="http://schemas.openxmlformats.org/drawingml/2006/main" xmlns:r="http://schemas.openxmlformats.org/officeDocument/2006/relationships" xmlns:mc="http://schemas.openxmlformats.org/markup-compatibility/2006" xmlns:mv="urn:schemas-microsoft-com:mac:vml" xmlns:p="http://schemas.openxmlformats.org/presentationml/2006/main" mc:Ignorable="mv" mc:PreserveAttributes="mv:*" userDrawn="1">
+<p:sldLayout xmlns:a="http://schemas.openxmlformats.org/drawingml/2006/main" xmlns:r="http://schemas.openxmlformats.org/officeDocument/2006/relationships" xmlns:p="http://schemas.openxmlformats.org/presentationml/2006/main" userDrawn="1">
   <p:cSld name="Left Text and Right Image">
     <p:spTree>
       <p:nvGrpSpPr>
@@ -12195,7 +12195,7 @@
 </file>
 
 <file path=ppt/slideLayouts/slideLayout6.xml><?xml version="1.0" encoding="utf-8"?>
-<p:sldLayout xmlns:a="http://schemas.openxmlformats.org/drawingml/2006/main" xmlns:r="http://schemas.openxmlformats.org/officeDocument/2006/relationships" xmlns:mc="http://schemas.openxmlformats.org/markup-compatibility/2006" xmlns:mv="urn:schemas-microsoft-com:mac:vml" xmlns:p="http://schemas.openxmlformats.org/presentationml/2006/main" mc:Ignorable="mv" mc:PreserveAttributes="mv:*" preserve="1" userDrawn="1">
+<p:sldLayout xmlns:a="http://schemas.openxmlformats.org/drawingml/2006/main" xmlns:r="http://schemas.openxmlformats.org/officeDocument/2006/relationships" xmlns:p="http://schemas.openxmlformats.org/presentationml/2006/main" preserve="1" userDrawn="1">
   <p:cSld name="Left Image and Right Text">
     <p:spTree>
       <p:nvGrpSpPr>
@@ -12556,7 +12556,7 @@
 </file>
 
 <file path=ppt/slideLayouts/slideLayout7.xml><?xml version="1.0" encoding="utf-8"?>
-<p:sldLayout xmlns:a="http://schemas.openxmlformats.org/drawingml/2006/main" xmlns:r="http://schemas.openxmlformats.org/officeDocument/2006/relationships" xmlns:mc="http://schemas.openxmlformats.org/markup-compatibility/2006" xmlns:mv="urn:schemas-microsoft-com:mac:vml" xmlns:p="http://schemas.openxmlformats.org/presentationml/2006/main" mc:Ignorable="mv" mc:PreserveAttributes="mv:*" preserve="1" userDrawn="1">
+<p:sldLayout xmlns:a="http://schemas.openxmlformats.org/drawingml/2006/main" xmlns:r="http://schemas.openxmlformats.org/officeDocument/2006/relationships" xmlns:p="http://schemas.openxmlformats.org/presentationml/2006/main" preserve="1" userDrawn="1">
   <p:cSld name="Impact Slide - Teal">
     <p:bg>
       <p:bgPr>
@@ -12651,7 +12651,7 @@
 </file>
 
 <file path=ppt/slideLayouts/slideLayout8.xml><?xml version="1.0" encoding="utf-8"?>
-<p:sldLayout xmlns:a="http://schemas.openxmlformats.org/drawingml/2006/main" xmlns:r="http://schemas.openxmlformats.org/officeDocument/2006/relationships" xmlns:mc="http://schemas.openxmlformats.org/markup-compatibility/2006" xmlns:mv="urn:schemas-microsoft-com:mac:vml" xmlns:p="http://schemas.openxmlformats.org/presentationml/2006/main" mc:Ignorable="mv" mc:PreserveAttributes="mv:*" preserve="1" userDrawn="1">
+<p:sldLayout xmlns:a="http://schemas.openxmlformats.org/drawingml/2006/main" xmlns:r="http://schemas.openxmlformats.org/officeDocument/2006/relationships" xmlns:p="http://schemas.openxmlformats.org/presentationml/2006/main" preserve="1" userDrawn="1">
   <p:cSld name="Impact Slide - Green">
     <p:bg>
       <p:bgPr>
@@ -12746,7 +12746,7 @@
 </file>
 
 <file path=ppt/slideLayouts/slideLayout9.xml><?xml version="1.0" encoding="utf-8"?>
-<p:sldLayout xmlns:a="http://schemas.openxmlformats.org/drawingml/2006/main" xmlns:r="http://schemas.openxmlformats.org/officeDocument/2006/relationships" xmlns:mc="http://schemas.openxmlformats.org/markup-compatibility/2006" xmlns:mv="urn:schemas-microsoft-com:mac:vml" xmlns:p="http://schemas.openxmlformats.org/presentationml/2006/main" mc:Ignorable="mv" mc:PreserveAttributes="mv:*" preserve="1" userDrawn="1">
+<p:sldLayout xmlns:a="http://schemas.openxmlformats.org/drawingml/2006/main" xmlns:r="http://schemas.openxmlformats.org/officeDocument/2006/relationships" xmlns:p="http://schemas.openxmlformats.org/presentationml/2006/main" preserve="1" userDrawn="1">
   <p:cSld name="Impact Slide - Orange">
     <p:bg>
       <p:bgPr>
@@ -12841,7 +12841,7 @@
 </file>
 
 <file path=ppt/slideMasters/slideMaster1.xml><?xml version="1.0" encoding="utf-8"?>
-<p:sldMaster xmlns:a="http://schemas.openxmlformats.org/drawingml/2006/main" xmlns:r="http://schemas.openxmlformats.org/officeDocument/2006/relationships" xmlns:mc="http://schemas.openxmlformats.org/markup-compatibility/2006" xmlns:mv="urn:schemas-microsoft-com:mac:vml" xmlns:p="http://schemas.openxmlformats.org/presentationml/2006/main" mc:Ignorable="mv" mc:PreserveAttributes="mv:*">
+<p:sldMaster xmlns:a="http://schemas.openxmlformats.org/drawingml/2006/main" xmlns:r="http://schemas.openxmlformats.org/officeDocument/2006/relationships" xmlns:p="http://schemas.openxmlformats.org/presentationml/2006/main">
   <p:cSld>
     <p:bg>
       <p:bgPr>
@@ -13463,7 +13463,7 @@
 </file>
 
 <file path=ppt/slides/slide1.xml><?xml version="1.0" encoding="utf-8"?>
-<p:sld xmlns:a="http://schemas.openxmlformats.org/drawingml/2006/main" xmlns:r="http://schemas.openxmlformats.org/officeDocument/2006/relationships" xmlns:mc="http://schemas.openxmlformats.org/markup-compatibility/2006" xmlns:mv="urn:schemas-microsoft-com:mac:vml" xmlns:p="http://schemas.openxmlformats.org/presentationml/2006/main" mc:Ignorable="mv" mc:PreserveAttributes="mv:*">
+<p:sld xmlns:a="http://schemas.openxmlformats.org/drawingml/2006/main" xmlns:r="http://schemas.openxmlformats.org/officeDocument/2006/relationships" xmlns:p="http://schemas.openxmlformats.org/presentationml/2006/main">
   <p:cSld>
     <p:spTree>
       <p:nvGrpSpPr>
@@ -13694,7 +13694,7 @@
     </p:spTree>
     <p:extLst>
       <p:ext uri="{BB962C8B-B14F-4D97-AF65-F5344CB8AC3E}">
-        <p14:creationId xmlns:mc="http://schemas.openxmlformats.org/markup-compatibility/2006" xmlns:mv="urn:schemas-microsoft-com:mac:vml" xmlns:p14="http://schemas.microsoft.com/office/powerpoint/2010/main" xmlns:p="http://schemas.openxmlformats.org/presentationml/2006/main" xmlns:r="http://schemas.openxmlformats.org/officeDocument/2006/relationships" xmlns:a="http://schemas.openxmlformats.org/drawingml/2006/main" xmlns="" val="1280264889"/>
+        <p14:creationId xmlns:p14="http://schemas.microsoft.com/office/powerpoint/2010/main" val="1280264889"/>
       </p:ext>
     </p:extLst>
   </p:cSld>
@@ -13704,7 +13704,7 @@
   <p:timing>
     <p:tnLst>
       <p:par>
-        <p:cTn id="1" dur="indefinite" restart="never" nodeType="tmRoot"/>
+        <p:cTn xmlns:p14="http://schemas.microsoft.com/office/powerpoint/2010/main" id="1" dur="indefinite" restart="never" nodeType="tmRoot"/>
       </p:par>
     </p:tnLst>
   </p:timing>
@@ -13712,7 +13712,7 @@
 </file>
 
 <file path=ppt/slides/slide10.xml><?xml version="1.0" encoding="utf-8"?>
-<p:sld xmlns:a="http://schemas.openxmlformats.org/drawingml/2006/main" xmlns:r="http://schemas.openxmlformats.org/officeDocument/2006/relationships" xmlns:mc="http://schemas.openxmlformats.org/markup-compatibility/2006" xmlns:mv="urn:schemas-microsoft-com:mac:vml" xmlns:p="http://schemas.openxmlformats.org/presentationml/2006/main" mc:Ignorable="mv" mc:PreserveAttributes="mv:*">
+<p:sld xmlns:a="http://schemas.openxmlformats.org/drawingml/2006/main" xmlns:r="http://schemas.openxmlformats.org/officeDocument/2006/relationships" xmlns:p="http://schemas.openxmlformats.org/presentationml/2006/main">
   <p:cSld>
     <p:spTree>
       <p:nvGrpSpPr>
@@ -13847,14 +13847,14 @@
           </a:ln>
           <a:extLst>
             <a:ext uri="{909E8E84-426E-40dd-AFC4-6F175D3DCCD1}">
-              <a14:hiddenFill xmlns:mc="http://schemas.openxmlformats.org/markup-compatibility/2006" xmlns:mv="urn:schemas-microsoft-com:mac:vml" xmlns:a14="http://schemas.microsoft.com/office/drawing/2010/main" xmlns:p="http://schemas.openxmlformats.org/presentationml/2006/main" xmlns:r="http://schemas.openxmlformats.org/officeDocument/2006/relationships" xmlns:a="http://schemas.openxmlformats.org/drawingml/2006/main" xmlns="">
+              <a14:hiddenFill xmlns:a14="http://schemas.microsoft.com/office/drawing/2010/main">
                 <a:solidFill>
                   <a:srgbClr val="FFFFFF"/>
                 </a:solidFill>
               </a14:hiddenFill>
             </a:ext>
             <a:ext uri="{91240B29-F687-4f45-9708-019B960494DF}">
-              <a14:hiddenLine xmlns:mc="http://schemas.openxmlformats.org/markup-compatibility/2006" xmlns:mv="urn:schemas-microsoft-com:mac:vml" xmlns:a14="http://schemas.microsoft.com/office/drawing/2010/main" xmlns:p="http://schemas.openxmlformats.org/presentationml/2006/main" xmlns:r="http://schemas.openxmlformats.org/officeDocument/2006/relationships" xmlns:a="http://schemas.openxmlformats.org/drawingml/2006/main" xmlns="" w="9525">
+              <a14:hiddenLine xmlns:a14="http://schemas.microsoft.com/office/drawing/2010/main" w="9525">
                 <a:solidFill>
                   <a:srgbClr val="000000"/>
                 </a:solidFill>
@@ -13996,7 +13996,7 @@
     </p:spTree>
     <p:extLst>
       <p:ext uri="{BB962C8B-B14F-4D97-AF65-F5344CB8AC3E}">
-        <p14:creationId xmlns:mc="http://schemas.openxmlformats.org/markup-compatibility/2006" xmlns:mv="urn:schemas-microsoft-com:mac:vml" xmlns:p14="http://schemas.microsoft.com/office/powerpoint/2010/main" xmlns:p="http://schemas.openxmlformats.org/presentationml/2006/main" xmlns:r="http://schemas.openxmlformats.org/officeDocument/2006/relationships" xmlns:a="http://schemas.openxmlformats.org/drawingml/2006/main" xmlns="" val="544640343"/>
+        <p14:creationId xmlns:p14="http://schemas.microsoft.com/office/powerpoint/2010/main" val="544640343"/>
       </p:ext>
     </p:extLst>
   </p:cSld>
@@ -14006,7 +14006,7 @@
   <p:timing>
     <p:tnLst>
       <p:par>
-        <p:cTn id="1" dur="indefinite" restart="never" nodeType="tmRoot"/>
+        <p:cTn xmlns:p14="http://schemas.microsoft.com/office/powerpoint/2010/main" id="1" dur="indefinite" restart="never" nodeType="tmRoot"/>
       </p:par>
     </p:tnLst>
   </p:timing>
@@ -14014,7 +14014,7 @@
 </file>
 
 <file path=ppt/slides/slide11.xml><?xml version="1.0" encoding="utf-8"?>
-<p:sld xmlns:a="http://schemas.openxmlformats.org/drawingml/2006/main" xmlns:r="http://schemas.openxmlformats.org/officeDocument/2006/relationships" xmlns:mc="http://schemas.openxmlformats.org/markup-compatibility/2006" xmlns:mv="urn:schemas-microsoft-com:mac:vml" xmlns:p="http://schemas.openxmlformats.org/presentationml/2006/main" mc:Ignorable="mv" mc:PreserveAttributes="mv:*">
+<p:sld xmlns:a="http://schemas.openxmlformats.org/drawingml/2006/main" xmlns:r="http://schemas.openxmlformats.org/officeDocument/2006/relationships" xmlns:p="http://schemas.openxmlformats.org/presentationml/2006/main">
   <p:cSld>
     <p:spTree>
       <p:nvGrpSpPr>
@@ -14094,20 +14094,20 @@
     </p:spTree>
     <p:extLst>
       <p:ext uri="{BB962C8B-B14F-4D97-AF65-F5344CB8AC3E}">
-        <p14:creationId xmlns:mc="http://schemas.openxmlformats.org/markup-compatibility/2006" xmlns:mv="urn:schemas-microsoft-com:mac:vml" xmlns:p14="http://schemas.microsoft.com/office/powerpoint/2010/main" xmlns:p="http://schemas.openxmlformats.org/presentationml/2006/main" xmlns:r="http://schemas.openxmlformats.org/officeDocument/2006/relationships" xmlns:a="http://schemas.openxmlformats.org/drawingml/2006/main" xmlns="" val="1259026477"/>
+        <p14:creationId xmlns:p14="http://schemas.microsoft.com/office/powerpoint/2010/main" val="1259026477"/>
       </p:ext>
     </p:extLst>
   </p:cSld>
   <p:clrMapOvr>
     <a:masterClrMapping/>
   </p:clrMapOvr>
-  <p:transition spd="med">
+  <p:transition xmlns:p14="http://schemas.microsoft.com/office/powerpoint/2010/main" spd="med">
     <p:fade/>
   </p:transition>
   <p:timing>
     <p:tnLst>
       <p:par>
-        <p:cTn id="1" dur="indefinite" restart="never" nodeType="tmRoot"/>
+        <p:cTn xmlns:p14="http://schemas.microsoft.com/office/powerpoint/2010/main" id="1" dur="indefinite" restart="never" nodeType="tmRoot"/>
       </p:par>
     </p:tnLst>
   </p:timing>
@@ -14115,7 +14115,7 @@
 </file>
 
 <file path=ppt/slides/slide12.xml><?xml version="1.0" encoding="utf-8"?>
-<p:sld xmlns:a="http://schemas.openxmlformats.org/drawingml/2006/main" xmlns:r="http://schemas.openxmlformats.org/officeDocument/2006/relationships" xmlns:mc="http://schemas.openxmlformats.org/markup-compatibility/2006" xmlns:mv="urn:schemas-microsoft-com:mac:vml" xmlns:p="http://schemas.openxmlformats.org/presentationml/2006/main" mc:Ignorable="mv" mc:PreserveAttributes="mv:*">
+<p:sld xmlns:a="http://schemas.openxmlformats.org/drawingml/2006/main" xmlns:r="http://schemas.openxmlformats.org/officeDocument/2006/relationships" xmlns:p="http://schemas.openxmlformats.org/presentationml/2006/main">
   <p:cSld>
     <p:spTree>
       <p:nvGrpSpPr>
@@ -14325,7 +14325,7 @@
     </p:spTree>
     <p:extLst>
       <p:ext uri="{BB962C8B-B14F-4D97-AF65-F5344CB8AC3E}">
-        <p14:creationId xmlns:mc="http://schemas.openxmlformats.org/markup-compatibility/2006" xmlns:mv="urn:schemas-microsoft-com:mac:vml" xmlns:p14="http://schemas.microsoft.com/office/powerpoint/2010/main" xmlns:p="http://schemas.openxmlformats.org/presentationml/2006/main" xmlns:r="http://schemas.openxmlformats.org/officeDocument/2006/relationships" xmlns:a="http://schemas.openxmlformats.org/drawingml/2006/main" xmlns="" val="1512235387"/>
+        <p14:creationId xmlns:p14="http://schemas.microsoft.com/office/powerpoint/2010/main" val="1512235387"/>
       </p:ext>
     </p:extLst>
   </p:cSld>
@@ -14335,7 +14335,7 @@
   <p:timing>
     <p:tnLst>
       <p:par>
-        <p:cTn id="1" dur="indefinite" restart="never" nodeType="tmRoot"/>
+        <p:cTn xmlns:p14="http://schemas.microsoft.com/office/powerpoint/2010/main" id="1" dur="indefinite" restart="never" nodeType="tmRoot"/>
       </p:par>
     </p:tnLst>
   </p:timing>
@@ -14343,7 +14343,7 @@
 </file>
 
 <file path=ppt/slides/slide13.xml><?xml version="1.0" encoding="utf-8"?>
-<p:sld xmlns:a="http://schemas.openxmlformats.org/drawingml/2006/main" xmlns:r="http://schemas.openxmlformats.org/officeDocument/2006/relationships" xmlns:mc="http://schemas.openxmlformats.org/markup-compatibility/2006" xmlns:mv="urn:schemas-microsoft-com:mac:vml" xmlns:p="http://schemas.openxmlformats.org/presentationml/2006/main" mc:Ignorable="mv" mc:PreserveAttributes="mv:*">
+<p:sld xmlns:a="http://schemas.openxmlformats.org/drawingml/2006/main" xmlns:r="http://schemas.openxmlformats.org/officeDocument/2006/relationships" xmlns:p="http://schemas.openxmlformats.org/presentationml/2006/main">
   <p:cSld>
     <p:spTree>
       <p:nvGrpSpPr>
@@ -14503,7 +14503,7 @@
     </p:spTree>
     <p:extLst>
       <p:ext uri="{BB962C8B-B14F-4D97-AF65-F5344CB8AC3E}">
-        <p14:creationId xmlns:mc="http://schemas.openxmlformats.org/markup-compatibility/2006" xmlns:mv="urn:schemas-microsoft-com:mac:vml" xmlns:p14="http://schemas.microsoft.com/office/powerpoint/2010/main" xmlns:p="http://schemas.openxmlformats.org/presentationml/2006/main" xmlns:r="http://schemas.openxmlformats.org/officeDocument/2006/relationships" xmlns:a="http://schemas.openxmlformats.org/drawingml/2006/main" xmlns="" val="1267890456"/>
+        <p14:creationId xmlns:p14="http://schemas.microsoft.com/office/powerpoint/2010/main" val="1267890456"/>
       </p:ext>
     </p:extLst>
   </p:cSld>
@@ -14513,7 +14513,7 @@
   <p:timing>
     <p:tnLst>
       <p:par>
-        <p:cTn id="1" dur="indefinite" restart="never" nodeType="tmRoot"/>
+        <p:cTn xmlns:p14="http://schemas.microsoft.com/office/powerpoint/2010/main" id="1" dur="indefinite" restart="never" nodeType="tmRoot"/>
       </p:par>
     </p:tnLst>
   </p:timing>
@@ -14521,7 +14521,7 @@
 </file>
 
 <file path=ppt/slides/slide14.xml><?xml version="1.0" encoding="utf-8"?>
-<p:sld xmlns:a="http://schemas.openxmlformats.org/drawingml/2006/main" xmlns:r="http://schemas.openxmlformats.org/officeDocument/2006/relationships" xmlns:mc="http://schemas.openxmlformats.org/markup-compatibility/2006" xmlns:mv="urn:schemas-microsoft-com:mac:vml" xmlns:p="http://schemas.openxmlformats.org/presentationml/2006/main" mc:Ignorable="mv" mc:PreserveAttributes="mv:*">
+<p:sld xmlns:a="http://schemas.openxmlformats.org/drawingml/2006/main" xmlns:r="http://schemas.openxmlformats.org/officeDocument/2006/relationships" xmlns:p="http://schemas.openxmlformats.org/presentationml/2006/main">
   <p:cSld>
     <p:spTree>
       <p:nvGrpSpPr>
@@ -14653,7 +14653,7 @@
           <a:blip r:embed="rId3">
             <a:extLst>
               <a:ext uri="{28A0092B-C50C-407E-A947-70E740481C1C}">
-                <a14:useLocalDpi xmlns:mc="http://schemas.openxmlformats.org/markup-compatibility/2006" xmlns:mv="urn:schemas-microsoft-com:mac:vml" xmlns:a14="http://schemas.microsoft.com/office/drawing/2010/main" xmlns:p="http://schemas.openxmlformats.org/presentationml/2006/main" xmlns:r="http://schemas.openxmlformats.org/officeDocument/2006/relationships" xmlns:a="http://schemas.openxmlformats.org/drawingml/2006/main" xmlns="" val="0"/>
+                <a14:useLocalDpi xmlns:a14="http://schemas.microsoft.com/office/drawing/2010/main" val="0"/>
               </a:ext>
             </a:extLst>
           </a:blip>
@@ -14674,7 +14674,7 @@
     </p:spTree>
     <p:extLst>
       <p:ext uri="{BB962C8B-B14F-4D97-AF65-F5344CB8AC3E}">
-        <p14:creationId xmlns:mc="http://schemas.openxmlformats.org/markup-compatibility/2006" xmlns:mv="urn:schemas-microsoft-com:mac:vml" xmlns:p14="http://schemas.microsoft.com/office/powerpoint/2010/main" xmlns:p="http://schemas.openxmlformats.org/presentationml/2006/main" xmlns:r="http://schemas.openxmlformats.org/officeDocument/2006/relationships" xmlns:a="http://schemas.openxmlformats.org/drawingml/2006/main" xmlns="" val="2480649215"/>
+        <p14:creationId xmlns:p14="http://schemas.microsoft.com/office/powerpoint/2010/main" val="2480649215"/>
       </p:ext>
     </p:extLst>
   </p:cSld>
@@ -14684,7 +14684,7 @@
   <p:timing>
     <p:tnLst>
       <p:par>
-        <p:cTn id="1" dur="indefinite" restart="never" nodeType="tmRoot"/>
+        <p:cTn xmlns:p14="http://schemas.microsoft.com/office/powerpoint/2010/main" id="1" dur="indefinite" restart="never" nodeType="tmRoot"/>
       </p:par>
     </p:tnLst>
   </p:timing>
@@ -14692,7 +14692,7 @@
 </file>
 
 <file path=ppt/slides/slide15.xml><?xml version="1.0" encoding="utf-8"?>
-<p:sld xmlns:a="http://schemas.openxmlformats.org/drawingml/2006/main" xmlns:r="http://schemas.openxmlformats.org/officeDocument/2006/relationships" xmlns:mc="http://schemas.openxmlformats.org/markup-compatibility/2006" xmlns:mv="urn:schemas-microsoft-com:mac:vml" xmlns:p="http://schemas.openxmlformats.org/presentationml/2006/main" mc:Ignorable="mv" mc:PreserveAttributes="mv:*">
+<p:sld xmlns:a="http://schemas.openxmlformats.org/drawingml/2006/main" xmlns:r="http://schemas.openxmlformats.org/officeDocument/2006/relationships" xmlns:p="http://schemas.openxmlformats.org/presentationml/2006/main">
   <p:cSld>
     <p:spTree>
       <p:nvGrpSpPr>
@@ -14772,20 +14772,20 @@
     </p:spTree>
     <p:extLst>
       <p:ext uri="{BB962C8B-B14F-4D97-AF65-F5344CB8AC3E}">
-        <p14:creationId xmlns:mc="http://schemas.openxmlformats.org/markup-compatibility/2006" xmlns:mv="urn:schemas-microsoft-com:mac:vml" xmlns:p14="http://schemas.microsoft.com/office/powerpoint/2010/main" xmlns:p="http://schemas.openxmlformats.org/presentationml/2006/main" xmlns:r="http://schemas.openxmlformats.org/officeDocument/2006/relationships" xmlns:a="http://schemas.openxmlformats.org/drawingml/2006/main" xmlns="" val="116788606"/>
+        <p14:creationId xmlns:p14="http://schemas.microsoft.com/office/powerpoint/2010/main" val="116788606"/>
       </p:ext>
     </p:extLst>
   </p:cSld>
   <p:clrMapOvr>
     <a:masterClrMapping/>
   </p:clrMapOvr>
-  <p:transition spd="med">
+  <p:transition xmlns:p14="http://schemas.microsoft.com/office/powerpoint/2010/main" spd="med">
     <p:fade/>
   </p:transition>
   <p:timing>
     <p:tnLst>
       <p:par>
-        <p:cTn id="1" dur="indefinite" restart="never" nodeType="tmRoot"/>
+        <p:cTn xmlns:p14="http://schemas.microsoft.com/office/powerpoint/2010/main" id="1" dur="indefinite" restart="never" nodeType="tmRoot"/>
       </p:par>
     </p:tnLst>
   </p:timing>
@@ -14793,7 +14793,7 @@
 </file>
 
 <file path=ppt/slides/slide16.xml><?xml version="1.0" encoding="utf-8"?>
-<p:sld xmlns:a="http://schemas.openxmlformats.org/drawingml/2006/main" xmlns:r="http://schemas.openxmlformats.org/officeDocument/2006/relationships" xmlns:mc="http://schemas.openxmlformats.org/markup-compatibility/2006" xmlns:mv="urn:schemas-microsoft-com:mac:vml" xmlns:p="http://schemas.openxmlformats.org/presentationml/2006/main" mc:Ignorable="mv" mc:PreserveAttributes="mv:*">
+<p:sld xmlns:a="http://schemas.openxmlformats.org/drawingml/2006/main" xmlns:r="http://schemas.openxmlformats.org/officeDocument/2006/relationships" xmlns:p="http://schemas.openxmlformats.org/presentationml/2006/main">
   <p:cSld>
     <p:spTree>
       <p:nvGrpSpPr>
@@ -14957,14 +14957,14 @@
           </a:ln>
           <a:extLst>
             <a:ext uri="{909E8E84-426E-40dd-AFC4-6F175D3DCCD1}">
-              <a14:hiddenFill xmlns:mc="http://schemas.openxmlformats.org/markup-compatibility/2006" xmlns:mv="urn:schemas-microsoft-com:mac:vml" xmlns:a14="http://schemas.microsoft.com/office/drawing/2010/main" xmlns:p="http://schemas.openxmlformats.org/presentationml/2006/main" xmlns:r="http://schemas.openxmlformats.org/officeDocument/2006/relationships" xmlns:a="http://schemas.openxmlformats.org/drawingml/2006/main" xmlns="">
+              <a14:hiddenFill xmlns:a14="http://schemas.microsoft.com/office/drawing/2010/main">
                 <a:solidFill>
                   <a:srgbClr val="FFFFFF"/>
                 </a:solidFill>
               </a14:hiddenFill>
             </a:ext>
             <a:ext uri="{91240B29-F687-4f45-9708-019B960494DF}">
-              <a14:hiddenLine xmlns:mc="http://schemas.openxmlformats.org/markup-compatibility/2006" xmlns:mv="urn:schemas-microsoft-com:mac:vml" xmlns:a14="http://schemas.microsoft.com/office/drawing/2010/main" xmlns:p="http://schemas.openxmlformats.org/presentationml/2006/main" xmlns:r="http://schemas.openxmlformats.org/officeDocument/2006/relationships" xmlns:a="http://schemas.openxmlformats.org/drawingml/2006/main" xmlns="" w="9525">
+              <a14:hiddenLine xmlns:a14="http://schemas.microsoft.com/office/drawing/2010/main" w="9525">
                 <a:solidFill>
                   <a:srgbClr val="000000"/>
                 </a:solidFill>
@@ -15106,7 +15106,7 @@
     </p:spTree>
     <p:extLst>
       <p:ext uri="{BB962C8B-B14F-4D97-AF65-F5344CB8AC3E}">
-        <p14:creationId xmlns:mc="http://schemas.openxmlformats.org/markup-compatibility/2006" xmlns:mv="urn:schemas-microsoft-com:mac:vml" xmlns:p14="http://schemas.microsoft.com/office/powerpoint/2010/main" xmlns:p="http://schemas.openxmlformats.org/presentationml/2006/main" xmlns:r="http://schemas.openxmlformats.org/officeDocument/2006/relationships" xmlns:a="http://schemas.openxmlformats.org/drawingml/2006/main" xmlns="" val="2057563845"/>
+        <p14:creationId xmlns:p14="http://schemas.microsoft.com/office/powerpoint/2010/main" val="2057563845"/>
       </p:ext>
     </p:extLst>
   </p:cSld>
@@ -15116,7 +15116,7 @@
   <p:timing>
     <p:tnLst>
       <p:par>
-        <p:cTn id="1" dur="indefinite" restart="never" nodeType="tmRoot"/>
+        <p:cTn xmlns:p14="http://schemas.microsoft.com/office/powerpoint/2010/main" id="1" dur="indefinite" restart="never" nodeType="tmRoot"/>
       </p:par>
     </p:tnLst>
   </p:timing>
@@ -15124,7 +15124,7 @@
 </file>
 
 <file path=ppt/slides/slide17.xml><?xml version="1.0" encoding="utf-8"?>
-<p:sld xmlns:a="http://schemas.openxmlformats.org/drawingml/2006/main" xmlns:r="http://schemas.openxmlformats.org/officeDocument/2006/relationships" xmlns:mc="http://schemas.openxmlformats.org/markup-compatibility/2006" xmlns:mv="urn:schemas-microsoft-com:mac:vml" xmlns:p="http://schemas.openxmlformats.org/presentationml/2006/main" mc:Ignorable="mv" mc:PreserveAttributes="mv:*">
+<p:sld xmlns:a="http://schemas.openxmlformats.org/drawingml/2006/main" xmlns:r="http://schemas.openxmlformats.org/officeDocument/2006/relationships" xmlns:p="http://schemas.openxmlformats.org/presentationml/2006/main">
   <p:cSld>
     <p:spTree>
       <p:nvGrpSpPr>
@@ -15250,14 +15250,14 @@
           </a:ln>
           <a:extLst>
             <a:ext uri="{909E8E84-426E-40dd-AFC4-6F175D3DCCD1}">
-              <a14:hiddenFill xmlns:mc="http://schemas.openxmlformats.org/markup-compatibility/2006" xmlns:mv="urn:schemas-microsoft-com:mac:vml" xmlns:a14="http://schemas.microsoft.com/office/drawing/2010/main" xmlns:p="http://schemas.openxmlformats.org/presentationml/2006/main" xmlns:r="http://schemas.openxmlformats.org/officeDocument/2006/relationships" xmlns:a="http://schemas.openxmlformats.org/drawingml/2006/main" xmlns="">
+              <a14:hiddenFill xmlns:a14="http://schemas.microsoft.com/office/drawing/2010/main">
                 <a:solidFill>
                   <a:srgbClr val="FFFFFF"/>
                 </a:solidFill>
               </a14:hiddenFill>
             </a:ext>
             <a:ext uri="{91240B29-F687-4f45-9708-019B960494DF}">
-              <a14:hiddenLine xmlns:mc="http://schemas.openxmlformats.org/markup-compatibility/2006" xmlns:mv="urn:schemas-microsoft-com:mac:vml" xmlns:a14="http://schemas.microsoft.com/office/drawing/2010/main" xmlns:p="http://schemas.openxmlformats.org/presentationml/2006/main" xmlns:r="http://schemas.openxmlformats.org/officeDocument/2006/relationships" xmlns:a="http://schemas.openxmlformats.org/drawingml/2006/main" xmlns="" w="9525">
+              <a14:hiddenLine xmlns:a14="http://schemas.microsoft.com/office/drawing/2010/main" w="9525">
                 <a:solidFill>
                   <a:srgbClr val="000000"/>
                 </a:solidFill>
@@ -15399,7 +15399,7 @@
     </p:spTree>
     <p:extLst>
       <p:ext uri="{BB962C8B-B14F-4D97-AF65-F5344CB8AC3E}">
-        <p14:creationId xmlns:mc="http://schemas.openxmlformats.org/markup-compatibility/2006" xmlns:mv="urn:schemas-microsoft-com:mac:vml" xmlns:p14="http://schemas.microsoft.com/office/powerpoint/2010/main" xmlns:p="http://schemas.openxmlformats.org/presentationml/2006/main" xmlns:r="http://schemas.openxmlformats.org/officeDocument/2006/relationships" xmlns:a="http://schemas.openxmlformats.org/drawingml/2006/main" xmlns="" val="263471095"/>
+        <p14:creationId xmlns:p14="http://schemas.microsoft.com/office/powerpoint/2010/main" val="263471095"/>
       </p:ext>
     </p:extLst>
   </p:cSld>
@@ -15409,7 +15409,7 @@
   <p:timing>
     <p:tnLst>
       <p:par>
-        <p:cTn id="1" dur="indefinite" restart="never" nodeType="tmRoot"/>
+        <p:cTn xmlns:p14="http://schemas.microsoft.com/office/powerpoint/2010/main" id="1" dur="indefinite" restart="never" nodeType="tmRoot"/>
       </p:par>
     </p:tnLst>
   </p:timing>
@@ -15417,7 +15417,7 @@
 </file>
 
 <file path=ppt/slides/slide18.xml><?xml version="1.0" encoding="utf-8"?>
-<p:sld xmlns:a="http://schemas.openxmlformats.org/drawingml/2006/main" xmlns:r="http://schemas.openxmlformats.org/officeDocument/2006/relationships" xmlns:mc="http://schemas.openxmlformats.org/markup-compatibility/2006" xmlns:mv="urn:schemas-microsoft-com:mac:vml" xmlns:p="http://schemas.openxmlformats.org/presentationml/2006/main" mc:Ignorable="mv" mc:PreserveAttributes="mv:*">
+<p:sld xmlns:a="http://schemas.openxmlformats.org/drawingml/2006/main" xmlns:r="http://schemas.openxmlformats.org/officeDocument/2006/relationships" xmlns:p="http://schemas.openxmlformats.org/presentationml/2006/main">
   <p:cSld>
     <p:spTree>
       <p:nvGrpSpPr>
@@ -15523,14 +15523,14 @@
           </a:ln>
           <a:extLst>
             <a:ext uri="{909E8E84-426E-40dd-AFC4-6F175D3DCCD1}">
-              <a14:hiddenFill xmlns:mc="http://schemas.openxmlformats.org/markup-compatibility/2006" xmlns:mv="urn:schemas-microsoft-com:mac:vml" xmlns:a14="http://schemas.microsoft.com/office/drawing/2010/main" xmlns:p="http://schemas.openxmlformats.org/presentationml/2006/main" xmlns:r="http://schemas.openxmlformats.org/officeDocument/2006/relationships" xmlns:a="http://schemas.openxmlformats.org/drawingml/2006/main" xmlns="">
+              <a14:hiddenFill xmlns:a14="http://schemas.microsoft.com/office/drawing/2010/main">
                 <a:solidFill>
                   <a:srgbClr val="FFFFFF"/>
                 </a:solidFill>
               </a14:hiddenFill>
             </a:ext>
             <a:ext uri="{91240B29-F687-4f45-9708-019B960494DF}">
-              <a14:hiddenLine xmlns:mc="http://schemas.openxmlformats.org/markup-compatibility/2006" xmlns:mv="urn:schemas-microsoft-com:mac:vml" xmlns:a14="http://schemas.microsoft.com/office/drawing/2010/main" xmlns:p="http://schemas.openxmlformats.org/presentationml/2006/main" xmlns:r="http://schemas.openxmlformats.org/officeDocument/2006/relationships" xmlns:a="http://schemas.openxmlformats.org/drawingml/2006/main" xmlns="" w="9525">
+              <a14:hiddenLine xmlns:a14="http://schemas.microsoft.com/office/drawing/2010/main" w="9525">
                 <a:solidFill>
                   <a:srgbClr val="000000"/>
                 </a:solidFill>
@@ -15672,7 +15672,7 @@
     </p:spTree>
     <p:extLst>
       <p:ext uri="{BB962C8B-B14F-4D97-AF65-F5344CB8AC3E}">
-        <p14:creationId xmlns:mc="http://schemas.openxmlformats.org/markup-compatibility/2006" xmlns:mv="urn:schemas-microsoft-com:mac:vml" xmlns:p14="http://schemas.microsoft.com/office/powerpoint/2010/main" xmlns:p="http://schemas.openxmlformats.org/presentationml/2006/main" xmlns:r="http://schemas.openxmlformats.org/officeDocument/2006/relationships" xmlns:a="http://schemas.openxmlformats.org/drawingml/2006/main" xmlns="" val="2026408088"/>
+        <p14:creationId xmlns:p14="http://schemas.microsoft.com/office/powerpoint/2010/main" val="2026408088"/>
       </p:ext>
     </p:extLst>
   </p:cSld>
@@ -15682,7 +15682,7 @@
   <p:timing>
     <p:tnLst>
       <p:par>
-        <p:cTn id="1" dur="indefinite" restart="never" nodeType="tmRoot"/>
+        <p:cTn xmlns:p14="http://schemas.microsoft.com/office/powerpoint/2010/main" id="1" dur="indefinite" restart="never" nodeType="tmRoot"/>
       </p:par>
     </p:tnLst>
   </p:timing>
@@ -15690,7 +15690,7 @@
 </file>
 
 <file path=ppt/slides/slide19.xml><?xml version="1.0" encoding="utf-8"?>
-<p:sld xmlns:a="http://schemas.openxmlformats.org/drawingml/2006/main" xmlns:r="http://schemas.openxmlformats.org/officeDocument/2006/relationships" xmlns:mc="http://schemas.openxmlformats.org/markup-compatibility/2006" xmlns:mv="urn:schemas-microsoft-com:mac:vml" xmlns:p="http://schemas.openxmlformats.org/presentationml/2006/main" mc:Ignorable="mv" mc:PreserveAttributes="mv:*">
+<p:sld xmlns:a="http://schemas.openxmlformats.org/drawingml/2006/main" xmlns:r="http://schemas.openxmlformats.org/officeDocument/2006/relationships" xmlns:p="http://schemas.openxmlformats.org/presentationml/2006/main">
   <p:cSld>
     <p:spTree>
       <p:nvGrpSpPr>
@@ -15728,14 +15728,14 @@
           </a:ln>
           <a:extLst>
             <a:ext uri="{909E8E84-426E-40dd-AFC4-6F175D3DCCD1}">
-              <a14:hiddenFill xmlns:mc="http://schemas.openxmlformats.org/markup-compatibility/2006" xmlns:mv="urn:schemas-microsoft-com:mac:vml" xmlns:a14="http://schemas.microsoft.com/office/drawing/2010/main" xmlns:p="http://schemas.openxmlformats.org/presentationml/2006/main" xmlns:r="http://schemas.openxmlformats.org/officeDocument/2006/relationships" xmlns:a="http://schemas.openxmlformats.org/drawingml/2006/main" xmlns="">
+              <a14:hiddenFill xmlns:a14="http://schemas.microsoft.com/office/drawing/2010/main">
                 <a:solidFill>
                   <a:srgbClr val="FFFFFF"/>
                 </a:solidFill>
               </a14:hiddenFill>
             </a:ext>
             <a:ext uri="{91240B29-F687-4f45-9708-019B960494DF}">
-              <a14:hiddenLine xmlns:mc="http://schemas.openxmlformats.org/markup-compatibility/2006" xmlns:mv="urn:schemas-microsoft-com:mac:vml" xmlns:a14="http://schemas.microsoft.com/office/drawing/2010/main" xmlns:p="http://schemas.openxmlformats.org/presentationml/2006/main" xmlns:r="http://schemas.openxmlformats.org/officeDocument/2006/relationships" xmlns:a="http://schemas.openxmlformats.org/drawingml/2006/main" xmlns="" w="9525">
+              <a14:hiddenLine xmlns:a14="http://schemas.microsoft.com/office/drawing/2010/main" w="9525">
                 <a:solidFill>
                   <a:srgbClr val="000000"/>
                 </a:solidFill>
@@ -16452,14 +16452,14 @@
           </a:ln>
           <a:extLst>
             <a:ext uri="{909E8E84-426E-40dd-AFC4-6F175D3DCCD1}">
-              <a14:hiddenFill xmlns:mc="http://schemas.openxmlformats.org/markup-compatibility/2006" xmlns:mv="urn:schemas-microsoft-com:mac:vml" xmlns:a14="http://schemas.microsoft.com/office/drawing/2010/main" xmlns:p="http://schemas.openxmlformats.org/presentationml/2006/main" xmlns:r="http://schemas.openxmlformats.org/officeDocument/2006/relationships" xmlns:a="http://schemas.openxmlformats.org/drawingml/2006/main" xmlns="">
+              <a14:hiddenFill xmlns:a14="http://schemas.microsoft.com/office/drawing/2010/main">
                 <a:solidFill>
                   <a:srgbClr val="FFFFFF"/>
                 </a:solidFill>
               </a14:hiddenFill>
             </a:ext>
             <a:ext uri="{91240B29-F687-4f45-9708-019B960494DF}">
-              <a14:hiddenLine xmlns:mc="http://schemas.openxmlformats.org/markup-compatibility/2006" xmlns:mv="urn:schemas-microsoft-com:mac:vml" xmlns:a14="http://schemas.microsoft.com/office/drawing/2010/main" xmlns:p="http://schemas.openxmlformats.org/presentationml/2006/main" xmlns:r="http://schemas.openxmlformats.org/officeDocument/2006/relationships" xmlns:a="http://schemas.openxmlformats.org/drawingml/2006/main" xmlns="" w="9525">
+              <a14:hiddenLine xmlns:a14="http://schemas.microsoft.com/office/drawing/2010/main" w="9525">
                 <a:solidFill>
                   <a:srgbClr val="000000"/>
                 </a:solidFill>
@@ -16494,20 +16494,20 @@
     </p:spTree>
     <p:extLst>
       <p:ext uri="{BB962C8B-B14F-4D97-AF65-F5344CB8AC3E}">
-        <p14:creationId xmlns:mc="http://schemas.openxmlformats.org/markup-compatibility/2006" xmlns:mv="urn:schemas-microsoft-com:mac:vml" xmlns:p14="http://schemas.microsoft.com/office/powerpoint/2010/main" xmlns:p="http://schemas.openxmlformats.org/presentationml/2006/main" xmlns:r="http://schemas.openxmlformats.org/officeDocument/2006/relationships" xmlns:a="http://schemas.openxmlformats.org/drawingml/2006/main" xmlns="" val="3617493603"/>
+        <p14:creationId xmlns:p14="http://schemas.microsoft.com/office/powerpoint/2010/main" val="3617493603"/>
       </p:ext>
     </p:extLst>
   </p:cSld>
   <p:clrMapOvr>
     <a:masterClrMapping/>
   </p:clrMapOvr>
-  <p:transition>
+  <p:transition xmlns:p14="http://schemas.microsoft.com/office/powerpoint/2010/main">
     <p:fade/>
   </p:transition>
   <p:timing>
     <p:tnLst>
       <p:par>
-        <p:cTn id="1" dur="indefinite" restart="never" nodeType="tmRoot">
+        <p:cTn xmlns:p14="http://schemas.microsoft.com/office/powerpoint/2010/main" id="1" dur="indefinite" restart="never" nodeType="tmRoot">
           <p:childTnLst>
             <p:seq concurrent="1" nextAc="seek">
               <p:cTn id="2" dur="indefinite" nodeType="mainSeq">
@@ -16591,7 +16591,7 @@
 </file>
 
 <file path=ppt/slides/slide2.xml><?xml version="1.0" encoding="utf-8"?>
-<p:sld xmlns:a="http://schemas.openxmlformats.org/drawingml/2006/main" xmlns:r="http://schemas.openxmlformats.org/officeDocument/2006/relationships" xmlns:mc="http://schemas.openxmlformats.org/markup-compatibility/2006" xmlns:mv="urn:schemas-microsoft-com:mac:vml" xmlns:p="http://schemas.openxmlformats.org/presentationml/2006/main" mc:Ignorable="mv" mc:PreserveAttributes="mv:*">
+<p:sld xmlns:a="http://schemas.openxmlformats.org/drawingml/2006/main" xmlns:r="http://schemas.openxmlformats.org/officeDocument/2006/relationships" xmlns:p="http://schemas.openxmlformats.org/presentationml/2006/main">
   <p:cSld>
     <p:spTree>
       <p:nvGrpSpPr>
@@ -16747,14 +16747,14 @@
           </a:ln>
           <a:extLst>
             <a:ext uri="{909E8E84-426E-40dd-AFC4-6F175D3DCCD1}">
-              <a14:hiddenFill xmlns:mc="http://schemas.openxmlformats.org/markup-compatibility/2006" xmlns:mv="urn:schemas-microsoft-com:mac:vml" xmlns:a14="http://schemas.microsoft.com/office/drawing/2010/main" xmlns:p="http://schemas.openxmlformats.org/presentationml/2006/main" xmlns:r="http://schemas.openxmlformats.org/officeDocument/2006/relationships" xmlns:a="http://schemas.openxmlformats.org/drawingml/2006/main" xmlns="">
+              <a14:hiddenFill xmlns:a14="http://schemas.microsoft.com/office/drawing/2010/main">
                 <a:solidFill>
                   <a:srgbClr val="FFFFFF"/>
                 </a:solidFill>
               </a14:hiddenFill>
             </a:ext>
             <a:ext uri="{91240B29-F687-4f45-9708-019B960494DF}">
-              <a14:hiddenLine xmlns:mc="http://schemas.openxmlformats.org/markup-compatibility/2006" xmlns:mv="urn:schemas-microsoft-com:mac:vml" xmlns:a14="http://schemas.microsoft.com/office/drawing/2010/main" xmlns:p="http://schemas.openxmlformats.org/presentationml/2006/main" xmlns:r="http://schemas.openxmlformats.org/officeDocument/2006/relationships" xmlns:a="http://schemas.openxmlformats.org/drawingml/2006/main" xmlns="" w="9525">
+              <a14:hiddenLine xmlns:a14="http://schemas.microsoft.com/office/drawing/2010/main" w="9525">
                 <a:solidFill>
                   <a:srgbClr val="000000"/>
                 </a:solidFill>
@@ -16896,7 +16896,7 @@
     </p:spTree>
     <p:extLst>
       <p:ext uri="{BB962C8B-B14F-4D97-AF65-F5344CB8AC3E}">
-        <p14:creationId xmlns:mc="http://schemas.openxmlformats.org/markup-compatibility/2006" xmlns:mv="urn:schemas-microsoft-com:mac:vml" xmlns:p14="http://schemas.microsoft.com/office/powerpoint/2010/main" xmlns:p="http://schemas.openxmlformats.org/presentationml/2006/main" xmlns:r="http://schemas.openxmlformats.org/officeDocument/2006/relationships" xmlns:a="http://schemas.openxmlformats.org/drawingml/2006/main" xmlns="" val="4226722249"/>
+        <p14:creationId xmlns:p14="http://schemas.microsoft.com/office/powerpoint/2010/main" val="4226722249"/>
       </p:ext>
     </p:extLst>
   </p:cSld>
@@ -16906,7 +16906,7 @@
   <p:timing>
     <p:tnLst>
       <p:par>
-        <p:cTn id="1" dur="indefinite" restart="never" nodeType="tmRoot"/>
+        <p:cTn xmlns:p14="http://schemas.microsoft.com/office/powerpoint/2010/main" id="1" dur="indefinite" restart="never" nodeType="tmRoot"/>
       </p:par>
     </p:tnLst>
   </p:timing>
@@ -16914,7 +16914,7 @@
 </file>
 
 <file path=ppt/slides/slide20.xml><?xml version="1.0" encoding="utf-8"?>
-<p:sld xmlns:a="http://schemas.openxmlformats.org/drawingml/2006/main" xmlns:r="http://schemas.openxmlformats.org/officeDocument/2006/relationships" xmlns:mc="http://schemas.openxmlformats.org/markup-compatibility/2006" xmlns:mv="urn:schemas-microsoft-com:mac:vml" xmlns:p="http://schemas.openxmlformats.org/presentationml/2006/main" mc:Ignorable="mv" mc:PreserveAttributes="mv:*">
+<p:sld xmlns:a="http://schemas.openxmlformats.org/drawingml/2006/main" xmlns:r="http://schemas.openxmlformats.org/officeDocument/2006/relationships" xmlns:p="http://schemas.openxmlformats.org/presentationml/2006/main">
   <p:cSld>
     <p:spTree>
       <p:nvGrpSpPr>
@@ -17197,14 +17197,14 @@
           </a:ln>
           <a:extLst>
             <a:ext uri="{909E8E84-426E-40dd-AFC4-6F175D3DCCD1}">
-              <a14:hiddenFill xmlns:mc="http://schemas.openxmlformats.org/markup-compatibility/2006" xmlns:mv="urn:schemas-microsoft-com:mac:vml" xmlns:a14="http://schemas.microsoft.com/office/drawing/2010/main" xmlns:p="http://schemas.openxmlformats.org/presentationml/2006/main" xmlns:r="http://schemas.openxmlformats.org/officeDocument/2006/relationships" xmlns:a="http://schemas.openxmlformats.org/drawingml/2006/main" xmlns="">
+              <a14:hiddenFill xmlns:a14="http://schemas.microsoft.com/office/drawing/2010/main">
                 <a:solidFill>
                   <a:srgbClr val="FFFFFF"/>
                 </a:solidFill>
               </a14:hiddenFill>
             </a:ext>
             <a:ext uri="{91240B29-F687-4f45-9708-019B960494DF}">
-              <a14:hiddenLine xmlns:mc="http://schemas.openxmlformats.org/markup-compatibility/2006" xmlns:mv="urn:schemas-microsoft-com:mac:vml" xmlns:a14="http://schemas.microsoft.com/office/drawing/2010/main" xmlns:p="http://schemas.openxmlformats.org/presentationml/2006/main" xmlns:r="http://schemas.openxmlformats.org/officeDocument/2006/relationships" xmlns:a="http://schemas.openxmlformats.org/drawingml/2006/main" xmlns="" w="9525">
+              <a14:hiddenLine xmlns:a14="http://schemas.microsoft.com/office/drawing/2010/main" w="9525">
                 <a:solidFill>
                   <a:srgbClr val="000000"/>
                 </a:solidFill>
@@ -17346,7 +17346,7 @@
     </p:spTree>
     <p:extLst>
       <p:ext uri="{BB962C8B-B14F-4D97-AF65-F5344CB8AC3E}">
-        <p14:creationId xmlns:mc="http://schemas.openxmlformats.org/markup-compatibility/2006" xmlns:mv="urn:schemas-microsoft-com:mac:vml" xmlns:p14="http://schemas.microsoft.com/office/powerpoint/2010/main" xmlns:p="http://schemas.openxmlformats.org/presentationml/2006/main" xmlns:r="http://schemas.openxmlformats.org/officeDocument/2006/relationships" xmlns:a="http://schemas.openxmlformats.org/drawingml/2006/main" xmlns="" val="3857422404"/>
+        <p14:creationId xmlns:p14="http://schemas.microsoft.com/office/powerpoint/2010/main" val="3857422404"/>
       </p:ext>
     </p:extLst>
   </p:cSld>
@@ -17356,7 +17356,7 @@
   <p:timing>
     <p:tnLst>
       <p:par>
-        <p:cTn id="1" dur="indefinite" restart="never" nodeType="tmRoot"/>
+        <p:cTn xmlns:p14="http://schemas.microsoft.com/office/powerpoint/2010/main" id="1" dur="indefinite" restart="never" nodeType="tmRoot"/>
       </p:par>
     </p:tnLst>
   </p:timing>
@@ -17364,7 +17364,7 @@
 </file>
 
 <file path=ppt/slides/slide21.xml><?xml version="1.0" encoding="utf-8"?>
-<p:sld xmlns:a="http://schemas.openxmlformats.org/drawingml/2006/main" xmlns:r="http://schemas.openxmlformats.org/officeDocument/2006/relationships" xmlns:mc="http://schemas.openxmlformats.org/markup-compatibility/2006" xmlns:mv="urn:schemas-microsoft-com:mac:vml" xmlns:p="http://schemas.openxmlformats.org/presentationml/2006/main" mc:Ignorable="mv" mc:PreserveAttributes="mv:*">
+<p:sld xmlns:a="http://schemas.openxmlformats.org/drawingml/2006/main" xmlns:r="http://schemas.openxmlformats.org/officeDocument/2006/relationships" xmlns:p="http://schemas.openxmlformats.org/presentationml/2006/main">
   <p:cSld>
     <p:spTree>
       <p:nvGrpSpPr>
@@ -17402,14 +17402,14 @@
           </a:ln>
           <a:extLst>
             <a:ext uri="{909E8E84-426E-40dd-AFC4-6F175D3DCCD1}">
-              <a14:hiddenFill xmlns:mc="http://schemas.openxmlformats.org/markup-compatibility/2006" xmlns:mv="urn:schemas-microsoft-com:mac:vml" xmlns:a14="http://schemas.microsoft.com/office/drawing/2010/main" xmlns:p="http://schemas.openxmlformats.org/presentationml/2006/main" xmlns:r="http://schemas.openxmlformats.org/officeDocument/2006/relationships" xmlns:a="http://schemas.openxmlformats.org/drawingml/2006/main" xmlns="">
+              <a14:hiddenFill xmlns:a14="http://schemas.microsoft.com/office/drawing/2010/main">
                 <a:solidFill>
                   <a:srgbClr val="FFFFFF"/>
                 </a:solidFill>
               </a14:hiddenFill>
             </a:ext>
             <a:ext uri="{91240B29-F687-4f45-9708-019B960494DF}">
-              <a14:hiddenLine xmlns:mc="http://schemas.openxmlformats.org/markup-compatibility/2006" xmlns:mv="urn:schemas-microsoft-com:mac:vml" xmlns:a14="http://schemas.microsoft.com/office/drawing/2010/main" xmlns:p="http://schemas.openxmlformats.org/presentationml/2006/main" xmlns:r="http://schemas.openxmlformats.org/officeDocument/2006/relationships" xmlns:a="http://schemas.openxmlformats.org/drawingml/2006/main" xmlns="" w="9525">
+              <a14:hiddenLine xmlns:a14="http://schemas.microsoft.com/office/drawing/2010/main" w="9525">
                 <a:solidFill>
                   <a:srgbClr val="000000"/>
                 </a:solidFill>
@@ -17937,20 +17937,20 @@
     </p:spTree>
     <p:extLst>
       <p:ext uri="{BB962C8B-B14F-4D97-AF65-F5344CB8AC3E}">
-        <p14:creationId xmlns:mc="http://schemas.openxmlformats.org/markup-compatibility/2006" xmlns:mv="urn:schemas-microsoft-com:mac:vml" xmlns:p14="http://schemas.microsoft.com/office/powerpoint/2010/main" xmlns:p="http://schemas.openxmlformats.org/presentationml/2006/main" xmlns:r="http://schemas.openxmlformats.org/officeDocument/2006/relationships" xmlns:a="http://schemas.openxmlformats.org/drawingml/2006/main" xmlns="" val="1862476630"/>
+        <p14:creationId xmlns:p14="http://schemas.microsoft.com/office/powerpoint/2010/main" val="1862476630"/>
       </p:ext>
     </p:extLst>
   </p:cSld>
   <p:clrMapOvr>
     <a:masterClrMapping/>
   </p:clrMapOvr>
-  <p:transition>
+  <p:transition xmlns:p14="http://schemas.microsoft.com/office/powerpoint/2010/main">
     <p:fade/>
   </p:transition>
   <p:timing>
     <p:tnLst>
       <p:par>
-        <p:cTn id="1" dur="indefinite" restart="never" nodeType="tmRoot"/>
+        <p:cTn xmlns:p14="http://schemas.microsoft.com/office/powerpoint/2010/main" id="1" dur="indefinite" restart="never" nodeType="tmRoot"/>
       </p:par>
     </p:tnLst>
   </p:timing>
@@ -17958,7 +17958,7 @@
 </file>
 
 <file path=ppt/slides/slide22.xml><?xml version="1.0" encoding="utf-8"?>
-<p:sld xmlns:a="http://schemas.openxmlformats.org/drawingml/2006/main" xmlns:r="http://schemas.openxmlformats.org/officeDocument/2006/relationships" xmlns:mc="http://schemas.openxmlformats.org/markup-compatibility/2006" xmlns:mv="urn:schemas-microsoft-com:mac:vml" xmlns:p="http://schemas.openxmlformats.org/presentationml/2006/main" mc:Ignorable="mv" mc:PreserveAttributes="mv:*">
+<p:sld xmlns:a="http://schemas.openxmlformats.org/drawingml/2006/main" xmlns:r="http://schemas.openxmlformats.org/officeDocument/2006/relationships" xmlns:p="http://schemas.openxmlformats.org/presentationml/2006/main">
   <p:cSld>
     <p:spTree>
       <p:nvGrpSpPr>
@@ -18038,20 +18038,20 @@
     </p:spTree>
     <p:extLst>
       <p:ext uri="{BB962C8B-B14F-4D97-AF65-F5344CB8AC3E}">
-        <p14:creationId xmlns:mc="http://schemas.openxmlformats.org/markup-compatibility/2006" xmlns:mv="urn:schemas-microsoft-com:mac:vml" xmlns:p14="http://schemas.microsoft.com/office/powerpoint/2010/main" xmlns:p="http://schemas.openxmlformats.org/presentationml/2006/main" xmlns:r="http://schemas.openxmlformats.org/officeDocument/2006/relationships" xmlns:a="http://schemas.openxmlformats.org/drawingml/2006/main" xmlns="" val="1615273206"/>
+        <p14:creationId xmlns:p14="http://schemas.microsoft.com/office/powerpoint/2010/main" val="1615273206"/>
       </p:ext>
     </p:extLst>
   </p:cSld>
   <p:clrMapOvr>
     <a:masterClrMapping/>
   </p:clrMapOvr>
-  <p:transition spd="med">
+  <p:transition xmlns:p14="http://schemas.microsoft.com/office/powerpoint/2010/main" spd="med">
     <p:fade/>
   </p:transition>
   <p:timing>
     <p:tnLst>
       <p:par>
-        <p:cTn id="1" dur="indefinite" restart="never" nodeType="tmRoot"/>
+        <p:cTn xmlns:p14="http://schemas.microsoft.com/office/powerpoint/2010/main" id="1" dur="indefinite" restart="never" nodeType="tmRoot"/>
       </p:par>
     </p:tnLst>
   </p:timing>
@@ -18059,7 +18059,7 @@
 </file>
 
 <file path=ppt/slides/slide23.xml><?xml version="1.0" encoding="utf-8"?>
-<p:sld xmlns:a="http://schemas.openxmlformats.org/drawingml/2006/main" xmlns:r="http://schemas.openxmlformats.org/officeDocument/2006/relationships" xmlns:mc="http://schemas.openxmlformats.org/markup-compatibility/2006" xmlns:mv="urn:schemas-microsoft-com:mac:vml" xmlns:p="http://schemas.openxmlformats.org/presentationml/2006/main" mc:Ignorable="mv" mc:PreserveAttributes="mv:*">
+<p:sld xmlns:a="http://schemas.openxmlformats.org/drawingml/2006/main" xmlns:r="http://schemas.openxmlformats.org/officeDocument/2006/relationships" xmlns:p="http://schemas.openxmlformats.org/presentationml/2006/main">
   <p:cSld>
     <p:spTree>
       <p:nvGrpSpPr>
@@ -18097,14 +18097,14 @@
           </a:ln>
           <a:extLst>
             <a:ext uri="{909E8E84-426E-40dd-AFC4-6F175D3DCCD1}">
-              <a14:hiddenFill xmlns:mc="http://schemas.openxmlformats.org/markup-compatibility/2006" xmlns:mv="urn:schemas-microsoft-com:mac:vml" xmlns:a14="http://schemas.microsoft.com/office/drawing/2010/main" xmlns:p="http://schemas.openxmlformats.org/presentationml/2006/main" xmlns:r="http://schemas.openxmlformats.org/officeDocument/2006/relationships" xmlns:a="http://schemas.openxmlformats.org/drawingml/2006/main" xmlns="">
+              <a14:hiddenFill xmlns:a14="http://schemas.microsoft.com/office/drawing/2010/main">
                 <a:solidFill>
                   <a:srgbClr val="FFFFFF"/>
                 </a:solidFill>
               </a14:hiddenFill>
             </a:ext>
             <a:ext uri="{91240B29-F687-4f45-9708-019B960494DF}">
-              <a14:hiddenLine xmlns:mc="http://schemas.openxmlformats.org/markup-compatibility/2006" xmlns:mv="urn:schemas-microsoft-com:mac:vml" xmlns:a14="http://schemas.microsoft.com/office/drawing/2010/main" xmlns:p="http://schemas.openxmlformats.org/presentationml/2006/main" xmlns:r="http://schemas.openxmlformats.org/officeDocument/2006/relationships" xmlns:a="http://schemas.openxmlformats.org/drawingml/2006/main" xmlns="" w="9525">
+              <a14:hiddenLine xmlns:a14="http://schemas.microsoft.com/office/drawing/2010/main" w="9525">
                 <a:solidFill>
                   <a:srgbClr val="000000"/>
                 </a:solidFill>
@@ -18265,7 +18265,7 @@
           <a:p>
             <a:pPr eaLnBrk="1" hangingPunct="1"/>
             <a:r>
-              <a:rPr lang="en-US" sz="3700">
+              <a:rPr lang="en-US" sz="3700" dirty="0">
                 <a:latin typeface="Arial" charset="0"/>
                 <a:ea typeface="ＭＳ Ｐゴシック" charset="0"/>
               </a:rPr>
@@ -18378,20 +18378,20 @@
     </p:spTree>
     <p:extLst>
       <p:ext uri="{BB962C8B-B14F-4D97-AF65-F5344CB8AC3E}">
-        <p14:creationId xmlns:mc="http://schemas.openxmlformats.org/markup-compatibility/2006" xmlns:mv="urn:schemas-microsoft-com:mac:vml" xmlns:p14="http://schemas.microsoft.com/office/powerpoint/2010/main" xmlns:p="http://schemas.openxmlformats.org/presentationml/2006/main" xmlns:r="http://schemas.openxmlformats.org/officeDocument/2006/relationships" xmlns:a="http://schemas.openxmlformats.org/drawingml/2006/main" xmlns="" val="1823286591"/>
+        <p14:creationId xmlns:p14="http://schemas.microsoft.com/office/powerpoint/2010/main" val="1823286591"/>
       </p:ext>
     </p:extLst>
   </p:cSld>
   <p:clrMapOvr>
     <a:masterClrMapping/>
   </p:clrMapOvr>
-  <p:transition>
+  <p:transition xmlns:p14="http://schemas.microsoft.com/office/powerpoint/2010/main">
     <p:fade/>
   </p:transition>
   <p:timing>
     <p:tnLst>
       <p:par>
-        <p:cTn id="1" dur="indefinite" restart="never" nodeType="tmRoot">
+        <p:cTn xmlns:p14="http://schemas.microsoft.com/office/powerpoint/2010/main" id="1" dur="indefinite" restart="never" nodeType="tmRoot">
           <p:childTnLst>
             <p:seq concurrent="1" nextAc="seek">
               <p:cTn id="2" dur="indefinite" nodeType="mainSeq">
@@ -18742,7 +18742,7 @@
 </file>
 
 <file path=ppt/slides/slide24.xml><?xml version="1.0" encoding="utf-8"?>
-<p:sld xmlns:a="http://schemas.openxmlformats.org/drawingml/2006/main" xmlns:r="http://schemas.openxmlformats.org/officeDocument/2006/relationships" xmlns:mc="http://schemas.openxmlformats.org/markup-compatibility/2006" xmlns:mv="urn:schemas-microsoft-com:mac:vml" xmlns:p="http://schemas.openxmlformats.org/presentationml/2006/main" mc:Ignorable="mv" mc:PreserveAttributes="mv:*">
+<p:sld xmlns:a="http://schemas.openxmlformats.org/drawingml/2006/main" xmlns:r="http://schemas.openxmlformats.org/officeDocument/2006/relationships" xmlns:p="http://schemas.openxmlformats.org/presentationml/2006/main">
   <p:cSld>
     <p:spTree>
       <p:nvGrpSpPr>
@@ -18780,14 +18780,14 @@
           </a:ln>
           <a:extLst>
             <a:ext uri="{909E8E84-426E-40dd-AFC4-6F175D3DCCD1}">
-              <a14:hiddenFill xmlns:mc="http://schemas.openxmlformats.org/markup-compatibility/2006" xmlns:mv="urn:schemas-microsoft-com:mac:vml" xmlns:a14="http://schemas.microsoft.com/office/drawing/2010/main" xmlns:p="http://schemas.openxmlformats.org/presentationml/2006/main" xmlns:r="http://schemas.openxmlformats.org/officeDocument/2006/relationships" xmlns:a="http://schemas.openxmlformats.org/drawingml/2006/main" xmlns="">
+              <a14:hiddenFill xmlns:a14="http://schemas.microsoft.com/office/drawing/2010/main">
                 <a:solidFill>
                   <a:srgbClr val="FFFFFF"/>
                 </a:solidFill>
               </a14:hiddenFill>
             </a:ext>
             <a:ext uri="{91240B29-F687-4f45-9708-019B960494DF}">
-              <a14:hiddenLine xmlns:mc="http://schemas.openxmlformats.org/markup-compatibility/2006" xmlns:mv="urn:schemas-microsoft-com:mac:vml" xmlns:a14="http://schemas.microsoft.com/office/drawing/2010/main" xmlns:p="http://schemas.openxmlformats.org/presentationml/2006/main" xmlns:r="http://schemas.openxmlformats.org/officeDocument/2006/relationships" xmlns:a="http://schemas.openxmlformats.org/drawingml/2006/main" xmlns="" w="9525">
+              <a14:hiddenLine xmlns:a14="http://schemas.microsoft.com/office/drawing/2010/main" w="9525">
                 <a:solidFill>
                   <a:srgbClr val="000000"/>
                 </a:solidFill>
@@ -19257,20 +19257,20 @@
     </p:spTree>
     <p:extLst>
       <p:ext uri="{BB962C8B-B14F-4D97-AF65-F5344CB8AC3E}">
-        <p14:creationId xmlns:mc="http://schemas.openxmlformats.org/markup-compatibility/2006" xmlns:mv="urn:schemas-microsoft-com:mac:vml" xmlns:p14="http://schemas.microsoft.com/office/powerpoint/2010/main" xmlns:p="http://schemas.openxmlformats.org/presentationml/2006/main" xmlns:r="http://schemas.openxmlformats.org/officeDocument/2006/relationships" xmlns:a="http://schemas.openxmlformats.org/drawingml/2006/main" xmlns="" val="2687101393"/>
+        <p14:creationId xmlns:p14="http://schemas.microsoft.com/office/powerpoint/2010/main" val="2687101393"/>
       </p:ext>
     </p:extLst>
   </p:cSld>
   <p:clrMapOvr>
     <a:masterClrMapping/>
   </p:clrMapOvr>
-  <p:transition>
+  <p:transition xmlns:p14="http://schemas.microsoft.com/office/powerpoint/2010/main">
     <p:fade/>
   </p:transition>
   <p:timing>
     <p:tnLst>
       <p:par>
-        <p:cTn id="1" dur="indefinite" restart="never" nodeType="tmRoot"/>
+        <p:cTn xmlns:p14="http://schemas.microsoft.com/office/powerpoint/2010/main" id="1" dur="indefinite" restart="never" nodeType="tmRoot"/>
       </p:par>
     </p:tnLst>
   </p:timing>
@@ -19278,7 +19278,7 @@
 </file>
 
 <file path=ppt/slides/slide25.xml><?xml version="1.0" encoding="utf-8"?>
-<p:sld xmlns:a="http://schemas.openxmlformats.org/drawingml/2006/main" xmlns:r="http://schemas.openxmlformats.org/officeDocument/2006/relationships" xmlns:mc="http://schemas.openxmlformats.org/markup-compatibility/2006" xmlns:mv="urn:schemas-microsoft-com:mac:vml" xmlns:p="http://schemas.openxmlformats.org/presentationml/2006/main" mc:Ignorable="mv" mc:PreserveAttributes="mv:*">
+<p:sld xmlns:a="http://schemas.openxmlformats.org/drawingml/2006/main" xmlns:r="http://schemas.openxmlformats.org/officeDocument/2006/relationships" xmlns:p="http://schemas.openxmlformats.org/presentationml/2006/main">
   <p:cSld>
     <p:spTree>
       <p:nvGrpSpPr>
@@ -19316,14 +19316,14 @@
           </a:ln>
           <a:extLst>
             <a:ext uri="{909E8E84-426E-40dd-AFC4-6F175D3DCCD1}">
-              <a14:hiddenFill xmlns:mc="http://schemas.openxmlformats.org/markup-compatibility/2006" xmlns:mv="urn:schemas-microsoft-com:mac:vml" xmlns:a14="http://schemas.microsoft.com/office/drawing/2010/main" xmlns:p="http://schemas.openxmlformats.org/presentationml/2006/main" xmlns:r="http://schemas.openxmlformats.org/officeDocument/2006/relationships" xmlns:a="http://schemas.openxmlformats.org/drawingml/2006/main" xmlns="">
+              <a14:hiddenFill xmlns:a14="http://schemas.microsoft.com/office/drawing/2010/main">
                 <a:solidFill>
                   <a:srgbClr val="FFFFFF"/>
                 </a:solidFill>
               </a14:hiddenFill>
             </a:ext>
             <a:ext uri="{91240B29-F687-4f45-9708-019B960494DF}">
-              <a14:hiddenLine xmlns:mc="http://schemas.openxmlformats.org/markup-compatibility/2006" xmlns:mv="urn:schemas-microsoft-com:mac:vml" xmlns:a14="http://schemas.microsoft.com/office/drawing/2010/main" xmlns:p="http://schemas.openxmlformats.org/presentationml/2006/main" xmlns:r="http://schemas.openxmlformats.org/officeDocument/2006/relationships" xmlns:a="http://schemas.openxmlformats.org/drawingml/2006/main" xmlns="" w="9525">
+              <a14:hiddenLine xmlns:a14="http://schemas.microsoft.com/office/drawing/2010/main" w="9525">
                 <a:solidFill>
                   <a:srgbClr val="000000"/>
                 </a:solidFill>
@@ -19768,20 +19768,20 @@
     </p:spTree>
     <p:extLst>
       <p:ext uri="{BB962C8B-B14F-4D97-AF65-F5344CB8AC3E}">
-        <p14:creationId xmlns:mc="http://schemas.openxmlformats.org/markup-compatibility/2006" xmlns:mv="urn:schemas-microsoft-com:mac:vml" xmlns:p14="http://schemas.microsoft.com/office/powerpoint/2010/main" xmlns:p="http://schemas.openxmlformats.org/presentationml/2006/main" xmlns:r="http://schemas.openxmlformats.org/officeDocument/2006/relationships" xmlns:a="http://schemas.openxmlformats.org/drawingml/2006/main" xmlns="" val="3785333707"/>
+        <p14:creationId xmlns:p14="http://schemas.microsoft.com/office/powerpoint/2010/main" val="3785333707"/>
       </p:ext>
     </p:extLst>
   </p:cSld>
   <p:clrMapOvr>
     <a:masterClrMapping/>
   </p:clrMapOvr>
-  <p:transition>
+  <p:transition xmlns:p14="http://schemas.microsoft.com/office/powerpoint/2010/main">
     <p:fade/>
   </p:transition>
   <p:timing>
     <p:tnLst>
       <p:par>
-        <p:cTn id="1" dur="indefinite" restart="never" nodeType="tmRoot"/>
+        <p:cTn xmlns:p14="http://schemas.microsoft.com/office/powerpoint/2010/main" id="1" dur="indefinite" restart="never" nodeType="tmRoot"/>
       </p:par>
     </p:tnLst>
   </p:timing>
@@ -19789,7 +19789,7 @@
 </file>
 
 <file path=ppt/slides/slide26.xml><?xml version="1.0" encoding="utf-8"?>
-<p:sld xmlns:a="http://schemas.openxmlformats.org/drawingml/2006/main" xmlns:r="http://schemas.openxmlformats.org/officeDocument/2006/relationships" xmlns:mc="http://schemas.openxmlformats.org/markup-compatibility/2006" xmlns:mv="urn:schemas-microsoft-com:mac:vml" xmlns:p="http://schemas.openxmlformats.org/presentationml/2006/main" mc:Ignorable="mv" mc:PreserveAttributes="mv:*">
+<p:sld xmlns:a="http://schemas.openxmlformats.org/drawingml/2006/main" xmlns:r="http://schemas.openxmlformats.org/officeDocument/2006/relationships" xmlns:p="http://schemas.openxmlformats.org/presentationml/2006/main">
   <p:cSld>
     <p:spTree>
       <p:nvGrpSpPr>
@@ -20008,14 +20008,14 @@
           <a:noFill/>
           <a:extLst>
             <a:ext uri="{909E8E84-426E-40dd-AFC4-6F175D3DCCD1}">
-              <a14:hiddenFill xmlns:mc="http://schemas.openxmlformats.org/markup-compatibility/2006" xmlns:mv="urn:schemas-microsoft-com:mac:vml" xmlns:a14="http://schemas.microsoft.com/office/drawing/2010/main" xmlns:p="http://schemas.openxmlformats.org/presentationml/2006/main" xmlns:r="http://schemas.openxmlformats.org/officeDocument/2006/relationships" xmlns:a="http://schemas.openxmlformats.org/drawingml/2006/main" xmlns="">
+              <a14:hiddenFill xmlns:a14="http://schemas.microsoft.com/office/drawing/2010/main">
                 <a:solidFill>
                   <a:srgbClr val="FFFFFF"/>
                 </a:solidFill>
               </a14:hiddenFill>
             </a:ext>
             <a:ext uri="{91240B29-F687-4f45-9708-019B960494DF}">
-              <a14:hiddenLine xmlns:mc="http://schemas.openxmlformats.org/markup-compatibility/2006" xmlns:mv="urn:schemas-microsoft-com:mac:vml" xmlns:a14="http://schemas.microsoft.com/office/drawing/2010/main" xmlns:p="http://schemas.openxmlformats.org/presentationml/2006/main" xmlns:r="http://schemas.openxmlformats.org/officeDocument/2006/relationships" xmlns:a="http://schemas.openxmlformats.org/drawingml/2006/main" xmlns="" w="9525">
+              <a14:hiddenLine xmlns:a14="http://schemas.microsoft.com/office/drawing/2010/main" w="9525">
                 <a:solidFill>
                   <a:srgbClr val="000000"/>
                 </a:solidFill>
@@ -20158,7 +20158,7 @@
     </p:spTree>
     <p:extLst>
       <p:ext uri="{BB962C8B-B14F-4D97-AF65-F5344CB8AC3E}">
-        <p14:creationId xmlns:mc="http://schemas.openxmlformats.org/markup-compatibility/2006" xmlns:mv="urn:schemas-microsoft-com:mac:vml" xmlns:p14="http://schemas.microsoft.com/office/powerpoint/2010/main" xmlns:p="http://schemas.openxmlformats.org/presentationml/2006/main" xmlns:r="http://schemas.openxmlformats.org/officeDocument/2006/relationships" xmlns:a="http://schemas.openxmlformats.org/drawingml/2006/main" xmlns="" val="1469489830"/>
+        <p14:creationId xmlns:p14="http://schemas.microsoft.com/office/powerpoint/2010/main" val="1469489830"/>
       </p:ext>
     </p:extLst>
   </p:cSld>
@@ -20168,7 +20168,7 @@
   <p:timing>
     <p:tnLst>
       <p:par>
-        <p:cTn id="1" dur="indefinite" restart="never" nodeType="tmRoot"/>
+        <p:cTn xmlns:p14="http://schemas.microsoft.com/office/powerpoint/2010/main" id="1" dur="indefinite" restart="never" nodeType="tmRoot"/>
       </p:par>
     </p:tnLst>
   </p:timing>
@@ -20176,7 +20176,7 @@
 </file>
 
 <file path=ppt/slides/slide27.xml><?xml version="1.0" encoding="utf-8"?>
-<p:sld xmlns:a="http://schemas.openxmlformats.org/drawingml/2006/main" xmlns:r="http://schemas.openxmlformats.org/officeDocument/2006/relationships" xmlns:mc="http://schemas.openxmlformats.org/markup-compatibility/2006" xmlns:mv="urn:schemas-microsoft-com:mac:vml" xmlns:p="http://schemas.openxmlformats.org/presentationml/2006/main" mc:Ignorable="mv" mc:PreserveAttributes="mv:*">
+<p:sld xmlns:a="http://schemas.openxmlformats.org/drawingml/2006/main" xmlns:r="http://schemas.openxmlformats.org/officeDocument/2006/relationships" xmlns:p="http://schemas.openxmlformats.org/presentationml/2006/main">
   <p:cSld>
     <p:spTree>
       <p:nvGrpSpPr>
@@ -20256,20 +20256,20 @@
     </p:spTree>
     <p:extLst>
       <p:ext uri="{BB962C8B-B14F-4D97-AF65-F5344CB8AC3E}">
-        <p14:creationId xmlns:mc="http://schemas.openxmlformats.org/markup-compatibility/2006" xmlns:mv="urn:schemas-microsoft-com:mac:vml" xmlns:p14="http://schemas.microsoft.com/office/powerpoint/2010/main" xmlns:p="http://schemas.openxmlformats.org/presentationml/2006/main" xmlns:r="http://schemas.openxmlformats.org/officeDocument/2006/relationships" xmlns:a="http://schemas.openxmlformats.org/drawingml/2006/main" xmlns="" val="428970243"/>
+        <p14:creationId xmlns:p14="http://schemas.microsoft.com/office/powerpoint/2010/main" val="428970243"/>
       </p:ext>
     </p:extLst>
   </p:cSld>
   <p:clrMapOvr>
     <a:masterClrMapping/>
   </p:clrMapOvr>
-  <p:transition spd="med">
+  <p:transition xmlns:p14="http://schemas.microsoft.com/office/powerpoint/2010/main" spd="med">
     <p:fade/>
   </p:transition>
   <p:timing>
     <p:tnLst>
       <p:par>
-        <p:cTn id="1" dur="indefinite" restart="never" nodeType="tmRoot"/>
+        <p:cTn xmlns:p14="http://schemas.microsoft.com/office/powerpoint/2010/main" id="1" dur="indefinite" restart="never" nodeType="tmRoot"/>
       </p:par>
     </p:tnLst>
   </p:timing>
@@ -20277,7 +20277,7 @@
 </file>
 
 <file path=ppt/slides/slide28.xml><?xml version="1.0" encoding="utf-8"?>
-<p:sld xmlns:a="http://schemas.openxmlformats.org/drawingml/2006/main" xmlns:r="http://schemas.openxmlformats.org/officeDocument/2006/relationships" xmlns:mc="http://schemas.openxmlformats.org/markup-compatibility/2006" xmlns:mv="urn:schemas-microsoft-com:mac:vml" xmlns:p="http://schemas.openxmlformats.org/presentationml/2006/main" mc:Ignorable="mv" mc:PreserveAttributes="mv:*">
+<p:sld xmlns:a="http://schemas.openxmlformats.org/drawingml/2006/main" xmlns:r="http://schemas.openxmlformats.org/officeDocument/2006/relationships" xmlns:p="http://schemas.openxmlformats.org/presentationml/2006/main">
   <p:cSld>
     <p:spTree>
       <p:nvGrpSpPr>
@@ -20794,7 +20794,7 @@
     </p:spTree>
     <p:extLst>
       <p:ext uri="{BB962C8B-B14F-4D97-AF65-F5344CB8AC3E}">
-        <p14:creationId xmlns:mc="http://schemas.openxmlformats.org/markup-compatibility/2006" xmlns:mv="urn:schemas-microsoft-com:mac:vml" xmlns:p14="http://schemas.microsoft.com/office/powerpoint/2010/main" xmlns:p="http://schemas.openxmlformats.org/presentationml/2006/main" xmlns:r="http://schemas.openxmlformats.org/officeDocument/2006/relationships" xmlns:a="http://schemas.openxmlformats.org/drawingml/2006/main" xmlns="" val="964505165"/>
+        <p14:creationId xmlns:p14="http://schemas.microsoft.com/office/powerpoint/2010/main" val="964505165"/>
       </p:ext>
     </p:extLst>
   </p:cSld>
@@ -20804,7 +20804,7 @@
   <p:timing>
     <p:tnLst>
       <p:par>
-        <p:cTn id="1" dur="indefinite" restart="never" nodeType="tmRoot"/>
+        <p:cTn xmlns:p14="http://schemas.microsoft.com/office/powerpoint/2010/main" id="1" dur="indefinite" restart="never" nodeType="tmRoot"/>
       </p:par>
     </p:tnLst>
   </p:timing>
@@ -20812,7 +20812,7 @@
 </file>
 
 <file path=ppt/slides/slide29.xml><?xml version="1.0" encoding="utf-8"?>
-<p:sld xmlns:a="http://schemas.openxmlformats.org/drawingml/2006/main" xmlns:r="http://schemas.openxmlformats.org/officeDocument/2006/relationships" xmlns:mc="http://schemas.openxmlformats.org/markup-compatibility/2006" xmlns:mv="urn:schemas-microsoft-com:mac:vml" xmlns:p="http://schemas.openxmlformats.org/presentationml/2006/main" mc:Ignorable="mv" mc:PreserveAttributes="mv:*">
+<p:sld xmlns:a="http://schemas.openxmlformats.org/drawingml/2006/main" xmlns:r="http://schemas.openxmlformats.org/officeDocument/2006/relationships" xmlns:p="http://schemas.openxmlformats.org/presentationml/2006/main">
   <p:cSld>
     <p:spTree>
       <p:nvGrpSpPr>
@@ -21113,7 +21113,7 @@
     </p:spTree>
     <p:extLst>
       <p:ext uri="{BB962C8B-B14F-4D97-AF65-F5344CB8AC3E}">
-        <p14:creationId xmlns:mc="http://schemas.openxmlformats.org/markup-compatibility/2006" xmlns:mv="urn:schemas-microsoft-com:mac:vml" xmlns:p14="http://schemas.microsoft.com/office/powerpoint/2010/main" xmlns:p="http://schemas.openxmlformats.org/presentationml/2006/main" xmlns:r="http://schemas.openxmlformats.org/officeDocument/2006/relationships" xmlns:a="http://schemas.openxmlformats.org/drawingml/2006/main" xmlns="" val="230950290"/>
+        <p14:creationId xmlns:p14="http://schemas.microsoft.com/office/powerpoint/2010/main" val="230950290"/>
       </p:ext>
     </p:extLst>
   </p:cSld>
@@ -21123,7 +21123,7 @@
   <p:timing>
     <p:tnLst>
       <p:par>
-        <p:cTn id="1" dur="indefinite" restart="never" nodeType="tmRoot"/>
+        <p:cTn xmlns:p14="http://schemas.microsoft.com/office/powerpoint/2010/main" id="1" dur="indefinite" restart="never" nodeType="tmRoot"/>
       </p:par>
     </p:tnLst>
   </p:timing>
@@ -21131,7 +21131,7 @@
 </file>
 
 <file path=ppt/slides/slide3.xml><?xml version="1.0" encoding="utf-8"?>
-<p:sld xmlns:a="http://schemas.openxmlformats.org/drawingml/2006/main" xmlns:r="http://schemas.openxmlformats.org/officeDocument/2006/relationships" xmlns:mc="http://schemas.openxmlformats.org/markup-compatibility/2006" xmlns:mv="urn:schemas-microsoft-com:mac:vml" xmlns:p="http://schemas.openxmlformats.org/presentationml/2006/main" mc:Ignorable="mv" mc:PreserveAttributes="mv:*">
+<p:sld xmlns:a="http://schemas.openxmlformats.org/drawingml/2006/main" xmlns:r="http://schemas.openxmlformats.org/officeDocument/2006/relationships" xmlns:p="http://schemas.openxmlformats.org/presentationml/2006/main">
   <p:cSld>
     <p:spTree>
       <p:nvGrpSpPr>
@@ -21211,20 +21211,20 @@
     </p:spTree>
     <p:extLst>
       <p:ext uri="{BB962C8B-B14F-4D97-AF65-F5344CB8AC3E}">
-        <p14:creationId xmlns:mc="http://schemas.openxmlformats.org/markup-compatibility/2006" xmlns:mv="urn:schemas-microsoft-com:mac:vml" xmlns:p14="http://schemas.microsoft.com/office/powerpoint/2010/main" xmlns:p="http://schemas.openxmlformats.org/presentationml/2006/main" xmlns:r="http://schemas.openxmlformats.org/officeDocument/2006/relationships" xmlns:a="http://schemas.openxmlformats.org/drawingml/2006/main" xmlns="" val="2352184382"/>
+        <p14:creationId xmlns:p14="http://schemas.microsoft.com/office/powerpoint/2010/main" val="2352184382"/>
       </p:ext>
     </p:extLst>
   </p:cSld>
   <p:clrMapOvr>
     <a:masterClrMapping/>
   </p:clrMapOvr>
-  <p:transition spd="med">
+  <p:transition xmlns:p14="http://schemas.microsoft.com/office/powerpoint/2010/main" spd="med">
     <p:fade/>
   </p:transition>
   <p:timing>
     <p:tnLst>
       <p:par>
-        <p:cTn id="1" dur="indefinite" restart="never" nodeType="tmRoot"/>
+        <p:cTn xmlns:p14="http://schemas.microsoft.com/office/powerpoint/2010/main" id="1" dur="indefinite" restart="never" nodeType="tmRoot"/>
       </p:par>
     </p:tnLst>
   </p:timing>
@@ -21232,7 +21232,7 @@
 </file>
 
 <file path=ppt/slides/slide30.xml><?xml version="1.0" encoding="utf-8"?>
-<p:sld xmlns:a="http://schemas.openxmlformats.org/drawingml/2006/main" xmlns:r="http://schemas.openxmlformats.org/officeDocument/2006/relationships" xmlns:mc="http://schemas.openxmlformats.org/markup-compatibility/2006" xmlns:mv="urn:schemas-microsoft-com:mac:vml" xmlns:p="http://schemas.openxmlformats.org/presentationml/2006/main" mc:Ignorable="mv" mc:PreserveAttributes="mv:*">
+<p:sld xmlns:a="http://schemas.openxmlformats.org/drawingml/2006/main" xmlns:r="http://schemas.openxmlformats.org/officeDocument/2006/relationships" xmlns:p="http://schemas.openxmlformats.org/presentationml/2006/main">
   <p:cSld>
     <p:spTree>
       <p:nvGrpSpPr>
@@ -21604,7 +21604,7 @@
     </p:spTree>
     <p:extLst>
       <p:ext uri="{BB962C8B-B14F-4D97-AF65-F5344CB8AC3E}">
-        <p14:creationId xmlns:mc="http://schemas.openxmlformats.org/markup-compatibility/2006" xmlns:mv="urn:schemas-microsoft-com:mac:vml" xmlns:p14="http://schemas.microsoft.com/office/powerpoint/2010/main" xmlns:p="http://schemas.openxmlformats.org/presentationml/2006/main" xmlns:r="http://schemas.openxmlformats.org/officeDocument/2006/relationships" xmlns:a="http://schemas.openxmlformats.org/drawingml/2006/main" xmlns="" val="964505165"/>
+        <p14:creationId xmlns:p14="http://schemas.microsoft.com/office/powerpoint/2010/main" val="964505165"/>
       </p:ext>
     </p:extLst>
   </p:cSld>
@@ -21614,7 +21614,7 @@
   <p:timing>
     <p:tnLst>
       <p:par>
-        <p:cTn id="1" dur="indefinite" restart="never" nodeType="tmRoot"/>
+        <p:cTn xmlns:p14="http://schemas.microsoft.com/office/powerpoint/2010/main" id="1" dur="indefinite" restart="never" nodeType="tmRoot"/>
       </p:par>
     </p:tnLst>
   </p:timing>
@@ -21622,7 +21622,7 @@
 </file>
 
 <file path=ppt/slides/slide31.xml><?xml version="1.0" encoding="utf-8"?>
-<p:sld xmlns:a="http://schemas.openxmlformats.org/drawingml/2006/main" xmlns:r="http://schemas.openxmlformats.org/officeDocument/2006/relationships" xmlns:mc="http://schemas.openxmlformats.org/markup-compatibility/2006" xmlns:mv="urn:schemas-microsoft-com:mac:vml" xmlns:p="http://schemas.openxmlformats.org/presentationml/2006/main" mc:Ignorable="mv" mc:PreserveAttributes="mv:*">
+<p:sld xmlns:a="http://schemas.openxmlformats.org/drawingml/2006/main" xmlns:r="http://schemas.openxmlformats.org/officeDocument/2006/relationships" xmlns:p="http://schemas.openxmlformats.org/presentationml/2006/main">
   <p:cSld>
     <p:spTree>
       <p:nvGrpSpPr>
@@ -21716,18 +21716,18 @@
     </p:spTree>
     <p:extLst>
       <p:ext uri="{BB962C8B-B14F-4D97-AF65-F5344CB8AC3E}">
-        <p14:creationId xmlns:mc="http://schemas.openxmlformats.org/markup-compatibility/2006" xmlns:mv="urn:schemas-microsoft-com:mac:vml" xmlns:p14="http://schemas.microsoft.com/office/powerpoint/2010/main" xmlns:p="http://schemas.openxmlformats.org/presentationml/2006/main" xmlns:r="http://schemas.openxmlformats.org/officeDocument/2006/relationships" xmlns:a="http://schemas.openxmlformats.org/drawingml/2006/main" xmlns="" val="3823753125"/>
+        <p14:creationId xmlns:p14="http://schemas.microsoft.com/office/powerpoint/2010/main" val="3823753125"/>
       </p:ext>
     </p:extLst>
   </p:cSld>
   <p:clrMapOvr>
     <a:masterClrMapping/>
   </p:clrMapOvr>
-  <p:transition/>
+  <p:transition xmlns:p14="http://schemas.microsoft.com/office/powerpoint/2010/main"/>
   <p:timing>
     <p:tnLst>
       <p:par>
-        <p:cTn id="1" dur="indefinite" restart="never" nodeType="tmRoot"/>
+        <p:cTn xmlns:p14="http://schemas.microsoft.com/office/powerpoint/2010/main" id="1" dur="indefinite" restart="never" nodeType="tmRoot"/>
       </p:par>
     </p:tnLst>
   </p:timing>
@@ -21735,7 +21735,7 @@
 </file>
 
 <file path=ppt/slides/slide32.xml><?xml version="1.0" encoding="utf-8"?>
-<p:sld xmlns:a="http://schemas.openxmlformats.org/drawingml/2006/main" xmlns:r="http://schemas.openxmlformats.org/officeDocument/2006/relationships" xmlns:mc="http://schemas.openxmlformats.org/markup-compatibility/2006" xmlns:mv="urn:schemas-microsoft-com:mac:vml" xmlns:p="http://schemas.openxmlformats.org/presentationml/2006/main" mc:Ignorable="mv" mc:PreserveAttributes="mv:*">
+<p:sld xmlns:a="http://schemas.openxmlformats.org/drawingml/2006/main" xmlns:r="http://schemas.openxmlformats.org/officeDocument/2006/relationships" xmlns:p="http://schemas.openxmlformats.org/presentationml/2006/main">
   <p:cSld>
     <p:spTree>
       <p:nvGrpSpPr>
@@ -21815,20 +21815,20 @@
     </p:spTree>
     <p:extLst>
       <p:ext uri="{BB962C8B-B14F-4D97-AF65-F5344CB8AC3E}">
-        <p14:creationId xmlns:mc="http://schemas.openxmlformats.org/markup-compatibility/2006" xmlns:mv="urn:schemas-microsoft-com:mac:vml" xmlns:p14="http://schemas.microsoft.com/office/powerpoint/2010/main" xmlns:p="http://schemas.openxmlformats.org/presentationml/2006/main" xmlns:r="http://schemas.openxmlformats.org/officeDocument/2006/relationships" xmlns:a="http://schemas.openxmlformats.org/drawingml/2006/main" xmlns="" val="1330711243"/>
+        <p14:creationId xmlns:p14="http://schemas.microsoft.com/office/powerpoint/2010/main" val="1330711243"/>
       </p:ext>
     </p:extLst>
   </p:cSld>
   <p:clrMapOvr>
     <a:masterClrMapping/>
   </p:clrMapOvr>
-  <p:transition spd="med">
+  <p:transition xmlns:p14="http://schemas.microsoft.com/office/powerpoint/2010/main" spd="med">
     <p:fade/>
   </p:transition>
   <p:timing>
     <p:tnLst>
       <p:par>
-        <p:cTn id="1" dur="indefinite" restart="never" nodeType="tmRoot"/>
+        <p:cTn xmlns:p14="http://schemas.microsoft.com/office/powerpoint/2010/main" id="1" dur="indefinite" restart="never" nodeType="tmRoot"/>
       </p:par>
     </p:tnLst>
   </p:timing>
@@ -21836,7 +21836,7 @@
 </file>
 
 <file path=ppt/slides/slide33.xml><?xml version="1.0" encoding="utf-8"?>
-<p:sld xmlns:a="http://schemas.openxmlformats.org/drawingml/2006/main" xmlns:r="http://schemas.openxmlformats.org/officeDocument/2006/relationships" xmlns:mc="http://schemas.openxmlformats.org/markup-compatibility/2006" xmlns:mv="urn:schemas-microsoft-com:mac:vml" xmlns:p="http://schemas.openxmlformats.org/presentationml/2006/main" mc:Ignorable="mv" mc:PreserveAttributes="mv:*">
+<p:sld xmlns:a="http://schemas.openxmlformats.org/drawingml/2006/main" xmlns:r="http://schemas.openxmlformats.org/officeDocument/2006/relationships" xmlns:p="http://schemas.openxmlformats.org/presentationml/2006/main">
   <p:cSld>
     <p:spTree>
       <p:nvGrpSpPr>
@@ -22087,7 +22087,7 @@
     </p:spTree>
     <p:extLst>
       <p:ext uri="{BB962C8B-B14F-4D97-AF65-F5344CB8AC3E}">
-        <p14:creationId xmlns:mc="http://schemas.openxmlformats.org/markup-compatibility/2006" xmlns:mv="urn:schemas-microsoft-com:mac:vml" xmlns:p14="http://schemas.microsoft.com/office/powerpoint/2010/main" xmlns:p="http://schemas.openxmlformats.org/presentationml/2006/main" xmlns:r="http://schemas.openxmlformats.org/officeDocument/2006/relationships" xmlns:a="http://schemas.openxmlformats.org/drawingml/2006/main" xmlns="" val="230950290"/>
+        <p14:creationId xmlns:p14="http://schemas.microsoft.com/office/powerpoint/2010/main" val="230950290"/>
       </p:ext>
     </p:extLst>
   </p:cSld>
@@ -22097,7 +22097,7 @@
   <p:timing>
     <p:tnLst>
       <p:par>
-        <p:cTn id="1" dur="indefinite" restart="never" nodeType="tmRoot"/>
+        <p:cTn xmlns:p14="http://schemas.microsoft.com/office/powerpoint/2010/main" id="1" dur="indefinite" restart="never" nodeType="tmRoot"/>
       </p:par>
     </p:tnLst>
   </p:timing>
@@ -22105,7 +22105,7 @@
 </file>
 
 <file path=ppt/slides/slide34.xml><?xml version="1.0" encoding="utf-8"?>
-<p:sld xmlns:a="http://schemas.openxmlformats.org/drawingml/2006/main" xmlns:r="http://schemas.openxmlformats.org/officeDocument/2006/relationships" xmlns:mc="http://schemas.openxmlformats.org/markup-compatibility/2006" xmlns:mv="urn:schemas-microsoft-com:mac:vml" xmlns:p="http://schemas.openxmlformats.org/presentationml/2006/main" mc:Ignorable="mv" mc:PreserveAttributes="mv:*">
+<p:sld xmlns:a="http://schemas.openxmlformats.org/drawingml/2006/main" xmlns:r="http://schemas.openxmlformats.org/officeDocument/2006/relationships" xmlns:p="http://schemas.openxmlformats.org/presentationml/2006/main">
   <p:cSld>
     <p:spTree>
       <p:nvGrpSpPr>
@@ -22422,7 +22422,7 @@
     </p:spTree>
     <p:extLst>
       <p:ext uri="{BB962C8B-B14F-4D97-AF65-F5344CB8AC3E}">
-        <p14:creationId xmlns:mc="http://schemas.openxmlformats.org/markup-compatibility/2006" xmlns:mv="urn:schemas-microsoft-com:mac:vml" xmlns:p14="http://schemas.microsoft.com/office/powerpoint/2010/main" xmlns:p="http://schemas.openxmlformats.org/presentationml/2006/main" xmlns:r="http://schemas.openxmlformats.org/officeDocument/2006/relationships" xmlns:a="http://schemas.openxmlformats.org/drawingml/2006/main" xmlns="" val="1646369423"/>
+        <p14:creationId xmlns:p14="http://schemas.microsoft.com/office/powerpoint/2010/main" val="1646369423"/>
       </p:ext>
     </p:extLst>
   </p:cSld>
@@ -22432,7 +22432,7 @@
   <p:timing>
     <p:tnLst>
       <p:par>
-        <p:cTn id="1" dur="indefinite" restart="never" nodeType="tmRoot"/>
+        <p:cTn xmlns:p14="http://schemas.microsoft.com/office/powerpoint/2010/main" id="1" dur="indefinite" restart="never" nodeType="tmRoot"/>
       </p:par>
     </p:tnLst>
   </p:timing>
@@ -22440,7 +22440,7 @@
 </file>
 
 <file path=ppt/slides/slide35.xml><?xml version="1.0" encoding="utf-8"?>
-<p:sld xmlns:a="http://schemas.openxmlformats.org/drawingml/2006/main" xmlns:r="http://schemas.openxmlformats.org/officeDocument/2006/relationships" xmlns:mc="http://schemas.openxmlformats.org/markup-compatibility/2006" xmlns:mv="urn:schemas-microsoft-com:mac:vml" xmlns:p="http://schemas.openxmlformats.org/presentationml/2006/main" mc:Ignorable="mv" mc:PreserveAttributes="mv:*">
+<p:sld xmlns:a="http://schemas.openxmlformats.org/drawingml/2006/main" xmlns:r="http://schemas.openxmlformats.org/officeDocument/2006/relationships" xmlns:p="http://schemas.openxmlformats.org/presentationml/2006/main">
   <p:cSld>
     <p:spTree>
       <p:nvGrpSpPr>
@@ -22534,18 +22534,18 @@
     </p:spTree>
     <p:extLst>
       <p:ext uri="{BB962C8B-B14F-4D97-AF65-F5344CB8AC3E}">
-        <p14:creationId xmlns:mc="http://schemas.openxmlformats.org/markup-compatibility/2006" xmlns:mv="urn:schemas-microsoft-com:mac:vml" xmlns:p14="http://schemas.microsoft.com/office/powerpoint/2010/main" xmlns:p="http://schemas.openxmlformats.org/presentationml/2006/main" xmlns:r="http://schemas.openxmlformats.org/officeDocument/2006/relationships" xmlns:a="http://schemas.openxmlformats.org/drawingml/2006/main" xmlns="" val="3623765192"/>
+        <p14:creationId xmlns:p14="http://schemas.microsoft.com/office/powerpoint/2010/main" val="3623765192"/>
       </p:ext>
     </p:extLst>
   </p:cSld>
   <p:clrMapOvr>
     <a:masterClrMapping/>
   </p:clrMapOvr>
-  <p:transition/>
+  <p:transition xmlns:p14="http://schemas.microsoft.com/office/powerpoint/2010/main"/>
   <p:timing>
     <p:tnLst>
       <p:par>
-        <p:cTn id="1" dur="indefinite" restart="never" nodeType="tmRoot"/>
+        <p:cTn xmlns:p14="http://schemas.microsoft.com/office/powerpoint/2010/main" id="1" dur="indefinite" restart="never" nodeType="tmRoot"/>
       </p:par>
     </p:tnLst>
   </p:timing>
@@ -22553,7 +22553,7 @@
 </file>
 
 <file path=ppt/slides/slide36.xml><?xml version="1.0" encoding="utf-8"?>
-<p:sld xmlns:a="http://schemas.openxmlformats.org/drawingml/2006/main" xmlns:r="http://schemas.openxmlformats.org/officeDocument/2006/relationships" xmlns:mc="http://schemas.openxmlformats.org/markup-compatibility/2006" xmlns:mv="urn:schemas-microsoft-com:mac:vml" xmlns:p="http://schemas.openxmlformats.org/presentationml/2006/main" mc:Ignorable="mv" mc:PreserveAttributes="mv:*">
+<p:sld xmlns:a="http://schemas.openxmlformats.org/drawingml/2006/main" xmlns:r="http://schemas.openxmlformats.org/officeDocument/2006/relationships" xmlns:p="http://schemas.openxmlformats.org/presentationml/2006/main">
   <p:cSld>
     <p:spTree>
       <p:nvGrpSpPr>
@@ -22633,20 +22633,20 @@
     </p:spTree>
     <p:extLst>
       <p:ext uri="{BB962C8B-B14F-4D97-AF65-F5344CB8AC3E}">
-        <p14:creationId xmlns:mc="http://schemas.openxmlformats.org/markup-compatibility/2006" xmlns:mv="urn:schemas-microsoft-com:mac:vml" xmlns:p14="http://schemas.microsoft.com/office/powerpoint/2010/main" xmlns:p="http://schemas.openxmlformats.org/presentationml/2006/main" xmlns:r="http://schemas.openxmlformats.org/officeDocument/2006/relationships" xmlns:a="http://schemas.openxmlformats.org/drawingml/2006/main" xmlns="" val="3749840555"/>
+        <p14:creationId xmlns:p14="http://schemas.microsoft.com/office/powerpoint/2010/main" val="3749840555"/>
       </p:ext>
     </p:extLst>
   </p:cSld>
   <p:clrMapOvr>
     <a:masterClrMapping/>
   </p:clrMapOvr>
-  <p:transition spd="med">
+  <p:transition xmlns:p14="http://schemas.microsoft.com/office/powerpoint/2010/main" spd="med">
     <p:fade/>
   </p:transition>
   <p:timing>
     <p:tnLst>
       <p:par>
-        <p:cTn id="1" dur="indefinite" restart="never" nodeType="tmRoot"/>
+        <p:cTn xmlns:p14="http://schemas.microsoft.com/office/powerpoint/2010/main" id="1" dur="indefinite" restart="never" nodeType="tmRoot"/>
       </p:par>
     </p:tnLst>
   </p:timing>
@@ -22654,7 +22654,7 @@
 </file>
 
 <file path=ppt/slides/slide37.xml><?xml version="1.0" encoding="utf-8"?>
-<p:sld xmlns:a="http://schemas.openxmlformats.org/drawingml/2006/main" xmlns:r="http://schemas.openxmlformats.org/officeDocument/2006/relationships" xmlns:mc="http://schemas.openxmlformats.org/markup-compatibility/2006" xmlns:mv="urn:schemas-microsoft-com:mac:vml" xmlns:p="http://schemas.openxmlformats.org/presentationml/2006/main" mc:Ignorable="mv" mc:PreserveAttributes="mv:*">
+<p:sld xmlns:a="http://schemas.openxmlformats.org/drawingml/2006/main" xmlns:r="http://schemas.openxmlformats.org/officeDocument/2006/relationships" xmlns:p="http://schemas.openxmlformats.org/presentationml/2006/main">
   <p:cSld>
     <p:spTree>
       <p:nvGrpSpPr>
@@ -22692,14 +22692,14 @@
           </a:ln>
           <a:extLst>
             <a:ext uri="{909E8E84-426E-40dd-AFC4-6F175D3DCCD1}">
-              <a14:hiddenFill xmlns:mc="http://schemas.openxmlformats.org/markup-compatibility/2006" xmlns:mv="urn:schemas-microsoft-com:mac:vml" xmlns:a14="http://schemas.microsoft.com/office/drawing/2010/main" xmlns:p="http://schemas.openxmlformats.org/presentationml/2006/main" xmlns:r="http://schemas.openxmlformats.org/officeDocument/2006/relationships" xmlns:a="http://schemas.openxmlformats.org/drawingml/2006/main" xmlns="">
+              <a14:hiddenFill xmlns:a14="http://schemas.microsoft.com/office/drawing/2010/main">
                 <a:solidFill>
                   <a:srgbClr val="FFFFFF"/>
                 </a:solidFill>
               </a14:hiddenFill>
             </a:ext>
             <a:ext uri="{91240B29-F687-4f45-9708-019B960494DF}">
-              <a14:hiddenLine xmlns:mc="http://schemas.openxmlformats.org/markup-compatibility/2006" xmlns:mv="urn:schemas-microsoft-com:mac:vml" xmlns:a14="http://schemas.microsoft.com/office/drawing/2010/main" xmlns:p="http://schemas.openxmlformats.org/presentationml/2006/main" xmlns:r="http://schemas.openxmlformats.org/officeDocument/2006/relationships" xmlns:a="http://schemas.openxmlformats.org/drawingml/2006/main" xmlns="" w="9525">
+              <a14:hiddenLine xmlns:a14="http://schemas.microsoft.com/office/drawing/2010/main" w="9525">
                 <a:solidFill>
                   <a:srgbClr val="000000"/>
                 </a:solidFill>
@@ -23014,20 +23014,20 @@
     </p:spTree>
     <p:extLst>
       <p:ext uri="{BB962C8B-B14F-4D97-AF65-F5344CB8AC3E}">
-        <p14:creationId xmlns:mc="http://schemas.openxmlformats.org/markup-compatibility/2006" xmlns:mv="urn:schemas-microsoft-com:mac:vml" xmlns:p14="http://schemas.microsoft.com/office/powerpoint/2010/main" xmlns:p="http://schemas.openxmlformats.org/presentationml/2006/main" xmlns:r="http://schemas.openxmlformats.org/officeDocument/2006/relationships" xmlns:a="http://schemas.openxmlformats.org/drawingml/2006/main" xmlns="" val="3364162847"/>
+        <p14:creationId xmlns:p14="http://schemas.microsoft.com/office/powerpoint/2010/main" val="3364162847"/>
       </p:ext>
     </p:extLst>
   </p:cSld>
   <p:clrMapOvr>
     <a:masterClrMapping/>
   </p:clrMapOvr>
-  <p:transition>
+  <p:transition xmlns:p14="http://schemas.microsoft.com/office/powerpoint/2010/main">
     <p:fade/>
   </p:transition>
   <p:timing>
     <p:tnLst>
       <p:par>
-        <p:cTn id="1" dur="indefinite" restart="never" nodeType="tmRoot"/>
+        <p:cTn xmlns:p14="http://schemas.microsoft.com/office/powerpoint/2010/main" id="1" dur="indefinite" restart="never" nodeType="tmRoot"/>
       </p:par>
     </p:tnLst>
   </p:timing>
@@ -23035,7 +23035,7 @@
 </file>
 
 <file path=ppt/slides/slide38.xml><?xml version="1.0" encoding="utf-8"?>
-<p:sld xmlns:a="http://schemas.openxmlformats.org/drawingml/2006/main" xmlns:r="http://schemas.openxmlformats.org/officeDocument/2006/relationships" xmlns:mc="http://schemas.openxmlformats.org/markup-compatibility/2006" xmlns:mv="urn:schemas-microsoft-com:mac:vml" xmlns:p="http://schemas.openxmlformats.org/presentationml/2006/main" mc:Ignorable="mv" mc:PreserveAttributes="mv:*">
+<p:sld xmlns:a="http://schemas.openxmlformats.org/drawingml/2006/main" xmlns:r="http://schemas.openxmlformats.org/officeDocument/2006/relationships" xmlns:p="http://schemas.openxmlformats.org/presentationml/2006/main">
   <p:cSld>
     <p:spTree>
       <p:nvGrpSpPr>
@@ -23257,14 +23257,14 @@
           </a:ln>
           <a:extLst>
             <a:ext uri="{909E8E84-426E-40dd-AFC4-6F175D3DCCD1}">
-              <a14:hiddenFill xmlns:mc="http://schemas.openxmlformats.org/markup-compatibility/2006" xmlns:mv="urn:schemas-microsoft-com:mac:vml" xmlns:a14="http://schemas.microsoft.com/office/drawing/2010/main" xmlns:p="http://schemas.openxmlformats.org/presentationml/2006/main" xmlns:r="http://schemas.openxmlformats.org/officeDocument/2006/relationships" xmlns:a="http://schemas.openxmlformats.org/drawingml/2006/main" xmlns="">
+              <a14:hiddenFill xmlns:a14="http://schemas.microsoft.com/office/drawing/2010/main">
                 <a:solidFill>
                   <a:srgbClr val="FFFFFF"/>
                 </a:solidFill>
               </a14:hiddenFill>
             </a:ext>
             <a:ext uri="{91240B29-F687-4f45-9708-019B960494DF}">
-              <a14:hiddenLine xmlns:mc="http://schemas.openxmlformats.org/markup-compatibility/2006" xmlns:mv="urn:schemas-microsoft-com:mac:vml" xmlns:a14="http://schemas.microsoft.com/office/drawing/2010/main" xmlns:p="http://schemas.openxmlformats.org/presentationml/2006/main" xmlns:r="http://schemas.openxmlformats.org/officeDocument/2006/relationships" xmlns:a="http://schemas.openxmlformats.org/drawingml/2006/main" xmlns="" w="9525">
+              <a14:hiddenLine xmlns:a14="http://schemas.microsoft.com/office/drawing/2010/main" w="9525">
                 <a:solidFill>
                   <a:srgbClr val="000000"/>
                 </a:solidFill>
@@ -23406,7 +23406,7 @@
     </p:spTree>
     <p:extLst>
       <p:ext uri="{BB962C8B-B14F-4D97-AF65-F5344CB8AC3E}">
-        <p14:creationId xmlns:mc="http://schemas.openxmlformats.org/markup-compatibility/2006" xmlns:mv="urn:schemas-microsoft-com:mac:vml" xmlns:p14="http://schemas.microsoft.com/office/powerpoint/2010/main" xmlns:p="http://schemas.openxmlformats.org/presentationml/2006/main" xmlns:r="http://schemas.openxmlformats.org/officeDocument/2006/relationships" xmlns:a="http://schemas.openxmlformats.org/drawingml/2006/main" xmlns="" val="4088442505"/>
+        <p14:creationId xmlns:p14="http://schemas.microsoft.com/office/powerpoint/2010/main" val="4088442505"/>
       </p:ext>
     </p:extLst>
   </p:cSld>
@@ -23416,7 +23416,7 @@
   <p:timing>
     <p:tnLst>
       <p:par>
-        <p:cTn id="1" dur="indefinite" restart="never" nodeType="tmRoot"/>
+        <p:cTn xmlns:p14="http://schemas.microsoft.com/office/powerpoint/2010/main" id="1" dur="indefinite" restart="never" nodeType="tmRoot"/>
       </p:par>
     </p:tnLst>
   </p:timing>
@@ -23424,7 +23424,7 @@
 </file>
 
 <file path=ppt/slides/slide39.xml><?xml version="1.0" encoding="utf-8"?>
-<p:sld xmlns:a="http://schemas.openxmlformats.org/drawingml/2006/main" xmlns:r="http://schemas.openxmlformats.org/officeDocument/2006/relationships" xmlns:mc="http://schemas.openxmlformats.org/markup-compatibility/2006" xmlns:mv="urn:schemas-microsoft-com:mac:vml" xmlns:p="http://schemas.openxmlformats.org/presentationml/2006/main" mc:Ignorable="mv" mc:PreserveAttributes="mv:*">
+<p:sld xmlns:a="http://schemas.openxmlformats.org/drawingml/2006/main" xmlns:r="http://schemas.openxmlformats.org/officeDocument/2006/relationships" xmlns:p="http://schemas.openxmlformats.org/presentationml/2006/main">
   <p:cSld>
     <p:spTree>
       <p:nvGrpSpPr>
@@ -23518,18 +23518,18 @@
     </p:spTree>
     <p:extLst>
       <p:ext uri="{BB962C8B-B14F-4D97-AF65-F5344CB8AC3E}">
-        <p14:creationId xmlns:mc="http://schemas.openxmlformats.org/markup-compatibility/2006" xmlns:mv="urn:schemas-microsoft-com:mac:vml" xmlns:p14="http://schemas.microsoft.com/office/powerpoint/2010/main" xmlns:p="http://schemas.openxmlformats.org/presentationml/2006/main" xmlns:r="http://schemas.openxmlformats.org/officeDocument/2006/relationships" xmlns:a="http://schemas.openxmlformats.org/drawingml/2006/main" xmlns="" val="2293979386"/>
+        <p14:creationId xmlns:p14="http://schemas.microsoft.com/office/powerpoint/2010/main" val="2293979386"/>
       </p:ext>
     </p:extLst>
   </p:cSld>
   <p:clrMapOvr>
     <a:masterClrMapping/>
   </p:clrMapOvr>
-  <p:transition/>
+  <p:transition xmlns:p14="http://schemas.microsoft.com/office/powerpoint/2010/main"/>
   <p:timing>
     <p:tnLst>
       <p:par>
-        <p:cTn id="1" dur="indefinite" restart="never" nodeType="tmRoot"/>
+        <p:cTn xmlns:p14="http://schemas.microsoft.com/office/powerpoint/2010/main" id="1" dur="indefinite" restart="never" nodeType="tmRoot"/>
       </p:par>
     </p:tnLst>
   </p:timing>
@@ -23537,7 +23537,7 @@
 </file>
 
 <file path=ppt/slides/slide4.xml><?xml version="1.0" encoding="utf-8"?>
-<p:sld xmlns:a="http://schemas.openxmlformats.org/drawingml/2006/main" xmlns:r="http://schemas.openxmlformats.org/officeDocument/2006/relationships" xmlns:mc="http://schemas.openxmlformats.org/markup-compatibility/2006" xmlns:mv="urn:schemas-microsoft-com:mac:vml" xmlns:p="http://schemas.openxmlformats.org/presentationml/2006/main" mc:Ignorable="mv" mc:PreserveAttributes="mv:*">
+<p:sld xmlns:a="http://schemas.openxmlformats.org/drawingml/2006/main" xmlns:r="http://schemas.openxmlformats.org/officeDocument/2006/relationships" xmlns:p="http://schemas.openxmlformats.org/presentationml/2006/main">
   <p:cSld>
     <p:spTree>
       <p:nvGrpSpPr>
@@ -23575,14 +23575,14 @@
           </a:ln>
           <a:extLst>
             <a:ext uri="{909E8E84-426E-40dd-AFC4-6F175D3DCCD1}">
-              <a14:hiddenFill xmlns:mc="http://schemas.openxmlformats.org/markup-compatibility/2006" xmlns:mv="urn:schemas-microsoft-com:mac:vml" xmlns:a14="http://schemas.microsoft.com/office/drawing/2010/main" xmlns:p="http://schemas.openxmlformats.org/presentationml/2006/main" xmlns:r="http://schemas.openxmlformats.org/officeDocument/2006/relationships" xmlns:a="http://schemas.openxmlformats.org/drawingml/2006/main" xmlns="">
+              <a14:hiddenFill xmlns:a14="http://schemas.microsoft.com/office/drawing/2010/main">
                 <a:solidFill>
                   <a:srgbClr val="FFFFFF"/>
                 </a:solidFill>
               </a14:hiddenFill>
             </a:ext>
             <a:ext uri="{91240B29-F687-4f45-9708-019B960494DF}">
-              <a14:hiddenLine xmlns:mc="http://schemas.openxmlformats.org/markup-compatibility/2006" xmlns:mv="urn:schemas-microsoft-com:mac:vml" xmlns:a14="http://schemas.microsoft.com/office/drawing/2010/main" xmlns:p="http://schemas.openxmlformats.org/presentationml/2006/main" xmlns:r="http://schemas.openxmlformats.org/officeDocument/2006/relationships" xmlns:a="http://schemas.openxmlformats.org/drawingml/2006/main" xmlns="" w="9525">
+              <a14:hiddenLine xmlns:a14="http://schemas.microsoft.com/office/drawing/2010/main" w="9525">
                 <a:solidFill>
                   <a:srgbClr val="000000"/>
                 </a:solidFill>
@@ -23895,20 +23895,20 @@
     </p:spTree>
     <p:extLst>
       <p:ext uri="{BB962C8B-B14F-4D97-AF65-F5344CB8AC3E}">
-        <p14:creationId xmlns:mc="http://schemas.openxmlformats.org/markup-compatibility/2006" xmlns:mv="urn:schemas-microsoft-com:mac:vml" xmlns:p14="http://schemas.microsoft.com/office/powerpoint/2010/main" xmlns:p="http://schemas.openxmlformats.org/presentationml/2006/main" xmlns:r="http://schemas.openxmlformats.org/officeDocument/2006/relationships" xmlns:a="http://schemas.openxmlformats.org/drawingml/2006/main" xmlns="" val="1087471781"/>
+        <p14:creationId xmlns:p14="http://schemas.microsoft.com/office/powerpoint/2010/main" val="1087471781"/>
       </p:ext>
     </p:extLst>
   </p:cSld>
   <p:clrMapOvr>
     <a:masterClrMapping/>
   </p:clrMapOvr>
-  <p:transition>
+  <p:transition xmlns:p14="http://schemas.microsoft.com/office/powerpoint/2010/main">
     <p:fade/>
   </p:transition>
   <p:timing>
     <p:tnLst>
       <p:par>
-        <p:cTn id="1" dur="indefinite" restart="never" nodeType="tmRoot"/>
+        <p:cTn xmlns:p14="http://schemas.microsoft.com/office/powerpoint/2010/main" id="1" dur="indefinite" restart="never" nodeType="tmRoot"/>
       </p:par>
     </p:tnLst>
   </p:timing>
@@ -23916,7 +23916,7 @@
 </file>
 
 <file path=ppt/slides/slide40.xml><?xml version="1.0" encoding="utf-8"?>
-<p:sld xmlns:a="http://schemas.openxmlformats.org/drawingml/2006/main" xmlns:r="http://schemas.openxmlformats.org/officeDocument/2006/relationships" xmlns:mc="http://schemas.openxmlformats.org/markup-compatibility/2006" xmlns:mv="urn:schemas-microsoft-com:mac:vml" xmlns:p="http://schemas.openxmlformats.org/presentationml/2006/main" mc:Ignorable="mv" mc:PreserveAttributes="mv:*">
+<p:sld xmlns:a="http://schemas.openxmlformats.org/drawingml/2006/main" xmlns:r="http://schemas.openxmlformats.org/officeDocument/2006/relationships" xmlns:p="http://schemas.openxmlformats.org/presentationml/2006/main">
   <p:cSld>
     <p:spTree>
       <p:nvGrpSpPr>
@@ -23996,20 +23996,20 @@
     </p:spTree>
     <p:extLst>
       <p:ext uri="{BB962C8B-B14F-4D97-AF65-F5344CB8AC3E}">
-        <p14:creationId xmlns:mc="http://schemas.openxmlformats.org/markup-compatibility/2006" xmlns:mv="urn:schemas-microsoft-com:mac:vml" xmlns:p14="http://schemas.microsoft.com/office/powerpoint/2010/main" xmlns:p="http://schemas.openxmlformats.org/presentationml/2006/main" xmlns:r="http://schemas.openxmlformats.org/officeDocument/2006/relationships" xmlns:a="http://schemas.openxmlformats.org/drawingml/2006/main" xmlns="" val="2937540429"/>
+        <p14:creationId xmlns:p14="http://schemas.microsoft.com/office/powerpoint/2010/main" val="2937540429"/>
       </p:ext>
     </p:extLst>
   </p:cSld>
   <p:clrMapOvr>
     <a:masterClrMapping/>
   </p:clrMapOvr>
-  <p:transition spd="med">
+  <p:transition xmlns:p14="http://schemas.microsoft.com/office/powerpoint/2010/main" spd="med">
     <p:fade/>
   </p:transition>
   <p:timing>
     <p:tnLst>
       <p:par>
-        <p:cTn id="1" dur="indefinite" restart="never" nodeType="tmRoot"/>
+        <p:cTn xmlns:p14="http://schemas.microsoft.com/office/powerpoint/2010/main" id="1" dur="indefinite" restart="never" nodeType="tmRoot"/>
       </p:par>
     </p:tnLst>
   </p:timing>
@@ -24017,7 +24017,7 @@
 </file>
 
 <file path=ppt/slides/slide41.xml><?xml version="1.0" encoding="utf-8"?>
-<p:sld xmlns:a="http://schemas.openxmlformats.org/drawingml/2006/main" xmlns:r="http://schemas.openxmlformats.org/officeDocument/2006/relationships" xmlns:mc="http://schemas.openxmlformats.org/markup-compatibility/2006" xmlns:mv="urn:schemas-microsoft-com:mac:vml" xmlns:p="http://schemas.openxmlformats.org/presentationml/2006/main" mc:Ignorable="mv" mc:PreserveAttributes="mv:*">
+<p:sld xmlns:a="http://schemas.openxmlformats.org/drawingml/2006/main" xmlns:r="http://schemas.openxmlformats.org/officeDocument/2006/relationships" xmlns:p="http://schemas.openxmlformats.org/presentationml/2006/main">
   <p:cSld>
     <p:spTree>
       <p:nvGrpSpPr>
@@ -24206,7 +24206,7 @@
     </p:spTree>
     <p:extLst>
       <p:ext uri="{BB962C8B-B14F-4D97-AF65-F5344CB8AC3E}">
-        <p14:creationId xmlns:mc="http://schemas.openxmlformats.org/markup-compatibility/2006" xmlns:mv="urn:schemas-microsoft-com:mac:vml" xmlns:p14="http://schemas.microsoft.com/office/powerpoint/2010/main" xmlns:p="http://schemas.openxmlformats.org/presentationml/2006/main" xmlns:r="http://schemas.openxmlformats.org/officeDocument/2006/relationships" xmlns:a="http://schemas.openxmlformats.org/drawingml/2006/main" xmlns="" val="506313059"/>
+        <p14:creationId xmlns:p14="http://schemas.microsoft.com/office/powerpoint/2010/main" val="506313059"/>
       </p:ext>
     </p:extLst>
   </p:cSld>
@@ -24216,7 +24216,7 @@
   <p:timing>
     <p:tnLst>
       <p:par>
-        <p:cTn id="1" dur="indefinite" restart="never" nodeType="tmRoot"/>
+        <p:cTn xmlns:p14="http://schemas.microsoft.com/office/powerpoint/2010/main" id="1" dur="indefinite" restart="never" nodeType="tmRoot"/>
       </p:par>
     </p:tnLst>
   </p:timing>
@@ -24224,7 +24224,7 @@
 </file>
 
 <file path=ppt/slides/slide42.xml><?xml version="1.0" encoding="utf-8"?>
-<p:sld xmlns:a="http://schemas.openxmlformats.org/drawingml/2006/main" xmlns:r="http://schemas.openxmlformats.org/officeDocument/2006/relationships" xmlns:mc="http://schemas.openxmlformats.org/markup-compatibility/2006" xmlns:mv="urn:schemas-microsoft-com:mac:vml" xmlns:p="http://schemas.openxmlformats.org/presentationml/2006/main" mc:Ignorable="mv" mc:PreserveAttributes="mv:*">
+<p:sld xmlns:a="http://schemas.openxmlformats.org/drawingml/2006/main" xmlns:r="http://schemas.openxmlformats.org/officeDocument/2006/relationships" xmlns:p="http://schemas.openxmlformats.org/presentationml/2006/main">
   <p:cSld>
     <p:spTree>
       <p:nvGrpSpPr>
@@ -24552,7 +24552,7 @@
     </p:spTree>
     <p:extLst>
       <p:ext uri="{BB962C8B-B14F-4D97-AF65-F5344CB8AC3E}">
-        <p14:creationId xmlns:mc="http://schemas.openxmlformats.org/markup-compatibility/2006" xmlns:mv="urn:schemas-microsoft-com:mac:vml" xmlns:p14="http://schemas.microsoft.com/office/powerpoint/2010/main" xmlns:p="http://schemas.openxmlformats.org/presentationml/2006/main" xmlns:r="http://schemas.openxmlformats.org/officeDocument/2006/relationships" xmlns:a="http://schemas.openxmlformats.org/drawingml/2006/main" xmlns="" val="2877626720"/>
+        <p14:creationId xmlns:p14="http://schemas.microsoft.com/office/powerpoint/2010/main" val="2877626720"/>
       </p:ext>
     </p:extLst>
   </p:cSld>
@@ -24562,7 +24562,7 @@
   <p:timing>
     <p:tnLst>
       <p:par>
-        <p:cTn id="1" dur="indefinite" restart="never" nodeType="tmRoot"/>
+        <p:cTn xmlns:p14="http://schemas.microsoft.com/office/powerpoint/2010/main" id="1" dur="indefinite" restart="never" nodeType="tmRoot"/>
       </p:par>
     </p:tnLst>
   </p:timing>
@@ -24570,7 +24570,7 @@
 </file>
 
 <file path=ppt/slides/slide43.xml><?xml version="1.0" encoding="utf-8"?>
-<p:sld xmlns:a="http://schemas.openxmlformats.org/drawingml/2006/main" xmlns:r="http://schemas.openxmlformats.org/officeDocument/2006/relationships" xmlns:mc="http://schemas.openxmlformats.org/markup-compatibility/2006" xmlns:mv="urn:schemas-microsoft-com:mac:vml" xmlns:p="http://schemas.openxmlformats.org/presentationml/2006/main" mc:Ignorable="mv" mc:PreserveAttributes="mv:*">
+<p:sld xmlns:a="http://schemas.openxmlformats.org/drawingml/2006/main" xmlns:r="http://schemas.openxmlformats.org/officeDocument/2006/relationships" xmlns:p="http://schemas.openxmlformats.org/presentationml/2006/main">
   <p:cSld>
     <p:spTree>
       <p:nvGrpSpPr>
@@ -24664,18 +24664,18 @@
     </p:spTree>
     <p:extLst>
       <p:ext uri="{BB962C8B-B14F-4D97-AF65-F5344CB8AC3E}">
-        <p14:creationId xmlns:mc="http://schemas.openxmlformats.org/markup-compatibility/2006" xmlns:mv="urn:schemas-microsoft-com:mac:vml" xmlns:p14="http://schemas.microsoft.com/office/powerpoint/2010/main" xmlns:p="http://schemas.openxmlformats.org/presentationml/2006/main" xmlns:r="http://schemas.openxmlformats.org/officeDocument/2006/relationships" xmlns:a="http://schemas.openxmlformats.org/drawingml/2006/main" xmlns="" val="1177759058"/>
+        <p14:creationId xmlns:p14="http://schemas.microsoft.com/office/powerpoint/2010/main" val="1177759058"/>
       </p:ext>
     </p:extLst>
   </p:cSld>
   <p:clrMapOvr>
     <a:masterClrMapping/>
   </p:clrMapOvr>
-  <p:transition/>
+  <p:transition xmlns:p14="http://schemas.microsoft.com/office/powerpoint/2010/main"/>
   <p:timing>
     <p:tnLst>
       <p:par>
-        <p:cTn id="1" dur="indefinite" restart="never" nodeType="tmRoot"/>
+        <p:cTn xmlns:p14="http://schemas.microsoft.com/office/powerpoint/2010/main" id="1" dur="indefinite" restart="never" nodeType="tmRoot"/>
       </p:par>
     </p:tnLst>
   </p:timing>
@@ -24683,7 +24683,7 @@
 </file>
 
 <file path=ppt/slides/slide44.xml><?xml version="1.0" encoding="utf-8"?>
-<p:sld xmlns:a="http://schemas.openxmlformats.org/drawingml/2006/main" xmlns:r="http://schemas.openxmlformats.org/officeDocument/2006/relationships" xmlns:mc="http://schemas.openxmlformats.org/markup-compatibility/2006" xmlns:mv="urn:schemas-microsoft-com:mac:vml" xmlns:p="http://schemas.openxmlformats.org/presentationml/2006/main" mc:Ignorable="mv" mc:PreserveAttributes="mv:*">
+<p:sld xmlns:a="http://schemas.openxmlformats.org/drawingml/2006/main" xmlns:r="http://schemas.openxmlformats.org/officeDocument/2006/relationships" xmlns:p="http://schemas.openxmlformats.org/presentationml/2006/main">
   <p:cSld>
     <p:spTree>
       <p:nvGrpSpPr>
@@ -24763,20 +24763,20 @@
     </p:spTree>
     <p:extLst>
       <p:ext uri="{BB962C8B-B14F-4D97-AF65-F5344CB8AC3E}">
-        <p14:creationId xmlns:mc="http://schemas.openxmlformats.org/markup-compatibility/2006" xmlns:mv="urn:schemas-microsoft-com:mac:vml" xmlns:p14="http://schemas.microsoft.com/office/powerpoint/2010/main" xmlns:p="http://schemas.openxmlformats.org/presentationml/2006/main" xmlns:r="http://schemas.openxmlformats.org/officeDocument/2006/relationships" xmlns:a="http://schemas.openxmlformats.org/drawingml/2006/main" xmlns="" val="2593889264"/>
+        <p14:creationId xmlns:p14="http://schemas.microsoft.com/office/powerpoint/2010/main" val="2593889264"/>
       </p:ext>
     </p:extLst>
   </p:cSld>
   <p:clrMapOvr>
     <a:masterClrMapping/>
   </p:clrMapOvr>
-  <p:transition spd="med">
+  <p:transition xmlns:p14="http://schemas.microsoft.com/office/powerpoint/2010/main" spd="med">
     <p:fade/>
   </p:transition>
   <p:timing>
     <p:tnLst>
       <p:par>
-        <p:cTn id="1" dur="indefinite" restart="never" nodeType="tmRoot"/>
+        <p:cTn xmlns:p14="http://schemas.microsoft.com/office/powerpoint/2010/main" id="1" dur="indefinite" restart="never" nodeType="tmRoot"/>
       </p:par>
     </p:tnLst>
   </p:timing>
@@ -24784,7 +24784,7 @@
 </file>
 
 <file path=ppt/slides/slide45.xml><?xml version="1.0" encoding="utf-8"?>
-<p:sld xmlns:a="http://schemas.openxmlformats.org/drawingml/2006/main" xmlns:r="http://schemas.openxmlformats.org/officeDocument/2006/relationships" xmlns:mc="http://schemas.openxmlformats.org/markup-compatibility/2006" xmlns:mv="urn:schemas-microsoft-com:mac:vml" xmlns:p="http://schemas.openxmlformats.org/presentationml/2006/main" mc:Ignorable="mv" mc:PreserveAttributes="mv:*">
+<p:sld xmlns:a="http://schemas.openxmlformats.org/drawingml/2006/main" xmlns:r="http://schemas.openxmlformats.org/officeDocument/2006/relationships" xmlns:p="http://schemas.openxmlformats.org/presentationml/2006/main">
   <p:cSld>
     <p:spTree>
       <p:nvGrpSpPr>
@@ -25093,7 +25093,7 @@
     </p:spTree>
     <p:extLst>
       <p:ext uri="{BB962C8B-B14F-4D97-AF65-F5344CB8AC3E}">
-        <p14:creationId xmlns:mc="http://schemas.openxmlformats.org/markup-compatibility/2006" xmlns:mv="urn:schemas-microsoft-com:mac:vml" xmlns:p14="http://schemas.microsoft.com/office/powerpoint/2010/main" xmlns:p="http://schemas.openxmlformats.org/presentationml/2006/main" xmlns:r="http://schemas.openxmlformats.org/officeDocument/2006/relationships" xmlns:a="http://schemas.openxmlformats.org/drawingml/2006/main" xmlns="" val="1547261103"/>
+        <p14:creationId xmlns:p14="http://schemas.microsoft.com/office/powerpoint/2010/main" val="1547261103"/>
       </p:ext>
     </p:extLst>
   </p:cSld>
@@ -25103,7 +25103,7 @@
   <p:timing>
     <p:tnLst>
       <p:par>
-        <p:cTn id="1" dur="indefinite" restart="never" nodeType="tmRoot"/>
+        <p:cTn xmlns:p14="http://schemas.microsoft.com/office/powerpoint/2010/main" id="1" dur="indefinite" restart="never" nodeType="tmRoot"/>
       </p:par>
     </p:tnLst>
   </p:timing>
@@ -25111,7 +25111,7 @@
 </file>
 
 <file path=ppt/slides/slide46.xml><?xml version="1.0" encoding="utf-8"?>
-<p:sld xmlns:a="http://schemas.openxmlformats.org/drawingml/2006/main" xmlns:r="http://schemas.openxmlformats.org/officeDocument/2006/relationships" xmlns:mc="http://schemas.openxmlformats.org/markup-compatibility/2006" xmlns:mv="urn:schemas-microsoft-com:mac:vml" xmlns:p="http://schemas.openxmlformats.org/presentationml/2006/main" mc:Ignorable="mv" mc:PreserveAttributes="mv:*">
+<p:sld xmlns:a="http://schemas.openxmlformats.org/drawingml/2006/main" xmlns:r="http://schemas.openxmlformats.org/officeDocument/2006/relationships" xmlns:p="http://schemas.openxmlformats.org/presentationml/2006/main">
   <p:cSld>
     <p:spTree>
       <p:nvGrpSpPr>
@@ -25564,7 +25564,7 @@
     </p:spTree>
     <p:extLst>
       <p:ext uri="{BB962C8B-B14F-4D97-AF65-F5344CB8AC3E}">
-        <p14:creationId xmlns:mc="http://schemas.openxmlformats.org/markup-compatibility/2006" xmlns:mv="urn:schemas-microsoft-com:mac:vml" xmlns:p14="http://schemas.microsoft.com/office/powerpoint/2010/main" xmlns:p="http://schemas.openxmlformats.org/presentationml/2006/main" xmlns:r="http://schemas.openxmlformats.org/officeDocument/2006/relationships" xmlns:a="http://schemas.openxmlformats.org/drawingml/2006/main" xmlns="" val="1843576761"/>
+        <p14:creationId xmlns:p14="http://schemas.microsoft.com/office/powerpoint/2010/main" val="1843576761"/>
       </p:ext>
     </p:extLst>
   </p:cSld>
@@ -25574,7 +25574,7 @@
   <p:timing>
     <p:tnLst>
       <p:par>
-        <p:cTn id="1" dur="indefinite" restart="never" nodeType="tmRoot"/>
+        <p:cTn xmlns:p14="http://schemas.microsoft.com/office/powerpoint/2010/main" id="1" dur="indefinite" restart="never" nodeType="tmRoot"/>
       </p:par>
     </p:tnLst>
   </p:timing>
@@ -25582,7 +25582,7 @@
 </file>
 
 <file path=ppt/slides/slide47.xml><?xml version="1.0" encoding="utf-8"?>
-<p:sld xmlns:a="http://schemas.openxmlformats.org/drawingml/2006/main" xmlns:r="http://schemas.openxmlformats.org/officeDocument/2006/relationships" xmlns:mc="http://schemas.openxmlformats.org/markup-compatibility/2006" xmlns:mv="urn:schemas-microsoft-com:mac:vml" xmlns:p="http://schemas.openxmlformats.org/presentationml/2006/main" mc:Ignorable="mv" mc:PreserveAttributes="mv:*">
+<p:sld xmlns:a="http://schemas.openxmlformats.org/drawingml/2006/main" xmlns:r="http://schemas.openxmlformats.org/officeDocument/2006/relationships" xmlns:p="http://schemas.openxmlformats.org/presentationml/2006/main">
   <p:cSld>
     <p:spTree>
       <p:nvGrpSpPr>
@@ -25664,14 +25664,7 @@
                 <a:latin typeface="Arial" charset="0"/>
                 <a:ea typeface="ＭＳ Ｐゴシック" charset="0"/>
               </a:rPr>
-              <a:t>Limit response size by using the "all", "any" or "none" </a:t>
-            </a:r>
-            <a:r>
-              <a:rPr lang="en-US" sz="3000" dirty="0" smtClean="0">
-                <a:latin typeface="Arial" charset="0"/>
-                <a:ea typeface="ＭＳ Ｐゴシック" charset="0"/>
-              </a:rPr>
-              <a:t>parameters</a:t>
+              <a:t>Limit response size by using the "all", "any" or "none" parameters</a:t>
             </a:r>
           </a:p>
           <a:p>
@@ -25713,15 +25706,7 @@
                 <a:ea typeface="ＭＳ Ｐゴシック" charset="0"/>
                 <a:cs typeface="Source Code Pro"/>
               </a:rPr>
-              <a:t>&amp;all</a:t>
-            </a:r>
-            <a:r>
-              <a:rPr lang="en-US" sz="3000" dirty="0" smtClean="0">
-                <a:latin typeface="Source Code Pro"/>
-                <a:ea typeface="ＭＳ Ｐゴシック" charset="0"/>
-                <a:cs typeface="Source Code Pro"/>
-              </a:rPr>
-              <a:t>=</a:t>
+              <a:t>&amp;all=</a:t>
             </a:r>
             <a:r>
               <a:rPr lang="en-US" sz="3000" dirty="0" err="1" smtClean="0">
@@ -25793,15 +25778,7 @@
                 <a:ea typeface="ＭＳ Ｐゴシック" charset="0"/>
                 <a:cs typeface="Source Code Pro"/>
               </a:rPr>
-              <a:t>	&amp;any</a:t>
-            </a:r>
-            <a:r>
-              <a:rPr lang="en-US" sz="3000" dirty="0" smtClean="0">
-                <a:latin typeface="Source Code Pro"/>
-                <a:ea typeface="ＭＳ Ｐゴシック" charset="0"/>
-                <a:cs typeface="Source Code Pro"/>
-              </a:rPr>
-              <a:t>=</a:t>
+              <a:t>	&amp;any=</a:t>
             </a:r>
             <a:r>
               <a:rPr lang="en-US" sz="3000" dirty="0" err="1" smtClean="0">
@@ -25877,15 +25854,7 @@
                 <a:ea typeface="ＭＳ Ｐゴシック" charset="0"/>
                 <a:cs typeface="Source Code Pro"/>
               </a:rPr>
-              <a:t>	&amp;none</a:t>
-            </a:r>
-            <a:r>
-              <a:rPr lang="en-US" sz="3000" dirty="0" smtClean="0">
-                <a:latin typeface="Source Code Pro"/>
-                <a:ea typeface="ＭＳ Ｐゴシック" charset="0"/>
-                <a:cs typeface="Source Code Pro"/>
-              </a:rPr>
-              <a:t>=</a:t>
+              <a:t>	&amp;none=</a:t>
             </a:r>
             <a:r>
               <a:rPr lang="en-US" sz="3000" dirty="0" err="1" smtClean="0">
@@ -25924,21 +25893,7 @@
                 <a:latin typeface="Arial" charset="0"/>
                 <a:ea typeface="ＭＳ Ｐゴシック" charset="0"/>
               </a:rPr>
-              <a:t>)</a:t>
-            </a:r>
-            <a:r>
-              <a:rPr lang="en-US" sz="3000" smtClean="0">
-                <a:latin typeface="Arial" charset="0"/>
-                <a:ea typeface="ＭＳ Ｐゴシック" charset="0"/>
-              </a:rPr>
-              <a:t> </a:t>
-            </a:r>
-            <a:r>
-              <a:rPr lang="en-US" sz="3000" smtClean="0">
-                <a:latin typeface="Arial" charset="0"/>
-                <a:ea typeface="ＭＳ Ｐゴシック" charset="0"/>
-              </a:rPr>
-              <a:t> </a:t>
+              <a:t>)  </a:t>
             </a:r>
             <a:endParaRPr lang="en-US" sz="3000" dirty="0" smtClean="0">
               <a:latin typeface="Arial" charset="0"/>
@@ -26003,7 +25958,7 @@
     </p:spTree>
     <p:extLst>
       <p:ext uri="{BB962C8B-B14F-4D97-AF65-F5344CB8AC3E}">
-        <p14:creationId xmlns:mc="http://schemas.openxmlformats.org/markup-compatibility/2006" xmlns:mv="urn:schemas-microsoft-com:mac:vml" xmlns:p14="http://schemas.microsoft.com/office/powerpoint/2010/main" xmlns:p="http://schemas.openxmlformats.org/presentationml/2006/main" xmlns:r="http://schemas.openxmlformats.org/officeDocument/2006/relationships" xmlns:a="http://schemas.openxmlformats.org/drawingml/2006/main" xmlns="" val="1843576761"/>
+        <p14:creationId xmlns:p14="http://schemas.microsoft.com/office/powerpoint/2010/main" val="1843576761"/>
       </p:ext>
     </p:extLst>
   </p:cSld>
@@ -26013,7 +25968,7 @@
   <p:timing>
     <p:tnLst>
       <p:par>
-        <p:cTn id="1" dur="indefinite" restart="never" nodeType="tmRoot"/>
+        <p:cTn xmlns:p14="http://schemas.microsoft.com/office/powerpoint/2010/main" id="1" dur="indefinite" restart="never" nodeType="tmRoot"/>
       </p:par>
     </p:tnLst>
   </p:timing>
@@ -26021,7 +25976,7 @@
 </file>
 
 <file path=ppt/slides/slide48.xml><?xml version="1.0" encoding="utf-8"?>
-<p:sld xmlns:a="http://schemas.openxmlformats.org/drawingml/2006/main" xmlns:r="http://schemas.openxmlformats.org/officeDocument/2006/relationships" xmlns:mc="http://schemas.openxmlformats.org/markup-compatibility/2006" xmlns:mv="urn:schemas-microsoft-com:mac:vml" xmlns:p="http://schemas.openxmlformats.org/presentationml/2006/main" mc:Ignorable="mv" mc:PreserveAttributes="mv:*">
+<p:sld xmlns:a="http://schemas.openxmlformats.org/drawingml/2006/main" xmlns:r="http://schemas.openxmlformats.org/officeDocument/2006/relationships" xmlns:p="http://schemas.openxmlformats.org/presentationml/2006/main">
   <p:cSld>
     <p:spTree>
       <p:nvGrpSpPr>
@@ -26115,18 +26070,18 @@
     </p:spTree>
     <p:extLst>
       <p:ext uri="{BB962C8B-B14F-4D97-AF65-F5344CB8AC3E}">
-        <p14:creationId xmlns:mc="http://schemas.openxmlformats.org/markup-compatibility/2006" xmlns:mv="urn:schemas-microsoft-com:mac:vml" xmlns:p14="http://schemas.microsoft.com/office/powerpoint/2010/main" xmlns:p="http://schemas.openxmlformats.org/presentationml/2006/main" xmlns:r="http://schemas.openxmlformats.org/officeDocument/2006/relationships" xmlns:a="http://schemas.openxmlformats.org/drawingml/2006/main" xmlns="" val="2397167332"/>
+        <p14:creationId xmlns:p14="http://schemas.microsoft.com/office/powerpoint/2010/main" val="2397167332"/>
       </p:ext>
     </p:extLst>
   </p:cSld>
   <p:clrMapOvr>
     <a:masterClrMapping/>
   </p:clrMapOvr>
-  <p:transition/>
+  <p:transition xmlns:p14="http://schemas.microsoft.com/office/powerpoint/2010/main"/>
   <p:timing>
     <p:tnLst>
       <p:par>
-        <p:cTn id="1" dur="indefinite" restart="never" nodeType="tmRoot"/>
+        <p:cTn xmlns:p14="http://schemas.microsoft.com/office/powerpoint/2010/main" id="1" dur="indefinite" restart="never" nodeType="tmRoot"/>
       </p:par>
     </p:tnLst>
   </p:timing>
@@ -26134,7 +26089,7 @@
 </file>
 
 <file path=ppt/slides/slide49.xml><?xml version="1.0" encoding="utf-8"?>
-<p:sld xmlns:a="http://schemas.openxmlformats.org/drawingml/2006/main" xmlns:r="http://schemas.openxmlformats.org/officeDocument/2006/relationships" xmlns:mc="http://schemas.openxmlformats.org/markup-compatibility/2006" xmlns:mv="urn:schemas-microsoft-com:mac:vml" xmlns:p="http://schemas.openxmlformats.org/presentationml/2006/main" mc:Ignorable="mv" mc:PreserveAttributes="mv:*">
+<p:sld xmlns:a="http://schemas.openxmlformats.org/drawingml/2006/main" xmlns:r="http://schemas.openxmlformats.org/officeDocument/2006/relationships" xmlns:p="http://schemas.openxmlformats.org/presentationml/2006/main">
   <p:cSld>
     <p:spTree>
       <p:nvGrpSpPr>
@@ -26214,20 +26169,20 @@
     </p:spTree>
     <p:extLst>
       <p:ext uri="{BB962C8B-B14F-4D97-AF65-F5344CB8AC3E}">
-        <p14:creationId xmlns:mc="http://schemas.openxmlformats.org/markup-compatibility/2006" xmlns:mv="urn:schemas-microsoft-com:mac:vml" xmlns:p14="http://schemas.microsoft.com/office/powerpoint/2010/main" xmlns:p="http://schemas.openxmlformats.org/presentationml/2006/main" xmlns:r="http://schemas.openxmlformats.org/officeDocument/2006/relationships" xmlns:a="http://schemas.openxmlformats.org/drawingml/2006/main" xmlns="" val="285519549"/>
+        <p14:creationId xmlns:p14="http://schemas.microsoft.com/office/powerpoint/2010/main" val="285519549"/>
       </p:ext>
     </p:extLst>
   </p:cSld>
   <p:clrMapOvr>
     <a:masterClrMapping/>
   </p:clrMapOvr>
-  <p:transition spd="med">
+  <p:transition xmlns:p14="http://schemas.microsoft.com/office/powerpoint/2010/main" spd="med">
     <p:fade/>
   </p:transition>
   <p:timing>
     <p:tnLst>
       <p:par>
-        <p:cTn id="1" dur="indefinite" restart="never" nodeType="tmRoot"/>
+        <p:cTn xmlns:p14="http://schemas.microsoft.com/office/powerpoint/2010/main" id="1" dur="indefinite" restart="never" nodeType="tmRoot"/>
       </p:par>
     </p:tnLst>
   </p:timing>
@@ -26235,7 +26190,7 @@
 </file>
 
 <file path=ppt/slides/slide5.xml><?xml version="1.0" encoding="utf-8"?>
-<p:sld xmlns:a="http://schemas.openxmlformats.org/drawingml/2006/main" xmlns:r="http://schemas.openxmlformats.org/officeDocument/2006/relationships" xmlns:mc="http://schemas.openxmlformats.org/markup-compatibility/2006" xmlns:mv="urn:schemas-microsoft-com:mac:vml" xmlns:p="http://schemas.openxmlformats.org/presentationml/2006/main" mc:Ignorable="mv" mc:PreserveAttributes="mv:*">
+<p:sld xmlns:a="http://schemas.openxmlformats.org/drawingml/2006/main" xmlns:r="http://schemas.openxmlformats.org/officeDocument/2006/relationships" xmlns:p="http://schemas.openxmlformats.org/presentationml/2006/main">
   <p:cSld>
     <p:spTree>
       <p:nvGrpSpPr>
@@ -26273,14 +26228,14 @@
           </a:ln>
           <a:extLst>
             <a:ext uri="{909E8E84-426E-40dd-AFC4-6F175D3DCCD1}">
-              <a14:hiddenFill xmlns:mc="http://schemas.openxmlformats.org/markup-compatibility/2006" xmlns:mv="urn:schemas-microsoft-com:mac:vml" xmlns:a14="http://schemas.microsoft.com/office/drawing/2010/main" xmlns:p="http://schemas.openxmlformats.org/presentationml/2006/main" xmlns:r="http://schemas.openxmlformats.org/officeDocument/2006/relationships" xmlns:a="http://schemas.openxmlformats.org/drawingml/2006/main" xmlns="">
+              <a14:hiddenFill xmlns:a14="http://schemas.microsoft.com/office/drawing/2010/main">
                 <a:solidFill>
                   <a:srgbClr val="FFFFFF"/>
                 </a:solidFill>
               </a14:hiddenFill>
             </a:ext>
             <a:ext uri="{91240B29-F687-4f45-9708-019B960494DF}">
-              <a14:hiddenLine xmlns:mc="http://schemas.openxmlformats.org/markup-compatibility/2006" xmlns:mv="urn:schemas-microsoft-com:mac:vml" xmlns:a14="http://schemas.microsoft.com/office/drawing/2010/main" xmlns:p="http://schemas.openxmlformats.org/presentationml/2006/main" xmlns:r="http://schemas.openxmlformats.org/officeDocument/2006/relationships" xmlns:a="http://schemas.openxmlformats.org/drawingml/2006/main" xmlns="" w="9525">
+              <a14:hiddenLine xmlns:a14="http://schemas.microsoft.com/office/drawing/2010/main" w="9525">
                 <a:solidFill>
                   <a:srgbClr val="000000"/>
                 </a:solidFill>
@@ -26721,20 +26676,20 @@
     </p:spTree>
     <p:extLst>
       <p:ext uri="{BB962C8B-B14F-4D97-AF65-F5344CB8AC3E}">
-        <p14:creationId xmlns:mc="http://schemas.openxmlformats.org/markup-compatibility/2006" xmlns:mv="urn:schemas-microsoft-com:mac:vml" xmlns:p14="http://schemas.microsoft.com/office/powerpoint/2010/main" xmlns:p="http://schemas.openxmlformats.org/presentationml/2006/main" xmlns:r="http://schemas.openxmlformats.org/officeDocument/2006/relationships" xmlns:a="http://schemas.openxmlformats.org/drawingml/2006/main" xmlns="" val="1087471781"/>
+        <p14:creationId xmlns:p14="http://schemas.microsoft.com/office/powerpoint/2010/main" val="1087471781"/>
       </p:ext>
     </p:extLst>
   </p:cSld>
   <p:clrMapOvr>
     <a:masterClrMapping/>
   </p:clrMapOvr>
-  <p:transition>
+  <p:transition xmlns:p14="http://schemas.microsoft.com/office/powerpoint/2010/main">
     <p:fade/>
   </p:transition>
   <p:timing>
     <p:tnLst>
       <p:par>
-        <p:cTn id="1" dur="indefinite" restart="never" nodeType="tmRoot"/>
+        <p:cTn xmlns:p14="http://schemas.microsoft.com/office/powerpoint/2010/main" id="1" dur="indefinite" restart="never" nodeType="tmRoot"/>
       </p:par>
     </p:tnLst>
   </p:timing>
@@ -26742,7 +26697,7 @@
 </file>
 
 <file path=ppt/slides/slide50.xml><?xml version="1.0" encoding="utf-8"?>
-<p:sld xmlns:a="http://schemas.openxmlformats.org/drawingml/2006/main" xmlns:r="http://schemas.openxmlformats.org/officeDocument/2006/relationships" xmlns:mc="http://schemas.openxmlformats.org/markup-compatibility/2006" xmlns:mv="urn:schemas-microsoft-com:mac:vml" xmlns:p="http://schemas.openxmlformats.org/presentationml/2006/main" mc:Ignorable="mv" mc:PreserveAttributes="mv:*">
+<p:sld xmlns:a="http://schemas.openxmlformats.org/drawingml/2006/main" xmlns:r="http://schemas.openxmlformats.org/officeDocument/2006/relationships" xmlns:p="http://schemas.openxmlformats.org/presentationml/2006/main">
   <p:cSld>
     <p:spTree>
       <p:nvGrpSpPr>
@@ -26968,7 +26923,7 @@
     </p:spTree>
     <p:extLst>
       <p:ext uri="{BB962C8B-B14F-4D97-AF65-F5344CB8AC3E}">
-        <p14:creationId xmlns:mc="http://schemas.openxmlformats.org/markup-compatibility/2006" xmlns:mv="urn:schemas-microsoft-com:mac:vml" xmlns:p14="http://schemas.microsoft.com/office/powerpoint/2010/main" xmlns:p="http://schemas.openxmlformats.org/presentationml/2006/main" xmlns:r="http://schemas.openxmlformats.org/officeDocument/2006/relationships" xmlns:a="http://schemas.openxmlformats.org/drawingml/2006/main" xmlns="" val="81900310"/>
+        <p14:creationId xmlns:p14="http://schemas.microsoft.com/office/powerpoint/2010/main" val="81900310"/>
       </p:ext>
     </p:extLst>
   </p:cSld>
@@ -26978,7 +26933,7 @@
   <p:timing>
     <p:tnLst>
       <p:par>
-        <p:cTn id="1" dur="indefinite" restart="never" nodeType="tmRoot"/>
+        <p:cTn xmlns:p14="http://schemas.microsoft.com/office/powerpoint/2010/main" id="1" dur="indefinite" restart="never" nodeType="tmRoot"/>
       </p:par>
     </p:tnLst>
   </p:timing>
@@ -26986,7 +26941,7 @@
 </file>
 
 <file path=ppt/slides/slide51.xml><?xml version="1.0" encoding="utf-8"?>
-<p:sld xmlns:a="http://schemas.openxmlformats.org/drawingml/2006/main" xmlns:r="http://schemas.openxmlformats.org/officeDocument/2006/relationships" xmlns:mc="http://schemas.openxmlformats.org/markup-compatibility/2006" xmlns:mv="urn:schemas-microsoft-com:mac:vml" xmlns:p="http://schemas.openxmlformats.org/presentationml/2006/main" mc:Ignorable="mv" mc:PreserveAttributes="mv:*">
+<p:sld xmlns:a="http://schemas.openxmlformats.org/drawingml/2006/main" xmlns:r="http://schemas.openxmlformats.org/officeDocument/2006/relationships" xmlns:p="http://schemas.openxmlformats.org/presentationml/2006/main">
   <p:cSld>
     <p:spTree>
       <p:nvGrpSpPr>
@@ -27085,18 +27040,18 @@
     </p:spTree>
     <p:extLst>
       <p:ext uri="{BB962C8B-B14F-4D97-AF65-F5344CB8AC3E}">
-        <p14:creationId xmlns:mc="http://schemas.openxmlformats.org/markup-compatibility/2006" xmlns:mv="urn:schemas-microsoft-com:mac:vml" xmlns:p14="http://schemas.microsoft.com/office/powerpoint/2010/main" xmlns:p="http://schemas.openxmlformats.org/presentationml/2006/main" xmlns:r="http://schemas.openxmlformats.org/officeDocument/2006/relationships" xmlns:a="http://schemas.openxmlformats.org/drawingml/2006/main" xmlns="" val="1611895689"/>
+        <p14:creationId xmlns:p14="http://schemas.microsoft.com/office/powerpoint/2010/main" val="1611895689"/>
       </p:ext>
     </p:extLst>
   </p:cSld>
   <p:clrMapOvr>
     <a:masterClrMapping/>
   </p:clrMapOvr>
-  <p:transition/>
+  <p:transition xmlns:p14="http://schemas.microsoft.com/office/powerpoint/2010/main"/>
   <p:timing>
     <p:tnLst>
       <p:par>
-        <p:cTn id="1" dur="indefinite" restart="never" nodeType="tmRoot"/>
+        <p:cTn xmlns:p14="http://schemas.microsoft.com/office/powerpoint/2010/main" id="1" dur="indefinite" restart="never" nodeType="tmRoot"/>
       </p:par>
     </p:tnLst>
   </p:timing>
@@ -27104,7 +27059,7 @@
 </file>
 
 <file path=ppt/slides/slide52.xml><?xml version="1.0" encoding="utf-8"?>
-<p:sld xmlns:a="http://schemas.openxmlformats.org/drawingml/2006/main" xmlns:r="http://schemas.openxmlformats.org/officeDocument/2006/relationships" xmlns:mc="http://schemas.openxmlformats.org/markup-compatibility/2006" xmlns:mv="urn:schemas-microsoft-com:mac:vml" xmlns:p="http://schemas.openxmlformats.org/presentationml/2006/main" mc:Ignorable="mv" mc:PreserveAttributes="mv:*">
+<p:sld xmlns:a="http://schemas.openxmlformats.org/drawingml/2006/main" xmlns:r="http://schemas.openxmlformats.org/officeDocument/2006/relationships" xmlns:p="http://schemas.openxmlformats.org/presentationml/2006/main">
   <p:cSld>
     <p:spTree>
       <p:nvGrpSpPr>
@@ -27184,20 +27139,20 @@
     </p:spTree>
     <p:extLst>
       <p:ext uri="{BB962C8B-B14F-4D97-AF65-F5344CB8AC3E}">
-        <p14:creationId xmlns:mc="http://schemas.openxmlformats.org/markup-compatibility/2006" xmlns:mv="urn:schemas-microsoft-com:mac:vml" xmlns:p14="http://schemas.microsoft.com/office/powerpoint/2010/main" xmlns:p="http://schemas.openxmlformats.org/presentationml/2006/main" xmlns:r="http://schemas.openxmlformats.org/officeDocument/2006/relationships" xmlns:a="http://schemas.openxmlformats.org/drawingml/2006/main" xmlns="" val="3643213900"/>
+        <p14:creationId xmlns:p14="http://schemas.microsoft.com/office/powerpoint/2010/main" val="3643213900"/>
       </p:ext>
     </p:extLst>
   </p:cSld>
   <p:clrMapOvr>
     <a:masterClrMapping/>
   </p:clrMapOvr>
-  <p:transition spd="med">
+  <p:transition xmlns:p14="http://schemas.microsoft.com/office/powerpoint/2010/main" spd="med">
     <p:fade/>
   </p:transition>
   <p:timing>
     <p:tnLst>
       <p:par>
-        <p:cTn id="1" dur="indefinite" restart="never" nodeType="tmRoot"/>
+        <p:cTn xmlns:p14="http://schemas.microsoft.com/office/powerpoint/2010/main" id="1" dur="indefinite" restart="never" nodeType="tmRoot"/>
       </p:par>
     </p:tnLst>
   </p:timing>
@@ -27205,7 +27160,7 @@
 </file>
 
 <file path=ppt/slides/slide53.xml><?xml version="1.0" encoding="utf-8"?>
-<p:sld xmlns:a="http://schemas.openxmlformats.org/drawingml/2006/main" xmlns:r="http://schemas.openxmlformats.org/officeDocument/2006/relationships" xmlns:mc="http://schemas.openxmlformats.org/markup-compatibility/2006" xmlns:mv="urn:schemas-microsoft-com:mac:vml" xmlns:p="http://schemas.openxmlformats.org/presentationml/2006/main" mc:Ignorable="mv" mc:PreserveAttributes="mv:*">
+<p:sld xmlns:a="http://schemas.openxmlformats.org/drawingml/2006/main" xmlns:r="http://schemas.openxmlformats.org/officeDocument/2006/relationships" xmlns:p="http://schemas.openxmlformats.org/presentationml/2006/main">
   <p:cSld>
     <p:spTree>
       <p:nvGrpSpPr>
@@ -27547,7 +27502,7 @@
     </p:spTree>
     <p:extLst>
       <p:ext uri="{BB962C8B-B14F-4D97-AF65-F5344CB8AC3E}">
-        <p14:creationId xmlns:mc="http://schemas.openxmlformats.org/markup-compatibility/2006" xmlns:mv="urn:schemas-microsoft-com:mac:vml" xmlns:p14="http://schemas.microsoft.com/office/powerpoint/2010/main" xmlns:p="http://schemas.openxmlformats.org/presentationml/2006/main" xmlns:r="http://schemas.openxmlformats.org/officeDocument/2006/relationships" xmlns:a="http://schemas.openxmlformats.org/drawingml/2006/main" xmlns="" val="926280299"/>
+        <p14:creationId xmlns:p14="http://schemas.microsoft.com/office/powerpoint/2010/main" val="926280299"/>
       </p:ext>
     </p:extLst>
   </p:cSld>
@@ -27557,7 +27512,7 @@
   <p:timing>
     <p:tnLst>
       <p:par>
-        <p:cTn id="1" dur="indefinite" restart="never" nodeType="tmRoot"/>
+        <p:cTn xmlns:p14="http://schemas.microsoft.com/office/powerpoint/2010/main" id="1" dur="indefinite" restart="never" nodeType="tmRoot"/>
       </p:par>
     </p:tnLst>
   </p:timing>
@@ -27565,7 +27520,7 @@
 </file>
 
 <file path=ppt/slides/slide54.xml><?xml version="1.0" encoding="utf-8"?>
-<p:sld xmlns:a="http://schemas.openxmlformats.org/drawingml/2006/main" xmlns:r="http://schemas.openxmlformats.org/officeDocument/2006/relationships" xmlns:mc="http://schemas.openxmlformats.org/markup-compatibility/2006" xmlns:mv="urn:schemas-microsoft-com:mac:vml" xmlns:p="http://schemas.openxmlformats.org/presentationml/2006/main" mc:Ignorable="mv" mc:PreserveAttributes="mv:*">
+<p:sld xmlns:a="http://schemas.openxmlformats.org/drawingml/2006/main" xmlns:r="http://schemas.openxmlformats.org/officeDocument/2006/relationships" xmlns:p="http://schemas.openxmlformats.org/presentationml/2006/main">
   <p:cSld>
     <p:spTree>
       <p:nvGrpSpPr>
@@ -27815,7 +27770,7 @@
     </p:spTree>
     <p:extLst>
       <p:ext uri="{BB962C8B-B14F-4D97-AF65-F5344CB8AC3E}">
-        <p14:creationId xmlns:mc="http://schemas.openxmlformats.org/markup-compatibility/2006" xmlns:mv="urn:schemas-microsoft-com:mac:vml" xmlns:p14="http://schemas.microsoft.com/office/powerpoint/2010/main" xmlns:p="http://schemas.openxmlformats.org/presentationml/2006/main" xmlns:r="http://schemas.openxmlformats.org/officeDocument/2006/relationships" xmlns:a="http://schemas.openxmlformats.org/drawingml/2006/main" xmlns="" val="3732849505"/>
+        <p14:creationId xmlns:p14="http://schemas.microsoft.com/office/powerpoint/2010/main" val="3732849505"/>
       </p:ext>
     </p:extLst>
   </p:cSld>
@@ -27825,7 +27780,7 @@
   <p:timing>
     <p:tnLst>
       <p:par>
-        <p:cTn id="1" dur="indefinite" restart="never" nodeType="tmRoot"/>
+        <p:cTn xmlns:p14="http://schemas.microsoft.com/office/powerpoint/2010/main" id="1" dur="indefinite" restart="never" nodeType="tmRoot"/>
       </p:par>
     </p:tnLst>
   </p:timing>
@@ -27833,7 +27788,7 @@
 </file>
 
 <file path=ppt/slides/slide55.xml><?xml version="1.0" encoding="utf-8"?>
-<p:sld xmlns:a="http://schemas.openxmlformats.org/drawingml/2006/main" xmlns:r="http://schemas.openxmlformats.org/officeDocument/2006/relationships" xmlns:mc="http://schemas.openxmlformats.org/markup-compatibility/2006" xmlns:mv="urn:schemas-microsoft-com:mac:vml" xmlns:p="http://schemas.openxmlformats.org/presentationml/2006/main" mc:Ignorable="mv" mc:PreserveAttributes="mv:*">
+<p:sld xmlns:a="http://schemas.openxmlformats.org/drawingml/2006/main" xmlns:r="http://schemas.openxmlformats.org/officeDocument/2006/relationships" xmlns:p="http://schemas.openxmlformats.org/presentationml/2006/main">
   <p:cSld>
     <p:spTree>
       <p:nvGrpSpPr>
@@ -27927,18 +27882,18 @@
     </p:spTree>
     <p:extLst>
       <p:ext uri="{BB962C8B-B14F-4D97-AF65-F5344CB8AC3E}">
-        <p14:creationId xmlns:mc="http://schemas.openxmlformats.org/markup-compatibility/2006" xmlns:mv="urn:schemas-microsoft-com:mac:vml" xmlns:p14="http://schemas.microsoft.com/office/powerpoint/2010/main" xmlns:p="http://schemas.openxmlformats.org/presentationml/2006/main" xmlns:r="http://schemas.openxmlformats.org/officeDocument/2006/relationships" xmlns:a="http://schemas.openxmlformats.org/drawingml/2006/main" xmlns="" val="848173977"/>
+        <p14:creationId xmlns:p14="http://schemas.microsoft.com/office/powerpoint/2010/main" val="848173977"/>
       </p:ext>
     </p:extLst>
   </p:cSld>
   <p:clrMapOvr>
     <a:masterClrMapping/>
   </p:clrMapOvr>
-  <p:transition/>
+  <p:transition xmlns:p14="http://schemas.microsoft.com/office/powerpoint/2010/main"/>
   <p:timing>
     <p:tnLst>
       <p:par>
-        <p:cTn id="1" dur="indefinite" restart="never" nodeType="tmRoot"/>
+        <p:cTn xmlns:p14="http://schemas.microsoft.com/office/powerpoint/2010/main" id="1" dur="indefinite" restart="never" nodeType="tmRoot"/>
       </p:par>
     </p:tnLst>
   </p:timing>
@@ -27946,7 +27901,7 @@
 </file>
 
 <file path=ppt/slides/slide56.xml><?xml version="1.0" encoding="utf-8"?>
-<p:sld xmlns:a="http://schemas.openxmlformats.org/drawingml/2006/main" xmlns:r="http://schemas.openxmlformats.org/officeDocument/2006/relationships" xmlns:mc="http://schemas.openxmlformats.org/markup-compatibility/2006" xmlns:mv="urn:schemas-microsoft-com:mac:vml" xmlns:p="http://schemas.openxmlformats.org/presentationml/2006/main" mc:Ignorable="mv" mc:PreserveAttributes="mv:*">
+<p:sld xmlns:a="http://schemas.openxmlformats.org/drawingml/2006/main" xmlns:r="http://schemas.openxmlformats.org/officeDocument/2006/relationships" xmlns:p="http://schemas.openxmlformats.org/presentationml/2006/main">
   <p:cSld>
     <p:spTree>
       <p:nvGrpSpPr>
@@ -28026,20 +27981,20 @@
     </p:spTree>
     <p:extLst>
       <p:ext uri="{BB962C8B-B14F-4D97-AF65-F5344CB8AC3E}">
-        <p14:creationId xmlns:mc="http://schemas.openxmlformats.org/markup-compatibility/2006" xmlns:mv="urn:schemas-microsoft-com:mac:vml" xmlns:p14="http://schemas.microsoft.com/office/powerpoint/2010/main" xmlns:p="http://schemas.openxmlformats.org/presentationml/2006/main" xmlns:r="http://schemas.openxmlformats.org/officeDocument/2006/relationships" xmlns:a="http://schemas.openxmlformats.org/drawingml/2006/main" xmlns="" val="1387629694"/>
+        <p14:creationId xmlns:p14="http://schemas.microsoft.com/office/powerpoint/2010/main" val="1387629694"/>
       </p:ext>
     </p:extLst>
   </p:cSld>
   <p:clrMapOvr>
     <a:masterClrMapping/>
   </p:clrMapOvr>
-  <p:transition spd="med">
+  <p:transition xmlns:p14="http://schemas.microsoft.com/office/powerpoint/2010/main" spd="med">
     <p:fade/>
   </p:transition>
   <p:timing>
     <p:tnLst>
       <p:par>
-        <p:cTn id="1" dur="indefinite" restart="never" nodeType="tmRoot"/>
+        <p:cTn xmlns:p14="http://schemas.microsoft.com/office/powerpoint/2010/main" id="1" dur="indefinite" restart="never" nodeType="tmRoot"/>
       </p:par>
     </p:tnLst>
   </p:timing>
@@ -28047,7 +28002,7 @@
 </file>
 
 <file path=ppt/slides/slide57.xml><?xml version="1.0" encoding="utf-8"?>
-<p:sld xmlns:a="http://schemas.openxmlformats.org/drawingml/2006/main" xmlns:r="http://schemas.openxmlformats.org/officeDocument/2006/relationships" xmlns:mc="http://schemas.openxmlformats.org/markup-compatibility/2006" xmlns:mv="urn:schemas-microsoft-com:mac:vml" xmlns:p="http://schemas.openxmlformats.org/presentationml/2006/main" mc:Ignorable="mv" mc:PreserveAttributes="mv:*">
+<p:sld xmlns:a="http://schemas.openxmlformats.org/drawingml/2006/main" xmlns:r="http://schemas.openxmlformats.org/officeDocument/2006/relationships" xmlns:p="http://schemas.openxmlformats.org/presentationml/2006/main">
   <p:cSld>
     <p:spTree>
       <p:nvGrpSpPr>
@@ -28376,7 +28331,7 @@
     </p:spTree>
     <p:extLst>
       <p:ext uri="{BB962C8B-B14F-4D97-AF65-F5344CB8AC3E}">
-        <p14:creationId xmlns:mc="http://schemas.openxmlformats.org/markup-compatibility/2006" xmlns:mv="urn:schemas-microsoft-com:mac:vml" xmlns:p14="http://schemas.microsoft.com/office/powerpoint/2010/main" xmlns:p="http://schemas.openxmlformats.org/presentationml/2006/main" xmlns:r="http://schemas.openxmlformats.org/officeDocument/2006/relationships" xmlns:a="http://schemas.openxmlformats.org/drawingml/2006/main" xmlns="" val="457078067"/>
+        <p14:creationId xmlns:p14="http://schemas.microsoft.com/office/powerpoint/2010/main" val="457078067"/>
       </p:ext>
     </p:extLst>
   </p:cSld>
@@ -28386,7 +28341,7 @@
   <p:timing>
     <p:tnLst>
       <p:par>
-        <p:cTn id="1" dur="indefinite" restart="never" nodeType="tmRoot"/>
+        <p:cTn xmlns:p14="http://schemas.microsoft.com/office/powerpoint/2010/main" id="1" dur="indefinite" restart="never" nodeType="tmRoot"/>
       </p:par>
     </p:tnLst>
   </p:timing>
@@ -28394,7 +28349,7 @@
 </file>
 
 <file path=ppt/slides/slide58.xml><?xml version="1.0" encoding="utf-8"?>
-<p:sld xmlns:a="http://schemas.openxmlformats.org/drawingml/2006/main" xmlns:r="http://schemas.openxmlformats.org/officeDocument/2006/relationships" xmlns:mc="http://schemas.openxmlformats.org/markup-compatibility/2006" xmlns:mv="urn:schemas-microsoft-com:mac:vml" xmlns:p="http://schemas.openxmlformats.org/presentationml/2006/main" mc:Ignorable="mv" mc:PreserveAttributes="mv:*">
+<p:sld xmlns:a="http://schemas.openxmlformats.org/drawingml/2006/main" xmlns:r="http://schemas.openxmlformats.org/officeDocument/2006/relationships" xmlns:p="http://schemas.openxmlformats.org/presentationml/2006/main">
   <p:cSld>
     <p:spTree>
       <p:nvGrpSpPr>
@@ -28488,18 +28443,18 @@
     </p:spTree>
     <p:extLst>
       <p:ext uri="{BB962C8B-B14F-4D97-AF65-F5344CB8AC3E}">
-        <p14:creationId xmlns:mc="http://schemas.openxmlformats.org/markup-compatibility/2006" xmlns:mv="urn:schemas-microsoft-com:mac:vml" xmlns:p14="http://schemas.microsoft.com/office/powerpoint/2010/main" xmlns:p="http://schemas.openxmlformats.org/presentationml/2006/main" xmlns:r="http://schemas.openxmlformats.org/officeDocument/2006/relationships" xmlns:a="http://schemas.openxmlformats.org/drawingml/2006/main" xmlns="" val="1643335170"/>
+        <p14:creationId xmlns:p14="http://schemas.microsoft.com/office/powerpoint/2010/main" val="1643335170"/>
       </p:ext>
     </p:extLst>
   </p:cSld>
   <p:clrMapOvr>
     <a:masterClrMapping/>
   </p:clrMapOvr>
-  <p:transition/>
+  <p:transition xmlns:p14="http://schemas.microsoft.com/office/powerpoint/2010/main"/>
   <p:timing>
     <p:tnLst>
       <p:par>
-        <p:cTn id="1" dur="indefinite" restart="never" nodeType="tmRoot"/>
+        <p:cTn xmlns:p14="http://schemas.microsoft.com/office/powerpoint/2010/main" id="1" dur="indefinite" restart="never" nodeType="tmRoot"/>
       </p:par>
     </p:tnLst>
   </p:timing>
@@ -28507,7 +28462,7 @@
 </file>
 
 <file path=ppt/slides/slide59.xml><?xml version="1.0" encoding="utf-8"?>
-<p:sld xmlns:a="http://schemas.openxmlformats.org/drawingml/2006/main" xmlns:r="http://schemas.openxmlformats.org/officeDocument/2006/relationships" xmlns:mc="http://schemas.openxmlformats.org/markup-compatibility/2006" xmlns:mv="urn:schemas-microsoft-com:mac:vml" xmlns:p="http://schemas.openxmlformats.org/presentationml/2006/main" mc:Ignorable="mv" mc:PreserveAttributes="mv:*">
+<p:sld xmlns:a="http://schemas.openxmlformats.org/drawingml/2006/main" xmlns:r="http://schemas.openxmlformats.org/officeDocument/2006/relationships" xmlns:p="http://schemas.openxmlformats.org/presentationml/2006/main">
   <p:cSld>
     <p:spTree>
       <p:nvGrpSpPr>
@@ -28590,20 +28545,20 @@
     </p:spTree>
     <p:extLst>
       <p:ext uri="{BB962C8B-B14F-4D97-AF65-F5344CB8AC3E}">
-        <p14:creationId xmlns:mc="http://schemas.openxmlformats.org/markup-compatibility/2006" xmlns:mv="urn:schemas-microsoft-com:mac:vml" xmlns:p14="http://schemas.microsoft.com/office/powerpoint/2010/main" xmlns:p="http://schemas.openxmlformats.org/presentationml/2006/main" xmlns:r="http://schemas.openxmlformats.org/officeDocument/2006/relationships" xmlns:a="http://schemas.openxmlformats.org/drawingml/2006/main" xmlns="" val="3571553270"/>
+        <p14:creationId xmlns:p14="http://schemas.microsoft.com/office/powerpoint/2010/main" val="3571553270"/>
       </p:ext>
     </p:extLst>
   </p:cSld>
   <p:clrMapOvr>
     <a:masterClrMapping/>
   </p:clrMapOvr>
-  <p:transition spd="med">
+  <p:transition xmlns:p14="http://schemas.microsoft.com/office/powerpoint/2010/main" spd="med">
     <p:fade/>
   </p:transition>
   <p:timing>
     <p:tnLst>
       <p:par>
-        <p:cTn id="1" dur="indefinite" restart="never" nodeType="tmRoot"/>
+        <p:cTn xmlns:p14="http://schemas.microsoft.com/office/powerpoint/2010/main" id="1" dur="indefinite" restart="never" nodeType="tmRoot"/>
       </p:par>
     </p:tnLst>
   </p:timing>
@@ -28611,7 +28566,7 @@
 </file>
 
 <file path=ppt/slides/slide6.xml><?xml version="1.0" encoding="utf-8"?>
-<p:sld xmlns:a="http://schemas.openxmlformats.org/drawingml/2006/main" xmlns:r="http://schemas.openxmlformats.org/officeDocument/2006/relationships" xmlns:mc="http://schemas.openxmlformats.org/markup-compatibility/2006" xmlns:mv="urn:schemas-microsoft-com:mac:vml" xmlns:p="http://schemas.openxmlformats.org/presentationml/2006/main" mc:Ignorable="mv" mc:PreserveAttributes="mv:*">
+<p:sld xmlns:a="http://schemas.openxmlformats.org/drawingml/2006/main" xmlns:r="http://schemas.openxmlformats.org/officeDocument/2006/relationships" xmlns:p="http://schemas.openxmlformats.org/presentationml/2006/main">
   <p:cSld>
     <p:spTree>
       <p:nvGrpSpPr>
@@ -28649,14 +28604,14 @@
           </a:ln>
           <a:extLst>
             <a:ext uri="{909E8E84-426E-40dd-AFC4-6F175D3DCCD1}">
-              <a14:hiddenFill xmlns:mc="http://schemas.openxmlformats.org/markup-compatibility/2006" xmlns:mv="urn:schemas-microsoft-com:mac:vml" xmlns:a14="http://schemas.microsoft.com/office/drawing/2010/main" xmlns:p="http://schemas.openxmlformats.org/presentationml/2006/main" xmlns:r="http://schemas.openxmlformats.org/officeDocument/2006/relationships" xmlns:a="http://schemas.openxmlformats.org/drawingml/2006/main" xmlns="">
+              <a14:hiddenFill xmlns:a14="http://schemas.microsoft.com/office/drawing/2010/main">
                 <a:solidFill>
                   <a:srgbClr val="FFFFFF"/>
                 </a:solidFill>
               </a14:hiddenFill>
             </a:ext>
             <a:ext uri="{91240B29-F687-4f45-9708-019B960494DF}">
-              <a14:hiddenLine xmlns:mc="http://schemas.openxmlformats.org/markup-compatibility/2006" xmlns:mv="urn:schemas-microsoft-com:mac:vml" xmlns:a14="http://schemas.microsoft.com/office/drawing/2010/main" xmlns:p="http://schemas.openxmlformats.org/presentationml/2006/main" xmlns:r="http://schemas.openxmlformats.org/officeDocument/2006/relationships" xmlns:a="http://schemas.openxmlformats.org/drawingml/2006/main" xmlns="" w="9525">
+              <a14:hiddenLine xmlns:a14="http://schemas.microsoft.com/office/drawing/2010/main" w="9525">
                 <a:solidFill>
                   <a:srgbClr val="000000"/>
                 </a:solidFill>
@@ -28986,20 +28941,20 @@
     </p:spTree>
     <p:extLst>
       <p:ext uri="{BB962C8B-B14F-4D97-AF65-F5344CB8AC3E}">
-        <p14:creationId xmlns:mc="http://schemas.openxmlformats.org/markup-compatibility/2006" xmlns:mv="urn:schemas-microsoft-com:mac:vml" xmlns:p14="http://schemas.microsoft.com/office/powerpoint/2010/main" xmlns:p="http://schemas.openxmlformats.org/presentationml/2006/main" xmlns:r="http://schemas.openxmlformats.org/officeDocument/2006/relationships" xmlns:a="http://schemas.openxmlformats.org/drawingml/2006/main" xmlns="" val="764835421"/>
+        <p14:creationId xmlns:p14="http://schemas.microsoft.com/office/powerpoint/2010/main" val="764835421"/>
       </p:ext>
     </p:extLst>
   </p:cSld>
   <p:clrMapOvr>
     <a:masterClrMapping/>
   </p:clrMapOvr>
-  <p:transition>
+  <p:transition xmlns:p14="http://schemas.microsoft.com/office/powerpoint/2010/main">
     <p:fade/>
   </p:transition>
   <p:timing>
     <p:tnLst>
       <p:par>
-        <p:cTn id="1" dur="indefinite" restart="never" nodeType="tmRoot"/>
+        <p:cTn xmlns:p14="http://schemas.microsoft.com/office/powerpoint/2010/main" id="1" dur="indefinite" restart="never" nodeType="tmRoot"/>
       </p:par>
     </p:tnLst>
   </p:timing>
@@ -29007,7 +28962,7 @@
 </file>
 
 <file path=ppt/slides/slide60.xml><?xml version="1.0" encoding="utf-8"?>
-<p:sld xmlns:a="http://schemas.openxmlformats.org/drawingml/2006/main" xmlns:r="http://schemas.openxmlformats.org/officeDocument/2006/relationships" xmlns:mc="http://schemas.openxmlformats.org/markup-compatibility/2006" xmlns:mv="urn:schemas-microsoft-com:mac:vml" xmlns:p="http://schemas.openxmlformats.org/presentationml/2006/main" mc:Ignorable="mv" mc:PreserveAttributes="mv:*">
+<p:sld xmlns:a="http://schemas.openxmlformats.org/drawingml/2006/main" xmlns:r="http://schemas.openxmlformats.org/officeDocument/2006/relationships" xmlns:p="http://schemas.openxmlformats.org/presentationml/2006/main">
   <p:cSld>
     <p:spTree>
       <p:nvGrpSpPr>
@@ -29045,14 +29000,14 @@
           </a:ln>
           <a:extLst>
             <a:ext uri="{909E8E84-426E-40dd-AFC4-6F175D3DCCD1}">
-              <a14:hiddenFill xmlns:mc="http://schemas.openxmlformats.org/markup-compatibility/2006" xmlns:mv="urn:schemas-microsoft-com:mac:vml" xmlns:a14="http://schemas.microsoft.com/office/drawing/2010/main" xmlns:p="http://schemas.openxmlformats.org/presentationml/2006/main" xmlns:r="http://schemas.openxmlformats.org/officeDocument/2006/relationships" xmlns:a="http://schemas.openxmlformats.org/drawingml/2006/main" xmlns="">
+              <a14:hiddenFill xmlns:a14="http://schemas.microsoft.com/office/drawing/2010/main">
                 <a:solidFill>
                   <a:srgbClr val="FFFFFF"/>
                 </a:solidFill>
               </a14:hiddenFill>
             </a:ext>
             <a:ext uri="{91240B29-F687-4f45-9708-019B960494DF}">
-              <a14:hiddenLine xmlns:mc="http://schemas.openxmlformats.org/markup-compatibility/2006" xmlns:mv="urn:schemas-microsoft-com:mac:vml" xmlns:a14="http://schemas.microsoft.com/office/drawing/2010/main" xmlns:p="http://schemas.openxmlformats.org/presentationml/2006/main" xmlns:r="http://schemas.openxmlformats.org/officeDocument/2006/relationships" xmlns:a="http://schemas.openxmlformats.org/drawingml/2006/main" xmlns="" w="9525">
+              <a14:hiddenLine xmlns:a14="http://schemas.microsoft.com/office/drawing/2010/main" w="9525">
                 <a:solidFill>
                   <a:srgbClr val="000000"/>
                 </a:solidFill>
@@ -29213,7 +29168,7 @@
           <a:p>
             <a:pPr eaLnBrk="1" hangingPunct="1"/>
             <a:r>
-              <a:rPr lang="en-US">
+              <a:rPr lang="en-US" dirty="0">
                 <a:latin typeface="Arial" charset="0"/>
                 <a:ea typeface="ＭＳ Ｐゴシック" charset="0"/>
               </a:rPr>
@@ -29423,39 +29378,36 @@
               <a:t>Giving partners or other affiliates the options they need without access to </a:t>
             </a:r>
             <a:r>
-              <a:rPr lang="en-US" sz="3200" dirty="0" err="1">
-                <a:latin typeface="Arial" charset="0"/>
-                <a:ea typeface="ＭＳ Ｐゴシック" charset="0"/>
-              </a:rPr>
-              <a:t>Brightcove</a:t>
-            </a:r>
-            <a:r>
-              <a:rPr lang="en-US" sz="3200" dirty="0">
-                <a:latin typeface="Arial" charset="0"/>
-                <a:ea typeface="ＭＳ Ｐゴシック" charset="0"/>
-              </a:rPr>
-              <a:t> Studio</a:t>
-            </a:r>
+              <a:rPr lang="en-US" sz="3200" smtClean="0">
+                <a:latin typeface="Arial" charset="0"/>
+                <a:ea typeface="ＭＳ Ｐゴシック" charset="0"/>
+              </a:rPr>
+              <a:t>Video Cloud Studio</a:t>
+            </a:r>
+            <a:endParaRPr lang="en-US" sz="3200" dirty="0">
+              <a:latin typeface="Arial" charset="0"/>
+              <a:ea typeface="ＭＳ Ｐゴシック" charset="0"/>
+            </a:endParaRPr>
           </a:p>
         </p:txBody>
       </p:sp>
     </p:spTree>
     <p:extLst>
       <p:ext uri="{BB962C8B-B14F-4D97-AF65-F5344CB8AC3E}">
-        <p14:creationId xmlns:mc="http://schemas.openxmlformats.org/markup-compatibility/2006" xmlns:mv="urn:schemas-microsoft-com:mac:vml" xmlns:p14="http://schemas.microsoft.com/office/powerpoint/2010/main" xmlns:p="http://schemas.openxmlformats.org/presentationml/2006/main" xmlns:r="http://schemas.openxmlformats.org/officeDocument/2006/relationships" xmlns:a="http://schemas.openxmlformats.org/drawingml/2006/main" xmlns="" val="4226440390"/>
+        <p14:creationId xmlns:p14="http://schemas.microsoft.com/office/powerpoint/2010/main" val="4226440390"/>
       </p:ext>
     </p:extLst>
   </p:cSld>
   <p:clrMapOvr>
     <a:masterClrMapping/>
   </p:clrMapOvr>
-  <p:transition>
+  <p:transition xmlns:p14="http://schemas.microsoft.com/office/powerpoint/2010/main">
     <p:fade/>
   </p:transition>
   <p:timing>
     <p:tnLst>
       <p:par>
-        <p:cTn id="1" dur="indefinite" restart="never" nodeType="tmRoot">
+        <p:cTn xmlns:p14="http://schemas.microsoft.com/office/powerpoint/2010/main" id="1" dur="indefinite" restart="never" nodeType="tmRoot">
           <p:childTnLst>
             <p:seq concurrent="1" nextAc="seek">
               <p:cTn id="2" dur="indefinite" nodeType="mainSeq">
@@ -29819,7 +29771,7 @@
 </file>
 
 <file path=ppt/slides/slide61.xml><?xml version="1.0" encoding="utf-8"?>
-<p:sld xmlns:a="http://schemas.openxmlformats.org/drawingml/2006/main" xmlns:r="http://schemas.openxmlformats.org/officeDocument/2006/relationships" xmlns:mc="http://schemas.openxmlformats.org/markup-compatibility/2006" xmlns:mv="urn:schemas-microsoft-com:mac:vml" xmlns:p="http://schemas.openxmlformats.org/presentationml/2006/main" mc:Ignorable="mv" mc:PreserveAttributes="mv:*">
+<p:sld xmlns:a="http://schemas.openxmlformats.org/drawingml/2006/main" xmlns:r="http://schemas.openxmlformats.org/officeDocument/2006/relationships" xmlns:p="http://schemas.openxmlformats.org/presentationml/2006/main">
   <p:cSld>
     <p:spTree>
       <p:nvGrpSpPr>
@@ -29857,14 +29809,14 @@
           </a:ln>
           <a:extLst>
             <a:ext uri="{909E8E84-426E-40dd-AFC4-6F175D3DCCD1}">
-              <a14:hiddenFill xmlns:mc="http://schemas.openxmlformats.org/markup-compatibility/2006" xmlns:mv="urn:schemas-microsoft-com:mac:vml" xmlns:a14="http://schemas.microsoft.com/office/drawing/2010/main" xmlns:p="http://schemas.openxmlformats.org/presentationml/2006/main" xmlns:r="http://schemas.openxmlformats.org/officeDocument/2006/relationships" xmlns:a="http://schemas.openxmlformats.org/drawingml/2006/main" xmlns="">
+              <a14:hiddenFill xmlns:a14="http://schemas.microsoft.com/office/drawing/2010/main">
                 <a:solidFill>
                   <a:srgbClr val="FFFFFF"/>
                 </a:solidFill>
               </a14:hiddenFill>
             </a:ext>
             <a:ext uri="{91240B29-F687-4f45-9708-019B960494DF}">
-              <a14:hiddenLine xmlns:mc="http://schemas.openxmlformats.org/markup-compatibility/2006" xmlns:mv="urn:schemas-microsoft-com:mac:vml" xmlns:a14="http://schemas.microsoft.com/office/drawing/2010/main" xmlns:p="http://schemas.openxmlformats.org/presentationml/2006/main" xmlns:r="http://schemas.openxmlformats.org/officeDocument/2006/relationships" xmlns:a="http://schemas.openxmlformats.org/drawingml/2006/main" xmlns="" w="9525">
+              <a14:hiddenLine xmlns:a14="http://schemas.microsoft.com/office/drawing/2010/main" w="9525">
                 <a:solidFill>
                   <a:srgbClr val="000000"/>
                 </a:solidFill>
@@ -30307,20 +30259,20 @@
     </p:spTree>
     <p:extLst>
       <p:ext uri="{BB962C8B-B14F-4D97-AF65-F5344CB8AC3E}">
-        <p14:creationId xmlns:mc="http://schemas.openxmlformats.org/markup-compatibility/2006" xmlns:mv="urn:schemas-microsoft-com:mac:vml" xmlns:p14="http://schemas.microsoft.com/office/powerpoint/2010/main" xmlns:p="http://schemas.openxmlformats.org/presentationml/2006/main" xmlns:r="http://schemas.openxmlformats.org/officeDocument/2006/relationships" xmlns:a="http://schemas.openxmlformats.org/drawingml/2006/main" xmlns="" val="3760139558"/>
+        <p14:creationId xmlns:p14="http://schemas.microsoft.com/office/powerpoint/2010/main" val="3760139558"/>
       </p:ext>
     </p:extLst>
   </p:cSld>
   <p:clrMapOvr>
     <a:masterClrMapping/>
   </p:clrMapOvr>
-  <p:transition>
+  <p:transition xmlns:p14="http://schemas.microsoft.com/office/powerpoint/2010/main">
     <p:fade/>
   </p:transition>
   <p:timing>
     <p:tnLst>
       <p:par>
-        <p:cTn id="1" dur="indefinite" restart="never" nodeType="tmRoot"/>
+        <p:cTn xmlns:p14="http://schemas.microsoft.com/office/powerpoint/2010/main" id="1" dur="indefinite" restart="never" nodeType="tmRoot"/>
       </p:par>
     </p:tnLst>
   </p:timing>
@@ -30328,7 +30280,7 @@
 </file>
 
 <file path=ppt/slides/slide62.xml><?xml version="1.0" encoding="utf-8"?>
-<p:sld xmlns:a="http://schemas.openxmlformats.org/drawingml/2006/main" xmlns:r="http://schemas.openxmlformats.org/officeDocument/2006/relationships" xmlns:mc="http://schemas.openxmlformats.org/markup-compatibility/2006" xmlns:mv="urn:schemas-microsoft-com:mac:vml" xmlns:p="http://schemas.openxmlformats.org/presentationml/2006/main" mc:Ignorable="mv" mc:PreserveAttributes="mv:*">
+<p:sld xmlns:a="http://schemas.openxmlformats.org/drawingml/2006/main" xmlns:r="http://schemas.openxmlformats.org/officeDocument/2006/relationships" xmlns:p="http://schemas.openxmlformats.org/presentationml/2006/main">
   <p:cSld>
     <p:spTree>
       <p:nvGrpSpPr>
@@ -30366,14 +30318,14 @@
           </a:ln>
           <a:extLst>
             <a:ext uri="{909E8E84-426E-40dd-AFC4-6F175D3DCCD1}">
-              <a14:hiddenFill xmlns:mc="http://schemas.openxmlformats.org/markup-compatibility/2006" xmlns:mv="urn:schemas-microsoft-com:mac:vml" xmlns:a14="http://schemas.microsoft.com/office/drawing/2010/main" xmlns:p="http://schemas.openxmlformats.org/presentationml/2006/main" xmlns:r="http://schemas.openxmlformats.org/officeDocument/2006/relationships" xmlns:a="http://schemas.openxmlformats.org/drawingml/2006/main" xmlns="">
+              <a14:hiddenFill xmlns:a14="http://schemas.microsoft.com/office/drawing/2010/main">
                 <a:solidFill>
                   <a:srgbClr val="FFFFFF"/>
                 </a:solidFill>
               </a14:hiddenFill>
             </a:ext>
             <a:ext uri="{91240B29-F687-4f45-9708-019B960494DF}">
-              <a14:hiddenLine xmlns:mc="http://schemas.openxmlformats.org/markup-compatibility/2006" xmlns:mv="urn:schemas-microsoft-com:mac:vml" xmlns:a14="http://schemas.microsoft.com/office/drawing/2010/main" xmlns:p="http://schemas.openxmlformats.org/presentationml/2006/main" xmlns:r="http://schemas.openxmlformats.org/officeDocument/2006/relationships" xmlns:a="http://schemas.openxmlformats.org/drawingml/2006/main" xmlns="" w="9525">
+              <a14:hiddenLine xmlns:a14="http://schemas.microsoft.com/office/drawing/2010/main" w="9525">
                 <a:solidFill>
                   <a:srgbClr val="000000"/>
                 </a:solidFill>
@@ -30799,20 +30751,20 @@
     </p:spTree>
     <p:extLst>
       <p:ext uri="{BB962C8B-B14F-4D97-AF65-F5344CB8AC3E}">
-        <p14:creationId xmlns:mc="http://schemas.openxmlformats.org/markup-compatibility/2006" xmlns:mv="urn:schemas-microsoft-com:mac:vml" xmlns:p14="http://schemas.microsoft.com/office/powerpoint/2010/main" xmlns:p="http://schemas.openxmlformats.org/presentationml/2006/main" xmlns:r="http://schemas.openxmlformats.org/officeDocument/2006/relationships" xmlns:a="http://schemas.openxmlformats.org/drawingml/2006/main" xmlns="" val="2186535681"/>
+        <p14:creationId xmlns:p14="http://schemas.microsoft.com/office/powerpoint/2010/main" val="2186535681"/>
       </p:ext>
     </p:extLst>
   </p:cSld>
   <p:clrMapOvr>
     <a:masterClrMapping/>
   </p:clrMapOvr>
-  <p:transition>
+  <p:transition xmlns:p14="http://schemas.microsoft.com/office/powerpoint/2010/main">
     <p:fade/>
   </p:transition>
   <p:timing>
     <p:tnLst>
       <p:par>
-        <p:cTn id="1" dur="indefinite" restart="never" nodeType="tmRoot"/>
+        <p:cTn xmlns:p14="http://schemas.microsoft.com/office/powerpoint/2010/main" id="1" dur="indefinite" restart="never" nodeType="tmRoot"/>
       </p:par>
     </p:tnLst>
   </p:timing>
@@ -30820,7 +30772,7 @@
 </file>
 
 <file path=ppt/slides/slide63.xml><?xml version="1.0" encoding="utf-8"?>
-<p:sld xmlns:a="http://schemas.openxmlformats.org/drawingml/2006/main" xmlns:r="http://schemas.openxmlformats.org/officeDocument/2006/relationships" xmlns:mc="http://schemas.openxmlformats.org/markup-compatibility/2006" xmlns:mv="urn:schemas-microsoft-com:mac:vml" xmlns:p="http://schemas.openxmlformats.org/presentationml/2006/main" mc:Ignorable="mv" mc:PreserveAttributes="mv:*">
+<p:sld xmlns:a="http://schemas.openxmlformats.org/drawingml/2006/main" xmlns:r="http://schemas.openxmlformats.org/officeDocument/2006/relationships" xmlns:p="http://schemas.openxmlformats.org/presentationml/2006/main">
   <p:cSld>
     <p:spTree>
       <p:nvGrpSpPr>
@@ -30900,20 +30852,20 @@
     </p:spTree>
     <p:extLst>
       <p:ext uri="{BB962C8B-B14F-4D97-AF65-F5344CB8AC3E}">
-        <p14:creationId xmlns:mc="http://schemas.openxmlformats.org/markup-compatibility/2006" xmlns:mv="urn:schemas-microsoft-com:mac:vml" xmlns:p14="http://schemas.microsoft.com/office/powerpoint/2010/main" xmlns:p="http://schemas.openxmlformats.org/presentationml/2006/main" xmlns:r="http://schemas.openxmlformats.org/officeDocument/2006/relationships" xmlns:a="http://schemas.openxmlformats.org/drawingml/2006/main" xmlns="" val="3465603763"/>
+        <p14:creationId xmlns:p14="http://schemas.microsoft.com/office/powerpoint/2010/main" val="3465603763"/>
       </p:ext>
     </p:extLst>
   </p:cSld>
   <p:clrMapOvr>
     <a:masterClrMapping/>
   </p:clrMapOvr>
-  <p:transition spd="med">
+  <p:transition xmlns:p14="http://schemas.microsoft.com/office/powerpoint/2010/main" spd="med">
     <p:fade/>
   </p:transition>
   <p:timing>
     <p:tnLst>
       <p:par>
-        <p:cTn id="1" dur="indefinite" restart="never" nodeType="tmRoot"/>
+        <p:cTn xmlns:p14="http://schemas.microsoft.com/office/powerpoint/2010/main" id="1" dur="indefinite" restart="never" nodeType="tmRoot"/>
       </p:par>
     </p:tnLst>
   </p:timing>
@@ -30921,7 +30873,7 @@
 </file>
 
 <file path=ppt/slides/slide64.xml><?xml version="1.0" encoding="utf-8"?>
-<p:sld xmlns:a="http://schemas.openxmlformats.org/drawingml/2006/main" xmlns:r="http://schemas.openxmlformats.org/officeDocument/2006/relationships" xmlns:mc="http://schemas.openxmlformats.org/markup-compatibility/2006" xmlns:mv="urn:schemas-microsoft-com:mac:vml" xmlns:p="http://schemas.openxmlformats.org/presentationml/2006/main" mc:Ignorable="mv" mc:PreserveAttributes="mv:*">
+<p:sld xmlns:a="http://schemas.openxmlformats.org/drawingml/2006/main" xmlns:r="http://schemas.openxmlformats.org/officeDocument/2006/relationships" xmlns:p="http://schemas.openxmlformats.org/presentationml/2006/main">
   <p:cSld>
     <p:spTree>
       <p:nvGrpSpPr>
@@ -31175,7 +31127,7 @@
     </p:spTree>
     <p:extLst>
       <p:ext uri="{BB962C8B-B14F-4D97-AF65-F5344CB8AC3E}">
-        <p14:creationId xmlns:mc="http://schemas.openxmlformats.org/markup-compatibility/2006" xmlns:mv="urn:schemas-microsoft-com:mac:vml" xmlns:p14="http://schemas.microsoft.com/office/powerpoint/2010/main" xmlns:p="http://schemas.openxmlformats.org/presentationml/2006/main" xmlns:r="http://schemas.openxmlformats.org/officeDocument/2006/relationships" xmlns:a="http://schemas.openxmlformats.org/drawingml/2006/main" xmlns="" val="2763357479"/>
+        <p14:creationId xmlns:p14="http://schemas.microsoft.com/office/powerpoint/2010/main" val="2763357479"/>
       </p:ext>
     </p:extLst>
   </p:cSld>
@@ -31185,7 +31137,7 @@
   <p:timing>
     <p:tnLst>
       <p:par>
-        <p:cTn id="1" dur="indefinite" restart="never" nodeType="tmRoot"/>
+        <p:cTn xmlns:p14="http://schemas.microsoft.com/office/powerpoint/2010/main" id="1" dur="indefinite" restart="never" nodeType="tmRoot"/>
       </p:par>
     </p:tnLst>
   </p:timing>
@@ -31193,7 +31145,7 @@
 </file>
 
 <file path=ppt/slides/slide65.xml><?xml version="1.0" encoding="utf-8"?>
-<p:sld xmlns:a="http://schemas.openxmlformats.org/drawingml/2006/main" xmlns:r="http://schemas.openxmlformats.org/officeDocument/2006/relationships" xmlns:mc="http://schemas.openxmlformats.org/markup-compatibility/2006" xmlns:mv="urn:schemas-microsoft-com:mac:vml" xmlns:p="http://schemas.openxmlformats.org/presentationml/2006/main" mc:Ignorable="mv" mc:PreserveAttributes="mv:*">
+<p:sld xmlns:a="http://schemas.openxmlformats.org/drawingml/2006/main" xmlns:r="http://schemas.openxmlformats.org/officeDocument/2006/relationships" xmlns:p="http://schemas.openxmlformats.org/presentationml/2006/main">
   <p:cSld>
     <p:spTree>
       <p:nvGrpSpPr>
@@ -31525,7 +31477,7 @@
     </p:spTree>
     <p:extLst>
       <p:ext uri="{BB962C8B-B14F-4D97-AF65-F5344CB8AC3E}">
-        <p14:creationId xmlns:mc="http://schemas.openxmlformats.org/markup-compatibility/2006" xmlns:mv="urn:schemas-microsoft-com:mac:vml" xmlns:p14="http://schemas.microsoft.com/office/powerpoint/2010/main" xmlns:p="http://schemas.openxmlformats.org/presentationml/2006/main" xmlns:r="http://schemas.openxmlformats.org/officeDocument/2006/relationships" xmlns:a="http://schemas.openxmlformats.org/drawingml/2006/main" xmlns="" val="3051877068"/>
+        <p14:creationId xmlns:p14="http://schemas.microsoft.com/office/powerpoint/2010/main" val="3051877068"/>
       </p:ext>
     </p:extLst>
   </p:cSld>
@@ -31535,7 +31487,7 @@
   <p:timing>
     <p:tnLst>
       <p:par>
-        <p:cTn id="1" dur="indefinite" restart="never" nodeType="tmRoot"/>
+        <p:cTn xmlns:p14="http://schemas.microsoft.com/office/powerpoint/2010/main" id="1" dur="indefinite" restart="never" nodeType="tmRoot"/>
       </p:par>
     </p:tnLst>
   </p:timing>
@@ -31543,7 +31495,7 @@
 </file>
 
 <file path=ppt/slides/slide66.xml><?xml version="1.0" encoding="utf-8"?>
-<p:sld xmlns:a="http://schemas.openxmlformats.org/drawingml/2006/main" xmlns:r="http://schemas.openxmlformats.org/officeDocument/2006/relationships" xmlns:mc="http://schemas.openxmlformats.org/markup-compatibility/2006" xmlns:mv="urn:schemas-microsoft-com:mac:vml" xmlns:p="http://schemas.openxmlformats.org/presentationml/2006/main" mc:Ignorable="mv" mc:PreserveAttributes="mv:*">
+<p:sld xmlns:a="http://schemas.openxmlformats.org/drawingml/2006/main" xmlns:r="http://schemas.openxmlformats.org/officeDocument/2006/relationships" xmlns:p="http://schemas.openxmlformats.org/presentationml/2006/main">
   <p:cSld>
     <p:spTree>
       <p:nvGrpSpPr>
@@ -31785,14 +31737,7 @@
                 <a:latin typeface="Arial" charset="0"/>
                 <a:ea typeface="ＭＳ Ｐゴシック" charset="0"/>
               </a:rPr>
-              <a:t>Either</a:t>
-            </a:r>
-            <a:r>
-              <a:rPr lang="en-US" sz="3700" dirty="0" smtClean="0">
-                <a:latin typeface="Arial" charset="0"/>
-                <a:ea typeface="ＭＳ Ｐゴシック" charset="0"/>
-              </a:rPr>
-              <a:t> </a:t>
+              <a:t>Either </a:t>
             </a:r>
             <a:r>
               <a:rPr lang="en-US" sz="3700" dirty="0">
@@ -31853,15 +31798,7 @@
                 <a:ea typeface="ＭＳ Ｐゴシック" charset="0"/>
                 <a:cs typeface="Source Code Pro"/>
               </a:rPr>
-              <a:t>error</a:t>
-            </a:r>
-            <a:r>
-              <a:rPr lang="en-US" altLang="ja-JP" sz="3700" dirty="0" smtClean="0">
-                <a:latin typeface="Source Code Pro"/>
-                <a:ea typeface="ＭＳ Ｐゴシック" charset="0"/>
-                <a:cs typeface="Source Code Pro"/>
-              </a:rPr>
-              <a:t>"</a:t>
+              <a:t>error"</a:t>
             </a:r>
             <a:r>
               <a:rPr lang="en-US" altLang="ja-JP" sz="3700" dirty="0" smtClean="0">
@@ -31948,7 +31885,7 @@
     </p:spTree>
     <p:extLst>
       <p:ext uri="{BB962C8B-B14F-4D97-AF65-F5344CB8AC3E}">
-        <p14:creationId xmlns:mc="http://schemas.openxmlformats.org/markup-compatibility/2006" xmlns:mv="urn:schemas-microsoft-com:mac:vml" xmlns:p14="http://schemas.microsoft.com/office/powerpoint/2010/main" xmlns:p="http://schemas.openxmlformats.org/presentationml/2006/main" xmlns:r="http://schemas.openxmlformats.org/officeDocument/2006/relationships" xmlns:a="http://schemas.openxmlformats.org/drawingml/2006/main" xmlns="" val="1078055458"/>
+        <p14:creationId xmlns:p14="http://schemas.microsoft.com/office/powerpoint/2010/main" val="1078055458"/>
       </p:ext>
     </p:extLst>
   </p:cSld>
@@ -31958,7 +31895,7 @@
   <p:timing>
     <p:tnLst>
       <p:par>
-        <p:cTn id="1" dur="indefinite" restart="never" nodeType="tmRoot"/>
+        <p:cTn xmlns:p14="http://schemas.microsoft.com/office/powerpoint/2010/main" id="1" dur="indefinite" restart="never" nodeType="tmRoot"/>
       </p:par>
     </p:tnLst>
   </p:timing>
@@ -31966,7 +31903,7 @@
 </file>
 
 <file path=ppt/slides/slide67.xml><?xml version="1.0" encoding="utf-8"?>
-<p:sld xmlns:a="http://schemas.openxmlformats.org/drawingml/2006/main" xmlns:r="http://schemas.openxmlformats.org/officeDocument/2006/relationships" xmlns:mc="http://schemas.openxmlformats.org/markup-compatibility/2006" xmlns:mv="urn:schemas-microsoft-com:mac:vml" xmlns:p="http://schemas.openxmlformats.org/presentationml/2006/main" mc:Ignorable="mv" mc:PreserveAttributes="mv:*">
+<p:sld xmlns:a="http://schemas.openxmlformats.org/drawingml/2006/main" xmlns:r="http://schemas.openxmlformats.org/officeDocument/2006/relationships" xmlns:p="http://schemas.openxmlformats.org/presentationml/2006/main">
   <p:cSld>
     <p:spTree>
       <p:nvGrpSpPr>
@@ -32073,15 +32010,7 @@
                 <a:ea typeface="ＭＳ Ｐゴシック" charset="0"/>
                 <a:cs typeface="Source Code Pro"/>
               </a:rPr>
-              <a:t>: </a:t>
-            </a:r>
-            <a:r>
-              <a:rPr lang="en-US" sz="3200" dirty="0" smtClean="0">
-                <a:latin typeface="Source Code Pro"/>
-                <a:ea typeface="ＭＳ Ｐゴシック" charset="0"/>
-                <a:cs typeface="Source Code Pro"/>
-              </a:rPr>
-              <a:t>{</a:t>
+              <a:t>: {</a:t>
             </a:r>
             <a:r>
               <a:rPr lang="en-US" sz="3200" dirty="0">
@@ -32163,11 +32092,6 @@
               </a:rPr>
               <a:t>,</a:t>
             </a:r>
-            <a:endParaRPr lang="en-US" altLang="ja-JP" sz="3200" dirty="0" smtClean="0">
-              <a:latin typeface="Source Code Pro"/>
-              <a:ea typeface="ＭＳ Ｐゴシック" charset="0"/>
-              <a:cs typeface="Source Code Pro"/>
-            </a:endParaRPr>
           </a:p>
           <a:p>
             <a:pPr lvl="1"/>
@@ -32176,14 +32100,7 @@
                 <a:latin typeface="Arial" charset="0"/>
                 <a:ea typeface="ＭＳ Ｐゴシック" charset="0"/>
               </a:rPr>
-              <a:t>Parameters including WRITE token:</a:t>
-            </a:r>
-            <a:r>
-              <a:rPr lang="en-US" altLang="ja-JP" sz="3200" dirty="0" smtClean="0">
-                <a:latin typeface="Arial" charset="0"/>
-                <a:ea typeface="ＭＳ Ｐゴシック" charset="0"/>
-              </a:rPr>
-              <a:t> </a:t>
+              <a:t>Parameters including WRITE token: </a:t>
             </a:r>
             <a:r>
               <a:rPr lang="en-US" altLang="ja-JP" sz="3200" dirty="0" smtClean="0">
@@ -32472,7 +32389,7 @@
     </p:spTree>
     <p:extLst>
       <p:ext uri="{BB962C8B-B14F-4D97-AF65-F5344CB8AC3E}">
-        <p14:creationId xmlns:mc="http://schemas.openxmlformats.org/markup-compatibility/2006" xmlns:mv="urn:schemas-microsoft-com:mac:vml" xmlns:p14="http://schemas.microsoft.com/office/powerpoint/2010/main" xmlns:p="http://schemas.openxmlformats.org/presentationml/2006/main" xmlns:r="http://schemas.openxmlformats.org/officeDocument/2006/relationships" xmlns:a="http://schemas.openxmlformats.org/drawingml/2006/main" xmlns="" val="2756965024"/>
+        <p14:creationId xmlns:p14="http://schemas.microsoft.com/office/powerpoint/2010/main" val="2756965024"/>
       </p:ext>
     </p:extLst>
   </p:cSld>
@@ -32482,7 +32399,7 @@
   <p:timing>
     <p:tnLst>
       <p:par>
-        <p:cTn id="1" dur="indefinite" restart="never" nodeType="tmRoot"/>
+        <p:cTn xmlns:p14="http://schemas.microsoft.com/office/powerpoint/2010/main" id="1" dur="indefinite" restart="never" nodeType="tmRoot"/>
       </p:par>
     </p:tnLst>
   </p:timing>
@@ -32490,7 +32407,7 @@
 </file>
 
 <file path=ppt/slides/slide68.xml><?xml version="1.0" encoding="utf-8"?>
-<p:sld xmlns:a="http://schemas.openxmlformats.org/drawingml/2006/main" xmlns:r="http://schemas.openxmlformats.org/officeDocument/2006/relationships" xmlns:mc="http://schemas.openxmlformats.org/markup-compatibility/2006" xmlns:mv="urn:schemas-microsoft-com:mac:vml" xmlns:p="http://schemas.openxmlformats.org/presentationml/2006/main" mc:Ignorable="mv" mc:PreserveAttributes="mv:*">
+<p:sld xmlns:a="http://schemas.openxmlformats.org/drawingml/2006/main" xmlns:r="http://schemas.openxmlformats.org/officeDocument/2006/relationships" xmlns:p="http://schemas.openxmlformats.org/presentationml/2006/main">
   <p:cSld>
     <p:spTree>
       <p:nvGrpSpPr>
@@ -32696,7 +32613,7 @@
     </p:spTree>
     <p:extLst>
       <p:ext uri="{BB962C8B-B14F-4D97-AF65-F5344CB8AC3E}">
-        <p14:creationId xmlns:mc="http://schemas.openxmlformats.org/markup-compatibility/2006" xmlns:mv="urn:schemas-microsoft-com:mac:vml" xmlns:p14="http://schemas.microsoft.com/office/powerpoint/2010/main" xmlns:p="http://schemas.openxmlformats.org/presentationml/2006/main" xmlns:r="http://schemas.openxmlformats.org/officeDocument/2006/relationships" xmlns:a="http://schemas.openxmlformats.org/drawingml/2006/main" xmlns="" val="2372069100"/>
+        <p14:creationId xmlns:p14="http://schemas.microsoft.com/office/powerpoint/2010/main" val="2372069100"/>
       </p:ext>
     </p:extLst>
   </p:cSld>
@@ -32706,7 +32623,7 @@
   <p:timing>
     <p:tnLst>
       <p:par>
-        <p:cTn id="1" dur="indefinite" restart="never" nodeType="tmRoot"/>
+        <p:cTn xmlns:p14="http://schemas.microsoft.com/office/powerpoint/2010/main" id="1" dur="indefinite" restart="never" nodeType="tmRoot"/>
       </p:par>
     </p:tnLst>
   </p:timing>
@@ -32714,7 +32631,7 @@
 </file>
 
 <file path=ppt/slides/slide69.xml><?xml version="1.0" encoding="utf-8"?>
-<p:sld xmlns:a="http://schemas.openxmlformats.org/drawingml/2006/main" xmlns:r="http://schemas.openxmlformats.org/officeDocument/2006/relationships" xmlns:mc="http://schemas.openxmlformats.org/markup-compatibility/2006" xmlns:mv="urn:schemas-microsoft-com:mac:vml" xmlns:p="http://schemas.openxmlformats.org/presentationml/2006/main" mc:Ignorable="mv" mc:PreserveAttributes="mv:*">
+<p:sld xmlns:a="http://schemas.openxmlformats.org/drawingml/2006/main" xmlns:r="http://schemas.openxmlformats.org/officeDocument/2006/relationships" xmlns:p="http://schemas.openxmlformats.org/presentationml/2006/main">
   <p:cSld>
     <p:spTree>
       <p:nvGrpSpPr>
@@ -32808,18 +32725,18 @@
     </p:spTree>
     <p:extLst>
       <p:ext uri="{BB962C8B-B14F-4D97-AF65-F5344CB8AC3E}">
-        <p14:creationId xmlns:mc="http://schemas.openxmlformats.org/markup-compatibility/2006" xmlns:mv="urn:schemas-microsoft-com:mac:vml" xmlns:p14="http://schemas.microsoft.com/office/powerpoint/2010/main" xmlns:p="http://schemas.openxmlformats.org/presentationml/2006/main" xmlns:r="http://schemas.openxmlformats.org/officeDocument/2006/relationships" xmlns:a="http://schemas.openxmlformats.org/drawingml/2006/main" xmlns="" val="2841730938"/>
+        <p14:creationId xmlns:p14="http://schemas.microsoft.com/office/powerpoint/2010/main" val="2841730938"/>
       </p:ext>
     </p:extLst>
   </p:cSld>
   <p:clrMapOvr>
     <a:masterClrMapping/>
   </p:clrMapOvr>
-  <p:transition/>
+  <p:transition xmlns:p14="http://schemas.microsoft.com/office/powerpoint/2010/main"/>
   <p:timing>
     <p:tnLst>
       <p:par>
-        <p:cTn id="1" dur="indefinite" restart="never" nodeType="tmRoot"/>
+        <p:cTn xmlns:p14="http://schemas.microsoft.com/office/powerpoint/2010/main" id="1" dur="indefinite" restart="never" nodeType="tmRoot"/>
       </p:par>
     </p:tnLst>
   </p:timing>
@@ -32827,7 +32744,7 @@
 </file>
 
 <file path=ppt/slides/slide7.xml><?xml version="1.0" encoding="utf-8"?>
-<p:sld xmlns:a="http://schemas.openxmlformats.org/drawingml/2006/main" xmlns:r="http://schemas.openxmlformats.org/officeDocument/2006/relationships" xmlns:mc="http://schemas.openxmlformats.org/markup-compatibility/2006" xmlns:mv="urn:schemas-microsoft-com:mac:vml" xmlns:p="http://schemas.openxmlformats.org/presentationml/2006/main" mc:Ignorable="mv" mc:PreserveAttributes="mv:*">
+<p:sld xmlns:a="http://schemas.openxmlformats.org/drawingml/2006/main" xmlns:r="http://schemas.openxmlformats.org/officeDocument/2006/relationships" xmlns:p="http://schemas.openxmlformats.org/presentationml/2006/main">
   <p:cSld>
     <p:spTree>
       <p:nvGrpSpPr>
@@ -32865,14 +32782,14 @@
           </a:ln>
           <a:extLst>
             <a:ext uri="{909E8E84-426E-40dd-AFC4-6F175D3DCCD1}">
-              <a14:hiddenFill xmlns:mc="http://schemas.openxmlformats.org/markup-compatibility/2006" xmlns:mv="urn:schemas-microsoft-com:mac:vml" xmlns:a14="http://schemas.microsoft.com/office/drawing/2010/main" xmlns:p="http://schemas.openxmlformats.org/presentationml/2006/main" xmlns:r="http://schemas.openxmlformats.org/officeDocument/2006/relationships" xmlns:a="http://schemas.openxmlformats.org/drawingml/2006/main" xmlns="">
+              <a14:hiddenFill xmlns:a14="http://schemas.microsoft.com/office/drawing/2010/main">
                 <a:solidFill>
                   <a:srgbClr val="FFFFFF"/>
                 </a:solidFill>
               </a14:hiddenFill>
             </a:ext>
             <a:ext uri="{91240B29-F687-4f45-9708-019B960494DF}">
-              <a14:hiddenLine xmlns:mc="http://schemas.openxmlformats.org/markup-compatibility/2006" xmlns:mv="urn:schemas-microsoft-com:mac:vml" xmlns:a14="http://schemas.microsoft.com/office/drawing/2010/main" xmlns:p="http://schemas.openxmlformats.org/presentationml/2006/main" xmlns:r="http://schemas.openxmlformats.org/officeDocument/2006/relationships" xmlns:a="http://schemas.openxmlformats.org/drawingml/2006/main" xmlns="" w="9525">
+              <a14:hiddenLine xmlns:a14="http://schemas.microsoft.com/office/drawing/2010/main" w="9525">
                 <a:solidFill>
                   <a:srgbClr val="000000"/>
                 </a:solidFill>
@@ -33301,20 +33218,20 @@
     </p:spTree>
     <p:extLst>
       <p:ext uri="{BB962C8B-B14F-4D97-AF65-F5344CB8AC3E}">
-        <p14:creationId xmlns:mc="http://schemas.openxmlformats.org/markup-compatibility/2006" xmlns:mv="urn:schemas-microsoft-com:mac:vml" xmlns:p14="http://schemas.microsoft.com/office/powerpoint/2010/main" xmlns:p="http://schemas.openxmlformats.org/presentationml/2006/main" xmlns:r="http://schemas.openxmlformats.org/officeDocument/2006/relationships" xmlns:a="http://schemas.openxmlformats.org/drawingml/2006/main" xmlns="" val="764835421"/>
+        <p14:creationId xmlns:p14="http://schemas.microsoft.com/office/powerpoint/2010/main" val="764835421"/>
       </p:ext>
     </p:extLst>
   </p:cSld>
   <p:clrMapOvr>
     <a:masterClrMapping/>
   </p:clrMapOvr>
-  <p:transition>
+  <p:transition xmlns:p14="http://schemas.microsoft.com/office/powerpoint/2010/main">
     <p:fade/>
   </p:transition>
   <p:timing>
     <p:tnLst>
       <p:par>
-        <p:cTn id="1" dur="indefinite" restart="never" nodeType="tmRoot"/>
+        <p:cTn xmlns:p14="http://schemas.microsoft.com/office/powerpoint/2010/main" id="1" dur="indefinite" restart="never" nodeType="tmRoot"/>
       </p:par>
     </p:tnLst>
   </p:timing>
@@ -33322,7 +33239,7 @@
 </file>
 
 <file path=ppt/slides/slide70.xml><?xml version="1.0" encoding="utf-8"?>
-<p:sld xmlns:a="http://schemas.openxmlformats.org/drawingml/2006/main" xmlns:r="http://schemas.openxmlformats.org/officeDocument/2006/relationships" xmlns:mc="http://schemas.openxmlformats.org/markup-compatibility/2006" xmlns:mv="urn:schemas-microsoft-com:mac:vml" xmlns:p="http://schemas.openxmlformats.org/presentationml/2006/main" mc:Ignorable="mv" mc:PreserveAttributes="mv:*">
+<p:sld xmlns:a="http://schemas.openxmlformats.org/drawingml/2006/main" xmlns:r="http://schemas.openxmlformats.org/officeDocument/2006/relationships" xmlns:p="http://schemas.openxmlformats.org/presentationml/2006/main">
   <p:cSld>
     <p:spTree>
       <p:nvGrpSpPr>
@@ -33402,20 +33319,20 @@
     </p:spTree>
     <p:extLst>
       <p:ext uri="{BB962C8B-B14F-4D97-AF65-F5344CB8AC3E}">
-        <p14:creationId xmlns:mc="http://schemas.openxmlformats.org/markup-compatibility/2006" xmlns:mv="urn:schemas-microsoft-com:mac:vml" xmlns:p14="http://schemas.microsoft.com/office/powerpoint/2010/main" xmlns:p="http://schemas.openxmlformats.org/presentationml/2006/main" xmlns:r="http://schemas.openxmlformats.org/officeDocument/2006/relationships" xmlns:a="http://schemas.openxmlformats.org/drawingml/2006/main" xmlns="" val="1163467958"/>
+        <p14:creationId xmlns:p14="http://schemas.microsoft.com/office/powerpoint/2010/main" val="1163467958"/>
       </p:ext>
     </p:extLst>
   </p:cSld>
   <p:clrMapOvr>
     <a:masterClrMapping/>
   </p:clrMapOvr>
-  <p:transition spd="med">
+  <p:transition xmlns:p14="http://schemas.microsoft.com/office/powerpoint/2010/main" spd="med">
     <p:fade/>
   </p:transition>
   <p:timing>
     <p:tnLst>
       <p:par>
-        <p:cTn id="1" dur="indefinite" restart="never" nodeType="tmRoot"/>
+        <p:cTn xmlns:p14="http://schemas.microsoft.com/office/powerpoint/2010/main" id="1" dur="indefinite" restart="never" nodeType="tmRoot"/>
       </p:par>
     </p:tnLst>
   </p:timing>
@@ -33423,7 +33340,7 @@
 </file>
 
 <file path=ppt/slides/slide71.xml><?xml version="1.0" encoding="utf-8"?>
-<p:sld xmlns:a="http://schemas.openxmlformats.org/drawingml/2006/main" xmlns:r="http://schemas.openxmlformats.org/officeDocument/2006/relationships" xmlns:mc="http://schemas.openxmlformats.org/markup-compatibility/2006" xmlns:mv="urn:schemas-microsoft-com:mac:vml" xmlns:p="http://schemas.openxmlformats.org/presentationml/2006/main" mc:Ignorable="mv" mc:PreserveAttributes="mv:*">
+<p:sld xmlns:a="http://schemas.openxmlformats.org/drawingml/2006/main" xmlns:r="http://schemas.openxmlformats.org/officeDocument/2006/relationships" xmlns:p="http://schemas.openxmlformats.org/presentationml/2006/main">
   <p:cSld>
     <p:spTree>
       <p:nvGrpSpPr>
@@ -33586,7 +33503,7 @@
     </p:spTree>
     <p:extLst>
       <p:ext uri="{BB962C8B-B14F-4D97-AF65-F5344CB8AC3E}">
-        <p14:creationId xmlns:mc="http://schemas.openxmlformats.org/markup-compatibility/2006" xmlns:mv="urn:schemas-microsoft-com:mac:vml" xmlns:p14="http://schemas.microsoft.com/office/powerpoint/2010/main" xmlns:p="http://schemas.openxmlformats.org/presentationml/2006/main" xmlns:r="http://schemas.openxmlformats.org/officeDocument/2006/relationships" xmlns:a="http://schemas.openxmlformats.org/drawingml/2006/main" xmlns="" val="124400554"/>
+        <p14:creationId xmlns:p14="http://schemas.microsoft.com/office/powerpoint/2010/main" val="124400554"/>
       </p:ext>
     </p:extLst>
   </p:cSld>
@@ -33596,7 +33513,7 @@
   <p:timing>
     <p:tnLst>
       <p:par>
-        <p:cTn id="1" dur="indefinite" restart="never" nodeType="tmRoot"/>
+        <p:cTn xmlns:p14="http://schemas.microsoft.com/office/powerpoint/2010/main" id="1" dur="indefinite" restart="never" nodeType="tmRoot"/>
       </p:par>
     </p:tnLst>
   </p:timing>
@@ -33604,7 +33521,7 @@
 </file>
 
 <file path=ppt/slides/slide72.xml><?xml version="1.0" encoding="utf-8"?>
-<p:sld xmlns:a="http://schemas.openxmlformats.org/drawingml/2006/main" xmlns:r="http://schemas.openxmlformats.org/officeDocument/2006/relationships" xmlns:mc="http://schemas.openxmlformats.org/markup-compatibility/2006" xmlns:mv="urn:schemas-microsoft-com:mac:vml" xmlns:p="http://schemas.openxmlformats.org/presentationml/2006/main" mc:Ignorable="mv" mc:PreserveAttributes="mv:*">
+<p:sld xmlns:a="http://schemas.openxmlformats.org/drawingml/2006/main" xmlns:r="http://schemas.openxmlformats.org/officeDocument/2006/relationships" xmlns:p="http://schemas.openxmlformats.org/presentationml/2006/main">
   <p:cSld>
     <p:spTree>
       <p:nvGrpSpPr>
@@ -33703,18 +33620,18 @@
     </p:spTree>
     <p:extLst>
       <p:ext uri="{BB962C8B-B14F-4D97-AF65-F5344CB8AC3E}">
-        <p14:creationId xmlns:mc="http://schemas.openxmlformats.org/markup-compatibility/2006" xmlns:mv="urn:schemas-microsoft-com:mac:vml" xmlns:p14="http://schemas.microsoft.com/office/powerpoint/2010/main" xmlns:p="http://schemas.openxmlformats.org/presentationml/2006/main" xmlns:r="http://schemas.openxmlformats.org/officeDocument/2006/relationships" xmlns:a="http://schemas.openxmlformats.org/drawingml/2006/main" xmlns="" val="1487571275"/>
+        <p14:creationId xmlns:p14="http://schemas.microsoft.com/office/powerpoint/2010/main" val="1487571275"/>
       </p:ext>
     </p:extLst>
   </p:cSld>
   <p:clrMapOvr>
     <a:masterClrMapping/>
   </p:clrMapOvr>
-  <p:transition/>
+  <p:transition xmlns:p14="http://schemas.microsoft.com/office/powerpoint/2010/main"/>
   <p:timing>
     <p:tnLst>
       <p:par>
-        <p:cTn id="1" dur="indefinite" restart="never" nodeType="tmRoot"/>
+        <p:cTn xmlns:p14="http://schemas.microsoft.com/office/powerpoint/2010/main" id="1" dur="indefinite" restart="never" nodeType="tmRoot"/>
       </p:par>
     </p:tnLst>
   </p:timing>
@@ -33722,7 +33639,7 @@
 </file>
 
 <file path=ppt/slides/slide73.xml><?xml version="1.0" encoding="utf-8"?>
-<p:sld xmlns:a="http://schemas.openxmlformats.org/drawingml/2006/main" xmlns:r="http://schemas.openxmlformats.org/officeDocument/2006/relationships" xmlns:mc="http://schemas.openxmlformats.org/markup-compatibility/2006" xmlns:mv="urn:schemas-microsoft-com:mac:vml" xmlns:p="http://schemas.openxmlformats.org/presentationml/2006/main" mc:Ignorable="mv" mc:PreserveAttributes="mv:*">
+<p:sld xmlns:a="http://schemas.openxmlformats.org/drawingml/2006/main" xmlns:r="http://schemas.openxmlformats.org/officeDocument/2006/relationships" xmlns:p="http://schemas.openxmlformats.org/presentationml/2006/main">
   <p:cSld>
     <p:spTree>
       <p:nvGrpSpPr>
@@ -33842,14 +33759,14 @@
           </a:ln>
           <a:extLst>
             <a:ext uri="{909E8E84-426E-40dd-AFC4-6F175D3DCCD1}">
-              <a14:hiddenFill xmlns:mc="http://schemas.openxmlformats.org/markup-compatibility/2006" xmlns:mv="urn:schemas-microsoft-com:mac:vml" xmlns:a14="http://schemas.microsoft.com/office/drawing/2010/main" xmlns:p="http://schemas.openxmlformats.org/presentationml/2006/main" xmlns:r="http://schemas.openxmlformats.org/officeDocument/2006/relationships" xmlns:a="http://schemas.openxmlformats.org/drawingml/2006/main" xmlns="">
+              <a14:hiddenFill xmlns:a14="http://schemas.microsoft.com/office/drawing/2010/main">
                 <a:solidFill>
                   <a:srgbClr val="FFFFFF"/>
                 </a:solidFill>
               </a14:hiddenFill>
             </a:ext>
             <a:ext uri="{91240B29-F687-4f45-9708-019B960494DF}">
-              <a14:hiddenLine xmlns:mc="http://schemas.openxmlformats.org/markup-compatibility/2006" xmlns:mv="urn:schemas-microsoft-com:mac:vml" xmlns:a14="http://schemas.microsoft.com/office/drawing/2010/main" xmlns:p="http://schemas.openxmlformats.org/presentationml/2006/main" xmlns:r="http://schemas.openxmlformats.org/officeDocument/2006/relationships" xmlns:a="http://schemas.openxmlformats.org/drawingml/2006/main" xmlns="" w="9525">
+              <a14:hiddenLine xmlns:a14="http://schemas.microsoft.com/office/drawing/2010/main" w="9525">
                 <a:solidFill>
                   <a:srgbClr val="000000"/>
                 </a:solidFill>
@@ -33991,20 +33908,20 @@
     </p:spTree>
     <p:extLst>
       <p:ext uri="{BB962C8B-B14F-4D97-AF65-F5344CB8AC3E}">
-        <p14:creationId xmlns:mc="http://schemas.openxmlformats.org/markup-compatibility/2006" xmlns:mv="urn:schemas-microsoft-com:mac:vml" xmlns:p14="http://schemas.microsoft.com/office/powerpoint/2010/main" xmlns:p="http://schemas.openxmlformats.org/presentationml/2006/main" xmlns:r="http://schemas.openxmlformats.org/officeDocument/2006/relationships" xmlns:a="http://schemas.openxmlformats.org/drawingml/2006/main" xmlns="" val="3700295984"/>
+        <p14:creationId xmlns:p14="http://schemas.microsoft.com/office/powerpoint/2010/main" val="3700295984"/>
       </p:ext>
     </p:extLst>
   </p:cSld>
   <p:clrMapOvr>
     <a:masterClrMapping/>
   </p:clrMapOvr>
-  <p:transition spd="med">
+  <p:transition xmlns:p14="http://schemas.microsoft.com/office/powerpoint/2010/main" spd="med">
     <p:fade/>
   </p:transition>
   <p:timing>
     <p:tnLst>
       <p:par>
-        <p:cTn id="1" dur="indefinite" restart="never" nodeType="tmRoot"/>
+        <p:cTn xmlns:p14="http://schemas.microsoft.com/office/powerpoint/2010/main" id="1" dur="indefinite" restart="never" nodeType="tmRoot"/>
       </p:par>
     </p:tnLst>
   </p:timing>
@@ -34012,7 +33929,7 @@
 </file>
 
 <file path=ppt/slides/slide8.xml><?xml version="1.0" encoding="utf-8"?>
-<p:sld xmlns:a="http://schemas.openxmlformats.org/drawingml/2006/main" xmlns:r="http://schemas.openxmlformats.org/officeDocument/2006/relationships" xmlns:mc="http://schemas.openxmlformats.org/markup-compatibility/2006" xmlns:mv="urn:schemas-microsoft-com:mac:vml" xmlns:p="http://schemas.openxmlformats.org/presentationml/2006/main" mc:Ignorable="mv" mc:PreserveAttributes="mv:*">
+<p:sld xmlns:a="http://schemas.openxmlformats.org/drawingml/2006/main" xmlns:r="http://schemas.openxmlformats.org/officeDocument/2006/relationships" xmlns:p="http://schemas.openxmlformats.org/presentationml/2006/main">
   <p:cSld>
     <p:spTree>
       <p:nvGrpSpPr>
@@ -34123,14 +34040,14 @@
           </a:ln>
           <a:extLst>
             <a:ext uri="{909E8E84-426E-40dd-AFC4-6F175D3DCCD1}">
-              <a14:hiddenFill xmlns:mc="http://schemas.openxmlformats.org/markup-compatibility/2006" xmlns:mv="urn:schemas-microsoft-com:mac:vml" xmlns:a14="http://schemas.microsoft.com/office/drawing/2010/main" xmlns:p="http://schemas.openxmlformats.org/presentationml/2006/main" xmlns:r="http://schemas.openxmlformats.org/officeDocument/2006/relationships" xmlns:a="http://schemas.openxmlformats.org/drawingml/2006/main" xmlns="">
+              <a14:hiddenFill xmlns:a14="http://schemas.microsoft.com/office/drawing/2010/main">
                 <a:solidFill>
                   <a:srgbClr val="FFFFFF"/>
                 </a:solidFill>
               </a14:hiddenFill>
             </a:ext>
             <a:ext uri="{91240B29-F687-4f45-9708-019B960494DF}">
-              <a14:hiddenLine xmlns:mc="http://schemas.openxmlformats.org/markup-compatibility/2006" xmlns:mv="urn:schemas-microsoft-com:mac:vml" xmlns:a14="http://schemas.microsoft.com/office/drawing/2010/main" xmlns:p="http://schemas.openxmlformats.org/presentationml/2006/main" xmlns:r="http://schemas.openxmlformats.org/officeDocument/2006/relationships" xmlns:a="http://schemas.openxmlformats.org/drawingml/2006/main" xmlns="" w="9525">
+              <a14:hiddenLine xmlns:a14="http://schemas.microsoft.com/office/drawing/2010/main" w="9525">
                 <a:solidFill>
                   <a:srgbClr val="000000"/>
                 </a:solidFill>
@@ -34272,7 +34189,7 @@
     </p:spTree>
     <p:extLst>
       <p:ext uri="{BB962C8B-B14F-4D97-AF65-F5344CB8AC3E}">
-        <p14:creationId xmlns:mc="http://schemas.openxmlformats.org/markup-compatibility/2006" xmlns:mv="urn:schemas-microsoft-com:mac:vml" xmlns:p14="http://schemas.microsoft.com/office/powerpoint/2010/main" xmlns:p="http://schemas.openxmlformats.org/presentationml/2006/main" xmlns:r="http://schemas.openxmlformats.org/officeDocument/2006/relationships" xmlns:a="http://schemas.openxmlformats.org/drawingml/2006/main" xmlns="" val="2108713422"/>
+        <p14:creationId xmlns:p14="http://schemas.microsoft.com/office/powerpoint/2010/main" val="2108713422"/>
       </p:ext>
     </p:extLst>
   </p:cSld>
@@ -34282,7 +34199,7 @@
   <p:timing>
     <p:tnLst>
       <p:par>
-        <p:cTn id="1" dur="indefinite" restart="never" nodeType="tmRoot"/>
+        <p:cTn xmlns:p14="http://schemas.microsoft.com/office/powerpoint/2010/main" id="1" dur="indefinite" restart="never" nodeType="tmRoot"/>
       </p:par>
     </p:tnLst>
   </p:timing>
@@ -34290,7 +34207,7 @@
 </file>
 
 <file path=ppt/slides/slide9.xml><?xml version="1.0" encoding="utf-8"?>
-<p:sld xmlns:a="http://schemas.openxmlformats.org/drawingml/2006/main" xmlns:r="http://schemas.openxmlformats.org/officeDocument/2006/relationships" xmlns:mc="http://schemas.openxmlformats.org/markup-compatibility/2006" xmlns:mv="urn:schemas-microsoft-com:mac:vml" xmlns:p="http://schemas.openxmlformats.org/presentationml/2006/main" mc:Ignorable="mv" mc:PreserveAttributes="mv:*">
+<p:sld xmlns:a="http://schemas.openxmlformats.org/drawingml/2006/main" xmlns:r="http://schemas.openxmlformats.org/officeDocument/2006/relationships" xmlns:p="http://schemas.openxmlformats.org/presentationml/2006/main">
   <p:cSld>
     <p:spTree>
       <p:nvGrpSpPr>
@@ -34501,14 +34418,14 @@
           </a:ln>
           <a:extLst>
             <a:ext uri="{909E8E84-426E-40dd-AFC4-6F175D3DCCD1}">
-              <a14:hiddenFill xmlns:mc="http://schemas.openxmlformats.org/markup-compatibility/2006" xmlns:mv="urn:schemas-microsoft-com:mac:vml" xmlns:a14="http://schemas.microsoft.com/office/drawing/2010/main" xmlns:p="http://schemas.openxmlformats.org/presentationml/2006/main" xmlns:r="http://schemas.openxmlformats.org/officeDocument/2006/relationships" xmlns:a="http://schemas.openxmlformats.org/drawingml/2006/main" xmlns="">
+              <a14:hiddenFill xmlns:a14="http://schemas.microsoft.com/office/drawing/2010/main">
                 <a:solidFill>
                   <a:srgbClr val="FFFFFF"/>
                 </a:solidFill>
               </a14:hiddenFill>
             </a:ext>
             <a:ext uri="{91240B29-F687-4f45-9708-019B960494DF}">
-              <a14:hiddenLine xmlns:mc="http://schemas.openxmlformats.org/markup-compatibility/2006" xmlns:mv="urn:schemas-microsoft-com:mac:vml" xmlns:a14="http://schemas.microsoft.com/office/drawing/2010/main" xmlns:p="http://schemas.openxmlformats.org/presentationml/2006/main" xmlns:r="http://schemas.openxmlformats.org/officeDocument/2006/relationships" xmlns:a="http://schemas.openxmlformats.org/drawingml/2006/main" xmlns="" w="9525">
+              <a14:hiddenLine xmlns:a14="http://schemas.microsoft.com/office/drawing/2010/main" w="9525">
                 <a:solidFill>
                   <a:srgbClr val="000000"/>
                 </a:solidFill>
@@ -34650,7 +34567,7 @@
     </p:spTree>
     <p:extLst>
       <p:ext uri="{BB962C8B-B14F-4D97-AF65-F5344CB8AC3E}">
-        <p14:creationId xmlns:mc="http://schemas.openxmlformats.org/markup-compatibility/2006" xmlns:mv="urn:schemas-microsoft-com:mac:vml" xmlns:p14="http://schemas.microsoft.com/office/powerpoint/2010/main" xmlns:p="http://schemas.openxmlformats.org/presentationml/2006/main" xmlns:r="http://schemas.openxmlformats.org/officeDocument/2006/relationships" xmlns:a="http://schemas.openxmlformats.org/drawingml/2006/main" xmlns="" val="4257424235"/>
+        <p14:creationId xmlns:p14="http://schemas.microsoft.com/office/powerpoint/2010/main" val="4257424235"/>
       </p:ext>
     </p:extLst>
   </p:cSld>
@@ -34660,7 +34577,7 @@
   <p:timing>
     <p:tnLst>
       <p:par>
-        <p:cTn id="1" dur="indefinite" restart="never" nodeType="tmRoot"/>
+        <p:cTn xmlns:p14="http://schemas.microsoft.com/office/powerpoint/2010/main" id="1" dur="indefinite" restart="never" nodeType="tmRoot"/>
       </p:par>
     </p:tnLst>
   </p:timing>

--- a/Slides/developing-media-api-17Dec2013.pptx
+++ b/Slides/developing-media-api-17Dec2013.pptx
@@ -25664,7 +25664,66 @@
                 <a:latin typeface="Arial" charset="0"/>
                 <a:ea typeface="ＭＳ Ｐゴシック" charset="0"/>
               </a:rPr>
-              <a:t>Limit response size by using the "all", "any" or "none" parameters</a:t>
+              <a:t>Limit response size by using the </a:t>
+            </a:r>
+            <a:r>
+              <a:rPr lang="en-US" sz="3000" dirty="0" smtClean="0">
+                <a:latin typeface="Source Code Pro"/>
+                <a:ea typeface="ＭＳ Ｐゴシック" charset="0"/>
+                <a:cs typeface="Source Code Pro"/>
+              </a:rPr>
+              <a:t>all</a:t>
+            </a:r>
+            <a:r>
+              <a:rPr lang="en-US" sz="3000" dirty="0" smtClean="0">
+                <a:latin typeface="Arial" charset="0"/>
+                <a:ea typeface="ＭＳ Ｐゴシック" charset="0"/>
+              </a:rPr>
+              <a:t>, </a:t>
+            </a:r>
+            <a:r>
+              <a:rPr lang="en-US" sz="3000" dirty="0" smtClean="0">
+                <a:latin typeface="Source Code Pro"/>
+                <a:ea typeface="ＭＳ Ｐゴシック" charset="0"/>
+                <a:cs typeface="Source Code Pro"/>
+              </a:rPr>
+              <a:t>any</a:t>
+            </a:r>
+            <a:r>
+              <a:rPr lang="en-US" sz="3000" dirty="0" smtClean="0">
+                <a:latin typeface="Arial" charset="0"/>
+                <a:ea typeface="ＭＳ Ｐゴシック" charset="0"/>
+              </a:rPr>
+              <a:t> </a:t>
+            </a:r>
+            <a:r>
+              <a:rPr lang="en-US" sz="3000" dirty="0" smtClean="0">
+                <a:latin typeface="Arial" charset="0"/>
+                <a:ea typeface="ＭＳ Ｐゴシック" charset="0"/>
+              </a:rPr>
+              <a:t>or </a:t>
+            </a:r>
+            <a:r>
+              <a:rPr lang="en-US" sz="3000" dirty="0" smtClean="0">
+                <a:latin typeface="Source Code Pro"/>
+                <a:ea typeface="ＭＳ Ｐゴシック" charset="0"/>
+                <a:cs typeface="Source Code Pro"/>
+              </a:rPr>
+              <a:t>none</a:t>
+            </a:r>
+            <a:r>
+              <a:rPr lang="en-US" sz="3000" dirty="0" smtClean="0">
+                <a:latin typeface="Arial" charset="0"/>
+                <a:ea typeface="ＭＳ Ｐゴシック" charset="0"/>
+              </a:rPr>
+              <a:t> </a:t>
+            </a:r>
+            <a:r>
+              <a:rPr lang="en-US" sz="3000" dirty="0" smtClean="0">
+                <a:latin typeface="Arial" charset="0"/>
+                <a:ea typeface="ＭＳ Ｐゴシック" charset="0"/>
+              </a:rPr>
+              <a:t>parameters</a:t>
             </a:r>
           </a:p>
           <a:p>
@@ -25886,19 +25945,8 @@
                 <a:latin typeface="Arial" charset="0"/>
                 <a:ea typeface="ＭＳ Ｐゴシック" charset="0"/>
               </a:rPr>
-              <a:t>	(returns videos that have neither a tag value of sea nor a value of fish</a:t>
-            </a:r>
-            <a:r>
-              <a:rPr lang="en-US" sz="3000" smtClean="0">
-                <a:latin typeface="Arial" charset="0"/>
-                <a:ea typeface="ＭＳ Ｐゴシック" charset="0"/>
-              </a:rPr>
-              <a:t>)  </a:t>
-            </a:r>
-            <a:endParaRPr lang="en-US" sz="3000" dirty="0" smtClean="0">
-              <a:latin typeface="Arial" charset="0"/>
-              <a:ea typeface="ＭＳ Ｐゴシック" charset="0"/>
-            </a:endParaRPr>
+              <a:t>	(returns videos that have neither a tag value of sea nor a value of fish)  </a:t>
+            </a:r>
           </a:p>
         </p:txBody>
       </p:sp>
